--- a/Introduction_to_clean_architecture.pptx
+++ b/Introduction_to_clean_architecture.pptx
@@ -2,13 +2,31 @@
 <file path=ppt/presentation.xml><?xml version="1.0" encoding="utf-8"?>
 <p:presentation xmlns:a="http://schemas.openxmlformats.org/drawingml/2006/main" xmlns:r="http://schemas.openxmlformats.org/officeDocument/2006/relationships" xmlns:p="http://schemas.openxmlformats.org/presentationml/2006/main" saveSubsetFonts="1">
   <p:sldMasterIdLst>
-    <p:sldMasterId id="2147483648" r:id="rId1"/>
+    <p:sldMasterId id="2147483660" r:id="rId1"/>
+    <p:sldMasterId id="2147483672" r:id="rId2"/>
   </p:sldMasterIdLst>
   <p:sldIdLst>
-    <p:sldId id="256" r:id="rId2"/>
-    <p:sldId id="257" r:id="rId3"/>
-    <p:sldId id="258" r:id="rId4"/>
-    <p:sldId id="259" r:id="rId5"/>
+    <p:sldId id="260" r:id="rId3"/>
+    <p:sldId id="261" r:id="rId4"/>
+    <p:sldId id="270" r:id="rId5"/>
+    <p:sldId id="258" r:id="rId6"/>
+    <p:sldId id="262" r:id="rId7"/>
+    <p:sldId id="263" r:id="rId8"/>
+    <p:sldId id="264" r:id="rId9"/>
+    <p:sldId id="256" r:id="rId10"/>
+    <p:sldId id="266" r:id="rId11"/>
+    <p:sldId id="257" r:id="rId12"/>
+    <p:sldId id="265" r:id="rId13"/>
+    <p:sldId id="269" r:id="rId14"/>
+    <p:sldId id="268" r:id="rId15"/>
+    <p:sldId id="271" r:id="rId16"/>
+    <p:sldId id="272" r:id="rId17"/>
+    <p:sldId id="273" r:id="rId18"/>
+    <p:sldId id="274" r:id="rId19"/>
+    <p:sldId id="275" r:id="rId20"/>
+    <p:sldId id="276" r:id="rId21"/>
+    <p:sldId id="278" r:id="rId22"/>
+    <p:sldId id="277" r:id="rId23"/>
   </p:sldIdLst>
   <p:sldSz cx="12192000" cy="6858000"/>
   <p:notesSz cx="6858000" cy="9144000"/>
@@ -16,7 +34,7 @@
     <a:defPPr>
       <a:defRPr lang="en-US"/>
     </a:defPPr>
-    <a:lvl1pPr marL="0" algn="l" defTabSz="914400" rtl="0" eaLnBrk="1" latinLnBrk="0" hangingPunct="1">
+    <a:lvl1pPr marL="0" algn="l" defTabSz="457200" rtl="0" eaLnBrk="1" latinLnBrk="0" hangingPunct="1">
       <a:defRPr sz="1800" kern="1200">
         <a:solidFill>
           <a:schemeClr val="tx1"/>
@@ -26,7 +44,7 @@
         <a:cs typeface="+mn-cs"/>
       </a:defRPr>
     </a:lvl1pPr>
-    <a:lvl2pPr marL="457200" algn="l" defTabSz="914400" rtl="0" eaLnBrk="1" latinLnBrk="0" hangingPunct="1">
+    <a:lvl2pPr marL="457200" algn="l" defTabSz="457200" rtl="0" eaLnBrk="1" latinLnBrk="0" hangingPunct="1">
       <a:defRPr sz="1800" kern="1200">
         <a:solidFill>
           <a:schemeClr val="tx1"/>
@@ -36,7 +54,7 @@
         <a:cs typeface="+mn-cs"/>
       </a:defRPr>
     </a:lvl2pPr>
-    <a:lvl3pPr marL="914400" algn="l" defTabSz="914400" rtl="0" eaLnBrk="1" latinLnBrk="0" hangingPunct="1">
+    <a:lvl3pPr marL="914400" algn="l" defTabSz="457200" rtl="0" eaLnBrk="1" latinLnBrk="0" hangingPunct="1">
       <a:defRPr sz="1800" kern="1200">
         <a:solidFill>
           <a:schemeClr val="tx1"/>
@@ -46,7 +64,7 @@
         <a:cs typeface="+mn-cs"/>
       </a:defRPr>
     </a:lvl3pPr>
-    <a:lvl4pPr marL="1371600" algn="l" defTabSz="914400" rtl="0" eaLnBrk="1" latinLnBrk="0" hangingPunct="1">
+    <a:lvl4pPr marL="1371600" algn="l" defTabSz="457200" rtl="0" eaLnBrk="1" latinLnBrk="0" hangingPunct="1">
       <a:defRPr sz="1800" kern="1200">
         <a:solidFill>
           <a:schemeClr val="tx1"/>
@@ -56,7 +74,7 @@
         <a:cs typeface="+mn-cs"/>
       </a:defRPr>
     </a:lvl4pPr>
-    <a:lvl5pPr marL="1828800" algn="l" defTabSz="914400" rtl="0" eaLnBrk="1" latinLnBrk="0" hangingPunct="1">
+    <a:lvl5pPr marL="1828800" algn="l" defTabSz="457200" rtl="0" eaLnBrk="1" latinLnBrk="0" hangingPunct="1">
       <a:defRPr sz="1800" kern="1200">
         <a:solidFill>
           <a:schemeClr val="tx1"/>
@@ -66,7 +84,7 @@
         <a:cs typeface="+mn-cs"/>
       </a:defRPr>
     </a:lvl5pPr>
-    <a:lvl6pPr marL="2286000" algn="l" defTabSz="914400" rtl="0" eaLnBrk="1" latinLnBrk="0" hangingPunct="1">
+    <a:lvl6pPr marL="2286000" algn="l" defTabSz="457200" rtl="0" eaLnBrk="1" latinLnBrk="0" hangingPunct="1">
       <a:defRPr sz="1800" kern="1200">
         <a:solidFill>
           <a:schemeClr val="tx1"/>
@@ -76,7 +94,7 @@
         <a:cs typeface="+mn-cs"/>
       </a:defRPr>
     </a:lvl6pPr>
-    <a:lvl7pPr marL="2743200" algn="l" defTabSz="914400" rtl="0" eaLnBrk="1" latinLnBrk="0" hangingPunct="1">
+    <a:lvl7pPr marL="2743200" algn="l" defTabSz="457200" rtl="0" eaLnBrk="1" latinLnBrk="0" hangingPunct="1">
       <a:defRPr sz="1800" kern="1200">
         <a:solidFill>
           <a:schemeClr val="tx1"/>
@@ -86,7 +104,7 @@
         <a:cs typeface="+mn-cs"/>
       </a:defRPr>
     </a:lvl7pPr>
-    <a:lvl8pPr marL="3200400" algn="l" defTabSz="914400" rtl="0" eaLnBrk="1" latinLnBrk="0" hangingPunct="1">
+    <a:lvl8pPr marL="3200400" algn="l" defTabSz="457200" rtl="0" eaLnBrk="1" latinLnBrk="0" hangingPunct="1">
       <a:defRPr sz="1800" kern="1200">
         <a:solidFill>
           <a:schemeClr val="tx1"/>
@@ -96,7 +114,7 @@
         <a:cs typeface="+mn-cs"/>
       </a:defRPr>
     </a:lvl8pPr>
-    <a:lvl9pPr marL="3657600" algn="l" defTabSz="914400" rtl="0" eaLnBrk="1" latinLnBrk="0" hangingPunct="1">
+    <a:lvl9pPr marL="3657600" algn="l" defTabSz="457200" rtl="0" eaLnBrk="1" latinLnBrk="0" hangingPunct="1">
       <a:defRPr sz="1800" kern="1200">
         <a:solidFill>
           <a:schemeClr val="tx1"/>
@@ -107,11 +125,16 @@
       </a:defRPr>
     </a:lvl9pPr>
   </p:defaultTextStyle>
+  <p:extLst>
+    <p:ext uri="{EFAFB233-063F-42B5-8137-9DF3F51BA10A}">
+      <p15:sldGuideLst xmlns:p15="http://schemas.microsoft.com/office/powerpoint/2012/main"/>
+    </p:ext>
+  </p:extLst>
 </p:presentation>
 </file>
 
 <file path=ppt/slideLayouts/slideLayout1.xml><?xml version="1.0" encoding="utf-8"?>
-<p:sldLayout xmlns:a="http://schemas.openxmlformats.org/drawingml/2006/main" xmlns:r="http://schemas.openxmlformats.org/officeDocument/2006/relationships" xmlns:p="http://schemas.openxmlformats.org/presentationml/2006/main" type="title" preserve="1">
+<p:sldLayout xmlns:a="http://schemas.openxmlformats.org/drawingml/2006/main" xmlns:r="http://schemas.openxmlformats.org/officeDocument/2006/relationships" xmlns:p="http://schemas.openxmlformats.org/presentationml/2006/main" showMasterSp="0" type="title" preserve="1">
   <p:cSld name="Title Slide">
     <p:spTree>
       <p:nvGrpSpPr>
@@ -129,13 +152,83 @@
       </p:grpSpPr>
       <p:sp>
         <p:nvSpPr>
-          <p:cNvPr id="2" name="Title 1">
-            <a:extLst>
-              <a:ext uri="{FF2B5EF4-FFF2-40B4-BE49-F238E27FC236}">
-                <a16:creationId xmlns:a16="http://schemas.microsoft.com/office/drawing/2014/main" id="{288B683B-FC09-4AE9-BBDB-4ED3CAD7D7D3}"/>
-              </a:ext>
-            </a:extLst>
-          </p:cNvPr>
+          <p:cNvPr id="7" name="Rectangle 6"/>
+          <p:cNvSpPr/>
+          <p:nvPr/>
+        </p:nvSpPr>
+        <p:spPr>
+          <a:xfrm>
+            <a:off x="3175" y="6400800"/>
+            <a:ext cx="12188825" cy="457200"/>
+          </a:xfrm>
+          <a:prstGeom prst="rect">
+            <a:avLst/>
+          </a:prstGeom>
+          <a:solidFill>
+            <a:schemeClr val="accent2"/>
+          </a:solidFill>
+          <a:ln>
+            <a:noFill/>
+          </a:ln>
+        </p:spPr>
+        <p:style>
+          <a:lnRef idx="2">
+            <a:schemeClr val="accent1">
+              <a:shade val="50000"/>
+            </a:schemeClr>
+          </a:lnRef>
+          <a:fillRef idx="1">
+            <a:schemeClr val="accent1"/>
+          </a:fillRef>
+          <a:effectRef idx="0">
+            <a:schemeClr val="accent1"/>
+          </a:effectRef>
+          <a:fontRef idx="minor">
+            <a:schemeClr val="lt1"/>
+          </a:fontRef>
+        </p:style>
+      </p:sp>
+      <p:sp>
+        <p:nvSpPr>
+          <p:cNvPr id="8" name="Rectangle 7"/>
+          <p:cNvSpPr/>
+          <p:nvPr/>
+        </p:nvSpPr>
+        <p:spPr>
+          <a:xfrm>
+            <a:off x="15" y="6334316"/>
+            <a:ext cx="12188825" cy="64008"/>
+          </a:xfrm>
+          <a:prstGeom prst="rect">
+            <a:avLst/>
+          </a:prstGeom>
+          <a:solidFill>
+            <a:schemeClr val="accent1"/>
+          </a:solidFill>
+          <a:ln>
+            <a:noFill/>
+          </a:ln>
+        </p:spPr>
+        <p:style>
+          <a:lnRef idx="2">
+            <a:schemeClr val="accent1">
+              <a:shade val="50000"/>
+            </a:schemeClr>
+          </a:lnRef>
+          <a:fillRef idx="1">
+            <a:schemeClr val="accent1"/>
+          </a:fillRef>
+          <a:effectRef idx="0">
+            <a:schemeClr val="accent1"/>
+          </a:effectRef>
+          <a:fontRef idx="minor">
+            <a:schemeClr val="lt1"/>
+          </a:fontRef>
+        </p:style>
+      </p:sp>
+      <p:sp>
+        <p:nvSpPr>
+          <p:cNvPr id="2" name="Title 1"/>
           <p:cNvSpPr>
             <a:spLocks noGrp="1"/>
           </p:cNvSpPr>
@@ -145,15 +238,27 @@
         </p:nvSpPr>
         <p:spPr>
           <a:xfrm>
-            <a:off x="1524000" y="1122363"/>
-            <a:ext cx="9144000" cy="2387600"/>
-          </a:xfrm>
-        </p:spPr>
-        <p:txBody>
-          <a:bodyPr anchor="b"/>
+            <a:off x="1097280" y="758952"/>
+            <a:ext cx="10058400" cy="3566160"/>
+          </a:xfrm>
+        </p:spPr>
+        <p:txBody>
+          <a:bodyPr anchor="b">
+            <a:normAutofit/>
+          </a:bodyPr>
           <a:lstStyle>
-            <a:lvl1pPr algn="ctr">
-              <a:defRPr sz="6000"/>
+            <a:lvl1pPr algn="l">
+              <a:lnSpc>
+                <a:spcPct val="85000"/>
+              </a:lnSpc>
+              <a:defRPr sz="8000" spc="-50" baseline="0">
+                <a:solidFill>
+                  <a:schemeClr val="tx1">
+                    <a:lumMod val="85000"/>
+                    <a:lumOff val="15000"/>
+                  </a:schemeClr>
+                </a:solidFill>
+              </a:defRPr>
             </a:lvl1pPr>
           </a:lstStyle>
           <a:p>
@@ -161,18 +266,13 @@
               <a:rPr lang="en-US"/>
               <a:t>Click to edit Master title style</a:t>
             </a:r>
-          </a:p>
-        </p:txBody>
-      </p:sp>
-      <p:sp>
-        <p:nvSpPr>
-          <p:cNvPr id="3" name="Subtitle 2">
-            <a:extLst>
-              <a:ext uri="{FF2B5EF4-FFF2-40B4-BE49-F238E27FC236}">
-                <a16:creationId xmlns:a16="http://schemas.microsoft.com/office/drawing/2014/main" id="{07CA46AF-2EC3-46BD-A877-FFE360729CDB}"/>
-              </a:ext>
-            </a:extLst>
-          </p:cNvPr>
+            <a:endParaRPr lang="en-US" dirty="0"/>
+          </a:p>
+        </p:txBody>
+      </p:sp>
+      <p:sp>
+        <p:nvSpPr>
+          <p:cNvPr id="3" name="Subtitle 2"/>
           <p:cNvSpPr>
             <a:spLocks noGrp="1"/>
           </p:cNvSpPr>
@@ -182,48 +282,55 @@
         </p:nvSpPr>
         <p:spPr>
           <a:xfrm>
-            <a:off x="1524000" y="3602038"/>
-            <a:ext cx="9144000" cy="1655762"/>
-          </a:xfrm>
-        </p:spPr>
-        <p:txBody>
-          <a:bodyPr/>
+            <a:off x="1100051" y="4455620"/>
+            <a:ext cx="10058400" cy="1143000"/>
+          </a:xfrm>
+        </p:spPr>
+        <p:txBody>
+          <a:bodyPr lIns="91440" rIns="91440">
+            <a:normAutofit/>
+          </a:bodyPr>
           <a:lstStyle>
-            <a:lvl1pPr marL="0" indent="0" algn="ctr">
-              <a:buNone/>
-              <a:defRPr sz="2400"/>
+            <a:lvl1pPr marL="0" indent="0" algn="l">
+              <a:buNone/>
+              <a:defRPr sz="2400" cap="all" spc="200" baseline="0">
+                <a:solidFill>
+                  <a:schemeClr val="tx2"/>
+                </a:solidFill>
+                <a:latin typeface="+mj-lt"/>
+              </a:defRPr>
             </a:lvl1pPr>
             <a:lvl2pPr marL="457200" indent="0" algn="ctr">
               <a:buNone/>
-              <a:defRPr sz="2000"/>
+              <a:defRPr sz="2400"/>
             </a:lvl2pPr>
             <a:lvl3pPr marL="914400" indent="0" algn="ctr">
               <a:buNone/>
-              <a:defRPr sz="1800"/>
+              <a:defRPr sz="2400"/>
             </a:lvl3pPr>
             <a:lvl4pPr marL="1371600" indent="0" algn="ctr">
               <a:buNone/>
-              <a:defRPr sz="1600"/>
+              <a:defRPr sz="2000"/>
             </a:lvl4pPr>
             <a:lvl5pPr marL="1828800" indent="0" algn="ctr">
               <a:buNone/>
-              <a:defRPr sz="1600"/>
+              <a:defRPr sz="2000"/>
             </a:lvl5pPr>
             <a:lvl6pPr marL="2286000" indent="0" algn="ctr">
               <a:buNone/>
-              <a:defRPr sz="1600"/>
+              <a:defRPr sz="2000"/>
             </a:lvl6pPr>
             <a:lvl7pPr marL="2743200" indent="0" algn="ctr">
               <a:buNone/>
-              <a:defRPr sz="1600"/>
+              <a:defRPr sz="2000"/>
             </a:lvl7pPr>
             <a:lvl8pPr marL="3200400" indent="0" algn="ctr">
               <a:buNone/>
-              <a:defRPr sz="1600"/>
+              <a:defRPr sz="2000"/>
             </a:lvl8pPr>
             <a:lvl9pPr marL="3657600" indent="0" algn="ctr">
               <a:buNone/>
-              <a:defRPr sz="1600"/>
+              <a:defRPr sz="2000"/>
             </a:lvl9pPr>
           </a:lstStyle>
           <a:p>
@@ -231,18 +338,13 @@
               <a:rPr lang="en-US"/>
               <a:t>Click to edit Master subtitle style</a:t>
             </a:r>
-          </a:p>
-        </p:txBody>
-      </p:sp>
-      <p:sp>
-        <p:nvSpPr>
-          <p:cNvPr id="4" name="Date Placeholder 3">
-            <a:extLst>
-              <a:ext uri="{FF2B5EF4-FFF2-40B4-BE49-F238E27FC236}">
-                <a16:creationId xmlns:a16="http://schemas.microsoft.com/office/drawing/2014/main" id="{6756D766-1721-4FF3-B2B6-5CFCC8FE9786}"/>
-              </a:ext>
-            </a:extLst>
-          </p:cNvPr>
+            <a:endParaRPr lang="en-US" dirty="0"/>
+          </a:p>
+        </p:txBody>
+      </p:sp>
+      <p:sp>
+        <p:nvSpPr>
+          <p:cNvPr id="4" name="Date Placeholder 3"/>
           <p:cNvSpPr>
             <a:spLocks noGrp="1"/>
           </p:cNvSpPr>
@@ -257,7 +359,7 @@
           <a:p>
             <a:fld id="{B36A80E0-6C7C-4E44-8FFB-72845EDF7FFF}" type="datetimeFigureOut">
               <a:rPr lang="en-US" smtClean="0"/>
-              <a:t>12/25/2019</a:t>
+              <a:t>1/5/2020</a:t>
             </a:fld>
             <a:endParaRPr lang="en-US"/>
           </a:p>
@@ -265,13 +367,7 @@
       </p:sp>
       <p:sp>
         <p:nvSpPr>
-          <p:cNvPr id="5" name="Footer Placeholder 4">
-            <a:extLst>
-              <a:ext uri="{FF2B5EF4-FFF2-40B4-BE49-F238E27FC236}">
-                <a16:creationId xmlns:a16="http://schemas.microsoft.com/office/drawing/2014/main" id="{4F695790-5D23-4BE4-B067-50349AAF40D5}"/>
-              </a:ext>
-            </a:extLst>
-          </p:cNvPr>
+          <p:cNvPr id="5" name="Footer Placeholder 4"/>
           <p:cNvSpPr>
             <a:spLocks noGrp="1"/>
           </p:cNvSpPr>
@@ -290,13 +386,7 @@
       </p:sp>
       <p:sp>
         <p:nvSpPr>
-          <p:cNvPr id="6" name="Slide Number Placeholder 5">
-            <a:extLst>
-              <a:ext uri="{FF2B5EF4-FFF2-40B4-BE49-F238E27FC236}">
-                <a16:creationId xmlns:a16="http://schemas.microsoft.com/office/drawing/2014/main" id="{5F9743FA-01A6-4C31-8386-6338FB267F88}"/>
-              </a:ext>
-            </a:extLst>
-          </p:cNvPr>
+          <p:cNvPr id="6" name="Slide Number Placeholder 5"/>
           <p:cNvSpPr>
             <a:spLocks noGrp="1"/>
           </p:cNvSpPr>
@@ -317,10 +407,48 @@
           </a:p>
         </p:txBody>
       </p:sp>
+      <p:cxnSp>
+        <p:nvCxnSpPr>
+          <p:cNvPr id="9" name="Straight Connector 8"/>
+          <p:cNvCxnSpPr/>
+          <p:nvPr/>
+        </p:nvCxnSpPr>
+        <p:spPr>
+          <a:xfrm>
+            <a:off x="1207658" y="4343400"/>
+            <a:ext cx="9875520" cy="0"/>
+          </a:xfrm>
+          <a:prstGeom prst="line">
+            <a:avLst/>
+          </a:prstGeom>
+          <a:ln w="6350">
+            <a:solidFill>
+              <a:schemeClr val="tx1">
+                <a:lumMod val="50000"/>
+                <a:lumOff val="50000"/>
+              </a:schemeClr>
+            </a:solidFill>
+          </a:ln>
+        </p:spPr>
+        <p:style>
+          <a:lnRef idx="1">
+            <a:schemeClr val="accent1"/>
+          </a:lnRef>
+          <a:fillRef idx="0">
+            <a:schemeClr val="accent1"/>
+          </a:fillRef>
+          <a:effectRef idx="0">
+            <a:schemeClr val="accent1"/>
+          </a:effectRef>
+          <a:fontRef idx="minor">
+            <a:schemeClr val="tx1"/>
+          </a:fontRef>
+        </p:style>
+      </p:cxnSp>
     </p:spTree>
     <p:extLst>
       <p:ext uri="{BB962C8B-B14F-4D97-AF65-F5344CB8AC3E}">
-        <p14:creationId xmlns:p14="http://schemas.microsoft.com/office/powerpoint/2010/main" val="1605946154"/>
+        <p14:creationId xmlns:p14="http://schemas.microsoft.com/office/powerpoint/2010/main" val="2949111506"/>
       </p:ext>
     </p:extLst>
   </p:cSld>
@@ -349,13 +477,7 @@
       </p:grpSpPr>
       <p:sp>
         <p:nvSpPr>
-          <p:cNvPr id="2" name="Title 1">
-            <a:extLst>
-              <a:ext uri="{FF2B5EF4-FFF2-40B4-BE49-F238E27FC236}">
-                <a16:creationId xmlns:a16="http://schemas.microsoft.com/office/drawing/2014/main" id="{2CC9429A-5265-4590-94EF-C2580D96D2EF}"/>
-              </a:ext>
-            </a:extLst>
-          </p:cNvPr>
+          <p:cNvPr id="2" name="Title 1"/>
           <p:cNvSpPr>
             <a:spLocks noGrp="1"/>
           </p:cNvSpPr>
@@ -372,18 +494,13 @@
               <a:rPr lang="en-US"/>
               <a:t>Click to edit Master title style</a:t>
             </a:r>
-          </a:p>
-        </p:txBody>
-      </p:sp>
-      <p:sp>
-        <p:nvSpPr>
-          <p:cNvPr id="3" name="Vertical Text Placeholder 2">
-            <a:extLst>
-              <a:ext uri="{FF2B5EF4-FFF2-40B4-BE49-F238E27FC236}">
-                <a16:creationId xmlns:a16="http://schemas.microsoft.com/office/drawing/2014/main" id="{299A89CE-BB36-467D-8EAA-FFF4CAE39983}"/>
-              </a:ext>
-            </a:extLst>
-          </p:cNvPr>
+            <a:endParaRPr lang="en-US" dirty="0"/>
+          </a:p>
+        </p:txBody>
+      </p:sp>
+      <p:sp>
+        <p:nvSpPr>
+          <p:cNvPr id="3" name="Vertical Text Placeholder 2"/>
           <p:cNvSpPr>
             <a:spLocks noGrp="1"/>
           </p:cNvSpPr>
@@ -393,7 +510,7 @@
         </p:nvSpPr>
         <p:spPr/>
         <p:txBody>
-          <a:bodyPr vert="eaVert"/>
+          <a:bodyPr vert="eaVert" lIns="45720" tIns="0" rIns="45720" bIns="0"/>
           <a:lstStyle/>
           <a:p>
             <a:pPr lvl="0"/>
@@ -429,18 +546,13 @@
               <a:rPr lang="en-US"/>
               <a:t>Fifth level</a:t>
             </a:r>
-          </a:p>
-        </p:txBody>
-      </p:sp>
-      <p:sp>
-        <p:nvSpPr>
-          <p:cNvPr id="4" name="Date Placeholder 3">
-            <a:extLst>
-              <a:ext uri="{FF2B5EF4-FFF2-40B4-BE49-F238E27FC236}">
-                <a16:creationId xmlns:a16="http://schemas.microsoft.com/office/drawing/2014/main" id="{07B44386-6D28-4E06-869E-0DE184F20A38}"/>
-              </a:ext>
-            </a:extLst>
-          </p:cNvPr>
+            <a:endParaRPr lang="en-US" dirty="0"/>
+          </a:p>
+        </p:txBody>
+      </p:sp>
+      <p:sp>
+        <p:nvSpPr>
+          <p:cNvPr id="4" name="Date Placeholder 3"/>
           <p:cNvSpPr>
             <a:spLocks noGrp="1"/>
           </p:cNvSpPr>
@@ -455,7 +567,7 @@
           <a:p>
             <a:fld id="{B36A80E0-6C7C-4E44-8FFB-72845EDF7FFF}" type="datetimeFigureOut">
               <a:rPr lang="en-US" smtClean="0"/>
-              <a:t>12/25/2019</a:t>
+              <a:t>1/5/2020</a:t>
             </a:fld>
             <a:endParaRPr lang="en-US"/>
           </a:p>
@@ -463,13 +575,7 @@
       </p:sp>
       <p:sp>
         <p:nvSpPr>
-          <p:cNvPr id="5" name="Footer Placeholder 4">
-            <a:extLst>
-              <a:ext uri="{FF2B5EF4-FFF2-40B4-BE49-F238E27FC236}">
-                <a16:creationId xmlns:a16="http://schemas.microsoft.com/office/drawing/2014/main" id="{7552A5D8-DE5D-469F-8AEE-32CB2387A017}"/>
-              </a:ext>
-            </a:extLst>
-          </p:cNvPr>
+          <p:cNvPr id="5" name="Footer Placeholder 4"/>
           <p:cNvSpPr>
             <a:spLocks noGrp="1"/>
           </p:cNvSpPr>
@@ -488,13 +594,7 @@
       </p:sp>
       <p:sp>
         <p:nvSpPr>
-          <p:cNvPr id="6" name="Slide Number Placeholder 5">
-            <a:extLst>
-              <a:ext uri="{FF2B5EF4-FFF2-40B4-BE49-F238E27FC236}">
-                <a16:creationId xmlns:a16="http://schemas.microsoft.com/office/drawing/2014/main" id="{F82CA4CC-0F11-4D6E-BF36-F2114911C3DB}"/>
-              </a:ext>
-            </a:extLst>
-          </p:cNvPr>
+          <p:cNvPr id="6" name="Slide Number Placeholder 5"/>
           <p:cNvSpPr>
             <a:spLocks noGrp="1"/>
           </p:cNvSpPr>
@@ -518,7 +618,7 @@
     </p:spTree>
     <p:extLst>
       <p:ext uri="{BB962C8B-B14F-4D97-AF65-F5344CB8AC3E}">
-        <p14:creationId xmlns:p14="http://schemas.microsoft.com/office/powerpoint/2010/main" val="716240699"/>
+        <p14:creationId xmlns:p14="http://schemas.microsoft.com/office/powerpoint/2010/main" val="350942651"/>
       </p:ext>
     </p:extLst>
   </p:cSld>
@@ -529,7 +629,7 @@
 </file>
 
 <file path=ppt/slideLayouts/slideLayout11.xml><?xml version="1.0" encoding="utf-8"?>
-<p:sldLayout xmlns:a="http://schemas.openxmlformats.org/drawingml/2006/main" xmlns:r="http://schemas.openxmlformats.org/officeDocument/2006/relationships" xmlns:p="http://schemas.openxmlformats.org/presentationml/2006/main" type="vertTitleAndTx" preserve="1">
+<p:sldLayout xmlns:a="http://schemas.openxmlformats.org/drawingml/2006/main" xmlns:r="http://schemas.openxmlformats.org/officeDocument/2006/relationships" xmlns:p="http://schemas.openxmlformats.org/presentationml/2006/main" showMasterSp="0" type="vertTitleAndTx" preserve="1">
   <p:cSld name="Vertical Title and Text">
     <p:spTree>
       <p:nvGrpSpPr>
@@ -547,13 +647,83 @@
       </p:grpSpPr>
       <p:sp>
         <p:nvSpPr>
-          <p:cNvPr id="2" name="Vertical Title 1">
-            <a:extLst>
-              <a:ext uri="{FF2B5EF4-FFF2-40B4-BE49-F238E27FC236}">
-                <a16:creationId xmlns:a16="http://schemas.microsoft.com/office/drawing/2014/main" id="{4BA9F55B-A73A-470D-8B8A-89783CB9D793}"/>
-              </a:ext>
-            </a:extLst>
-          </p:cNvPr>
+          <p:cNvPr id="7" name="Rectangle 6"/>
+          <p:cNvSpPr/>
+          <p:nvPr/>
+        </p:nvSpPr>
+        <p:spPr>
+          <a:xfrm>
+            <a:off x="3175" y="6400800"/>
+            <a:ext cx="12188825" cy="457200"/>
+          </a:xfrm>
+          <a:prstGeom prst="rect">
+            <a:avLst/>
+          </a:prstGeom>
+          <a:solidFill>
+            <a:schemeClr val="accent2"/>
+          </a:solidFill>
+          <a:ln>
+            <a:noFill/>
+          </a:ln>
+        </p:spPr>
+        <p:style>
+          <a:lnRef idx="2">
+            <a:schemeClr val="accent1">
+              <a:shade val="50000"/>
+            </a:schemeClr>
+          </a:lnRef>
+          <a:fillRef idx="1">
+            <a:schemeClr val="accent1"/>
+          </a:fillRef>
+          <a:effectRef idx="0">
+            <a:schemeClr val="accent1"/>
+          </a:effectRef>
+          <a:fontRef idx="minor">
+            <a:schemeClr val="lt1"/>
+          </a:fontRef>
+        </p:style>
+      </p:sp>
+      <p:sp>
+        <p:nvSpPr>
+          <p:cNvPr id="8" name="Rectangle 7"/>
+          <p:cNvSpPr/>
+          <p:nvPr/>
+        </p:nvSpPr>
+        <p:spPr>
+          <a:xfrm>
+            <a:off x="15" y="6334316"/>
+            <a:ext cx="12188825" cy="64008"/>
+          </a:xfrm>
+          <a:prstGeom prst="rect">
+            <a:avLst/>
+          </a:prstGeom>
+          <a:solidFill>
+            <a:schemeClr val="accent1"/>
+          </a:solidFill>
+          <a:ln>
+            <a:noFill/>
+          </a:ln>
+        </p:spPr>
+        <p:style>
+          <a:lnRef idx="2">
+            <a:schemeClr val="accent1">
+              <a:shade val="50000"/>
+            </a:schemeClr>
+          </a:lnRef>
+          <a:fillRef idx="1">
+            <a:schemeClr val="accent1"/>
+          </a:fillRef>
+          <a:effectRef idx="0">
+            <a:schemeClr val="accent1"/>
+          </a:effectRef>
+          <a:fontRef idx="minor">
+            <a:schemeClr val="lt1"/>
+          </a:fontRef>
+        </p:style>
+      </p:sp>
+      <p:sp>
+        <p:nvSpPr>
+          <p:cNvPr id="2" name="Vertical Title 1"/>
           <p:cNvSpPr>
             <a:spLocks noGrp="1"/>
           </p:cNvSpPr>
@@ -563,8 +733,8 @@
         </p:nvSpPr>
         <p:spPr>
           <a:xfrm>
-            <a:off x="8724900" y="365125"/>
-            <a:ext cx="2628900" cy="5811838"/>
+            <a:off x="8724900" y="414778"/>
+            <a:ext cx="2628900" cy="5757421"/>
           </a:xfrm>
         </p:spPr>
         <p:txBody>
@@ -575,18 +745,13 @@
               <a:rPr lang="en-US"/>
               <a:t>Click to edit Master title style</a:t>
             </a:r>
-          </a:p>
-        </p:txBody>
-      </p:sp>
-      <p:sp>
-        <p:nvSpPr>
-          <p:cNvPr id="3" name="Vertical Text Placeholder 2">
-            <a:extLst>
-              <a:ext uri="{FF2B5EF4-FFF2-40B4-BE49-F238E27FC236}">
-                <a16:creationId xmlns:a16="http://schemas.microsoft.com/office/drawing/2014/main" id="{2797F6B7-6A2F-4308-A16D-1B570B62A789}"/>
-              </a:ext>
-            </a:extLst>
-          </p:cNvPr>
+            <a:endParaRPr lang="en-US" dirty="0"/>
+          </a:p>
+        </p:txBody>
+      </p:sp>
+      <p:sp>
+        <p:nvSpPr>
+          <p:cNvPr id="3" name="Vertical Text Placeholder 2"/>
           <p:cNvSpPr>
             <a:spLocks noGrp="1"/>
           </p:cNvSpPr>
@@ -596,12 +761,12 @@
         </p:nvSpPr>
         <p:spPr>
           <a:xfrm>
-            <a:off x="838200" y="365125"/>
-            <a:ext cx="7734300" cy="5811838"/>
-          </a:xfrm>
-        </p:spPr>
-        <p:txBody>
-          <a:bodyPr vert="eaVert"/>
+            <a:off x="838200" y="414778"/>
+            <a:ext cx="7734300" cy="5757422"/>
+          </a:xfrm>
+        </p:spPr>
+        <p:txBody>
+          <a:bodyPr vert="eaVert" lIns="45720" tIns="0" rIns="45720" bIns="0"/>
           <a:lstStyle/>
           <a:p>
             <a:pPr lvl="0"/>
@@ -637,18 +802,13 @@
               <a:rPr lang="en-US"/>
               <a:t>Fifth level</a:t>
             </a:r>
-          </a:p>
-        </p:txBody>
-      </p:sp>
-      <p:sp>
-        <p:nvSpPr>
-          <p:cNvPr id="4" name="Date Placeholder 3">
-            <a:extLst>
-              <a:ext uri="{FF2B5EF4-FFF2-40B4-BE49-F238E27FC236}">
-                <a16:creationId xmlns:a16="http://schemas.microsoft.com/office/drawing/2014/main" id="{1147F41E-8451-4657-BA3D-4E3AFA983C9E}"/>
-              </a:ext>
-            </a:extLst>
-          </p:cNvPr>
+            <a:endParaRPr lang="en-US" dirty="0"/>
+          </a:p>
+        </p:txBody>
+      </p:sp>
+      <p:sp>
+        <p:nvSpPr>
+          <p:cNvPr id="4" name="Date Placeholder 3"/>
           <p:cNvSpPr>
             <a:spLocks noGrp="1"/>
           </p:cNvSpPr>
@@ -663,7 +823,7 @@
           <a:p>
             <a:fld id="{B36A80E0-6C7C-4E44-8FFB-72845EDF7FFF}" type="datetimeFigureOut">
               <a:rPr lang="en-US" smtClean="0"/>
-              <a:t>12/25/2019</a:t>
+              <a:t>1/5/2020</a:t>
             </a:fld>
             <a:endParaRPr lang="en-US"/>
           </a:p>
@@ -671,13 +831,7 @@
       </p:sp>
       <p:sp>
         <p:nvSpPr>
-          <p:cNvPr id="5" name="Footer Placeholder 4">
-            <a:extLst>
-              <a:ext uri="{FF2B5EF4-FFF2-40B4-BE49-F238E27FC236}">
-                <a16:creationId xmlns:a16="http://schemas.microsoft.com/office/drawing/2014/main" id="{D9AECDD4-F4BE-4990-A9C0-717F8D077C7A}"/>
-              </a:ext>
-            </a:extLst>
-          </p:cNvPr>
+          <p:cNvPr id="5" name="Footer Placeholder 4"/>
           <p:cNvSpPr>
             <a:spLocks noGrp="1"/>
           </p:cNvSpPr>
@@ -696,13 +850,7 @@
       </p:sp>
       <p:sp>
         <p:nvSpPr>
-          <p:cNvPr id="6" name="Slide Number Placeholder 5">
-            <a:extLst>
-              <a:ext uri="{FF2B5EF4-FFF2-40B4-BE49-F238E27FC236}">
-                <a16:creationId xmlns:a16="http://schemas.microsoft.com/office/drawing/2014/main" id="{D6F7CF3C-AAD9-4C2E-971E-1383C511052A}"/>
-              </a:ext>
-            </a:extLst>
-          </p:cNvPr>
+          <p:cNvPr id="6" name="Slide Number Placeholder 5"/>
           <p:cNvSpPr>
             <a:spLocks noGrp="1"/>
           </p:cNvSpPr>
@@ -726,7 +874,7 @@
     </p:spTree>
     <p:extLst>
       <p:ext uri="{BB962C8B-B14F-4D97-AF65-F5344CB8AC3E}">
-        <p14:creationId xmlns:p14="http://schemas.microsoft.com/office/powerpoint/2010/main" val="3314023694"/>
+        <p14:creationId xmlns:p14="http://schemas.microsoft.com/office/powerpoint/2010/main" val="3986604676"/>
       </p:ext>
     </p:extLst>
   </p:cSld>
@@ -736,7 +884,227 @@
 </p:sldLayout>
 </file>
 
-<file path=ppt/slideLayouts/slideLayout2.xml><?xml version="1.0" encoding="utf-8"?>
+<file path=ppt/slideLayouts/slideLayout12.xml><?xml version="1.0" encoding="utf-8"?>
+<p:sldLayout xmlns:a="http://schemas.openxmlformats.org/drawingml/2006/main" xmlns:r="http://schemas.openxmlformats.org/officeDocument/2006/relationships" xmlns:p="http://schemas.openxmlformats.org/presentationml/2006/main" type="title" preserve="1">
+  <p:cSld name="Title Slide">
+    <p:spTree>
+      <p:nvGrpSpPr>
+        <p:cNvPr id="1" name=""/>
+        <p:cNvGrpSpPr/>
+        <p:nvPr/>
+      </p:nvGrpSpPr>
+      <p:grpSpPr>
+        <a:xfrm>
+          <a:off x="0" y="0"/>
+          <a:ext cx="0" cy="0"/>
+          <a:chOff x="0" y="0"/>
+          <a:chExt cx="0" cy="0"/>
+        </a:xfrm>
+      </p:grpSpPr>
+      <p:sp>
+        <p:nvSpPr>
+          <p:cNvPr id="2" name="Title 1">
+            <a:extLst>
+              <a:ext uri="{FF2B5EF4-FFF2-40B4-BE49-F238E27FC236}">
+                <a16:creationId xmlns:a16="http://schemas.microsoft.com/office/drawing/2014/main" id="{34862F03-4A77-4274-BC2B-B019BD9785ED}"/>
+              </a:ext>
+            </a:extLst>
+          </p:cNvPr>
+          <p:cNvSpPr>
+            <a:spLocks noGrp="1"/>
+          </p:cNvSpPr>
+          <p:nvPr>
+            <p:ph type="ctrTitle"/>
+          </p:nvPr>
+        </p:nvSpPr>
+        <p:spPr>
+          <a:xfrm>
+            <a:off x="1524000" y="1122363"/>
+            <a:ext cx="9144000" cy="2387600"/>
+          </a:xfrm>
+        </p:spPr>
+        <p:txBody>
+          <a:bodyPr anchor="b"/>
+          <a:lstStyle>
+            <a:lvl1pPr algn="ctr">
+              <a:defRPr sz="6000"/>
+            </a:lvl1pPr>
+          </a:lstStyle>
+          <a:p>
+            <a:r>
+              <a:rPr lang="en-US"/>
+              <a:t>Click to edit Master title style</a:t>
+            </a:r>
+          </a:p>
+        </p:txBody>
+      </p:sp>
+      <p:sp>
+        <p:nvSpPr>
+          <p:cNvPr id="3" name="Subtitle 2">
+            <a:extLst>
+              <a:ext uri="{FF2B5EF4-FFF2-40B4-BE49-F238E27FC236}">
+                <a16:creationId xmlns:a16="http://schemas.microsoft.com/office/drawing/2014/main" id="{B9570BAF-8165-44D4-AA3D-000871B02CD9}"/>
+              </a:ext>
+            </a:extLst>
+          </p:cNvPr>
+          <p:cNvSpPr>
+            <a:spLocks noGrp="1"/>
+          </p:cNvSpPr>
+          <p:nvPr>
+            <p:ph type="subTitle" idx="1"/>
+          </p:nvPr>
+        </p:nvSpPr>
+        <p:spPr>
+          <a:xfrm>
+            <a:off x="1524000" y="3602038"/>
+            <a:ext cx="9144000" cy="1655762"/>
+          </a:xfrm>
+        </p:spPr>
+        <p:txBody>
+          <a:bodyPr/>
+          <a:lstStyle>
+            <a:lvl1pPr marL="0" indent="0" algn="ctr">
+              <a:buNone/>
+              <a:defRPr sz="2400"/>
+            </a:lvl1pPr>
+            <a:lvl2pPr marL="457200" indent="0" algn="ctr">
+              <a:buNone/>
+              <a:defRPr sz="2000"/>
+            </a:lvl2pPr>
+            <a:lvl3pPr marL="914400" indent="0" algn="ctr">
+              <a:buNone/>
+              <a:defRPr sz="1800"/>
+            </a:lvl3pPr>
+            <a:lvl4pPr marL="1371600" indent="0" algn="ctr">
+              <a:buNone/>
+              <a:defRPr sz="1600"/>
+            </a:lvl4pPr>
+            <a:lvl5pPr marL="1828800" indent="0" algn="ctr">
+              <a:buNone/>
+              <a:defRPr sz="1600"/>
+            </a:lvl5pPr>
+            <a:lvl6pPr marL="2286000" indent="0" algn="ctr">
+              <a:buNone/>
+              <a:defRPr sz="1600"/>
+            </a:lvl6pPr>
+            <a:lvl7pPr marL="2743200" indent="0" algn="ctr">
+              <a:buNone/>
+              <a:defRPr sz="1600"/>
+            </a:lvl7pPr>
+            <a:lvl8pPr marL="3200400" indent="0" algn="ctr">
+              <a:buNone/>
+              <a:defRPr sz="1600"/>
+            </a:lvl8pPr>
+            <a:lvl9pPr marL="3657600" indent="0" algn="ctr">
+              <a:buNone/>
+              <a:defRPr sz="1600"/>
+            </a:lvl9pPr>
+          </a:lstStyle>
+          <a:p>
+            <a:r>
+              <a:rPr lang="en-US"/>
+              <a:t>Click to edit Master subtitle style</a:t>
+            </a:r>
+          </a:p>
+        </p:txBody>
+      </p:sp>
+      <p:sp>
+        <p:nvSpPr>
+          <p:cNvPr id="4" name="Date Placeholder 3">
+            <a:extLst>
+              <a:ext uri="{FF2B5EF4-FFF2-40B4-BE49-F238E27FC236}">
+                <a16:creationId xmlns:a16="http://schemas.microsoft.com/office/drawing/2014/main" id="{BB93086E-F24B-4B60-B87F-F9B85081E373}"/>
+              </a:ext>
+            </a:extLst>
+          </p:cNvPr>
+          <p:cNvSpPr>
+            <a:spLocks noGrp="1"/>
+          </p:cNvSpPr>
+          <p:nvPr>
+            <p:ph type="dt" sz="half" idx="10"/>
+          </p:nvPr>
+        </p:nvSpPr>
+        <p:spPr/>
+        <p:txBody>
+          <a:bodyPr/>
+          <a:lstStyle/>
+          <a:p>
+            <a:fld id="{B36A80E0-6C7C-4E44-8FFB-72845EDF7FFF}" type="datetimeFigureOut">
+              <a:rPr lang="en-US" smtClean="0"/>
+              <a:t>1/5/2020</a:t>
+            </a:fld>
+            <a:endParaRPr lang="en-US"/>
+          </a:p>
+        </p:txBody>
+      </p:sp>
+      <p:sp>
+        <p:nvSpPr>
+          <p:cNvPr id="5" name="Footer Placeholder 4">
+            <a:extLst>
+              <a:ext uri="{FF2B5EF4-FFF2-40B4-BE49-F238E27FC236}">
+                <a16:creationId xmlns:a16="http://schemas.microsoft.com/office/drawing/2014/main" id="{A45D3565-4CFA-45B4-9ED5-35738100D32B}"/>
+              </a:ext>
+            </a:extLst>
+          </p:cNvPr>
+          <p:cNvSpPr>
+            <a:spLocks noGrp="1"/>
+          </p:cNvSpPr>
+          <p:nvPr>
+            <p:ph type="ftr" sz="quarter" idx="11"/>
+          </p:nvPr>
+        </p:nvSpPr>
+        <p:spPr/>
+        <p:txBody>
+          <a:bodyPr/>
+          <a:lstStyle/>
+          <a:p>
+            <a:endParaRPr lang="en-US"/>
+          </a:p>
+        </p:txBody>
+      </p:sp>
+      <p:sp>
+        <p:nvSpPr>
+          <p:cNvPr id="6" name="Slide Number Placeholder 5">
+            <a:extLst>
+              <a:ext uri="{FF2B5EF4-FFF2-40B4-BE49-F238E27FC236}">
+                <a16:creationId xmlns:a16="http://schemas.microsoft.com/office/drawing/2014/main" id="{79D358C2-DBFF-48F0-AF21-37CCC71F7337}"/>
+              </a:ext>
+            </a:extLst>
+          </p:cNvPr>
+          <p:cNvSpPr>
+            <a:spLocks noGrp="1"/>
+          </p:cNvSpPr>
+          <p:nvPr>
+            <p:ph type="sldNum" sz="quarter" idx="12"/>
+          </p:nvPr>
+        </p:nvSpPr>
+        <p:spPr/>
+        <p:txBody>
+          <a:bodyPr/>
+          <a:lstStyle/>
+          <a:p>
+            <a:fld id="{2049F373-EC26-4C02-B835-3B0938216780}" type="slidenum">
+              <a:rPr lang="en-US" smtClean="0"/>
+              <a:t>‹#›</a:t>
+            </a:fld>
+            <a:endParaRPr lang="en-US"/>
+          </a:p>
+        </p:txBody>
+      </p:sp>
+    </p:spTree>
+    <p:extLst>
+      <p:ext uri="{BB962C8B-B14F-4D97-AF65-F5344CB8AC3E}">
+        <p14:creationId xmlns:p14="http://schemas.microsoft.com/office/powerpoint/2010/main" val="3324323502"/>
+      </p:ext>
+    </p:extLst>
+  </p:cSld>
+  <p:clrMapOvr>
+    <a:masterClrMapping/>
+  </p:clrMapOvr>
+</p:sldLayout>
+</file>
+
+<file path=ppt/slideLayouts/slideLayout13.xml><?xml version="1.0" encoding="utf-8"?>
 <p:sldLayout xmlns:a="http://schemas.openxmlformats.org/drawingml/2006/main" xmlns:r="http://schemas.openxmlformats.org/officeDocument/2006/relationships" xmlns:p="http://schemas.openxmlformats.org/presentationml/2006/main" type="obj" preserve="1">
   <p:cSld name="Title and Content">
     <p:spTree>
@@ -758,7 +1126,7 @@
           <p:cNvPr id="2" name="Title 1">
             <a:extLst>
               <a:ext uri="{FF2B5EF4-FFF2-40B4-BE49-F238E27FC236}">
-                <a16:creationId xmlns:a16="http://schemas.microsoft.com/office/drawing/2014/main" id="{AC791530-7161-4BC7-9532-490268DE518A}"/>
+                <a16:creationId xmlns:a16="http://schemas.microsoft.com/office/drawing/2014/main" id="{5BD10955-BA97-4F0D-87AF-E93282B41129}"/>
               </a:ext>
             </a:extLst>
           </p:cNvPr>
@@ -786,7 +1154,7 @@
           <p:cNvPr id="3" name="Content Placeholder 2">
             <a:extLst>
               <a:ext uri="{FF2B5EF4-FFF2-40B4-BE49-F238E27FC236}">
-                <a16:creationId xmlns:a16="http://schemas.microsoft.com/office/drawing/2014/main" id="{F091DF1E-D72A-42F5-A838-890EB8F01A42}"/>
+                <a16:creationId xmlns:a16="http://schemas.microsoft.com/office/drawing/2014/main" id="{44FE2D0D-5335-4C88-BC9D-82061527119C}"/>
               </a:ext>
             </a:extLst>
           </p:cNvPr>
@@ -843,7 +1211,7 @@
           <p:cNvPr id="4" name="Date Placeholder 3">
             <a:extLst>
               <a:ext uri="{FF2B5EF4-FFF2-40B4-BE49-F238E27FC236}">
-                <a16:creationId xmlns:a16="http://schemas.microsoft.com/office/drawing/2014/main" id="{D6526141-C70D-420C-8716-50C02C003A97}"/>
+                <a16:creationId xmlns:a16="http://schemas.microsoft.com/office/drawing/2014/main" id="{927A490B-3F76-4699-B028-F8A876E96ED0}"/>
               </a:ext>
             </a:extLst>
           </p:cNvPr>
@@ -861,7 +1229,7 @@
           <a:p>
             <a:fld id="{B36A80E0-6C7C-4E44-8FFB-72845EDF7FFF}" type="datetimeFigureOut">
               <a:rPr lang="en-US" smtClean="0"/>
-              <a:t>12/25/2019</a:t>
+              <a:t>1/5/2020</a:t>
             </a:fld>
             <a:endParaRPr lang="en-US"/>
           </a:p>
@@ -872,7 +1240,7 @@
           <p:cNvPr id="5" name="Footer Placeholder 4">
             <a:extLst>
               <a:ext uri="{FF2B5EF4-FFF2-40B4-BE49-F238E27FC236}">
-                <a16:creationId xmlns:a16="http://schemas.microsoft.com/office/drawing/2014/main" id="{BE56262C-4293-43A7-AC47-31EFC38D9937}"/>
+                <a16:creationId xmlns:a16="http://schemas.microsoft.com/office/drawing/2014/main" id="{FCFE1035-5885-4699-8D21-29D044CCFDA9}"/>
               </a:ext>
             </a:extLst>
           </p:cNvPr>
@@ -897,7 +1265,7 @@
           <p:cNvPr id="6" name="Slide Number Placeholder 5">
             <a:extLst>
               <a:ext uri="{FF2B5EF4-FFF2-40B4-BE49-F238E27FC236}">
-                <a16:creationId xmlns:a16="http://schemas.microsoft.com/office/drawing/2014/main" id="{B96663EE-29F9-49AD-BDC4-B7DA467172D6}"/>
+                <a16:creationId xmlns:a16="http://schemas.microsoft.com/office/drawing/2014/main" id="{8F4F8ABF-953C-4FD7-A4F3-B30397CA9D88}"/>
               </a:ext>
             </a:extLst>
           </p:cNvPr>
@@ -924,7 +1292,7 @@
     </p:spTree>
     <p:extLst>
       <p:ext uri="{BB962C8B-B14F-4D97-AF65-F5344CB8AC3E}">
-        <p14:creationId xmlns:p14="http://schemas.microsoft.com/office/powerpoint/2010/main" val="3019185549"/>
+        <p14:creationId xmlns:p14="http://schemas.microsoft.com/office/powerpoint/2010/main" val="2891356525"/>
       </p:ext>
     </p:extLst>
   </p:cSld>
@@ -934,7 +1302,7 @@
 </p:sldLayout>
 </file>
 
-<file path=ppt/slideLayouts/slideLayout3.xml><?xml version="1.0" encoding="utf-8"?>
+<file path=ppt/slideLayouts/slideLayout14.xml><?xml version="1.0" encoding="utf-8"?>
 <p:sldLayout xmlns:a="http://schemas.openxmlformats.org/drawingml/2006/main" xmlns:r="http://schemas.openxmlformats.org/officeDocument/2006/relationships" xmlns:p="http://schemas.openxmlformats.org/presentationml/2006/main" type="secHead" preserve="1">
   <p:cSld name="Section Header">
     <p:spTree>
@@ -956,7 +1324,7 @@
           <p:cNvPr id="2" name="Title 1">
             <a:extLst>
               <a:ext uri="{FF2B5EF4-FFF2-40B4-BE49-F238E27FC236}">
-                <a16:creationId xmlns:a16="http://schemas.microsoft.com/office/drawing/2014/main" id="{5E2C8934-0366-4B5F-B344-E2AC0CA6D224}"/>
+                <a16:creationId xmlns:a16="http://schemas.microsoft.com/office/drawing/2014/main" id="{FCB4EF8F-B938-44EC-A6FB-5EA8C47A3711}"/>
               </a:ext>
             </a:extLst>
           </p:cNvPr>
@@ -993,7 +1361,7 @@
           <p:cNvPr id="3" name="Text Placeholder 2">
             <a:extLst>
               <a:ext uri="{FF2B5EF4-FFF2-40B4-BE49-F238E27FC236}">
-                <a16:creationId xmlns:a16="http://schemas.microsoft.com/office/drawing/2014/main" id="{D592AE25-927B-49DB-A2D2-8D9E044C408E}"/>
+                <a16:creationId xmlns:a16="http://schemas.microsoft.com/office/drawing/2014/main" id="{69A4EFDB-A20B-44F8-8D45-A62EEC6D2283}"/>
               </a:ext>
             </a:extLst>
           </p:cNvPr>
@@ -1118,7 +1486,7 @@
           <p:cNvPr id="4" name="Date Placeholder 3">
             <a:extLst>
               <a:ext uri="{FF2B5EF4-FFF2-40B4-BE49-F238E27FC236}">
-                <a16:creationId xmlns:a16="http://schemas.microsoft.com/office/drawing/2014/main" id="{E50339DC-B5D5-4EDE-A229-E31741767464}"/>
+                <a16:creationId xmlns:a16="http://schemas.microsoft.com/office/drawing/2014/main" id="{55B1DEA2-C264-4E22-AFAC-CB8483372F3C}"/>
               </a:ext>
             </a:extLst>
           </p:cNvPr>
@@ -1136,7 +1504,7 @@
           <a:p>
             <a:fld id="{B36A80E0-6C7C-4E44-8FFB-72845EDF7FFF}" type="datetimeFigureOut">
               <a:rPr lang="en-US" smtClean="0"/>
-              <a:t>12/25/2019</a:t>
+              <a:t>1/5/2020</a:t>
             </a:fld>
             <a:endParaRPr lang="en-US"/>
           </a:p>
@@ -1147,7 +1515,7 @@
           <p:cNvPr id="5" name="Footer Placeholder 4">
             <a:extLst>
               <a:ext uri="{FF2B5EF4-FFF2-40B4-BE49-F238E27FC236}">
-                <a16:creationId xmlns:a16="http://schemas.microsoft.com/office/drawing/2014/main" id="{2602EED2-A214-458B-BEEE-E3E3F0D99BC4}"/>
+                <a16:creationId xmlns:a16="http://schemas.microsoft.com/office/drawing/2014/main" id="{8D069F47-B8D7-4280-9DCD-16248082B0DE}"/>
               </a:ext>
             </a:extLst>
           </p:cNvPr>
@@ -1172,7 +1540,7 @@
           <p:cNvPr id="6" name="Slide Number Placeholder 5">
             <a:extLst>
               <a:ext uri="{FF2B5EF4-FFF2-40B4-BE49-F238E27FC236}">
-                <a16:creationId xmlns:a16="http://schemas.microsoft.com/office/drawing/2014/main" id="{E1058A5E-49C7-4FAC-9343-C493C292F750}"/>
+                <a16:creationId xmlns:a16="http://schemas.microsoft.com/office/drawing/2014/main" id="{25A35AC4-EA25-4A56-8E73-2A6CC01A9ECA}"/>
               </a:ext>
             </a:extLst>
           </p:cNvPr>
@@ -1199,7 +1567,7 @@
     </p:spTree>
     <p:extLst>
       <p:ext uri="{BB962C8B-B14F-4D97-AF65-F5344CB8AC3E}">
-        <p14:creationId xmlns:p14="http://schemas.microsoft.com/office/powerpoint/2010/main" val="657673249"/>
+        <p14:creationId xmlns:p14="http://schemas.microsoft.com/office/powerpoint/2010/main" val="1555231263"/>
       </p:ext>
     </p:extLst>
   </p:cSld>
@@ -1209,7 +1577,7 @@
 </p:sldLayout>
 </file>
 
-<file path=ppt/slideLayouts/slideLayout4.xml><?xml version="1.0" encoding="utf-8"?>
+<file path=ppt/slideLayouts/slideLayout15.xml><?xml version="1.0" encoding="utf-8"?>
 <p:sldLayout xmlns:a="http://schemas.openxmlformats.org/drawingml/2006/main" xmlns:r="http://schemas.openxmlformats.org/officeDocument/2006/relationships" xmlns:p="http://schemas.openxmlformats.org/presentationml/2006/main" type="twoObj" preserve="1">
   <p:cSld name="Two Content">
     <p:spTree>
@@ -1231,7 +1599,7 @@
           <p:cNvPr id="2" name="Title 1">
             <a:extLst>
               <a:ext uri="{FF2B5EF4-FFF2-40B4-BE49-F238E27FC236}">
-                <a16:creationId xmlns:a16="http://schemas.microsoft.com/office/drawing/2014/main" id="{21E27A95-20D7-41FE-B23F-A6F571745130}"/>
+                <a16:creationId xmlns:a16="http://schemas.microsoft.com/office/drawing/2014/main" id="{32E8308C-E14B-4C41-AA16-CFF986ED0424}"/>
               </a:ext>
             </a:extLst>
           </p:cNvPr>
@@ -1259,7 +1627,7 @@
           <p:cNvPr id="3" name="Content Placeholder 2">
             <a:extLst>
               <a:ext uri="{FF2B5EF4-FFF2-40B4-BE49-F238E27FC236}">
-                <a16:creationId xmlns:a16="http://schemas.microsoft.com/office/drawing/2014/main" id="{1CE852DD-3EF3-42DA-BF02-C20ADED13AA3}"/>
+                <a16:creationId xmlns:a16="http://schemas.microsoft.com/office/drawing/2014/main" id="{D7F6810D-8614-4DC6-9733-CB46349A6CD6}"/>
               </a:ext>
             </a:extLst>
           </p:cNvPr>
@@ -1321,7 +1689,7 @@
           <p:cNvPr id="4" name="Content Placeholder 3">
             <a:extLst>
               <a:ext uri="{FF2B5EF4-FFF2-40B4-BE49-F238E27FC236}">
-                <a16:creationId xmlns:a16="http://schemas.microsoft.com/office/drawing/2014/main" id="{E1E45A68-3B91-4EA3-BED7-C9C9978204ED}"/>
+                <a16:creationId xmlns:a16="http://schemas.microsoft.com/office/drawing/2014/main" id="{118F237C-D285-48E5-927C-B5B6DF7C8E0B}"/>
               </a:ext>
             </a:extLst>
           </p:cNvPr>
@@ -1383,7 +1751,7 @@
           <p:cNvPr id="5" name="Date Placeholder 4">
             <a:extLst>
               <a:ext uri="{FF2B5EF4-FFF2-40B4-BE49-F238E27FC236}">
-                <a16:creationId xmlns:a16="http://schemas.microsoft.com/office/drawing/2014/main" id="{08A6343E-981F-4141-9341-99CCB2DACC4F}"/>
+                <a16:creationId xmlns:a16="http://schemas.microsoft.com/office/drawing/2014/main" id="{E40F8B8F-7F22-44B4-8B8C-A224C4FA5CE5}"/>
               </a:ext>
             </a:extLst>
           </p:cNvPr>
@@ -1401,7 +1769,7 @@
           <a:p>
             <a:fld id="{B36A80E0-6C7C-4E44-8FFB-72845EDF7FFF}" type="datetimeFigureOut">
               <a:rPr lang="en-US" smtClean="0"/>
-              <a:t>12/25/2019</a:t>
+              <a:t>1/5/2020</a:t>
             </a:fld>
             <a:endParaRPr lang="en-US"/>
           </a:p>
@@ -1412,7 +1780,7 @@
           <p:cNvPr id="6" name="Footer Placeholder 5">
             <a:extLst>
               <a:ext uri="{FF2B5EF4-FFF2-40B4-BE49-F238E27FC236}">
-                <a16:creationId xmlns:a16="http://schemas.microsoft.com/office/drawing/2014/main" id="{E973C0E0-A0FD-4C47-9D4B-3C0077EAAA3E}"/>
+                <a16:creationId xmlns:a16="http://schemas.microsoft.com/office/drawing/2014/main" id="{C44120D8-7E75-4C84-99AC-66638CA6794E}"/>
               </a:ext>
             </a:extLst>
           </p:cNvPr>
@@ -1437,7 +1805,7 @@
           <p:cNvPr id="7" name="Slide Number Placeholder 6">
             <a:extLst>
               <a:ext uri="{FF2B5EF4-FFF2-40B4-BE49-F238E27FC236}">
-                <a16:creationId xmlns:a16="http://schemas.microsoft.com/office/drawing/2014/main" id="{517EEAC0-63FF-4C9F-8EC5-777DC6ED31DE}"/>
+                <a16:creationId xmlns:a16="http://schemas.microsoft.com/office/drawing/2014/main" id="{1473EE0B-A4E4-43A8-B750-EADDD955B99C}"/>
               </a:ext>
             </a:extLst>
           </p:cNvPr>
@@ -1464,7 +1832,7 @@
     </p:spTree>
     <p:extLst>
       <p:ext uri="{BB962C8B-B14F-4D97-AF65-F5344CB8AC3E}">
-        <p14:creationId xmlns:p14="http://schemas.microsoft.com/office/powerpoint/2010/main" val="1699241724"/>
+        <p14:creationId xmlns:p14="http://schemas.microsoft.com/office/powerpoint/2010/main" val="899824313"/>
       </p:ext>
     </p:extLst>
   </p:cSld>
@@ -1474,7 +1842,7 @@
 </p:sldLayout>
 </file>
 
-<file path=ppt/slideLayouts/slideLayout5.xml><?xml version="1.0" encoding="utf-8"?>
+<file path=ppt/slideLayouts/slideLayout16.xml><?xml version="1.0" encoding="utf-8"?>
 <p:sldLayout xmlns:a="http://schemas.openxmlformats.org/drawingml/2006/main" xmlns:r="http://schemas.openxmlformats.org/officeDocument/2006/relationships" xmlns:p="http://schemas.openxmlformats.org/presentationml/2006/main" type="twoTxTwoObj" preserve="1">
   <p:cSld name="Comparison">
     <p:spTree>
@@ -1496,7 +1864,7 @@
           <p:cNvPr id="2" name="Title 1">
             <a:extLst>
               <a:ext uri="{FF2B5EF4-FFF2-40B4-BE49-F238E27FC236}">
-                <a16:creationId xmlns:a16="http://schemas.microsoft.com/office/drawing/2014/main" id="{AFF7A19A-DCD5-4762-B65A-01EAE85E893F}"/>
+                <a16:creationId xmlns:a16="http://schemas.microsoft.com/office/drawing/2014/main" id="{DADAF4C7-12FA-44F6-A480-28AC77A77E73}"/>
               </a:ext>
             </a:extLst>
           </p:cNvPr>
@@ -1529,7 +1897,7 @@
           <p:cNvPr id="3" name="Text Placeholder 2">
             <a:extLst>
               <a:ext uri="{FF2B5EF4-FFF2-40B4-BE49-F238E27FC236}">
-                <a16:creationId xmlns:a16="http://schemas.microsoft.com/office/drawing/2014/main" id="{210DD2AE-A086-4BF6-8CD7-6E8B9FB99D26}"/>
+                <a16:creationId xmlns:a16="http://schemas.microsoft.com/office/drawing/2014/main" id="{0F768497-FA1B-4552-AECB-81FFA1ADE5A9}"/>
               </a:ext>
             </a:extLst>
           </p:cNvPr>
@@ -1600,7 +1968,7 @@
           <p:cNvPr id="4" name="Content Placeholder 3">
             <a:extLst>
               <a:ext uri="{FF2B5EF4-FFF2-40B4-BE49-F238E27FC236}">
-                <a16:creationId xmlns:a16="http://schemas.microsoft.com/office/drawing/2014/main" id="{3C98A201-F224-403A-A7FC-A8A9728E3BC0}"/>
+                <a16:creationId xmlns:a16="http://schemas.microsoft.com/office/drawing/2014/main" id="{64455F49-DB52-496C-8263-3AA1D1C5F5F3}"/>
               </a:ext>
             </a:extLst>
           </p:cNvPr>
@@ -1662,7 +2030,7 @@
           <p:cNvPr id="5" name="Text Placeholder 4">
             <a:extLst>
               <a:ext uri="{FF2B5EF4-FFF2-40B4-BE49-F238E27FC236}">
-                <a16:creationId xmlns:a16="http://schemas.microsoft.com/office/drawing/2014/main" id="{6EACE3AE-6349-4173-BC31-7FEA6A9EED65}"/>
+                <a16:creationId xmlns:a16="http://schemas.microsoft.com/office/drawing/2014/main" id="{1766E2EB-59A4-44F4-AB1C-7D9CF65E8474}"/>
               </a:ext>
             </a:extLst>
           </p:cNvPr>
@@ -1733,7 +2101,7 @@
           <p:cNvPr id="6" name="Content Placeholder 5">
             <a:extLst>
               <a:ext uri="{FF2B5EF4-FFF2-40B4-BE49-F238E27FC236}">
-                <a16:creationId xmlns:a16="http://schemas.microsoft.com/office/drawing/2014/main" id="{218221BE-9783-4BB0-B7E4-509064ACC713}"/>
+                <a16:creationId xmlns:a16="http://schemas.microsoft.com/office/drawing/2014/main" id="{38512CF5-E980-4568-8D8C-71EB65317933}"/>
               </a:ext>
             </a:extLst>
           </p:cNvPr>
@@ -1795,7 +2163,7 @@
           <p:cNvPr id="7" name="Date Placeholder 6">
             <a:extLst>
               <a:ext uri="{FF2B5EF4-FFF2-40B4-BE49-F238E27FC236}">
-                <a16:creationId xmlns:a16="http://schemas.microsoft.com/office/drawing/2014/main" id="{742F3F98-8851-4DB0-B14D-A5935909D49A}"/>
+                <a16:creationId xmlns:a16="http://schemas.microsoft.com/office/drawing/2014/main" id="{69672E50-856E-48DB-A412-E392898D6580}"/>
               </a:ext>
             </a:extLst>
           </p:cNvPr>
@@ -1813,7 +2181,7 @@
           <a:p>
             <a:fld id="{B36A80E0-6C7C-4E44-8FFB-72845EDF7FFF}" type="datetimeFigureOut">
               <a:rPr lang="en-US" smtClean="0"/>
-              <a:t>12/25/2019</a:t>
+              <a:t>1/5/2020</a:t>
             </a:fld>
             <a:endParaRPr lang="en-US"/>
           </a:p>
@@ -1824,7 +2192,7 @@
           <p:cNvPr id="8" name="Footer Placeholder 7">
             <a:extLst>
               <a:ext uri="{FF2B5EF4-FFF2-40B4-BE49-F238E27FC236}">
-                <a16:creationId xmlns:a16="http://schemas.microsoft.com/office/drawing/2014/main" id="{65146854-1986-4E48-9089-2DA871687F70}"/>
+                <a16:creationId xmlns:a16="http://schemas.microsoft.com/office/drawing/2014/main" id="{030C0A62-C4F1-430A-9F7F-73AA1397B5FB}"/>
               </a:ext>
             </a:extLst>
           </p:cNvPr>
@@ -1849,7 +2217,7 @@
           <p:cNvPr id="9" name="Slide Number Placeholder 8">
             <a:extLst>
               <a:ext uri="{FF2B5EF4-FFF2-40B4-BE49-F238E27FC236}">
-                <a16:creationId xmlns:a16="http://schemas.microsoft.com/office/drawing/2014/main" id="{4C04D80B-CE57-4E46-9815-C8F0E1E77BF2}"/>
+                <a16:creationId xmlns:a16="http://schemas.microsoft.com/office/drawing/2014/main" id="{2C86D3A4-69D9-4A6F-B692-EE1C3E6E06D1}"/>
               </a:ext>
             </a:extLst>
           </p:cNvPr>
@@ -1876,7 +2244,7 @@
     </p:spTree>
     <p:extLst>
       <p:ext uri="{BB962C8B-B14F-4D97-AF65-F5344CB8AC3E}">
-        <p14:creationId xmlns:p14="http://schemas.microsoft.com/office/powerpoint/2010/main" val="771246843"/>
+        <p14:creationId xmlns:p14="http://schemas.microsoft.com/office/powerpoint/2010/main" val="88296958"/>
       </p:ext>
     </p:extLst>
   </p:cSld>
@@ -1886,7 +2254,7 @@
 </p:sldLayout>
 </file>
 
-<file path=ppt/slideLayouts/slideLayout6.xml><?xml version="1.0" encoding="utf-8"?>
+<file path=ppt/slideLayouts/slideLayout17.xml><?xml version="1.0" encoding="utf-8"?>
 <p:sldLayout xmlns:a="http://schemas.openxmlformats.org/drawingml/2006/main" xmlns:r="http://schemas.openxmlformats.org/officeDocument/2006/relationships" xmlns:p="http://schemas.openxmlformats.org/presentationml/2006/main" type="titleOnly" preserve="1">
   <p:cSld name="Title Only">
     <p:spTree>
@@ -1908,7 +2276,7 @@
           <p:cNvPr id="2" name="Title 1">
             <a:extLst>
               <a:ext uri="{FF2B5EF4-FFF2-40B4-BE49-F238E27FC236}">
-                <a16:creationId xmlns:a16="http://schemas.microsoft.com/office/drawing/2014/main" id="{169952EC-EAB8-4987-99A5-51C6986FFDBD}"/>
+                <a16:creationId xmlns:a16="http://schemas.microsoft.com/office/drawing/2014/main" id="{55574D9B-9680-48F6-B76F-A0B8E0C66012}"/>
               </a:ext>
             </a:extLst>
           </p:cNvPr>
@@ -1936,7 +2304,7 @@
           <p:cNvPr id="3" name="Date Placeholder 2">
             <a:extLst>
               <a:ext uri="{FF2B5EF4-FFF2-40B4-BE49-F238E27FC236}">
-                <a16:creationId xmlns:a16="http://schemas.microsoft.com/office/drawing/2014/main" id="{EFBC9C17-B136-45CF-9B8C-FB6699EF8D99}"/>
+                <a16:creationId xmlns:a16="http://schemas.microsoft.com/office/drawing/2014/main" id="{69037A78-F790-484E-8BB5-5B3EE8BA5BC7}"/>
               </a:ext>
             </a:extLst>
           </p:cNvPr>
@@ -1954,7 +2322,7 @@
           <a:p>
             <a:fld id="{B36A80E0-6C7C-4E44-8FFB-72845EDF7FFF}" type="datetimeFigureOut">
               <a:rPr lang="en-US" smtClean="0"/>
-              <a:t>12/25/2019</a:t>
+              <a:t>1/5/2020</a:t>
             </a:fld>
             <a:endParaRPr lang="en-US"/>
           </a:p>
@@ -1965,7 +2333,7 @@
           <p:cNvPr id="4" name="Footer Placeholder 3">
             <a:extLst>
               <a:ext uri="{FF2B5EF4-FFF2-40B4-BE49-F238E27FC236}">
-                <a16:creationId xmlns:a16="http://schemas.microsoft.com/office/drawing/2014/main" id="{EA030C3B-5BA1-4EEC-BBDA-C3C1BCB9D30F}"/>
+                <a16:creationId xmlns:a16="http://schemas.microsoft.com/office/drawing/2014/main" id="{F2B2995D-F8ED-4CB6-A90B-8A33A488FDB9}"/>
               </a:ext>
             </a:extLst>
           </p:cNvPr>
@@ -1990,7 +2358,7 @@
           <p:cNvPr id="5" name="Slide Number Placeholder 4">
             <a:extLst>
               <a:ext uri="{FF2B5EF4-FFF2-40B4-BE49-F238E27FC236}">
-                <a16:creationId xmlns:a16="http://schemas.microsoft.com/office/drawing/2014/main" id="{236FE110-EADF-4735-BF0B-34F4270E4130}"/>
+                <a16:creationId xmlns:a16="http://schemas.microsoft.com/office/drawing/2014/main" id="{AB3D4E56-F0EA-4EAB-81E9-F8FF101BCB3B}"/>
               </a:ext>
             </a:extLst>
           </p:cNvPr>
@@ -2017,7 +2385,7 @@
     </p:spTree>
     <p:extLst>
       <p:ext uri="{BB962C8B-B14F-4D97-AF65-F5344CB8AC3E}">
-        <p14:creationId xmlns:p14="http://schemas.microsoft.com/office/powerpoint/2010/main" val="4075571996"/>
+        <p14:creationId xmlns:p14="http://schemas.microsoft.com/office/powerpoint/2010/main" val="408865756"/>
       </p:ext>
     </p:extLst>
   </p:cSld>
@@ -2027,7 +2395,7 @@
 </p:sldLayout>
 </file>
 
-<file path=ppt/slideLayouts/slideLayout7.xml><?xml version="1.0" encoding="utf-8"?>
+<file path=ppt/slideLayouts/slideLayout18.xml><?xml version="1.0" encoding="utf-8"?>
 <p:sldLayout xmlns:a="http://schemas.openxmlformats.org/drawingml/2006/main" xmlns:r="http://schemas.openxmlformats.org/officeDocument/2006/relationships" xmlns:p="http://schemas.openxmlformats.org/presentationml/2006/main" type="blank" preserve="1">
   <p:cSld name="Blank">
     <p:spTree>
@@ -2049,7 +2417,7 @@
           <p:cNvPr id="2" name="Date Placeholder 1">
             <a:extLst>
               <a:ext uri="{FF2B5EF4-FFF2-40B4-BE49-F238E27FC236}">
-                <a16:creationId xmlns:a16="http://schemas.microsoft.com/office/drawing/2014/main" id="{440383BC-E7F6-447A-A557-D3BE02D8F29F}"/>
+                <a16:creationId xmlns:a16="http://schemas.microsoft.com/office/drawing/2014/main" id="{F2963EF2-0018-483C-BC79-5BDFAEFFE254}"/>
               </a:ext>
             </a:extLst>
           </p:cNvPr>
@@ -2067,7 +2435,7 @@
           <a:p>
             <a:fld id="{B36A80E0-6C7C-4E44-8FFB-72845EDF7FFF}" type="datetimeFigureOut">
               <a:rPr lang="en-US" smtClean="0"/>
-              <a:t>12/25/2019</a:t>
+              <a:t>1/5/2020</a:t>
             </a:fld>
             <a:endParaRPr lang="en-US"/>
           </a:p>
@@ -2078,7 +2446,7 @@
           <p:cNvPr id="3" name="Footer Placeholder 2">
             <a:extLst>
               <a:ext uri="{FF2B5EF4-FFF2-40B4-BE49-F238E27FC236}">
-                <a16:creationId xmlns:a16="http://schemas.microsoft.com/office/drawing/2014/main" id="{618F7B43-F4F5-4ACE-8051-E2135028E8D4}"/>
+                <a16:creationId xmlns:a16="http://schemas.microsoft.com/office/drawing/2014/main" id="{0CE31B37-C8E9-4BF5-8C00-81C8A1F72429}"/>
               </a:ext>
             </a:extLst>
           </p:cNvPr>
@@ -2103,7 +2471,7 @@
           <p:cNvPr id="4" name="Slide Number Placeholder 3">
             <a:extLst>
               <a:ext uri="{FF2B5EF4-FFF2-40B4-BE49-F238E27FC236}">
-                <a16:creationId xmlns:a16="http://schemas.microsoft.com/office/drawing/2014/main" id="{8FAAD8EB-3908-4CB0-A5B1-C34EF0E99AE8}"/>
+                <a16:creationId xmlns:a16="http://schemas.microsoft.com/office/drawing/2014/main" id="{E3BFFBBC-FA1C-4BD6-B7B5-DBBFDEFB4E05}"/>
               </a:ext>
             </a:extLst>
           </p:cNvPr>
@@ -2130,7 +2498,7 @@
     </p:spTree>
     <p:extLst>
       <p:ext uri="{BB962C8B-B14F-4D97-AF65-F5344CB8AC3E}">
-        <p14:creationId xmlns:p14="http://schemas.microsoft.com/office/powerpoint/2010/main" val="996770861"/>
+        <p14:creationId xmlns:p14="http://schemas.microsoft.com/office/powerpoint/2010/main" val="782948252"/>
       </p:ext>
     </p:extLst>
   </p:cSld>
@@ -2140,7 +2508,7 @@
 </p:sldLayout>
 </file>
 
-<file path=ppt/slideLayouts/slideLayout8.xml><?xml version="1.0" encoding="utf-8"?>
+<file path=ppt/slideLayouts/slideLayout19.xml><?xml version="1.0" encoding="utf-8"?>
 <p:sldLayout xmlns:a="http://schemas.openxmlformats.org/drawingml/2006/main" xmlns:r="http://schemas.openxmlformats.org/officeDocument/2006/relationships" xmlns:p="http://schemas.openxmlformats.org/presentationml/2006/main" type="objTx" preserve="1">
   <p:cSld name="Content with Caption">
     <p:spTree>
@@ -2162,7 +2530,7 @@
           <p:cNvPr id="2" name="Title 1">
             <a:extLst>
               <a:ext uri="{FF2B5EF4-FFF2-40B4-BE49-F238E27FC236}">
-                <a16:creationId xmlns:a16="http://schemas.microsoft.com/office/drawing/2014/main" id="{39D22425-E422-480D-82E6-06559A60AF58}"/>
+                <a16:creationId xmlns:a16="http://schemas.microsoft.com/office/drawing/2014/main" id="{26BD63C5-565A-4935-BB5A-44A1AC13C7D2}"/>
               </a:ext>
             </a:extLst>
           </p:cNvPr>
@@ -2199,7 +2567,7 @@
           <p:cNvPr id="3" name="Content Placeholder 2">
             <a:extLst>
               <a:ext uri="{FF2B5EF4-FFF2-40B4-BE49-F238E27FC236}">
-                <a16:creationId xmlns:a16="http://schemas.microsoft.com/office/drawing/2014/main" id="{DC2D76B7-42AD-4943-AE4D-5B37087B8ED3}"/>
+                <a16:creationId xmlns:a16="http://schemas.microsoft.com/office/drawing/2014/main" id="{5625EBED-CC67-4AF4-83AF-2FFDE8E13A65}"/>
               </a:ext>
             </a:extLst>
           </p:cNvPr>
@@ -2289,7 +2657,7 @@
           <p:cNvPr id="4" name="Text Placeholder 3">
             <a:extLst>
               <a:ext uri="{FF2B5EF4-FFF2-40B4-BE49-F238E27FC236}">
-                <a16:creationId xmlns:a16="http://schemas.microsoft.com/office/drawing/2014/main" id="{42EF707E-D896-4BE0-9138-EA96AF44AAC3}"/>
+                <a16:creationId xmlns:a16="http://schemas.microsoft.com/office/drawing/2014/main" id="{6562A098-32AD-4B79-A24A-E566AFCEBCB7}"/>
               </a:ext>
             </a:extLst>
           </p:cNvPr>
@@ -2360,7 +2728,7 @@
           <p:cNvPr id="5" name="Date Placeholder 4">
             <a:extLst>
               <a:ext uri="{FF2B5EF4-FFF2-40B4-BE49-F238E27FC236}">
-                <a16:creationId xmlns:a16="http://schemas.microsoft.com/office/drawing/2014/main" id="{28B7212A-83B2-4981-9C46-D4082BBD495C}"/>
+                <a16:creationId xmlns:a16="http://schemas.microsoft.com/office/drawing/2014/main" id="{8CCA241D-5E96-43D4-893A-28ECBBCBD7CD}"/>
               </a:ext>
             </a:extLst>
           </p:cNvPr>
@@ -2378,7 +2746,7 @@
           <a:p>
             <a:fld id="{B36A80E0-6C7C-4E44-8FFB-72845EDF7FFF}" type="datetimeFigureOut">
               <a:rPr lang="en-US" smtClean="0"/>
-              <a:t>12/25/2019</a:t>
+              <a:t>1/5/2020</a:t>
             </a:fld>
             <a:endParaRPr lang="en-US"/>
           </a:p>
@@ -2389,7 +2757,7 @@
           <p:cNvPr id="6" name="Footer Placeholder 5">
             <a:extLst>
               <a:ext uri="{FF2B5EF4-FFF2-40B4-BE49-F238E27FC236}">
-                <a16:creationId xmlns:a16="http://schemas.microsoft.com/office/drawing/2014/main" id="{FE06889C-F9DE-4F16-8F4A-5F99AEB884C0}"/>
+                <a16:creationId xmlns:a16="http://schemas.microsoft.com/office/drawing/2014/main" id="{135FA608-BD8D-471E-B2DB-69C94CB8BDD5}"/>
               </a:ext>
             </a:extLst>
           </p:cNvPr>
@@ -2414,7 +2782,7 @@
           <p:cNvPr id="7" name="Slide Number Placeholder 6">
             <a:extLst>
               <a:ext uri="{FF2B5EF4-FFF2-40B4-BE49-F238E27FC236}">
-                <a16:creationId xmlns:a16="http://schemas.microsoft.com/office/drawing/2014/main" id="{5EBB0718-D115-43A5-A471-E144CE007845}"/>
+                <a16:creationId xmlns:a16="http://schemas.microsoft.com/office/drawing/2014/main" id="{15A3112D-AE53-4000-9406-B15DBF13DA94}"/>
               </a:ext>
             </a:extLst>
           </p:cNvPr>
@@ -2441,7 +2809,7 @@
     </p:spTree>
     <p:extLst>
       <p:ext uri="{BB962C8B-B14F-4D97-AF65-F5344CB8AC3E}">
-        <p14:creationId xmlns:p14="http://schemas.microsoft.com/office/powerpoint/2010/main" val="3333260007"/>
+        <p14:creationId xmlns:p14="http://schemas.microsoft.com/office/powerpoint/2010/main" val="2187492901"/>
       </p:ext>
     </p:extLst>
   </p:cSld>
@@ -2451,7 +2819,181 @@
 </p:sldLayout>
 </file>
 
-<file path=ppt/slideLayouts/slideLayout9.xml><?xml version="1.0" encoding="utf-8"?>
+<file path=ppt/slideLayouts/slideLayout2.xml><?xml version="1.0" encoding="utf-8"?>
+<p:sldLayout xmlns:a="http://schemas.openxmlformats.org/drawingml/2006/main" xmlns:r="http://schemas.openxmlformats.org/officeDocument/2006/relationships" xmlns:p="http://schemas.openxmlformats.org/presentationml/2006/main" type="obj" preserve="1">
+  <p:cSld name="Title and Content">
+    <p:spTree>
+      <p:nvGrpSpPr>
+        <p:cNvPr id="1" name=""/>
+        <p:cNvGrpSpPr/>
+        <p:nvPr/>
+      </p:nvGrpSpPr>
+      <p:grpSpPr>
+        <a:xfrm>
+          <a:off x="0" y="0"/>
+          <a:ext cx="0" cy="0"/>
+          <a:chOff x="0" y="0"/>
+          <a:chExt cx="0" cy="0"/>
+        </a:xfrm>
+      </p:grpSpPr>
+      <p:sp>
+        <p:nvSpPr>
+          <p:cNvPr id="2" name="Title 1"/>
+          <p:cNvSpPr>
+            <a:spLocks noGrp="1"/>
+          </p:cNvSpPr>
+          <p:nvPr>
+            <p:ph type="title"/>
+          </p:nvPr>
+        </p:nvSpPr>
+        <p:spPr/>
+        <p:txBody>
+          <a:bodyPr/>
+          <a:lstStyle>
+            <a:lvl1pPr marL="0">
+              <a:defRPr/>
+            </a:lvl1pPr>
+          </a:lstStyle>
+          <a:p>
+            <a:r>
+              <a:rPr lang="en-US"/>
+              <a:t>Click to edit Master title style</a:t>
+            </a:r>
+            <a:endParaRPr lang="en-US" dirty="0"/>
+          </a:p>
+        </p:txBody>
+      </p:sp>
+      <p:sp>
+        <p:nvSpPr>
+          <p:cNvPr id="3" name="Content Placeholder 2"/>
+          <p:cNvSpPr>
+            <a:spLocks noGrp="1"/>
+          </p:cNvSpPr>
+          <p:nvPr>
+            <p:ph idx="1"/>
+          </p:nvPr>
+        </p:nvSpPr>
+        <p:spPr/>
+        <p:txBody>
+          <a:bodyPr/>
+          <a:lstStyle/>
+          <a:p>
+            <a:pPr lvl="0"/>
+            <a:r>
+              <a:rPr lang="en-US"/>
+              <a:t>Click to edit Master text styles</a:t>
+            </a:r>
+          </a:p>
+          <a:p>
+            <a:pPr lvl="1"/>
+            <a:r>
+              <a:rPr lang="en-US"/>
+              <a:t>Second level</a:t>
+            </a:r>
+          </a:p>
+          <a:p>
+            <a:pPr lvl="2"/>
+            <a:r>
+              <a:rPr lang="en-US"/>
+              <a:t>Third level</a:t>
+            </a:r>
+          </a:p>
+          <a:p>
+            <a:pPr lvl="3"/>
+            <a:r>
+              <a:rPr lang="en-US"/>
+              <a:t>Fourth level</a:t>
+            </a:r>
+          </a:p>
+          <a:p>
+            <a:pPr lvl="4"/>
+            <a:r>
+              <a:rPr lang="en-US"/>
+              <a:t>Fifth level</a:t>
+            </a:r>
+            <a:endParaRPr lang="en-US" dirty="0"/>
+          </a:p>
+        </p:txBody>
+      </p:sp>
+      <p:sp>
+        <p:nvSpPr>
+          <p:cNvPr id="4" name="Date Placeholder 3"/>
+          <p:cNvSpPr>
+            <a:spLocks noGrp="1"/>
+          </p:cNvSpPr>
+          <p:nvPr>
+            <p:ph type="dt" sz="half" idx="10"/>
+          </p:nvPr>
+        </p:nvSpPr>
+        <p:spPr/>
+        <p:txBody>
+          <a:bodyPr/>
+          <a:lstStyle/>
+          <a:p>
+            <a:fld id="{B36A80E0-6C7C-4E44-8FFB-72845EDF7FFF}" type="datetimeFigureOut">
+              <a:rPr lang="en-US" smtClean="0"/>
+              <a:t>1/5/2020</a:t>
+            </a:fld>
+            <a:endParaRPr lang="en-US"/>
+          </a:p>
+        </p:txBody>
+      </p:sp>
+      <p:sp>
+        <p:nvSpPr>
+          <p:cNvPr id="5" name="Footer Placeholder 4"/>
+          <p:cNvSpPr>
+            <a:spLocks noGrp="1"/>
+          </p:cNvSpPr>
+          <p:nvPr>
+            <p:ph type="ftr" sz="quarter" idx="11"/>
+          </p:nvPr>
+        </p:nvSpPr>
+        <p:spPr/>
+        <p:txBody>
+          <a:bodyPr/>
+          <a:lstStyle/>
+          <a:p>
+            <a:endParaRPr lang="en-US"/>
+          </a:p>
+        </p:txBody>
+      </p:sp>
+      <p:sp>
+        <p:nvSpPr>
+          <p:cNvPr id="6" name="Slide Number Placeholder 5"/>
+          <p:cNvSpPr>
+            <a:spLocks noGrp="1"/>
+          </p:cNvSpPr>
+          <p:nvPr>
+            <p:ph type="sldNum" sz="quarter" idx="12"/>
+          </p:nvPr>
+        </p:nvSpPr>
+        <p:spPr/>
+        <p:txBody>
+          <a:bodyPr/>
+          <a:lstStyle/>
+          <a:p>
+            <a:fld id="{2049F373-EC26-4C02-B835-3B0938216780}" type="slidenum">
+              <a:rPr lang="en-US" smtClean="0"/>
+              <a:t>‹#›</a:t>
+            </a:fld>
+            <a:endParaRPr lang="en-US"/>
+          </a:p>
+        </p:txBody>
+      </p:sp>
+    </p:spTree>
+    <p:extLst>
+      <p:ext uri="{BB962C8B-B14F-4D97-AF65-F5344CB8AC3E}">
+        <p14:creationId xmlns:p14="http://schemas.microsoft.com/office/powerpoint/2010/main" val="2840559901"/>
+      </p:ext>
+    </p:extLst>
+  </p:cSld>
+  <p:clrMapOvr>
+    <a:masterClrMapping/>
+  </p:clrMapOvr>
+</p:sldLayout>
+</file>
+
+<file path=ppt/slideLayouts/slideLayout20.xml><?xml version="1.0" encoding="utf-8"?>
 <p:sldLayout xmlns:a="http://schemas.openxmlformats.org/drawingml/2006/main" xmlns:r="http://schemas.openxmlformats.org/officeDocument/2006/relationships" xmlns:p="http://schemas.openxmlformats.org/presentationml/2006/main" type="picTx" preserve="1">
   <p:cSld name="Picture with Caption">
     <p:spTree>
@@ -2473,7 +3015,7 @@
           <p:cNvPr id="2" name="Title 1">
             <a:extLst>
               <a:ext uri="{FF2B5EF4-FFF2-40B4-BE49-F238E27FC236}">
-                <a16:creationId xmlns:a16="http://schemas.microsoft.com/office/drawing/2014/main" id="{B485841B-65BC-4C98-8C39-57721AD236B0}"/>
+                <a16:creationId xmlns:a16="http://schemas.microsoft.com/office/drawing/2014/main" id="{897289DE-06BC-42AA-A877-9DCF7CD42C40}"/>
               </a:ext>
             </a:extLst>
           </p:cNvPr>
@@ -2510,7 +3052,7 @@
           <p:cNvPr id="3" name="Picture Placeholder 2">
             <a:extLst>
               <a:ext uri="{FF2B5EF4-FFF2-40B4-BE49-F238E27FC236}">
-                <a16:creationId xmlns:a16="http://schemas.microsoft.com/office/drawing/2014/main" id="{D1B6D0E9-7615-4BAE-B21D-12D0302EFC41}"/>
+                <a16:creationId xmlns:a16="http://schemas.microsoft.com/office/drawing/2014/main" id="{DC52B603-ADEE-4C0F-952B-4B39EAE088FC}"/>
               </a:ext>
             </a:extLst>
           </p:cNvPr>
@@ -2577,7 +3119,7 @@
           <p:cNvPr id="4" name="Text Placeholder 3">
             <a:extLst>
               <a:ext uri="{FF2B5EF4-FFF2-40B4-BE49-F238E27FC236}">
-                <a16:creationId xmlns:a16="http://schemas.microsoft.com/office/drawing/2014/main" id="{236A23A6-9835-4902-9849-3BE0B4785C20}"/>
+                <a16:creationId xmlns:a16="http://schemas.microsoft.com/office/drawing/2014/main" id="{C6437826-5D1B-405F-AB47-B0EC519C1C5A}"/>
               </a:ext>
             </a:extLst>
           </p:cNvPr>
@@ -2648,7 +3190,7 @@
           <p:cNvPr id="5" name="Date Placeholder 4">
             <a:extLst>
               <a:ext uri="{FF2B5EF4-FFF2-40B4-BE49-F238E27FC236}">
-                <a16:creationId xmlns:a16="http://schemas.microsoft.com/office/drawing/2014/main" id="{71440ED0-EE7E-4995-9F6B-7A4DE68079A1}"/>
+                <a16:creationId xmlns:a16="http://schemas.microsoft.com/office/drawing/2014/main" id="{86042DCD-7EBB-4170-B9C4-7468CD3304F7}"/>
               </a:ext>
             </a:extLst>
           </p:cNvPr>
@@ -2666,7 +3208,7 @@
           <a:p>
             <a:fld id="{B36A80E0-6C7C-4E44-8FFB-72845EDF7FFF}" type="datetimeFigureOut">
               <a:rPr lang="en-US" smtClean="0"/>
-              <a:t>12/25/2019</a:t>
+              <a:t>1/5/2020</a:t>
             </a:fld>
             <a:endParaRPr lang="en-US"/>
           </a:p>
@@ -2677,7 +3219,7 @@
           <p:cNvPr id="6" name="Footer Placeholder 5">
             <a:extLst>
               <a:ext uri="{FF2B5EF4-FFF2-40B4-BE49-F238E27FC236}">
-                <a16:creationId xmlns:a16="http://schemas.microsoft.com/office/drawing/2014/main" id="{26D96A3C-3D01-460B-8369-A6F136ADE31E}"/>
+                <a16:creationId xmlns:a16="http://schemas.microsoft.com/office/drawing/2014/main" id="{CE2B6E18-FF74-467A-B52E-8F55FAB88E12}"/>
               </a:ext>
             </a:extLst>
           </p:cNvPr>
@@ -2702,7 +3244,7 @@
           <p:cNvPr id="7" name="Slide Number Placeholder 6">
             <a:extLst>
               <a:ext uri="{FF2B5EF4-FFF2-40B4-BE49-F238E27FC236}">
-                <a16:creationId xmlns:a16="http://schemas.microsoft.com/office/drawing/2014/main" id="{A4D55DD2-A01F-4146-A66A-9EBBB5183C90}"/>
+                <a16:creationId xmlns:a16="http://schemas.microsoft.com/office/drawing/2014/main" id="{D53AC0FC-6764-4328-B33A-23DD63E346C1}"/>
               </a:ext>
             </a:extLst>
           </p:cNvPr>
@@ -2729,7 +3271,2435 @@
     </p:spTree>
     <p:extLst>
       <p:ext uri="{BB962C8B-B14F-4D97-AF65-F5344CB8AC3E}">
-        <p14:creationId xmlns:p14="http://schemas.microsoft.com/office/powerpoint/2010/main" val="2478307856"/>
+        <p14:creationId xmlns:p14="http://schemas.microsoft.com/office/powerpoint/2010/main" val="2616192782"/>
+      </p:ext>
+    </p:extLst>
+  </p:cSld>
+  <p:clrMapOvr>
+    <a:masterClrMapping/>
+  </p:clrMapOvr>
+</p:sldLayout>
+</file>
+
+<file path=ppt/slideLayouts/slideLayout21.xml><?xml version="1.0" encoding="utf-8"?>
+<p:sldLayout xmlns:a="http://schemas.openxmlformats.org/drawingml/2006/main" xmlns:r="http://schemas.openxmlformats.org/officeDocument/2006/relationships" xmlns:p="http://schemas.openxmlformats.org/presentationml/2006/main" type="vertTx" preserve="1">
+  <p:cSld name="Title and Vertical Text">
+    <p:spTree>
+      <p:nvGrpSpPr>
+        <p:cNvPr id="1" name=""/>
+        <p:cNvGrpSpPr/>
+        <p:nvPr/>
+      </p:nvGrpSpPr>
+      <p:grpSpPr>
+        <a:xfrm>
+          <a:off x="0" y="0"/>
+          <a:ext cx="0" cy="0"/>
+          <a:chOff x="0" y="0"/>
+          <a:chExt cx="0" cy="0"/>
+        </a:xfrm>
+      </p:grpSpPr>
+      <p:sp>
+        <p:nvSpPr>
+          <p:cNvPr id="2" name="Title 1">
+            <a:extLst>
+              <a:ext uri="{FF2B5EF4-FFF2-40B4-BE49-F238E27FC236}">
+                <a16:creationId xmlns:a16="http://schemas.microsoft.com/office/drawing/2014/main" id="{132A2497-3994-4E00-BFB3-BFD09F7B80AA}"/>
+              </a:ext>
+            </a:extLst>
+          </p:cNvPr>
+          <p:cNvSpPr>
+            <a:spLocks noGrp="1"/>
+          </p:cNvSpPr>
+          <p:nvPr>
+            <p:ph type="title"/>
+          </p:nvPr>
+        </p:nvSpPr>
+        <p:spPr/>
+        <p:txBody>
+          <a:bodyPr/>
+          <a:lstStyle/>
+          <a:p>
+            <a:r>
+              <a:rPr lang="en-US"/>
+              <a:t>Click to edit Master title style</a:t>
+            </a:r>
+          </a:p>
+        </p:txBody>
+      </p:sp>
+      <p:sp>
+        <p:nvSpPr>
+          <p:cNvPr id="3" name="Vertical Text Placeholder 2">
+            <a:extLst>
+              <a:ext uri="{FF2B5EF4-FFF2-40B4-BE49-F238E27FC236}">
+                <a16:creationId xmlns:a16="http://schemas.microsoft.com/office/drawing/2014/main" id="{23D524AB-F32A-4AFC-A1D1-9F1182AC6DAC}"/>
+              </a:ext>
+            </a:extLst>
+          </p:cNvPr>
+          <p:cNvSpPr>
+            <a:spLocks noGrp="1"/>
+          </p:cNvSpPr>
+          <p:nvPr>
+            <p:ph type="body" orient="vert" idx="1"/>
+          </p:nvPr>
+        </p:nvSpPr>
+        <p:spPr/>
+        <p:txBody>
+          <a:bodyPr vert="eaVert"/>
+          <a:lstStyle/>
+          <a:p>
+            <a:pPr lvl="0"/>
+            <a:r>
+              <a:rPr lang="en-US"/>
+              <a:t>Click to edit Master text styles</a:t>
+            </a:r>
+          </a:p>
+          <a:p>
+            <a:pPr lvl="1"/>
+            <a:r>
+              <a:rPr lang="en-US"/>
+              <a:t>Second level</a:t>
+            </a:r>
+          </a:p>
+          <a:p>
+            <a:pPr lvl="2"/>
+            <a:r>
+              <a:rPr lang="en-US"/>
+              <a:t>Third level</a:t>
+            </a:r>
+          </a:p>
+          <a:p>
+            <a:pPr lvl="3"/>
+            <a:r>
+              <a:rPr lang="en-US"/>
+              <a:t>Fourth level</a:t>
+            </a:r>
+          </a:p>
+          <a:p>
+            <a:pPr lvl="4"/>
+            <a:r>
+              <a:rPr lang="en-US"/>
+              <a:t>Fifth level</a:t>
+            </a:r>
+          </a:p>
+        </p:txBody>
+      </p:sp>
+      <p:sp>
+        <p:nvSpPr>
+          <p:cNvPr id="4" name="Date Placeholder 3">
+            <a:extLst>
+              <a:ext uri="{FF2B5EF4-FFF2-40B4-BE49-F238E27FC236}">
+                <a16:creationId xmlns:a16="http://schemas.microsoft.com/office/drawing/2014/main" id="{F7B672C7-31CD-482A-B87A-246ACFCF84A6}"/>
+              </a:ext>
+            </a:extLst>
+          </p:cNvPr>
+          <p:cNvSpPr>
+            <a:spLocks noGrp="1"/>
+          </p:cNvSpPr>
+          <p:nvPr>
+            <p:ph type="dt" sz="half" idx="10"/>
+          </p:nvPr>
+        </p:nvSpPr>
+        <p:spPr/>
+        <p:txBody>
+          <a:bodyPr/>
+          <a:lstStyle/>
+          <a:p>
+            <a:fld id="{B36A80E0-6C7C-4E44-8FFB-72845EDF7FFF}" type="datetimeFigureOut">
+              <a:rPr lang="en-US" smtClean="0"/>
+              <a:t>1/5/2020</a:t>
+            </a:fld>
+            <a:endParaRPr lang="en-US"/>
+          </a:p>
+        </p:txBody>
+      </p:sp>
+      <p:sp>
+        <p:nvSpPr>
+          <p:cNvPr id="5" name="Footer Placeholder 4">
+            <a:extLst>
+              <a:ext uri="{FF2B5EF4-FFF2-40B4-BE49-F238E27FC236}">
+                <a16:creationId xmlns:a16="http://schemas.microsoft.com/office/drawing/2014/main" id="{29DBDBF5-5A50-4738-884D-6524A96EC39E}"/>
+              </a:ext>
+            </a:extLst>
+          </p:cNvPr>
+          <p:cNvSpPr>
+            <a:spLocks noGrp="1"/>
+          </p:cNvSpPr>
+          <p:nvPr>
+            <p:ph type="ftr" sz="quarter" idx="11"/>
+          </p:nvPr>
+        </p:nvSpPr>
+        <p:spPr/>
+        <p:txBody>
+          <a:bodyPr/>
+          <a:lstStyle/>
+          <a:p>
+            <a:endParaRPr lang="en-US"/>
+          </a:p>
+        </p:txBody>
+      </p:sp>
+      <p:sp>
+        <p:nvSpPr>
+          <p:cNvPr id="6" name="Slide Number Placeholder 5">
+            <a:extLst>
+              <a:ext uri="{FF2B5EF4-FFF2-40B4-BE49-F238E27FC236}">
+                <a16:creationId xmlns:a16="http://schemas.microsoft.com/office/drawing/2014/main" id="{986A5597-6060-4FAA-B3D9-4066731E5BF0}"/>
+              </a:ext>
+            </a:extLst>
+          </p:cNvPr>
+          <p:cNvSpPr>
+            <a:spLocks noGrp="1"/>
+          </p:cNvSpPr>
+          <p:nvPr>
+            <p:ph type="sldNum" sz="quarter" idx="12"/>
+          </p:nvPr>
+        </p:nvSpPr>
+        <p:spPr/>
+        <p:txBody>
+          <a:bodyPr/>
+          <a:lstStyle/>
+          <a:p>
+            <a:fld id="{2049F373-EC26-4C02-B835-3B0938216780}" type="slidenum">
+              <a:rPr lang="en-US" smtClean="0"/>
+              <a:t>‹#›</a:t>
+            </a:fld>
+            <a:endParaRPr lang="en-US"/>
+          </a:p>
+        </p:txBody>
+      </p:sp>
+    </p:spTree>
+    <p:extLst>
+      <p:ext uri="{BB962C8B-B14F-4D97-AF65-F5344CB8AC3E}">
+        <p14:creationId xmlns:p14="http://schemas.microsoft.com/office/powerpoint/2010/main" val="3183345625"/>
+      </p:ext>
+    </p:extLst>
+  </p:cSld>
+  <p:clrMapOvr>
+    <a:masterClrMapping/>
+  </p:clrMapOvr>
+</p:sldLayout>
+</file>
+
+<file path=ppt/slideLayouts/slideLayout22.xml><?xml version="1.0" encoding="utf-8"?>
+<p:sldLayout xmlns:a="http://schemas.openxmlformats.org/drawingml/2006/main" xmlns:r="http://schemas.openxmlformats.org/officeDocument/2006/relationships" xmlns:p="http://schemas.openxmlformats.org/presentationml/2006/main" type="vertTitleAndTx" preserve="1">
+  <p:cSld name="Vertical Title and Text">
+    <p:spTree>
+      <p:nvGrpSpPr>
+        <p:cNvPr id="1" name=""/>
+        <p:cNvGrpSpPr/>
+        <p:nvPr/>
+      </p:nvGrpSpPr>
+      <p:grpSpPr>
+        <a:xfrm>
+          <a:off x="0" y="0"/>
+          <a:ext cx="0" cy="0"/>
+          <a:chOff x="0" y="0"/>
+          <a:chExt cx="0" cy="0"/>
+        </a:xfrm>
+      </p:grpSpPr>
+      <p:sp>
+        <p:nvSpPr>
+          <p:cNvPr id="2" name="Vertical Title 1">
+            <a:extLst>
+              <a:ext uri="{FF2B5EF4-FFF2-40B4-BE49-F238E27FC236}">
+                <a16:creationId xmlns:a16="http://schemas.microsoft.com/office/drawing/2014/main" id="{2EF5796E-F004-488F-825C-83B19E74FA56}"/>
+              </a:ext>
+            </a:extLst>
+          </p:cNvPr>
+          <p:cNvSpPr>
+            <a:spLocks noGrp="1"/>
+          </p:cNvSpPr>
+          <p:nvPr>
+            <p:ph type="title" orient="vert"/>
+          </p:nvPr>
+        </p:nvSpPr>
+        <p:spPr>
+          <a:xfrm>
+            <a:off x="8724900" y="365125"/>
+            <a:ext cx="2628900" cy="5811838"/>
+          </a:xfrm>
+        </p:spPr>
+        <p:txBody>
+          <a:bodyPr vert="eaVert"/>
+          <a:lstStyle/>
+          <a:p>
+            <a:r>
+              <a:rPr lang="en-US"/>
+              <a:t>Click to edit Master title style</a:t>
+            </a:r>
+          </a:p>
+        </p:txBody>
+      </p:sp>
+      <p:sp>
+        <p:nvSpPr>
+          <p:cNvPr id="3" name="Vertical Text Placeholder 2">
+            <a:extLst>
+              <a:ext uri="{FF2B5EF4-FFF2-40B4-BE49-F238E27FC236}">
+                <a16:creationId xmlns:a16="http://schemas.microsoft.com/office/drawing/2014/main" id="{AD63BC03-DA37-424D-BF8A-388440BC2AD3}"/>
+              </a:ext>
+            </a:extLst>
+          </p:cNvPr>
+          <p:cNvSpPr>
+            <a:spLocks noGrp="1"/>
+          </p:cNvSpPr>
+          <p:nvPr>
+            <p:ph type="body" orient="vert" idx="1"/>
+          </p:nvPr>
+        </p:nvSpPr>
+        <p:spPr>
+          <a:xfrm>
+            <a:off x="838200" y="365125"/>
+            <a:ext cx="7734300" cy="5811838"/>
+          </a:xfrm>
+        </p:spPr>
+        <p:txBody>
+          <a:bodyPr vert="eaVert"/>
+          <a:lstStyle/>
+          <a:p>
+            <a:pPr lvl="0"/>
+            <a:r>
+              <a:rPr lang="en-US"/>
+              <a:t>Click to edit Master text styles</a:t>
+            </a:r>
+          </a:p>
+          <a:p>
+            <a:pPr lvl="1"/>
+            <a:r>
+              <a:rPr lang="en-US"/>
+              <a:t>Second level</a:t>
+            </a:r>
+          </a:p>
+          <a:p>
+            <a:pPr lvl="2"/>
+            <a:r>
+              <a:rPr lang="en-US"/>
+              <a:t>Third level</a:t>
+            </a:r>
+          </a:p>
+          <a:p>
+            <a:pPr lvl="3"/>
+            <a:r>
+              <a:rPr lang="en-US"/>
+              <a:t>Fourth level</a:t>
+            </a:r>
+          </a:p>
+          <a:p>
+            <a:pPr lvl="4"/>
+            <a:r>
+              <a:rPr lang="en-US"/>
+              <a:t>Fifth level</a:t>
+            </a:r>
+          </a:p>
+        </p:txBody>
+      </p:sp>
+      <p:sp>
+        <p:nvSpPr>
+          <p:cNvPr id="4" name="Date Placeholder 3">
+            <a:extLst>
+              <a:ext uri="{FF2B5EF4-FFF2-40B4-BE49-F238E27FC236}">
+                <a16:creationId xmlns:a16="http://schemas.microsoft.com/office/drawing/2014/main" id="{D5BF125A-91D0-4FE5-A08F-2BCDC6EE81C7}"/>
+              </a:ext>
+            </a:extLst>
+          </p:cNvPr>
+          <p:cNvSpPr>
+            <a:spLocks noGrp="1"/>
+          </p:cNvSpPr>
+          <p:nvPr>
+            <p:ph type="dt" sz="half" idx="10"/>
+          </p:nvPr>
+        </p:nvSpPr>
+        <p:spPr/>
+        <p:txBody>
+          <a:bodyPr/>
+          <a:lstStyle/>
+          <a:p>
+            <a:fld id="{B36A80E0-6C7C-4E44-8FFB-72845EDF7FFF}" type="datetimeFigureOut">
+              <a:rPr lang="en-US" smtClean="0"/>
+              <a:t>1/5/2020</a:t>
+            </a:fld>
+            <a:endParaRPr lang="en-US"/>
+          </a:p>
+        </p:txBody>
+      </p:sp>
+      <p:sp>
+        <p:nvSpPr>
+          <p:cNvPr id="5" name="Footer Placeholder 4">
+            <a:extLst>
+              <a:ext uri="{FF2B5EF4-FFF2-40B4-BE49-F238E27FC236}">
+                <a16:creationId xmlns:a16="http://schemas.microsoft.com/office/drawing/2014/main" id="{306A9A8A-4D0F-4F3D-85C3-2DEDF44DBBB1}"/>
+              </a:ext>
+            </a:extLst>
+          </p:cNvPr>
+          <p:cNvSpPr>
+            <a:spLocks noGrp="1"/>
+          </p:cNvSpPr>
+          <p:nvPr>
+            <p:ph type="ftr" sz="quarter" idx="11"/>
+          </p:nvPr>
+        </p:nvSpPr>
+        <p:spPr/>
+        <p:txBody>
+          <a:bodyPr/>
+          <a:lstStyle/>
+          <a:p>
+            <a:endParaRPr lang="en-US"/>
+          </a:p>
+        </p:txBody>
+      </p:sp>
+      <p:sp>
+        <p:nvSpPr>
+          <p:cNvPr id="6" name="Slide Number Placeholder 5">
+            <a:extLst>
+              <a:ext uri="{FF2B5EF4-FFF2-40B4-BE49-F238E27FC236}">
+                <a16:creationId xmlns:a16="http://schemas.microsoft.com/office/drawing/2014/main" id="{2D7B5A86-42C9-48FF-97BE-AEC57422E0E5}"/>
+              </a:ext>
+            </a:extLst>
+          </p:cNvPr>
+          <p:cNvSpPr>
+            <a:spLocks noGrp="1"/>
+          </p:cNvSpPr>
+          <p:nvPr>
+            <p:ph type="sldNum" sz="quarter" idx="12"/>
+          </p:nvPr>
+        </p:nvSpPr>
+        <p:spPr/>
+        <p:txBody>
+          <a:bodyPr/>
+          <a:lstStyle/>
+          <a:p>
+            <a:fld id="{2049F373-EC26-4C02-B835-3B0938216780}" type="slidenum">
+              <a:rPr lang="en-US" smtClean="0"/>
+              <a:t>‹#›</a:t>
+            </a:fld>
+            <a:endParaRPr lang="en-US"/>
+          </a:p>
+        </p:txBody>
+      </p:sp>
+    </p:spTree>
+    <p:extLst>
+      <p:ext uri="{BB962C8B-B14F-4D97-AF65-F5344CB8AC3E}">
+        <p14:creationId xmlns:p14="http://schemas.microsoft.com/office/powerpoint/2010/main" val="1959561816"/>
+      </p:ext>
+    </p:extLst>
+  </p:cSld>
+  <p:clrMapOvr>
+    <a:masterClrMapping/>
+  </p:clrMapOvr>
+</p:sldLayout>
+</file>
+
+<file path=ppt/slideLayouts/slideLayout3.xml><?xml version="1.0" encoding="utf-8"?>
+<p:sldLayout xmlns:a="http://schemas.openxmlformats.org/drawingml/2006/main" xmlns:r="http://schemas.openxmlformats.org/officeDocument/2006/relationships" xmlns:p="http://schemas.openxmlformats.org/presentationml/2006/main" showMasterSp="0" type="secHead" preserve="1">
+  <p:cSld name="Section Header">
+    <p:bg>
+      <p:bgPr>
+        <a:solidFill>
+          <a:schemeClr val="bg1"/>
+        </a:solidFill>
+        <a:effectLst/>
+      </p:bgPr>
+    </p:bg>
+    <p:spTree>
+      <p:nvGrpSpPr>
+        <p:cNvPr id="1" name=""/>
+        <p:cNvGrpSpPr/>
+        <p:nvPr/>
+      </p:nvGrpSpPr>
+      <p:grpSpPr>
+        <a:xfrm>
+          <a:off x="0" y="0"/>
+          <a:ext cx="0" cy="0"/>
+          <a:chOff x="0" y="0"/>
+          <a:chExt cx="0" cy="0"/>
+        </a:xfrm>
+      </p:grpSpPr>
+      <p:sp>
+        <p:nvSpPr>
+          <p:cNvPr id="7" name="Rectangle 6"/>
+          <p:cNvSpPr/>
+          <p:nvPr/>
+        </p:nvSpPr>
+        <p:spPr>
+          <a:xfrm>
+            <a:off x="3175" y="6400800"/>
+            <a:ext cx="12188825" cy="457200"/>
+          </a:xfrm>
+          <a:prstGeom prst="rect">
+            <a:avLst/>
+          </a:prstGeom>
+          <a:solidFill>
+            <a:schemeClr val="accent2"/>
+          </a:solidFill>
+          <a:ln>
+            <a:noFill/>
+          </a:ln>
+        </p:spPr>
+        <p:style>
+          <a:lnRef idx="2">
+            <a:schemeClr val="accent1">
+              <a:shade val="50000"/>
+            </a:schemeClr>
+          </a:lnRef>
+          <a:fillRef idx="1">
+            <a:schemeClr val="accent1"/>
+          </a:fillRef>
+          <a:effectRef idx="0">
+            <a:schemeClr val="accent1"/>
+          </a:effectRef>
+          <a:fontRef idx="minor">
+            <a:schemeClr val="lt1"/>
+          </a:fontRef>
+        </p:style>
+      </p:sp>
+      <p:sp>
+        <p:nvSpPr>
+          <p:cNvPr id="8" name="Rectangle 7"/>
+          <p:cNvSpPr/>
+          <p:nvPr/>
+        </p:nvSpPr>
+        <p:spPr>
+          <a:xfrm>
+            <a:off x="15" y="6334316"/>
+            <a:ext cx="12188825" cy="64008"/>
+          </a:xfrm>
+          <a:prstGeom prst="rect">
+            <a:avLst/>
+          </a:prstGeom>
+          <a:solidFill>
+            <a:schemeClr val="accent1"/>
+          </a:solidFill>
+          <a:ln>
+            <a:noFill/>
+          </a:ln>
+        </p:spPr>
+        <p:style>
+          <a:lnRef idx="2">
+            <a:schemeClr val="accent1">
+              <a:shade val="50000"/>
+            </a:schemeClr>
+          </a:lnRef>
+          <a:fillRef idx="1">
+            <a:schemeClr val="accent1"/>
+          </a:fillRef>
+          <a:effectRef idx="0">
+            <a:schemeClr val="accent1"/>
+          </a:effectRef>
+          <a:fontRef idx="minor">
+            <a:schemeClr val="lt1"/>
+          </a:fontRef>
+        </p:style>
+      </p:sp>
+      <p:sp>
+        <p:nvSpPr>
+          <p:cNvPr id="2" name="Title 1"/>
+          <p:cNvSpPr>
+            <a:spLocks noGrp="1"/>
+          </p:cNvSpPr>
+          <p:nvPr>
+            <p:ph type="title"/>
+          </p:nvPr>
+        </p:nvSpPr>
+        <p:spPr>
+          <a:xfrm>
+            <a:off x="1097280" y="758952"/>
+            <a:ext cx="10058400" cy="3566160"/>
+          </a:xfrm>
+        </p:spPr>
+        <p:txBody>
+          <a:bodyPr anchor="b" anchorCtr="0">
+            <a:normAutofit/>
+          </a:bodyPr>
+          <a:lstStyle>
+            <a:lvl1pPr>
+              <a:lnSpc>
+                <a:spcPct val="85000"/>
+              </a:lnSpc>
+              <a:defRPr sz="8000" b="0">
+                <a:solidFill>
+                  <a:schemeClr val="tx1">
+                    <a:lumMod val="85000"/>
+                    <a:lumOff val="15000"/>
+                  </a:schemeClr>
+                </a:solidFill>
+              </a:defRPr>
+            </a:lvl1pPr>
+          </a:lstStyle>
+          <a:p>
+            <a:r>
+              <a:rPr lang="en-US"/>
+              <a:t>Click to edit Master title style</a:t>
+            </a:r>
+            <a:endParaRPr lang="en-US" dirty="0"/>
+          </a:p>
+        </p:txBody>
+      </p:sp>
+      <p:sp>
+        <p:nvSpPr>
+          <p:cNvPr id="3" name="Text Placeholder 2"/>
+          <p:cNvSpPr>
+            <a:spLocks noGrp="1"/>
+          </p:cNvSpPr>
+          <p:nvPr>
+            <p:ph type="body" idx="1"/>
+          </p:nvPr>
+        </p:nvSpPr>
+        <p:spPr>
+          <a:xfrm>
+            <a:off x="1097280" y="4453128"/>
+            <a:ext cx="10058400" cy="1143000"/>
+          </a:xfrm>
+        </p:spPr>
+        <p:txBody>
+          <a:bodyPr lIns="91440" rIns="91440" anchor="t" anchorCtr="0">
+            <a:normAutofit/>
+          </a:bodyPr>
+          <a:lstStyle>
+            <a:lvl1pPr marL="0" indent="0">
+              <a:buNone/>
+              <a:defRPr sz="2400" cap="all" spc="200" baseline="0">
+                <a:solidFill>
+                  <a:schemeClr val="tx2"/>
+                </a:solidFill>
+                <a:latin typeface="+mj-lt"/>
+              </a:defRPr>
+            </a:lvl1pPr>
+            <a:lvl2pPr marL="457200" indent="0">
+              <a:buNone/>
+              <a:defRPr sz="1800">
+                <a:solidFill>
+                  <a:schemeClr val="tx1">
+                    <a:tint val="75000"/>
+                  </a:schemeClr>
+                </a:solidFill>
+              </a:defRPr>
+            </a:lvl2pPr>
+            <a:lvl3pPr marL="914400" indent="0">
+              <a:buNone/>
+              <a:defRPr sz="1600">
+                <a:solidFill>
+                  <a:schemeClr val="tx1">
+                    <a:tint val="75000"/>
+                  </a:schemeClr>
+                </a:solidFill>
+              </a:defRPr>
+            </a:lvl3pPr>
+            <a:lvl4pPr marL="1371600" indent="0">
+              <a:buNone/>
+              <a:defRPr sz="1400">
+                <a:solidFill>
+                  <a:schemeClr val="tx1">
+                    <a:tint val="75000"/>
+                  </a:schemeClr>
+                </a:solidFill>
+              </a:defRPr>
+            </a:lvl4pPr>
+            <a:lvl5pPr marL="1828800" indent="0">
+              <a:buNone/>
+              <a:defRPr sz="1400">
+                <a:solidFill>
+                  <a:schemeClr val="tx1">
+                    <a:tint val="75000"/>
+                  </a:schemeClr>
+                </a:solidFill>
+              </a:defRPr>
+            </a:lvl5pPr>
+            <a:lvl6pPr marL="2286000" indent="0">
+              <a:buNone/>
+              <a:defRPr sz="1400">
+                <a:solidFill>
+                  <a:schemeClr val="tx1">
+                    <a:tint val="75000"/>
+                  </a:schemeClr>
+                </a:solidFill>
+              </a:defRPr>
+            </a:lvl6pPr>
+            <a:lvl7pPr marL="2743200" indent="0">
+              <a:buNone/>
+              <a:defRPr sz="1400">
+                <a:solidFill>
+                  <a:schemeClr val="tx1">
+                    <a:tint val="75000"/>
+                  </a:schemeClr>
+                </a:solidFill>
+              </a:defRPr>
+            </a:lvl7pPr>
+            <a:lvl8pPr marL="3200400" indent="0">
+              <a:buNone/>
+              <a:defRPr sz="1400">
+                <a:solidFill>
+                  <a:schemeClr val="tx1">
+                    <a:tint val="75000"/>
+                  </a:schemeClr>
+                </a:solidFill>
+              </a:defRPr>
+            </a:lvl8pPr>
+            <a:lvl9pPr marL="3657600" indent="0">
+              <a:buNone/>
+              <a:defRPr sz="1400">
+                <a:solidFill>
+                  <a:schemeClr val="tx1">
+                    <a:tint val="75000"/>
+                  </a:schemeClr>
+                </a:solidFill>
+              </a:defRPr>
+            </a:lvl9pPr>
+          </a:lstStyle>
+          <a:p>
+            <a:pPr lvl="0"/>
+            <a:r>
+              <a:rPr lang="en-US"/>
+              <a:t>Click to edit Master text styles</a:t>
+            </a:r>
+          </a:p>
+        </p:txBody>
+      </p:sp>
+      <p:sp>
+        <p:nvSpPr>
+          <p:cNvPr id="4" name="Date Placeholder 3"/>
+          <p:cNvSpPr>
+            <a:spLocks noGrp="1"/>
+          </p:cNvSpPr>
+          <p:nvPr>
+            <p:ph type="dt" sz="half" idx="10"/>
+          </p:nvPr>
+        </p:nvSpPr>
+        <p:spPr/>
+        <p:txBody>
+          <a:bodyPr/>
+          <a:lstStyle/>
+          <a:p>
+            <a:fld id="{B36A80E0-6C7C-4E44-8FFB-72845EDF7FFF}" type="datetimeFigureOut">
+              <a:rPr lang="en-US" smtClean="0"/>
+              <a:t>1/5/2020</a:t>
+            </a:fld>
+            <a:endParaRPr lang="en-US"/>
+          </a:p>
+        </p:txBody>
+      </p:sp>
+      <p:sp>
+        <p:nvSpPr>
+          <p:cNvPr id="5" name="Footer Placeholder 4"/>
+          <p:cNvSpPr>
+            <a:spLocks noGrp="1"/>
+          </p:cNvSpPr>
+          <p:nvPr>
+            <p:ph type="ftr" sz="quarter" idx="11"/>
+          </p:nvPr>
+        </p:nvSpPr>
+        <p:spPr/>
+        <p:txBody>
+          <a:bodyPr/>
+          <a:lstStyle/>
+          <a:p>
+            <a:endParaRPr lang="en-US"/>
+          </a:p>
+        </p:txBody>
+      </p:sp>
+      <p:sp>
+        <p:nvSpPr>
+          <p:cNvPr id="6" name="Slide Number Placeholder 5"/>
+          <p:cNvSpPr>
+            <a:spLocks noGrp="1"/>
+          </p:cNvSpPr>
+          <p:nvPr>
+            <p:ph type="sldNum" sz="quarter" idx="12"/>
+          </p:nvPr>
+        </p:nvSpPr>
+        <p:spPr/>
+        <p:txBody>
+          <a:bodyPr/>
+          <a:lstStyle/>
+          <a:p>
+            <a:fld id="{2049F373-EC26-4C02-B835-3B0938216780}" type="slidenum">
+              <a:rPr lang="en-US" smtClean="0"/>
+              <a:t>‹#›</a:t>
+            </a:fld>
+            <a:endParaRPr lang="en-US"/>
+          </a:p>
+        </p:txBody>
+      </p:sp>
+      <p:cxnSp>
+        <p:nvCxnSpPr>
+          <p:cNvPr id="9" name="Straight Connector 8"/>
+          <p:cNvCxnSpPr/>
+          <p:nvPr/>
+        </p:nvCxnSpPr>
+        <p:spPr>
+          <a:xfrm>
+            <a:off x="1207658" y="4343400"/>
+            <a:ext cx="9875520" cy="0"/>
+          </a:xfrm>
+          <a:prstGeom prst="line">
+            <a:avLst/>
+          </a:prstGeom>
+          <a:ln w="6350">
+            <a:solidFill>
+              <a:schemeClr val="tx1">
+                <a:lumMod val="50000"/>
+                <a:lumOff val="50000"/>
+              </a:schemeClr>
+            </a:solidFill>
+          </a:ln>
+        </p:spPr>
+        <p:style>
+          <a:lnRef idx="1">
+            <a:schemeClr val="accent1"/>
+          </a:lnRef>
+          <a:fillRef idx="0">
+            <a:schemeClr val="accent1"/>
+          </a:fillRef>
+          <a:effectRef idx="0">
+            <a:schemeClr val="accent1"/>
+          </a:effectRef>
+          <a:fontRef idx="minor">
+            <a:schemeClr val="tx1"/>
+          </a:fontRef>
+        </p:style>
+      </p:cxnSp>
+    </p:spTree>
+    <p:extLst>
+      <p:ext uri="{BB962C8B-B14F-4D97-AF65-F5344CB8AC3E}">
+        <p14:creationId xmlns:p14="http://schemas.microsoft.com/office/powerpoint/2010/main" val="2118590984"/>
+      </p:ext>
+    </p:extLst>
+  </p:cSld>
+  <p:clrMapOvr>
+    <a:masterClrMapping/>
+  </p:clrMapOvr>
+</p:sldLayout>
+</file>
+
+<file path=ppt/slideLayouts/slideLayout4.xml><?xml version="1.0" encoding="utf-8"?>
+<p:sldLayout xmlns:a="http://schemas.openxmlformats.org/drawingml/2006/main" xmlns:r="http://schemas.openxmlformats.org/officeDocument/2006/relationships" xmlns:p="http://schemas.openxmlformats.org/presentationml/2006/main" type="twoObj" preserve="1">
+  <p:cSld name="Two Content">
+    <p:spTree>
+      <p:nvGrpSpPr>
+        <p:cNvPr id="1" name=""/>
+        <p:cNvGrpSpPr/>
+        <p:nvPr/>
+      </p:nvGrpSpPr>
+      <p:grpSpPr>
+        <a:xfrm>
+          <a:off x="0" y="0"/>
+          <a:ext cx="0" cy="0"/>
+          <a:chOff x="0" y="0"/>
+          <a:chExt cx="0" cy="0"/>
+        </a:xfrm>
+      </p:grpSpPr>
+      <p:sp>
+        <p:nvSpPr>
+          <p:cNvPr id="8" name="Title 7"/>
+          <p:cNvSpPr>
+            <a:spLocks noGrp="1"/>
+          </p:cNvSpPr>
+          <p:nvPr>
+            <p:ph type="title"/>
+          </p:nvPr>
+        </p:nvSpPr>
+        <p:spPr>
+          <a:xfrm>
+            <a:off x="1097280" y="286603"/>
+            <a:ext cx="10058400" cy="1450757"/>
+          </a:xfrm>
+        </p:spPr>
+        <p:txBody>
+          <a:bodyPr/>
+          <a:lstStyle/>
+          <a:p>
+            <a:r>
+              <a:rPr lang="en-US"/>
+              <a:t>Click to edit Master title style</a:t>
+            </a:r>
+            <a:endParaRPr lang="en-US" dirty="0"/>
+          </a:p>
+        </p:txBody>
+      </p:sp>
+      <p:sp>
+        <p:nvSpPr>
+          <p:cNvPr id="3" name="Content Placeholder 2"/>
+          <p:cNvSpPr>
+            <a:spLocks noGrp="1"/>
+          </p:cNvSpPr>
+          <p:nvPr>
+            <p:ph sz="half" idx="1"/>
+          </p:nvPr>
+        </p:nvSpPr>
+        <p:spPr>
+          <a:xfrm>
+            <a:off x="1097279" y="1845734"/>
+            <a:ext cx="4937760" cy="4023360"/>
+          </a:xfrm>
+        </p:spPr>
+        <p:txBody>
+          <a:bodyPr/>
+          <a:lstStyle/>
+          <a:p>
+            <a:pPr lvl="0"/>
+            <a:r>
+              <a:rPr lang="en-US"/>
+              <a:t>Click to edit Master text styles</a:t>
+            </a:r>
+          </a:p>
+          <a:p>
+            <a:pPr lvl="1"/>
+            <a:r>
+              <a:rPr lang="en-US"/>
+              <a:t>Second level</a:t>
+            </a:r>
+          </a:p>
+          <a:p>
+            <a:pPr lvl="2"/>
+            <a:r>
+              <a:rPr lang="en-US"/>
+              <a:t>Third level</a:t>
+            </a:r>
+          </a:p>
+          <a:p>
+            <a:pPr lvl="3"/>
+            <a:r>
+              <a:rPr lang="en-US"/>
+              <a:t>Fourth level</a:t>
+            </a:r>
+          </a:p>
+          <a:p>
+            <a:pPr lvl="4"/>
+            <a:r>
+              <a:rPr lang="en-US"/>
+              <a:t>Fifth level</a:t>
+            </a:r>
+            <a:endParaRPr lang="en-US" dirty="0"/>
+          </a:p>
+        </p:txBody>
+      </p:sp>
+      <p:sp>
+        <p:nvSpPr>
+          <p:cNvPr id="4" name="Content Placeholder 3"/>
+          <p:cNvSpPr>
+            <a:spLocks noGrp="1"/>
+          </p:cNvSpPr>
+          <p:nvPr>
+            <p:ph sz="half" idx="2"/>
+          </p:nvPr>
+        </p:nvSpPr>
+        <p:spPr>
+          <a:xfrm>
+            <a:off x="6217920" y="1845735"/>
+            <a:ext cx="4937760" cy="4023360"/>
+          </a:xfrm>
+        </p:spPr>
+        <p:txBody>
+          <a:bodyPr/>
+          <a:lstStyle/>
+          <a:p>
+            <a:pPr lvl="0"/>
+            <a:r>
+              <a:rPr lang="en-US"/>
+              <a:t>Click to edit Master text styles</a:t>
+            </a:r>
+          </a:p>
+          <a:p>
+            <a:pPr lvl="1"/>
+            <a:r>
+              <a:rPr lang="en-US"/>
+              <a:t>Second level</a:t>
+            </a:r>
+          </a:p>
+          <a:p>
+            <a:pPr lvl="2"/>
+            <a:r>
+              <a:rPr lang="en-US"/>
+              <a:t>Third level</a:t>
+            </a:r>
+          </a:p>
+          <a:p>
+            <a:pPr lvl="3"/>
+            <a:r>
+              <a:rPr lang="en-US"/>
+              <a:t>Fourth level</a:t>
+            </a:r>
+          </a:p>
+          <a:p>
+            <a:pPr lvl="4"/>
+            <a:r>
+              <a:rPr lang="en-US"/>
+              <a:t>Fifth level</a:t>
+            </a:r>
+            <a:endParaRPr lang="en-US" dirty="0"/>
+          </a:p>
+        </p:txBody>
+      </p:sp>
+      <p:sp>
+        <p:nvSpPr>
+          <p:cNvPr id="5" name="Date Placeholder 4"/>
+          <p:cNvSpPr>
+            <a:spLocks noGrp="1"/>
+          </p:cNvSpPr>
+          <p:nvPr>
+            <p:ph type="dt" sz="half" idx="10"/>
+          </p:nvPr>
+        </p:nvSpPr>
+        <p:spPr/>
+        <p:txBody>
+          <a:bodyPr/>
+          <a:lstStyle/>
+          <a:p>
+            <a:fld id="{B36A80E0-6C7C-4E44-8FFB-72845EDF7FFF}" type="datetimeFigureOut">
+              <a:rPr lang="en-US" smtClean="0"/>
+              <a:t>1/5/2020</a:t>
+            </a:fld>
+            <a:endParaRPr lang="en-US"/>
+          </a:p>
+        </p:txBody>
+      </p:sp>
+      <p:sp>
+        <p:nvSpPr>
+          <p:cNvPr id="6" name="Footer Placeholder 5"/>
+          <p:cNvSpPr>
+            <a:spLocks noGrp="1"/>
+          </p:cNvSpPr>
+          <p:nvPr>
+            <p:ph type="ftr" sz="quarter" idx="11"/>
+          </p:nvPr>
+        </p:nvSpPr>
+        <p:spPr/>
+        <p:txBody>
+          <a:bodyPr/>
+          <a:lstStyle/>
+          <a:p>
+            <a:endParaRPr lang="en-US"/>
+          </a:p>
+        </p:txBody>
+      </p:sp>
+      <p:sp>
+        <p:nvSpPr>
+          <p:cNvPr id="7" name="Slide Number Placeholder 6"/>
+          <p:cNvSpPr>
+            <a:spLocks noGrp="1"/>
+          </p:cNvSpPr>
+          <p:nvPr>
+            <p:ph type="sldNum" sz="quarter" idx="12"/>
+          </p:nvPr>
+        </p:nvSpPr>
+        <p:spPr/>
+        <p:txBody>
+          <a:bodyPr/>
+          <a:lstStyle/>
+          <a:p>
+            <a:fld id="{2049F373-EC26-4C02-B835-3B0938216780}" type="slidenum">
+              <a:rPr lang="en-US" smtClean="0"/>
+              <a:t>‹#›</a:t>
+            </a:fld>
+            <a:endParaRPr lang="en-US"/>
+          </a:p>
+        </p:txBody>
+      </p:sp>
+    </p:spTree>
+    <p:extLst>
+      <p:ext uri="{BB962C8B-B14F-4D97-AF65-F5344CB8AC3E}">
+        <p14:creationId xmlns:p14="http://schemas.microsoft.com/office/powerpoint/2010/main" val="2327827574"/>
+      </p:ext>
+    </p:extLst>
+  </p:cSld>
+  <p:clrMapOvr>
+    <a:masterClrMapping/>
+  </p:clrMapOvr>
+</p:sldLayout>
+</file>
+
+<file path=ppt/slideLayouts/slideLayout5.xml><?xml version="1.0" encoding="utf-8"?>
+<p:sldLayout xmlns:a="http://schemas.openxmlformats.org/drawingml/2006/main" xmlns:r="http://schemas.openxmlformats.org/officeDocument/2006/relationships" xmlns:p="http://schemas.openxmlformats.org/presentationml/2006/main" type="twoTxTwoObj" preserve="1">
+  <p:cSld name="Comparison">
+    <p:spTree>
+      <p:nvGrpSpPr>
+        <p:cNvPr id="1" name=""/>
+        <p:cNvGrpSpPr/>
+        <p:nvPr/>
+      </p:nvGrpSpPr>
+      <p:grpSpPr>
+        <a:xfrm>
+          <a:off x="0" y="0"/>
+          <a:ext cx="0" cy="0"/>
+          <a:chOff x="0" y="0"/>
+          <a:chExt cx="0" cy="0"/>
+        </a:xfrm>
+      </p:grpSpPr>
+      <p:sp>
+        <p:nvSpPr>
+          <p:cNvPr id="10" name="Title 9"/>
+          <p:cNvSpPr>
+            <a:spLocks noGrp="1"/>
+          </p:cNvSpPr>
+          <p:nvPr>
+            <p:ph type="title"/>
+          </p:nvPr>
+        </p:nvSpPr>
+        <p:spPr>
+          <a:xfrm>
+            <a:off x="1097280" y="286603"/>
+            <a:ext cx="10058400" cy="1450757"/>
+          </a:xfrm>
+        </p:spPr>
+        <p:txBody>
+          <a:bodyPr/>
+          <a:lstStyle/>
+          <a:p>
+            <a:r>
+              <a:rPr lang="en-US"/>
+              <a:t>Click to edit Master title style</a:t>
+            </a:r>
+            <a:endParaRPr lang="en-US" dirty="0"/>
+          </a:p>
+        </p:txBody>
+      </p:sp>
+      <p:sp>
+        <p:nvSpPr>
+          <p:cNvPr id="3" name="Text Placeholder 2"/>
+          <p:cNvSpPr>
+            <a:spLocks noGrp="1"/>
+          </p:cNvSpPr>
+          <p:nvPr>
+            <p:ph type="body" idx="1"/>
+          </p:nvPr>
+        </p:nvSpPr>
+        <p:spPr>
+          <a:xfrm>
+            <a:off x="1097280" y="1846052"/>
+            <a:ext cx="4937760" cy="736282"/>
+          </a:xfrm>
+        </p:spPr>
+        <p:txBody>
+          <a:bodyPr lIns="91440" rIns="91440" anchor="ctr">
+            <a:normAutofit/>
+          </a:bodyPr>
+          <a:lstStyle>
+            <a:lvl1pPr marL="0" indent="0">
+              <a:buNone/>
+              <a:defRPr sz="2000" b="0" cap="all" baseline="0">
+                <a:solidFill>
+                  <a:schemeClr val="tx2"/>
+                </a:solidFill>
+              </a:defRPr>
+            </a:lvl1pPr>
+            <a:lvl2pPr marL="457200" indent="0">
+              <a:buNone/>
+              <a:defRPr sz="2000" b="1"/>
+            </a:lvl2pPr>
+            <a:lvl3pPr marL="914400" indent="0">
+              <a:buNone/>
+              <a:defRPr sz="1800" b="1"/>
+            </a:lvl3pPr>
+            <a:lvl4pPr marL="1371600" indent="0">
+              <a:buNone/>
+              <a:defRPr sz="1600" b="1"/>
+            </a:lvl4pPr>
+            <a:lvl5pPr marL="1828800" indent="0">
+              <a:buNone/>
+              <a:defRPr sz="1600" b="1"/>
+            </a:lvl5pPr>
+            <a:lvl6pPr marL="2286000" indent="0">
+              <a:buNone/>
+              <a:defRPr sz="1600" b="1"/>
+            </a:lvl6pPr>
+            <a:lvl7pPr marL="2743200" indent="0">
+              <a:buNone/>
+              <a:defRPr sz="1600" b="1"/>
+            </a:lvl7pPr>
+            <a:lvl8pPr marL="3200400" indent="0">
+              <a:buNone/>
+              <a:defRPr sz="1600" b="1"/>
+            </a:lvl8pPr>
+            <a:lvl9pPr marL="3657600" indent="0">
+              <a:buNone/>
+              <a:defRPr sz="1600" b="1"/>
+            </a:lvl9pPr>
+          </a:lstStyle>
+          <a:p>
+            <a:pPr lvl="0"/>
+            <a:r>
+              <a:rPr lang="en-US"/>
+              <a:t>Click to edit Master text styles</a:t>
+            </a:r>
+          </a:p>
+        </p:txBody>
+      </p:sp>
+      <p:sp>
+        <p:nvSpPr>
+          <p:cNvPr id="4" name="Content Placeholder 3"/>
+          <p:cNvSpPr>
+            <a:spLocks noGrp="1"/>
+          </p:cNvSpPr>
+          <p:nvPr>
+            <p:ph sz="half" idx="2"/>
+          </p:nvPr>
+        </p:nvSpPr>
+        <p:spPr>
+          <a:xfrm>
+            <a:off x="1097280" y="2582334"/>
+            <a:ext cx="4937760" cy="3378200"/>
+          </a:xfrm>
+        </p:spPr>
+        <p:txBody>
+          <a:bodyPr/>
+          <a:lstStyle/>
+          <a:p>
+            <a:pPr lvl="0"/>
+            <a:r>
+              <a:rPr lang="en-US"/>
+              <a:t>Click to edit Master text styles</a:t>
+            </a:r>
+          </a:p>
+          <a:p>
+            <a:pPr lvl="1"/>
+            <a:r>
+              <a:rPr lang="en-US"/>
+              <a:t>Second level</a:t>
+            </a:r>
+          </a:p>
+          <a:p>
+            <a:pPr lvl="2"/>
+            <a:r>
+              <a:rPr lang="en-US"/>
+              <a:t>Third level</a:t>
+            </a:r>
+          </a:p>
+          <a:p>
+            <a:pPr lvl="3"/>
+            <a:r>
+              <a:rPr lang="en-US"/>
+              <a:t>Fourth level</a:t>
+            </a:r>
+          </a:p>
+          <a:p>
+            <a:pPr lvl="4"/>
+            <a:r>
+              <a:rPr lang="en-US"/>
+              <a:t>Fifth level</a:t>
+            </a:r>
+            <a:endParaRPr lang="en-US" dirty="0"/>
+          </a:p>
+        </p:txBody>
+      </p:sp>
+      <p:sp>
+        <p:nvSpPr>
+          <p:cNvPr id="5" name="Text Placeholder 4"/>
+          <p:cNvSpPr>
+            <a:spLocks noGrp="1"/>
+          </p:cNvSpPr>
+          <p:nvPr>
+            <p:ph type="body" sz="quarter" idx="3"/>
+          </p:nvPr>
+        </p:nvSpPr>
+        <p:spPr>
+          <a:xfrm>
+            <a:off x="6217920" y="1846052"/>
+            <a:ext cx="4937760" cy="736282"/>
+          </a:xfrm>
+        </p:spPr>
+        <p:txBody>
+          <a:bodyPr lIns="91440" rIns="91440" anchor="ctr">
+            <a:normAutofit/>
+          </a:bodyPr>
+          <a:lstStyle>
+            <a:lvl1pPr marL="0" indent="0">
+              <a:buNone/>
+              <a:defRPr sz="2000" b="0" cap="all" baseline="0">
+                <a:solidFill>
+                  <a:schemeClr val="tx2"/>
+                </a:solidFill>
+              </a:defRPr>
+            </a:lvl1pPr>
+            <a:lvl2pPr marL="457200" indent="0">
+              <a:buNone/>
+              <a:defRPr sz="2000" b="1"/>
+            </a:lvl2pPr>
+            <a:lvl3pPr marL="914400" indent="0">
+              <a:buNone/>
+              <a:defRPr sz="1800" b="1"/>
+            </a:lvl3pPr>
+            <a:lvl4pPr marL="1371600" indent="0">
+              <a:buNone/>
+              <a:defRPr sz="1600" b="1"/>
+            </a:lvl4pPr>
+            <a:lvl5pPr marL="1828800" indent="0">
+              <a:buNone/>
+              <a:defRPr sz="1600" b="1"/>
+            </a:lvl5pPr>
+            <a:lvl6pPr marL="2286000" indent="0">
+              <a:buNone/>
+              <a:defRPr sz="1600" b="1"/>
+            </a:lvl6pPr>
+            <a:lvl7pPr marL="2743200" indent="0">
+              <a:buNone/>
+              <a:defRPr sz="1600" b="1"/>
+            </a:lvl7pPr>
+            <a:lvl8pPr marL="3200400" indent="0">
+              <a:buNone/>
+              <a:defRPr sz="1600" b="1"/>
+            </a:lvl8pPr>
+            <a:lvl9pPr marL="3657600" indent="0">
+              <a:buNone/>
+              <a:defRPr sz="1600" b="1"/>
+            </a:lvl9pPr>
+          </a:lstStyle>
+          <a:p>
+            <a:pPr lvl="0"/>
+            <a:r>
+              <a:rPr lang="en-US"/>
+              <a:t>Click to edit Master text styles</a:t>
+            </a:r>
+          </a:p>
+        </p:txBody>
+      </p:sp>
+      <p:sp>
+        <p:nvSpPr>
+          <p:cNvPr id="6" name="Content Placeholder 5"/>
+          <p:cNvSpPr>
+            <a:spLocks noGrp="1"/>
+          </p:cNvSpPr>
+          <p:nvPr>
+            <p:ph sz="quarter" idx="4"/>
+          </p:nvPr>
+        </p:nvSpPr>
+        <p:spPr>
+          <a:xfrm>
+            <a:off x="6217920" y="2582334"/>
+            <a:ext cx="4937760" cy="3378200"/>
+          </a:xfrm>
+        </p:spPr>
+        <p:txBody>
+          <a:bodyPr/>
+          <a:lstStyle/>
+          <a:p>
+            <a:pPr lvl="0"/>
+            <a:r>
+              <a:rPr lang="en-US"/>
+              <a:t>Click to edit Master text styles</a:t>
+            </a:r>
+          </a:p>
+          <a:p>
+            <a:pPr lvl="1"/>
+            <a:r>
+              <a:rPr lang="en-US"/>
+              <a:t>Second level</a:t>
+            </a:r>
+          </a:p>
+          <a:p>
+            <a:pPr lvl="2"/>
+            <a:r>
+              <a:rPr lang="en-US"/>
+              <a:t>Third level</a:t>
+            </a:r>
+          </a:p>
+          <a:p>
+            <a:pPr lvl="3"/>
+            <a:r>
+              <a:rPr lang="en-US"/>
+              <a:t>Fourth level</a:t>
+            </a:r>
+          </a:p>
+          <a:p>
+            <a:pPr lvl="4"/>
+            <a:r>
+              <a:rPr lang="en-US"/>
+              <a:t>Fifth level</a:t>
+            </a:r>
+            <a:endParaRPr lang="en-US" dirty="0"/>
+          </a:p>
+        </p:txBody>
+      </p:sp>
+      <p:sp>
+        <p:nvSpPr>
+          <p:cNvPr id="7" name="Date Placeholder 6"/>
+          <p:cNvSpPr>
+            <a:spLocks noGrp="1"/>
+          </p:cNvSpPr>
+          <p:nvPr>
+            <p:ph type="dt" sz="half" idx="10"/>
+          </p:nvPr>
+        </p:nvSpPr>
+        <p:spPr/>
+        <p:txBody>
+          <a:bodyPr/>
+          <a:lstStyle/>
+          <a:p>
+            <a:fld id="{B36A80E0-6C7C-4E44-8FFB-72845EDF7FFF}" type="datetimeFigureOut">
+              <a:rPr lang="en-US" smtClean="0"/>
+              <a:t>1/5/2020</a:t>
+            </a:fld>
+            <a:endParaRPr lang="en-US"/>
+          </a:p>
+        </p:txBody>
+      </p:sp>
+      <p:sp>
+        <p:nvSpPr>
+          <p:cNvPr id="8" name="Footer Placeholder 7"/>
+          <p:cNvSpPr>
+            <a:spLocks noGrp="1"/>
+          </p:cNvSpPr>
+          <p:nvPr>
+            <p:ph type="ftr" sz="quarter" idx="11"/>
+          </p:nvPr>
+        </p:nvSpPr>
+        <p:spPr/>
+        <p:txBody>
+          <a:bodyPr/>
+          <a:lstStyle/>
+          <a:p>
+            <a:endParaRPr lang="en-US"/>
+          </a:p>
+        </p:txBody>
+      </p:sp>
+      <p:sp>
+        <p:nvSpPr>
+          <p:cNvPr id="9" name="Slide Number Placeholder 8"/>
+          <p:cNvSpPr>
+            <a:spLocks noGrp="1"/>
+          </p:cNvSpPr>
+          <p:nvPr>
+            <p:ph type="sldNum" sz="quarter" idx="12"/>
+          </p:nvPr>
+        </p:nvSpPr>
+        <p:spPr/>
+        <p:txBody>
+          <a:bodyPr/>
+          <a:lstStyle/>
+          <a:p>
+            <a:fld id="{2049F373-EC26-4C02-B835-3B0938216780}" type="slidenum">
+              <a:rPr lang="en-US" smtClean="0"/>
+              <a:t>‹#›</a:t>
+            </a:fld>
+            <a:endParaRPr lang="en-US"/>
+          </a:p>
+        </p:txBody>
+      </p:sp>
+    </p:spTree>
+    <p:extLst>
+      <p:ext uri="{BB962C8B-B14F-4D97-AF65-F5344CB8AC3E}">
+        <p14:creationId xmlns:p14="http://schemas.microsoft.com/office/powerpoint/2010/main" val="1233016816"/>
+      </p:ext>
+    </p:extLst>
+  </p:cSld>
+  <p:clrMapOvr>
+    <a:masterClrMapping/>
+  </p:clrMapOvr>
+</p:sldLayout>
+</file>
+
+<file path=ppt/slideLayouts/slideLayout6.xml><?xml version="1.0" encoding="utf-8"?>
+<p:sldLayout xmlns:a="http://schemas.openxmlformats.org/drawingml/2006/main" xmlns:r="http://schemas.openxmlformats.org/officeDocument/2006/relationships" xmlns:p="http://schemas.openxmlformats.org/presentationml/2006/main" type="titleOnly" preserve="1">
+  <p:cSld name="Title Only">
+    <p:spTree>
+      <p:nvGrpSpPr>
+        <p:cNvPr id="1" name=""/>
+        <p:cNvGrpSpPr/>
+        <p:nvPr/>
+      </p:nvGrpSpPr>
+      <p:grpSpPr>
+        <a:xfrm>
+          <a:off x="0" y="0"/>
+          <a:ext cx="0" cy="0"/>
+          <a:chOff x="0" y="0"/>
+          <a:chExt cx="0" cy="0"/>
+        </a:xfrm>
+      </p:grpSpPr>
+      <p:sp>
+        <p:nvSpPr>
+          <p:cNvPr id="2" name="Title 1"/>
+          <p:cNvSpPr>
+            <a:spLocks noGrp="1"/>
+          </p:cNvSpPr>
+          <p:nvPr>
+            <p:ph type="title"/>
+          </p:nvPr>
+        </p:nvSpPr>
+        <p:spPr/>
+        <p:txBody>
+          <a:bodyPr/>
+          <a:lstStyle/>
+          <a:p>
+            <a:r>
+              <a:rPr lang="en-US"/>
+              <a:t>Click to edit Master title style</a:t>
+            </a:r>
+            <a:endParaRPr lang="en-US" dirty="0"/>
+          </a:p>
+        </p:txBody>
+      </p:sp>
+      <p:sp>
+        <p:nvSpPr>
+          <p:cNvPr id="3" name="Date Placeholder 2"/>
+          <p:cNvSpPr>
+            <a:spLocks noGrp="1"/>
+          </p:cNvSpPr>
+          <p:nvPr>
+            <p:ph type="dt" sz="half" idx="10"/>
+          </p:nvPr>
+        </p:nvSpPr>
+        <p:spPr/>
+        <p:txBody>
+          <a:bodyPr/>
+          <a:lstStyle/>
+          <a:p>
+            <a:fld id="{B36A80E0-6C7C-4E44-8FFB-72845EDF7FFF}" type="datetimeFigureOut">
+              <a:rPr lang="en-US" smtClean="0"/>
+              <a:t>1/5/2020</a:t>
+            </a:fld>
+            <a:endParaRPr lang="en-US"/>
+          </a:p>
+        </p:txBody>
+      </p:sp>
+      <p:sp>
+        <p:nvSpPr>
+          <p:cNvPr id="4" name="Footer Placeholder 3"/>
+          <p:cNvSpPr>
+            <a:spLocks noGrp="1"/>
+          </p:cNvSpPr>
+          <p:nvPr>
+            <p:ph type="ftr" sz="quarter" idx="11"/>
+          </p:nvPr>
+        </p:nvSpPr>
+        <p:spPr/>
+        <p:txBody>
+          <a:bodyPr/>
+          <a:lstStyle/>
+          <a:p>
+            <a:endParaRPr lang="en-US"/>
+          </a:p>
+        </p:txBody>
+      </p:sp>
+      <p:sp>
+        <p:nvSpPr>
+          <p:cNvPr id="5" name="Slide Number Placeholder 4"/>
+          <p:cNvSpPr>
+            <a:spLocks noGrp="1"/>
+          </p:cNvSpPr>
+          <p:nvPr>
+            <p:ph type="sldNum" sz="quarter" idx="12"/>
+          </p:nvPr>
+        </p:nvSpPr>
+        <p:spPr/>
+        <p:txBody>
+          <a:bodyPr/>
+          <a:lstStyle/>
+          <a:p>
+            <a:fld id="{2049F373-EC26-4C02-B835-3B0938216780}" type="slidenum">
+              <a:rPr lang="en-US" smtClean="0"/>
+              <a:t>‹#›</a:t>
+            </a:fld>
+            <a:endParaRPr lang="en-US"/>
+          </a:p>
+        </p:txBody>
+      </p:sp>
+    </p:spTree>
+    <p:extLst>
+      <p:ext uri="{BB962C8B-B14F-4D97-AF65-F5344CB8AC3E}">
+        <p14:creationId xmlns:p14="http://schemas.microsoft.com/office/powerpoint/2010/main" val="1425015893"/>
+      </p:ext>
+    </p:extLst>
+  </p:cSld>
+  <p:clrMapOvr>
+    <a:masterClrMapping/>
+  </p:clrMapOvr>
+</p:sldLayout>
+</file>
+
+<file path=ppt/slideLayouts/slideLayout7.xml><?xml version="1.0" encoding="utf-8"?>
+<p:sldLayout xmlns:a="http://schemas.openxmlformats.org/drawingml/2006/main" xmlns:r="http://schemas.openxmlformats.org/officeDocument/2006/relationships" xmlns:p="http://schemas.openxmlformats.org/presentationml/2006/main" showMasterSp="0" type="blank" preserve="1">
+  <p:cSld name="Blank">
+    <p:spTree>
+      <p:nvGrpSpPr>
+        <p:cNvPr id="1" name=""/>
+        <p:cNvGrpSpPr/>
+        <p:nvPr/>
+      </p:nvGrpSpPr>
+      <p:grpSpPr>
+        <a:xfrm>
+          <a:off x="0" y="0"/>
+          <a:ext cx="0" cy="0"/>
+          <a:chOff x="0" y="0"/>
+          <a:chExt cx="0" cy="0"/>
+        </a:xfrm>
+      </p:grpSpPr>
+      <p:sp>
+        <p:nvSpPr>
+          <p:cNvPr id="5" name="Rectangle 4"/>
+          <p:cNvSpPr/>
+          <p:nvPr/>
+        </p:nvSpPr>
+        <p:spPr>
+          <a:xfrm>
+            <a:off x="3175" y="6400800"/>
+            <a:ext cx="12188825" cy="457200"/>
+          </a:xfrm>
+          <a:prstGeom prst="rect">
+            <a:avLst/>
+          </a:prstGeom>
+          <a:solidFill>
+            <a:schemeClr val="accent2"/>
+          </a:solidFill>
+          <a:ln>
+            <a:noFill/>
+          </a:ln>
+        </p:spPr>
+        <p:style>
+          <a:lnRef idx="2">
+            <a:schemeClr val="accent1">
+              <a:shade val="50000"/>
+            </a:schemeClr>
+          </a:lnRef>
+          <a:fillRef idx="1">
+            <a:schemeClr val="accent1"/>
+          </a:fillRef>
+          <a:effectRef idx="0">
+            <a:schemeClr val="accent1"/>
+          </a:effectRef>
+          <a:fontRef idx="minor">
+            <a:schemeClr val="lt1"/>
+          </a:fontRef>
+        </p:style>
+      </p:sp>
+      <p:sp>
+        <p:nvSpPr>
+          <p:cNvPr id="6" name="Rectangle 5"/>
+          <p:cNvSpPr/>
+          <p:nvPr/>
+        </p:nvSpPr>
+        <p:spPr>
+          <a:xfrm>
+            <a:off x="15" y="6334316"/>
+            <a:ext cx="12188825" cy="64008"/>
+          </a:xfrm>
+          <a:prstGeom prst="rect">
+            <a:avLst/>
+          </a:prstGeom>
+          <a:solidFill>
+            <a:schemeClr val="accent1"/>
+          </a:solidFill>
+          <a:ln>
+            <a:noFill/>
+          </a:ln>
+        </p:spPr>
+        <p:style>
+          <a:lnRef idx="2">
+            <a:schemeClr val="accent1">
+              <a:shade val="50000"/>
+            </a:schemeClr>
+          </a:lnRef>
+          <a:fillRef idx="1">
+            <a:schemeClr val="accent1"/>
+          </a:fillRef>
+          <a:effectRef idx="0">
+            <a:schemeClr val="accent1"/>
+          </a:effectRef>
+          <a:fontRef idx="minor">
+            <a:schemeClr val="lt1"/>
+          </a:fontRef>
+        </p:style>
+      </p:sp>
+      <p:sp>
+        <p:nvSpPr>
+          <p:cNvPr id="7" name="Date Placeholder 6"/>
+          <p:cNvSpPr>
+            <a:spLocks noGrp="1"/>
+          </p:cNvSpPr>
+          <p:nvPr>
+            <p:ph type="dt" sz="half" idx="10"/>
+          </p:nvPr>
+        </p:nvSpPr>
+        <p:spPr/>
+        <p:txBody>
+          <a:bodyPr/>
+          <a:lstStyle/>
+          <a:p>
+            <a:fld id="{B36A80E0-6C7C-4E44-8FFB-72845EDF7FFF}" type="datetimeFigureOut">
+              <a:rPr lang="en-US" smtClean="0"/>
+              <a:t>1/5/2020</a:t>
+            </a:fld>
+            <a:endParaRPr lang="en-US"/>
+          </a:p>
+        </p:txBody>
+      </p:sp>
+      <p:sp>
+        <p:nvSpPr>
+          <p:cNvPr id="8" name="Footer Placeholder 7"/>
+          <p:cNvSpPr>
+            <a:spLocks noGrp="1"/>
+          </p:cNvSpPr>
+          <p:nvPr>
+            <p:ph type="ftr" sz="quarter" idx="11"/>
+          </p:nvPr>
+        </p:nvSpPr>
+        <p:spPr/>
+        <p:txBody>
+          <a:bodyPr/>
+          <a:lstStyle>
+            <a:lvl1pPr>
+              <a:defRPr>
+                <a:solidFill>
+                  <a:srgbClr val="FFFFFF"/>
+                </a:solidFill>
+              </a:defRPr>
+            </a:lvl1pPr>
+          </a:lstStyle>
+          <a:p>
+            <a:endParaRPr lang="en-US"/>
+          </a:p>
+        </p:txBody>
+      </p:sp>
+      <p:sp>
+        <p:nvSpPr>
+          <p:cNvPr id="9" name="Slide Number Placeholder 8"/>
+          <p:cNvSpPr>
+            <a:spLocks noGrp="1"/>
+          </p:cNvSpPr>
+          <p:nvPr>
+            <p:ph type="sldNum" sz="quarter" idx="12"/>
+          </p:nvPr>
+        </p:nvSpPr>
+        <p:spPr/>
+        <p:txBody>
+          <a:bodyPr/>
+          <a:lstStyle/>
+          <a:p>
+            <a:fld id="{2049F373-EC26-4C02-B835-3B0938216780}" type="slidenum">
+              <a:rPr lang="en-US" smtClean="0"/>
+              <a:t>‹#›</a:t>
+            </a:fld>
+            <a:endParaRPr lang="en-US"/>
+          </a:p>
+        </p:txBody>
+      </p:sp>
+    </p:spTree>
+    <p:extLst>
+      <p:ext uri="{BB962C8B-B14F-4D97-AF65-F5344CB8AC3E}">
+        <p14:creationId xmlns:p14="http://schemas.microsoft.com/office/powerpoint/2010/main" val="2737677777"/>
+      </p:ext>
+    </p:extLst>
+  </p:cSld>
+  <p:clrMapOvr>
+    <a:masterClrMapping/>
+  </p:clrMapOvr>
+</p:sldLayout>
+</file>
+
+<file path=ppt/slideLayouts/slideLayout8.xml><?xml version="1.0" encoding="utf-8"?>
+<p:sldLayout xmlns:a="http://schemas.openxmlformats.org/drawingml/2006/main" xmlns:r="http://schemas.openxmlformats.org/officeDocument/2006/relationships" xmlns:p="http://schemas.openxmlformats.org/presentationml/2006/main" showMasterSp="0" type="objTx" preserve="1">
+  <p:cSld name="Content with Caption">
+    <p:spTree>
+      <p:nvGrpSpPr>
+        <p:cNvPr id="1" name=""/>
+        <p:cNvGrpSpPr/>
+        <p:nvPr/>
+      </p:nvGrpSpPr>
+      <p:grpSpPr>
+        <a:xfrm>
+          <a:off x="0" y="0"/>
+          <a:ext cx="0" cy="0"/>
+          <a:chOff x="0" y="0"/>
+          <a:chExt cx="0" cy="0"/>
+        </a:xfrm>
+      </p:grpSpPr>
+      <p:sp>
+        <p:nvSpPr>
+          <p:cNvPr id="8" name="Rectangle 7"/>
+          <p:cNvSpPr/>
+          <p:nvPr/>
+        </p:nvSpPr>
+        <p:spPr>
+          <a:xfrm>
+            <a:off x="16" y="0"/>
+            <a:ext cx="4050791" cy="6858000"/>
+          </a:xfrm>
+          <a:prstGeom prst="rect">
+            <a:avLst/>
+          </a:prstGeom>
+          <a:solidFill>
+            <a:schemeClr val="accent2"/>
+          </a:solidFill>
+          <a:ln>
+            <a:noFill/>
+          </a:ln>
+        </p:spPr>
+        <p:style>
+          <a:lnRef idx="2">
+            <a:schemeClr val="accent1">
+              <a:shade val="50000"/>
+            </a:schemeClr>
+          </a:lnRef>
+          <a:fillRef idx="1">
+            <a:schemeClr val="accent1"/>
+          </a:fillRef>
+          <a:effectRef idx="0">
+            <a:schemeClr val="accent1"/>
+          </a:effectRef>
+          <a:fontRef idx="minor">
+            <a:schemeClr val="lt1"/>
+          </a:fontRef>
+        </p:style>
+      </p:sp>
+      <p:sp>
+        <p:nvSpPr>
+          <p:cNvPr id="9" name="Rectangle 8"/>
+          <p:cNvSpPr/>
+          <p:nvPr/>
+        </p:nvSpPr>
+        <p:spPr>
+          <a:xfrm>
+            <a:off x="4040071" y="0"/>
+            <a:ext cx="64008" cy="6858000"/>
+          </a:xfrm>
+          <a:prstGeom prst="rect">
+            <a:avLst/>
+          </a:prstGeom>
+          <a:solidFill>
+            <a:schemeClr val="accent1"/>
+          </a:solidFill>
+          <a:ln>
+            <a:noFill/>
+          </a:ln>
+        </p:spPr>
+        <p:style>
+          <a:lnRef idx="2">
+            <a:schemeClr val="accent1">
+              <a:shade val="50000"/>
+            </a:schemeClr>
+          </a:lnRef>
+          <a:fillRef idx="1">
+            <a:schemeClr val="accent1"/>
+          </a:fillRef>
+          <a:effectRef idx="0">
+            <a:schemeClr val="accent1"/>
+          </a:effectRef>
+          <a:fontRef idx="minor">
+            <a:schemeClr val="lt1"/>
+          </a:fontRef>
+        </p:style>
+      </p:sp>
+      <p:sp>
+        <p:nvSpPr>
+          <p:cNvPr id="2" name="Title 1"/>
+          <p:cNvSpPr>
+            <a:spLocks noGrp="1"/>
+          </p:cNvSpPr>
+          <p:nvPr>
+            <p:ph type="title"/>
+          </p:nvPr>
+        </p:nvSpPr>
+        <p:spPr>
+          <a:xfrm>
+            <a:off x="457200" y="594359"/>
+            <a:ext cx="3200400" cy="2286000"/>
+          </a:xfrm>
+        </p:spPr>
+        <p:txBody>
+          <a:bodyPr anchor="b">
+            <a:normAutofit/>
+          </a:bodyPr>
+          <a:lstStyle>
+            <a:lvl1pPr>
+              <a:defRPr sz="3600" b="0">
+                <a:solidFill>
+                  <a:srgbClr val="FFFFFF"/>
+                </a:solidFill>
+              </a:defRPr>
+            </a:lvl1pPr>
+          </a:lstStyle>
+          <a:p>
+            <a:r>
+              <a:rPr lang="en-US"/>
+              <a:t>Click to edit Master title style</a:t>
+            </a:r>
+            <a:endParaRPr lang="en-US" dirty="0"/>
+          </a:p>
+        </p:txBody>
+      </p:sp>
+      <p:sp>
+        <p:nvSpPr>
+          <p:cNvPr id="3" name="Content Placeholder 2"/>
+          <p:cNvSpPr>
+            <a:spLocks noGrp="1"/>
+          </p:cNvSpPr>
+          <p:nvPr>
+            <p:ph idx="1"/>
+          </p:nvPr>
+        </p:nvSpPr>
+        <p:spPr>
+          <a:xfrm>
+            <a:off x="4800600" y="731520"/>
+            <a:ext cx="6492240" cy="5257800"/>
+          </a:xfrm>
+        </p:spPr>
+        <p:txBody>
+          <a:bodyPr/>
+          <a:lstStyle/>
+          <a:p>
+            <a:pPr lvl="0"/>
+            <a:r>
+              <a:rPr lang="en-US"/>
+              <a:t>Click to edit Master text styles</a:t>
+            </a:r>
+          </a:p>
+          <a:p>
+            <a:pPr lvl="1"/>
+            <a:r>
+              <a:rPr lang="en-US"/>
+              <a:t>Second level</a:t>
+            </a:r>
+          </a:p>
+          <a:p>
+            <a:pPr lvl="2"/>
+            <a:r>
+              <a:rPr lang="en-US"/>
+              <a:t>Third level</a:t>
+            </a:r>
+          </a:p>
+          <a:p>
+            <a:pPr lvl="3"/>
+            <a:r>
+              <a:rPr lang="en-US"/>
+              <a:t>Fourth level</a:t>
+            </a:r>
+          </a:p>
+          <a:p>
+            <a:pPr lvl="4"/>
+            <a:r>
+              <a:rPr lang="en-US"/>
+              <a:t>Fifth level</a:t>
+            </a:r>
+            <a:endParaRPr lang="en-US" dirty="0"/>
+          </a:p>
+        </p:txBody>
+      </p:sp>
+      <p:sp>
+        <p:nvSpPr>
+          <p:cNvPr id="4" name="Text Placeholder 3"/>
+          <p:cNvSpPr>
+            <a:spLocks noGrp="1"/>
+          </p:cNvSpPr>
+          <p:nvPr>
+            <p:ph type="body" sz="half" idx="2"/>
+          </p:nvPr>
+        </p:nvSpPr>
+        <p:spPr>
+          <a:xfrm>
+            <a:off x="457200" y="2926080"/>
+            <a:ext cx="3200400" cy="3379124"/>
+          </a:xfrm>
+        </p:spPr>
+        <p:txBody>
+          <a:bodyPr lIns="91440" rIns="91440">
+            <a:normAutofit/>
+          </a:bodyPr>
+          <a:lstStyle>
+            <a:lvl1pPr marL="0" indent="0">
+              <a:buNone/>
+              <a:defRPr sz="1500">
+                <a:solidFill>
+                  <a:srgbClr val="FFFFFF"/>
+                </a:solidFill>
+              </a:defRPr>
+            </a:lvl1pPr>
+            <a:lvl2pPr marL="457200" indent="0">
+              <a:buNone/>
+              <a:defRPr sz="1200"/>
+            </a:lvl2pPr>
+            <a:lvl3pPr marL="914400" indent="0">
+              <a:buNone/>
+              <a:defRPr sz="1000"/>
+            </a:lvl3pPr>
+            <a:lvl4pPr marL="1371600" indent="0">
+              <a:buNone/>
+              <a:defRPr sz="900"/>
+            </a:lvl4pPr>
+            <a:lvl5pPr marL="1828800" indent="0">
+              <a:buNone/>
+              <a:defRPr sz="900"/>
+            </a:lvl5pPr>
+            <a:lvl6pPr marL="2286000" indent="0">
+              <a:buNone/>
+              <a:defRPr sz="900"/>
+            </a:lvl6pPr>
+            <a:lvl7pPr marL="2743200" indent="0">
+              <a:buNone/>
+              <a:defRPr sz="900"/>
+            </a:lvl7pPr>
+            <a:lvl8pPr marL="3200400" indent="0">
+              <a:buNone/>
+              <a:defRPr sz="900"/>
+            </a:lvl8pPr>
+            <a:lvl9pPr marL="3657600" indent="0">
+              <a:buNone/>
+              <a:defRPr sz="900"/>
+            </a:lvl9pPr>
+          </a:lstStyle>
+          <a:p>
+            <a:pPr lvl="0"/>
+            <a:r>
+              <a:rPr lang="en-US"/>
+              <a:t>Click to edit Master text styles</a:t>
+            </a:r>
+          </a:p>
+        </p:txBody>
+      </p:sp>
+      <p:sp>
+        <p:nvSpPr>
+          <p:cNvPr id="5" name="Date Placeholder 4"/>
+          <p:cNvSpPr>
+            <a:spLocks noGrp="1"/>
+          </p:cNvSpPr>
+          <p:nvPr>
+            <p:ph type="dt" sz="half" idx="10"/>
+          </p:nvPr>
+        </p:nvSpPr>
+        <p:spPr>
+          <a:xfrm>
+            <a:off x="465512" y="6459785"/>
+            <a:ext cx="2618510" cy="365125"/>
+          </a:xfrm>
+        </p:spPr>
+        <p:txBody>
+          <a:bodyPr/>
+          <a:lstStyle>
+            <a:lvl1pPr algn="l">
+              <a:defRPr/>
+            </a:lvl1pPr>
+          </a:lstStyle>
+          <a:p>
+            <a:fld id="{B36A80E0-6C7C-4E44-8FFB-72845EDF7FFF}" type="datetimeFigureOut">
+              <a:rPr lang="en-US" smtClean="0"/>
+              <a:t>1/5/2020</a:t>
+            </a:fld>
+            <a:endParaRPr lang="en-US"/>
+          </a:p>
+        </p:txBody>
+      </p:sp>
+      <p:sp>
+        <p:nvSpPr>
+          <p:cNvPr id="6" name="Footer Placeholder 5"/>
+          <p:cNvSpPr>
+            <a:spLocks noGrp="1"/>
+          </p:cNvSpPr>
+          <p:nvPr>
+            <p:ph type="ftr" sz="quarter" idx="11"/>
+          </p:nvPr>
+        </p:nvSpPr>
+        <p:spPr>
+          <a:xfrm>
+            <a:off x="4800600" y="6459785"/>
+            <a:ext cx="4648200" cy="365125"/>
+          </a:xfrm>
+        </p:spPr>
+        <p:txBody>
+          <a:bodyPr/>
+          <a:lstStyle>
+            <a:lvl1pPr algn="l">
+              <a:defRPr>
+                <a:solidFill>
+                  <a:schemeClr val="tx2"/>
+                </a:solidFill>
+              </a:defRPr>
+            </a:lvl1pPr>
+          </a:lstStyle>
+          <a:p>
+            <a:endParaRPr lang="en-US"/>
+          </a:p>
+        </p:txBody>
+      </p:sp>
+      <p:sp>
+        <p:nvSpPr>
+          <p:cNvPr id="7" name="Slide Number Placeholder 6"/>
+          <p:cNvSpPr>
+            <a:spLocks noGrp="1"/>
+          </p:cNvSpPr>
+          <p:nvPr>
+            <p:ph type="sldNum" sz="quarter" idx="12"/>
+          </p:nvPr>
+        </p:nvSpPr>
+        <p:spPr/>
+        <p:txBody>
+          <a:bodyPr/>
+          <a:lstStyle>
+            <a:lvl1pPr>
+              <a:defRPr>
+                <a:solidFill>
+                  <a:schemeClr val="tx2"/>
+                </a:solidFill>
+              </a:defRPr>
+            </a:lvl1pPr>
+          </a:lstStyle>
+          <a:p>
+            <a:fld id="{2049F373-EC26-4C02-B835-3B0938216780}" type="slidenum">
+              <a:rPr lang="en-US" smtClean="0"/>
+              <a:t>‹#›</a:t>
+            </a:fld>
+            <a:endParaRPr lang="en-US"/>
+          </a:p>
+        </p:txBody>
+      </p:sp>
+    </p:spTree>
+    <p:extLst>
+      <p:ext uri="{BB962C8B-B14F-4D97-AF65-F5344CB8AC3E}">
+        <p14:creationId xmlns:p14="http://schemas.microsoft.com/office/powerpoint/2010/main" val="3556028983"/>
+      </p:ext>
+    </p:extLst>
+  </p:cSld>
+  <p:clrMapOvr>
+    <a:masterClrMapping/>
+  </p:clrMapOvr>
+</p:sldLayout>
+</file>
+
+<file path=ppt/slideLayouts/slideLayout9.xml><?xml version="1.0" encoding="utf-8"?>
+<p:sldLayout xmlns:a="http://schemas.openxmlformats.org/drawingml/2006/main" xmlns:r="http://schemas.openxmlformats.org/officeDocument/2006/relationships" xmlns:p="http://schemas.openxmlformats.org/presentationml/2006/main" showMasterSp="0" type="picTx" preserve="1">
+  <p:cSld name="Picture with Caption">
+    <p:spTree>
+      <p:nvGrpSpPr>
+        <p:cNvPr id="1" name=""/>
+        <p:cNvGrpSpPr/>
+        <p:nvPr/>
+      </p:nvGrpSpPr>
+      <p:grpSpPr>
+        <a:xfrm>
+          <a:off x="0" y="0"/>
+          <a:ext cx="0" cy="0"/>
+          <a:chOff x="0" y="0"/>
+          <a:chExt cx="0" cy="0"/>
+        </a:xfrm>
+      </p:grpSpPr>
+      <p:sp>
+        <p:nvSpPr>
+          <p:cNvPr id="8" name="Rectangle 7"/>
+          <p:cNvSpPr/>
+          <p:nvPr/>
+        </p:nvSpPr>
+        <p:spPr>
+          <a:xfrm>
+            <a:off x="0" y="4953000"/>
+            <a:ext cx="12188825" cy="1905000"/>
+          </a:xfrm>
+          <a:prstGeom prst="rect">
+            <a:avLst/>
+          </a:prstGeom>
+          <a:solidFill>
+            <a:schemeClr val="accent2"/>
+          </a:solidFill>
+          <a:ln>
+            <a:noFill/>
+          </a:ln>
+        </p:spPr>
+        <p:style>
+          <a:lnRef idx="2">
+            <a:schemeClr val="accent1">
+              <a:shade val="50000"/>
+            </a:schemeClr>
+          </a:lnRef>
+          <a:fillRef idx="1">
+            <a:schemeClr val="accent1"/>
+          </a:fillRef>
+          <a:effectRef idx="0">
+            <a:schemeClr val="accent1"/>
+          </a:effectRef>
+          <a:fontRef idx="minor">
+            <a:schemeClr val="lt1"/>
+          </a:fontRef>
+        </p:style>
+      </p:sp>
+      <p:sp>
+        <p:nvSpPr>
+          <p:cNvPr id="9" name="Rectangle 8"/>
+          <p:cNvSpPr/>
+          <p:nvPr/>
+        </p:nvSpPr>
+        <p:spPr>
+          <a:xfrm>
+            <a:off x="15" y="4915076"/>
+            <a:ext cx="12188825" cy="64008"/>
+          </a:xfrm>
+          <a:prstGeom prst="rect">
+            <a:avLst/>
+          </a:prstGeom>
+          <a:solidFill>
+            <a:schemeClr val="accent1"/>
+          </a:solidFill>
+          <a:ln>
+            <a:noFill/>
+          </a:ln>
+        </p:spPr>
+        <p:style>
+          <a:lnRef idx="2">
+            <a:schemeClr val="accent1">
+              <a:shade val="50000"/>
+            </a:schemeClr>
+          </a:lnRef>
+          <a:fillRef idx="1">
+            <a:schemeClr val="accent1"/>
+          </a:fillRef>
+          <a:effectRef idx="0">
+            <a:schemeClr val="accent1"/>
+          </a:effectRef>
+          <a:fontRef idx="minor">
+            <a:schemeClr val="lt1"/>
+          </a:fontRef>
+        </p:style>
+      </p:sp>
+      <p:sp>
+        <p:nvSpPr>
+          <p:cNvPr id="2" name="Title 1"/>
+          <p:cNvSpPr>
+            <a:spLocks noGrp="1"/>
+          </p:cNvSpPr>
+          <p:nvPr>
+            <p:ph type="title"/>
+          </p:nvPr>
+        </p:nvSpPr>
+        <p:spPr>
+          <a:xfrm>
+            <a:off x="1097280" y="5074920"/>
+            <a:ext cx="10113264" cy="822960"/>
+          </a:xfrm>
+        </p:spPr>
+        <p:txBody>
+          <a:bodyPr lIns="91440" tIns="0" rIns="91440" bIns="0" anchor="b">
+            <a:noAutofit/>
+          </a:bodyPr>
+          <a:lstStyle>
+            <a:lvl1pPr>
+              <a:defRPr sz="3600" b="0">
+                <a:solidFill>
+                  <a:srgbClr val="FFFFFF"/>
+                </a:solidFill>
+              </a:defRPr>
+            </a:lvl1pPr>
+          </a:lstStyle>
+          <a:p>
+            <a:r>
+              <a:rPr lang="en-US"/>
+              <a:t>Click to edit Master title style</a:t>
+            </a:r>
+            <a:endParaRPr lang="en-US" dirty="0"/>
+          </a:p>
+        </p:txBody>
+      </p:sp>
+      <p:sp>
+        <p:nvSpPr>
+          <p:cNvPr id="3" name="Picture Placeholder 2"/>
+          <p:cNvSpPr>
+            <a:spLocks noGrp="1" noChangeAspect="1"/>
+          </p:cNvSpPr>
+          <p:nvPr>
+            <p:ph type="pic" idx="1"/>
+          </p:nvPr>
+        </p:nvSpPr>
+        <p:spPr>
+          <a:xfrm>
+            <a:off x="15" y="0"/>
+            <a:ext cx="12191985" cy="4915076"/>
+          </a:xfrm>
+          <a:blipFill>
+            <a:blip r:embed="rId2"/>
+            <a:stretch>
+              <a:fillRect/>
+            </a:stretch>
+          </a:blipFill>
+        </p:spPr>
+        <p:txBody>
+          <a:bodyPr lIns="457200" tIns="457200" anchor="t"/>
+          <a:lstStyle>
+            <a:lvl1pPr marL="0" indent="0">
+              <a:buNone/>
+              <a:defRPr sz="3200">
+                <a:solidFill>
+                  <a:schemeClr val="bg1"/>
+                </a:solidFill>
+              </a:defRPr>
+            </a:lvl1pPr>
+            <a:lvl2pPr marL="457200" indent="0">
+              <a:buNone/>
+              <a:defRPr sz="2800"/>
+            </a:lvl2pPr>
+            <a:lvl3pPr marL="914400" indent="0">
+              <a:buNone/>
+              <a:defRPr sz="2400"/>
+            </a:lvl3pPr>
+            <a:lvl4pPr marL="1371600" indent="0">
+              <a:buNone/>
+              <a:defRPr sz="2000"/>
+            </a:lvl4pPr>
+            <a:lvl5pPr marL="1828800" indent="0">
+              <a:buNone/>
+              <a:defRPr sz="2000"/>
+            </a:lvl5pPr>
+            <a:lvl6pPr marL="2286000" indent="0">
+              <a:buNone/>
+              <a:defRPr sz="2000"/>
+            </a:lvl6pPr>
+            <a:lvl7pPr marL="2743200" indent="0">
+              <a:buNone/>
+              <a:defRPr sz="2000"/>
+            </a:lvl7pPr>
+            <a:lvl8pPr marL="3200400" indent="0">
+              <a:buNone/>
+              <a:defRPr sz="2000"/>
+            </a:lvl8pPr>
+            <a:lvl9pPr marL="3657600" indent="0">
+              <a:buNone/>
+              <a:defRPr sz="2000"/>
+            </a:lvl9pPr>
+          </a:lstStyle>
+          <a:p>
+            <a:r>
+              <a:rPr lang="en-US"/>
+              <a:t>Click icon to add picture</a:t>
+            </a:r>
+            <a:endParaRPr lang="en-US" dirty="0"/>
+          </a:p>
+        </p:txBody>
+      </p:sp>
+      <p:sp>
+        <p:nvSpPr>
+          <p:cNvPr id="4" name="Text Placeholder 3"/>
+          <p:cNvSpPr>
+            <a:spLocks noGrp="1"/>
+          </p:cNvSpPr>
+          <p:nvPr>
+            <p:ph type="body" sz="half" idx="2"/>
+          </p:nvPr>
+        </p:nvSpPr>
+        <p:spPr>
+          <a:xfrm>
+            <a:off x="1097280" y="5907023"/>
+            <a:ext cx="10113264" cy="594360"/>
+          </a:xfrm>
+        </p:spPr>
+        <p:txBody>
+          <a:bodyPr lIns="91440" tIns="0" rIns="91440" bIns="0">
+            <a:normAutofit/>
+          </a:bodyPr>
+          <a:lstStyle>
+            <a:lvl1pPr marL="0" indent="0">
+              <a:spcBef>
+                <a:spcPts val="0"/>
+              </a:spcBef>
+              <a:spcAft>
+                <a:spcPts val="600"/>
+              </a:spcAft>
+              <a:buNone/>
+              <a:defRPr sz="1500">
+                <a:solidFill>
+                  <a:srgbClr val="FFFFFF"/>
+                </a:solidFill>
+              </a:defRPr>
+            </a:lvl1pPr>
+            <a:lvl2pPr marL="457200" indent="0">
+              <a:buNone/>
+              <a:defRPr sz="1200"/>
+            </a:lvl2pPr>
+            <a:lvl3pPr marL="914400" indent="0">
+              <a:buNone/>
+              <a:defRPr sz="1000"/>
+            </a:lvl3pPr>
+            <a:lvl4pPr marL="1371600" indent="0">
+              <a:buNone/>
+              <a:defRPr sz="900"/>
+            </a:lvl4pPr>
+            <a:lvl5pPr marL="1828800" indent="0">
+              <a:buNone/>
+              <a:defRPr sz="900"/>
+            </a:lvl5pPr>
+            <a:lvl6pPr marL="2286000" indent="0">
+              <a:buNone/>
+              <a:defRPr sz="900"/>
+            </a:lvl6pPr>
+            <a:lvl7pPr marL="2743200" indent="0">
+              <a:buNone/>
+              <a:defRPr sz="900"/>
+            </a:lvl7pPr>
+            <a:lvl8pPr marL="3200400" indent="0">
+              <a:buNone/>
+              <a:defRPr sz="900"/>
+            </a:lvl8pPr>
+            <a:lvl9pPr marL="3657600" indent="0">
+              <a:buNone/>
+              <a:defRPr sz="900"/>
+            </a:lvl9pPr>
+          </a:lstStyle>
+          <a:p>
+            <a:pPr lvl="0"/>
+            <a:r>
+              <a:rPr lang="en-US"/>
+              <a:t>Click to edit Master text styles</a:t>
+            </a:r>
+          </a:p>
+        </p:txBody>
+      </p:sp>
+      <p:sp>
+        <p:nvSpPr>
+          <p:cNvPr id="5" name="Date Placeholder 4"/>
+          <p:cNvSpPr>
+            <a:spLocks noGrp="1"/>
+          </p:cNvSpPr>
+          <p:nvPr>
+            <p:ph type="dt" sz="half" idx="10"/>
+          </p:nvPr>
+        </p:nvSpPr>
+        <p:spPr/>
+        <p:txBody>
+          <a:bodyPr/>
+          <a:lstStyle/>
+          <a:p>
+            <a:fld id="{B36A80E0-6C7C-4E44-8FFB-72845EDF7FFF}" type="datetimeFigureOut">
+              <a:rPr lang="en-US" smtClean="0"/>
+              <a:t>1/5/2020</a:t>
+            </a:fld>
+            <a:endParaRPr lang="en-US"/>
+          </a:p>
+        </p:txBody>
+      </p:sp>
+      <p:sp>
+        <p:nvSpPr>
+          <p:cNvPr id="6" name="Footer Placeholder 5"/>
+          <p:cNvSpPr>
+            <a:spLocks noGrp="1"/>
+          </p:cNvSpPr>
+          <p:nvPr>
+            <p:ph type="ftr" sz="quarter" idx="11"/>
+          </p:nvPr>
+        </p:nvSpPr>
+        <p:spPr/>
+        <p:txBody>
+          <a:bodyPr/>
+          <a:lstStyle/>
+          <a:p>
+            <a:endParaRPr lang="en-US"/>
+          </a:p>
+        </p:txBody>
+      </p:sp>
+      <p:sp>
+        <p:nvSpPr>
+          <p:cNvPr id="7" name="Slide Number Placeholder 6"/>
+          <p:cNvSpPr>
+            <a:spLocks noGrp="1"/>
+          </p:cNvSpPr>
+          <p:nvPr>
+            <p:ph type="sldNum" sz="quarter" idx="12"/>
+          </p:nvPr>
+        </p:nvSpPr>
+        <p:spPr/>
+        <p:txBody>
+          <a:bodyPr/>
+          <a:lstStyle/>
+          <a:p>
+            <a:fld id="{2049F373-EC26-4C02-B835-3B0938216780}" type="slidenum">
+              <a:rPr lang="en-US" smtClean="0"/>
+              <a:t>‹#›</a:t>
+            </a:fld>
+            <a:endParaRPr lang="en-US"/>
+          </a:p>
+        </p:txBody>
+      </p:sp>
+    </p:spTree>
+    <p:extLst>
+      <p:ext uri="{BB962C8B-B14F-4D97-AF65-F5344CB8AC3E}">
+        <p14:creationId xmlns:p14="http://schemas.microsoft.com/office/powerpoint/2010/main" val="3381741258"/>
       </p:ext>
     </p:extLst>
   </p:cSld>
@@ -2763,28 +5733,761 @@
       </p:grpSpPr>
       <p:sp>
         <p:nvSpPr>
-          <p:cNvPr id="2" name="Title Placeholder 1">
-            <a:extLst>
-              <a:ext uri="{FF2B5EF4-FFF2-40B4-BE49-F238E27FC236}">
-                <a16:creationId xmlns:a16="http://schemas.microsoft.com/office/drawing/2014/main" id="{9736DA86-4731-45D7-AD14-D09751BC7203}"/>
-              </a:ext>
-            </a:extLst>
-          </p:cNvPr>
-          <p:cNvSpPr>
-            <a:spLocks noGrp="1"/>
-          </p:cNvSpPr>
-          <p:nvPr>
-            <p:ph type="title"/>
-          </p:nvPr>
+          <p:cNvPr id="7" name="Rectangle 6"/>
+          <p:cNvSpPr/>
+          <p:nvPr/>
         </p:nvSpPr>
         <p:spPr>
           <a:xfrm>
-            <a:off x="838200" y="365125"/>
-            <a:ext cx="10515600" cy="1325563"/>
+            <a:off x="1" y="6400800"/>
+            <a:ext cx="12192000" cy="457200"/>
           </a:xfrm>
           <a:prstGeom prst="rect">
             <a:avLst/>
           </a:prstGeom>
+          <a:solidFill>
+            <a:schemeClr val="accent2"/>
+          </a:solidFill>
+          <a:ln>
+            <a:noFill/>
+          </a:ln>
+        </p:spPr>
+        <p:style>
+          <a:lnRef idx="2">
+            <a:schemeClr val="accent1">
+              <a:shade val="50000"/>
+            </a:schemeClr>
+          </a:lnRef>
+          <a:fillRef idx="1">
+            <a:schemeClr val="accent1"/>
+          </a:fillRef>
+          <a:effectRef idx="0">
+            <a:schemeClr val="accent1"/>
+          </a:effectRef>
+          <a:fontRef idx="minor">
+            <a:schemeClr val="lt1"/>
+          </a:fontRef>
+        </p:style>
+      </p:sp>
+      <p:sp>
+        <p:nvSpPr>
+          <p:cNvPr id="9" name="Rectangle 8"/>
+          <p:cNvSpPr/>
+          <p:nvPr/>
+        </p:nvSpPr>
+        <p:spPr>
+          <a:xfrm>
+            <a:off x="0" y="6334316"/>
+            <a:ext cx="12192001" cy="65998"/>
+          </a:xfrm>
+          <a:prstGeom prst="rect">
+            <a:avLst/>
+          </a:prstGeom>
+          <a:solidFill>
+            <a:schemeClr val="accent1"/>
+          </a:solidFill>
+          <a:ln>
+            <a:noFill/>
+          </a:ln>
+        </p:spPr>
+        <p:style>
+          <a:lnRef idx="2">
+            <a:schemeClr val="accent1">
+              <a:shade val="50000"/>
+            </a:schemeClr>
+          </a:lnRef>
+          <a:fillRef idx="1">
+            <a:schemeClr val="accent1"/>
+          </a:fillRef>
+          <a:effectRef idx="0">
+            <a:schemeClr val="accent1"/>
+          </a:effectRef>
+          <a:fontRef idx="minor">
+            <a:schemeClr val="lt1"/>
+          </a:fontRef>
+        </p:style>
+      </p:sp>
+      <p:sp>
+        <p:nvSpPr>
+          <p:cNvPr id="2" name="Title Placeholder 1"/>
+          <p:cNvSpPr>
+            <a:spLocks noGrp="1"/>
+          </p:cNvSpPr>
+          <p:nvPr>
+            <p:ph type="title"/>
+          </p:nvPr>
+        </p:nvSpPr>
+        <p:spPr>
+          <a:xfrm>
+            <a:off x="1097280" y="286603"/>
+            <a:ext cx="10058400" cy="1450757"/>
+          </a:xfrm>
+          <a:prstGeom prst="rect">
+            <a:avLst/>
+          </a:prstGeom>
+        </p:spPr>
+        <p:txBody>
+          <a:bodyPr vert="horz" lIns="91440" tIns="45720" rIns="91440" bIns="45720" rtlCol="0" anchor="b">
+            <a:normAutofit/>
+          </a:bodyPr>
+          <a:lstStyle/>
+          <a:p>
+            <a:r>
+              <a:rPr lang="en-US"/>
+              <a:t>Click to edit Master title style</a:t>
+            </a:r>
+            <a:endParaRPr lang="en-US" dirty="0"/>
+          </a:p>
+        </p:txBody>
+      </p:sp>
+      <p:sp>
+        <p:nvSpPr>
+          <p:cNvPr id="3" name="Text Placeholder 2"/>
+          <p:cNvSpPr>
+            <a:spLocks noGrp="1"/>
+          </p:cNvSpPr>
+          <p:nvPr>
+            <p:ph type="body" idx="1"/>
+          </p:nvPr>
+        </p:nvSpPr>
+        <p:spPr>
+          <a:xfrm>
+            <a:off x="1097280" y="1845734"/>
+            <a:ext cx="10058400" cy="4023360"/>
+          </a:xfrm>
+          <a:prstGeom prst="rect">
+            <a:avLst/>
+          </a:prstGeom>
+        </p:spPr>
+        <p:txBody>
+          <a:bodyPr vert="horz" lIns="0" tIns="45720" rIns="0" bIns="45720" rtlCol="0">
+            <a:normAutofit/>
+          </a:bodyPr>
+          <a:lstStyle/>
+          <a:p>
+            <a:pPr lvl="0"/>
+            <a:r>
+              <a:rPr lang="en-US"/>
+              <a:t>Click to edit Master text styles</a:t>
+            </a:r>
+          </a:p>
+          <a:p>
+            <a:pPr lvl="1"/>
+            <a:r>
+              <a:rPr lang="en-US"/>
+              <a:t>Second level</a:t>
+            </a:r>
+          </a:p>
+          <a:p>
+            <a:pPr lvl="2"/>
+            <a:r>
+              <a:rPr lang="en-US"/>
+              <a:t>Third level</a:t>
+            </a:r>
+          </a:p>
+          <a:p>
+            <a:pPr lvl="3"/>
+            <a:r>
+              <a:rPr lang="en-US"/>
+              <a:t>Fourth level</a:t>
+            </a:r>
+          </a:p>
+          <a:p>
+            <a:pPr lvl="4"/>
+            <a:r>
+              <a:rPr lang="en-US"/>
+              <a:t>Fifth level</a:t>
+            </a:r>
+            <a:endParaRPr lang="en-US" dirty="0"/>
+          </a:p>
+        </p:txBody>
+      </p:sp>
+      <p:sp>
+        <p:nvSpPr>
+          <p:cNvPr id="4" name="Date Placeholder 3"/>
+          <p:cNvSpPr>
+            <a:spLocks noGrp="1"/>
+          </p:cNvSpPr>
+          <p:nvPr>
+            <p:ph type="dt" sz="half" idx="2"/>
+          </p:nvPr>
+        </p:nvSpPr>
+        <p:spPr>
+          <a:xfrm>
+            <a:off x="1097280" y="6459785"/>
+            <a:ext cx="2472271" cy="365125"/>
+          </a:xfrm>
+          <a:prstGeom prst="rect">
+            <a:avLst/>
+          </a:prstGeom>
+        </p:spPr>
+        <p:txBody>
+          <a:bodyPr vert="horz" lIns="91440" tIns="45720" rIns="91440" bIns="45720" rtlCol="0" anchor="ctr"/>
+          <a:lstStyle>
+            <a:lvl1pPr algn="l">
+              <a:defRPr sz="900">
+                <a:solidFill>
+                  <a:srgbClr val="FFFFFF"/>
+                </a:solidFill>
+              </a:defRPr>
+            </a:lvl1pPr>
+          </a:lstStyle>
+          <a:p>
+            <a:fld id="{B36A80E0-6C7C-4E44-8FFB-72845EDF7FFF}" type="datetimeFigureOut">
+              <a:rPr lang="en-US" smtClean="0"/>
+              <a:t>1/5/2020</a:t>
+            </a:fld>
+            <a:endParaRPr lang="en-US"/>
+          </a:p>
+        </p:txBody>
+      </p:sp>
+      <p:sp>
+        <p:nvSpPr>
+          <p:cNvPr id="5" name="Footer Placeholder 4"/>
+          <p:cNvSpPr>
+            <a:spLocks noGrp="1"/>
+          </p:cNvSpPr>
+          <p:nvPr>
+            <p:ph type="ftr" sz="quarter" idx="3"/>
+          </p:nvPr>
+        </p:nvSpPr>
+        <p:spPr>
+          <a:xfrm>
+            <a:off x="3686185" y="6459785"/>
+            <a:ext cx="4822804" cy="365125"/>
+          </a:xfrm>
+          <a:prstGeom prst="rect">
+            <a:avLst/>
+          </a:prstGeom>
+        </p:spPr>
+        <p:txBody>
+          <a:bodyPr vert="horz" lIns="91440" tIns="45720" rIns="91440" bIns="45720" rtlCol="0" anchor="ctr"/>
+          <a:lstStyle>
+            <a:lvl1pPr algn="ctr">
+              <a:defRPr sz="900" cap="all" baseline="0">
+                <a:solidFill>
+                  <a:srgbClr val="FFFFFF"/>
+                </a:solidFill>
+              </a:defRPr>
+            </a:lvl1pPr>
+          </a:lstStyle>
+          <a:p>
+            <a:endParaRPr lang="en-US"/>
+          </a:p>
+        </p:txBody>
+      </p:sp>
+      <p:sp>
+        <p:nvSpPr>
+          <p:cNvPr id="6" name="Slide Number Placeholder 5"/>
+          <p:cNvSpPr>
+            <a:spLocks noGrp="1"/>
+          </p:cNvSpPr>
+          <p:nvPr>
+            <p:ph type="sldNum" sz="quarter" idx="4"/>
+          </p:nvPr>
+        </p:nvSpPr>
+        <p:spPr>
+          <a:xfrm>
+            <a:off x="9900458" y="6459785"/>
+            <a:ext cx="1312025" cy="365125"/>
+          </a:xfrm>
+          <a:prstGeom prst="rect">
+            <a:avLst/>
+          </a:prstGeom>
+        </p:spPr>
+        <p:txBody>
+          <a:bodyPr vert="horz" lIns="91440" tIns="45720" rIns="91440" bIns="45720" rtlCol="0" anchor="ctr"/>
+          <a:lstStyle>
+            <a:lvl1pPr algn="r">
+              <a:defRPr sz="1050">
+                <a:solidFill>
+                  <a:srgbClr val="FFFFFF"/>
+                </a:solidFill>
+              </a:defRPr>
+            </a:lvl1pPr>
+          </a:lstStyle>
+          <a:p>
+            <a:fld id="{2049F373-EC26-4C02-B835-3B0938216780}" type="slidenum">
+              <a:rPr lang="en-US" smtClean="0"/>
+              <a:t>‹#›</a:t>
+            </a:fld>
+            <a:endParaRPr lang="en-US"/>
+          </a:p>
+        </p:txBody>
+      </p:sp>
+      <p:cxnSp>
+        <p:nvCxnSpPr>
+          <p:cNvPr id="10" name="Straight Connector 9"/>
+          <p:cNvCxnSpPr/>
+          <p:nvPr/>
+        </p:nvCxnSpPr>
+        <p:spPr>
+          <a:xfrm>
+            <a:off x="1193532" y="1737845"/>
+            <a:ext cx="9966960" cy="0"/>
+          </a:xfrm>
+          <a:prstGeom prst="line">
+            <a:avLst/>
+          </a:prstGeom>
+          <a:ln w="6350">
+            <a:solidFill>
+              <a:schemeClr val="tx1">
+                <a:lumMod val="50000"/>
+                <a:lumOff val="50000"/>
+              </a:schemeClr>
+            </a:solidFill>
+          </a:ln>
+        </p:spPr>
+        <p:style>
+          <a:lnRef idx="1">
+            <a:schemeClr val="accent1"/>
+          </a:lnRef>
+          <a:fillRef idx="0">
+            <a:schemeClr val="accent1"/>
+          </a:fillRef>
+          <a:effectRef idx="0">
+            <a:schemeClr val="accent1"/>
+          </a:effectRef>
+          <a:fontRef idx="minor">
+            <a:schemeClr val="tx1"/>
+          </a:fontRef>
+        </p:style>
+      </p:cxnSp>
+    </p:spTree>
+    <p:extLst>
+      <p:ext uri="{BB962C8B-B14F-4D97-AF65-F5344CB8AC3E}">
+        <p14:creationId xmlns:p14="http://schemas.microsoft.com/office/powerpoint/2010/main" val="194794970"/>
+      </p:ext>
+    </p:extLst>
+  </p:cSld>
+  <p:clrMap bg1="lt1" tx1="dk1" bg2="lt2" tx2="dk2" accent1="accent1" accent2="accent2" accent3="accent3" accent4="accent4" accent5="accent5" accent6="accent6" hlink="hlink" folHlink="folHlink"/>
+  <p:sldLayoutIdLst>
+    <p:sldLayoutId id="2147483661" r:id="rId1"/>
+    <p:sldLayoutId id="2147483662" r:id="rId2"/>
+    <p:sldLayoutId id="2147483663" r:id="rId3"/>
+    <p:sldLayoutId id="2147483664" r:id="rId4"/>
+    <p:sldLayoutId id="2147483665" r:id="rId5"/>
+    <p:sldLayoutId id="2147483666" r:id="rId6"/>
+    <p:sldLayoutId id="2147483667" r:id="rId7"/>
+    <p:sldLayoutId id="2147483668" r:id="rId8"/>
+    <p:sldLayoutId id="2147483669" r:id="rId9"/>
+    <p:sldLayoutId id="2147483670" r:id="rId10"/>
+    <p:sldLayoutId id="2147483671" r:id="rId11"/>
+  </p:sldLayoutIdLst>
+  <p:txStyles>
+    <p:titleStyle>
+      <a:lvl1pPr algn="l" defTabSz="914400" rtl="0" eaLnBrk="1" latinLnBrk="0" hangingPunct="1">
+        <a:lnSpc>
+          <a:spcPct val="85000"/>
+        </a:lnSpc>
+        <a:spcBef>
+          <a:spcPct val="0"/>
+        </a:spcBef>
+        <a:buNone/>
+        <a:defRPr sz="4800" kern="1200" spc="-50" baseline="0">
+          <a:solidFill>
+            <a:schemeClr val="tx1">
+              <a:lumMod val="75000"/>
+              <a:lumOff val="25000"/>
+            </a:schemeClr>
+          </a:solidFill>
+          <a:latin typeface="+mj-lt"/>
+          <a:ea typeface="+mj-ea"/>
+          <a:cs typeface="+mj-cs"/>
+        </a:defRPr>
+      </a:lvl1pPr>
+    </p:titleStyle>
+    <p:bodyStyle>
+      <a:lvl1pPr marL="91440" indent="-91440" algn="l" defTabSz="914400" rtl="0" eaLnBrk="1" latinLnBrk="0" hangingPunct="1">
+        <a:lnSpc>
+          <a:spcPct val="90000"/>
+        </a:lnSpc>
+        <a:spcBef>
+          <a:spcPts val="1200"/>
+        </a:spcBef>
+        <a:spcAft>
+          <a:spcPts val="200"/>
+        </a:spcAft>
+        <a:buClr>
+          <a:schemeClr val="accent1"/>
+        </a:buClr>
+        <a:buSzPct val="100000"/>
+        <a:buFont typeface="Calibri" panose="020F0502020204030204" pitchFamily="34" charset="0"/>
+        <a:buChar char=" "/>
+        <a:defRPr sz="2000" kern="1200">
+          <a:solidFill>
+            <a:schemeClr val="tx1">
+              <a:lumMod val="75000"/>
+              <a:lumOff val="25000"/>
+            </a:schemeClr>
+          </a:solidFill>
+          <a:latin typeface="+mn-lt"/>
+          <a:ea typeface="+mn-ea"/>
+          <a:cs typeface="+mn-cs"/>
+        </a:defRPr>
+      </a:lvl1pPr>
+      <a:lvl2pPr marL="384048" indent="-182880" algn="l" defTabSz="914400" rtl="0" eaLnBrk="1" latinLnBrk="0" hangingPunct="1">
+        <a:lnSpc>
+          <a:spcPct val="90000"/>
+        </a:lnSpc>
+        <a:spcBef>
+          <a:spcPts val="200"/>
+        </a:spcBef>
+        <a:spcAft>
+          <a:spcPts val="400"/>
+        </a:spcAft>
+        <a:buClr>
+          <a:schemeClr val="accent1"/>
+        </a:buClr>
+        <a:buFont typeface="Calibri" pitchFamily="34" charset="0"/>
+        <a:buChar char="◦"/>
+        <a:defRPr sz="1800" kern="1200">
+          <a:solidFill>
+            <a:schemeClr val="tx1">
+              <a:lumMod val="75000"/>
+              <a:lumOff val="25000"/>
+            </a:schemeClr>
+          </a:solidFill>
+          <a:latin typeface="+mn-lt"/>
+          <a:ea typeface="+mn-ea"/>
+          <a:cs typeface="+mn-cs"/>
+        </a:defRPr>
+      </a:lvl2pPr>
+      <a:lvl3pPr marL="566928" indent="-182880" algn="l" defTabSz="914400" rtl="0" eaLnBrk="1" latinLnBrk="0" hangingPunct="1">
+        <a:lnSpc>
+          <a:spcPct val="90000"/>
+        </a:lnSpc>
+        <a:spcBef>
+          <a:spcPts val="200"/>
+        </a:spcBef>
+        <a:spcAft>
+          <a:spcPts val="400"/>
+        </a:spcAft>
+        <a:buClr>
+          <a:schemeClr val="accent1"/>
+        </a:buClr>
+        <a:buFont typeface="Calibri" pitchFamily="34" charset="0"/>
+        <a:buChar char="◦"/>
+        <a:defRPr sz="1400" kern="1200">
+          <a:solidFill>
+            <a:schemeClr val="tx1">
+              <a:lumMod val="75000"/>
+              <a:lumOff val="25000"/>
+            </a:schemeClr>
+          </a:solidFill>
+          <a:latin typeface="+mn-lt"/>
+          <a:ea typeface="+mn-ea"/>
+          <a:cs typeface="+mn-cs"/>
+        </a:defRPr>
+      </a:lvl3pPr>
+      <a:lvl4pPr marL="749808" indent="-182880" algn="l" defTabSz="914400" rtl="0" eaLnBrk="1" latinLnBrk="0" hangingPunct="1">
+        <a:lnSpc>
+          <a:spcPct val="90000"/>
+        </a:lnSpc>
+        <a:spcBef>
+          <a:spcPts val="200"/>
+        </a:spcBef>
+        <a:spcAft>
+          <a:spcPts val="400"/>
+        </a:spcAft>
+        <a:buClr>
+          <a:schemeClr val="accent1"/>
+        </a:buClr>
+        <a:buFont typeface="Calibri" pitchFamily="34" charset="0"/>
+        <a:buChar char="◦"/>
+        <a:defRPr sz="1400" kern="1200">
+          <a:solidFill>
+            <a:schemeClr val="tx1">
+              <a:lumMod val="75000"/>
+              <a:lumOff val="25000"/>
+            </a:schemeClr>
+          </a:solidFill>
+          <a:latin typeface="+mn-lt"/>
+          <a:ea typeface="+mn-ea"/>
+          <a:cs typeface="+mn-cs"/>
+        </a:defRPr>
+      </a:lvl4pPr>
+      <a:lvl5pPr marL="932688" indent="-182880" algn="l" defTabSz="914400" rtl="0" eaLnBrk="1" latinLnBrk="0" hangingPunct="1">
+        <a:lnSpc>
+          <a:spcPct val="90000"/>
+        </a:lnSpc>
+        <a:spcBef>
+          <a:spcPts val="200"/>
+        </a:spcBef>
+        <a:spcAft>
+          <a:spcPts val="400"/>
+        </a:spcAft>
+        <a:buClr>
+          <a:schemeClr val="accent1"/>
+        </a:buClr>
+        <a:buFont typeface="Calibri" pitchFamily="34" charset="0"/>
+        <a:buChar char="◦"/>
+        <a:defRPr sz="1400" kern="1200">
+          <a:solidFill>
+            <a:schemeClr val="tx1">
+              <a:lumMod val="75000"/>
+              <a:lumOff val="25000"/>
+            </a:schemeClr>
+          </a:solidFill>
+          <a:latin typeface="+mn-lt"/>
+          <a:ea typeface="+mn-ea"/>
+          <a:cs typeface="+mn-cs"/>
+        </a:defRPr>
+      </a:lvl5pPr>
+      <a:lvl6pPr marL="1100000" indent="-228600" algn="l" defTabSz="914400" rtl="0" eaLnBrk="1" latinLnBrk="0" hangingPunct="1">
+        <a:lnSpc>
+          <a:spcPct val="90000"/>
+        </a:lnSpc>
+        <a:spcBef>
+          <a:spcPts val="200"/>
+        </a:spcBef>
+        <a:spcAft>
+          <a:spcPts val="400"/>
+        </a:spcAft>
+        <a:buClr>
+          <a:schemeClr val="accent1"/>
+        </a:buClr>
+        <a:buFont typeface="Calibri" pitchFamily="34" charset="0"/>
+        <a:buChar char="◦"/>
+        <a:defRPr sz="1400" kern="1200">
+          <a:solidFill>
+            <a:schemeClr val="tx1">
+              <a:lumMod val="75000"/>
+              <a:lumOff val="25000"/>
+            </a:schemeClr>
+          </a:solidFill>
+          <a:latin typeface="+mn-lt"/>
+          <a:ea typeface="+mn-ea"/>
+          <a:cs typeface="+mn-cs"/>
+        </a:defRPr>
+      </a:lvl6pPr>
+      <a:lvl7pPr marL="1300000" indent="-228600" algn="l" defTabSz="914400" rtl="0" eaLnBrk="1" latinLnBrk="0" hangingPunct="1">
+        <a:lnSpc>
+          <a:spcPct val="90000"/>
+        </a:lnSpc>
+        <a:spcBef>
+          <a:spcPts val="200"/>
+        </a:spcBef>
+        <a:spcAft>
+          <a:spcPts val="400"/>
+        </a:spcAft>
+        <a:buClr>
+          <a:schemeClr val="accent1"/>
+        </a:buClr>
+        <a:buFont typeface="Calibri" pitchFamily="34" charset="0"/>
+        <a:buChar char="◦"/>
+        <a:defRPr sz="1400" kern="1200">
+          <a:solidFill>
+            <a:schemeClr val="tx1">
+              <a:lumMod val="75000"/>
+              <a:lumOff val="25000"/>
+            </a:schemeClr>
+          </a:solidFill>
+          <a:latin typeface="+mn-lt"/>
+          <a:ea typeface="+mn-ea"/>
+          <a:cs typeface="+mn-cs"/>
+        </a:defRPr>
+      </a:lvl7pPr>
+      <a:lvl8pPr marL="1500000" indent="-228600" algn="l" defTabSz="914400" rtl="0" eaLnBrk="1" latinLnBrk="0" hangingPunct="1">
+        <a:lnSpc>
+          <a:spcPct val="90000"/>
+        </a:lnSpc>
+        <a:spcBef>
+          <a:spcPts val="200"/>
+        </a:spcBef>
+        <a:spcAft>
+          <a:spcPts val="400"/>
+        </a:spcAft>
+        <a:buClr>
+          <a:schemeClr val="accent1"/>
+        </a:buClr>
+        <a:buFont typeface="Calibri" pitchFamily="34" charset="0"/>
+        <a:buChar char="◦"/>
+        <a:defRPr sz="1400" kern="1200">
+          <a:solidFill>
+            <a:schemeClr val="tx1">
+              <a:lumMod val="75000"/>
+              <a:lumOff val="25000"/>
+            </a:schemeClr>
+          </a:solidFill>
+          <a:latin typeface="+mn-lt"/>
+          <a:ea typeface="+mn-ea"/>
+          <a:cs typeface="+mn-cs"/>
+        </a:defRPr>
+      </a:lvl8pPr>
+      <a:lvl9pPr marL="1700000" indent="-228600" algn="l" defTabSz="914400" rtl="0" eaLnBrk="1" latinLnBrk="0" hangingPunct="1">
+        <a:lnSpc>
+          <a:spcPct val="90000"/>
+        </a:lnSpc>
+        <a:spcBef>
+          <a:spcPts val="200"/>
+        </a:spcBef>
+        <a:spcAft>
+          <a:spcPts val="400"/>
+        </a:spcAft>
+        <a:buClr>
+          <a:schemeClr val="accent1"/>
+        </a:buClr>
+        <a:buFont typeface="Calibri" pitchFamily="34" charset="0"/>
+        <a:buChar char="◦"/>
+        <a:defRPr sz="1400" kern="1200">
+          <a:solidFill>
+            <a:schemeClr val="tx1">
+              <a:lumMod val="75000"/>
+              <a:lumOff val="25000"/>
+            </a:schemeClr>
+          </a:solidFill>
+          <a:latin typeface="+mn-lt"/>
+          <a:ea typeface="+mn-ea"/>
+          <a:cs typeface="+mn-cs"/>
+        </a:defRPr>
+      </a:lvl9pPr>
+    </p:bodyStyle>
+    <p:otherStyle>
+      <a:defPPr>
+        <a:defRPr lang="en-US"/>
+      </a:defPPr>
+      <a:lvl1pPr marL="0" algn="l" defTabSz="914400" rtl="0" eaLnBrk="1" latinLnBrk="0" hangingPunct="1">
+        <a:defRPr sz="1800" kern="1200">
+          <a:solidFill>
+            <a:schemeClr val="tx1"/>
+          </a:solidFill>
+          <a:latin typeface="+mn-lt"/>
+          <a:ea typeface="+mn-ea"/>
+          <a:cs typeface="+mn-cs"/>
+        </a:defRPr>
+      </a:lvl1pPr>
+      <a:lvl2pPr marL="457200" algn="l" defTabSz="914400" rtl="0" eaLnBrk="1" latinLnBrk="0" hangingPunct="1">
+        <a:defRPr sz="1800" kern="1200">
+          <a:solidFill>
+            <a:schemeClr val="tx1"/>
+          </a:solidFill>
+          <a:latin typeface="+mn-lt"/>
+          <a:ea typeface="+mn-ea"/>
+          <a:cs typeface="+mn-cs"/>
+        </a:defRPr>
+      </a:lvl2pPr>
+      <a:lvl3pPr marL="914400" algn="l" defTabSz="914400" rtl="0" eaLnBrk="1" latinLnBrk="0" hangingPunct="1">
+        <a:defRPr sz="1800" kern="1200">
+          <a:solidFill>
+            <a:schemeClr val="tx1"/>
+          </a:solidFill>
+          <a:latin typeface="+mn-lt"/>
+          <a:ea typeface="+mn-ea"/>
+          <a:cs typeface="+mn-cs"/>
+        </a:defRPr>
+      </a:lvl3pPr>
+      <a:lvl4pPr marL="1371600" algn="l" defTabSz="914400" rtl="0" eaLnBrk="1" latinLnBrk="0" hangingPunct="1">
+        <a:defRPr sz="1800" kern="1200">
+          <a:solidFill>
+            <a:schemeClr val="tx1"/>
+          </a:solidFill>
+          <a:latin typeface="+mn-lt"/>
+          <a:ea typeface="+mn-ea"/>
+          <a:cs typeface="+mn-cs"/>
+        </a:defRPr>
+      </a:lvl4pPr>
+      <a:lvl5pPr marL="1828800" algn="l" defTabSz="914400" rtl="0" eaLnBrk="1" latinLnBrk="0" hangingPunct="1">
+        <a:defRPr sz="1800" kern="1200">
+          <a:solidFill>
+            <a:schemeClr val="tx1"/>
+          </a:solidFill>
+          <a:latin typeface="+mn-lt"/>
+          <a:ea typeface="+mn-ea"/>
+          <a:cs typeface="+mn-cs"/>
+        </a:defRPr>
+      </a:lvl5pPr>
+      <a:lvl6pPr marL="2286000" algn="l" defTabSz="914400" rtl="0" eaLnBrk="1" latinLnBrk="0" hangingPunct="1">
+        <a:defRPr sz="1800" kern="1200">
+          <a:solidFill>
+            <a:schemeClr val="tx1"/>
+          </a:solidFill>
+          <a:latin typeface="+mn-lt"/>
+          <a:ea typeface="+mn-ea"/>
+          <a:cs typeface="+mn-cs"/>
+        </a:defRPr>
+      </a:lvl6pPr>
+      <a:lvl7pPr marL="2743200" algn="l" defTabSz="914400" rtl="0" eaLnBrk="1" latinLnBrk="0" hangingPunct="1">
+        <a:defRPr sz="1800" kern="1200">
+          <a:solidFill>
+            <a:schemeClr val="tx1"/>
+          </a:solidFill>
+          <a:latin typeface="+mn-lt"/>
+          <a:ea typeface="+mn-ea"/>
+          <a:cs typeface="+mn-cs"/>
+        </a:defRPr>
+      </a:lvl7pPr>
+      <a:lvl8pPr marL="3200400" algn="l" defTabSz="914400" rtl="0" eaLnBrk="1" latinLnBrk="0" hangingPunct="1">
+        <a:defRPr sz="1800" kern="1200">
+          <a:solidFill>
+            <a:schemeClr val="tx1"/>
+          </a:solidFill>
+          <a:latin typeface="+mn-lt"/>
+          <a:ea typeface="+mn-ea"/>
+          <a:cs typeface="+mn-cs"/>
+        </a:defRPr>
+      </a:lvl8pPr>
+      <a:lvl9pPr marL="3657600" algn="l" defTabSz="914400" rtl="0" eaLnBrk="1" latinLnBrk="0" hangingPunct="1">
+        <a:defRPr sz="1800" kern="1200">
+          <a:solidFill>
+            <a:schemeClr val="tx1"/>
+          </a:solidFill>
+          <a:latin typeface="+mn-lt"/>
+          <a:ea typeface="+mn-ea"/>
+          <a:cs typeface="+mn-cs"/>
+        </a:defRPr>
+      </a:lvl9pPr>
+    </p:otherStyle>
+  </p:txStyles>
+</p:sldMaster>
+</file>
+
+<file path=ppt/slideMasters/slideMaster2.xml><?xml version="1.0" encoding="utf-8"?>
+<p:sldMaster xmlns:a="http://schemas.openxmlformats.org/drawingml/2006/main" xmlns:r="http://schemas.openxmlformats.org/officeDocument/2006/relationships" xmlns:p="http://schemas.openxmlformats.org/presentationml/2006/main">
+  <p:cSld>
+    <p:bg>
+      <p:bgRef idx="1001">
+        <a:schemeClr val="bg1"/>
+      </p:bgRef>
+    </p:bg>
+    <p:spTree>
+      <p:nvGrpSpPr>
+        <p:cNvPr id="1" name=""/>
+        <p:cNvGrpSpPr/>
+        <p:nvPr/>
+      </p:nvGrpSpPr>
+      <p:grpSpPr>
+        <a:xfrm>
+          <a:off x="0" y="0"/>
+          <a:ext cx="0" cy="0"/>
+          <a:chOff x="0" y="0"/>
+          <a:chExt cx="0" cy="0"/>
+        </a:xfrm>
+      </p:grpSpPr>
+      <p:sp>
+        <p:nvSpPr>
+          <p:cNvPr id="2" name="Title Placeholder 1">
+            <a:extLst>
+              <a:ext uri="{FF2B5EF4-FFF2-40B4-BE49-F238E27FC236}">
+                <a16:creationId xmlns:a16="http://schemas.microsoft.com/office/drawing/2014/main" id="{3ECF24F7-448E-43CA-89A0-EC309E656FD8}"/>
+              </a:ext>
+            </a:extLst>
+          </p:cNvPr>
+          <p:cNvSpPr>
+            <a:spLocks noGrp="1"/>
+          </p:cNvSpPr>
+          <p:nvPr>
+            <p:ph type="title"/>
+          </p:nvPr>
+        </p:nvSpPr>
+        <p:spPr>
+          <a:xfrm>
+            <a:off x="838200" y="365125"/>
+            <a:ext cx="10515600" cy="1325563"/>
+          </a:xfrm>
+          <a:prstGeom prst="rect">
+            <a:avLst/>
+          </a:prstGeom>
         </p:spPr>
         <p:txBody>
           <a:bodyPr vert="horz" lIns="91440" tIns="45720" rIns="91440" bIns="45720" rtlCol="0" anchor="ctr">
@@ -2804,7 +6507,7 @@
           <p:cNvPr id="3" name="Text Placeholder 2">
             <a:extLst>
               <a:ext uri="{FF2B5EF4-FFF2-40B4-BE49-F238E27FC236}">
-                <a16:creationId xmlns:a16="http://schemas.microsoft.com/office/drawing/2014/main" id="{0E5419E0-BDD1-45CB-B604-EA08BFD0323E}"/>
+                <a16:creationId xmlns:a16="http://schemas.microsoft.com/office/drawing/2014/main" id="{CC2D8705-0D6E-44DB-BD79-590D3AC4BCC9}"/>
               </a:ext>
             </a:extLst>
           </p:cNvPr>
@@ -2871,7 +6574,7 @@
           <p:cNvPr id="4" name="Date Placeholder 3">
             <a:extLst>
               <a:ext uri="{FF2B5EF4-FFF2-40B4-BE49-F238E27FC236}">
-                <a16:creationId xmlns:a16="http://schemas.microsoft.com/office/drawing/2014/main" id="{6642FC6B-63F8-4510-8423-AA8AF213CE8A}"/>
+                <a16:creationId xmlns:a16="http://schemas.microsoft.com/office/drawing/2014/main" id="{2CB7714A-16A5-4B5A-AF88-583EE173564E}"/>
               </a:ext>
             </a:extLst>
           </p:cNvPr>
@@ -2907,7 +6610,7 @@
           <a:p>
             <a:fld id="{B36A80E0-6C7C-4E44-8FFB-72845EDF7FFF}" type="datetimeFigureOut">
               <a:rPr lang="en-US" smtClean="0"/>
-              <a:t>12/25/2019</a:t>
+              <a:t>1/5/2020</a:t>
             </a:fld>
             <a:endParaRPr lang="en-US"/>
           </a:p>
@@ -2918,7 +6621,7 @@
           <p:cNvPr id="5" name="Footer Placeholder 4">
             <a:extLst>
               <a:ext uri="{FF2B5EF4-FFF2-40B4-BE49-F238E27FC236}">
-                <a16:creationId xmlns:a16="http://schemas.microsoft.com/office/drawing/2014/main" id="{C772B582-F4D9-46CD-A87F-3782CE190338}"/>
+                <a16:creationId xmlns:a16="http://schemas.microsoft.com/office/drawing/2014/main" id="{A17CC923-2905-4CCD-B177-DCCDDDA3D2A9}"/>
               </a:ext>
             </a:extLst>
           </p:cNvPr>
@@ -2961,7 +6664,7 @@
           <p:cNvPr id="6" name="Slide Number Placeholder 5">
             <a:extLst>
               <a:ext uri="{FF2B5EF4-FFF2-40B4-BE49-F238E27FC236}">
-                <a16:creationId xmlns:a16="http://schemas.microsoft.com/office/drawing/2014/main" id="{18AAF7BC-6E61-40A6-83E4-73D628184F6B}"/>
+                <a16:creationId xmlns:a16="http://schemas.microsoft.com/office/drawing/2014/main" id="{80D32590-7F11-452E-8A54-716A635326F4}"/>
               </a:ext>
             </a:extLst>
           </p:cNvPr>
@@ -3006,23 +6709,23 @@
     </p:spTree>
     <p:extLst>
       <p:ext uri="{BB962C8B-B14F-4D97-AF65-F5344CB8AC3E}">
-        <p14:creationId xmlns:p14="http://schemas.microsoft.com/office/powerpoint/2010/main" val="301763229"/>
+        <p14:creationId xmlns:p14="http://schemas.microsoft.com/office/powerpoint/2010/main" val="2603178543"/>
       </p:ext>
     </p:extLst>
   </p:cSld>
   <p:clrMap bg1="lt1" tx1="dk1" bg2="lt2" tx2="dk2" accent1="accent1" accent2="accent2" accent3="accent3" accent4="accent4" accent5="accent5" accent6="accent6" hlink="hlink" folHlink="folHlink"/>
   <p:sldLayoutIdLst>
-    <p:sldLayoutId id="2147483649" r:id="rId1"/>
-    <p:sldLayoutId id="2147483650" r:id="rId2"/>
-    <p:sldLayoutId id="2147483651" r:id="rId3"/>
-    <p:sldLayoutId id="2147483652" r:id="rId4"/>
-    <p:sldLayoutId id="2147483653" r:id="rId5"/>
-    <p:sldLayoutId id="2147483654" r:id="rId6"/>
-    <p:sldLayoutId id="2147483655" r:id="rId7"/>
-    <p:sldLayoutId id="2147483656" r:id="rId8"/>
-    <p:sldLayoutId id="2147483657" r:id="rId9"/>
-    <p:sldLayoutId id="2147483658" r:id="rId10"/>
-    <p:sldLayoutId id="2147483659" r:id="rId11"/>
+    <p:sldLayoutId id="2147483673" r:id="rId1"/>
+    <p:sldLayoutId id="2147483674" r:id="rId2"/>
+    <p:sldLayoutId id="2147483675" r:id="rId3"/>
+    <p:sldLayoutId id="2147483676" r:id="rId4"/>
+    <p:sldLayoutId id="2147483677" r:id="rId5"/>
+    <p:sldLayoutId id="2147483678" r:id="rId6"/>
+    <p:sldLayoutId id="2147483679" r:id="rId7"/>
+    <p:sldLayoutId id="2147483680" r:id="rId8"/>
+    <p:sldLayoutId id="2147483681" r:id="rId9"/>
+    <p:sldLayoutId id="2147483682" r:id="rId10"/>
+    <p:sldLayoutId id="2147483683" r:id="rId11"/>
   </p:sldLayoutIdLst>
   <p:txStyles>
     <p:titleStyle>
@@ -3324,62 +7027,212 @@
           <a:chExt cx="0" cy="0"/>
         </a:xfrm>
       </p:grpSpPr>
-      <p:sp>
-        <p:nvSpPr>
-          <p:cNvPr id="2" name="Title 1">
-            <a:extLst>
-              <a:ext uri="{FF2B5EF4-FFF2-40B4-BE49-F238E27FC236}">
-                <a16:creationId xmlns:a16="http://schemas.microsoft.com/office/drawing/2014/main" id="{9104E6BE-4AC7-4326-B621-67F33A4EA167}"/>
-              </a:ext>
-            </a:extLst>
-          </p:cNvPr>
-          <p:cNvSpPr>
-            <a:spLocks noGrp="1"/>
-          </p:cNvSpPr>
-          <p:nvPr>
-            <p:ph type="ctrTitle"/>
-          </p:nvPr>
-        </p:nvSpPr>
-        <p:spPr/>
-        <p:txBody>
-          <a:bodyPr/>
-          <a:lstStyle/>
-          <a:p>
-            <a:endParaRPr lang="en-US"/>
-          </a:p>
-        </p:txBody>
-      </p:sp>
-      <p:sp>
-        <p:nvSpPr>
-          <p:cNvPr id="3" name="Subtitle 2">
-            <a:extLst>
-              <a:ext uri="{FF2B5EF4-FFF2-40B4-BE49-F238E27FC236}">
-                <a16:creationId xmlns:a16="http://schemas.microsoft.com/office/drawing/2014/main" id="{7B7298B2-496C-40CA-8635-A445E3E64B9F}"/>
-              </a:ext>
-            </a:extLst>
-          </p:cNvPr>
-          <p:cNvSpPr>
-            <a:spLocks noGrp="1"/>
-          </p:cNvSpPr>
-          <p:nvPr>
-            <p:ph type="subTitle" idx="1"/>
-          </p:nvPr>
-        </p:nvSpPr>
-        <p:spPr/>
-        <p:txBody>
-          <a:bodyPr/>
-          <a:lstStyle/>
-          <a:p>
-            <a:endParaRPr lang="en-US"/>
-          </a:p>
-        </p:txBody>
-      </p:sp>
       <p:pic>
         <p:nvPicPr>
-          <p:cNvPr id="5" name="Picture 4">
-            <a:extLst>
-              <a:ext uri="{FF2B5EF4-FFF2-40B4-BE49-F238E27FC236}">
-                <a16:creationId xmlns:a16="http://schemas.microsoft.com/office/drawing/2014/main" id="{8D6C15C4-E8C1-4E10-8BCA-8D5635D1B97D}"/>
+          <p:cNvPr id="1028" name="Picture 4" descr="Image result for clean building">
+            <a:extLst>
+              <a:ext uri="{FF2B5EF4-FFF2-40B4-BE49-F238E27FC236}">
+                <a16:creationId xmlns:a16="http://schemas.microsoft.com/office/drawing/2014/main" id="{18AB503F-98E1-428A-80F5-0F32E5154C38}"/>
+              </a:ext>
+            </a:extLst>
+          </p:cNvPr>
+          <p:cNvPicPr>
+            <a:picLocks noChangeAspect="1" noChangeArrowheads="1"/>
+          </p:cNvPicPr>
+          <p:nvPr/>
+        </p:nvPicPr>
+        <p:blipFill>
+          <a:blip r:embed="rId2">
+            <a:extLst>
+              <a:ext uri="{28A0092B-C50C-407E-A947-70E740481C1C}">
+                <a14:useLocalDpi xmlns:a14="http://schemas.microsoft.com/office/drawing/2010/main" val="0"/>
+              </a:ext>
+            </a:extLst>
+          </a:blip>
+          <a:srcRect/>
+          <a:stretch>
+            <a:fillRect/>
+          </a:stretch>
+        </p:blipFill>
+        <p:spPr bwMode="auto">
+          <a:xfrm>
+            <a:off x="0" y="0"/>
+            <a:ext cx="12192000" cy="8125492"/>
+          </a:xfrm>
+          <a:prstGeom prst="rect">
+            <a:avLst/>
+          </a:prstGeom>
+          <a:noFill/>
+          <a:extLst>
+            <a:ext uri="{909E8E84-426E-40DD-AFC4-6F175D3DCCD1}">
+              <a14:hiddenFill xmlns:a14="http://schemas.microsoft.com/office/drawing/2010/main">
+                <a:solidFill>
+                  <a:srgbClr val="FFFFFF"/>
+                </a:solidFill>
+              </a14:hiddenFill>
+            </a:ext>
+          </a:extLst>
+        </p:spPr>
+      </p:pic>
+      <p:sp>
+        <p:nvSpPr>
+          <p:cNvPr id="2" name="Title 1">
+            <a:extLst>
+              <a:ext uri="{FF2B5EF4-FFF2-40B4-BE49-F238E27FC236}">
+                <a16:creationId xmlns:a16="http://schemas.microsoft.com/office/drawing/2014/main" id="{AA09F76D-4EB8-4EA6-B48E-35D59A9611E1}"/>
+              </a:ext>
+            </a:extLst>
+          </p:cNvPr>
+          <p:cNvSpPr>
+            <a:spLocks noGrp="1"/>
+          </p:cNvSpPr>
+          <p:nvPr>
+            <p:ph type="ctrTitle"/>
+          </p:nvPr>
+        </p:nvSpPr>
+        <p:spPr>
+          <a:xfrm>
+            <a:off x="1344424" y="506506"/>
+            <a:ext cx="9144000" cy="2622175"/>
+          </a:xfrm>
+          <a:solidFill>
+            <a:schemeClr val="accent5">
+              <a:alpha val="50000"/>
+            </a:schemeClr>
+          </a:solidFill>
+          <a:ln>
+            <a:noFill/>
+          </a:ln>
+        </p:spPr>
+        <p:style>
+          <a:lnRef idx="0">
+            <a:scrgbClr r="0" g="0" b="0"/>
+          </a:lnRef>
+          <a:fillRef idx="0">
+            <a:scrgbClr r="0" g="0" b="0"/>
+          </a:fillRef>
+          <a:effectRef idx="0">
+            <a:scrgbClr r="0" g="0" b="0"/>
+          </a:effectRef>
+          <a:fontRef idx="minor">
+            <a:schemeClr val="lt1"/>
+          </a:fontRef>
+        </p:style>
+        <p:txBody>
+          <a:bodyPr/>
+          <a:lstStyle/>
+          <a:p>
+            <a:r>
+              <a:rPr lang="en-US" dirty="0"/>
+              <a:t>Clean architecture</a:t>
+            </a:r>
+            <a:br>
+              <a:rPr lang="en-US" dirty="0"/>
+            </a:br>
+            <a:endParaRPr lang="en-US" dirty="0"/>
+          </a:p>
+        </p:txBody>
+      </p:sp>
+      <p:sp>
+        <p:nvSpPr>
+          <p:cNvPr id="3" name="Subtitle 2">
+            <a:extLst>
+              <a:ext uri="{FF2B5EF4-FFF2-40B4-BE49-F238E27FC236}">
+                <a16:creationId xmlns:a16="http://schemas.microsoft.com/office/drawing/2014/main" id="{6286B6D0-1223-4DEC-BE82-6182B99F9007}"/>
+              </a:ext>
+            </a:extLst>
+          </p:cNvPr>
+          <p:cNvSpPr>
+            <a:spLocks noGrp="1"/>
+          </p:cNvSpPr>
+          <p:nvPr>
+            <p:ph type="subTitle" idx="1"/>
+          </p:nvPr>
+        </p:nvSpPr>
+        <p:spPr>
+          <a:xfrm>
+            <a:off x="1524000" y="3793424"/>
+            <a:ext cx="9144000" cy="1014786"/>
+          </a:xfrm>
+          <a:noFill/>
+          <a:ln w="9525" cap="flat" cmpd="sng" algn="ctr">
+            <a:solidFill>
+              <a:schemeClr val="accent6"/>
+            </a:solidFill>
+            <a:prstDash val="solid"/>
+            <a:round/>
+            <a:headEnd type="none" w="med" len="med"/>
+            <a:tailEnd type="none" w="med" len="med"/>
+          </a:ln>
+        </p:spPr>
+        <p:style>
+          <a:lnRef idx="0">
+            <a:scrgbClr r="0" g="0" b="0"/>
+          </a:lnRef>
+          <a:fillRef idx="0">
+            <a:scrgbClr r="0" g="0" b="0"/>
+          </a:fillRef>
+          <a:effectRef idx="0">
+            <a:scrgbClr r="0" g="0" b="0"/>
+          </a:effectRef>
+          <a:fontRef idx="minor">
+            <a:schemeClr val="accent6"/>
+          </a:fontRef>
+        </p:style>
+        <p:txBody>
+          <a:bodyPr>
+            <a:normAutofit/>
+          </a:bodyPr>
+          <a:lstStyle/>
+          <a:p>
+            <a:r>
+              <a:rPr lang="en-US" sz="3200" dirty="0"/>
+              <a:t>with </a:t>
+            </a:r>
+            <a:r>
+              <a:rPr lang="en-US" sz="3200" dirty="0" err="1"/>
+              <a:t>FlirtingApp</a:t>
+            </a:r>
+            <a:endParaRPr lang="en-US" sz="3200" dirty="0"/>
+          </a:p>
+        </p:txBody>
+      </p:sp>
+    </p:spTree>
+    <p:extLst>
+      <p:ext uri="{BB962C8B-B14F-4D97-AF65-F5344CB8AC3E}">
+        <p14:creationId xmlns:p14="http://schemas.microsoft.com/office/powerpoint/2010/main" val="2617893110"/>
+      </p:ext>
+    </p:extLst>
+  </p:cSld>
+  <p:clrMapOvr>
+    <a:masterClrMapping/>
+  </p:clrMapOvr>
+</p:sld>
+</file>
+
+<file path=ppt/slides/slide10.xml><?xml version="1.0" encoding="utf-8"?>
+<p:sld xmlns:a="http://schemas.openxmlformats.org/drawingml/2006/main" xmlns:r="http://schemas.openxmlformats.org/officeDocument/2006/relationships" xmlns:p="http://schemas.openxmlformats.org/presentationml/2006/main">
+  <p:cSld>
+    <p:spTree>
+      <p:nvGrpSpPr>
+        <p:cNvPr id="1" name=""/>
+        <p:cNvGrpSpPr/>
+        <p:nvPr/>
+      </p:nvGrpSpPr>
+      <p:grpSpPr>
+        <a:xfrm>
+          <a:off x="0" y="0"/>
+          <a:ext cx="0" cy="0"/>
+          <a:chOff x="0" y="0"/>
+          <a:chExt cx="0" cy="0"/>
+        </a:xfrm>
+      </p:grpSpPr>
+      <p:pic>
+        <p:nvPicPr>
+          <p:cNvPr id="4" name="Picture 3">
+            <a:extLst>
+              <a:ext uri="{FF2B5EF4-FFF2-40B4-BE49-F238E27FC236}">
+                <a16:creationId xmlns:a16="http://schemas.microsoft.com/office/drawing/2014/main" id="{16A5F705-C37F-4E3B-B96F-0EC8C9B6BFF2}"/>
               </a:ext>
             </a:extLst>
           </p:cNvPr>
@@ -3389,6 +7242,996 @@
           <p:nvPr/>
         </p:nvPicPr>
         <p:blipFill>
+          <a:blip r:embed="rId2"/>
+          <a:stretch>
+            <a:fillRect/>
+          </a:stretch>
+        </p:blipFill>
+        <p:spPr>
+          <a:xfrm>
+            <a:off x="2605308" y="0"/>
+            <a:ext cx="5095875" cy="2781300"/>
+          </a:xfrm>
+          <a:prstGeom prst="rect">
+            <a:avLst/>
+          </a:prstGeom>
+        </p:spPr>
+      </p:pic>
+      <p:pic>
+        <p:nvPicPr>
+          <p:cNvPr id="5" name="Picture 4">
+            <a:extLst>
+              <a:ext uri="{FF2B5EF4-FFF2-40B4-BE49-F238E27FC236}">
+                <a16:creationId xmlns:a16="http://schemas.microsoft.com/office/drawing/2014/main" id="{986B6096-777B-446C-9330-562B75853AD5}"/>
+              </a:ext>
+            </a:extLst>
+          </p:cNvPr>
+          <p:cNvPicPr>
+            <a:picLocks noChangeAspect="1"/>
+          </p:cNvPicPr>
+          <p:nvPr/>
+        </p:nvPicPr>
+        <p:blipFill>
+          <a:blip r:embed="rId3"/>
+          <a:stretch>
+            <a:fillRect/>
+          </a:stretch>
+        </p:blipFill>
+        <p:spPr>
+          <a:xfrm>
+            <a:off x="3016656" y="3811994"/>
+            <a:ext cx="4429125" cy="2381250"/>
+          </a:xfrm>
+          <a:prstGeom prst="rect">
+            <a:avLst/>
+          </a:prstGeom>
+        </p:spPr>
+      </p:pic>
+      <p:sp>
+        <p:nvSpPr>
+          <p:cNvPr id="6" name="Arrow: Up 5">
+            <a:extLst>
+              <a:ext uri="{FF2B5EF4-FFF2-40B4-BE49-F238E27FC236}">
+                <a16:creationId xmlns:a16="http://schemas.microsoft.com/office/drawing/2014/main" id="{9182E8CF-423A-4CC5-A6DA-DC8897005378}"/>
+              </a:ext>
+            </a:extLst>
+          </p:cNvPr>
+          <p:cNvSpPr/>
+          <p:nvPr/>
+        </p:nvSpPr>
+        <p:spPr>
+          <a:xfrm>
+            <a:off x="5096540" y="2781300"/>
+            <a:ext cx="474920" cy="933007"/>
+          </a:xfrm>
+          <a:prstGeom prst="upArrow">
+            <a:avLst/>
+          </a:prstGeom>
+        </p:spPr>
+        <p:style>
+          <a:lnRef idx="2">
+            <a:schemeClr val="accent1">
+              <a:shade val="50000"/>
+            </a:schemeClr>
+          </a:lnRef>
+          <a:fillRef idx="1">
+            <a:schemeClr val="accent1"/>
+          </a:fillRef>
+          <a:effectRef idx="0">
+            <a:schemeClr val="accent1"/>
+          </a:effectRef>
+          <a:fontRef idx="minor">
+            <a:schemeClr val="lt1"/>
+          </a:fontRef>
+        </p:style>
+        <p:txBody>
+          <a:bodyPr rtlCol="0" anchor="ctr"/>
+          <a:lstStyle/>
+          <a:p>
+            <a:pPr algn="ctr"/>
+            <a:endParaRPr lang="en-US"/>
+          </a:p>
+        </p:txBody>
+      </p:sp>
+    </p:spTree>
+    <p:extLst>
+      <p:ext uri="{BB962C8B-B14F-4D97-AF65-F5344CB8AC3E}">
+        <p14:creationId xmlns:p14="http://schemas.microsoft.com/office/powerpoint/2010/main" val="945460812"/>
+      </p:ext>
+    </p:extLst>
+  </p:cSld>
+  <p:clrMapOvr>
+    <a:masterClrMapping/>
+  </p:clrMapOvr>
+</p:sld>
+</file>
+
+<file path=ppt/slides/slide11.xml><?xml version="1.0" encoding="utf-8"?>
+<p:sld xmlns:a="http://schemas.openxmlformats.org/drawingml/2006/main" xmlns:r="http://schemas.openxmlformats.org/officeDocument/2006/relationships" xmlns:p="http://schemas.openxmlformats.org/presentationml/2006/main">
+  <p:cSld>
+    <p:spTree>
+      <p:nvGrpSpPr>
+        <p:cNvPr id="1" name=""/>
+        <p:cNvGrpSpPr/>
+        <p:nvPr/>
+      </p:nvGrpSpPr>
+      <p:grpSpPr>
+        <a:xfrm>
+          <a:off x="0" y="0"/>
+          <a:ext cx="0" cy="0"/>
+          <a:chOff x="0" y="0"/>
+          <a:chExt cx="0" cy="0"/>
+        </a:xfrm>
+      </p:grpSpPr>
+      <p:sp>
+        <p:nvSpPr>
+          <p:cNvPr id="2" name="Title 1">
+            <a:extLst>
+              <a:ext uri="{FF2B5EF4-FFF2-40B4-BE49-F238E27FC236}">
+                <a16:creationId xmlns:a16="http://schemas.microsoft.com/office/drawing/2014/main" id="{4E9665C3-A39B-46CB-9476-38155755C811}"/>
+              </a:ext>
+            </a:extLst>
+          </p:cNvPr>
+          <p:cNvSpPr>
+            <a:spLocks noGrp="1"/>
+          </p:cNvSpPr>
+          <p:nvPr>
+            <p:ph type="title"/>
+          </p:nvPr>
+        </p:nvSpPr>
+        <p:spPr/>
+        <p:txBody>
+          <a:bodyPr/>
+          <a:lstStyle/>
+          <a:p>
+            <a:r>
+              <a:rPr lang="en-US" dirty="0"/>
+              <a:t>Clean architecture systems should be:</a:t>
+            </a:r>
+          </a:p>
+        </p:txBody>
+      </p:sp>
+      <p:sp>
+        <p:nvSpPr>
+          <p:cNvPr id="3" name="Content Placeholder 2">
+            <a:extLst>
+              <a:ext uri="{FF2B5EF4-FFF2-40B4-BE49-F238E27FC236}">
+                <a16:creationId xmlns:a16="http://schemas.microsoft.com/office/drawing/2014/main" id="{69893427-6A39-4556-B955-0DDE20066F8A}"/>
+              </a:ext>
+            </a:extLst>
+          </p:cNvPr>
+          <p:cNvSpPr>
+            <a:spLocks noGrp="1"/>
+          </p:cNvSpPr>
+          <p:nvPr>
+            <p:ph idx="1"/>
+          </p:nvPr>
+        </p:nvSpPr>
+        <p:spPr/>
+        <p:txBody>
+          <a:bodyPr/>
+          <a:lstStyle/>
+          <a:p>
+            <a:pPr>
+              <a:buFont typeface="Wingdings" panose="05000000000000000000" pitchFamily="2" charset="2"/>
+              <a:buChar char="Ø"/>
+            </a:pPr>
+            <a:r>
+              <a:rPr lang="en-US" dirty="0"/>
+              <a:t> Independent of Frameworks. </a:t>
+            </a:r>
+          </a:p>
+          <a:p>
+            <a:pPr>
+              <a:buFont typeface="Wingdings" panose="05000000000000000000" pitchFamily="2" charset="2"/>
+              <a:buChar char="Ø"/>
+            </a:pPr>
+            <a:r>
+              <a:rPr lang="en-US" dirty="0"/>
+              <a:t> Testable. </a:t>
+            </a:r>
+          </a:p>
+          <a:p>
+            <a:pPr>
+              <a:buFont typeface="Wingdings" panose="05000000000000000000" pitchFamily="2" charset="2"/>
+              <a:buChar char="Ø"/>
+            </a:pPr>
+            <a:r>
+              <a:rPr lang="en-US" dirty="0"/>
+              <a:t> Independent of UI. </a:t>
+            </a:r>
+          </a:p>
+          <a:p>
+            <a:pPr>
+              <a:buFont typeface="Wingdings" panose="05000000000000000000" pitchFamily="2" charset="2"/>
+              <a:buChar char="Ø"/>
+            </a:pPr>
+            <a:r>
+              <a:rPr lang="en-US" dirty="0"/>
+              <a:t> Independent of Database.</a:t>
+            </a:r>
+          </a:p>
+          <a:p>
+            <a:pPr>
+              <a:buFont typeface="Wingdings" panose="05000000000000000000" pitchFamily="2" charset="2"/>
+              <a:buChar char="Ø"/>
+            </a:pPr>
+            <a:r>
+              <a:rPr lang="en-US" dirty="0"/>
+              <a:t> Independent of any external agency.</a:t>
+            </a:r>
+          </a:p>
+        </p:txBody>
+      </p:sp>
+    </p:spTree>
+    <p:extLst>
+      <p:ext uri="{BB962C8B-B14F-4D97-AF65-F5344CB8AC3E}">
+        <p14:creationId xmlns:p14="http://schemas.microsoft.com/office/powerpoint/2010/main" val="156840149"/>
+      </p:ext>
+    </p:extLst>
+  </p:cSld>
+  <p:clrMapOvr>
+    <a:masterClrMapping/>
+  </p:clrMapOvr>
+</p:sld>
+</file>
+
+<file path=ppt/slides/slide12.xml><?xml version="1.0" encoding="utf-8"?>
+<p:sld xmlns:a="http://schemas.openxmlformats.org/drawingml/2006/main" xmlns:r="http://schemas.openxmlformats.org/officeDocument/2006/relationships" xmlns:p="http://schemas.openxmlformats.org/presentationml/2006/main">
+  <p:cSld>
+    <p:spTree>
+      <p:nvGrpSpPr>
+        <p:cNvPr id="1" name=""/>
+        <p:cNvGrpSpPr/>
+        <p:nvPr/>
+      </p:nvGrpSpPr>
+      <p:grpSpPr>
+        <a:xfrm>
+          <a:off x="0" y="0"/>
+          <a:ext cx="0" cy="0"/>
+          <a:chOff x="0" y="0"/>
+          <a:chExt cx="0" cy="0"/>
+        </a:xfrm>
+      </p:grpSpPr>
+      <p:sp>
+        <p:nvSpPr>
+          <p:cNvPr id="2" name="Title 1">
+            <a:extLst>
+              <a:ext uri="{FF2B5EF4-FFF2-40B4-BE49-F238E27FC236}">
+                <a16:creationId xmlns:a16="http://schemas.microsoft.com/office/drawing/2014/main" id="{AC3A61D4-6D95-4D0F-98BF-EA4E53AEB9B5}"/>
+              </a:ext>
+            </a:extLst>
+          </p:cNvPr>
+          <p:cNvSpPr>
+            <a:spLocks noGrp="1"/>
+          </p:cNvSpPr>
+          <p:nvPr>
+            <p:ph type="title"/>
+          </p:nvPr>
+        </p:nvSpPr>
+        <p:spPr>
+          <a:xfrm>
+            <a:off x="1097280" y="286603"/>
+            <a:ext cx="10058400" cy="1450757"/>
+          </a:xfrm>
+        </p:spPr>
+        <p:txBody>
+          <a:bodyPr/>
+          <a:lstStyle/>
+          <a:p>
+            <a:r>
+              <a:rPr lang="en-US" dirty="0"/>
+              <a:t>Introducing </a:t>
+            </a:r>
+            <a:r>
+              <a:rPr lang="en-US" dirty="0" err="1"/>
+              <a:t>FlirtingApp</a:t>
+            </a:r>
+            <a:endParaRPr lang="en-US" dirty="0"/>
+          </a:p>
+        </p:txBody>
+      </p:sp>
+      <p:sp>
+        <p:nvSpPr>
+          <p:cNvPr id="3" name="Rectangle 2">
+            <a:extLst>
+              <a:ext uri="{FF2B5EF4-FFF2-40B4-BE49-F238E27FC236}">
+                <a16:creationId xmlns:a16="http://schemas.microsoft.com/office/drawing/2014/main" id="{348DBDFE-1F0F-4A9F-8786-CF4D499A957D}"/>
+              </a:ext>
+            </a:extLst>
+          </p:cNvPr>
+          <p:cNvSpPr/>
+          <p:nvPr/>
+        </p:nvSpPr>
+        <p:spPr>
+          <a:xfrm>
+            <a:off x="345142" y="1737360"/>
+            <a:ext cx="10641105" cy="4985980"/>
+          </a:xfrm>
+          <a:prstGeom prst="rect">
+            <a:avLst/>
+          </a:prstGeom>
+        </p:spPr>
+        <p:txBody>
+          <a:bodyPr wrap="square">
+            <a:spAutoFit/>
+          </a:bodyPr>
+          <a:lstStyle/>
+          <a:p>
+            <a:pPr marL="285750" indent="-285750">
+              <a:buFont typeface="Arial" panose="020B0604020202020204" pitchFamily="34" charset="0"/>
+              <a:buChar char="•"/>
+            </a:pPr>
+            <a:r>
+              <a:rPr lang="en-US" sz="2000" dirty="0">
+                <a:solidFill>
+                  <a:schemeClr val="tx1">
+                    <a:lumMod val="50000"/>
+                    <a:lumOff val="50000"/>
+                  </a:schemeClr>
+                </a:solidFill>
+                <a:latin typeface="-apple-system"/>
+              </a:rPr>
+              <a:t>ASP.NET Core 3.1 LTS, ASP.NET Core 3.1 Identity</a:t>
+            </a:r>
+          </a:p>
+          <a:p>
+            <a:pPr marL="285750" indent="-285750">
+              <a:buFont typeface="Arial" panose="020B0604020202020204" pitchFamily="34" charset="0"/>
+              <a:buChar char="•"/>
+            </a:pPr>
+            <a:r>
+              <a:rPr lang="en-US" sz="2000" dirty="0">
+                <a:solidFill>
+                  <a:schemeClr val="tx1">
+                    <a:lumMod val="50000"/>
+                    <a:lumOff val="50000"/>
+                  </a:schemeClr>
+                </a:solidFill>
+                <a:latin typeface="-apple-system"/>
+              </a:rPr>
+              <a:t>Angular 8 with Angular material component, Angular flex-layout</a:t>
+            </a:r>
+          </a:p>
+          <a:p>
+            <a:pPr marL="285750" indent="-285750">
+              <a:buFont typeface="Arial" panose="020B0604020202020204" pitchFamily="34" charset="0"/>
+              <a:buChar char="•"/>
+            </a:pPr>
+            <a:r>
+              <a:rPr lang="en-US" sz="2000" b="1" dirty="0">
+                <a:latin typeface="-apple-system"/>
+              </a:rPr>
+              <a:t>CQRS with Mediator: Commands will write to both SQL Server and </a:t>
+            </a:r>
+            <a:r>
+              <a:rPr lang="en-US" sz="2000" b="1" dirty="0" err="1">
+                <a:latin typeface="-apple-system"/>
+              </a:rPr>
+              <a:t>MongoDb</a:t>
+            </a:r>
+            <a:r>
+              <a:rPr lang="en-US" sz="2000" b="1" dirty="0">
+                <a:latin typeface="-apple-system"/>
+              </a:rPr>
+              <a:t>, Queries will read from </a:t>
+            </a:r>
+            <a:r>
+              <a:rPr lang="en-US" sz="2000" b="1" dirty="0" err="1">
+                <a:latin typeface="-apple-system"/>
+              </a:rPr>
+              <a:t>MongoDb</a:t>
+            </a:r>
+            <a:r>
+              <a:rPr lang="en-US" sz="2000" b="1" dirty="0">
+                <a:latin typeface="-apple-system"/>
+              </a:rPr>
+              <a:t> for optimized performance.</a:t>
+            </a:r>
+          </a:p>
+          <a:p>
+            <a:pPr marL="285750" indent="-285750">
+              <a:buFont typeface="Arial" panose="020B0604020202020204" pitchFamily="34" charset="0"/>
+              <a:buChar char="•"/>
+            </a:pPr>
+            <a:r>
+              <a:rPr lang="en-US" sz="2000" b="1" dirty="0">
+                <a:latin typeface="-apple-system"/>
+              </a:rPr>
+              <a:t>2 </a:t>
+            </a:r>
+            <a:r>
+              <a:rPr lang="en-US" sz="2000" b="1" dirty="0" err="1">
+                <a:latin typeface="-apple-system"/>
+              </a:rPr>
+              <a:t>DbContext</a:t>
+            </a:r>
+            <a:r>
+              <a:rPr lang="en-US" sz="2000" b="1" dirty="0">
+                <a:latin typeface="-apple-system"/>
+              </a:rPr>
+              <a:t>: 1 for Application entities, 1 for </a:t>
+            </a:r>
+            <a:r>
+              <a:rPr lang="en-US" sz="2000" b="1" dirty="0" err="1">
+                <a:latin typeface="-apple-system"/>
+              </a:rPr>
+              <a:t>IdentityDbContext</a:t>
+            </a:r>
+            <a:r>
+              <a:rPr lang="en-US" sz="2000" b="1" dirty="0">
+                <a:latin typeface="-apple-system"/>
+              </a:rPr>
+              <a:t>.</a:t>
+            </a:r>
+          </a:p>
+          <a:p>
+            <a:pPr marL="285750" indent="-285750">
+              <a:buFont typeface="Arial" panose="020B0604020202020204" pitchFamily="34" charset="0"/>
+              <a:buChar char="•"/>
+            </a:pPr>
+            <a:r>
+              <a:rPr lang="en-US" sz="2000" b="1" dirty="0">
+                <a:latin typeface="-apple-system"/>
+              </a:rPr>
+              <a:t>Location searching for users and find users based on X distances using </a:t>
+            </a:r>
+            <a:r>
+              <a:rPr lang="en-US" sz="2000" b="1" dirty="0" err="1">
+                <a:latin typeface="-apple-system"/>
+              </a:rPr>
+              <a:t>mongodb</a:t>
+            </a:r>
+            <a:r>
+              <a:rPr lang="en-US" sz="2000" b="1" dirty="0">
+                <a:latin typeface="-apple-system"/>
+              </a:rPr>
+              <a:t> geospatial</a:t>
+            </a:r>
+          </a:p>
+          <a:p>
+            <a:pPr marL="285750" indent="-285750">
+              <a:buFont typeface="Arial" panose="020B0604020202020204" pitchFamily="34" charset="0"/>
+              <a:buChar char="•"/>
+            </a:pPr>
+            <a:r>
+              <a:rPr lang="en-US" sz="2000" dirty="0" err="1">
+                <a:solidFill>
+                  <a:schemeClr val="tx1">
+                    <a:lumMod val="50000"/>
+                    <a:lumOff val="50000"/>
+                  </a:schemeClr>
+                </a:solidFill>
+                <a:latin typeface="-apple-system"/>
+              </a:rPr>
+              <a:t>Jwt</a:t>
+            </a:r>
+            <a:r>
+              <a:rPr lang="en-US" sz="2000" dirty="0">
+                <a:solidFill>
+                  <a:schemeClr val="tx1">
+                    <a:lumMod val="50000"/>
+                    <a:lumOff val="50000"/>
+                  </a:schemeClr>
+                </a:solidFill>
+                <a:latin typeface="-apple-system"/>
+              </a:rPr>
+              <a:t> Authentication with refresh token.</a:t>
+            </a:r>
+          </a:p>
+          <a:p>
+            <a:pPr marL="285750" indent="-285750">
+              <a:buFont typeface="Arial" panose="020B0604020202020204" pitchFamily="34" charset="0"/>
+              <a:buChar char="•"/>
+            </a:pPr>
+            <a:r>
+              <a:rPr lang="en-US" sz="2000" dirty="0">
+                <a:solidFill>
+                  <a:schemeClr val="tx1">
+                    <a:lumMod val="50000"/>
+                    <a:lumOff val="50000"/>
+                  </a:schemeClr>
+                </a:solidFill>
+                <a:latin typeface="-apple-system"/>
+              </a:rPr>
+              <a:t>Heavily unit tested with separates test projects.</a:t>
+            </a:r>
+          </a:p>
+          <a:p>
+            <a:pPr marL="285750" indent="-285750">
+              <a:buFont typeface="Arial" panose="020B0604020202020204" pitchFamily="34" charset="0"/>
+              <a:buChar char="•"/>
+            </a:pPr>
+            <a:r>
+              <a:rPr lang="en-US" sz="2000" b="1" dirty="0">
+                <a:latin typeface="-apple-system"/>
+              </a:rPr>
+              <a:t>Validation with </a:t>
+            </a:r>
+            <a:r>
+              <a:rPr lang="en-US" sz="2000" b="1" dirty="0" err="1">
+                <a:latin typeface="-apple-system"/>
+              </a:rPr>
+              <a:t>FluentValidation</a:t>
+            </a:r>
+            <a:r>
+              <a:rPr lang="en-US" sz="2000" b="1" dirty="0">
+                <a:latin typeface="-apple-system"/>
+              </a:rPr>
+              <a:t>.</a:t>
+            </a:r>
+          </a:p>
+          <a:p>
+            <a:pPr marL="285750" indent="-285750">
+              <a:buFont typeface="Arial" panose="020B0604020202020204" pitchFamily="34" charset="0"/>
+              <a:buChar char="•"/>
+            </a:pPr>
+            <a:r>
+              <a:rPr lang="en-US" sz="2000" dirty="0">
+                <a:solidFill>
+                  <a:schemeClr val="tx1">
+                    <a:lumMod val="50000"/>
+                    <a:lumOff val="50000"/>
+                  </a:schemeClr>
+                </a:solidFill>
+                <a:latin typeface="-apple-system"/>
+              </a:rPr>
+              <a:t>Remove usage of default ASP.NET Core validation with </a:t>
+            </a:r>
+            <a:r>
+              <a:rPr lang="en-US" sz="2000" dirty="0" err="1">
+                <a:solidFill>
+                  <a:schemeClr val="tx1">
+                    <a:lumMod val="50000"/>
+                    <a:lumOff val="50000"/>
+                  </a:schemeClr>
+                </a:solidFill>
+                <a:latin typeface="-apple-system"/>
+              </a:rPr>
+              <a:t>ModelState</a:t>
+            </a:r>
+            <a:r>
+              <a:rPr lang="en-US" sz="2000" dirty="0">
+                <a:solidFill>
+                  <a:schemeClr val="tx1">
+                    <a:lumMod val="50000"/>
+                    <a:lumOff val="50000"/>
+                  </a:schemeClr>
+                </a:solidFill>
+                <a:latin typeface="-apple-system"/>
+              </a:rPr>
+              <a:t> and move validation to Application layer as it's part of business logic.</a:t>
+            </a:r>
+          </a:p>
+          <a:p>
+            <a:pPr marL="285750" indent="-285750">
+              <a:buFont typeface="Arial" panose="020B0604020202020204" pitchFamily="34" charset="0"/>
+              <a:buChar char="•"/>
+            </a:pPr>
+            <a:r>
+              <a:rPr lang="en-US" sz="2000" b="1" dirty="0">
+                <a:latin typeface="-apple-system"/>
+              </a:rPr>
+              <a:t>Implement Presenter and </a:t>
+            </a:r>
+            <a:r>
+              <a:rPr lang="en-US" sz="2000" b="1" dirty="0" err="1">
+                <a:latin typeface="-apple-system"/>
+              </a:rPr>
+              <a:t>IOutputPort</a:t>
+            </a:r>
+            <a:r>
+              <a:rPr lang="en-US" sz="2000" b="1" dirty="0">
+                <a:latin typeface="-apple-system"/>
+              </a:rPr>
+              <a:t> to separate presentation logic from controllers</a:t>
+            </a:r>
+          </a:p>
+          <a:p>
+            <a:pPr marL="285750" indent="-285750">
+              <a:buFont typeface="Arial" panose="020B0604020202020204" pitchFamily="34" charset="0"/>
+              <a:buChar char="•"/>
+            </a:pPr>
+            <a:r>
+              <a:rPr lang="en-US" sz="2000" dirty="0" err="1">
+                <a:solidFill>
+                  <a:schemeClr val="tx1">
+                    <a:lumMod val="50000"/>
+                    <a:lumOff val="50000"/>
+                  </a:schemeClr>
+                </a:solidFill>
+              </a:rPr>
+              <a:t>Cloudinary</a:t>
+            </a:r>
+            <a:r>
+              <a:rPr lang="en-US" sz="2000" dirty="0">
+                <a:solidFill>
+                  <a:schemeClr val="tx1">
+                    <a:lumMod val="50000"/>
+                    <a:lumOff val="50000"/>
+                  </a:schemeClr>
+                </a:solidFill>
+              </a:rPr>
+              <a:t> integration for uploading images</a:t>
+            </a:r>
+          </a:p>
+          <a:p>
+            <a:pPr marL="285750" indent="-285750">
+              <a:buFont typeface="Arial" panose="020B0604020202020204" pitchFamily="34" charset="0"/>
+              <a:buChar char="•"/>
+            </a:pPr>
+            <a:r>
+              <a:rPr lang="en-US" sz="2000" dirty="0">
+                <a:solidFill>
+                  <a:schemeClr val="tx1">
+                    <a:lumMod val="50000"/>
+                    <a:lumOff val="50000"/>
+                  </a:schemeClr>
+                </a:solidFill>
+              </a:rPr>
+              <a:t>Custom exceptions for each layers.</a:t>
+            </a:r>
+          </a:p>
+          <a:p>
+            <a:pPr marL="285750" indent="-285750">
+              <a:buFont typeface="Arial" panose="020B0604020202020204" pitchFamily="34" charset="0"/>
+              <a:buChar char="•"/>
+            </a:pPr>
+            <a:r>
+              <a:rPr lang="en-US" sz="2000" dirty="0">
+                <a:solidFill>
+                  <a:schemeClr val="tx1">
+                    <a:lumMod val="50000"/>
+                    <a:lumOff val="50000"/>
+                  </a:schemeClr>
+                </a:solidFill>
+              </a:rPr>
+              <a:t>Unify exceptions errors message with </a:t>
+            </a:r>
+            <a:r>
+              <a:rPr lang="en-US" sz="2000" dirty="0" err="1">
+                <a:solidFill>
+                  <a:schemeClr val="tx1">
+                    <a:lumMod val="50000"/>
+                    <a:lumOff val="50000"/>
+                  </a:schemeClr>
+                </a:solidFill>
+              </a:rPr>
+              <a:t>ExceptionMiddleware</a:t>
+            </a:r>
+            <a:endParaRPr lang="en-US" sz="2000" dirty="0">
+              <a:solidFill>
+                <a:schemeClr val="tx1">
+                  <a:lumMod val="50000"/>
+                  <a:lumOff val="50000"/>
+                </a:schemeClr>
+              </a:solidFill>
+            </a:endParaRPr>
+          </a:p>
+          <a:p>
+            <a:pPr>
+              <a:buFont typeface="Arial" panose="020B0604020202020204" pitchFamily="34" charset="0"/>
+              <a:buChar char="•"/>
+            </a:pPr>
+            <a:endParaRPr lang="en-US" sz="2000" b="0" i="0" dirty="0">
+              <a:solidFill>
+                <a:schemeClr val="tx1">
+                  <a:lumMod val="50000"/>
+                  <a:lumOff val="50000"/>
+                </a:schemeClr>
+              </a:solidFill>
+              <a:effectLst/>
+              <a:latin typeface="-apple-system"/>
+            </a:endParaRPr>
+          </a:p>
+        </p:txBody>
+      </p:sp>
+    </p:spTree>
+    <p:extLst>
+      <p:ext uri="{BB962C8B-B14F-4D97-AF65-F5344CB8AC3E}">
+        <p14:creationId xmlns:p14="http://schemas.microsoft.com/office/powerpoint/2010/main" val="3197654694"/>
+      </p:ext>
+    </p:extLst>
+  </p:cSld>
+  <p:clrMapOvr>
+    <a:masterClrMapping/>
+  </p:clrMapOvr>
+</p:sld>
+</file>
+
+<file path=ppt/slides/slide13.xml><?xml version="1.0" encoding="utf-8"?>
+<p:sld xmlns:a="http://schemas.openxmlformats.org/drawingml/2006/main" xmlns:r="http://schemas.openxmlformats.org/officeDocument/2006/relationships" xmlns:p="http://schemas.openxmlformats.org/presentationml/2006/main">
+  <p:cSld>
+    <p:spTree>
+      <p:nvGrpSpPr>
+        <p:cNvPr id="1" name=""/>
+        <p:cNvGrpSpPr/>
+        <p:nvPr/>
+      </p:nvGrpSpPr>
+      <p:grpSpPr>
+        <a:xfrm>
+          <a:off x="0" y="0"/>
+          <a:ext cx="0" cy="0"/>
+          <a:chOff x="0" y="0"/>
+          <a:chExt cx="0" cy="0"/>
+        </a:xfrm>
+      </p:grpSpPr>
+      <p:sp>
+        <p:nvSpPr>
+          <p:cNvPr id="2" name="Title 1">
+            <a:extLst>
+              <a:ext uri="{FF2B5EF4-FFF2-40B4-BE49-F238E27FC236}">
+                <a16:creationId xmlns:a16="http://schemas.microsoft.com/office/drawing/2014/main" id="{4E9665C3-A39B-46CB-9476-38155755C811}"/>
+              </a:ext>
+            </a:extLst>
+          </p:cNvPr>
+          <p:cNvSpPr>
+            <a:spLocks noGrp="1"/>
+          </p:cNvSpPr>
+          <p:nvPr>
+            <p:ph type="title"/>
+          </p:nvPr>
+        </p:nvSpPr>
+        <p:spPr/>
+        <p:txBody>
+          <a:bodyPr/>
+          <a:lstStyle/>
+          <a:p>
+            <a:r>
+              <a:rPr lang="en-US" dirty="0"/>
+              <a:t>Persistence layer</a:t>
+            </a:r>
+          </a:p>
+        </p:txBody>
+      </p:sp>
+      <p:sp>
+        <p:nvSpPr>
+          <p:cNvPr id="7" name="Content Placeholder 6">
+            <a:extLst>
+              <a:ext uri="{FF2B5EF4-FFF2-40B4-BE49-F238E27FC236}">
+                <a16:creationId xmlns:a16="http://schemas.microsoft.com/office/drawing/2014/main" id="{A101F740-C1A8-4E3F-96D8-B8C61571713A}"/>
+              </a:ext>
+            </a:extLst>
+          </p:cNvPr>
+          <p:cNvSpPr>
+            <a:spLocks noGrp="1"/>
+          </p:cNvSpPr>
+          <p:nvPr>
+            <p:ph idx="1"/>
+          </p:nvPr>
+        </p:nvSpPr>
+        <p:spPr>
+          <a:xfrm>
+            <a:off x="1097280" y="2030032"/>
+            <a:ext cx="10058400" cy="4023360"/>
+          </a:xfrm>
+        </p:spPr>
+        <p:txBody>
+          <a:bodyPr>
+            <a:normAutofit/>
+          </a:bodyPr>
+          <a:lstStyle/>
+          <a:p>
+            <a:pPr>
+              <a:buFont typeface="Wingdings" panose="05000000000000000000" pitchFamily="2" charset="2"/>
+              <a:buChar char="Ø"/>
+            </a:pPr>
+            <a:r>
+              <a:rPr lang="en-US" sz="2800" dirty="0"/>
+              <a:t> ORMs</a:t>
+            </a:r>
+          </a:p>
+          <a:p>
+            <a:pPr>
+              <a:buFont typeface="Wingdings" panose="05000000000000000000" pitchFamily="2" charset="2"/>
+              <a:buChar char="Ø"/>
+            </a:pPr>
+            <a:r>
+              <a:rPr lang="en-US" sz="2800" dirty="0"/>
+              <a:t> </a:t>
+            </a:r>
+            <a:r>
+              <a:rPr lang="en-US" sz="2800" dirty="0" err="1"/>
+              <a:t>Mongodb</a:t>
+            </a:r>
+            <a:r>
+              <a:rPr lang="en-US" sz="2800" dirty="0"/>
+              <a:t> generic repository</a:t>
+            </a:r>
+          </a:p>
+          <a:p>
+            <a:pPr>
+              <a:buFont typeface="Wingdings" panose="05000000000000000000" pitchFamily="2" charset="2"/>
+              <a:buChar char="Ø"/>
+            </a:pPr>
+            <a:r>
+              <a:rPr lang="en-US" sz="2800" dirty="0"/>
+              <a:t> Mongo configuration</a:t>
+            </a:r>
+          </a:p>
+          <a:p>
+            <a:pPr>
+              <a:buFont typeface="Wingdings" panose="05000000000000000000" pitchFamily="2" charset="2"/>
+              <a:buChar char="Ø"/>
+            </a:pPr>
+            <a:r>
+              <a:rPr lang="en-US" sz="2800" dirty="0"/>
+              <a:t> </a:t>
+            </a:r>
+            <a:r>
+              <a:rPr lang="en-US" sz="2800" dirty="0" err="1"/>
+              <a:t>Ef</a:t>
+            </a:r>
+            <a:r>
+              <a:rPr lang="en-US" sz="2800" dirty="0"/>
+              <a:t> core entity configuration</a:t>
+            </a:r>
+          </a:p>
+          <a:p>
+            <a:pPr>
+              <a:buFont typeface="Wingdings" panose="05000000000000000000" pitchFamily="2" charset="2"/>
+              <a:buChar char="Ø"/>
+            </a:pPr>
+            <a:endParaRPr lang="en-US" sz="2800" dirty="0"/>
+          </a:p>
+          <a:p>
+            <a:pPr>
+              <a:buFont typeface="Wingdings" panose="05000000000000000000" pitchFamily="2" charset="2"/>
+              <a:buChar char="Ø"/>
+            </a:pPr>
+            <a:endParaRPr lang="en-US" sz="2800" dirty="0"/>
+          </a:p>
+        </p:txBody>
+      </p:sp>
+    </p:spTree>
+    <p:extLst>
+      <p:ext uri="{BB962C8B-B14F-4D97-AF65-F5344CB8AC3E}">
+        <p14:creationId xmlns:p14="http://schemas.microsoft.com/office/powerpoint/2010/main" val="683023158"/>
+      </p:ext>
+    </p:extLst>
+  </p:cSld>
+  <p:clrMapOvr>
+    <a:masterClrMapping/>
+  </p:clrMapOvr>
+</p:sld>
+</file>
+
+<file path=ppt/slides/slide14.xml><?xml version="1.0" encoding="utf-8"?>
+<p:sld xmlns:a="http://schemas.openxmlformats.org/drawingml/2006/main" xmlns:r="http://schemas.openxmlformats.org/officeDocument/2006/relationships" xmlns:p="http://schemas.openxmlformats.org/presentationml/2006/main">
+  <p:cSld>
+    <p:bg>
+      <p:bgPr>
+        <a:solidFill>
+          <a:schemeClr val="bg1"/>
+        </a:solidFill>
+        <a:effectLst/>
+      </p:bgPr>
+    </p:bg>
+    <p:spTree>
+      <p:nvGrpSpPr>
+        <p:cNvPr id="1" name=""/>
+        <p:cNvGrpSpPr/>
+        <p:nvPr/>
+      </p:nvGrpSpPr>
+      <p:grpSpPr>
+        <a:xfrm>
+          <a:off x="0" y="0"/>
+          <a:ext cx="0" cy="0"/>
+          <a:chOff x="0" y="0"/>
+          <a:chExt cx="0" cy="0"/>
+        </a:xfrm>
+      </p:grpSpPr>
+      <p:sp useBgFill="1">
+        <p:nvSpPr>
+          <p:cNvPr id="10" name="Rectangle 9">
+            <a:extLst>
+              <a:ext uri="{FF2B5EF4-FFF2-40B4-BE49-F238E27FC236}">
+                <a16:creationId xmlns:a16="http://schemas.microsoft.com/office/drawing/2014/main" id="{52ABB703-2B0E-4C3B-B4A2-F3973548E561}"/>
+              </a:ext>
+              <a:ext uri="{C183D7F6-B498-43B3-948B-1728B52AA6E4}">
+                <adec:decorative xmlns:adec="http://schemas.microsoft.com/office/drawing/2017/decorative" val="1"/>
+              </a:ext>
+            </a:extLst>
+          </p:cNvPr>
+          <p:cNvSpPr>
+            <a:spLocks noGrp="1" noRot="1" noChangeAspect="1" noMove="1" noResize="1" noEditPoints="1" noAdjustHandles="1" noChangeArrowheads="1" noChangeShapeType="1" noTextEdit="1"/>
+          </p:cNvSpPr>
+          <p:nvPr>
+            <p:extLst>
+              <p:ext uri="{386F3935-93C4-4BCD-93E2-E3B085C9AB24}">
+                <p16:designElem xmlns:p16="http://schemas.microsoft.com/office/powerpoint/2015/main" val="1"/>
+              </p:ext>
+            </p:extLst>
+          </p:nvPr>
+        </p:nvSpPr>
+        <p:spPr>
+          <a:xfrm>
+            <a:off x="0" y="0"/>
+            <a:ext cx="12192001" cy="6334316"/>
+          </a:xfrm>
+          <a:prstGeom prst="rect">
+            <a:avLst/>
+          </a:prstGeom>
+          <a:ln>
+            <a:noFill/>
+          </a:ln>
+        </p:spPr>
+        <p:style>
+          <a:lnRef idx="2">
+            <a:schemeClr val="accent1">
+              <a:shade val="50000"/>
+            </a:schemeClr>
+          </a:lnRef>
+          <a:fillRef idx="1">
+            <a:schemeClr val="accent1"/>
+          </a:fillRef>
+          <a:effectRef idx="0">
+            <a:schemeClr val="accent1"/>
+          </a:effectRef>
+          <a:fontRef idx="minor">
+            <a:schemeClr val="lt1"/>
+          </a:fontRef>
+        </p:style>
+        <p:txBody>
+          <a:bodyPr rtlCol="0" anchor="ctr"/>
+          <a:lstStyle/>
+          <a:p>
+            <a:pPr algn="ctr"/>
+            <a:endParaRPr lang="en-US"/>
+          </a:p>
+        </p:txBody>
+      </p:sp>
+      <p:sp>
+        <p:nvSpPr>
+          <p:cNvPr id="2" name="Title 1">
+            <a:extLst>
+              <a:ext uri="{FF2B5EF4-FFF2-40B4-BE49-F238E27FC236}">
+                <a16:creationId xmlns:a16="http://schemas.microsoft.com/office/drawing/2014/main" id="{9AD4153B-E8F7-46FB-B337-996D860DC02C}"/>
+              </a:ext>
+            </a:extLst>
+          </p:cNvPr>
+          <p:cNvSpPr>
+            <a:spLocks noGrp="1"/>
+          </p:cNvSpPr>
+          <p:nvPr>
+            <p:ph type="title"/>
+          </p:nvPr>
+        </p:nvSpPr>
+        <p:spPr>
+          <a:xfrm>
+            <a:off x="6411685" y="634946"/>
+            <a:ext cx="5127171" cy="1450757"/>
+          </a:xfrm>
+        </p:spPr>
+        <p:txBody>
+          <a:bodyPr>
+            <a:normAutofit/>
+          </a:bodyPr>
+          <a:lstStyle/>
+          <a:p>
+            <a:r>
+              <a:rPr lang="en-US"/>
+              <a:t>Why MongoDb + Sql Server</a:t>
+            </a:r>
+            <a:endParaRPr lang="en-US" dirty="0"/>
+          </a:p>
+        </p:txBody>
+      </p:sp>
+      <p:pic>
+        <p:nvPicPr>
+          <p:cNvPr id="5" name="Picture 2" descr="%D0%B7%D0%B0%D0%B2%D0%B0%D0%BD%D1%82%D0%B0%D0%B6%D0%B5%D0%BD%D0%BD%D1%8F%20(57)">
+            <a:extLst>
+              <a:ext uri="{FF2B5EF4-FFF2-40B4-BE49-F238E27FC236}">
+                <a16:creationId xmlns:a16="http://schemas.microsoft.com/office/drawing/2014/main" id="{B8DD0293-75FD-45D0-A947-7006D93FDA9B}"/>
+              </a:ext>
+            </a:extLst>
+          </p:cNvPr>
+          <p:cNvPicPr>
+            <a:picLocks noChangeAspect="1" noChangeArrowheads="1"/>
+          </p:cNvPicPr>
+          <p:nvPr/>
+        </p:nvPicPr>
+        <p:blipFill>
           <a:blip r:embed="rId2">
             <a:extLst>
               <a:ext uri="{28A0092B-C50C-407E-A947-70E740481C1C}">
@@ -3400,20 +8243,1001 @@
             <a:fillRect/>
           </a:stretch>
         </p:blipFill>
-        <p:spPr>
-          <a:xfrm>
-            <a:off x="139059" y="0"/>
-            <a:ext cx="11573224" cy="6858000"/>
+        <p:spPr bwMode="auto">
+          <a:xfrm>
+            <a:off x="-550413" y="846526"/>
+            <a:ext cx="7512509" cy="3925286"/>
           </a:xfrm>
           <a:prstGeom prst="rect">
             <a:avLst/>
           </a:prstGeom>
+          <a:noFill/>
+          <a:extLst>
+            <a:ext uri="{909E8E84-426E-40DD-AFC4-6F175D3DCCD1}">
+              <a14:hiddenFill xmlns:a14="http://schemas.microsoft.com/office/drawing/2010/main">
+                <a:solidFill>
+                  <a:srgbClr val="FFFFFF"/>
+                </a:solidFill>
+              </a14:hiddenFill>
+            </a:ext>
+          </a:extLst>
         </p:spPr>
       </p:pic>
+      <p:cxnSp>
+        <p:nvCxnSpPr>
+          <p:cNvPr id="12" name="Straight Connector 11">
+            <a:extLst>
+              <a:ext uri="{FF2B5EF4-FFF2-40B4-BE49-F238E27FC236}">
+                <a16:creationId xmlns:a16="http://schemas.microsoft.com/office/drawing/2014/main" id="{9C21570E-E159-49A6-9891-FA397B7A92D3}"/>
+              </a:ext>
+              <a:ext uri="{C183D7F6-B498-43B3-948B-1728B52AA6E4}">
+                <adec:decorative xmlns:adec="http://schemas.microsoft.com/office/drawing/2017/decorative" val="1"/>
+              </a:ext>
+            </a:extLst>
+          </p:cNvPr>
+          <p:cNvCxnSpPr>
+            <a:cxnSpLocks noGrp="1" noRot="1" noChangeAspect="1" noMove="1" noResize="1" noEditPoints="1" noAdjustHandles="1" noChangeArrowheads="1" noChangeShapeType="1"/>
+          </p:cNvCxnSpPr>
+          <p:nvPr>
+            <p:extLst>
+              <p:ext uri="{386F3935-93C4-4BCD-93E2-E3B085C9AB24}">
+                <p16:designElem xmlns:p16="http://schemas.microsoft.com/office/powerpoint/2015/main" val="1"/>
+              </p:ext>
+            </p:extLst>
+          </p:nvPr>
+        </p:nvCxnSpPr>
+        <p:spPr>
+          <a:xfrm>
+            <a:off x="6411684" y="2086188"/>
+            <a:ext cx="4748808" cy="0"/>
+          </a:xfrm>
+          <a:prstGeom prst="line">
+            <a:avLst/>
+          </a:prstGeom>
+          <a:ln w="6350">
+            <a:solidFill>
+              <a:schemeClr val="tx1">
+                <a:lumMod val="50000"/>
+                <a:lumOff val="50000"/>
+                <a:alpha val="90000"/>
+              </a:schemeClr>
+            </a:solidFill>
+          </a:ln>
+        </p:spPr>
+        <p:style>
+          <a:lnRef idx="1">
+            <a:schemeClr val="accent1"/>
+          </a:lnRef>
+          <a:fillRef idx="0">
+            <a:schemeClr val="accent1"/>
+          </a:fillRef>
+          <a:effectRef idx="0">
+            <a:schemeClr val="accent1"/>
+          </a:effectRef>
+          <a:fontRef idx="minor">
+            <a:schemeClr val="tx1"/>
+          </a:fontRef>
+        </p:style>
+      </p:cxnSp>
+      <p:sp>
+        <p:nvSpPr>
+          <p:cNvPr id="3" name="Content Placeholder 2">
+            <a:extLst>
+              <a:ext uri="{FF2B5EF4-FFF2-40B4-BE49-F238E27FC236}">
+                <a16:creationId xmlns:a16="http://schemas.microsoft.com/office/drawing/2014/main" id="{5EBEFBAF-144A-45D4-964F-A4B9879A937F}"/>
+              </a:ext>
+            </a:extLst>
+          </p:cNvPr>
+          <p:cNvSpPr>
+            <a:spLocks noGrp="1"/>
+          </p:cNvSpPr>
+          <p:nvPr>
+            <p:ph idx="1"/>
+          </p:nvPr>
+        </p:nvSpPr>
+        <p:spPr>
+          <a:xfrm>
+            <a:off x="6411684" y="2198914"/>
+            <a:ext cx="5127172" cy="3670180"/>
+          </a:xfrm>
+        </p:spPr>
+        <p:txBody>
+          <a:bodyPr>
+            <a:normAutofit/>
+          </a:bodyPr>
+          <a:lstStyle/>
+          <a:p>
+            <a:pPr>
+              <a:buFont typeface="Wingdings" panose="05000000000000000000" pitchFamily="2" charset="2"/>
+              <a:buChar char="Ø"/>
+            </a:pPr>
+            <a:r>
+              <a:rPr lang="en-US" sz="2400" dirty="0"/>
+              <a:t> </a:t>
+            </a:r>
+            <a:r>
+              <a:rPr lang="en-US" sz="2400" dirty="0" err="1"/>
+              <a:t>Mongodb</a:t>
+            </a:r>
+            <a:r>
+              <a:rPr lang="en-US" sz="2400" dirty="0"/>
+              <a:t> is about speed.</a:t>
+            </a:r>
+          </a:p>
+          <a:p>
+            <a:pPr>
+              <a:buFont typeface="Wingdings" panose="05000000000000000000" pitchFamily="2" charset="2"/>
+              <a:buChar char="Ø"/>
+            </a:pPr>
+            <a:r>
+              <a:rPr lang="en-US" sz="2400" dirty="0"/>
+              <a:t> </a:t>
+            </a:r>
+            <a:r>
+              <a:rPr lang="en-US" sz="2400" dirty="0" err="1"/>
+              <a:t>Sql</a:t>
+            </a:r>
+            <a:r>
+              <a:rPr lang="en-US" sz="2400" dirty="0"/>
+              <a:t> Server is about ACID(atomicity, consistency, isolation, durability) + Analysis Services (SSAS)</a:t>
+            </a:r>
+          </a:p>
+        </p:txBody>
+      </p:sp>
+      <p:sp>
+        <p:nvSpPr>
+          <p:cNvPr id="14" name="Rectangle 13">
+            <a:extLst>
+              <a:ext uri="{FF2B5EF4-FFF2-40B4-BE49-F238E27FC236}">
+                <a16:creationId xmlns:a16="http://schemas.microsoft.com/office/drawing/2014/main" id="{E95DA498-D9A2-4DA9-B9DA-B3776E08CF7E}"/>
+              </a:ext>
+              <a:ext uri="{C183D7F6-B498-43B3-948B-1728B52AA6E4}">
+                <adec:decorative xmlns:adec="http://schemas.microsoft.com/office/drawing/2017/decorative" val="1"/>
+              </a:ext>
+            </a:extLst>
+          </p:cNvPr>
+          <p:cNvSpPr>
+            <a:spLocks noGrp="1" noRot="1" noChangeAspect="1" noMove="1" noResize="1" noEditPoints="1" noAdjustHandles="1" noChangeArrowheads="1" noChangeShapeType="1" noTextEdit="1"/>
+          </p:cNvSpPr>
+          <p:nvPr>
+            <p:extLst>
+              <p:ext uri="{386F3935-93C4-4BCD-93E2-E3B085C9AB24}">
+                <p16:designElem xmlns:p16="http://schemas.microsoft.com/office/powerpoint/2015/main" val="1"/>
+              </p:ext>
+            </p:extLst>
+          </p:nvPr>
+        </p:nvSpPr>
+        <p:spPr>
+          <a:xfrm>
+            <a:off x="15" y="6334316"/>
+            <a:ext cx="12191985" cy="66484"/>
+          </a:xfrm>
+          <a:prstGeom prst="rect">
+            <a:avLst/>
+          </a:prstGeom>
+          <a:solidFill>
+            <a:schemeClr val="accent1"/>
+          </a:solidFill>
+          <a:ln>
+            <a:noFill/>
+          </a:ln>
+        </p:spPr>
+        <p:style>
+          <a:lnRef idx="2">
+            <a:schemeClr val="accent1">
+              <a:shade val="50000"/>
+            </a:schemeClr>
+          </a:lnRef>
+          <a:fillRef idx="1">
+            <a:schemeClr val="accent1"/>
+          </a:fillRef>
+          <a:effectRef idx="0">
+            <a:schemeClr val="accent1"/>
+          </a:effectRef>
+          <a:fontRef idx="minor">
+            <a:schemeClr val="lt1"/>
+          </a:fontRef>
+        </p:style>
+      </p:sp>
+      <p:sp>
+        <p:nvSpPr>
+          <p:cNvPr id="16" name="Rectangle 15">
+            <a:extLst>
+              <a:ext uri="{FF2B5EF4-FFF2-40B4-BE49-F238E27FC236}">
+                <a16:creationId xmlns:a16="http://schemas.microsoft.com/office/drawing/2014/main" id="{82A73093-4B9D-420D-B17E-52293703A1D4}"/>
+              </a:ext>
+              <a:ext uri="{C183D7F6-B498-43B3-948B-1728B52AA6E4}">
+                <adec:decorative xmlns:adec="http://schemas.microsoft.com/office/drawing/2017/decorative" val="1"/>
+              </a:ext>
+            </a:extLst>
+          </p:cNvPr>
+          <p:cNvSpPr>
+            <a:spLocks noGrp="1" noRot="1" noChangeAspect="1" noMove="1" noResize="1" noEditPoints="1" noAdjustHandles="1" noChangeArrowheads="1" noChangeShapeType="1" noTextEdit="1"/>
+          </p:cNvSpPr>
+          <p:nvPr>
+            <p:extLst>
+              <p:ext uri="{386F3935-93C4-4BCD-93E2-E3B085C9AB24}">
+                <p16:designElem xmlns:p16="http://schemas.microsoft.com/office/powerpoint/2015/main" val="1"/>
+              </p:ext>
+            </p:extLst>
+          </p:nvPr>
+        </p:nvSpPr>
+        <p:spPr>
+          <a:xfrm>
+            <a:off x="1" y="6400800"/>
+            <a:ext cx="12192000" cy="457200"/>
+          </a:xfrm>
+          <a:prstGeom prst="rect">
+            <a:avLst/>
+          </a:prstGeom>
+          <a:solidFill>
+            <a:schemeClr val="accent2"/>
+          </a:solidFill>
+          <a:ln>
+            <a:noFill/>
+          </a:ln>
+        </p:spPr>
+        <p:style>
+          <a:lnRef idx="2">
+            <a:schemeClr val="accent1">
+              <a:shade val="50000"/>
+            </a:schemeClr>
+          </a:lnRef>
+          <a:fillRef idx="1">
+            <a:schemeClr val="accent1"/>
+          </a:fillRef>
+          <a:effectRef idx="0">
+            <a:schemeClr val="accent1"/>
+          </a:effectRef>
+          <a:fontRef idx="minor">
+            <a:schemeClr val="lt1"/>
+          </a:fontRef>
+        </p:style>
+      </p:sp>
     </p:spTree>
     <p:extLst>
       <p:ext uri="{BB962C8B-B14F-4D97-AF65-F5344CB8AC3E}">
-        <p14:creationId xmlns:p14="http://schemas.microsoft.com/office/powerpoint/2010/main" val="4204774408"/>
+        <p14:creationId xmlns:p14="http://schemas.microsoft.com/office/powerpoint/2010/main" val="459460906"/>
+      </p:ext>
+    </p:extLst>
+  </p:cSld>
+  <p:clrMapOvr>
+    <a:masterClrMapping/>
+  </p:clrMapOvr>
+</p:sld>
+</file>
+
+<file path=ppt/slides/slide15.xml><?xml version="1.0" encoding="utf-8"?>
+<p:sld xmlns:a="http://schemas.openxmlformats.org/drawingml/2006/main" xmlns:r="http://schemas.openxmlformats.org/officeDocument/2006/relationships" xmlns:p="http://schemas.openxmlformats.org/presentationml/2006/main">
+  <p:cSld>
+    <p:spTree>
+      <p:nvGrpSpPr>
+        <p:cNvPr id="1" name=""/>
+        <p:cNvGrpSpPr/>
+        <p:nvPr/>
+      </p:nvGrpSpPr>
+      <p:grpSpPr>
+        <a:xfrm>
+          <a:off x="0" y="0"/>
+          <a:ext cx="0" cy="0"/>
+          <a:chOff x="0" y="0"/>
+          <a:chExt cx="0" cy="0"/>
+        </a:xfrm>
+      </p:grpSpPr>
+      <p:sp>
+        <p:nvSpPr>
+          <p:cNvPr id="2" name="Title 1">
+            <a:extLst>
+              <a:ext uri="{FF2B5EF4-FFF2-40B4-BE49-F238E27FC236}">
+                <a16:creationId xmlns:a16="http://schemas.microsoft.com/office/drawing/2014/main" id="{2268227A-CD5B-4F01-B846-C7AD08D6A63E}"/>
+              </a:ext>
+            </a:extLst>
+          </p:cNvPr>
+          <p:cNvSpPr>
+            <a:spLocks noGrp="1"/>
+          </p:cNvSpPr>
+          <p:nvPr>
+            <p:ph type="title"/>
+          </p:nvPr>
+        </p:nvSpPr>
+        <p:spPr/>
+        <p:txBody>
+          <a:bodyPr/>
+          <a:lstStyle/>
+          <a:p>
+            <a:r>
+              <a:rPr lang="en-US" dirty="0"/>
+              <a:t>Do you need repository + UOW with EF core?</a:t>
+            </a:r>
+          </a:p>
+        </p:txBody>
+      </p:sp>
+      <p:sp>
+        <p:nvSpPr>
+          <p:cNvPr id="3" name="Content Placeholder 2">
+            <a:extLst>
+              <a:ext uri="{FF2B5EF4-FFF2-40B4-BE49-F238E27FC236}">
+                <a16:creationId xmlns:a16="http://schemas.microsoft.com/office/drawing/2014/main" id="{77FEBA99-FFB7-4F6A-86FE-6E12674F57D5}"/>
+              </a:ext>
+            </a:extLst>
+          </p:cNvPr>
+          <p:cNvSpPr>
+            <a:spLocks noGrp="1"/>
+          </p:cNvSpPr>
+          <p:nvPr>
+            <p:ph idx="1"/>
+          </p:nvPr>
+        </p:nvSpPr>
+        <p:spPr/>
+        <p:txBody>
+          <a:bodyPr>
+            <a:normAutofit/>
+          </a:bodyPr>
+          <a:lstStyle/>
+          <a:p>
+            <a:pPr>
+              <a:buFont typeface="Wingdings" panose="05000000000000000000" pitchFamily="2" charset="2"/>
+              <a:buChar char="Ø"/>
+            </a:pPr>
+            <a:r>
+              <a:rPr lang="en-US" sz="2800" dirty="0"/>
+              <a:t> No. </a:t>
+            </a:r>
+            <a:r>
+              <a:rPr lang="en-US" sz="2800" dirty="0" err="1"/>
+              <a:t>Ef</a:t>
+            </a:r>
+            <a:r>
+              <a:rPr lang="en-US" sz="2800" dirty="0"/>
+              <a:t> core has </a:t>
+            </a:r>
+            <a:r>
+              <a:rPr lang="en-US" sz="2800" dirty="0" err="1"/>
+              <a:t>DbSet</a:t>
+            </a:r>
+            <a:r>
+              <a:rPr lang="en-US" sz="2800" dirty="0"/>
+              <a:t> and </a:t>
+            </a:r>
+            <a:r>
+              <a:rPr lang="en-US" sz="2800" dirty="0" err="1"/>
+              <a:t>context.SaveChanges</a:t>
+            </a:r>
+            <a:r>
+              <a:rPr lang="en-US" sz="2800" dirty="0"/>
+              <a:t>() is already repository + </a:t>
+            </a:r>
+            <a:r>
+              <a:rPr lang="en-US" sz="2800" dirty="0" err="1"/>
+              <a:t>uow</a:t>
+            </a:r>
+            <a:r>
+              <a:rPr lang="en-US" sz="2800" dirty="0"/>
+              <a:t> pattern.</a:t>
+            </a:r>
+          </a:p>
+          <a:p>
+            <a:pPr>
+              <a:buFont typeface="Wingdings" panose="05000000000000000000" pitchFamily="2" charset="2"/>
+              <a:buChar char="Ø"/>
+            </a:pPr>
+            <a:r>
+              <a:rPr lang="en-US" sz="2800" dirty="0" err="1"/>
+              <a:t>Ef</a:t>
+            </a:r>
+            <a:r>
+              <a:rPr lang="en-US" sz="2800" dirty="0"/>
+              <a:t> core has in memory provider so </a:t>
+            </a:r>
+            <a:r>
+              <a:rPr lang="en-US" sz="2800" dirty="0" err="1"/>
+              <a:t>DbContext</a:t>
+            </a:r>
+            <a:r>
+              <a:rPr lang="en-US" sz="2800" dirty="0"/>
+              <a:t> is fully testable.</a:t>
+            </a:r>
+          </a:p>
+          <a:p>
+            <a:pPr>
+              <a:buFont typeface="Wingdings" panose="05000000000000000000" pitchFamily="2" charset="2"/>
+              <a:buChar char="Ø"/>
+            </a:pPr>
+            <a:r>
+              <a:rPr lang="en-US" sz="2800" dirty="0"/>
+              <a:t>Unless, you have a very specific reason to do so…</a:t>
+            </a:r>
+          </a:p>
+        </p:txBody>
+      </p:sp>
+    </p:spTree>
+    <p:extLst>
+      <p:ext uri="{BB962C8B-B14F-4D97-AF65-F5344CB8AC3E}">
+        <p14:creationId xmlns:p14="http://schemas.microsoft.com/office/powerpoint/2010/main" val="2318569957"/>
+      </p:ext>
+    </p:extLst>
+  </p:cSld>
+  <p:clrMapOvr>
+    <a:masterClrMapping/>
+  </p:clrMapOvr>
+</p:sld>
+</file>
+
+<file path=ppt/slides/slide16.xml><?xml version="1.0" encoding="utf-8"?>
+<p:sld xmlns:a="http://schemas.openxmlformats.org/drawingml/2006/main" xmlns:r="http://schemas.openxmlformats.org/officeDocument/2006/relationships" xmlns:p="http://schemas.openxmlformats.org/presentationml/2006/main">
+  <p:cSld>
+    <p:spTree>
+      <p:nvGrpSpPr>
+        <p:cNvPr id="1" name=""/>
+        <p:cNvGrpSpPr/>
+        <p:nvPr/>
+      </p:nvGrpSpPr>
+      <p:grpSpPr>
+        <a:xfrm>
+          <a:off x="0" y="0"/>
+          <a:ext cx="0" cy="0"/>
+          <a:chOff x="0" y="0"/>
+          <a:chExt cx="0" cy="0"/>
+        </a:xfrm>
+      </p:grpSpPr>
+      <p:sp>
+        <p:nvSpPr>
+          <p:cNvPr id="2" name="Title 1">
+            <a:extLst>
+              <a:ext uri="{FF2B5EF4-FFF2-40B4-BE49-F238E27FC236}">
+                <a16:creationId xmlns:a16="http://schemas.microsoft.com/office/drawing/2014/main" id="{4E9665C3-A39B-46CB-9476-38155755C811}"/>
+              </a:ext>
+            </a:extLst>
+          </p:cNvPr>
+          <p:cNvSpPr>
+            <a:spLocks noGrp="1"/>
+          </p:cNvSpPr>
+          <p:nvPr>
+            <p:ph type="title"/>
+          </p:nvPr>
+        </p:nvSpPr>
+        <p:spPr/>
+        <p:txBody>
+          <a:bodyPr/>
+          <a:lstStyle/>
+          <a:p>
+            <a:r>
+              <a:rPr lang="en-US" dirty="0"/>
+              <a:t>Infrastructure layer</a:t>
+            </a:r>
+          </a:p>
+        </p:txBody>
+      </p:sp>
+      <p:sp>
+        <p:nvSpPr>
+          <p:cNvPr id="7" name="Content Placeholder 6">
+            <a:extLst>
+              <a:ext uri="{FF2B5EF4-FFF2-40B4-BE49-F238E27FC236}">
+                <a16:creationId xmlns:a16="http://schemas.microsoft.com/office/drawing/2014/main" id="{A101F740-C1A8-4E3F-96D8-B8C61571713A}"/>
+              </a:ext>
+            </a:extLst>
+          </p:cNvPr>
+          <p:cNvSpPr>
+            <a:spLocks noGrp="1"/>
+          </p:cNvSpPr>
+          <p:nvPr>
+            <p:ph idx="1"/>
+          </p:nvPr>
+        </p:nvSpPr>
+        <p:spPr>
+          <a:xfrm>
+            <a:off x="1097280" y="2030032"/>
+            <a:ext cx="10058400" cy="4023360"/>
+          </a:xfrm>
+        </p:spPr>
+        <p:txBody>
+          <a:bodyPr>
+            <a:normAutofit/>
+          </a:bodyPr>
+          <a:lstStyle/>
+          <a:p>
+            <a:pPr>
+              <a:buFont typeface="Wingdings" panose="05000000000000000000" pitchFamily="2" charset="2"/>
+              <a:buChar char="Ø"/>
+            </a:pPr>
+            <a:r>
+              <a:rPr lang="en-US" sz="2800" dirty="0" err="1"/>
+              <a:t>IdentityDbContext</a:t>
+            </a:r>
+            <a:endParaRPr lang="en-US" sz="2800" dirty="0"/>
+          </a:p>
+          <a:p>
+            <a:pPr>
+              <a:buFont typeface="Wingdings" panose="05000000000000000000" pitchFamily="2" charset="2"/>
+              <a:buChar char="Ø"/>
+            </a:pPr>
+            <a:r>
+              <a:rPr lang="en-US" sz="2800" dirty="0"/>
+              <a:t>Any cross-cutting concerns (e.g. storing, uploading photo using </a:t>
+            </a:r>
+            <a:r>
+              <a:rPr lang="en-US" sz="2800" dirty="0" err="1"/>
+              <a:t>Cloudinary</a:t>
+            </a:r>
+            <a:r>
+              <a:rPr lang="en-US" sz="2800" dirty="0"/>
+              <a:t>)</a:t>
+            </a:r>
+          </a:p>
+          <a:p>
+            <a:pPr>
+              <a:buFont typeface="Wingdings" panose="05000000000000000000" pitchFamily="2" charset="2"/>
+              <a:buChar char="Ø"/>
+            </a:pPr>
+            <a:endParaRPr lang="en-US" sz="2800" dirty="0"/>
+          </a:p>
+          <a:p>
+            <a:pPr>
+              <a:buFont typeface="Wingdings" panose="05000000000000000000" pitchFamily="2" charset="2"/>
+              <a:buChar char="Ø"/>
+            </a:pPr>
+            <a:endParaRPr lang="en-US" sz="2800" dirty="0"/>
+          </a:p>
+        </p:txBody>
+      </p:sp>
+    </p:spTree>
+    <p:extLst>
+      <p:ext uri="{BB962C8B-B14F-4D97-AF65-F5344CB8AC3E}">
+        <p14:creationId xmlns:p14="http://schemas.microsoft.com/office/powerpoint/2010/main" val="4178838148"/>
+      </p:ext>
+    </p:extLst>
+  </p:cSld>
+  <p:clrMapOvr>
+    <a:masterClrMapping/>
+  </p:clrMapOvr>
+</p:sld>
+</file>
+
+<file path=ppt/slides/slide17.xml><?xml version="1.0" encoding="utf-8"?>
+<p:sld xmlns:a="http://schemas.openxmlformats.org/drawingml/2006/main" xmlns:r="http://schemas.openxmlformats.org/officeDocument/2006/relationships" xmlns:p="http://schemas.openxmlformats.org/presentationml/2006/main">
+  <p:cSld>
+    <p:spTree>
+      <p:nvGrpSpPr>
+        <p:cNvPr id="1" name=""/>
+        <p:cNvGrpSpPr/>
+        <p:nvPr/>
+      </p:nvGrpSpPr>
+      <p:grpSpPr>
+        <a:xfrm>
+          <a:off x="0" y="0"/>
+          <a:ext cx="0" cy="0"/>
+          <a:chOff x="0" y="0"/>
+          <a:chExt cx="0" cy="0"/>
+        </a:xfrm>
+      </p:grpSpPr>
+      <p:sp>
+        <p:nvSpPr>
+          <p:cNvPr id="2" name="Title 1">
+            <a:extLst>
+              <a:ext uri="{FF2B5EF4-FFF2-40B4-BE49-F238E27FC236}">
+                <a16:creationId xmlns:a16="http://schemas.microsoft.com/office/drawing/2014/main" id="{4E9665C3-A39B-46CB-9476-38155755C811}"/>
+              </a:ext>
+            </a:extLst>
+          </p:cNvPr>
+          <p:cNvSpPr>
+            <a:spLocks noGrp="1"/>
+          </p:cNvSpPr>
+          <p:nvPr>
+            <p:ph type="title"/>
+          </p:nvPr>
+        </p:nvSpPr>
+        <p:spPr/>
+        <p:txBody>
+          <a:bodyPr/>
+          <a:lstStyle/>
+          <a:p>
+            <a:r>
+              <a:rPr lang="en-US" dirty="0" err="1"/>
+              <a:t>WebApi</a:t>
+            </a:r>
+            <a:r>
+              <a:rPr lang="en-US" dirty="0"/>
+              <a:t> layer</a:t>
+            </a:r>
+          </a:p>
+        </p:txBody>
+      </p:sp>
+      <p:sp>
+        <p:nvSpPr>
+          <p:cNvPr id="7" name="Content Placeholder 6">
+            <a:extLst>
+              <a:ext uri="{FF2B5EF4-FFF2-40B4-BE49-F238E27FC236}">
+                <a16:creationId xmlns:a16="http://schemas.microsoft.com/office/drawing/2014/main" id="{A101F740-C1A8-4E3F-96D8-B8C61571713A}"/>
+              </a:ext>
+            </a:extLst>
+          </p:cNvPr>
+          <p:cNvSpPr>
+            <a:spLocks noGrp="1"/>
+          </p:cNvSpPr>
+          <p:nvPr>
+            <p:ph idx="1"/>
+          </p:nvPr>
+        </p:nvSpPr>
+        <p:spPr>
+          <a:xfrm>
+            <a:off x="1097280" y="2030032"/>
+            <a:ext cx="10058400" cy="4023360"/>
+          </a:xfrm>
+        </p:spPr>
+        <p:txBody>
+          <a:bodyPr>
+            <a:normAutofit/>
+          </a:bodyPr>
+          <a:lstStyle/>
+          <a:p>
+            <a:pPr>
+              <a:buFont typeface="Wingdings" panose="05000000000000000000" pitchFamily="2" charset="2"/>
+              <a:buChar char="Ø"/>
+            </a:pPr>
+            <a:r>
+              <a:rPr lang="en-US" sz="2800" dirty="0"/>
+              <a:t> Controllers</a:t>
+            </a:r>
+          </a:p>
+          <a:p>
+            <a:pPr>
+              <a:buFont typeface="Wingdings" panose="05000000000000000000" pitchFamily="2" charset="2"/>
+              <a:buChar char="Ø"/>
+            </a:pPr>
+            <a:r>
+              <a:rPr lang="en-US" sz="2800" dirty="0"/>
+              <a:t> Dependency injection</a:t>
+            </a:r>
+          </a:p>
+          <a:p>
+            <a:pPr>
+              <a:buFont typeface="Wingdings" panose="05000000000000000000" pitchFamily="2" charset="2"/>
+              <a:buChar char="Ø"/>
+            </a:pPr>
+            <a:r>
+              <a:rPr lang="en-US" sz="2800" dirty="0"/>
+              <a:t> Exception middleware</a:t>
+            </a:r>
+          </a:p>
+          <a:p>
+            <a:pPr>
+              <a:buFont typeface="Wingdings" panose="05000000000000000000" pitchFamily="2" charset="2"/>
+              <a:buChar char="Ø"/>
+            </a:pPr>
+            <a:r>
+              <a:rPr lang="en-US" sz="2800" dirty="0"/>
+              <a:t> Presenters</a:t>
+            </a:r>
+          </a:p>
+          <a:p>
+            <a:pPr>
+              <a:buFont typeface="Wingdings" panose="05000000000000000000" pitchFamily="2" charset="2"/>
+              <a:buChar char="Ø"/>
+            </a:pPr>
+            <a:endParaRPr lang="en-US" sz="2800" dirty="0"/>
+          </a:p>
+          <a:p>
+            <a:pPr>
+              <a:buFont typeface="Wingdings" panose="05000000000000000000" pitchFamily="2" charset="2"/>
+              <a:buChar char="Ø"/>
+            </a:pPr>
+            <a:endParaRPr lang="en-US" sz="2800" dirty="0"/>
+          </a:p>
+        </p:txBody>
+      </p:sp>
+    </p:spTree>
+    <p:extLst>
+      <p:ext uri="{BB962C8B-B14F-4D97-AF65-F5344CB8AC3E}">
+        <p14:creationId xmlns:p14="http://schemas.microsoft.com/office/powerpoint/2010/main" val="188268413"/>
+      </p:ext>
+    </p:extLst>
+  </p:cSld>
+  <p:clrMapOvr>
+    <a:masterClrMapping/>
+  </p:clrMapOvr>
+</p:sld>
+</file>
+
+<file path=ppt/slides/slide18.xml><?xml version="1.0" encoding="utf-8"?>
+<p:sld xmlns:a="http://schemas.openxmlformats.org/drawingml/2006/main" xmlns:r="http://schemas.openxmlformats.org/officeDocument/2006/relationships" xmlns:p="http://schemas.openxmlformats.org/presentationml/2006/main">
+  <p:cSld>
+    <p:spTree>
+      <p:nvGrpSpPr>
+        <p:cNvPr id="1" name=""/>
+        <p:cNvGrpSpPr/>
+        <p:nvPr/>
+      </p:nvGrpSpPr>
+      <p:grpSpPr>
+        <a:xfrm>
+          <a:off x="0" y="0"/>
+          <a:ext cx="0" cy="0"/>
+          <a:chOff x="0" y="0"/>
+          <a:chExt cx="0" cy="0"/>
+        </a:xfrm>
+      </p:grpSpPr>
+      <p:sp>
+        <p:nvSpPr>
+          <p:cNvPr id="2" name="Title 1">
+            <a:extLst>
+              <a:ext uri="{FF2B5EF4-FFF2-40B4-BE49-F238E27FC236}">
+                <a16:creationId xmlns:a16="http://schemas.microsoft.com/office/drawing/2014/main" id="{4E9665C3-A39B-46CB-9476-38155755C811}"/>
+              </a:ext>
+            </a:extLst>
+          </p:cNvPr>
+          <p:cNvSpPr>
+            <a:spLocks noGrp="1"/>
+          </p:cNvSpPr>
+          <p:nvPr>
+            <p:ph type="title"/>
+          </p:nvPr>
+        </p:nvSpPr>
+        <p:spPr/>
+        <p:txBody>
+          <a:bodyPr/>
+          <a:lstStyle/>
+          <a:p>
+            <a:r>
+              <a:rPr lang="en-US" dirty="0" err="1"/>
+              <a:t>WebApi</a:t>
+            </a:r>
+            <a:r>
+              <a:rPr lang="en-US" dirty="0"/>
+              <a:t> layer</a:t>
+            </a:r>
+          </a:p>
+        </p:txBody>
+      </p:sp>
+      <p:sp>
+        <p:nvSpPr>
+          <p:cNvPr id="7" name="Content Placeholder 6">
+            <a:extLst>
+              <a:ext uri="{FF2B5EF4-FFF2-40B4-BE49-F238E27FC236}">
+                <a16:creationId xmlns:a16="http://schemas.microsoft.com/office/drawing/2014/main" id="{A101F740-C1A8-4E3F-96D8-B8C61571713A}"/>
+              </a:ext>
+            </a:extLst>
+          </p:cNvPr>
+          <p:cNvSpPr>
+            <a:spLocks noGrp="1"/>
+          </p:cNvSpPr>
+          <p:nvPr>
+            <p:ph idx="1"/>
+          </p:nvPr>
+        </p:nvSpPr>
+        <p:spPr>
+          <a:xfrm>
+            <a:off x="1097280" y="2030032"/>
+            <a:ext cx="10058400" cy="4023360"/>
+          </a:xfrm>
+        </p:spPr>
+        <p:txBody>
+          <a:bodyPr>
+            <a:normAutofit/>
+          </a:bodyPr>
+          <a:lstStyle/>
+          <a:p>
+            <a:pPr>
+              <a:buFont typeface="Wingdings" panose="05000000000000000000" pitchFamily="2" charset="2"/>
+              <a:buChar char="Ø"/>
+            </a:pPr>
+            <a:r>
+              <a:rPr lang="en-US" sz="2800" dirty="0"/>
+              <a:t> Controllers</a:t>
+            </a:r>
+          </a:p>
+          <a:p>
+            <a:pPr>
+              <a:buFont typeface="Wingdings" panose="05000000000000000000" pitchFamily="2" charset="2"/>
+              <a:buChar char="Ø"/>
+            </a:pPr>
+            <a:r>
+              <a:rPr lang="en-US" sz="2800" dirty="0"/>
+              <a:t> Dependency injection</a:t>
+            </a:r>
+          </a:p>
+          <a:p>
+            <a:pPr>
+              <a:buFont typeface="Wingdings" panose="05000000000000000000" pitchFamily="2" charset="2"/>
+              <a:buChar char="Ø"/>
+            </a:pPr>
+            <a:r>
+              <a:rPr lang="en-US" sz="2800" dirty="0"/>
+              <a:t> Exception middleware</a:t>
+            </a:r>
+          </a:p>
+          <a:p>
+            <a:pPr>
+              <a:buFont typeface="Wingdings" panose="05000000000000000000" pitchFamily="2" charset="2"/>
+              <a:buChar char="Ø"/>
+            </a:pPr>
+            <a:r>
+              <a:rPr lang="en-US" sz="2800" dirty="0"/>
+              <a:t> Hosted services</a:t>
+            </a:r>
+          </a:p>
+          <a:p>
+            <a:pPr>
+              <a:buFont typeface="Wingdings" panose="05000000000000000000" pitchFamily="2" charset="2"/>
+              <a:buChar char="Ø"/>
+            </a:pPr>
+            <a:r>
+              <a:rPr lang="en-US" sz="2800" dirty="0"/>
+              <a:t> Presenters</a:t>
+            </a:r>
+          </a:p>
+          <a:p>
+            <a:pPr>
+              <a:buFont typeface="Wingdings" panose="05000000000000000000" pitchFamily="2" charset="2"/>
+              <a:buChar char="Ø"/>
+            </a:pPr>
+            <a:endParaRPr lang="en-US" sz="2800" dirty="0"/>
+          </a:p>
+          <a:p>
+            <a:pPr>
+              <a:buFont typeface="Wingdings" panose="05000000000000000000" pitchFamily="2" charset="2"/>
+              <a:buChar char="Ø"/>
+            </a:pPr>
+            <a:endParaRPr lang="en-US" sz="2800" dirty="0"/>
+          </a:p>
+        </p:txBody>
+      </p:sp>
+    </p:spTree>
+    <p:extLst>
+      <p:ext uri="{BB962C8B-B14F-4D97-AF65-F5344CB8AC3E}">
+        <p14:creationId xmlns:p14="http://schemas.microsoft.com/office/powerpoint/2010/main" val="2507576383"/>
+      </p:ext>
+    </p:extLst>
+  </p:cSld>
+  <p:clrMapOvr>
+    <a:masterClrMapping/>
+  </p:clrMapOvr>
+</p:sld>
+</file>
+
+<file path=ppt/slides/slide19.xml><?xml version="1.0" encoding="utf-8"?>
+<p:sld xmlns:a="http://schemas.openxmlformats.org/drawingml/2006/main" xmlns:r="http://schemas.openxmlformats.org/officeDocument/2006/relationships" xmlns:p="http://schemas.openxmlformats.org/presentationml/2006/main">
+  <p:cSld>
+    <p:spTree>
+      <p:nvGrpSpPr>
+        <p:cNvPr id="1" name=""/>
+        <p:cNvGrpSpPr/>
+        <p:nvPr/>
+      </p:nvGrpSpPr>
+      <p:grpSpPr>
+        <a:xfrm>
+          <a:off x="0" y="0"/>
+          <a:ext cx="0" cy="0"/>
+          <a:chOff x="0" y="0"/>
+          <a:chExt cx="0" cy="0"/>
+        </a:xfrm>
+      </p:grpSpPr>
+      <p:sp>
+        <p:nvSpPr>
+          <p:cNvPr id="2" name="Title 1">
+            <a:extLst>
+              <a:ext uri="{FF2B5EF4-FFF2-40B4-BE49-F238E27FC236}">
+                <a16:creationId xmlns:a16="http://schemas.microsoft.com/office/drawing/2014/main" id="{4E9665C3-A39B-46CB-9476-38155755C811}"/>
+              </a:ext>
+            </a:extLst>
+          </p:cNvPr>
+          <p:cNvSpPr>
+            <a:spLocks noGrp="1"/>
+          </p:cNvSpPr>
+          <p:nvPr>
+            <p:ph type="title"/>
+          </p:nvPr>
+        </p:nvSpPr>
+        <p:spPr/>
+        <p:txBody>
+          <a:bodyPr/>
+          <a:lstStyle/>
+          <a:p>
+            <a:r>
+              <a:rPr lang="en-US" dirty="0" err="1"/>
+              <a:t>WebApi</a:t>
+            </a:r>
+            <a:r>
+              <a:rPr lang="en-US" dirty="0"/>
+              <a:t> layer</a:t>
+            </a:r>
+          </a:p>
+        </p:txBody>
+      </p:sp>
+      <p:sp>
+        <p:nvSpPr>
+          <p:cNvPr id="7" name="Content Placeholder 6">
+            <a:extLst>
+              <a:ext uri="{FF2B5EF4-FFF2-40B4-BE49-F238E27FC236}">
+                <a16:creationId xmlns:a16="http://schemas.microsoft.com/office/drawing/2014/main" id="{A101F740-C1A8-4E3F-96D8-B8C61571713A}"/>
+              </a:ext>
+            </a:extLst>
+          </p:cNvPr>
+          <p:cNvSpPr>
+            <a:spLocks noGrp="1"/>
+          </p:cNvSpPr>
+          <p:nvPr>
+            <p:ph idx="1"/>
+          </p:nvPr>
+        </p:nvSpPr>
+        <p:spPr>
+          <a:xfrm>
+            <a:off x="1097280" y="2030032"/>
+            <a:ext cx="10058400" cy="4023360"/>
+          </a:xfrm>
+        </p:spPr>
+        <p:txBody>
+          <a:bodyPr>
+            <a:normAutofit/>
+          </a:bodyPr>
+          <a:lstStyle/>
+          <a:p>
+            <a:pPr>
+              <a:buFont typeface="Wingdings" panose="05000000000000000000" pitchFamily="2" charset="2"/>
+              <a:buChar char="Ø"/>
+            </a:pPr>
+            <a:r>
+              <a:rPr lang="en-US" sz="2800" dirty="0"/>
+              <a:t> Presenters</a:t>
+            </a:r>
+          </a:p>
+          <a:p>
+            <a:pPr>
+              <a:buFont typeface="Wingdings" panose="05000000000000000000" pitchFamily="2" charset="2"/>
+              <a:buChar char="Ø"/>
+            </a:pPr>
+            <a:r>
+              <a:rPr lang="en-US" sz="2800" dirty="0"/>
+              <a:t> Controllers</a:t>
+            </a:r>
+          </a:p>
+          <a:p>
+            <a:pPr>
+              <a:buFont typeface="Wingdings" panose="05000000000000000000" pitchFamily="2" charset="2"/>
+              <a:buChar char="Ø"/>
+            </a:pPr>
+            <a:r>
+              <a:rPr lang="en-US" sz="2800" dirty="0"/>
+              <a:t> Dependency injection</a:t>
+            </a:r>
+          </a:p>
+          <a:p>
+            <a:pPr>
+              <a:buFont typeface="Wingdings" panose="05000000000000000000" pitchFamily="2" charset="2"/>
+              <a:buChar char="Ø"/>
+            </a:pPr>
+            <a:r>
+              <a:rPr lang="en-US" sz="2800" dirty="0"/>
+              <a:t> Exception middleware</a:t>
+            </a:r>
+          </a:p>
+          <a:p>
+            <a:pPr>
+              <a:buFont typeface="Wingdings" panose="05000000000000000000" pitchFamily="2" charset="2"/>
+              <a:buChar char="Ø"/>
+            </a:pPr>
+            <a:r>
+              <a:rPr lang="en-US" sz="2800" dirty="0"/>
+              <a:t> Hosted services</a:t>
+            </a:r>
+          </a:p>
+          <a:p>
+            <a:pPr marL="0" indent="0">
+              <a:buNone/>
+            </a:pPr>
+            <a:endParaRPr lang="en-US" sz="2800" dirty="0"/>
+          </a:p>
+          <a:p>
+            <a:pPr>
+              <a:buFont typeface="Wingdings" panose="05000000000000000000" pitchFamily="2" charset="2"/>
+              <a:buChar char="Ø"/>
+            </a:pPr>
+            <a:endParaRPr lang="en-US" sz="2800" dirty="0"/>
+          </a:p>
+        </p:txBody>
+      </p:sp>
+    </p:spTree>
+    <p:extLst>
+      <p:ext uri="{BB962C8B-B14F-4D97-AF65-F5344CB8AC3E}">
+        <p14:creationId xmlns:p14="http://schemas.microsoft.com/office/powerpoint/2010/main" val="820959914"/>
       </p:ext>
     </p:extLst>
   </p:cSld>
@@ -3440,12 +9264,495 @@
           <a:chExt cx="0" cy="0"/>
         </a:xfrm>
       </p:grpSpPr>
+      <p:sp>
+        <p:nvSpPr>
+          <p:cNvPr id="2" name="Title 1">
+            <a:extLst>
+              <a:ext uri="{FF2B5EF4-FFF2-40B4-BE49-F238E27FC236}">
+                <a16:creationId xmlns:a16="http://schemas.microsoft.com/office/drawing/2014/main" id="{7A5223E5-B7F9-41F2-A36D-EC60CFF2F30F}"/>
+              </a:ext>
+            </a:extLst>
+          </p:cNvPr>
+          <p:cNvSpPr>
+            <a:spLocks noGrp="1"/>
+          </p:cNvSpPr>
+          <p:nvPr>
+            <p:ph type="title"/>
+          </p:nvPr>
+        </p:nvSpPr>
+        <p:spPr>
+          <a:xfrm>
+            <a:off x="1183342" y="365125"/>
+            <a:ext cx="10170458" cy="1329204"/>
+          </a:xfrm>
+        </p:spPr>
+        <p:txBody>
+          <a:bodyPr>
+            <a:normAutofit/>
+          </a:bodyPr>
+          <a:lstStyle/>
+          <a:p>
+            <a:r>
+              <a:rPr lang="en-US" dirty="0"/>
+              <a:t>This talk is not about…</a:t>
+            </a:r>
+          </a:p>
+        </p:txBody>
+      </p:sp>
+      <p:sp>
+        <p:nvSpPr>
+          <p:cNvPr id="8" name="TextBox 7">
+            <a:extLst>
+              <a:ext uri="{FF2B5EF4-FFF2-40B4-BE49-F238E27FC236}">
+                <a16:creationId xmlns:a16="http://schemas.microsoft.com/office/drawing/2014/main" id="{2FD70666-229B-4D75-82E7-2F38214C4426}"/>
+              </a:ext>
+            </a:extLst>
+          </p:cNvPr>
+          <p:cNvSpPr txBox="1"/>
+          <p:nvPr/>
+        </p:nvSpPr>
+        <p:spPr>
+          <a:xfrm>
+            <a:off x="1183342" y="2326341"/>
+            <a:ext cx="4210576" cy="2062103"/>
+          </a:xfrm>
+          <a:prstGeom prst="rect">
+            <a:avLst/>
+          </a:prstGeom>
+          <a:noFill/>
+        </p:spPr>
+        <p:txBody>
+          <a:bodyPr wrap="none" rtlCol="0">
+            <a:spAutoFit/>
+          </a:bodyPr>
+          <a:lstStyle/>
+          <a:p>
+            <a:pPr marL="285750" indent="-285750">
+              <a:buFont typeface="Arial" panose="020B0604020202020204" pitchFamily="34" charset="0"/>
+              <a:buChar char="•"/>
+            </a:pPr>
+            <a:r>
+              <a:rPr lang="en-US" sz="3200" dirty="0"/>
+              <a:t>Front end.</a:t>
+            </a:r>
+          </a:p>
+          <a:p>
+            <a:pPr marL="285750" indent="-285750">
+              <a:buFont typeface="Arial" panose="020B0604020202020204" pitchFamily="34" charset="0"/>
+              <a:buChar char="•"/>
+            </a:pPr>
+            <a:r>
+              <a:rPr lang="en-US" sz="3200" dirty="0"/>
+              <a:t>Domain driven design.</a:t>
+            </a:r>
+          </a:p>
+          <a:p>
+            <a:pPr marL="285750" indent="-285750">
+              <a:buFont typeface="Arial" panose="020B0604020202020204" pitchFamily="34" charset="0"/>
+              <a:buChar char="•"/>
+            </a:pPr>
+            <a:r>
+              <a:rPr lang="en-US" sz="3200" dirty="0"/>
+              <a:t>Microservices.</a:t>
+            </a:r>
+          </a:p>
+          <a:p>
+            <a:pPr marL="285750" indent="-285750">
+              <a:buFont typeface="Arial" panose="020B0604020202020204" pitchFamily="34" charset="0"/>
+              <a:buChar char="•"/>
+            </a:pPr>
+            <a:r>
+              <a:rPr lang="en-US" sz="3200" dirty="0"/>
+              <a:t>Even sourcing.</a:t>
+            </a:r>
+          </a:p>
+        </p:txBody>
+      </p:sp>
       <p:pic>
         <p:nvPicPr>
-          <p:cNvPr id="4" name="Picture 3">
-            <a:extLst>
-              <a:ext uri="{FF2B5EF4-FFF2-40B4-BE49-F238E27FC236}">
-                <a16:creationId xmlns:a16="http://schemas.microsoft.com/office/drawing/2014/main" id="{16A5F705-C37F-4E3B-B96F-0EC8C9B6BFF2}"/>
+          <p:cNvPr id="2052" name="Picture 4" descr="Image result for domain driven design">
+            <a:extLst>
+              <a:ext uri="{FF2B5EF4-FFF2-40B4-BE49-F238E27FC236}">
+                <a16:creationId xmlns:a16="http://schemas.microsoft.com/office/drawing/2014/main" id="{F5F0D569-B0DE-4390-872A-93CAE5AAF82D}"/>
+              </a:ext>
+            </a:extLst>
+          </p:cNvPr>
+          <p:cNvPicPr>
+            <a:picLocks noChangeAspect="1" noChangeArrowheads="1"/>
+          </p:cNvPicPr>
+          <p:nvPr/>
+        </p:nvPicPr>
+        <p:blipFill>
+          <a:blip r:embed="rId2">
+            <a:extLst>
+              <a:ext uri="{28A0092B-C50C-407E-A947-70E740481C1C}">
+                <a14:useLocalDpi xmlns:a14="http://schemas.microsoft.com/office/drawing/2010/main" val="0"/>
+              </a:ext>
+            </a:extLst>
+          </a:blip>
+          <a:srcRect/>
+          <a:stretch>
+            <a:fillRect/>
+          </a:stretch>
+        </p:blipFill>
+        <p:spPr bwMode="auto">
+          <a:xfrm>
+            <a:off x="7410449" y="1853346"/>
+            <a:ext cx="3281643" cy="4340798"/>
+          </a:xfrm>
+          <a:prstGeom prst="rect">
+            <a:avLst/>
+          </a:prstGeom>
+          <a:noFill/>
+          <a:extLst>
+            <a:ext uri="{909E8E84-426E-40DD-AFC4-6F175D3DCCD1}">
+              <a14:hiddenFill xmlns:a14="http://schemas.microsoft.com/office/drawing/2010/main">
+                <a:solidFill>
+                  <a:srgbClr val="FFFFFF"/>
+                </a:solidFill>
+              </a14:hiddenFill>
+            </a:ext>
+          </a:extLst>
+        </p:spPr>
+      </p:pic>
+    </p:spTree>
+    <p:extLst>
+      <p:ext uri="{BB962C8B-B14F-4D97-AF65-F5344CB8AC3E}">
+        <p14:creationId xmlns:p14="http://schemas.microsoft.com/office/powerpoint/2010/main" val="2210357170"/>
+      </p:ext>
+    </p:extLst>
+  </p:cSld>
+  <p:clrMapOvr>
+    <a:masterClrMapping/>
+  </p:clrMapOvr>
+</p:sld>
+</file>
+
+<file path=ppt/slides/slide20.xml><?xml version="1.0" encoding="utf-8"?>
+<p:sld xmlns:a="http://schemas.openxmlformats.org/drawingml/2006/main" xmlns:r="http://schemas.openxmlformats.org/officeDocument/2006/relationships" xmlns:p="http://schemas.openxmlformats.org/presentationml/2006/main">
+  <p:cSld>
+    <p:bg>
+      <p:bgPr>
+        <a:solidFill>
+          <a:schemeClr val="bg1"/>
+        </a:solidFill>
+        <a:effectLst/>
+      </p:bgPr>
+    </p:bg>
+    <p:spTree>
+      <p:nvGrpSpPr>
+        <p:cNvPr id="1" name=""/>
+        <p:cNvGrpSpPr/>
+        <p:nvPr/>
+      </p:nvGrpSpPr>
+      <p:grpSpPr>
+        <a:xfrm>
+          <a:off x="0" y="0"/>
+          <a:ext cx="0" cy="0"/>
+          <a:chOff x="0" y="0"/>
+          <a:chExt cx="0" cy="0"/>
+        </a:xfrm>
+      </p:grpSpPr>
+      <p:sp>
+        <p:nvSpPr>
+          <p:cNvPr id="22" name="Rectangle 7">
+            <a:extLst>
+              <a:ext uri="{FF2B5EF4-FFF2-40B4-BE49-F238E27FC236}">
+                <a16:creationId xmlns:a16="http://schemas.microsoft.com/office/drawing/2014/main" id="{4E4490D0-3672-446A-AC12-B4830333BDDD}"/>
+              </a:ext>
+              <a:ext uri="{C183D7F6-B498-43B3-948B-1728B52AA6E4}">
+                <adec:decorative xmlns:adec="http://schemas.microsoft.com/office/drawing/2017/decorative" val="1"/>
+              </a:ext>
+            </a:extLst>
+          </p:cNvPr>
+          <p:cNvSpPr>
+            <a:spLocks noGrp="1" noRot="1" noChangeAspect="1" noMove="1" noResize="1" noEditPoints="1" noAdjustHandles="1" noChangeArrowheads="1" noChangeShapeType="1" noTextEdit="1"/>
+          </p:cNvSpPr>
+          <p:nvPr>
+            <p:extLst>
+              <p:ext uri="{386F3935-93C4-4BCD-93E2-E3B085C9AB24}">
+                <p16:designElem xmlns:p16="http://schemas.microsoft.com/office/powerpoint/2015/main" val="1"/>
+              </p:ext>
+            </p:extLst>
+          </p:nvPr>
+        </p:nvSpPr>
+        <p:spPr>
+          <a:xfrm>
+            <a:off x="3175" y="6400800"/>
+            <a:ext cx="12188825" cy="457200"/>
+          </a:xfrm>
+          <a:prstGeom prst="rect">
+            <a:avLst/>
+          </a:prstGeom>
+          <a:solidFill>
+            <a:schemeClr val="accent2"/>
+          </a:solidFill>
+          <a:ln>
+            <a:noFill/>
+          </a:ln>
+        </p:spPr>
+        <p:style>
+          <a:lnRef idx="2">
+            <a:schemeClr val="accent1">
+              <a:shade val="50000"/>
+            </a:schemeClr>
+          </a:lnRef>
+          <a:fillRef idx="1">
+            <a:schemeClr val="accent1"/>
+          </a:fillRef>
+          <a:effectRef idx="0">
+            <a:schemeClr val="accent1"/>
+          </a:effectRef>
+          <a:fontRef idx="minor">
+            <a:schemeClr val="lt1"/>
+          </a:fontRef>
+        </p:style>
+      </p:sp>
+      <p:sp>
+        <p:nvSpPr>
+          <p:cNvPr id="23" name="Rectangle 9">
+            <a:extLst>
+              <a:ext uri="{FF2B5EF4-FFF2-40B4-BE49-F238E27FC236}">
+                <a16:creationId xmlns:a16="http://schemas.microsoft.com/office/drawing/2014/main" id="{39CB82C2-DF65-4EC1-8280-F201D50F570B}"/>
+              </a:ext>
+              <a:ext uri="{C183D7F6-B498-43B3-948B-1728B52AA6E4}">
+                <adec:decorative xmlns:adec="http://schemas.microsoft.com/office/drawing/2017/decorative" val="1"/>
+              </a:ext>
+            </a:extLst>
+          </p:cNvPr>
+          <p:cNvSpPr>
+            <a:spLocks noGrp="1" noRot="1" noChangeAspect="1" noMove="1" noResize="1" noEditPoints="1" noAdjustHandles="1" noChangeArrowheads="1" noChangeShapeType="1" noTextEdit="1"/>
+          </p:cNvSpPr>
+          <p:nvPr>
+            <p:extLst>
+              <p:ext uri="{386F3935-93C4-4BCD-93E2-E3B085C9AB24}">
+                <p16:designElem xmlns:p16="http://schemas.microsoft.com/office/powerpoint/2015/main" val="1"/>
+              </p:ext>
+            </p:extLst>
+          </p:nvPr>
+        </p:nvSpPr>
+        <p:spPr>
+          <a:xfrm>
+            <a:off x="15" y="6334316"/>
+            <a:ext cx="12188825" cy="64008"/>
+          </a:xfrm>
+          <a:prstGeom prst="rect">
+            <a:avLst/>
+          </a:prstGeom>
+          <a:solidFill>
+            <a:schemeClr val="accent1"/>
+          </a:solidFill>
+          <a:ln>
+            <a:noFill/>
+          </a:ln>
+        </p:spPr>
+        <p:style>
+          <a:lnRef idx="2">
+            <a:schemeClr val="accent1">
+              <a:shade val="50000"/>
+            </a:schemeClr>
+          </a:lnRef>
+          <a:fillRef idx="1">
+            <a:schemeClr val="accent1"/>
+          </a:fillRef>
+          <a:effectRef idx="0">
+            <a:schemeClr val="accent1"/>
+          </a:effectRef>
+          <a:fontRef idx="minor">
+            <a:schemeClr val="lt1"/>
+          </a:fontRef>
+        </p:style>
+      </p:sp>
+      <p:cxnSp>
+        <p:nvCxnSpPr>
+          <p:cNvPr id="24" name="Straight Connector 11">
+            <a:extLst>
+              <a:ext uri="{FF2B5EF4-FFF2-40B4-BE49-F238E27FC236}">
+                <a16:creationId xmlns:a16="http://schemas.microsoft.com/office/drawing/2014/main" id="{7E1D4427-852B-4B37-8E76-0E9F1810BA2A}"/>
+              </a:ext>
+              <a:ext uri="{C183D7F6-B498-43B3-948B-1728B52AA6E4}">
+                <adec:decorative xmlns:adec="http://schemas.microsoft.com/office/drawing/2017/decorative" val="1"/>
+              </a:ext>
+            </a:extLst>
+          </p:cNvPr>
+          <p:cNvCxnSpPr>
+            <a:cxnSpLocks noGrp="1" noRot="1" noChangeAspect="1" noMove="1" noResize="1" noEditPoints="1" noAdjustHandles="1" noChangeArrowheads="1" noChangeShapeType="1"/>
+          </p:cNvCxnSpPr>
+          <p:nvPr>
+            <p:extLst>
+              <p:ext uri="{386F3935-93C4-4BCD-93E2-E3B085C9AB24}">
+                <p16:designElem xmlns:p16="http://schemas.microsoft.com/office/powerpoint/2015/main" val="1"/>
+              </p:ext>
+            </p:extLst>
+          </p:nvPr>
+        </p:nvCxnSpPr>
+        <p:spPr>
+          <a:xfrm>
+            <a:off x="1207658" y="4343400"/>
+            <a:ext cx="9875520" cy="0"/>
+          </a:xfrm>
+          <a:prstGeom prst="line">
+            <a:avLst/>
+          </a:prstGeom>
+          <a:ln w="6350">
+            <a:solidFill>
+              <a:schemeClr val="tx1">
+                <a:lumMod val="50000"/>
+                <a:lumOff val="50000"/>
+              </a:schemeClr>
+            </a:solidFill>
+          </a:ln>
+        </p:spPr>
+        <p:style>
+          <a:lnRef idx="1">
+            <a:schemeClr val="accent1"/>
+          </a:lnRef>
+          <a:fillRef idx="0">
+            <a:schemeClr val="accent1"/>
+          </a:fillRef>
+          <a:effectRef idx="0">
+            <a:schemeClr val="accent1"/>
+          </a:effectRef>
+          <a:fontRef idx="minor">
+            <a:schemeClr val="tx1"/>
+          </a:fontRef>
+        </p:style>
+      </p:cxnSp>
+      <p:sp useBgFill="1">
+        <p:nvSpPr>
+          <p:cNvPr id="25" name="Rectangle 13">
+            <a:extLst>
+              <a:ext uri="{FF2B5EF4-FFF2-40B4-BE49-F238E27FC236}">
+                <a16:creationId xmlns:a16="http://schemas.microsoft.com/office/drawing/2014/main" id="{FA4CD5CB-D209-4D70-8CA4-629731C59219}"/>
+              </a:ext>
+              <a:ext uri="{C183D7F6-B498-43B3-948B-1728B52AA6E4}">
+                <adec:decorative xmlns:adec="http://schemas.microsoft.com/office/drawing/2017/decorative" val="1"/>
+              </a:ext>
+            </a:extLst>
+          </p:cNvPr>
+          <p:cNvSpPr>
+            <a:spLocks noGrp="1" noRot="1" noChangeAspect="1" noMove="1" noResize="1" noEditPoints="1" noAdjustHandles="1" noChangeArrowheads="1" noChangeShapeType="1" noTextEdit="1"/>
+          </p:cNvSpPr>
+          <p:nvPr>
+            <p:extLst>
+              <p:ext uri="{386F3935-93C4-4BCD-93E2-E3B085C9AB24}">
+                <p16:designElem xmlns:p16="http://schemas.microsoft.com/office/powerpoint/2015/main" val="1"/>
+              </p:ext>
+            </p:extLst>
+          </p:nvPr>
+        </p:nvSpPr>
+        <p:spPr>
+          <a:xfrm>
+            <a:off x="0" y="0"/>
+            <a:ext cx="12192001" cy="6334316"/>
+          </a:xfrm>
+          <a:prstGeom prst="rect">
+            <a:avLst/>
+          </a:prstGeom>
+          <a:ln>
+            <a:noFill/>
+          </a:ln>
+        </p:spPr>
+        <p:style>
+          <a:lnRef idx="2">
+            <a:schemeClr val="accent1">
+              <a:shade val="50000"/>
+            </a:schemeClr>
+          </a:lnRef>
+          <a:fillRef idx="1">
+            <a:schemeClr val="accent1"/>
+          </a:fillRef>
+          <a:effectRef idx="0">
+            <a:schemeClr val="accent1"/>
+          </a:effectRef>
+          <a:fontRef idx="minor">
+            <a:schemeClr val="lt1"/>
+          </a:fontRef>
+        </p:style>
+        <p:txBody>
+          <a:bodyPr rtlCol="0" anchor="ctr"/>
+          <a:lstStyle/>
+          <a:p>
+            <a:pPr algn="ctr"/>
+            <a:endParaRPr lang="en-US"/>
+          </a:p>
+        </p:txBody>
+      </p:sp>
+      <p:sp>
+        <p:nvSpPr>
+          <p:cNvPr id="3" name="Title 1">
+            <a:extLst>
+              <a:ext uri="{FF2B5EF4-FFF2-40B4-BE49-F238E27FC236}">
+                <a16:creationId xmlns:a16="http://schemas.microsoft.com/office/drawing/2014/main" id="{B7064455-BD24-4D1B-8411-52C649007895}"/>
+              </a:ext>
+            </a:extLst>
+          </p:cNvPr>
+          <p:cNvSpPr txBox="1">
+            <a:spLocks/>
+          </p:cNvSpPr>
+          <p:nvPr/>
+        </p:nvSpPr>
+        <p:spPr>
+          <a:xfrm>
+            <a:off x="8141110" y="639097"/>
+            <a:ext cx="3401961" cy="3686015"/>
+          </a:xfrm>
+          <a:prstGeom prst="rect">
+            <a:avLst/>
+          </a:prstGeom>
+        </p:spPr>
+        <p:txBody>
+          <a:bodyPr vert="horz" lIns="91440" tIns="45720" rIns="91440" bIns="45720" rtlCol="0" anchor="b">
+            <a:normAutofit/>
+          </a:bodyPr>
+          <a:lstStyle>
+            <a:lvl1pPr algn="l" defTabSz="914400" rtl="0" eaLnBrk="1" latinLnBrk="0" hangingPunct="1">
+              <a:lnSpc>
+                <a:spcPct val="85000"/>
+              </a:lnSpc>
+              <a:spcBef>
+                <a:spcPct val="0"/>
+              </a:spcBef>
+              <a:buNone/>
+              <a:defRPr sz="4800" kern="1200" spc="-50" baseline="0">
+                <a:solidFill>
+                  <a:schemeClr val="tx1">
+                    <a:lumMod val="75000"/>
+                    <a:lumOff val="25000"/>
+                  </a:schemeClr>
+                </a:solidFill>
+                <a:latin typeface="+mj-lt"/>
+                <a:ea typeface="+mj-ea"/>
+                <a:cs typeface="+mj-cs"/>
+              </a:defRPr>
+            </a:lvl1pPr>
+          </a:lstStyle>
+          <a:p>
+            <a:pPr>
+              <a:spcAft>
+                <a:spcPts val="600"/>
+              </a:spcAft>
+            </a:pPr>
+            <a:r>
+              <a:rPr lang="en-US" sz="5100">
+                <a:solidFill>
+                  <a:schemeClr val="tx1">
+                    <a:lumMod val="85000"/>
+                    <a:lumOff val="15000"/>
+                  </a:schemeClr>
+                </a:solidFill>
+              </a:rPr>
+              <a:t>How many jobs do this controller have to do?</a:t>
+            </a:r>
+          </a:p>
+        </p:txBody>
+      </p:sp>
+      <p:pic>
+        <p:nvPicPr>
+          <p:cNvPr id="2" name="Picture 1">
+            <a:extLst>
+              <a:ext uri="{FF2B5EF4-FFF2-40B4-BE49-F238E27FC236}">
+                <a16:creationId xmlns:a16="http://schemas.microsoft.com/office/drawing/2014/main" id="{09FCF95A-58F1-41F5-98EC-DB5B479F6686}"/>
               </a:ext>
             </a:extLst>
           </p:cNvPr>
@@ -3462,48 +9769,699 @@
         </p:blipFill>
         <p:spPr>
           <a:xfrm>
-            <a:off x="2647839" y="81959"/>
-            <a:ext cx="5095875" cy="2781300"/>
+            <a:off x="742984" y="640081"/>
+            <a:ext cx="6694247" cy="5054156"/>
           </a:xfrm>
           <a:prstGeom prst="rect">
             <a:avLst/>
           </a:prstGeom>
         </p:spPr>
       </p:pic>
+      <p:cxnSp>
+        <p:nvCxnSpPr>
+          <p:cNvPr id="26" name="Straight Connector 15">
+            <a:extLst>
+              <a:ext uri="{FF2B5EF4-FFF2-40B4-BE49-F238E27FC236}">
+                <a16:creationId xmlns:a16="http://schemas.microsoft.com/office/drawing/2014/main" id="{5C6A2BAE-B461-4B55-8E1F-0722ABDD1393}"/>
+              </a:ext>
+              <a:ext uri="{C183D7F6-B498-43B3-948B-1728B52AA6E4}">
+                <adec:decorative xmlns:adec="http://schemas.microsoft.com/office/drawing/2017/decorative" val="1"/>
+              </a:ext>
+            </a:extLst>
+          </p:cNvPr>
+          <p:cNvCxnSpPr>
+            <a:cxnSpLocks noGrp="1" noRot="1" noChangeAspect="1" noMove="1" noResize="1" noEditPoints="1" noAdjustHandles="1" noChangeArrowheads="1" noChangeShapeType="1"/>
+          </p:cNvCxnSpPr>
+          <p:nvPr>
+            <p:extLst>
+              <p:ext uri="{386F3935-93C4-4BCD-93E2-E3B085C9AB24}">
+                <p16:designElem xmlns:p16="http://schemas.microsoft.com/office/powerpoint/2015/main" val="1"/>
+              </p:ext>
+            </p:extLst>
+          </p:nvPr>
+        </p:nvCxnSpPr>
+        <p:spPr>
+          <a:xfrm>
+            <a:off x="8209305" y="4343400"/>
+            <a:ext cx="3200400" cy="0"/>
+          </a:xfrm>
+          <a:prstGeom prst="line">
+            <a:avLst/>
+          </a:prstGeom>
+          <a:ln w="6350">
+            <a:solidFill>
+              <a:schemeClr val="tx2">
+                <a:alpha val="90000"/>
+              </a:schemeClr>
+            </a:solidFill>
+          </a:ln>
+        </p:spPr>
+        <p:style>
+          <a:lnRef idx="1">
+            <a:schemeClr val="accent1"/>
+          </a:lnRef>
+          <a:fillRef idx="0">
+            <a:schemeClr val="accent1"/>
+          </a:fillRef>
+          <a:effectRef idx="0">
+            <a:schemeClr val="accent1"/>
+          </a:effectRef>
+          <a:fontRef idx="minor">
+            <a:schemeClr val="tx1"/>
+          </a:fontRef>
+        </p:style>
+      </p:cxnSp>
+      <p:sp>
+        <p:nvSpPr>
+          <p:cNvPr id="27" name="Rectangle 17">
+            <a:extLst>
+              <a:ext uri="{FF2B5EF4-FFF2-40B4-BE49-F238E27FC236}">
+                <a16:creationId xmlns:a16="http://schemas.microsoft.com/office/drawing/2014/main" id="{B4C27B90-DF2B-4D00-BA07-18ED774CD2F1}"/>
+              </a:ext>
+              <a:ext uri="{C183D7F6-B498-43B3-948B-1728B52AA6E4}">
+                <adec:decorative xmlns:adec="http://schemas.microsoft.com/office/drawing/2017/decorative" val="1"/>
+              </a:ext>
+            </a:extLst>
+          </p:cNvPr>
+          <p:cNvSpPr>
+            <a:spLocks noGrp="1" noRot="1" noChangeAspect="1" noMove="1" noResize="1" noEditPoints="1" noAdjustHandles="1" noChangeArrowheads="1" noChangeShapeType="1" noTextEdit="1"/>
+          </p:cNvSpPr>
+          <p:nvPr>
+            <p:extLst>
+              <p:ext uri="{386F3935-93C4-4BCD-93E2-E3B085C9AB24}">
+                <p16:designElem xmlns:p16="http://schemas.microsoft.com/office/powerpoint/2015/main" val="1"/>
+              </p:ext>
+            </p:extLst>
+          </p:nvPr>
+        </p:nvSpPr>
+        <p:spPr>
+          <a:xfrm>
+            <a:off x="15" y="6334316"/>
+            <a:ext cx="12191985" cy="66484"/>
+          </a:xfrm>
+          <a:prstGeom prst="rect">
+            <a:avLst/>
+          </a:prstGeom>
+          <a:solidFill>
+            <a:schemeClr val="accent1"/>
+          </a:solidFill>
+          <a:ln>
+            <a:noFill/>
+          </a:ln>
+        </p:spPr>
+        <p:style>
+          <a:lnRef idx="2">
+            <a:schemeClr val="accent1">
+              <a:shade val="50000"/>
+            </a:schemeClr>
+          </a:lnRef>
+          <a:fillRef idx="1">
+            <a:schemeClr val="accent1"/>
+          </a:fillRef>
+          <a:effectRef idx="0">
+            <a:schemeClr val="accent1"/>
+          </a:effectRef>
+          <a:fontRef idx="minor">
+            <a:schemeClr val="lt1"/>
+          </a:fontRef>
+        </p:style>
+      </p:sp>
+      <p:sp>
+        <p:nvSpPr>
+          <p:cNvPr id="28" name="Rectangle 19">
+            <a:extLst>
+              <a:ext uri="{FF2B5EF4-FFF2-40B4-BE49-F238E27FC236}">
+                <a16:creationId xmlns:a16="http://schemas.microsoft.com/office/drawing/2014/main" id="{593ACC25-C262-417A-8AA9-0641C772BDB6}"/>
+              </a:ext>
+              <a:ext uri="{C183D7F6-B498-43B3-948B-1728B52AA6E4}">
+                <adec:decorative xmlns:adec="http://schemas.microsoft.com/office/drawing/2017/decorative" val="1"/>
+              </a:ext>
+            </a:extLst>
+          </p:cNvPr>
+          <p:cNvSpPr>
+            <a:spLocks noGrp="1" noRot="1" noChangeAspect="1" noMove="1" noResize="1" noEditPoints="1" noAdjustHandles="1" noChangeArrowheads="1" noChangeShapeType="1" noTextEdit="1"/>
+          </p:cNvSpPr>
+          <p:nvPr>
+            <p:extLst>
+              <p:ext uri="{386F3935-93C4-4BCD-93E2-E3B085C9AB24}">
+                <p16:designElem xmlns:p16="http://schemas.microsoft.com/office/powerpoint/2015/main" val="1"/>
+              </p:ext>
+            </p:extLst>
+          </p:nvPr>
+        </p:nvSpPr>
+        <p:spPr>
+          <a:xfrm>
+            <a:off x="1" y="6400800"/>
+            <a:ext cx="12192000" cy="457200"/>
+          </a:xfrm>
+          <a:prstGeom prst="rect">
+            <a:avLst/>
+          </a:prstGeom>
+          <a:solidFill>
+            <a:schemeClr val="accent2"/>
+          </a:solidFill>
+          <a:ln>
+            <a:noFill/>
+          </a:ln>
+        </p:spPr>
+        <p:style>
+          <a:lnRef idx="2">
+            <a:schemeClr val="accent1">
+              <a:shade val="50000"/>
+            </a:schemeClr>
+          </a:lnRef>
+          <a:fillRef idx="1">
+            <a:schemeClr val="accent1"/>
+          </a:fillRef>
+          <a:effectRef idx="0">
+            <a:schemeClr val="accent1"/>
+          </a:effectRef>
+          <a:fontRef idx="minor">
+            <a:schemeClr val="lt1"/>
+          </a:fontRef>
+        </p:style>
+      </p:sp>
+    </p:spTree>
+    <p:extLst>
+      <p:ext uri="{BB962C8B-B14F-4D97-AF65-F5344CB8AC3E}">
+        <p14:creationId xmlns:p14="http://schemas.microsoft.com/office/powerpoint/2010/main" val="3044017068"/>
+      </p:ext>
+    </p:extLst>
+  </p:cSld>
+  <p:clrMapOvr>
+    <a:masterClrMapping/>
+  </p:clrMapOvr>
+</p:sld>
+</file>
+
+<file path=ppt/slides/slide21.xml><?xml version="1.0" encoding="utf-8"?>
+<p:sld xmlns:a="http://schemas.openxmlformats.org/drawingml/2006/main" xmlns:r="http://schemas.openxmlformats.org/officeDocument/2006/relationships" xmlns:p="http://schemas.openxmlformats.org/presentationml/2006/main">
+  <p:cSld>
+    <p:bg>
+      <p:bgPr>
+        <a:solidFill>
+          <a:schemeClr val="bg1"/>
+        </a:solidFill>
+        <a:effectLst/>
+      </p:bgPr>
+    </p:bg>
+    <p:spTree>
+      <p:nvGrpSpPr>
+        <p:cNvPr id="1" name=""/>
+        <p:cNvGrpSpPr/>
+        <p:nvPr/>
+      </p:nvGrpSpPr>
+      <p:grpSpPr>
+        <a:xfrm>
+          <a:off x="0" y="0"/>
+          <a:ext cx="0" cy="0"/>
+          <a:chOff x="0" y="0"/>
+          <a:chExt cx="0" cy="0"/>
+        </a:xfrm>
+      </p:grpSpPr>
+      <p:sp>
+        <p:nvSpPr>
+          <p:cNvPr id="71" name="Rectangle 70">
+            <a:extLst>
+              <a:ext uri="{FF2B5EF4-FFF2-40B4-BE49-F238E27FC236}">
+                <a16:creationId xmlns:a16="http://schemas.microsoft.com/office/drawing/2014/main" id="{4E4490D0-3672-446A-AC12-B4830333BDDD}"/>
+              </a:ext>
+              <a:ext uri="{C183D7F6-B498-43B3-948B-1728B52AA6E4}">
+                <adec:decorative xmlns:adec="http://schemas.microsoft.com/office/drawing/2017/decorative" val="1"/>
+              </a:ext>
+            </a:extLst>
+          </p:cNvPr>
+          <p:cNvSpPr>
+            <a:spLocks noGrp="1" noRot="1" noChangeAspect="1" noMove="1" noResize="1" noEditPoints="1" noAdjustHandles="1" noChangeArrowheads="1" noChangeShapeType="1" noTextEdit="1"/>
+          </p:cNvSpPr>
+          <p:nvPr>
+            <p:extLst>
+              <p:ext uri="{386F3935-93C4-4BCD-93E2-E3B085C9AB24}">
+                <p16:designElem xmlns:p16="http://schemas.microsoft.com/office/powerpoint/2015/main" val="1"/>
+              </p:ext>
+            </p:extLst>
+          </p:nvPr>
+        </p:nvSpPr>
+        <p:spPr>
+          <a:xfrm>
+            <a:off x="3175" y="6400800"/>
+            <a:ext cx="12188825" cy="457200"/>
+          </a:xfrm>
+          <a:prstGeom prst="rect">
+            <a:avLst/>
+          </a:prstGeom>
+          <a:solidFill>
+            <a:schemeClr val="accent2"/>
+          </a:solidFill>
+          <a:ln>
+            <a:noFill/>
+          </a:ln>
+        </p:spPr>
+        <p:style>
+          <a:lnRef idx="2">
+            <a:schemeClr val="accent1">
+              <a:shade val="50000"/>
+            </a:schemeClr>
+          </a:lnRef>
+          <a:fillRef idx="1">
+            <a:schemeClr val="accent1"/>
+          </a:fillRef>
+          <a:effectRef idx="0">
+            <a:schemeClr val="accent1"/>
+          </a:effectRef>
+          <a:fontRef idx="minor">
+            <a:schemeClr val="lt1"/>
+          </a:fontRef>
+        </p:style>
+      </p:sp>
+      <p:sp>
+        <p:nvSpPr>
+          <p:cNvPr id="73" name="Rectangle 72">
+            <a:extLst>
+              <a:ext uri="{FF2B5EF4-FFF2-40B4-BE49-F238E27FC236}">
+                <a16:creationId xmlns:a16="http://schemas.microsoft.com/office/drawing/2014/main" id="{39CB82C2-DF65-4EC1-8280-F201D50F570B}"/>
+              </a:ext>
+              <a:ext uri="{C183D7F6-B498-43B3-948B-1728B52AA6E4}">
+                <adec:decorative xmlns:adec="http://schemas.microsoft.com/office/drawing/2017/decorative" val="1"/>
+              </a:ext>
+            </a:extLst>
+          </p:cNvPr>
+          <p:cNvSpPr>
+            <a:spLocks noGrp="1" noRot="1" noChangeAspect="1" noMove="1" noResize="1" noEditPoints="1" noAdjustHandles="1" noChangeArrowheads="1" noChangeShapeType="1" noTextEdit="1"/>
+          </p:cNvSpPr>
+          <p:nvPr>
+            <p:extLst>
+              <p:ext uri="{386F3935-93C4-4BCD-93E2-E3B085C9AB24}">
+                <p16:designElem xmlns:p16="http://schemas.microsoft.com/office/powerpoint/2015/main" val="1"/>
+              </p:ext>
+            </p:extLst>
+          </p:nvPr>
+        </p:nvSpPr>
+        <p:spPr>
+          <a:xfrm>
+            <a:off x="15" y="6334316"/>
+            <a:ext cx="12188825" cy="64008"/>
+          </a:xfrm>
+          <a:prstGeom prst="rect">
+            <a:avLst/>
+          </a:prstGeom>
+          <a:solidFill>
+            <a:schemeClr val="accent1"/>
+          </a:solidFill>
+          <a:ln>
+            <a:noFill/>
+          </a:ln>
+        </p:spPr>
+        <p:style>
+          <a:lnRef idx="2">
+            <a:schemeClr val="accent1">
+              <a:shade val="50000"/>
+            </a:schemeClr>
+          </a:lnRef>
+          <a:fillRef idx="1">
+            <a:schemeClr val="accent1"/>
+          </a:fillRef>
+          <a:effectRef idx="0">
+            <a:schemeClr val="accent1"/>
+          </a:effectRef>
+          <a:fontRef idx="minor">
+            <a:schemeClr val="lt1"/>
+          </a:fontRef>
+        </p:style>
+      </p:sp>
+      <p:cxnSp>
+        <p:nvCxnSpPr>
+          <p:cNvPr id="75" name="Straight Connector 74">
+            <a:extLst>
+              <a:ext uri="{FF2B5EF4-FFF2-40B4-BE49-F238E27FC236}">
+                <a16:creationId xmlns:a16="http://schemas.microsoft.com/office/drawing/2014/main" id="{7E1D4427-852B-4B37-8E76-0E9F1810BA2A}"/>
+              </a:ext>
+              <a:ext uri="{C183D7F6-B498-43B3-948B-1728B52AA6E4}">
+                <adec:decorative xmlns:adec="http://schemas.microsoft.com/office/drawing/2017/decorative" val="1"/>
+              </a:ext>
+            </a:extLst>
+          </p:cNvPr>
+          <p:cNvCxnSpPr>
+            <a:cxnSpLocks noGrp="1" noRot="1" noChangeAspect="1" noMove="1" noResize="1" noEditPoints="1" noAdjustHandles="1" noChangeArrowheads="1" noChangeShapeType="1"/>
+          </p:cNvCxnSpPr>
+          <p:nvPr>
+            <p:extLst>
+              <p:ext uri="{386F3935-93C4-4BCD-93E2-E3B085C9AB24}">
+                <p16:designElem xmlns:p16="http://schemas.microsoft.com/office/powerpoint/2015/main" val="1"/>
+              </p:ext>
+            </p:extLst>
+          </p:nvPr>
+        </p:nvCxnSpPr>
+        <p:spPr>
+          <a:xfrm>
+            <a:off x="1207658" y="4343400"/>
+            <a:ext cx="9875520" cy="0"/>
+          </a:xfrm>
+          <a:prstGeom prst="line">
+            <a:avLst/>
+          </a:prstGeom>
+          <a:ln w="6350">
+            <a:solidFill>
+              <a:schemeClr val="tx1">
+                <a:lumMod val="50000"/>
+                <a:lumOff val="50000"/>
+              </a:schemeClr>
+            </a:solidFill>
+          </a:ln>
+        </p:spPr>
+        <p:style>
+          <a:lnRef idx="1">
+            <a:schemeClr val="accent1"/>
+          </a:lnRef>
+          <a:fillRef idx="0">
+            <a:schemeClr val="accent1"/>
+          </a:fillRef>
+          <a:effectRef idx="0">
+            <a:schemeClr val="accent1"/>
+          </a:effectRef>
+          <a:fontRef idx="minor">
+            <a:schemeClr val="tx1"/>
+          </a:fontRef>
+        </p:style>
+      </p:cxnSp>
+      <p:sp useBgFill="1">
+        <p:nvSpPr>
+          <p:cNvPr id="77" name="Rectangle 76">
+            <a:extLst>
+              <a:ext uri="{FF2B5EF4-FFF2-40B4-BE49-F238E27FC236}">
+                <a16:creationId xmlns:a16="http://schemas.microsoft.com/office/drawing/2014/main" id="{FA4CD5CB-D209-4D70-8CA4-629731C59219}"/>
+              </a:ext>
+              <a:ext uri="{C183D7F6-B498-43B3-948B-1728B52AA6E4}">
+                <adec:decorative xmlns:adec="http://schemas.microsoft.com/office/drawing/2017/decorative" val="1"/>
+              </a:ext>
+            </a:extLst>
+          </p:cNvPr>
+          <p:cNvSpPr>
+            <a:spLocks noGrp="1" noRot="1" noChangeAspect="1" noMove="1" noResize="1" noEditPoints="1" noAdjustHandles="1" noChangeArrowheads="1" noChangeShapeType="1" noTextEdit="1"/>
+          </p:cNvSpPr>
+          <p:nvPr>
+            <p:extLst>
+              <p:ext uri="{386F3935-93C4-4BCD-93E2-E3B085C9AB24}">
+                <p16:designElem xmlns:p16="http://schemas.microsoft.com/office/powerpoint/2015/main" val="1"/>
+              </p:ext>
+            </p:extLst>
+          </p:nvPr>
+        </p:nvSpPr>
+        <p:spPr>
+          <a:xfrm>
+            <a:off x="0" y="0"/>
+            <a:ext cx="12192001" cy="6334316"/>
+          </a:xfrm>
+          <a:prstGeom prst="rect">
+            <a:avLst/>
+          </a:prstGeom>
+          <a:ln>
+            <a:noFill/>
+          </a:ln>
+        </p:spPr>
+        <p:style>
+          <a:lnRef idx="2">
+            <a:schemeClr val="accent1">
+              <a:shade val="50000"/>
+            </a:schemeClr>
+          </a:lnRef>
+          <a:fillRef idx="1">
+            <a:schemeClr val="accent1"/>
+          </a:fillRef>
+          <a:effectRef idx="0">
+            <a:schemeClr val="accent1"/>
+          </a:effectRef>
+          <a:fontRef idx="minor">
+            <a:schemeClr val="lt1"/>
+          </a:fontRef>
+        </p:style>
+        <p:txBody>
+          <a:bodyPr rtlCol="0" anchor="ctr"/>
+          <a:lstStyle/>
+          <a:p>
+            <a:pPr algn="ctr"/>
+            <a:endParaRPr lang="en-US"/>
+          </a:p>
+        </p:txBody>
+      </p:sp>
+      <p:sp>
+        <p:nvSpPr>
+          <p:cNvPr id="2" name="Title 1">
+            <a:extLst>
+              <a:ext uri="{FF2B5EF4-FFF2-40B4-BE49-F238E27FC236}">
+                <a16:creationId xmlns:a16="http://schemas.microsoft.com/office/drawing/2014/main" id="{B503C40D-F144-49C1-90C6-98EFDBFFFBE7}"/>
+              </a:ext>
+            </a:extLst>
+          </p:cNvPr>
+          <p:cNvSpPr>
+            <a:spLocks noGrp="1"/>
+          </p:cNvSpPr>
+          <p:nvPr>
+            <p:ph type="title"/>
+          </p:nvPr>
+        </p:nvSpPr>
+        <p:spPr>
+          <a:xfrm>
+            <a:off x="8141110" y="639097"/>
+            <a:ext cx="3401961" cy="3686015"/>
+          </a:xfrm>
+        </p:spPr>
+        <p:txBody>
+          <a:bodyPr vert="horz" lIns="91440" tIns="45720" rIns="91440" bIns="45720" rtlCol="0" anchor="b">
+            <a:normAutofit/>
+          </a:bodyPr>
+          <a:lstStyle/>
+          <a:p>
+            <a:r>
+              <a:rPr lang="en-US" sz="5600" dirty="0">
+                <a:solidFill>
+                  <a:schemeClr val="tx1">
+                    <a:lumMod val="85000"/>
+                    <a:lumOff val="15000"/>
+                  </a:schemeClr>
+                </a:solidFill>
+              </a:rPr>
+              <a:t>Presenter and Output port pattern</a:t>
+            </a:r>
+          </a:p>
+        </p:txBody>
+      </p:sp>
       <p:pic>
         <p:nvPicPr>
-          <p:cNvPr id="5" name="Picture 4">
-            <a:extLst>
-              <a:ext uri="{FF2B5EF4-FFF2-40B4-BE49-F238E27FC236}">
-                <a16:creationId xmlns:a16="http://schemas.microsoft.com/office/drawing/2014/main" id="{986B6096-777B-446C-9330-562B75853AD5}"/>
+          <p:cNvPr id="9218" name="Picture 2" descr="Clean architecture">
+            <a:extLst>
+              <a:ext uri="{FF2B5EF4-FFF2-40B4-BE49-F238E27FC236}">
+                <a16:creationId xmlns:a16="http://schemas.microsoft.com/office/drawing/2014/main" id="{27D45AB6-76A6-4DD0-9277-8841297D2E53}"/>
               </a:ext>
             </a:extLst>
           </p:cNvPr>
           <p:cNvPicPr>
-            <a:picLocks noChangeAspect="1"/>
+            <a:picLocks noGrp="1" noChangeAspect="1" noChangeArrowheads="1"/>
           </p:cNvPicPr>
-          <p:nvPr/>
+          <p:nvPr>
+            <p:ph idx="1"/>
+          </p:nvPr>
         </p:nvPicPr>
         <p:blipFill>
-          <a:blip r:embed="rId3"/>
+          <a:blip r:embed="rId2">
+            <a:extLst>
+              <a:ext uri="{28A0092B-C50C-407E-A947-70E740481C1C}">
+                <a14:useLocalDpi xmlns:a14="http://schemas.microsoft.com/office/drawing/2010/main" val="0"/>
+              </a:ext>
+            </a:extLst>
+          </a:blip>
           <a:stretch>
             <a:fillRect/>
           </a:stretch>
         </p:blipFill>
-        <p:spPr>
-          <a:xfrm>
-            <a:off x="3101716" y="4102617"/>
-            <a:ext cx="4429125" cy="2381250"/>
+        <p:spPr bwMode="auto">
+          <a:xfrm>
+            <a:off x="633999" y="696042"/>
+            <a:ext cx="6912217" cy="4942234"/>
           </a:xfrm>
           <a:prstGeom prst="rect">
             <a:avLst/>
           </a:prstGeom>
+          <a:noFill/>
+          <a:extLst>
+            <a:ext uri="{909E8E84-426E-40DD-AFC4-6F175D3DCCD1}">
+              <a14:hiddenFill xmlns:a14="http://schemas.microsoft.com/office/drawing/2010/main">
+                <a:solidFill>
+                  <a:srgbClr val="FFFFFF"/>
+                </a:solidFill>
+              </a14:hiddenFill>
+            </a:ext>
+          </a:extLst>
         </p:spPr>
       </p:pic>
+      <p:cxnSp>
+        <p:nvCxnSpPr>
+          <p:cNvPr id="79" name="Straight Connector 78">
+            <a:extLst>
+              <a:ext uri="{FF2B5EF4-FFF2-40B4-BE49-F238E27FC236}">
+                <a16:creationId xmlns:a16="http://schemas.microsoft.com/office/drawing/2014/main" id="{5C6A2BAE-B461-4B55-8E1F-0722ABDD1393}"/>
+              </a:ext>
+              <a:ext uri="{C183D7F6-B498-43B3-948B-1728B52AA6E4}">
+                <adec:decorative xmlns:adec="http://schemas.microsoft.com/office/drawing/2017/decorative" val="1"/>
+              </a:ext>
+            </a:extLst>
+          </p:cNvPr>
+          <p:cNvCxnSpPr>
+            <a:cxnSpLocks noGrp="1" noRot="1" noChangeAspect="1" noMove="1" noResize="1" noEditPoints="1" noAdjustHandles="1" noChangeArrowheads="1" noChangeShapeType="1"/>
+          </p:cNvCxnSpPr>
+          <p:nvPr>
+            <p:extLst>
+              <p:ext uri="{386F3935-93C4-4BCD-93E2-E3B085C9AB24}">
+                <p16:designElem xmlns:p16="http://schemas.microsoft.com/office/powerpoint/2015/main" val="1"/>
+              </p:ext>
+            </p:extLst>
+          </p:nvPr>
+        </p:nvCxnSpPr>
+        <p:spPr>
+          <a:xfrm>
+            <a:off x="8209305" y="4343400"/>
+            <a:ext cx="3200400" cy="0"/>
+          </a:xfrm>
+          <a:prstGeom prst="line">
+            <a:avLst/>
+          </a:prstGeom>
+          <a:ln w="6350">
+            <a:solidFill>
+              <a:schemeClr val="tx2">
+                <a:alpha val="90000"/>
+              </a:schemeClr>
+            </a:solidFill>
+          </a:ln>
+        </p:spPr>
+        <p:style>
+          <a:lnRef idx="1">
+            <a:schemeClr val="accent1"/>
+          </a:lnRef>
+          <a:fillRef idx="0">
+            <a:schemeClr val="accent1"/>
+          </a:fillRef>
+          <a:effectRef idx="0">
+            <a:schemeClr val="accent1"/>
+          </a:effectRef>
+          <a:fontRef idx="minor">
+            <a:schemeClr val="tx1"/>
+          </a:fontRef>
+        </p:style>
+      </p:cxnSp>
+      <p:sp>
+        <p:nvSpPr>
+          <p:cNvPr id="81" name="Rectangle 80">
+            <a:extLst>
+              <a:ext uri="{FF2B5EF4-FFF2-40B4-BE49-F238E27FC236}">
+                <a16:creationId xmlns:a16="http://schemas.microsoft.com/office/drawing/2014/main" id="{B4C27B90-DF2B-4D00-BA07-18ED774CD2F1}"/>
+              </a:ext>
+              <a:ext uri="{C183D7F6-B498-43B3-948B-1728B52AA6E4}">
+                <adec:decorative xmlns:adec="http://schemas.microsoft.com/office/drawing/2017/decorative" val="1"/>
+              </a:ext>
+            </a:extLst>
+          </p:cNvPr>
+          <p:cNvSpPr>
+            <a:spLocks noGrp="1" noRot="1" noChangeAspect="1" noMove="1" noResize="1" noEditPoints="1" noAdjustHandles="1" noChangeArrowheads="1" noChangeShapeType="1" noTextEdit="1"/>
+          </p:cNvSpPr>
+          <p:nvPr>
+            <p:extLst>
+              <p:ext uri="{386F3935-93C4-4BCD-93E2-E3B085C9AB24}">
+                <p16:designElem xmlns:p16="http://schemas.microsoft.com/office/powerpoint/2015/main" val="1"/>
+              </p:ext>
+            </p:extLst>
+          </p:nvPr>
+        </p:nvSpPr>
+        <p:spPr>
+          <a:xfrm>
+            <a:off x="15" y="6334316"/>
+            <a:ext cx="12191985" cy="66484"/>
+          </a:xfrm>
+          <a:prstGeom prst="rect">
+            <a:avLst/>
+          </a:prstGeom>
+          <a:solidFill>
+            <a:schemeClr val="accent1"/>
+          </a:solidFill>
+          <a:ln>
+            <a:noFill/>
+          </a:ln>
+        </p:spPr>
+        <p:style>
+          <a:lnRef idx="2">
+            <a:schemeClr val="accent1">
+              <a:shade val="50000"/>
+            </a:schemeClr>
+          </a:lnRef>
+          <a:fillRef idx="1">
+            <a:schemeClr val="accent1"/>
+          </a:fillRef>
+          <a:effectRef idx="0">
+            <a:schemeClr val="accent1"/>
+          </a:effectRef>
+          <a:fontRef idx="minor">
+            <a:schemeClr val="lt1"/>
+          </a:fontRef>
+        </p:style>
+      </p:sp>
+      <p:sp>
+        <p:nvSpPr>
+          <p:cNvPr id="83" name="Rectangle 82">
+            <a:extLst>
+              <a:ext uri="{FF2B5EF4-FFF2-40B4-BE49-F238E27FC236}">
+                <a16:creationId xmlns:a16="http://schemas.microsoft.com/office/drawing/2014/main" id="{593ACC25-C262-417A-8AA9-0641C772BDB6}"/>
+              </a:ext>
+              <a:ext uri="{C183D7F6-B498-43B3-948B-1728B52AA6E4}">
+                <adec:decorative xmlns:adec="http://schemas.microsoft.com/office/drawing/2017/decorative" val="1"/>
+              </a:ext>
+            </a:extLst>
+          </p:cNvPr>
+          <p:cNvSpPr>
+            <a:spLocks noGrp="1" noRot="1" noChangeAspect="1" noMove="1" noResize="1" noEditPoints="1" noAdjustHandles="1" noChangeArrowheads="1" noChangeShapeType="1" noTextEdit="1"/>
+          </p:cNvSpPr>
+          <p:nvPr>
+            <p:extLst>
+              <p:ext uri="{386F3935-93C4-4BCD-93E2-E3B085C9AB24}">
+                <p16:designElem xmlns:p16="http://schemas.microsoft.com/office/powerpoint/2015/main" val="1"/>
+              </p:ext>
+            </p:extLst>
+          </p:nvPr>
+        </p:nvSpPr>
+        <p:spPr>
+          <a:xfrm>
+            <a:off x="1" y="6400800"/>
+            <a:ext cx="12192000" cy="457200"/>
+          </a:xfrm>
+          <a:prstGeom prst="rect">
+            <a:avLst/>
+          </a:prstGeom>
+          <a:solidFill>
+            <a:schemeClr val="accent2"/>
+          </a:solidFill>
+          <a:ln>
+            <a:noFill/>
+          </a:ln>
+        </p:spPr>
+        <p:style>
+          <a:lnRef idx="2">
+            <a:schemeClr val="accent1">
+              <a:shade val="50000"/>
+            </a:schemeClr>
+          </a:lnRef>
+          <a:fillRef idx="1">
+            <a:schemeClr val="accent1"/>
+          </a:fillRef>
+          <a:effectRef idx="0">
+            <a:schemeClr val="accent1"/>
+          </a:effectRef>
+          <a:fontRef idx="minor">
+            <a:schemeClr val="lt1"/>
+          </a:fontRef>
+        </p:style>
+      </p:sp>
     </p:spTree>
     <p:extLst>
       <p:ext uri="{BB962C8B-B14F-4D97-AF65-F5344CB8AC3E}">
-        <p14:creationId xmlns:p14="http://schemas.microsoft.com/office/powerpoint/2010/main" val="945460812"/>
+        <p14:creationId xmlns:p14="http://schemas.microsoft.com/office/powerpoint/2010/main" val="2486986085"/>
       </p:ext>
     </p:extLst>
   </p:cSld>
@@ -3530,12 +10488,47 @@
           <a:chExt cx="0" cy="0"/>
         </a:xfrm>
       </p:grpSpPr>
+      <p:sp>
+        <p:nvSpPr>
+          <p:cNvPr id="2" name="Title 1">
+            <a:extLst>
+              <a:ext uri="{FF2B5EF4-FFF2-40B4-BE49-F238E27FC236}">
+                <a16:creationId xmlns:a16="http://schemas.microsoft.com/office/drawing/2014/main" id="{7A5223E5-B7F9-41F2-A36D-EC60CFF2F30F}"/>
+              </a:ext>
+            </a:extLst>
+          </p:cNvPr>
+          <p:cNvSpPr>
+            <a:spLocks noGrp="1"/>
+          </p:cNvSpPr>
+          <p:nvPr>
+            <p:ph type="title"/>
+          </p:nvPr>
+        </p:nvSpPr>
+        <p:spPr>
+          <a:xfrm>
+            <a:off x="7137990" y="365125"/>
+            <a:ext cx="4215809" cy="4107638"/>
+          </a:xfrm>
+        </p:spPr>
+        <p:txBody>
+          <a:bodyPr>
+            <a:normAutofit/>
+          </a:bodyPr>
+          <a:lstStyle/>
+          <a:p>
+            <a:r>
+              <a:rPr lang="en-US" dirty="0"/>
+              <a:t>Why do n-tier architecture often fail?</a:t>
+            </a:r>
+          </a:p>
+        </p:txBody>
+      </p:sp>
       <p:pic>
         <p:nvPicPr>
-          <p:cNvPr id="4" name="Picture 3">
-            <a:extLst>
-              <a:ext uri="{FF2B5EF4-FFF2-40B4-BE49-F238E27FC236}">
-                <a16:creationId xmlns:a16="http://schemas.microsoft.com/office/drawing/2014/main" id="{5162AC53-B454-4FDA-A51A-5811A6C4718D}"/>
+          <p:cNvPr id="7" name="Picture 6">
+            <a:extLst>
+              <a:ext uri="{FF2B5EF4-FFF2-40B4-BE49-F238E27FC236}">
+                <a16:creationId xmlns:a16="http://schemas.microsoft.com/office/drawing/2014/main" id="{011376C4-9532-4670-A999-BC056C2322BA}"/>
               </a:ext>
             </a:extLst>
           </p:cNvPr>
@@ -3552,8 +10545,8 @@
         </p:blipFill>
         <p:spPr>
           <a:xfrm>
-            <a:off x="4106656" y="0"/>
-            <a:ext cx="3978687" cy="6858000"/>
+            <a:off x="2841202" y="0"/>
+            <a:ext cx="2866171" cy="6858000"/>
           </a:xfrm>
           <a:prstGeom prst="rect">
             <a:avLst/>
@@ -3563,7 +10556,7 @@
     </p:spTree>
     <p:extLst>
       <p:ext uri="{BB962C8B-B14F-4D97-AF65-F5344CB8AC3E}">
-        <p14:creationId xmlns:p14="http://schemas.microsoft.com/office/powerpoint/2010/main" val="1232753659"/>
+        <p14:creationId xmlns:p14="http://schemas.microsoft.com/office/powerpoint/2010/main" val="2958762110"/>
       </p:ext>
     </p:extLst>
   </p:cSld>
@@ -3592,17 +10585,684 @@
       </p:grpSpPr>
       <p:pic>
         <p:nvPicPr>
-          <p:cNvPr id="1026" name="Picture 2" descr="%D0%B7%D0%B0%D0%B2%D0%B0%D0%BD%D1%82%D0%B0%D0%B6%D0%B5%D0%BD%D0%BD%D1%8F%20(57)">
-            <a:extLst>
-              <a:ext uri="{FF2B5EF4-FFF2-40B4-BE49-F238E27FC236}">
-                <a16:creationId xmlns:a16="http://schemas.microsoft.com/office/drawing/2014/main" id="{754D62F9-9DC3-48DA-9AB7-DB4C30ECD036}"/>
+          <p:cNvPr id="4" name="Picture 3">
+            <a:extLst>
+              <a:ext uri="{FF2B5EF4-FFF2-40B4-BE49-F238E27FC236}">
+                <a16:creationId xmlns:a16="http://schemas.microsoft.com/office/drawing/2014/main" id="{5162AC53-B454-4FDA-A51A-5811A6C4718D}"/>
               </a:ext>
             </a:extLst>
           </p:cNvPr>
           <p:cNvPicPr>
-            <a:picLocks noChangeAspect="1" noChangeArrowheads="1"/>
+            <a:picLocks noChangeAspect="1"/>
           </p:cNvPicPr>
           <p:nvPr/>
+        </p:nvPicPr>
+        <p:blipFill>
+          <a:blip r:embed="rId2"/>
+          <a:stretch>
+            <a:fillRect/>
+          </a:stretch>
+        </p:blipFill>
+        <p:spPr>
+          <a:xfrm>
+            <a:off x="1944702" y="0"/>
+            <a:ext cx="3978687" cy="6858000"/>
+          </a:xfrm>
+          <a:prstGeom prst="rect">
+            <a:avLst/>
+          </a:prstGeom>
+        </p:spPr>
+      </p:pic>
+      <p:sp>
+        <p:nvSpPr>
+          <p:cNvPr id="3" name="Title 1">
+            <a:extLst>
+              <a:ext uri="{FF2B5EF4-FFF2-40B4-BE49-F238E27FC236}">
+                <a16:creationId xmlns:a16="http://schemas.microsoft.com/office/drawing/2014/main" id="{2BFE54D9-5C50-460D-872D-CBD627BBCF89}"/>
+              </a:ext>
+            </a:extLst>
+          </p:cNvPr>
+          <p:cNvSpPr txBox="1">
+            <a:spLocks/>
+          </p:cNvSpPr>
+          <p:nvPr/>
+        </p:nvSpPr>
+        <p:spPr>
+          <a:xfrm>
+            <a:off x="6519425" y="667871"/>
+            <a:ext cx="4215809" cy="2711198"/>
+          </a:xfrm>
+          <a:prstGeom prst="rect">
+            <a:avLst/>
+          </a:prstGeom>
+        </p:spPr>
+        <p:txBody>
+          <a:bodyPr vert="horz" lIns="91440" tIns="45720" rIns="91440" bIns="45720" rtlCol="0" anchor="b">
+            <a:normAutofit/>
+          </a:bodyPr>
+          <a:lstStyle>
+            <a:lvl1pPr algn="l" defTabSz="914400" rtl="0" eaLnBrk="1" latinLnBrk="0" hangingPunct="1">
+              <a:lnSpc>
+                <a:spcPct val="85000"/>
+              </a:lnSpc>
+              <a:spcBef>
+                <a:spcPct val="0"/>
+              </a:spcBef>
+              <a:buNone/>
+              <a:defRPr sz="8000" kern="1200" spc="-50" baseline="0">
+                <a:solidFill>
+                  <a:schemeClr val="tx1">
+                    <a:lumMod val="85000"/>
+                    <a:lumOff val="15000"/>
+                  </a:schemeClr>
+                </a:solidFill>
+                <a:latin typeface="+mj-lt"/>
+                <a:ea typeface="+mj-ea"/>
+                <a:cs typeface="+mj-cs"/>
+              </a:defRPr>
+            </a:lvl1pPr>
+          </a:lstStyle>
+          <a:p>
+            <a:pPr marL="457200" indent="-457200">
+              <a:buFont typeface="Arial" panose="020B0604020202020204" pitchFamily="34" charset="0"/>
+              <a:buChar char="•"/>
+            </a:pPr>
+            <a:r>
+              <a:rPr lang="en-US" sz="2800" dirty="0"/>
+              <a:t>Default transitive referencing in dotnet core and dotnet standard projects</a:t>
+            </a:r>
+          </a:p>
+          <a:p>
+            <a:pPr marL="457200" indent="-457200">
+              <a:buFont typeface="Arial" panose="020B0604020202020204" pitchFamily="34" charset="0"/>
+              <a:buChar char="•"/>
+            </a:pPr>
+            <a:r>
+              <a:rPr lang="en-US" sz="2800" dirty="0"/>
+              <a:t>A -&gt; B -&gt; C (by default A -&gt; C)</a:t>
+            </a:r>
+          </a:p>
+          <a:p>
+            <a:pPr marL="457200" indent="-457200">
+              <a:buFont typeface="Arial" panose="020B0604020202020204" pitchFamily="34" charset="0"/>
+              <a:buChar char="•"/>
+            </a:pPr>
+            <a:endParaRPr lang="en-US" sz="2800" dirty="0"/>
+          </a:p>
+        </p:txBody>
+      </p:sp>
+      <p:pic>
+        <p:nvPicPr>
+          <p:cNvPr id="6" name="Picture 5">
+            <a:extLst>
+              <a:ext uri="{FF2B5EF4-FFF2-40B4-BE49-F238E27FC236}">
+                <a16:creationId xmlns:a16="http://schemas.microsoft.com/office/drawing/2014/main" id="{6B20238E-22BB-4A7D-B35F-D176A4C6F4DF}"/>
+              </a:ext>
+            </a:extLst>
+          </p:cNvPr>
+          <p:cNvPicPr>
+            <a:picLocks noChangeAspect="1"/>
+          </p:cNvPicPr>
+          <p:nvPr/>
+        </p:nvPicPr>
+        <p:blipFill>
+          <a:blip r:embed="rId3"/>
+          <a:stretch>
+            <a:fillRect/>
+          </a:stretch>
+        </p:blipFill>
+        <p:spPr>
+          <a:xfrm>
+            <a:off x="6096004" y="3429000"/>
+            <a:ext cx="6095996" cy="740228"/>
+          </a:xfrm>
+          <a:prstGeom prst="rect">
+            <a:avLst/>
+          </a:prstGeom>
+        </p:spPr>
+      </p:pic>
+    </p:spTree>
+    <p:extLst>
+      <p:ext uri="{BB962C8B-B14F-4D97-AF65-F5344CB8AC3E}">
+        <p14:creationId xmlns:p14="http://schemas.microsoft.com/office/powerpoint/2010/main" val="1232753659"/>
+      </p:ext>
+    </p:extLst>
+  </p:cSld>
+  <p:clrMapOvr>
+    <a:masterClrMapping/>
+  </p:clrMapOvr>
+</p:sld>
+</file>
+
+<file path=ppt/slides/slide5.xml><?xml version="1.0" encoding="utf-8"?>
+<p:sld xmlns:a="http://schemas.openxmlformats.org/drawingml/2006/main" xmlns:r="http://schemas.openxmlformats.org/officeDocument/2006/relationships" xmlns:p="http://schemas.openxmlformats.org/presentationml/2006/main">
+  <p:cSld>
+    <p:spTree>
+      <p:nvGrpSpPr>
+        <p:cNvPr id="1" name=""/>
+        <p:cNvGrpSpPr/>
+        <p:nvPr/>
+      </p:nvGrpSpPr>
+      <p:grpSpPr>
+        <a:xfrm>
+          <a:off x="0" y="0"/>
+          <a:ext cx="0" cy="0"/>
+          <a:chOff x="0" y="0"/>
+          <a:chExt cx="0" cy="0"/>
+        </a:xfrm>
+      </p:grpSpPr>
+      <p:pic>
+        <p:nvPicPr>
+          <p:cNvPr id="2" name="Picture 1">
+            <a:extLst>
+              <a:ext uri="{FF2B5EF4-FFF2-40B4-BE49-F238E27FC236}">
+                <a16:creationId xmlns:a16="http://schemas.microsoft.com/office/drawing/2014/main" id="{66F519D1-BA7B-4ED1-86C3-B28008EC8ED2}"/>
+              </a:ext>
+            </a:extLst>
+          </p:cNvPr>
+          <p:cNvPicPr>
+            <a:picLocks noChangeAspect="1"/>
+          </p:cNvPicPr>
+          <p:nvPr/>
+        </p:nvPicPr>
+        <p:blipFill>
+          <a:blip r:embed="rId2"/>
+          <a:stretch>
+            <a:fillRect/>
+          </a:stretch>
+        </p:blipFill>
+        <p:spPr>
+          <a:xfrm>
+            <a:off x="0" y="0"/>
+            <a:ext cx="8495249" cy="6858000"/>
+          </a:xfrm>
+          <a:prstGeom prst="rect">
+            <a:avLst/>
+          </a:prstGeom>
+        </p:spPr>
+      </p:pic>
+      <p:sp>
+        <p:nvSpPr>
+          <p:cNvPr id="3" name="Title 1">
+            <a:extLst>
+              <a:ext uri="{FF2B5EF4-FFF2-40B4-BE49-F238E27FC236}">
+                <a16:creationId xmlns:a16="http://schemas.microsoft.com/office/drawing/2014/main" id="{76623FBF-F143-443C-9A3A-3BB1D10F4856}"/>
+              </a:ext>
+            </a:extLst>
+          </p:cNvPr>
+          <p:cNvSpPr txBox="1">
+            <a:spLocks/>
+          </p:cNvSpPr>
+          <p:nvPr/>
+        </p:nvSpPr>
+        <p:spPr>
+          <a:xfrm>
+            <a:off x="8460285" y="1425389"/>
+            <a:ext cx="4215809" cy="2711198"/>
+          </a:xfrm>
+          <a:prstGeom prst="rect">
+            <a:avLst/>
+          </a:prstGeom>
+        </p:spPr>
+        <p:txBody>
+          <a:bodyPr vert="horz" lIns="91440" tIns="45720" rIns="91440" bIns="45720" rtlCol="0" anchor="b">
+            <a:normAutofit/>
+          </a:bodyPr>
+          <a:lstStyle>
+            <a:lvl1pPr algn="l" defTabSz="914400" rtl="0" eaLnBrk="1" latinLnBrk="0" hangingPunct="1">
+              <a:lnSpc>
+                <a:spcPct val="85000"/>
+              </a:lnSpc>
+              <a:spcBef>
+                <a:spcPct val="0"/>
+              </a:spcBef>
+              <a:buNone/>
+              <a:defRPr sz="8000" kern="1200" spc="-50" baseline="0">
+                <a:solidFill>
+                  <a:schemeClr val="tx1">
+                    <a:lumMod val="85000"/>
+                    <a:lumOff val="15000"/>
+                  </a:schemeClr>
+                </a:solidFill>
+                <a:latin typeface="+mj-lt"/>
+                <a:ea typeface="+mj-ea"/>
+                <a:cs typeface="+mj-cs"/>
+              </a:defRPr>
+            </a:lvl1pPr>
+          </a:lstStyle>
+          <a:p>
+            <a:r>
+              <a:rPr lang="en-US" sz="4800" dirty="0"/>
+              <a:t>Fresher developer often…</a:t>
+            </a:r>
+          </a:p>
+        </p:txBody>
+      </p:sp>
+    </p:spTree>
+    <p:extLst>
+      <p:ext uri="{BB962C8B-B14F-4D97-AF65-F5344CB8AC3E}">
+        <p14:creationId xmlns:p14="http://schemas.microsoft.com/office/powerpoint/2010/main" val="1230996431"/>
+      </p:ext>
+    </p:extLst>
+  </p:cSld>
+  <p:clrMapOvr>
+    <a:masterClrMapping/>
+  </p:clrMapOvr>
+</p:sld>
+</file>
+
+<file path=ppt/slides/slide6.xml><?xml version="1.0" encoding="utf-8"?>
+<p:sld xmlns:a="http://schemas.openxmlformats.org/drawingml/2006/main" xmlns:r="http://schemas.openxmlformats.org/officeDocument/2006/relationships" xmlns:p="http://schemas.openxmlformats.org/presentationml/2006/main">
+  <p:cSld>
+    <p:spTree>
+      <p:nvGrpSpPr>
+        <p:cNvPr id="1" name=""/>
+        <p:cNvGrpSpPr/>
+        <p:nvPr/>
+      </p:nvGrpSpPr>
+      <p:grpSpPr>
+        <a:xfrm>
+          <a:off x="0" y="0"/>
+          <a:ext cx="0" cy="0"/>
+          <a:chOff x="0" y="0"/>
+          <a:chExt cx="0" cy="0"/>
+        </a:xfrm>
+      </p:grpSpPr>
+      <p:pic>
+        <p:nvPicPr>
+          <p:cNvPr id="2" name="Picture 1">
+            <a:extLst>
+              <a:ext uri="{FF2B5EF4-FFF2-40B4-BE49-F238E27FC236}">
+                <a16:creationId xmlns:a16="http://schemas.microsoft.com/office/drawing/2014/main" id="{96600CE3-ED8A-4A44-B414-8B06A4B6CC65}"/>
+              </a:ext>
+            </a:extLst>
+          </p:cNvPr>
+          <p:cNvPicPr>
+            <a:picLocks noChangeAspect="1"/>
+          </p:cNvPicPr>
+          <p:nvPr/>
+        </p:nvPicPr>
+        <p:blipFill>
+          <a:blip r:embed="rId2"/>
+          <a:stretch>
+            <a:fillRect/>
+          </a:stretch>
+        </p:blipFill>
+        <p:spPr>
+          <a:xfrm>
+            <a:off x="0" y="0"/>
+            <a:ext cx="8291285" cy="4981575"/>
+          </a:xfrm>
+          <a:prstGeom prst="rect">
+            <a:avLst/>
+          </a:prstGeom>
+        </p:spPr>
+      </p:pic>
+      <p:sp>
+        <p:nvSpPr>
+          <p:cNvPr id="3" name="Title 1">
+            <a:extLst>
+              <a:ext uri="{FF2B5EF4-FFF2-40B4-BE49-F238E27FC236}">
+                <a16:creationId xmlns:a16="http://schemas.microsoft.com/office/drawing/2014/main" id="{9795D9A8-9634-4AD1-A9EE-645F3F2BEE16}"/>
+              </a:ext>
+            </a:extLst>
+          </p:cNvPr>
+          <p:cNvSpPr txBox="1">
+            <a:spLocks/>
+          </p:cNvSpPr>
+          <p:nvPr/>
+        </p:nvSpPr>
+        <p:spPr>
+          <a:xfrm>
+            <a:off x="8460286" y="1416424"/>
+            <a:ext cx="2808350" cy="2720163"/>
+          </a:xfrm>
+          <a:prstGeom prst="rect">
+            <a:avLst/>
+          </a:prstGeom>
+        </p:spPr>
+        <p:txBody>
+          <a:bodyPr vert="horz" lIns="91440" tIns="45720" rIns="91440" bIns="45720" rtlCol="0" anchor="b">
+            <a:normAutofit/>
+          </a:bodyPr>
+          <a:lstStyle>
+            <a:lvl1pPr algn="l" defTabSz="914400" rtl="0" eaLnBrk="1" latinLnBrk="0" hangingPunct="1">
+              <a:lnSpc>
+                <a:spcPct val="85000"/>
+              </a:lnSpc>
+              <a:spcBef>
+                <a:spcPct val="0"/>
+              </a:spcBef>
+              <a:buNone/>
+              <a:defRPr sz="8000" kern="1200" spc="-50" baseline="0">
+                <a:solidFill>
+                  <a:schemeClr val="tx1">
+                    <a:lumMod val="85000"/>
+                    <a:lumOff val="15000"/>
+                  </a:schemeClr>
+                </a:solidFill>
+                <a:latin typeface="+mj-lt"/>
+                <a:ea typeface="+mj-ea"/>
+                <a:cs typeface="+mj-cs"/>
+              </a:defRPr>
+            </a:lvl1pPr>
+          </a:lstStyle>
+          <a:p>
+            <a:r>
+              <a:rPr lang="en-US" sz="4800"/>
+              <a:t>Junior developer often…</a:t>
+            </a:r>
+            <a:endParaRPr lang="en-US" sz="4800" dirty="0"/>
+          </a:p>
+        </p:txBody>
+      </p:sp>
+    </p:spTree>
+    <p:extLst>
+      <p:ext uri="{BB962C8B-B14F-4D97-AF65-F5344CB8AC3E}">
+        <p14:creationId xmlns:p14="http://schemas.microsoft.com/office/powerpoint/2010/main" val="3895365922"/>
+      </p:ext>
+    </p:extLst>
+  </p:cSld>
+  <p:clrMapOvr>
+    <a:masterClrMapping/>
+  </p:clrMapOvr>
+</p:sld>
+</file>
+
+<file path=ppt/slides/slide7.xml><?xml version="1.0" encoding="utf-8"?>
+<p:sld xmlns:a="http://schemas.openxmlformats.org/drawingml/2006/main" xmlns:r="http://schemas.openxmlformats.org/officeDocument/2006/relationships" xmlns:p="http://schemas.openxmlformats.org/presentationml/2006/main">
+  <p:cSld>
+    <p:spTree>
+      <p:nvGrpSpPr>
+        <p:cNvPr id="1" name=""/>
+        <p:cNvGrpSpPr/>
+        <p:nvPr/>
+      </p:nvGrpSpPr>
+      <p:grpSpPr>
+        <a:xfrm>
+          <a:off x="0" y="0"/>
+          <a:ext cx="0" cy="0"/>
+          <a:chOff x="0" y="0"/>
+          <a:chExt cx="0" cy="0"/>
+        </a:xfrm>
+      </p:grpSpPr>
+      <p:pic>
+        <p:nvPicPr>
+          <p:cNvPr id="4" name="Picture 3">
+            <a:extLst>
+              <a:ext uri="{FF2B5EF4-FFF2-40B4-BE49-F238E27FC236}">
+                <a16:creationId xmlns:a16="http://schemas.microsoft.com/office/drawing/2014/main" id="{E866C5B5-6B11-4D57-A5CD-1EDE3BFDB203}"/>
+              </a:ext>
+            </a:extLst>
+          </p:cNvPr>
+          <p:cNvPicPr>
+            <a:picLocks noChangeAspect="1"/>
+          </p:cNvPicPr>
+          <p:nvPr/>
+        </p:nvPicPr>
+        <p:blipFill>
+          <a:blip r:embed="rId2"/>
+          <a:stretch>
+            <a:fillRect/>
+          </a:stretch>
+        </p:blipFill>
+        <p:spPr>
+          <a:xfrm>
+            <a:off x="457200" y="0"/>
+            <a:ext cx="5567363" cy="6213365"/>
+          </a:xfrm>
+          <a:prstGeom prst="rect">
+            <a:avLst/>
+          </a:prstGeom>
+        </p:spPr>
+      </p:pic>
+      <p:sp>
+        <p:nvSpPr>
+          <p:cNvPr id="5" name="Title 1">
+            <a:extLst>
+              <a:ext uri="{FF2B5EF4-FFF2-40B4-BE49-F238E27FC236}">
+                <a16:creationId xmlns:a16="http://schemas.microsoft.com/office/drawing/2014/main" id="{EAF72295-7D3A-4CB9-8813-28ACDA2C76F4}"/>
+              </a:ext>
+            </a:extLst>
+          </p:cNvPr>
+          <p:cNvSpPr txBox="1">
+            <a:spLocks/>
+          </p:cNvSpPr>
+          <p:nvPr/>
+        </p:nvSpPr>
+        <p:spPr>
+          <a:xfrm>
+            <a:off x="7595192" y="977153"/>
+            <a:ext cx="2808350" cy="2720163"/>
+          </a:xfrm>
+          <a:prstGeom prst="rect">
+            <a:avLst/>
+          </a:prstGeom>
+        </p:spPr>
+        <p:txBody>
+          <a:bodyPr vert="horz" lIns="91440" tIns="45720" rIns="91440" bIns="45720" rtlCol="0" anchor="b">
+            <a:normAutofit/>
+          </a:bodyPr>
+          <a:lstStyle>
+            <a:lvl1pPr algn="l" defTabSz="914400" rtl="0" eaLnBrk="1" latinLnBrk="0" hangingPunct="1">
+              <a:lnSpc>
+                <a:spcPct val="85000"/>
+              </a:lnSpc>
+              <a:spcBef>
+                <a:spcPct val="0"/>
+              </a:spcBef>
+              <a:buNone/>
+              <a:defRPr sz="8000" kern="1200" spc="-50" baseline="0">
+                <a:solidFill>
+                  <a:schemeClr val="tx1">
+                    <a:lumMod val="85000"/>
+                    <a:lumOff val="15000"/>
+                  </a:schemeClr>
+                </a:solidFill>
+                <a:latin typeface="+mj-lt"/>
+                <a:ea typeface="+mj-ea"/>
+                <a:cs typeface="+mj-cs"/>
+              </a:defRPr>
+            </a:lvl1pPr>
+          </a:lstStyle>
+          <a:p>
+            <a:r>
+              <a:rPr lang="en-US" sz="4800"/>
+              <a:t>GOD service</a:t>
+            </a:r>
+            <a:endParaRPr lang="en-US" sz="4800" dirty="0"/>
+          </a:p>
+        </p:txBody>
+      </p:sp>
+    </p:spTree>
+    <p:extLst>
+      <p:ext uri="{BB962C8B-B14F-4D97-AF65-F5344CB8AC3E}">
+        <p14:creationId xmlns:p14="http://schemas.microsoft.com/office/powerpoint/2010/main" val="2009939966"/>
+      </p:ext>
+    </p:extLst>
+  </p:cSld>
+  <p:clrMapOvr>
+    <a:masterClrMapping/>
+  </p:clrMapOvr>
+</p:sld>
+</file>
+
+<file path=ppt/slides/slide8.xml><?xml version="1.0" encoding="utf-8"?>
+<p:sld xmlns:a="http://schemas.openxmlformats.org/drawingml/2006/main" xmlns:r="http://schemas.openxmlformats.org/officeDocument/2006/relationships" xmlns:p="http://schemas.openxmlformats.org/presentationml/2006/main">
+  <p:cSld>
+    <p:spTree>
+      <p:nvGrpSpPr>
+        <p:cNvPr id="1" name=""/>
+        <p:cNvGrpSpPr/>
+        <p:nvPr/>
+      </p:nvGrpSpPr>
+      <p:grpSpPr>
+        <a:xfrm>
+          <a:off x="0" y="0"/>
+          <a:ext cx="0" cy="0"/>
+          <a:chOff x="0" y="0"/>
+          <a:chExt cx="0" cy="0"/>
+        </a:xfrm>
+      </p:grpSpPr>
+      <p:sp>
+        <p:nvSpPr>
+          <p:cNvPr id="2" name="Title 1">
+            <a:extLst>
+              <a:ext uri="{FF2B5EF4-FFF2-40B4-BE49-F238E27FC236}">
+                <a16:creationId xmlns:a16="http://schemas.microsoft.com/office/drawing/2014/main" id="{9104E6BE-4AC7-4326-B621-67F33A4EA167}"/>
+              </a:ext>
+            </a:extLst>
+          </p:cNvPr>
+          <p:cNvSpPr>
+            <a:spLocks noGrp="1"/>
+          </p:cNvSpPr>
+          <p:nvPr>
+            <p:ph type="ctrTitle"/>
+          </p:nvPr>
+        </p:nvSpPr>
+        <p:spPr/>
+        <p:txBody>
+          <a:bodyPr/>
+          <a:lstStyle/>
+          <a:p>
+            <a:endParaRPr lang="en-US"/>
+          </a:p>
+        </p:txBody>
+      </p:sp>
+      <p:sp>
+        <p:nvSpPr>
+          <p:cNvPr id="3" name="Subtitle 2">
+            <a:extLst>
+              <a:ext uri="{FF2B5EF4-FFF2-40B4-BE49-F238E27FC236}">
+                <a16:creationId xmlns:a16="http://schemas.microsoft.com/office/drawing/2014/main" id="{7B7298B2-496C-40CA-8635-A445E3E64B9F}"/>
+              </a:ext>
+            </a:extLst>
+          </p:cNvPr>
+          <p:cNvSpPr>
+            <a:spLocks noGrp="1"/>
+          </p:cNvSpPr>
+          <p:nvPr>
+            <p:ph type="subTitle" idx="1"/>
+          </p:nvPr>
+        </p:nvSpPr>
+        <p:spPr/>
+        <p:txBody>
+          <a:bodyPr/>
+          <a:lstStyle/>
+          <a:p>
+            <a:endParaRPr lang="en-US"/>
+          </a:p>
+        </p:txBody>
+      </p:sp>
+      <p:pic>
+        <p:nvPicPr>
+          <p:cNvPr id="5" name="Picture 4">
+            <a:extLst>
+              <a:ext uri="{FF2B5EF4-FFF2-40B4-BE49-F238E27FC236}">
+                <a16:creationId xmlns:a16="http://schemas.microsoft.com/office/drawing/2014/main" id="{8D6C15C4-E8C1-4E10-8BCA-8D5635D1B97D}"/>
+              </a:ext>
+            </a:extLst>
+          </p:cNvPr>
+          <p:cNvPicPr>
+            <a:picLocks noChangeAspect="1"/>
+          </p:cNvPicPr>
+          <p:nvPr/>
+        </p:nvPicPr>
+        <p:blipFill>
+          <a:blip r:embed="rId2">
+            <a:extLst>
+              <a:ext uri="{28A0092B-C50C-407E-A947-70E740481C1C}">
+                <a14:useLocalDpi xmlns:a14="http://schemas.microsoft.com/office/drawing/2010/main" val="0"/>
+              </a:ext>
+            </a:extLst>
+          </a:blip>
+          <a:stretch>
+            <a:fillRect/>
+          </a:stretch>
+        </p:blipFill>
+        <p:spPr>
+          <a:xfrm>
+            <a:off x="139059" y="0"/>
+            <a:ext cx="11573224" cy="6858000"/>
+          </a:xfrm>
+          <a:prstGeom prst="rect">
+            <a:avLst/>
+          </a:prstGeom>
+        </p:spPr>
+      </p:pic>
+    </p:spTree>
+    <p:extLst>
+      <p:ext uri="{BB962C8B-B14F-4D97-AF65-F5344CB8AC3E}">
+        <p14:creationId xmlns:p14="http://schemas.microsoft.com/office/powerpoint/2010/main" val="4204774408"/>
+      </p:ext>
+    </p:extLst>
+  </p:cSld>
+  <p:clrMapOvr>
+    <a:masterClrMapping/>
+  </p:clrMapOvr>
+</p:sld>
+</file>
+
+<file path=ppt/slides/slide9.xml><?xml version="1.0" encoding="utf-8"?>
+<p:sld xmlns:a="http://schemas.openxmlformats.org/drawingml/2006/main" xmlns:r="http://schemas.openxmlformats.org/officeDocument/2006/relationships" xmlns:p="http://schemas.openxmlformats.org/presentationml/2006/main">
+  <p:cSld>
+    <p:spTree>
+      <p:nvGrpSpPr>
+        <p:cNvPr id="1" name=""/>
+        <p:cNvGrpSpPr/>
+        <p:nvPr/>
+      </p:nvGrpSpPr>
+      <p:grpSpPr>
+        <a:xfrm>
+          <a:off x="0" y="0"/>
+          <a:ext cx="0" cy="0"/>
+          <a:chOff x="0" y="0"/>
+          <a:chExt cx="0" cy="0"/>
+        </a:xfrm>
+      </p:grpSpPr>
+      <p:sp>
+        <p:nvSpPr>
+          <p:cNvPr id="2" name="Title 1">
+            <a:extLst>
+              <a:ext uri="{FF2B5EF4-FFF2-40B4-BE49-F238E27FC236}">
+                <a16:creationId xmlns:a16="http://schemas.microsoft.com/office/drawing/2014/main" id="{140A85D0-E4A7-444D-951A-DE626A071F38}"/>
+              </a:ext>
+            </a:extLst>
+          </p:cNvPr>
+          <p:cNvSpPr>
+            <a:spLocks noGrp="1"/>
+          </p:cNvSpPr>
+          <p:nvPr>
+            <p:ph type="title"/>
+          </p:nvPr>
+        </p:nvSpPr>
+        <p:spPr/>
+        <p:txBody>
+          <a:bodyPr/>
+          <a:lstStyle/>
+          <a:p>
+            <a:r>
+              <a:rPr lang="en-US" dirty="0"/>
+              <a:t>Why dependency always point inward?</a:t>
+            </a:r>
+          </a:p>
+        </p:txBody>
+      </p:sp>
+      <p:pic>
+        <p:nvPicPr>
+          <p:cNvPr id="4098" name="Picture 2" descr="Image result for dependency inversion principle">
+            <a:extLst>
+              <a:ext uri="{FF2B5EF4-FFF2-40B4-BE49-F238E27FC236}">
+                <a16:creationId xmlns:a16="http://schemas.microsoft.com/office/drawing/2014/main" id="{E1FA479E-F3DC-4143-9571-239D0A09DB87}"/>
+              </a:ext>
+            </a:extLst>
+          </p:cNvPr>
+          <p:cNvPicPr>
+            <a:picLocks noGrp="1" noChangeAspect="1" noChangeArrowheads="1"/>
+          </p:cNvPicPr>
+          <p:nvPr>
+            <p:ph idx="1"/>
+          </p:nvPr>
         </p:nvPicPr>
         <p:blipFill>
           <a:blip r:embed="rId2">
@@ -3619,8 +11279,8 @@
         </p:blipFill>
         <p:spPr bwMode="auto">
           <a:xfrm>
-            <a:off x="2454089" y="1140479"/>
-            <a:ext cx="7620000" cy="3981450"/>
+            <a:off x="2458405" y="3238097"/>
+            <a:ext cx="7275190" cy="2855207"/>
           </a:xfrm>
           <a:prstGeom prst="rect">
             <a:avLst/>
@@ -3637,10 +11297,68 @@
           </a:extLst>
         </p:spPr>
       </p:pic>
+      <p:sp>
+        <p:nvSpPr>
+          <p:cNvPr id="5" name="Rectangle 4">
+            <a:extLst>
+              <a:ext uri="{FF2B5EF4-FFF2-40B4-BE49-F238E27FC236}">
+                <a16:creationId xmlns:a16="http://schemas.microsoft.com/office/drawing/2014/main" id="{2F615886-0A00-4475-91B9-88C2BADEFD98}"/>
+              </a:ext>
+            </a:extLst>
+          </p:cNvPr>
+          <p:cNvSpPr/>
+          <p:nvPr/>
+        </p:nvSpPr>
+        <p:spPr>
+          <a:xfrm>
+            <a:off x="3048000" y="2123819"/>
+            <a:ext cx="6096000" cy="923330"/>
+          </a:xfrm>
+          <a:prstGeom prst="rect">
+            <a:avLst/>
+          </a:prstGeom>
+        </p:spPr>
+        <p:txBody>
+          <a:bodyPr>
+            <a:spAutoFit/>
+          </a:bodyPr>
+          <a:lstStyle/>
+          <a:p>
+            <a:r>
+              <a:rPr lang="en-US" dirty="0">
+                <a:solidFill>
+                  <a:srgbClr val="222222"/>
+                </a:solidFill>
+                <a:latin typeface="arial" panose="020B0604020202020204" pitchFamily="34" charset="0"/>
+              </a:rPr>
+              <a:t>The </a:t>
+            </a:r>
+            <a:r>
+              <a:rPr lang="en-US" b="1" dirty="0">
+                <a:solidFill>
+                  <a:srgbClr val="222222"/>
+                </a:solidFill>
+                <a:latin typeface="arial" panose="020B0604020202020204" pitchFamily="34" charset="0"/>
+              </a:rPr>
+              <a:t>Dependency Inversion Principle</a:t>
+            </a:r>
+            <a:r>
+              <a:rPr lang="en-US" dirty="0">
+                <a:solidFill>
+                  <a:srgbClr val="222222"/>
+                </a:solidFill>
+                <a:latin typeface="arial" panose="020B0604020202020204" pitchFamily="34" charset="0"/>
+              </a:rPr>
+              <a:t> (DIP) states that high level modules should not depend on low level modules; both should depend on abstractions.</a:t>
+            </a:r>
+            <a:endParaRPr lang="en-US" dirty="0"/>
+          </a:p>
+        </p:txBody>
+      </p:sp>
     </p:spTree>
     <p:extLst>
       <p:ext uri="{BB962C8B-B14F-4D97-AF65-F5344CB8AC3E}">
-        <p14:creationId xmlns:p14="http://schemas.microsoft.com/office/powerpoint/2010/main" val="4065158514"/>
+        <p14:creationId xmlns:p14="http://schemas.microsoft.com/office/powerpoint/2010/main" val="3096981634"/>
       </p:ext>
     </p:extLst>
   </p:cSld>
@@ -3651,6 +11369,289 @@
 </file>
 
 <file path=ppt/theme/theme1.xml><?xml version="1.0" encoding="utf-8"?>
+<a:theme xmlns:a="http://schemas.openxmlformats.org/drawingml/2006/main" name="Retrospect">
+  <a:themeElements>
+    <a:clrScheme name="Retrospect">
+      <a:dk1>
+        <a:srgbClr val="000000"/>
+      </a:dk1>
+      <a:lt1>
+        <a:sysClr val="window" lastClr="FFFFFF"/>
+      </a:lt1>
+      <a:dk2>
+        <a:srgbClr val="637052"/>
+      </a:dk2>
+      <a:lt2>
+        <a:srgbClr val="CCDDEA"/>
+      </a:lt2>
+      <a:accent1>
+        <a:srgbClr val="E48312"/>
+      </a:accent1>
+      <a:accent2>
+        <a:srgbClr val="BD582C"/>
+      </a:accent2>
+      <a:accent3>
+        <a:srgbClr val="865640"/>
+      </a:accent3>
+      <a:accent4>
+        <a:srgbClr val="9B8357"/>
+      </a:accent4>
+      <a:accent5>
+        <a:srgbClr val="C2BC80"/>
+      </a:accent5>
+      <a:accent6>
+        <a:srgbClr val="94A088"/>
+      </a:accent6>
+      <a:hlink>
+        <a:srgbClr val="2998E3"/>
+      </a:hlink>
+      <a:folHlink>
+        <a:srgbClr val="8C8C8C"/>
+      </a:folHlink>
+    </a:clrScheme>
+    <a:fontScheme name="Retrospect">
+      <a:majorFont>
+        <a:latin typeface="Calibri Light" panose="020F0302020204030204"/>
+        <a:ea typeface=""/>
+        <a:cs typeface=""/>
+        <a:font script="Jpan" typeface="ＭＳ Ｐゴシック"/>
+        <a:font script="Hang" typeface="맑은 고딕"/>
+        <a:font script="Hans" typeface="宋体"/>
+        <a:font script="Hant" typeface="新細明體"/>
+        <a:font script="Arab" typeface="Times New Roman"/>
+        <a:font script="Hebr" typeface="Times New Roman"/>
+        <a:font script="Thai" typeface="Angsana New"/>
+        <a:font script="Ethi" typeface="Nyala"/>
+        <a:font script="Beng" typeface="Vrinda"/>
+        <a:font script="Gujr" typeface="Shruti"/>
+        <a:font script="Khmr" typeface="MoolBoran"/>
+        <a:font script="Knda" typeface="Tunga"/>
+        <a:font script="Guru" typeface="Raavi"/>
+        <a:font script="Cans" typeface="Euphemia"/>
+        <a:font script="Cher" typeface="Plantagenet Cherokee"/>
+        <a:font script="Yiii" typeface="Microsoft Yi Baiti"/>
+        <a:font script="Tibt" typeface="Microsoft Himalaya"/>
+        <a:font script="Thaa" typeface="MV Boli"/>
+        <a:font script="Deva" typeface="Mangal"/>
+        <a:font script="Telu" typeface="Gautami"/>
+        <a:font script="Taml" typeface="Latha"/>
+        <a:font script="Syrc" typeface="Estrangelo Edessa"/>
+        <a:font script="Orya" typeface="Kalinga"/>
+        <a:font script="Mlym" typeface="Kartika"/>
+        <a:font script="Laoo" typeface="DokChampa"/>
+        <a:font script="Sinh" typeface="Iskoola Pota"/>
+        <a:font script="Mong" typeface="Mongolian Baiti"/>
+        <a:font script="Viet" typeface="Times New Roman"/>
+        <a:font script="Uigh" typeface="Microsoft Uighur"/>
+        <a:font script="Geor" typeface="Sylfaen"/>
+      </a:majorFont>
+      <a:minorFont>
+        <a:latin typeface="Calibri" panose="020F0502020204030204"/>
+        <a:ea typeface=""/>
+        <a:cs typeface=""/>
+        <a:font script="Jpan" typeface="ＭＳ Ｐゴシック"/>
+        <a:font script="Hang" typeface="맑은 고딕"/>
+        <a:font script="Hans" typeface="宋体"/>
+        <a:font script="Hant" typeface="新細明體"/>
+        <a:font script="Arab" typeface="Arial"/>
+        <a:font script="Hebr" typeface="Arial"/>
+        <a:font script="Thai" typeface="Cordia New"/>
+        <a:font script="Ethi" typeface="Nyala"/>
+        <a:font script="Beng" typeface="Vrinda"/>
+        <a:font script="Gujr" typeface="Shruti"/>
+        <a:font script="Khmr" typeface="DaunPenh"/>
+        <a:font script="Knda" typeface="Tunga"/>
+        <a:font script="Guru" typeface="Raavi"/>
+        <a:font script="Cans" typeface="Euphemia"/>
+        <a:font script="Cher" typeface="Plantagenet Cherokee"/>
+        <a:font script="Yiii" typeface="Microsoft Yi Baiti"/>
+        <a:font script="Tibt" typeface="Microsoft Himalaya"/>
+        <a:font script="Thaa" typeface="MV Boli"/>
+        <a:font script="Deva" typeface="Mangal"/>
+        <a:font script="Telu" typeface="Gautami"/>
+        <a:font script="Taml" typeface="Latha"/>
+        <a:font script="Syrc" typeface="Estrangelo Edessa"/>
+        <a:font script="Orya" typeface="Kalinga"/>
+        <a:font script="Mlym" typeface="Kartika"/>
+        <a:font script="Laoo" typeface="DokChampa"/>
+        <a:font script="Sinh" typeface="Iskoola Pota"/>
+        <a:font script="Mong" typeface="Mongolian Baiti"/>
+        <a:font script="Viet" typeface="Arial"/>
+        <a:font script="Uigh" typeface="Microsoft Uighur"/>
+        <a:font script="Geor" typeface="Sylfaen"/>
+      </a:minorFont>
+    </a:fontScheme>
+    <a:fmtScheme name="Retrospect">
+      <a:fillStyleLst>
+        <a:solidFill>
+          <a:schemeClr val="phClr"/>
+        </a:solidFill>
+        <a:gradFill rotWithShape="1">
+          <a:gsLst>
+            <a:gs pos="0">
+              <a:schemeClr val="phClr">
+                <a:tint val="65000"/>
+                <a:shade val="92000"/>
+                <a:satMod val="130000"/>
+              </a:schemeClr>
+            </a:gs>
+            <a:gs pos="45000">
+              <a:schemeClr val="phClr">
+                <a:tint val="60000"/>
+                <a:shade val="99000"/>
+                <a:satMod val="120000"/>
+              </a:schemeClr>
+            </a:gs>
+            <a:gs pos="100000">
+              <a:schemeClr val="phClr">
+                <a:tint val="55000"/>
+                <a:satMod val="140000"/>
+              </a:schemeClr>
+            </a:gs>
+          </a:gsLst>
+          <a:path path="circle">
+            <a:fillToRect l="100000" t="100000" r="100000" b="100000"/>
+          </a:path>
+        </a:gradFill>
+        <a:gradFill rotWithShape="1">
+          <a:gsLst>
+            <a:gs pos="0">
+              <a:schemeClr val="phClr">
+                <a:shade val="85000"/>
+                <a:satMod val="130000"/>
+              </a:schemeClr>
+            </a:gs>
+            <a:gs pos="34000">
+              <a:schemeClr val="phClr">
+                <a:shade val="87000"/>
+                <a:satMod val="125000"/>
+              </a:schemeClr>
+            </a:gs>
+            <a:gs pos="70000">
+              <a:schemeClr val="phClr">
+                <a:tint val="100000"/>
+                <a:shade val="90000"/>
+                <a:satMod val="130000"/>
+              </a:schemeClr>
+            </a:gs>
+            <a:gs pos="100000">
+              <a:schemeClr val="phClr">
+                <a:tint val="100000"/>
+                <a:shade val="100000"/>
+                <a:satMod val="110000"/>
+              </a:schemeClr>
+            </a:gs>
+          </a:gsLst>
+          <a:path path="circle">
+            <a:fillToRect l="100000" t="100000" r="100000" b="100000"/>
+          </a:path>
+        </a:gradFill>
+      </a:fillStyleLst>
+      <a:lnStyleLst>
+        <a:ln w="12700" cap="flat" cmpd="sng" algn="ctr">
+          <a:solidFill>
+            <a:schemeClr val="phClr"/>
+          </a:solidFill>
+          <a:prstDash val="solid"/>
+        </a:ln>
+        <a:ln w="15875" cap="flat" cmpd="sng" algn="ctr">
+          <a:solidFill>
+            <a:schemeClr val="phClr"/>
+          </a:solidFill>
+          <a:prstDash val="solid"/>
+        </a:ln>
+        <a:ln w="25400" cap="flat" cmpd="sng" algn="ctr">
+          <a:solidFill>
+            <a:schemeClr val="phClr"/>
+          </a:solidFill>
+          <a:prstDash val="solid"/>
+        </a:ln>
+      </a:lnStyleLst>
+      <a:effectStyleLst>
+        <a:effectStyle>
+          <a:effectLst/>
+        </a:effectStyle>
+        <a:effectStyle>
+          <a:effectLst>
+            <a:outerShdw blurRad="38100" dist="25400" dir="2700000" algn="br" rotWithShape="0">
+              <a:srgbClr val="000000">
+                <a:alpha val="60000"/>
+              </a:srgbClr>
+            </a:outerShdw>
+          </a:effectLst>
+        </a:effectStyle>
+        <a:effectStyle>
+          <a:effectLst>
+            <a:outerShdw blurRad="44450" dist="25400" dir="2700000" algn="br" rotWithShape="0">
+              <a:srgbClr val="000000">
+                <a:alpha val="60000"/>
+              </a:srgbClr>
+            </a:outerShdw>
+          </a:effectLst>
+          <a:scene3d>
+            <a:camera prst="orthographicFront">
+              <a:rot lat="0" lon="0" rev="0"/>
+            </a:camera>
+            <a:lightRig rig="threePt" dir="t">
+              <a:rot lat="0" lon="0" rev="19800000"/>
+            </a:lightRig>
+          </a:scene3d>
+          <a:sp3d prstMaterial="flat">
+            <a:bevelT w="25400" h="31750"/>
+          </a:sp3d>
+        </a:effectStyle>
+      </a:effectStyleLst>
+      <a:bgFillStyleLst>
+        <a:solidFill>
+          <a:schemeClr val="phClr"/>
+        </a:solidFill>
+        <a:solidFill>
+          <a:schemeClr val="phClr">
+            <a:tint val="90000"/>
+            <a:shade val="97000"/>
+            <a:satMod val="130000"/>
+          </a:schemeClr>
+        </a:solidFill>
+        <a:gradFill rotWithShape="1">
+          <a:gsLst>
+            <a:gs pos="0">
+              <a:schemeClr val="phClr">
+                <a:tint val="96000"/>
+                <a:shade val="99000"/>
+                <a:satMod val="140000"/>
+              </a:schemeClr>
+            </a:gs>
+            <a:gs pos="65000">
+              <a:schemeClr val="phClr">
+                <a:tint val="100000"/>
+                <a:shade val="80000"/>
+                <a:satMod val="130000"/>
+              </a:schemeClr>
+            </a:gs>
+            <a:gs pos="100000">
+              <a:schemeClr val="phClr">
+                <a:tint val="100000"/>
+                <a:shade val="48000"/>
+                <a:satMod val="120000"/>
+              </a:schemeClr>
+            </a:gs>
+          </a:gsLst>
+          <a:lin ang="16200000" scaled="0"/>
+        </a:gradFill>
+      </a:bgFillStyleLst>
+    </a:fmtScheme>
+  </a:themeElements>
+  <a:objectDefaults/>
+  <a:extraClrSchemeLst/>
+  <a:extLst>
+    <a:ext uri="{05A4C25C-085E-4340-85A3-A5531E510DB2}">
+      <thm15:themeFamily xmlns:thm15="http://schemas.microsoft.com/office/thememl/2012/main" name="Retrospect" id="{5F128B03-DCCA-4EEB-AB3B-CF2899314A46}" vid="{3F1AAB62-24C6-49D2-8E01-B56FAC9A3DCD}"/>
+    </a:ext>
+  </a:extLst>
+</a:theme>
+</file>
+
+<file path=ppt/theme/theme2.xml><?xml version="1.0" encoding="utf-8"?>
 <a:theme xmlns:a="http://schemas.openxmlformats.org/drawingml/2006/main" name="Office Theme">
   <a:themeElements>
     <a:clrScheme name="Office">

--- a/Introduction_to_clean_architecture.pptx
+++ b/Introduction_to_clean_architecture.pptx
@@ -5,6 +5,9 @@
     <p:sldMasterId id="2147483660" r:id="rId1"/>
     <p:sldMasterId id="2147483672" r:id="rId2"/>
   </p:sldMasterIdLst>
+  <p:notesMasterIdLst>
+    <p:notesMasterId r:id="rId35"/>
+  </p:notesMasterIdLst>
   <p:sldIdLst>
     <p:sldId id="260" r:id="rId3"/>
     <p:sldId id="261" r:id="rId4"/>
@@ -19,14 +22,25 @@
     <p:sldId id="265" r:id="rId13"/>
     <p:sldId id="269" r:id="rId14"/>
     <p:sldId id="268" r:id="rId15"/>
-    <p:sldId id="271" r:id="rId16"/>
-    <p:sldId id="272" r:id="rId17"/>
-    <p:sldId id="273" r:id="rId18"/>
-    <p:sldId id="274" r:id="rId19"/>
-    <p:sldId id="275" r:id="rId20"/>
-    <p:sldId id="276" r:id="rId21"/>
-    <p:sldId id="278" r:id="rId22"/>
-    <p:sldId id="277" r:id="rId23"/>
+    <p:sldId id="281" r:id="rId16"/>
+    <p:sldId id="282" r:id="rId17"/>
+    <p:sldId id="283" r:id="rId18"/>
+    <p:sldId id="284" r:id="rId19"/>
+    <p:sldId id="285" r:id="rId20"/>
+    <p:sldId id="286" r:id="rId21"/>
+    <p:sldId id="287" r:id="rId22"/>
+    <p:sldId id="288" r:id="rId23"/>
+    <p:sldId id="289" r:id="rId24"/>
+    <p:sldId id="290" r:id="rId25"/>
+    <p:sldId id="279" r:id="rId26"/>
+    <p:sldId id="271" r:id="rId27"/>
+    <p:sldId id="272" r:id="rId28"/>
+    <p:sldId id="273" r:id="rId29"/>
+    <p:sldId id="274" r:id="rId30"/>
+    <p:sldId id="275" r:id="rId31"/>
+    <p:sldId id="276" r:id="rId32"/>
+    <p:sldId id="278" r:id="rId33"/>
+    <p:sldId id="277" r:id="rId34"/>
   </p:sldIdLst>
   <p:sldSz cx="12192000" cy="6858000"/>
   <p:notesSz cx="6858000" cy="9144000"/>
@@ -133,6 +147,775 @@
 </p:presentation>
 </file>
 
+<file path=ppt/notesMasters/notesMaster1.xml><?xml version="1.0" encoding="utf-8"?>
+<p:notesMaster xmlns:a="http://schemas.openxmlformats.org/drawingml/2006/main" xmlns:r="http://schemas.openxmlformats.org/officeDocument/2006/relationships" xmlns:p="http://schemas.openxmlformats.org/presentationml/2006/main">
+  <p:cSld>
+    <p:bg>
+      <p:bgRef idx="1001">
+        <a:schemeClr val="bg1"/>
+      </p:bgRef>
+    </p:bg>
+    <p:spTree>
+      <p:nvGrpSpPr>
+        <p:cNvPr id="1" name=""/>
+        <p:cNvGrpSpPr/>
+        <p:nvPr/>
+      </p:nvGrpSpPr>
+      <p:grpSpPr>
+        <a:xfrm>
+          <a:off x="0" y="0"/>
+          <a:ext cx="0" cy="0"/>
+          <a:chOff x="0" y="0"/>
+          <a:chExt cx="0" cy="0"/>
+        </a:xfrm>
+      </p:grpSpPr>
+      <p:sp>
+        <p:nvSpPr>
+          <p:cNvPr id="2" name="Header Placeholder 1"/>
+          <p:cNvSpPr>
+            <a:spLocks noGrp="1"/>
+          </p:cNvSpPr>
+          <p:nvPr>
+            <p:ph type="hdr" sz="quarter"/>
+          </p:nvPr>
+        </p:nvSpPr>
+        <p:spPr>
+          <a:xfrm>
+            <a:off x="0" y="0"/>
+            <a:ext cx="2971800" cy="458788"/>
+          </a:xfrm>
+          <a:prstGeom prst="rect">
+            <a:avLst/>
+          </a:prstGeom>
+        </p:spPr>
+        <p:txBody>
+          <a:bodyPr vert="horz" lIns="91440" tIns="45720" rIns="91440" bIns="45720" rtlCol="0"/>
+          <a:lstStyle>
+            <a:lvl1pPr algn="l">
+              <a:defRPr sz="1200"/>
+            </a:lvl1pPr>
+          </a:lstStyle>
+          <a:p>
+            <a:endParaRPr lang="en-US"/>
+          </a:p>
+        </p:txBody>
+      </p:sp>
+      <p:sp>
+        <p:nvSpPr>
+          <p:cNvPr id="3" name="Date Placeholder 2"/>
+          <p:cNvSpPr>
+            <a:spLocks noGrp="1"/>
+          </p:cNvSpPr>
+          <p:nvPr>
+            <p:ph type="dt" idx="1"/>
+          </p:nvPr>
+        </p:nvSpPr>
+        <p:spPr>
+          <a:xfrm>
+            <a:off x="3884613" y="0"/>
+            <a:ext cx="2971800" cy="458788"/>
+          </a:xfrm>
+          <a:prstGeom prst="rect">
+            <a:avLst/>
+          </a:prstGeom>
+        </p:spPr>
+        <p:txBody>
+          <a:bodyPr vert="horz" lIns="91440" tIns="45720" rIns="91440" bIns="45720" rtlCol="0"/>
+          <a:lstStyle>
+            <a:lvl1pPr algn="r">
+              <a:defRPr sz="1200"/>
+            </a:lvl1pPr>
+          </a:lstStyle>
+          <a:p>
+            <a:fld id="{12890ADB-14A4-45B6-9E4B-2EBC906C01E0}" type="datetimeFigureOut">
+              <a:rPr lang="en-US" smtClean="0"/>
+              <a:t>3/1/2020</a:t>
+            </a:fld>
+            <a:endParaRPr lang="en-US"/>
+          </a:p>
+        </p:txBody>
+      </p:sp>
+      <p:sp>
+        <p:nvSpPr>
+          <p:cNvPr id="4" name="Slide Image Placeholder 3"/>
+          <p:cNvSpPr>
+            <a:spLocks noGrp="1" noRot="1" noChangeAspect="1"/>
+          </p:cNvSpPr>
+          <p:nvPr>
+            <p:ph type="sldImg" idx="2"/>
+          </p:nvPr>
+        </p:nvSpPr>
+        <p:spPr>
+          <a:xfrm>
+            <a:off x="685800" y="1143000"/>
+            <a:ext cx="5486400" cy="3086100"/>
+          </a:xfrm>
+          <a:prstGeom prst="rect">
+            <a:avLst/>
+          </a:prstGeom>
+          <a:noFill/>
+          <a:ln w="12700">
+            <a:solidFill>
+              <a:prstClr val="black"/>
+            </a:solidFill>
+          </a:ln>
+        </p:spPr>
+        <p:txBody>
+          <a:bodyPr vert="horz" lIns="91440" tIns="45720" rIns="91440" bIns="45720" rtlCol="0" anchor="ctr"/>
+          <a:lstStyle/>
+          <a:p>
+            <a:endParaRPr lang="en-US"/>
+          </a:p>
+        </p:txBody>
+      </p:sp>
+      <p:sp>
+        <p:nvSpPr>
+          <p:cNvPr id="5" name="Notes Placeholder 4"/>
+          <p:cNvSpPr>
+            <a:spLocks noGrp="1"/>
+          </p:cNvSpPr>
+          <p:nvPr>
+            <p:ph type="body" sz="quarter" idx="3"/>
+          </p:nvPr>
+        </p:nvSpPr>
+        <p:spPr>
+          <a:xfrm>
+            <a:off x="685800" y="4400550"/>
+            <a:ext cx="5486400" cy="3600450"/>
+          </a:xfrm>
+          <a:prstGeom prst="rect">
+            <a:avLst/>
+          </a:prstGeom>
+        </p:spPr>
+        <p:txBody>
+          <a:bodyPr vert="horz" lIns="91440" tIns="45720" rIns="91440" bIns="45720" rtlCol="0"/>
+          <a:lstStyle/>
+          <a:p>
+            <a:pPr lvl="0"/>
+            <a:r>
+              <a:rPr lang="en-US"/>
+              <a:t>Click to edit Master text styles</a:t>
+            </a:r>
+          </a:p>
+          <a:p>
+            <a:pPr lvl="1"/>
+            <a:r>
+              <a:rPr lang="en-US"/>
+              <a:t>Second level</a:t>
+            </a:r>
+          </a:p>
+          <a:p>
+            <a:pPr lvl="2"/>
+            <a:r>
+              <a:rPr lang="en-US"/>
+              <a:t>Third level</a:t>
+            </a:r>
+          </a:p>
+          <a:p>
+            <a:pPr lvl="3"/>
+            <a:r>
+              <a:rPr lang="en-US"/>
+              <a:t>Fourth level</a:t>
+            </a:r>
+          </a:p>
+          <a:p>
+            <a:pPr lvl="4"/>
+            <a:r>
+              <a:rPr lang="en-US"/>
+              <a:t>Fifth level</a:t>
+            </a:r>
+          </a:p>
+        </p:txBody>
+      </p:sp>
+      <p:sp>
+        <p:nvSpPr>
+          <p:cNvPr id="6" name="Footer Placeholder 5"/>
+          <p:cNvSpPr>
+            <a:spLocks noGrp="1"/>
+          </p:cNvSpPr>
+          <p:nvPr>
+            <p:ph type="ftr" sz="quarter" idx="4"/>
+          </p:nvPr>
+        </p:nvSpPr>
+        <p:spPr>
+          <a:xfrm>
+            <a:off x="0" y="8685213"/>
+            <a:ext cx="2971800" cy="458787"/>
+          </a:xfrm>
+          <a:prstGeom prst="rect">
+            <a:avLst/>
+          </a:prstGeom>
+        </p:spPr>
+        <p:txBody>
+          <a:bodyPr vert="horz" lIns="91440" tIns="45720" rIns="91440" bIns="45720" rtlCol="0" anchor="b"/>
+          <a:lstStyle>
+            <a:lvl1pPr algn="l">
+              <a:defRPr sz="1200"/>
+            </a:lvl1pPr>
+          </a:lstStyle>
+          <a:p>
+            <a:endParaRPr lang="en-US"/>
+          </a:p>
+        </p:txBody>
+      </p:sp>
+      <p:sp>
+        <p:nvSpPr>
+          <p:cNvPr id="7" name="Slide Number Placeholder 6"/>
+          <p:cNvSpPr>
+            <a:spLocks noGrp="1"/>
+          </p:cNvSpPr>
+          <p:nvPr>
+            <p:ph type="sldNum" sz="quarter" idx="5"/>
+          </p:nvPr>
+        </p:nvSpPr>
+        <p:spPr>
+          <a:xfrm>
+            <a:off x="3884613" y="8685213"/>
+            <a:ext cx="2971800" cy="458787"/>
+          </a:xfrm>
+          <a:prstGeom prst="rect">
+            <a:avLst/>
+          </a:prstGeom>
+        </p:spPr>
+        <p:txBody>
+          <a:bodyPr vert="horz" lIns="91440" tIns="45720" rIns="91440" bIns="45720" rtlCol="0" anchor="b"/>
+          <a:lstStyle>
+            <a:lvl1pPr algn="r">
+              <a:defRPr sz="1200"/>
+            </a:lvl1pPr>
+          </a:lstStyle>
+          <a:p>
+            <a:fld id="{FF656A1E-9917-4BCA-B0CA-FDE01DC71FA6}" type="slidenum">
+              <a:rPr lang="en-US" smtClean="0"/>
+              <a:t>‹#›</a:t>
+            </a:fld>
+            <a:endParaRPr lang="en-US"/>
+          </a:p>
+        </p:txBody>
+      </p:sp>
+    </p:spTree>
+    <p:extLst>
+      <p:ext uri="{BB962C8B-B14F-4D97-AF65-F5344CB8AC3E}">
+        <p14:creationId xmlns:p14="http://schemas.microsoft.com/office/powerpoint/2010/main" val="2144318237"/>
+      </p:ext>
+    </p:extLst>
+  </p:cSld>
+  <p:clrMap bg1="lt1" tx1="dk1" bg2="lt2" tx2="dk2" accent1="accent1" accent2="accent2" accent3="accent3" accent4="accent4" accent5="accent5" accent6="accent6" hlink="hlink" folHlink="folHlink"/>
+  <p:notesStyle>
+    <a:lvl1pPr marL="0" algn="l" defTabSz="914400" rtl="0" eaLnBrk="1" latinLnBrk="0" hangingPunct="1">
+      <a:defRPr sz="1200" kern="1200">
+        <a:solidFill>
+          <a:schemeClr val="tx1"/>
+        </a:solidFill>
+        <a:latin typeface="+mn-lt"/>
+        <a:ea typeface="+mn-ea"/>
+        <a:cs typeface="+mn-cs"/>
+      </a:defRPr>
+    </a:lvl1pPr>
+    <a:lvl2pPr marL="457200" algn="l" defTabSz="914400" rtl="0" eaLnBrk="1" latinLnBrk="0" hangingPunct="1">
+      <a:defRPr sz="1200" kern="1200">
+        <a:solidFill>
+          <a:schemeClr val="tx1"/>
+        </a:solidFill>
+        <a:latin typeface="+mn-lt"/>
+        <a:ea typeface="+mn-ea"/>
+        <a:cs typeface="+mn-cs"/>
+      </a:defRPr>
+    </a:lvl2pPr>
+    <a:lvl3pPr marL="914400" algn="l" defTabSz="914400" rtl="0" eaLnBrk="1" latinLnBrk="0" hangingPunct="1">
+      <a:defRPr sz="1200" kern="1200">
+        <a:solidFill>
+          <a:schemeClr val="tx1"/>
+        </a:solidFill>
+        <a:latin typeface="+mn-lt"/>
+        <a:ea typeface="+mn-ea"/>
+        <a:cs typeface="+mn-cs"/>
+      </a:defRPr>
+    </a:lvl3pPr>
+    <a:lvl4pPr marL="1371600" algn="l" defTabSz="914400" rtl="0" eaLnBrk="1" latinLnBrk="0" hangingPunct="1">
+      <a:defRPr sz="1200" kern="1200">
+        <a:solidFill>
+          <a:schemeClr val="tx1"/>
+        </a:solidFill>
+        <a:latin typeface="+mn-lt"/>
+        <a:ea typeface="+mn-ea"/>
+        <a:cs typeface="+mn-cs"/>
+      </a:defRPr>
+    </a:lvl4pPr>
+    <a:lvl5pPr marL="1828800" algn="l" defTabSz="914400" rtl="0" eaLnBrk="1" latinLnBrk="0" hangingPunct="1">
+      <a:defRPr sz="1200" kern="1200">
+        <a:solidFill>
+          <a:schemeClr val="tx1"/>
+        </a:solidFill>
+        <a:latin typeface="+mn-lt"/>
+        <a:ea typeface="+mn-ea"/>
+        <a:cs typeface="+mn-cs"/>
+      </a:defRPr>
+    </a:lvl5pPr>
+    <a:lvl6pPr marL="2286000" algn="l" defTabSz="914400" rtl="0" eaLnBrk="1" latinLnBrk="0" hangingPunct="1">
+      <a:defRPr sz="1200" kern="1200">
+        <a:solidFill>
+          <a:schemeClr val="tx1"/>
+        </a:solidFill>
+        <a:latin typeface="+mn-lt"/>
+        <a:ea typeface="+mn-ea"/>
+        <a:cs typeface="+mn-cs"/>
+      </a:defRPr>
+    </a:lvl6pPr>
+    <a:lvl7pPr marL="2743200" algn="l" defTabSz="914400" rtl="0" eaLnBrk="1" latinLnBrk="0" hangingPunct="1">
+      <a:defRPr sz="1200" kern="1200">
+        <a:solidFill>
+          <a:schemeClr val="tx1"/>
+        </a:solidFill>
+        <a:latin typeface="+mn-lt"/>
+        <a:ea typeface="+mn-ea"/>
+        <a:cs typeface="+mn-cs"/>
+      </a:defRPr>
+    </a:lvl7pPr>
+    <a:lvl8pPr marL="3200400" algn="l" defTabSz="914400" rtl="0" eaLnBrk="1" latinLnBrk="0" hangingPunct="1">
+      <a:defRPr sz="1200" kern="1200">
+        <a:solidFill>
+          <a:schemeClr val="tx1"/>
+        </a:solidFill>
+        <a:latin typeface="+mn-lt"/>
+        <a:ea typeface="+mn-ea"/>
+        <a:cs typeface="+mn-cs"/>
+      </a:defRPr>
+    </a:lvl8pPr>
+    <a:lvl9pPr marL="3657600" algn="l" defTabSz="914400" rtl="0" eaLnBrk="1" latinLnBrk="0" hangingPunct="1">
+      <a:defRPr sz="1200" kern="1200">
+        <a:solidFill>
+          <a:schemeClr val="tx1"/>
+        </a:solidFill>
+        <a:latin typeface="+mn-lt"/>
+        <a:ea typeface="+mn-ea"/>
+        <a:cs typeface="+mn-cs"/>
+      </a:defRPr>
+    </a:lvl9pPr>
+  </p:notesStyle>
+</p:notesMaster>
+</file>
+
+<file path=ppt/notesSlides/notesSlide1.xml><?xml version="1.0" encoding="utf-8"?>
+<p:notes xmlns:a="http://schemas.openxmlformats.org/drawingml/2006/main" xmlns:r="http://schemas.openxmlformats.org/officeDocument/2006/relationships" xmlns:p="http://schemas.openxmlformats.org/presentationml/2006/main">
+  <p:cSld>
+    <p:spTree>
+      <p:nvGrpSpPr>
+        <p:cNvPr id="1" name=""/>
+        <p:cNvGrpSpPr/>
+        <p:nvPr/>
+      </p:nvGrpSpPr>
+      <p:grpSpPr>
+        <a:xfrm>
+          <a:off x="0" y="0"/>
+          <a:ext cx="0" cy="0"/>
+          <a:chOff x="0" y="0"/>
+          <a:chExt cx="0" cy="0"/>
+        </a:xfrm>
+      </p:grpSpPr>
+      <p:sp>
+        <p:nvSpPr>
+          <p:cNvPr id="2" name="Slide Image Placeholder 1"/>
+          <p:cNvSpPr>
+            <a:spLocks noGrp="1" noRot="1" noChangeAspect="1"/>
+          </p:cNvSpPr>
+          <p:nvPr>
+            <p:ph type="sldImg"/>
+          </p:nvPr>
+        </p:nvSpPr>
+        <p:spPr/>
+      </p:sp>
+      <p:sp>
+        <p:nvSpPr>
+          <p:cNvPr id="3" name="Notes Placeholder 2"/>
+          <p:cNvSpPr>
+            <a:spLocks noGrp="1"/>
+          </p:cNvSpPr>
+          <p:nvPr>
+            <p:ph type="body" idx="1"/>
+          </p:nvPr>
+        </p:nvSpPr>
+        <p:spPr/>
+        <p:txBody>
+          <a:bodyPr/>
+          <a:lstStyle/>
+          <a:p>
+            <a:endParaRPr lang="en-US" dirty="0"/>
+          </a:p>
+        </p:txBody>
+      </p:sp>
+      <p:sp>
+        <p:nvSpPr>
+          <p:cNvPr id="4" name="Slide Number Placeholder 3"/>
+          <p:cNvSpPr>
+            <a:spLocks noGrp="1"/>
+          </p:cNvSpPr>
+          <p:nvPr>
+            <p:ph type="sldNum" sz="quarter" idx="5"/>
+          </p:nvPr>
+        </p:nvSpPr>
+        <p:spPr/>
+        <p:txBody>
+          <a:bodyPr/>
+          <a:lstStyle/>
+          <a:p>
+            <a:fld id="{FF656A1E-9917-4BCA-B0CA-FDE01DC71FA6}" type="slidenum">
+              <a:rPr lang="en-US" smtClean="0"/>
+              <a:t>8</a:t>
+            </a:fld>
+            <a:endParaRPr lang="en-US"/>
+          </a:p>
+        </p:txBody>
+      </p:sp>
+    </p:spTree>
+    <p:extLst>
+      <p:ext uri="{BB962C8B-B14F-4D97-AF65-F5344CB8AC3E}">
+        <p14:creationId xmlns:p14="http://schemas.microsoft.com/office/powerpoint/2010/main" val="2694271634"/>
+      </p:ext>
+    </p:extLst>
+  </p:cSld>
+  <p:clrMapOvr>
+    <a:masterClrMapping/>
+  </p:clrMapOvr>
+</p:notes>
+</file>
+
+<file path=ppt/notesSlides/notesSlide2.xml><?xml version="1.0" encoding="utf-8"?>
+<p:notes xmlns:a="http://schemas.openxmlformats.org/drawingml/2006/main" xmlns:r="http://schemas.openxmlformats.org/officeDocument/2006/relationships" xmlns:p="http://schemas.openxmlformats.org/presentationml/2006/main">
+  <p:cSld>
+    <p:spTree>
+      <p:nvGrpSpPr>
+        <p:cNvPr id="1" name=""/>
+        <p:cNvGrpSpPr/>
+        <p:nvPr/>
+      </p:nvGrpSpPr>
+      <p:grpSpPr>
+        <a:xfrm>
+          <a:off x="0" y="0"/>
+          <a:ext cx="0" cy="0"/>
+          <a:chOff x="0" y="0"/>
+          <a:chExt cx="0" cy="0"/>
+        </a:xfrm>
+      </p:grpSpPr>
+      <p:sp>
+        <p:nvSpPr>
+          <p:cNvPr id="2" name="Slide Image Placeholder 1"/>
+          <p:cNvSpPr>
+            <a:spLocks noGrp="1" noRot="1" noChangeAspect="1"/>
+          </p:cNvSpPr>
+          <p:nvPr>
+            <p:ph type="sldImg"/>
+          </p:nvPr>
+        </p:nvSpPr>
+        <p:spPr/>
+      </p:sp>
+      <p:sp>
+        <p:nvSpPr>
+          <p:cNvPr id="3" name="Notes Placeholder 2"/>
+          <p:cNvSpPr>
+            <a:spLocks noGrp="1"/>
+          </p:cNvSpPr>
+          <p:nvPr>
+            <p:ph type="body" idx="1"/>
+          </p:nvPr>
+        </p:nvSpPr>
+        <p:spPr/>
+        <p:txBody>
+          <a:bodyPr/>
+          <a:lstStyle/>
+          <a:p>
+            <a:endParaRPr lang="en-US" dirty="0"/>
+          </a:p>
+        </p:txBody>
+      </p:sp>
+      <p:sp>
+        <p:nvSpPr>
+          <p:cNvPr id="4" name="Slide Number Placeholder 3"/>
+          <p:cNvSpPr>
+            <a:spLocks noGrp="1"/>
+          </p:cNvSpPr>
+          <p:nvPr>
+            <p:ph type="sldNum" sz="quarter" idx="5"/>
+          </p:nvPr>
+        </p:nvSpPr>
+        <p:spPr/>
+        <p:txBody>
+          <a:bodyPr/>
+          <a:lstStyle/>
+          <a:p>
+            <a:fld id="{FF656A1E-9917-4BCA-B0CA-FDE01DC71FA6}" type="slidenum">
+              <a:rPr lang="en-US" smtClean="0"/>
+              <a:t>20</a:t>
+            </a:fld>
+            <a:endParaRPr lang="en-US"/>
+          </a:p>
+        </p:txBody>
+      </p:sp>
+    </p:spTree>
+    <p:extLst>
+      <p:ext uri="{BB962C8B-B14F-4D97-AF65-F5344CB8AC3E}">
+        <p14:creationId xmlns:p14="http://schemas.microsoft.com/office/powerpoint/2010/main" val="3603050071"/>
+      </p:ext>
+    </p:extLst>
+  </p:cSld>
+  <p:clrMapOvr>
+    <a:masterClrMapping/>
+  </p:clrMapOvr>
+</p:notes>
+</file>
+
+<file path=ppt/notesSlides/notesSlide3.xml><?xml version="1.0" encoding="utf-8"?>
+<p:notes xmlns:a="http://schemas.openxmlformats.org/drawingml/2006/main" xmlns:r="http://schemas.openxmlformats.org/officeDocument/2006/relationships" xmlns:p="http://schemas.openxmlformats.org/presentationml/2006/main">
+  <p:cSld>
+    <p:spTree>
+      <p:nvGrpSpPr>
+        <p:cNvPr id="1" name=""/>
+        <p:cNvGrpSpPr/>
+        <p:nvPr/>
+      </p:nvGrpSpPr>
+      <p:grpSpPr>
+        <a:xfrm>
+          <a:off x="0" y="0"/>
+          <a:ext cx="0" cy="0"/>
+          <a:chOff x="0" y="0"/>
+          <a:chExt cx="0" cy="0"/>
+        </a:xfrm>
+      </p:grpSpPr>
+      <p:sp>
+        <p:nvSpPr>
+          <p:cNvPr id="2" name="Slide Image Placeholder 1"/>
+          <p:cNvSpPr>
+            <a:spLocks noGrp="1" noRot="1" noChangeAspect="1"/>
+          </p:cNvSpPr>
+          <p:nvPr>
+            <p:ph type="sldImg"/>
+          </p:nvPr>
+        </p:nvSpPr>
+        <p:spPr/>
+      </p:sp>
+      <p:sp>
+        <p:nvSpPr>
+          <p:cNvPr id="3" name="Notes Placeholder 2"/>
+          <p:cNvSpPr>
+            <a:spLocks noGrp="1"/>
+          </p:cNvSpPr>
+          <p:nvPr>
+            <p:ph type="body" idx="1"/>
+          </p:nvPr>
+        </p:nvSpPr>
+        <p:spPr/>
+        <p:txBody>
+          <a:bodyPr/>
+          <a:lstStyle/>
+          <a:p>
+            <a:endParaRPr lang="en-US" dirty="0"/>
+          </a:p>
+        </p:txBody>
+      </p:sp>
+      <p:sp>
+        <p:nvSpPr>
+          <p:cNvPr id="4" name="Slide Number Placeholder 3"/>
+          <p:cNvSpPr>
+            <a:spLocks noGrp="1"/>
+          </p:cNvSpPr>
+          <p:nvPr>
+            <p:ph type="sldNum" sz="quarter" idx="5"/>
+          </p:nvPr>
+        </p:nvSpPr>
+        <p:spPr/>
+        <p:txBody>
+          <a:bodyPr/>
+          <a:lstStyle/>
+          <a:p>
+            <a:fld id="{FF656A1E-9917-4BCA-B0CA-FDE01DC71FA6}" type="slidenum">
+              <a:rPr lang="en-US" smtClean="0"/>
+              <a:t>21</a:t>
+            </a:fld>
+            <a:endParaRPr lang="en-US"/>
+          </a:p>
+        </p:txBody>
+      </p:sp>
+    </p:spTree>
+    <p:extLst>
+      <p:ext uri="{BB962C8B-B14F-4D97-AF65-F5344CB8AC3E}">
+        <p14:creationId xmlns:p14="http://schemas.microsoft.com/office/powerpoint/2010/main" val="3963071330"/>
+      </p:ext>
+    </p:extLst>
+  </p:cSld>
+  <p:clrMapOvr>
+    <a:masterClrMapping/>
+  </p:clrMapOvr>
+</p:notes>
+</file>
+
+<file path=ppt/notesSlides/notesSlide4.xml><?xml version="1.0" encoding="utf-8"?>
+<p:notes xmlns:a="http://schemas.openxmlformats.org/drawingml/2006/main" xmlns:r="http://schemas.openxmlformats.org/officeDocument/2006/relationships" xmlns:p="http://schemas.openxmlformats.org/presentationml/2006/main">
+  <p:cSld>
+    <p:spTree>
+      <p:nvGrpSpPr>
+        <p:cNvPr id="1" name=""/>
+        <p:cNvGrpSpPr/>
+        <p:nvPr/>
+      </p:nvGrpSpPr>
+      <p:grpSpPr>
+        <a:xfrm>
+          <a:off x="0" y="0"/>
+          <a:ext cx="0" cy="0"/>
+          <a:chOff x="0" y="0"/>
+          <a:chExt cx="0" cy="0"/>
+        </a:xfrm>
+      </p:grpSpPr>
+      <p:sp>
+        <p:nvSpPr>
+          <p:cNvPr id="2" name="Slide Image Placeholder 1"/>
+          <p:cNvSpPr>
+            <a:spLocks noGrp="1" noRot="1" noChangeAspect="1"/>
+          </p:cNvSpPr>
+          <p:nvPr>
+            <p:ph type="sldImg"/>
+          </p:nvPr>
+        </p:nvSpPr>
+        <p:spPr/>
+      </p:sp>
+      <p:sp>
+        <p:nvSpPr>
+          <p:cNvPr id="3" name="Notes Placeholder 2"/>
+          <p:cNvSpPr>
+            <a:spLocks noGrp="1"/>
+          </p:cNvSpPr>
+          <p:nvPr>
+            <p:ph type="body" idx="1"/>
+          </p:nvPr>
+        </p:nvSpPr>
+        <p:spPr/>
+        <p:txBody>
+          <a:bodyPr/>
+          <a:lstStyle/>
+          <a:p>
+            <a:endParaRPr lang="en-US" dirty="0"/>
+          </a:p>
+        </p:txBody>
+      </p:sp>
+      <p:sp>
+        <p:nvSpPr>
+          <p:cNvPr id="4" name="Slide Number Placeholder 3"/>
+          <p:cNvSpPr>
+            <a:spLocks noGrp="1"/>
+          </p:cNvSpPr>
+          <p:nvPr>
+            <p:ph type="sldNum" sz="quarter" idx="5"/>
+          </p:nvPr>
+        </p:nvSpPr>
+        <p:spPr/>
+        <p:txBody>
+          <a:bodyPr/>
+          <a:lstStyle/>
+          <a:p>
+            <a:fld id="{FF656A1E-9917-4BCA-B0CA-FDE01DC71FA6}" type="slidenum">
+              <a:rPr lang="en-US" smtClean="0"/>
+              <a:t>22</a:t>
+            </a:fld>
+            <a:endParaRPr lang="en-US"/>
+          </a:p>
+        </p:txBody>
+      </p:sp>
+    </p:spTree>
+    <p:extLst>
+      <p:ext uri="{BB962C8B-B14F-4D97-AF65-F5344CB8AC3E}">
+        <p14:creationId xmlns:p14="http://schemas.microsoft.com/office/powerpoint/2010/main" val="3164522588"/>
+      </p:ext>
+    </p:extLst>
+  </p:cSld>
+  <p:clrMapOvr>
+    <a:masterClrMapping/>
+  </p:clrMapOvr>
+</p:notes>
+</file>
+
+<file path=ppt/notesSlides/notesSlide5.xml><?xml version="1.0" encoding="utf-8"?>
+<p:notes xmlns:a="http://schemas.openxmlformats.org/drawingml/2006/main" xmlns:r="http://schemas.openxmlformats.org/officeDocument/2006/relationships" xmlns:p="http://schemas.openxmlformats.org/presentationml/2006/main">
+  <p:cSld>
+    <p:spTree>
+      <p:nvGrpSpPr>
+        <p:cNvPr id="1" name=""/>
+        <p:cNvGrpSpPr/>
+        <p:nvPr/>
+      </p:nvGrpSpPr>
+      <p:grpSpPr>
+        <a:xfrm>
+          <a:off x="0" y="0"/>
+          <a:ext cx="0" cy="0"/>
+          <a:chOff x="0" y="0"/>
+          <a:chExt cx="0" cy="0"/>
+        </a:xfrm>
+      </p:grpSpPr>
+      <p:sp>
+        <p:nvSpPr>
+          <p:cNvPr id="2" name="Slide Image Placeholder 1"/>
+          <p:cNvSpPr>
+            <a:spLocks noGrp="1" noRot="1" noChangeAspect="1"/>
+          </p:cNvSpPr>
+          <p:nvPr>
+            <p:ph type="sldImg"/>
+          </p:nvPr>
+        </p:nvSpPr>
+        <p:spPr/>
+      </p:sp>
+      <p:sp>
+        <p:nvSpPr>
+          <p:cNvPr id="3" name="Notes Placeholder 2"/>
+          <p:cNvSpPr>
+            <a:spLocks noGrp="1"/>
+          </p:cNvSpPr>
+          <p:nvPr>
+            <p:ph type="body" idx="1"/>
+          </p:nvPr>
+        </p:nvSpPr>
+        <p:spPr/>
+        <p:txBody>
+          <a:bodyPr/>
+          <a:lstStyle/>
+          <a:p>
+            <a:endParaRPr lang="en-US" dirty="0"/>
+          </a:p>
+        </p:txBody>
+      </p:sp>
+      <p:sp>
+        <p:nvSpPr>
+          <p:cNvPr id="4" name="Slide Number Placeholder 3"/>
+          <p:cNvSpPr>
+            <a:spLocks noGrp="1"/>
+          </p:cNvSpPr>
+          <p:nvPr>
+            <p:ph type="sldNum" sz="quarter" idx="5"/>
+          </p:nvPr>
+        </p:nvSpPr>
+        <p:spPr/>
+        <p:txBody>
+          <a:bodyPr/>
+          <a:lstStyle/>
+          <a:p>
+            <a:fld id="{FF656A1E-9917-4BCA-B0CA-FDE01DC71FA6}" type="slidenum">
+              <a:rPr lang="en-US" smtClean="0"/>
+              <a:t>23</a:t>
+            </a:fld>
+            <a:endParaRPr lang="en-US"/>
+          </a:p>
+        </p:txBody>
+      </p:sp>
+    </p:spTree>
+    <p:extLst>
+      <p:ext uri="{BB962C8B-B14F-4D97-AF65-F5344CB8AC3E}">
+        <p14:creationId xmlns:p14="http://schemas.microsoft.com/office/powerpoint/2010/main" val="1919310442"/>
+      </p:ext>
+    </p:extLst>
+  </p:cSld>
+  <p:clrMapOvr>
+    <a:masterClrMapping/>
+  </p:clrMapOvr>
+</p:notes>
+</file>
+
 <file path=ppt/slideLayouts/slideLayout1.xml><?xml version="1.0" encoding="utf-8"?>
 <p:sldLayout xmlns:a="http://schemas.openxmlformats.org/drawingml/2006/main" xmlns:r="http://schemas.openxmlformats.org/officeDocument/2006/relationships" xmlns:p="http://schemas.openxmlformats.org/presentationml/2006/main" showMasterSp="0" type="title" preserve="1">
   <p:cSld name="Title Slide">
@@ -359,7 +1142,7 @@
           <a:p>
             <a:fld id="{B36A80E0-6C7C-4E44-8FFB-72845EDF7FFF}" type="datetimeFigureOut">
               <a:rPr lang="en-US" smtClean="0"/>
-              <a:t>1/5/2020</a:t>
+              <a:t>3/1/2020</a:t>
             </a:fld>
             <a:endParaRPr lang="en-US"/>
           </a:p>
@@ -567,7 +1350,7 @@
           <a:p>
             <a:fld id="{B36A80E0-6C7C-4E44-8FFB-72845EDF7FFF}" type="datetimeFigureOut">
               <a:rPr lang="en-US" smtClean="0"/>
-              <a:t>1/5/2020</a:t>
+              <a:t>3/1/2020</a:t>
             </a:fld>
             <a:endParaRPr lang="en-US"/>
           </a:p>
@@ -823,7 +1606,7 @@
           <a:p>
             <a:fld id="{B36A80E0-6C7C-4E44-8FFB-72845EDF7FFF}" type="datetimeFigureOut">
               <a:rPr lang="en-US" smtClean="0"/>
-              <a:t>1/5/2020</a:t>
+              <a:t>3/1/2020</a:t>
             </a:fld>
             <a:endParaRPr lang="en-US"/>
           </a:p>
@@ -1031,7 +1814,7 @@
           <a:p>
             <a:fld id="{B36A80E0-6C7C-4E44-8FFB-72845EDF7FFF}" type="datetimeFigureOut">
               <a:rPr lang="en-US" smtClean="0"/>
-              <a:t>1/5/2020</a:t>
+              <a:t>3/1/2020</a:t>
             </a:fld>
             <a:endParaRPr lang="en-US"/>
           </a:p>
@@ -1229,7 +2012,7 @@
           <a:p>
             <a:fld id="{B36A80E0-6C7C-4E44-8FFB-72845EDF7FFF}" type="datetimeFigureOut">
               <a:rPr lang="en-US" smtClean="0"/>
-              <a:t>1/5/2020</a:t>
+              <a:t>3/1/2020</a:t>
             </a:fld>
             <a:endParaRPr lang="en-US"/>
           </a:p>
@@ -1504,7 +2287,7 @@
           <a:p>
             <a:fld id="{B36A80E0-6C7C-4E44-8FFB-72845EDF7FFF}" type="datetimeFigureOut">
               <a:rPr lang="en-US" smtClean="0"/>
-              <a:t>1/5/2020</a:t>
+              <a:t>3/1/2020</a:t>
             </a:fld>
             <a:endParaRPr lang="en-US"/>
           </a:p>
@@ -1769,7 +2552,7 @@
           <a:p>
             <a:fld id="{B36A80E0-6C7C-4E44-8FFB-72845EDF7FFF}" type="datetimeFigureOut">
               <a:rPr lang="en-US" smtClean="0"/>
-              <a:t>1/5/2020</a:t>
+              <a:t>3/1/2020</a:t>
             </a:fld>
             <a:endParaRPr lang="en-US"/>
           </a:p>
@@ -2181,7 +2964,7 @@
           <a:p>
             <a:fld id="{B36A80E0-6C7C-4E44-8FFB-72845EDF7FFF}" type="datetimeFigureOut">
               <a:rPr lang="en-US" smtClean="0"/>
-              <a:t>1/5/2020</a:t>
+              <a:t>3/1/2020</a:t>
             </a:fld>
             <a:endParaRPr lang="en-US"/>
           </a:p>
@@ -2322,7 +3105,7 @@
           <a:p>
             <a:fld id="{B36A80E0-6C7C-4E44-8FFB-72845EDF7FFF}" type="datetimeFigureOut">
               <a:rPr lang="en-US" smtClean="0"/>
-              <a:t>1/5/2020</a:t>
+              <a:t>3/1/2020</a:t>
             </a:fld>
             <a:endParaRPr lang="en-US"/>
           </a:p>
@@ -2435,7 +3218,7 @@
           <a:p>
             <a:fld id="{B36A80E0-6C7C-4E44-8FFB-72845EDF7FFF}" type="datetimeFigureOut">
               <a:rPr lang="en-US" smtClean="0"/>
-              <a:t>1/5/2020</a:t>
+              <a:t>3/1/2020</a:t>
             </a:fld>
             <a:endParaRPr lang="en-US"/>
           </a:p>
@@ -2746,7 +3529,7 @@
           <a:p>
             <a:fld id="{B36A80E0-6C7C-4E44-8FFB-72845EDF7FFF}" type="datetimeFigureOut">
               <a:rPr lang="en-US" smtClean="0"/>
-              <a:t>1/5/2020</a:t>
+              <a:t>3/1/2020</a:t>
             </a:fld>
             <a:endParaRPr lang="en-US"/>
           </a:p>
@@ -2932,7 +3715,7 @@
           <a:p>
             <a:fld id="{B36A80E0-6C7C-4E44-8FFB-72845EDF7FFF}" type="datetimeFigureOut">
               <a:rPr lang="en-US" smtClean="0"/>
-              <a:t>1/5/2020</a:t>
+              <a:t>3/1/2020</a:t>
             </a:fld>
             <a:endParaRPr lang="en-US"/>
           </a:p>
@@ -3208,7 +3991,7 @@
           <a:p>
             <a:fld id="{B36A80E0-6C7C-4E44-8FFB-72845EDF7FFF}" type="datetimeFigureOut">
               <a:rPr lang="en-US" smtClean="0"/>
-              <a:t>1/5/2020</a:t>
+              <a:t>3/1/2020</a:t>
             </a:fld>
             <a:endParaRPr lang="en-US"/>
           </a:p>
@@ -3406,7 +4189,7 @@
           <a:p>
             <a:fld id="{B36A80E0-6C7C-4E44-8FFB-72845EDF7FFF}" type="datetimeFigureOut">
               <a:rPr lang="en-US" smtClean="0"/>
-              <a:t>1/5/2020</a:t>
+              <a:t>3/1/2020</a:t>
             </a:fld>
             <a:endParaRPr lang="en-US"/>
           </a:p>
@@ -3614,7 +4397,7 @@
           <a:p>
             <a:fld id="{B36A80E0-6C7C-4E44-8FFB-72845EDF7FFF}" type="datetimeFigureOut">
               <a:rPr lang="en-US" smtClean="0"/>
-              <a:t>1/5/2020</a:t>
+              <a:t>3/1/2020</a:t>
             </a:fld>
             <a:endParaRPr lang="en-US"/>
           </a:p>
@@ -3969,7 +4752,7 @@
           <a:p>
             <a:fld id="{B36A80E0-6C7C-4E44-8FFB-72845EDF7FFF}" type="datetimeFigureOut">
               <a:rPr lang="en-US" smtClean="0"/>
-              <a:t>1/5/2020</a:t>
+              <a:t>3/1/2020</a:t>
             </a:fld>
             <a:endParaRPr lang="en-US"/>
           </a:p>
@@ -4244,7 +5027,7 @@
           <a:p>
             <a:fld id="{B36A80E0-6C7C-4E44-8FFB-72845EDF7FFF}" type="datetimeFigureOut">
               <a:rPr lang="en-US" smtClean="0"/>
-              <a:t>1/5/2020</a:t>
+              <a:t>3/1/2020</a:t>
             </a:fld>
             <a:endParaRPr lang="en-US"/>
           </a:p>
@@ -4623,7 +5406,7 @@
           <a:p>
             <a:fld id="{B36A80E0-6C7C-4E44-8FFB-72845EDF7FFF}" type="datetimeFigureOut">
               <a:rPr lang="en-US" smtClean="0"/>
-              <a:t>1/5/2020</a:t>
+              <a:t>3/1/2020</a:t>
             </a:fld>
             <a:endParaRPr lang="en-US"/>
           </a:p>
@@ -4741,7 +5524,7 @@
           <a:p>
             <a:fld id="{B36A80E0-6C7C-4E44-8FFB-72845EDF7FFF}" type="datetimeFigureOut">
               <a:rPr lang="en-US" smtClean="0"/>
-              <a:t>1/5/2020</a:t>
+              <a:t>3/1/2020</a:t>
             </a:fld>
             <a:endParaRPr lang="en-US"/>
           </a:p>
@@ -4912,7 +5695,7 @@
           <a:p>
             <a:fld id="{B36A80E0-6C7C-4E44-8FFB-72845EDF7FFF}" type="datetimeFigureOut">
               <a:rPr lang="en-US" smtClean="0"/>
-              <a:t>1/5/2020</a:t>
+              <a:t>3/1/2020</a:t>
             </a:fld>
             <a:endParaRPr lang="en-US"/>
           </a:p>
@@ -5266,7 +6049,7 @@
           <a:p>
             <a:fld id="{B36A80E0-6C7C-4E44-8FFB-72845EDF7FFF}" type="datetimeFigureOut">
               <a:rPr lang="en-US" smtClean="0"/>
-              <a:t>1/5/2020</a:t>
+              <a:t>3/1/2020</a:t>
             </a:fld>
             <a:endParaRPr lang="en-US"/>
           </a:p>
@@ -5648,7 +6431,7 @@
           <a:p>
             <a:fld id="{B36A80E0-6C7C-4E44-8FFB-72845EDF7FFF}" type="datetimeFigureOut">
               <a:rPr lang="en-US" smtClean="0"/>
-              <a:t>1/5/2020</a:t>
+              <a:t>3/1/2020</a:t>
             </a:fld>
             <a:endParaRPr lang="en-US"/>
           </a:p>
@@ -5935,7 +6718,7 @@
           <a:p>
             <a:fld id="{B36A80E0-6C7C-4E44-8FFB-72845EDF7FFF}" type="datetimeFigureOut">
               <a:rPr lang="en-US" smtClean="0"/>
-              <a:t>1/5/2020</a:t>
+              <a:t>3/1/2020</a:t>
             </a:fld>
             <a:endParaRPr lang="en-US"/>
           </a:p>
@@ -6610,7 +7393,7 @@
           <a:p>
             <a:fld id="{B36A80E0-6C7C-4E44-8FFB-72845EDF7FFF}" type="datetimeFigureOut">
               <a:rPr lang="en-US" smtClean="0"/>
-              <a:t>1/5/2020</a:t>
+              <a:t>3/1/2020</a:t>
             </a:fld>
             <a:endParaRPr lang="en-US"/>
           </a:p>
@@ -7343,6 +8126,156 @@
   <p:clrMapOvr>
     <a:masterClrMapping/>
   </p:clrMapOvr>
+  <p:timing>
+    <p:tnLst>
+      <p:par>
+        <p:cTn id="1" dur="indefinite" restart="never" nodeType="tmRoot">
+          <p:childTnLst>
+            <p:seq concurrent="1" nextAc="seek">
+              <p:cTn id="2" dur="indefinite" nodeType="mainSeq">
+                <p:childTnLst>
+                  <p:par>
+                    <p:cTn id="3" fill="hold">
+                      <p:stCondLst>
+                        <p:cond delay="indefinite"/>
+                      </p:stCondLst>
+                      <p:childTnLst>
+                        <p:par>
+                          <p:cTn id="4" fill="hold">
+                            <p:stCondLst>
+                              <p:cond delay="0"/>
+                            </p:stCondLst>
+                            <p:childTnLst>
+                              <p:par>
+                                <p:cTn id="5" presetID="1" presetClass="entr" presetSubtype="0" fill="hold" nodeType="clickEffect">
+                                  <p:stCondLst>
+                                    <p:cond delay="0"/>
+                                  </p:stCondLst>
+                                  <p:childTnLst>
+                                    <p:set>
+                                      <p:cBhvr>
+                                        <p:cTn id="6" dur="1" fill="hold">
+                                          <p:stCondLst>
+                                            <p:cond delay="0"/>
+                                          </p:stCondLst>
+                                        </p:cTn>
+                                        <p:tgtEl>
+                                          <p:spTgt spid="5"/>
+                                        </p:tgtEl>
+                                        <p:attrNameLst>
+                                          <p:attrName>style.visibility</p:attrName>
+                                        </p:attrNameLst>
+                                      </p:cBhvr>
+                                      <p:to>
+                                        <p:strVal val="visible"/>
+                                      </p:to>
+                                    </p:set>
+                                  </p:childTnLst>
+                                </p:cTn>
+                              </p:par>
+                              <p:par>
+                                <p:cTn id="7" presetID="1" presetClass="entr" presetSubtype="0" fill="hold" nodeType="withEffect">
+                                  <p:stCondLst>
+                                    <p:cond delay="0"/>
+                                  </p:stCondLst>
+                                  <p:childTnLst>
+                                    <p:set>
+                                      <p:cBhvr>
+                                        <p:cTn id="8" dur="1" fill="hold">
+                                          <p:stCondLst>
+                                            <p:cond delay="0"/>
+                                          </p:stCondLst>
+                                        </p:cTn>
+                                        <p:tgtEl>
+                                          <p:spTgt spid="4"/>
+                                        </p:tgtEl>
+                                        <p:attrNameLst>
+                                          <p:attrName>style.visibility</p:attrName>
+                                        </p:attrNameLst>
+                                      </p:cBhvr>
+                                      <p:to>
+                                        <p:strVal val="visible"/>
+                                      </p:to>
+                                    </p:set>
+                                  </p:childTnLst>
+                                </p:cTn>
+                              </p:par>
+                            </p:childTnLst>
+                          </p:cTn>
+                        </p:par>
+                      </p:childTnLst>
+                    </p:cTn>
+                  </p:par>
+                  <p:par>
+                    <p:cTn id="9" fill="hold">
+                      <p:stCondLst>
+                        <p:cond delay="indefinite"/>
+                      </p:stCondLst>
+                      <p:childTnLst>
+                        <p:par>
+                          <p:cTn id="10" fill="hold">
+                            <p:stCondLst>
+                              <p:cond delay="0"/>
+                            </p:stCondLst>
+                            <p:childTnLst>
+                              <p:par>
+                                <p:cTn id="11" presetID="1" presetClass="entr" presetSubtype="0" fill="hold" grpId="0" nodeType="clickEffect">
+                                  <p:stCondLst>
+                                    <p:cond delay="0"/>
+                                  </p:stCondLst>
+                                  <p:childTnLst>
+                                    <p:set>
+                                      <p:cBhvr>
+                                        <p:cTn id="12" dur="1" fill="hold">
+                                          <p:stCondLst>
+                                            <p:cond delay="0"/>
+                                          </p:stCondLst>
+                                        </p:cTn>
+                                        <p:tgtEl>
+                                          <p:spTgt spid="6"/>
+                                        </p:tgtEl>
+                                        <p:attrNameLst>
+                                          <p:attrName>style.visibility</p:attrName>
+                                        </p:attrNameLst>
+                                      </p:cBhvr>
+                                      <p:to>
+                                        <p:strVal val="visible"/>
+                                      </p:to>
+                                    </p:set>
+                                  </p:childTnLst>
+                                </p:cTn>
+                              </p:par>
+                            </p:childTnLst>
+                          </p:cTn>
+                        </p:par>
+                      </p:childTnLst>
+                    </p:cTn>
+                  </p:par>
+                </p:childTnLst>
+              </p:cTn>
+              <p:prevCondLst>
+                <p:cond evt="onPrev" delay="0">
+                  <p:tgtEl>
+                    <p:sldTgt/>
+                  </p:tgtEl>
+                </p:cond>
+              </p:prevCondLst>
+              <p:nextCondLst>
+                <p:cond evt="onNext" delay="0">
+                  <p:tgtEl>
+                    <p:sldTgt/>
+                  </p:tgtEl>
+                </p:cond>
+              </p:nextCondLst>
+            </p:seq>
+          </p:childTnLst>
+        </p:cTn>
+      </p:par>
+    </p:tnLst>
+    <p:bldLst>
+      <p:bldP spid="6" grpId="0" animBg="1"/>
+    </p:bldLst>
+  </p:timing>
 </p:sld>
 </file>
 
@@ -7409,7 +8342,9 @@
         </p:nvSpPr>
         <p:spPr/>
         <p:txBody>
-          <a:bodyPr/>
+          <a:bodyPr>
+            <a:normAutofit/>
+          </a:bodyPr>
           <a:lstStyle/>
           <a:p>
             <a:pPr>
@@ -7417,7 +8352,7 @@
               <a:buChar char="Ø"/>
             </a:pPr>
             <a:r>
-              <a:rPr lang="en-US" dirty="0"/>
+              <a:rPr lang="en-US" sz="2800" dirty="0"/>
               <a:t> Independent of Frameworks. </a:t>
             </a:r>
           </a:p>
@@ -7427,7 +8362,7 @@
               <a:buChar char="Ø"/>
             </a:pPr>
             <a:r>
-              <a:rPr lang="en-US" dirty="0"/>
+              <a:rPr lang="en-US" sz="2800" dirty="0"/>
               <a:t> Testable. </a:t>
             </a:r>
           </a:p>
@@ -7437,7 +8372,7 @@
               <a:buChar char="Ø"/>
             </a:pPr>
             <a:r>
-              <a:rPr lang="en-US" dirty="0"/>
+              <a:rPr lang="en-US" sz="2800" dirty="0"/>
               <a:t> Independent of UI. </a:t>
             </a:r>
           </a:p>
@@ -7447,7 +8382,7 @@
               <a:buChar char="Ø"/>
             </a:pPr>
             <a:r>
-              <a:rPr lang="en-US" dirty="0"/>
+              <a:rPr lang="en-US" sz="2800" dirty="0"/>
               <a:t> Independent of Database.</a:t>
             </a:r>
           </a:p>
@@ -7457,8 +8392,8 @@
               <a:buChar char="Ø"/>
             </a:pPr>
             <a:r>
-              <a:rPr lang="en-US" dirty="0"/>
-              <a:t> Independent of any external agency.</a:t>
+              <a:rPr lang="en-US" sz="2800" dirty="0"/>
+              <a:t> Independent of any external agencies.</a:t>
             </a:r>
           </a:p>
         </p:txBody>
@@ -7979,7 +8914,7 @@
           <a:p>
             <a:r>
               <a:rPr lang="en-US" dirty="0"/>
-              <a:t>Persistence layer</a:t>
+              <a:t>Domain layer</a:t>
             </a:r>
           </a:p>
         </p:txBody>
@@ -8018,7 +8953,7 @@
             </a:pPr>
             <a:r>
               <a:rPr lang="en-US" sz="2800" dirty="0"/>
-              <a:t> ORMs</a:t>
+              <a:t> Entities (Identifiable by Id)</a:t>
             </a:r>
           </a:p>
           <a:p>
@@ -8028,15 +8963,7 @@
             </a:pPr>
             <a:r>
               <a:rPr lang="en-US" sz="2800" dirty="0"/>
-              <a:t> </a:t>
-            </a:r>
-            <a:r>
-              <a:rPr lang="en-US" sz="2800" dirty="0" err="1"/>
-              <a:t>Mongodb</a:t>
-            </a:r>
-            <a:r>
-              <a:rPr lang="en-US" sz="2800" dirty="0"/>
-              <a:t> generic repository</a:t>
+              <a:t> Value Objects (Does not have an Id, Identifiable by all of its props)</a:t>
             </a:r>
           </a:p>
           <a:p>
@@ -8046,7 +8973,7 @@
             </a:pPr>
             <a:r>
               <a:rPr lang="en-US" sz="2800" dirty="0"/>
-              <a:t> Mongo configuration</a:t>
+              <a:t> Aggregates (A DDD aggregate is a cluster of domain objects that can be treated as a single unit)</a:t>
             </a:r>
           </a:p>
           <a:p>
@@ -8056,23 +8983,8 @@
             </a:pPr>
             <a:r>
               <a:rPr lang="en-US" sz="2800" dirty="0"/>
-              <a:t> </a:t>
-            </a:r>
-            <a:r>
-              <a:rPr lang="en-US" sz="2800" dirty="0" err="1"/>
-              <a:t>Ef</a:t>
-            </a:r>
-            <a:r>
-              <a:rPr lang="en-US" sz="2800" dirty="0"/>
-              <a:t> core entity configuration</a:t>
-            </a:r>
-          </a:p>
-          <a:p>
-            <a:pPr>
-              <a:buFont typeface="Wingdings" panose="05000000000000000000" pitchFamily="2" charset="2"/>
-              <a:buChar char="Ø"/>
-            </a:pPr>
-            <a:endParaRPr lang="en-US" sz="2800" dirty="0"/>
+              <a:t> Aggregate root (Any references from outside the aggregate should only go to the aggregate root)</a:t>
+            </a:r>
           </a:p>
           <a:p>
             <a:pPr>
@@ -8099,14 +9011,6 @@
 <file path=ppt/slides/slide14.xml><?xml version="1.0" encoding="utf-8"?>
 <p:sld xmlns:a="http://schemas.openxmlformats.org/drawingml/2006/main" xmlns:r="http://schemas.openxmlformats.org/officeDocument/2006/relationships" xmlns:p="http://schemas.openxmlformats.org/presentationml/2006/main">
   <p:cSld>
-    <p:bg>
-      <p:bgPr>
-        <a:solidFill>
-          <a:schemeClr val="bg1"/>
-        </a:solidFill>
-        <a:effectLst/>
-      </p:bgPr>
-    </p:bg>
     <p:spTree>
       <p:nvGrpSpPr>
         <p:cNvPr id="1" name=""/>
@@ -8121,72 +9025,12 @@
           <a:chExt cx="0" cy="0"/>
         </a:xfrm>
       </p:grpSpPr>
-      <p:sp useBgFill="1">
-        <p:nvSpPr>
-          <p:cNvPr id="10" name="Rectangle 9">
-            <a:extLst>
-              <a:ext uri="{FF2B5EF4-FFF2-40B4-BE49-F238E27FC236}">
-                <a16:creationId xmlns:a16="http://schemas.microsoft.com/office/drawing/2014/main" id="{52ABB703-2B0E-4C3B-B4A2-F3973548E561}"/>
-              </a:ext>
-              <a:ext uri="{C183D7F6-B498-43B3-948B-1728B52AA6E4}">
-                <adec:decorative xmlns:adec="http://schemas.microsoft.com/office/drawing/2017/decorative" val="1"/>
-              </a:ext>
-            </a:extLst>
-          </p:cNvPr>
-          <p:cNvSpPr>
-            <a:spLocks noGrp="1" noRot="1" noChangeAspect="1" noMove="1" noResize="1" noEditPoints="1" noAdjustHandles="1" noChangeArrowheads="1" noChangeShapeType="1" noTextEdit="1"/>
-          </p:cNvSpPr>
-          <p:nvPr>
-            <p:extLst>
-              <p:ext uri="{386F3935-93C4-4BCD-93E2-E3B085C9AB24}">
-                <p16:designElem xmlns:p16="http://schemas.microsoft.com/office/powerpoint/2015/main" val="1"/>
-              </p:ext>
-            </p:extLst>
-          </p:nvPr>
-        </p:nvSpPr>
-        <p:spPr>
-          <a:xfrm>
-            <a:off x="0" y="0"/>
-            <a:ext cx="12192001" cy="6334316"/>
-          </a:xfrm>
-          <a:prstGeom prst="rect">
-            <a:avLst/>
-          </a:prstGeom>
-          <a:ln>
-            <a:noFill/>
-          </a:ln>
-        </p:spPr>
-        <p:style>
-          <a:lnRef idx="2">
-            <a:schemeClr val="accent1">
-              <a:shade val="50000"/>
-            </a:schemeClr>
-          </a:lnRef>
-          <a:fillRef idx="1">
-            <a:schemeClr val="accent1"/>
-          </a:fillRef>
-          <a:effectRef idx="0">
-            <a:schemeClr val="accent1"/>
-          </a:effectRef>
-          <a:fontRef idx="minor">
-            <a:schemeClr val="lt1"/>
-          </a:fontRef>
-        </p:style>
-        <p:txBody>
-          <a:bodyPr rtlCol="0" anchor="ctr"/>
-          <a:lstStyle/>
-          <a:p>
-            <a:pPr algn="ctr"/>
-            <a:endParaRPr lang="en-US"/>
-          </a:p>
-        </p:txBody>
-      </p:sp>
       <p:sp>
         <p:nvSpPr>
           <p:cNvPr id="2" name="Title 1">
             <a:extLst>
               <a:ext uri="{FF2B5EF4-FFF2-40B4-BE49-F238E27FC236}">
-                <a16:creationId xmlns:a16="http://schemas.microsoft.com/office/drawing/2014/main" id="{9AD4153B-E8F7-46FB-B337-996D860DC02C}"/>
+                <a16:creationId xmlns:a16="http://schemas.microsoft.com/office/drawing/2014/main" id="{4E9665C3-A39B-46CB-9476-38155755C811}"/>
               </a:ext>
             </a:extLst>
           </p:cNvPr>
@@ -8199,8 +9043,41 @@
         </p:nvSpPr>
         <p:spPr>
           <a:xfrm>
-            <a:off x="6411685" y="634946"/>
-            <a:ext cx="5127171" cy="1450757"/>
+            <a:off x="1097280" y="286603"/>
+            <a:ext cx="10058400" cy="1450757"/>
+          </a:xfrm>
+        </p:spPr>
+        <p:txBody>
+          <a:bodyPr/>
+          <a:lstStyle/>
+          <a:p>
+            <a:r>
+              <a:rPr lang="en-US" dirty="0"/>
+              <a:t>Domain layer</a:t>
+            </a:r>
+          </a:p>
+        </p:txBody>
+      </p:sp>
+      <p:sp>
+        <p:nvSpPr>
+          <p:cNvPr id="7" name="Content Placeholder 6">
+            <a:extLst>
+              <a:ext uri="{FF2B5EF4-FFF2-40B4-BE49-F238E27FC236}">
+                <a16:creationId xmlns:a16="http://schemas.microsoft.com/office/drawing/2014/main" id="{A101F740-C1A8-4E3F-96D8-B8C61571713A}"/>
+              </a:ext>
+            </a:extLst>
+          </p:cNvPr>
+          <p:cNvSpPr>
+            <a:spLocks noGrp="1"/>
+          </p:cNvSpPr>
+          <p:nvPr>
+            <p:ph idx="1"/>
+          </p:nvPr>
+        </p:nvSpPr>
+        <p:spPr>
+          <a:xfrm>
+            <a:off x="1097280" y="2030032"/>
+            <a:ext cx="10058400" cy="4023360"/>
           </a:xfrm>
         </p:spPr>
         <p:txBody>
@@ -8209,20 +9086,49 @@
           </a:bodyPr>
           <a:lstStyle/>
           <a:p>
-            <a:r>
-              <a:rPr lang="en-US"/>
-              <a:t>Why MongoDb + Sql Server</a:t>
-            </a:r>
-            <a:endParaRPr lang="en-US" dirty="0"/>
+            <a:pPr>
+              <a:buFont typeface="Wingdings" panose="05000000000000000000" pitchFamily="2" charset="2"/>
+              <a:buChar char="Ø"/>
+            </a:pPr>
+            <a:r>
+              <a:rPr lang="en-US" sz="2800" dirty="0"/>
+              <a:t> Contain highest level business logic.</a:t>
+            </a:r>
+          </a:p>
+          <a:p>
+            <a:pPr>
+              <a:buFont typeface="Wingdings" panose="05000000000000000000" pitchFamily="2" charset="2"/>
+              <a:buChar char="Ø"/>
+            </a:pPr>
+            <a:r>
+              <a:rPr lang="en-US" sz="2800" dirty="0"/>
+              <a:t> Should be as clean as possible.</a:t>
+            </a:r>
+          </a:p>
+          <a:p>
+            <a:pPr>
+              <a:buFont typeface="Wingdings" panose="05000000000000000000" pitchFamily="2" charset="2"/>
+              <a:buChar char="Ø"/>
+            </a:pPr>
+            <a:r>
+              <a:rPr lang="en-US" sz="2800" dirty="0"/>
+              <a:t> Avoid using data annotation.</a:t>
+            </a:r>
+          </a:p>
+          <a:p>
+            <a:pPr marL="0" indent="0">
+              <a:buNone/>
+            </a:pPr>
+            <a:endParaRPr lang="en-US" sz="2800" dirty="0"/>
           </a:p>
         </p:txBody>
       </p:sp>
       <p:pic>
         <p:nvPicPr>
-          <p:cNvPr id="5" name="Picture 2" descr="%D0%B7%D0%B0%D0%B2%D0%B0%D0%BD%D1%82%D0%B0%D0%B6%D0%B5%D0%BD%D0%BD%D1%8F%20(57)">
+          <p:cNvPr id="5" name="Picture 6" descr="Kết quả hình ảnh cho talk is cheap show me the code">
             <a:extLst>
               <a:ext uri="{FF2B5EF4-FFF2-40B4-BE49-F238E27FC236}">
-                <a16:creationId xmlns:a16="http://schemas.microsoft.com/office/drawing/2014/main" id="{B8DD0293-75FD-45D0-A947-7006D93FDA9B}"/>
+                <a16:creationId xmlns:a16="http://schemas.microsoft.com/office/drawing/2014/main" id="{CE1D3CA4-0296-4BBA-9792-FBC8C5E10078}"/>
               </a:ext>
             </a:extLst>
           </p:cNvPr>
@@ -8239,14 +9145,15 @@
               </a:ext>
             </a:extLst>
           </a:blip>
+          <a:srcRect/>
           <a:stretch>
             <a:fillRect/>
           </a:stretch>
         </p:blipFill>
         <p:spPr bwMode="auto">
           <a:xfrm>
-            <a:off x="-550413" y="846526"/>
-            <a:ext cx="7512509" cy="3925286"/>
+            <a:off x="6286500" y="3031364"/>
+            <a:ext cx="5905500" cy="3314700"/>
           </a:xfrm>
           <a:prstGeom prst="rect">
             <a:avLst/>
@@ -8263,247 +9170,269 @@
           </a:extLst>
         </p:spPr>
       </p:pic>
-      <p:cxnSp>
-        <p:nvCxnSpPr>
-          <p:cNvPr id="12" name="Straight Connector 11">
-            <a:extLst>
-              <a:ext uri="{FF2B5EF4-FFF2-40B4-BE49-F238E27FC236}">
-                <a16:creationId xmlns:a16="http://schemas.microsoft.com/office/drawing/2014/main" id="{9C21570E-E159-49A6-9891-FA397B7A92D3}"/>
-              </a:ext>
-              <a:ext uri="{C183D7F6-B498-43B3-948B-1728B52AA6E4}">
-                <adec:decorative xmlns:adec="http://schemas.microsoft.com/office/drawing/2017/decorative" val="1"/>
-              </a:ext>
-            </a:extLst>
-          </p:cNvPr>
-          <p:cNvCxnSpPr>
-            <a:cxnSpLocks noGrp="1" noRot="1" noChangeAspect="1" noMove="1" noResize="1" noEditPoints="1" noAdjustHandles="1" noChangeArrowheads="1" noChangeShapeType="1"/>
-          </p:cNvCxnSpPr>
-          <p:nvPr>
-            <p:extLst>
-              <p:ext uri="{386F3935-93C4-4BCD-93E2-E3B085C9AB24}">
-                <p16:designElem xmlns:p16="http://schemas.microsoft.com/office/powerpoint/2015/main" val="1"/>
-              </p:ext>
-            </p:extLst>
-          </p:nvPr>
-        </p:nvCxnSpPr>
-        <p:spPr>
-          <a:xfrm>
-            <a:off x="6411684" y="2086188"/>
-            <a:ext cx="4748808" cy="0"/>
-          </a:xfrm>
-          <a:prstGeom prst="line">
-            <a:avLst/>
-          </a:prstGeom>
-          <a:ln w="6350">
-            <a:solidFill>
-              <a:schemeClr val="tx1">
-                <a:lumMod val="50000"/>
-                <a:lumOff val="50000"/>
-                <a:alpha val="90000"/>
-              </a:schemeClr>
-            </a:solidFill>
-          </a:ln>
-        </p:spPr>
-        <p:style>
-          <a:lnRef idx="1">
-            <a:schemeClr val="accent1"/>
-          </a:lnRef>
-          <a:fillRef idx="0">
-            <a:schemeClr val="accent1"/>
-          </a:fillRef>
-          <a:effectRef idx="0">
-            <a:schemeClr val="accent1"/>
-          </a:effectRef>
-          <a:fontRef idx="minor">
-            <a:schemeClr val="tx1"/>
-          </a:fontRef>
-        </p:style>
-      </p:cxnSp>
-      <p:sp>
-        <p:nvSpPr>
-          <p:cNvPr id="3" name="Content Placeholder 2">
-            <a:extLst>
-              <a:ext uri="{FF2B5EF4-FFF2-40B4-BE49-F238E27FC236}">
-                <a16:creationId xmlns:a16="http://schemas.microsoft.com/office/drawing/2014/main" id="{5EBEFBAF-144A-45D4-964F-A4B9879A937F}"/>
-              </a:ext>
-            </a:extLst>
-          </p:cNvPr>
-          <p:cNvSpPr>
-            <a:spLocks noGrp="1"/>
-          </p:cNvSpPr>
-          <p:nvPr>
-            <p:ph idx="1"/>
-          </p:nvPr>
-        </p:nvSpPr>
-        <p:spPr>
-          <a:xfrm>
-            <a:off x="6411684" y="2198914"/>
-            <a:ext cx="5127172" cy="3670180"/>
-          </a:xfrm>
-        </p:spPr>
-        <p:txBody>
-          <a:bodyPr>
-            <a:normAutofit/>
-          </a:bodyPr>
-          <a:lstStyle/>
-          <a:p>
-            <a:pPr>
-              <a:buFont typeface="Wingdings" panose="05000000000000000000" pitchFamily="2" charset="2"/>
-              <a:buChar char="Ø"/>
-            </a:pPr>
-            <a:r>
-              <a:rPr lang="en-US" sz="2400" dirty="0"/>
-              <a:t> </a:t>
-            </a:r>
-            <a:r>
-              <a:rPr lang="en-US" sz="2400" dirty="0" err="1"/>
-              <a:t>Mongodb</a:t>
-            </a:r>
-            <a:r>
-              <a:rPr lang="en-US" sz="2400" dirty="0"/>
-              <a:t> is about speed.</a:t>
-            </a:r>
-          </a:p>
-          <a:p>
-            <a:pPr>
-              <a:buFont typeface="Wingdings" panose="05000000000000000000" pitchFamily="2" charset="2"/>
-              <a:buChar char="Ø"/>
-            </a:pPr>
-            <a:r>
-              <a:rPr lang="en-US" sz="2400" dirty="0"/>
-              <a:t> </a:t>
-            </a:r>
-            <a:r>
-              <a:rPr lang="en-US" sz="2400" dirty="0" err="1"/>
-              <a:t>Sql</a:t>
-            </a:r>
-            <a:r>
-              <a:rPr lang="en-US" sz="2400" dirty="0"/>
-              <a:t> Server is about ACID(atomicity, consistency, isolation, durability) + Analysis Services (SSAS)</a:t>
-            </a:r>
-          </a:p>
-        </p:txBody>
-      </p:sp>
-      <p:sp>
-        <p:nvSpPr>
-          <p:cNvPr id="14" name="Rectangle 13">
-            <a:extLst>
-              <a:ext uri="{FF2B5EF4-FFF2-40B4-BE49-F238E27FC236}">
-                <a16:creationId xmlns:a16="http://schemas.microsoft.com/office/drawing/2014/main" id="{E95DA498-D9A2-4DA9-B9DA-B3776E08CF7E}"/>
-              </a:ext>
-              <a:ext uri="{C183D7F6-B498-43B3-948B-1728B52AA6E4}">
-                <adec:decorative xmlns:adec="http://schemas.microsoft.com/office/drawing/2017/decorative" val="1"/>
-              </a:ext>
-            </a:extLst>
-          </p:cNvPr>
-          <p:cNvSpPr>
-            <a:spLocks noGrp="1" noRot="1" noChangeAspect="1" noMove="1" noResize="1" noEditPoints="1" noAdjustHandles="1" noChangeArrowheads="1" noChangeShapeType="1" noTextEdit="1"/>
-          </p:cNvSpPr>
-          <p:nvPr>
-            <p:extLst>
-              <p:ext uri="{386F3935-93C4-4BCD-93E2-E3B085C9AB24}">
-                <p16:designElem xmlns:p16="http://schemas.microsoft.com/office/powerpoint/2015/main" val="1"/>
-              </p:ext>
-            </p:extLst>
-          </p:nvPr>
-        </p:nvSpPr>
-        <p:spPr>
-          <a:xfrm>
-            <a:off x="15" y="6334316"/>
-            <a:ext cx="12191985" cy="66484"/>
-          </a:xfrm>
-          <a:prstGeom prst="rect">
-            <a:avLst/>
-          </a:prstGeom>
-          <a:solidFill>
-            <a:schemeClr val="accent1"/>
-          </a:solidFill>
-          <a:ln>
-            <a:noFill/>
-          </a:ln>
-        </p:spPr>
-        <p:style>
-          <a:lnRef idx="2">
-            <a:schemeClr val="accent1">
-              <a:shade val="50000"/>
-            </a:schemeClr>
-          </a:lnRef>
-          <a:fillRef idx="1">
-            <a:schemeClr val="accent1"/>
-          </a:fillRef>
-          <a:effectRef idx="0">
-            <a:schemeClr val="accent1"/>
-          </a:effectRef>
-          <a:fontRef idx="minor">
-            <a:schemeClr val="lt1"/>
-          </a:fontRef>
-        </p:style>
-      </p:sp>
-      <p:sp>
-        <p:nvSpPr>
-          <p:cNvPr id="16" name="Rectangle 15">
-            <a:extLst>
-              <a:ext uri="{FF2B5EF4-FFF2-40B4-BE49-F238E27FC236}">
-                <a16:creationId xmlns:a16="http://schemas.microsoft.com/office/drawing/2014/main" id="{82A73093-4B9D-420D-B17E-52293703A1D4}"/>
-              </a:ext>
-              <a:ext uri="{C183D7F6-B498-43B3-948B-1728B52AA6E4}">
-                <adec:decorative xmlns:adec="http://schemas.microsoft.com/office/drawing/2017/decorative" val="1"/>
-              </a:ext>
-            </a:extLst>
-          </p:cNvPr>
-          <p:cNvSpPr>
-            <a:spLocks noGrp="1" noRot="1" noChangeAspect="1" noMove="1" noResize="1" noEditPoints="1" noAdjustHandles="1" noChangeArrowheads="1" noChangeShapeType="1" noTextEdit="1"/>
-          </p:cNvSpPr>
-          <p:nvPr>
-            <p:extLst>
-              <p:ext uri="{386F3935-93C4-4BCD-93E2-E3B085C9AB24}">
-                <p16:designElem xmlns:p16="http://schemas.microsoft.com/office/powerpoint/2015/main" val="1"/>
-              </p:ext>
-            </p:extLst>
-          </p:nvPr>
-        </p:nvSpPr>
-        <p:spPr>
-          <a:xfrm>
-            <a:off x="1" y="6400800"/>
-            <a:ext cx="12192000" cy="457200"/>
-          </a:xfrm>
-          <a:prstGeom prst="rect">
-            <a:avLst/>
-          </a:prstGeom>
-          <a:solidFill>
-            <a:schemeClr val="accent2"/>
-          </a:solidFill>
-          <a:ln>
-            <a:noFill/>
-          </a:ln>
-        </p:spPr>
-        <p:style>
-          <a:lnRef idx="2">
-            <a:schemeClr val="accent1">
-              <a:shade val="50000"/>
-            </a:schemeClr>
-          </a:lnRef>
-          <a:fillRef idx="1">
-            <a:schemeClr val="accent1"/>
-          </a:fillRef>
-          <a:effectRef idx="0">
-            <a:schemeClr val="accent1"/>
-          </a:effectRef>
-          <a:fontRef idx="minor">
-            <a:schemeClr val="lt1"/>
-          </a:fontRef>
-        </p:style>
-      </p:sp>
     </p:spTree>
     <p:extLst>
       <p:ext uri="{BB962C8B-B14F-4D97-AF65-F5344CB8AC3E}">
-        <p14:creationId xmlns:p14="http://schemas.microsoft.com/office/powerpoint/2010/main" val="459460906"/>
+        <p14:creationId xmlns:p14="http://schemas.microsoft.com/office/powerpoint/2010/main" val="754874292"/>
       </p:ext>
     </p:extLst>
   </p:cSld>
   <p:clrMapOvr>
     <a:masterClrMapping/>
   </p:clrMapOvr>
+  <p:timing>
+    <p:tnLst>
+      <p:par>
+        <p:cTn id="1" dur="indefinite" restart="never" nodeType="tmRoot">
+          <p:childTnLst>
+            <p:seq concurrent="1" nextAc="seek">
+              <p:cTn id="2" dur="indefinite" nodeType="mainSeq">
+                <p:childTnLst>
+                  <p:par>
+                    <p:cTn id="3" fill="hold">
+                      <p:stCondLst>
+                        <p:cond delay="indefinite"/>
+                      </p:stCondLst>
+                      <p:childTnLst>
+                        <p:par>
+                          <p:cTn id="4" fill="hold">
+                            <p:stCondLst>
+                              <p:cond delay="0"/>
+                            </p:stCondLst>
+                            <p:childTnLst>
+                              <p:par>
+                                <p:cTn id="5" presetID="1" presetClass="entr" presetSubtype="0" fill="hold" grpId="0" nodeType="clickEffect">
+                                  <p:stCondLst>
+                                    <p:cond delay="0"/>
+                                  </p:stCondLst>
+                                  <p:childTnLst>
+                                    <p:set>
+                                      <p:cBhvr>
+                                        <p:cTn id="6" dur="1" fill="hold">
+                                          <p:stCondLst>
+                                            <p:cond delay="0"/>
+                                          </p:stCondLst>
+                                        </p:cTn>
+                                        <p:tgtEl>
+                                          <p:spTgt spid="2"/>
+                                        </p:tgtEl>
+                                        <p:attrNameLst>
+                                          <p:attrName>style.visibility</p:attrName>
+                                        </p:attrNameLst>
+                                      </p:cBhvr>
+                                      <p:to>
+                                        <p:strVal val="visible"/>
+                                      </p:to>
+                                    </p:set>
+                                  </p:childTnLst>
+                                </p:cTn>
+                              </p:par>
+                              <p:par>
+                                <p:cTn id="7" presetID="1" presetClass="entr" presetSubtype="0" fill="hold" grpId="0" nodeType="withEffect">
+                                  <p:stCondLst>
+                                    <p:cond delay="0"/>
+                                  </p:stCondLst>
+                                  <p:childTnLst>
+                                    <p:set>
+                                      <p:cBhvr>
+                                        <p:cTn id="8" dur="1" fill="hold">
+                                          <p:stCondLst>
+                                            <p:cond delay="0"/>
+                                          </p:stCondLst>
+                                        </p:cTn>
+                                        <p:tgtEl>
+                                          <p:spTgt spid="7">
+                                            <p:txEl>
+                                              <p:pRg st="0" end="0"/>
+                                            </p:txEl>
+                                          </p:spTgt>
+                                        </p:tgtEl>
+                                        <p:attrNameLst>
+                                          <p:attrName>style.visibility</p:attrName>
+                                        </p:attrNameLst>
+                                      </p:cBhvr>
+                                      <p:to>
+                                        <p:strVal val="visible"/>
+                                      </p:to>
+                                    </p:set>
+                                  </p:childTnLst>
+                                </p:cTn>
+                              </p:par>
+                            </p:childTnLst>
+                          </p:cTn>
+                        </p:par>
+                      </p:childTnLst>
+                    </p:cTn>
+                  </p:par>
+                  <p:par>
+                    <p:cTn id="9" fill="hold">
+                      <p:stCondLst>
+                        <p:cond delay="indefinite"/>
+                      </p:stCondLst>
+                      <p:childTnLst>
+                        <p:par>
+                          <p:cTn id="10" fill="hold">
+                            <p:stCondLst>
+                              <p:cond delay="0"/>
+                            </p:stCondLst>
+                            <p:childTnLst>
+                              <p:par>
+                                <p:cTn id="11" presetID="1" presetClass="entr" presetSubtype="0" fill="hold" grpId="0" nodeType="clickEffect">
+                                  <p:stCondLst>
+                                    <p:cond delay="0"/>
+                                  </p:stCondLst>
+                                  <p:childTnLst>
+                                    <p:set>
+                                      <p:cBhvr>
+                                        <p:cTn id="12" dur="1" fill="hold">
+                                          <p:stCondLst>
+                                            <p:cond delay="0"/>
+                                          </p:stCondLst>
+                                        </p:cTn>
+                                        <p:tgtEl>
+                                          <p:spTgt spid="7">
+                                            <p:txEl>
+                                              <p:pRg st="1" end="1"/>
+                                            </p:txEl>
+                                          </p:spTgt>
+                                        </p:tgtEl>
+                                        <p:attrNameLst>
+                                          <p:attrName>style.visibility</p:attrName>
+                                        </p:attrNameLst>
+                                      </p:cBhvr>
+                                      <p:to>
+                                        <p:strVal val="visible"/>
+                                      </p:to>
+                                    </p:set>
+                                  </p:childTnLst>
+                                </p:cTn>
+                              </p:par>
+                            </p:childTnLst>
+                          </p:cTn>
+                        </p:par>
+                      </p:childTnLst>
+                    </p:cTn>
+                  </p:par>
+                  <p:par>
+                    <p:cTn id="13" fill="hold">
+                      <p:stCondLst>
+                        <p:cond delay="indefinite"/>
+                      </p:stCondLst>
+                      <p:childTnLst>
+                        <p:par>
+                          <p:cTn id="14" fill="hold">
+                            <p:stCondLst>
+                              <p:cond delay="0"/>
+                            </p:stCondLst>
+                            <p:childTnLst>
+                              <p:par>
+                                <p:cTn id="15" presetID="1" presetClass="entr" presetSubtype="0" fill="hold" grpId="0" nodeType="clickEffect">
+                                  <p:stCondLst>
+                                    <p:cond delay="0"/>
+                                  </p:stCondLst>
+                                  <p:childTnLst>
+                                    <p:set>
+                                      <p:cBhvr>
+                                        <p:cTn id="16" dur="1" fill="hold">
+                                          <p:stCondLst>
+                                            <p:cond delay="0"/>
+                                          </p:stCondLst>
+                                        </p:cTn>
+                                        <p:tgtEl>
+                                          <p:spTgt spid="7">
+                                            <p:txEl>
+                                              <p:pRg st="2" end="2"/>
+                                            </p:txEl>
+                                          </p:spTgt>
+                                        </p:tgtEl>
+                                        <p:attrNameLst>
+                                          <p:attrName>style.visibility</p:attrName>
+                                        </p:attrNameLst>
+                                      </p:cBhvr>
+                                      <p:to>
+                                        <p:strVal val="visible"/>
+                                      </p:to>
+                                    </p:set>
+                                  </p:childTnLst>
+                                </p:cTn>
+                              </p:par>
+                            </p:childTnLst>
+                          </p:cTn>
+                        </p:par>
+                      </p:childTnLst>
+                    </p:cTn>
+                  </p:par>
+                  <p:par>
+                    <p:cTn id="17" fill="hold">
+                      <p:stCondLst>
+                        <p:cond delay="indefinite"/>
+                      </p:stCondLst>
+                      <p:childTnLst>
+                        <p:par>
+                          <p:cTn id="18" fill="hold">
+                            <p:stCondLst>
+                              <p:cond delay="0"/>
+                            </p:stCondLst>
+                            <p:childTnLst>
+                              <p:par>
+                                <p:cTn id="19" presetID="1" presetClass="entr" presetSubtype="0" fill="hold" nodeType="clickEffect">
+                                  <p:stCondLst>
+                                    <p:cond delay="0"/>
+                                  </p:stCondLst>
+                                  <p:childTnLst>
+                                    <p:set>
+                                      <p:cBhvr>
+                                        <p:cTn id="20" dur="1" fill="hold">
+                                          <p:stCondLst>
+                                            <p:cond delay="0"/>
+                                          </p:stCondLst>
+                                        </p:cTn>
+                                        <p:tgtEl>
+                                          <p:spTgt spid="5"/>
+                                        </p:tgtEl>
+                                        <p:attrNameLst>
+                                          <p:attrName>style.visibility</p:attrName>
+                                        </p:attrNameLst>
+                                      </p:cBhvr>
+                                      <p:to>
+                                        <p:strVal val="visible"/>
+                                      </p:to>
+                                    </p:set>
+                                  </p:childTnLst>
+                                </p:cTn>
+                              </p:par>
+                            </p:childTnLst>
+                          </p:cTn>
+                        </p:par>
+                      </p:childTnLst>
+                    </p:cTn>
+                  </p:par>
+                </p:childTnLst>
+              </p:cTn>
+              <p:prevCondLst>
+                <p:cond evt="onPrev" delay="0">
+                  <p:tgtEl>
+                    <p:sldTgt/>
+                  </p:tgtEl>
+                </p:cond>
+              </p:prevCondLst>
+              <p:nextCondLst>
+                <p:cond evt="onNext" delay="0">
+                  <p:tgtEl>
+                    <p:sldTgt/>
+                  </p:tgtEl>
+                </p:cond>
+              </p:nextCondLst>
+            </p:seq>
+          </p:childTnLst>
+        </p:cTn>
+      </p:par>
+    </p:tnLst>
+    <p:bldLst>
+      <p:bldP spid="2" grpId="0"/>
+      <p:bldP spid="7" grpId="0" build="p"/>
+    </p:bldLst>
+  </p:timing>
 </p:sld>
 </file>
 
@@ -8529,7 +9458,7 @@
           <p:cNvPr id="2" name="Title 1">
             <a:extLst>
               <a:ext uri="{FF2B5EF4-FFF2-40B4-BE49-F238E27FC236}">
-                <a16:creationId xmlns:a16="http://schemas.microsoft.com/office/drawing/2014/main" id="{2268227A-CD5B-4F01-B846-C7AD08D6A63E}"/>
+                <a16:creationId xmlns:a16="http://schemas.microsoft.com/office/drawing/2014/main" id="{4E9665C3-A39B-46CB-9476-38155755C811}"/>
               </a:ext>
             </a:extLst>
           </p:cNvPr>
@@ -8540,24 +9469,29 @@
             <p:ph type="title"/>
           </p:nvPr>
         </p:nvSpPr>
-        <p:spPr/>
+        <p:spPr>
+          <a:xfrm>
+            <a:off x="1097280" y="286603"/>
+            <a:ext cx="10058400" cy="1450757"/>
+          </a:xfrm>
+        </p:spPr>
         <p:txBody>
           <a:bodyPr/>
           <a:lstStyle/>
           <a:p>
             <a:r>
               <a:rPr lang="en-US" dirty="0"/>
-              <a:t>Do you need repository + UOW with EF core?</a:t>
-            </a:r>
-          </a:p>
-        </p:txBody>
-      </p:sp>
-      <p:sp>
-        <p:nvSpPr>
-          <p:cNvPr id="3" name="Content Placeholder 2">
+              <a:t>Application layer</a:t>
+            </a:r>
+          </a:p>
+        </p:txBody>
+      </p:sp>
+      <p:sp>
+        <p:nvSpPr>
+          <p:cNvPr id="7" name="Content Placeholder 6">
             <a:extLst>
               <a:ext uri="{FF2B5EF4-FFF2-40B4-BE49-F238E27FC236}">
-                <a16:creationId xmlns:a16="http://schemas.microsoft.com/office/drawing/2014/main" id="{77FEBA99-FFB7-4F6A-86FE-6E12674F57D5}"/>
+                <a16:creationId xmlns:a16="http://schemas.microsoft.com/office/drawing/2014/main" id="{A101F740-C1A8-4E3F-96D8-B8C61571713A}"/>
               </a:ext>
             </a:extLst>
           </p:cNvPr>
@@ -8568,7 +9502,12 @@
             <p:ph idx="1"/>
           </p:nvPr>
         </p:nvSpPr>
-        <p:spPr/>
+        <p:spPr>
+          <a:xfrm>
+            <a:off x="1097280" y="2030032"/>
+            <a:ext cx="10058400" cy="4023360"/>
+          </a:xfrm>
+        </p:spPr>
         <p:txBody>
           <a:bodyPr>
             <a:normAutofit/>
@@ -8581,39 +9520,7 @@
             </a:pPr>
             <a:r>
               <a:rPr lang="en-US" sz="2800" dirty="0"/>
-              <a:t> No. </a:t>
-            </a:r>
-            <a:r>
-              <a:rPr lang="en-US" sz="2800" dirty="0" err="1"/>
-              <a:t>Ef</a:t>
-            </a:r>
-            <a:r>
-              <a:rPr lang="en-US" sz="2800" dirty="0"/>
-              <a:t> core has </a:t>
-            </a:r>
-            <a:r>
-              <a:rPr lang="en-US" sz="2800" dirty="0" err="1"/>
-              <a:t>DbSet</a:t>
-            </a:r>
-            <a:r>
-              <a:rPr lang="en-US" sz="2800" dirty="0"/>
-              <a:t> and </a:t>
-            </a:r>
-            <a:r>
-              <a:rPr lang="en-US" sz="2800" dirty="0" err="1"/>
-              <a:t>context.SaveChanges</a:t>
-            </a:r>
-            <a:r>
-              <a:rPr lang="en-US" sz="2800" dirty="0"/>
-              <a:t>() is already repository + </a:t>
-            </a:r>
-            <a:r>
-              <a:rPr lang="en-US" sz="2800" dirty="0" err="1"/>
-              <a:t>uow</a:t>
-            </a:r>
-            <a:r>
-              <a:rPr lang="en-US" sz="2800" dirty="0"/>
-              <a:t> pattern.</a:t>
+              <a:t> Contain app business logic (feature business logic)</a:t>
             </a:r>
           </a:p>
           <a:p>
@@ -8622,21 +9529,14 @@
               <a:buChar char="Ø"/>
             </a:pPr>
             <a:r>
+              <a:rPr lang="en-US" sz="2800" dirty="0"/>
+              <a:t> CQRS ❤ </a:t>
+            </a:r>
+            <a:r>
               <a:rPr lang="en-US" sz="2800" dirty="0" err="1"/>
-              <a:t>Ef</a:t>
-            </a:r>
-            <a:r>
-              <a:rPr lang="en-US" sz="2800" dirty="0"/>
-              <a:t> core has in memory provider so </a:t>
-            </a:r>
-            <a:r>
-              <a:rPr lang="en-US" sz="2800" dirty="0" err="1"/>
-              <a:t>DbContext</a:t>
-            </a:r>
-            <a:r>
-              <a:rPr lang="en-US" sz="2800" dirty="0"/>
-              <a:t> is fully testable.</a:t>
-            </a:r>
+              <a:t>MediatR</a:t>
+            </a:r>
+            <a:endParaRPr lang="en-US" sz="2800" dirty="0"/>
           </a:p>
           <a:p>
             <a:pPr>
@@ -8645,7 +9545,32 @@
             </a:pPr>
             <a:r>
               <a:rPr lang="en-US" sz="2800" dirty="0"/>
-              <a:t>Unless, you have a very specific reason to do so…</a:t>
+              <a:t> Commands and Queries</a:t>
+            </a:r>
+          </a:p>
+          <a:p>
+            <a:pPr>
+              <a:buFont typeface="Wingdings" panose="05000000000000000000" pitchFamily="2" charset="2"/>
+              <a:buChar char="Ø"/>
+            </a:pPr>
+            <a:r>
+              <a:rPr lang="en-US" sz="2800" dirty="0"/>
+              <a:t> Validation 💖 </a:t>
+            </a:r>
+            <a:r>
+              <a:rPr lang="en-US" sz="2800" dirty="0" err="1"/>
+              <a:t>FluentValidator</a:t>
+            </a:r>
+            <a:endParaRPr lang="en-US" sz="2800" dirty="0"/>
+          </a:p>
+          <a:p>
+            <a:pPr>
+              <a:buFont typeface="Wingdings" panose="05000000000000000000" pitchFamily="2" charset="2"/>
+              <a:buChar char="Ø"/>
+            </a:pPr>
+            <a:r>
+              <a:rPr lang="en-US" sz="2800" dirty="0"/>
+              <a:t> Result vs Exception</a:t>
             </a:r>
           </a:p>
         </p:txBody>
@@ -8653,13 +9578,319 @@
     </p:spTree>
     <p:extLst>
       <p:ext uri="{BB962C8B-B14F-4D97-AF65-F5344CB8AC3E}">
-        <p14:creationId xmlns:p14="http://schemas.microsoft.com/office/powerpoint/2010/main" val="2318569957"/>
+        <p14:creationId xmlns:p14="http://schemas.microsoft.com/office/powerpoint/2010/main" val="2698119670"/>
       </p:ext>
     </p:extLst>
   </p:cSld>
   <p:clrMapOvr>
     <a:masterClrMapping/>
   </p:clrMapOvr>
+  <p:timing>
+    <p:tnLst>
+      <p:par>
+        <p:cTn id="1" dur="indefinite" restart="never" nodeType="tmRoot">
+          <p:childTnLst>
+            <p:seq concurrent="1" nextAc="seek">
+              <p:cTn id="2" dur="indefinite" nodeType="mainSeq">
+                <p:childTnLst>
+                  <p:par>
+                    <p:cTn id="3" fill="hold">
+                      <p:stCondLst>
+                        <p:cond delay="indefinite"/>
+                      </p:stCondLst>
+                      <p:childTnLst>
+                        <p:par>
+                          <p:cTn id="4" fill="hold">
+                            <p:stCondLst>
+                              <p:cond delay="0"/>
+                            </p:stCondLst>
+                            <p:childTnLst>
+                              <p:par>
+                                <p:cTn id="5" presetID="1" presetClass="entr" presetSubtype="0" fill="hold" grpId="0" nodeType="clickEffect">
+                                  <p:stCondLst>
+                                    <p:cond delay="0"/>
+                                  </p:stCondLst>
+                                  <p:childTnLst>
+                                    <p:set>
+                                      <p:cBhvr>
+                                        <p:cTn id="6" dur="1" fill="hold">
+                                          <p:stCondLst>
+                                            <p:cond delay="0"/>
+                                          </p:stCondLst>
+                                        </p:cTn>
+                                        <p:tgtEl>
+                                          <p:spTgt spid="2"/>
+                                        </p:tgtEl>
+                                        <p:attrNameLst>
+                                          <p:attrName>style.visibility</p:attrName>
+                                        </p:attrNameLst>
+                                      </p:cBhvr>
+                                      <p:to>
+                                        <p:strVal val="visible"/>
+                                      </p:to>
+                                    </p:set>
+                                  </p:childTnLst>
+                                </p:cTn>
+                              </p:par>
+                              <p:par>
+                                <p:cTn id="7" presetID="1" presetClass="entr" presetSubtype="0" fill="hold" grpId="0" nodeType="withEffect">
+                                  <p:stCondLst>
+                                    <p:cond delay="0"/>
+                                  </p:stCondLst>
+                                  <p:childTnLst>
+                                    <p:set>
+                                      <p:cBhvr>
+                                        <p:cTn id="8" dur="1" fill="hold">
+                                          <p:stCondLst>
+                                            <p:cond delay="0"/>
+                                          </p:stCondLst>
+                                        </p:cTn>
+                                        <p:tgtEl>
+                                          <p:spTgt spid="7">
+                                            <p:txEl>
+                                              <p:pRg st="0" end="0"/>
+                                            </p:txEl>
+                                          </p:spTgt>
+                                        </p:tgtEl>
+                                        <p:attrNameLst>
+                                          <p:attrName>style.visibility</p:attrName>
+                                        </p:attrNameLst>
+                                      </p:cBhvr>
+                                      <p:to>
+                                        <p:strVal val="visible"/>
+                                      </p:to>
+                                    </p:set>
+                                  </p:childTnLst>
+                                </p:cTn>
+                              </p:par>
+                            </p:childTnLst>
+                          </p:cTn>
+                        </p:par>
+                      </p:childTnLst>
+                    </p:cTn>
+                  </p:par>
+                  <p:par>
+                    <p:cTn id="9" fill="hold">
+                      <p:stCondLst>
+                        <p:cond delay="indefinite"/>
+                      </p:stCondLst>
+                      <p:childTnLst>
+                        <p:par>
+                          <p:cTn id="10" fill="hold">
+                            <p:stCondLst>
+                              <p:cond delay="0"/>
+                            </p:stCondLst>
+                            <p:childTnLst>
+                              <p:par>
+                                <p:cTn id="11" presetID="1" presetClass="entr" presetSubtype="0" fill="hold" grpId="0" nodeType="clickEffect">
+                                  <p:stCondLst>
+                                    <p:cond delay="0"/>
+                                  </p:stCondLst>
+                                  <p:childTnLst>
+                                    <p:set>
+                                      <p:cBhvr>
+                                        <p:cTn id="12" dur="1" fill="hold">
+                                          <p:stCondLst>
+                                            <p:cond delay="0"/>
+                                          </p:stCondLst>
+                                        </p:cTn>
+                                        <p:tgtEl>
+                                          <p:spTgt spid="7">
+                                            <p:txEl>
+                                              <p:pRg st="1" end="1"/>
+                                            </p:txEl>
+                                          </p:spTgt>
+                                        </p:tgtEl>
+                                        <p:attrNameLst>
+                                          <p:attrName>style.visibility</p:attrName>
+                                        </p:attrNameLst>
+                                      </p:cBhvr>
+                                      <p:to>
+                                        <p:strVal val="visible"/>
+                                      </p:to>
+                                    </p:set>
+                                  </p:childTnLst>
+                                </p:cTn>
+                              </p:par>
+                            </p:childTnLst>
+                          </p:cTn>
+                        </p:par>
+                      </p:childTnLst>
+                    </p:cTn>
+                  </p:par>
+                  <p:par>
+                    <p:cTn id="13" fill="hold">
+                      <p:stCondLst>
+                        <p:cond delay="indefinite"/>
+                      </p:stCondLst>
+                      <p:childTnLst>
+                        <p:par>
+                          <p:cTn id="14" fill="hold">
+                            <p:stCondLst>
+                              <p:cond delay="0"/>
+                            </p:stCondLst>
+                            <p:childTnLst>
+                              <p:par>
+                                <p:cTn id="15" presetID="1" presetClass="entr" presetSubtype="0" fill="hold" grpId="0" nodeType="clickEffect">
+                                  <p:stCondLst>
+                                    <p:cond delay="0"/>
+                                  </p:stCondLst>
+                                  <p:childTnLst>
+                                    <p:set>
+                                      <p:cBhvr>
+                                        <p:cTn id="16" dur="1" fill="hold">
+                                          <p:stCondLst>
+                                            <p:cond delay="0"/>
+                                          </p:stCondLst>
+                                        </p:cTn>
+                                        <p:tgtEl>
+                                          <p:spTgt spid="7">
+                                            <p:txEl>
+                                              <p:pRg st="2" end="2"/>
+                                            </p:txEl>
+                                          </p:spTgt>
+                                        </p:tgtEl>
+                                        <p:attrNameLst>
+                                          <p:attrName>style.visibility</p:attrName>
+                                        </p:attrNameLst>
+                                      </p:cBhvr>
+                                      <p:to>
+                                        <p:strVal val="visible"/>
+                                      </p:to>
+                                    </p:set>
+                                  </p:childTnLst>
+                                </p:cTn>
+                              </p:par>
+                            </p:childTnLst>
+                          </p:cTn>
+                        </p:par>
+                      </p:childTnLst>
+                    </p:cTn>
+                  </p:par>
+                  <p:par>
+                    <p:cTn id="17" fill="hold">
+                      <p:stCondLst>
+                        <p:cond delay="indefinite"/>
+                      </p:stCondLst>
+                      <p:childTnLst>
+                        <p:par>
+                          <p:cTn id="18" fill="hold">
+                            <p:stCondLst>
+                              <p:cond delay="0"/>
+                            </p:stCondLst>
+                            <p:childTnLst>
+                              <p:par>
+                                <p:cTn id="19" presetID="1" presetClass="entr" presetSubtype="0" fill="hold" grpId="0" nodeType="clickEffect">
+                                  <p:stCondLst>
+                                    <p:cond delay="0"/>
+                                  </p:stCondLst>
+                                  <p:childTnLst>
+                                    <p:set>
+                                      <p:cBhvr>
+                                        <p:cTn id="20" dur="1" fill="hold">
+                                          <p:stCondLst>
+                                            <p:cond delay="0"/>
+                                          </p:stCondLst>
+                                        </p:cTn>
+                                        <p:tgtEl>
+                                          <p:spTgt spid="7">
+                                            <p:txEl>
+                                              <p:pRg st="3" end="3"/>
+                                            </p:txEl>
+                                          </p:spTgt>
+                                        </p:tgtEl>
+                                        <p:attrNameLst>
+                                          <p:attrName>style.visibility</p:attrName>
+                                        </p:attrNameLst>
+                                      </p:cBhvr>
+                                      <p:to>
+                                        <p:strVal val="visible"/>
+                                      </p:to>
+                                    </p:set>
+                                  </p:childTnLst>
+                                </p:cTn>
+                              </p:par>
+                            </p:childTnLst>
+                          </p:cTn>
+                        </p:par>
+                      </p:childTnLst>
+                    </p:cTn>
+                  </p:par>
+                  <p:par>
+                    <p:cTn id="21" fill="hold">
+                      <p:stCondLst>
+                        <p:cond delay="indefinite"/>
+                      </p:stCondLst>
+                      <p:childTnLst>
+                        <p:par>
+                          <p:cTn id="22" fill="hold">
+                            <p:stCondLst>
+                              <p:cond delay="0"/>
+                            </p:stCondLst>
+                            <p:childTnLst>
+                              <p:par>
+                                <p:cTn id="23" presetID="1" presetClass="entr" presetSubtype="0" fill="hold" grpId="0" nodeType="clickEffect">
+                                  <p:stCondLst>
+                                    <p:cond delay="0"/>
+                                  </p:stCondLst>
+                                  <p:childTnLst>
+                                    <p:set>
+                                      <p:cBhvr>
+                                        <p:cTn id="24" dur="1" fill="hold">
+                                          <p:stCondLst>
+                                            <p:cond delay="0"/>
+                                          </p:stCondLst>
+                                        </p:cTn>
+                                        <p:tgtEl>
+                                          <p:spTgt spid="7">
+                                            <p:txEl>
+                                              <p:pRg st="4" end="4"/>
+                                            </p:txEl>
+                                          </p:spTgt>
+                                        </p:tgtEl>
+                                        <p:attrNameLst>
+                                          <p:attrName>style.visibility</p:attrName>
+                                        </p:attrNameLst>
+                                      </p:cBhvr>
+                                      <p:to>
+                                        <p:strVal val="visible"/>
+                                      </p:to>
+                                    </p:set>
+                                  </p:childTnLst>
+                                </p:cTn>
+                              </p:par>
+                            </p:childTnLst>
+                          </p:cTn>
+                        </p:par>
+                      </p:childTnLst>
+                    </p:cTn>
+                  </p:par>
+                </p:childTnLst>
+              </p:cTn>
+              <p:prevCondLst>
+                <p:cond evt="onPrev" delay="0">
+                  <p:tgtEl>
+                    <p:sldTgt/>
+                  </p:tgtEl>
+                </p:cond>
+              </p:prevCondLst>
+              <p:nextCondLst>
+                <p:cond evt="onNext" delay="0">
+                  <p:tgtEl>
+                    <p:sldTgt/>
+                  </p:tgtEl>
+                </p:cond>
+              </p:nextCondLst>
+            </p:seq>
+          </p:childTnLst>
+        </p:cTn>
+      </p:par>
+    </p:tnLst>
+    <p:bldLst>
+      <p:bldP spid="2" grpId="0"/>
+      <p:bldP spid="7" grpId="0" build="p"/>
+    </p:bldLst>
+  </p:timing>
 </p:sld>
 </file>
 
@@ -8696,15 +9927,25 @@
             <p:ph type="title"/>
           </p:nvPr>
         </p:nvSpPr>
-        <p:spPr/>
+        <p:spPr>
+          <a:xfrm>
+            <a:off x="1097280" y="286603"/>
+            <a:ext cx="10058400" cy="1450757"/>
+          </a:xfrm>
+        </p:spPr>
         <p:txBody>
           <a:bodyPr/>
           <a:lstStyle/>
           <a:p>
             <a:r>
               <a:rPr lang="en-US" dirty="0"/>
-              <a:t>Infrastructure layer</a:t>
-            </a:r>
+              <a:t>CQRS ❤ </a:t>
+            </a:r>
+            <a:r>
+              <a:rPr lang="en-US" dirty="0" err="1"/>
+              <a:t>MediatR</a:t>
+            </a:r>
+            <a:endParaRPr lang="en-US" dirty="0"/>
           </a:p>
         </p:txBody>
       </p:sp>
@@ -8741,10 +9982,9 @@
               <a:buChar char="Ø"/>
             </a:pPr>
             <a:r>
-              <a:rPr lang="en-US" sz="2800" dirty="0" err="1"/>
-              <a:t>IdentityDbContext</a:t>
-            </a:r>
-            <a:endParaRPr lang="en-US" sz="2800" dirty="0"/>
+              <a:rPr lang="en-US" sz="2800" dirty="0"/>
+              <a:t> Command Query Responsibility Segregation (CQRS)</a:t>
+            </a:r>
           </a:p>
           <a:p>
             <a:pPr>
@@ -8753,15 +9993,27 @@
             </a:pPr>
             <a:r>
               <a:rPr lang="en-US" sz="2800" dirty="0"/>
-              <a:t>Any cross-cutting concerns (e.g. storing, uploading photo using </a:t>
-            </a:r>
-            <a:r>
-              <a:rPr lang="en-US" sz="2800" dirty="0" err="1"/>
-              <a:t>Cloudinary</a:t>
-            </a:r>
+              <a:t> Separate read (queries) from write (commands)</a:t>
+            </a:r>
+          </a:p>
+          <a:p>
+            <a:pPr>
+              <a:buFont typeface="Wingdings" panose="05000000000000000000" pitchFamily="2" charset="2"/>
+              <a:buChar char="Ø"/>
+            </a:pPr>
             <a:r>
               <a:rPr lang="en-US" sz="2800" dirty="0"/>
-              <a:t>)</a:t>
+              <a:t> Every request is either a command or queries (not both)</a:t>
+            </a:r>
+          </a:p>
+          <a:p>
+            <a:pPr>
+              <a:buFont typeface="Wingdings" panose="05000000000000000000" pitchFamily="2" charset="2"/>
+              <a:buChar char="Ø"/>
+            </a:pPr>
+            <a:r>
+              <a:rPr lang="en-US" sz="2800" dirty="0"/>
+              <a:t> But wait, CQRS principle is better than this</a:t>
             </a:r>
           </a:p>
           <a:p>
@@ -8772,9 +10024,8 @@
             <a:endParaRPr lang="en-US" sz="2800" dirty="0"/>
           </a:p>
           <a:p>
-            <a:pPr>
-              <a:buFont typeface="Wingdings" panose="05000000000000000000" pitchFamily="2" charset="2"/>
-              <a:buChar char="Ø"/>
+            <a:pPr marL="0" indent="0">
+              <a:buNone/>
             </a:pPr>
             <a:endParaRPr lang="en-US" sz="2800" dirty="0"/>
           </a:p>
@@ -8783,13 +10034,270 @@
     </p:spTree>
     <p:extLst>
       <p:ext uri="{BB962C8B-B14F-4D97-AF65-F5344CB8AC3E}">
-        <p14:creationId xmlns:p14="http://schemas.microsoft.com/office/powerpoint/2010/main" val="4178838148"/>
+        <p14:creationId xmlns:p14="http://schemas.microsoft.com/office/powerpoint/2010/main" val="1173010774"/>
       </p:ext>
     </p:extLst>
   </p:cSld>
   <p:clrMapOvr>
     <a:masterClrMapping/>
   </p:clrMapOvr>
+  <p:timing>
+    <p:tnLst>
+      <p:par>
+        <p:cTn id="1" dur="indefinite" restart="never" nodeType="tmRoot">
+          <p:childTnLst>
+            <p:seq concurrent="1" nextAc="seek">
+              <p:cTn id="2" dur="indefinite" nodeType="mainSeq">
+                <p:childTnLst>
+                  <p:par>
+                    <p:cTn id="3" fill="hold">
+                      <p:stCondLst>
+                        <p:cond delay="indefinite"/>
+                      </p:stCondLst>
+                      <p:childTnLst>
+                        <p:par>
+                          <p:cTn id="4" fill="hold">
+                            <p:stCondLst>
+                              <p:cond delay="0"/>
+                            </p:stCondLst>
+                            <p:childTnLst>
+                              <p:par>
+                                <p:cTn id="5" presetID="1" presetClass="entr" presetSubtype="0" fill="hold" grpId="0" nodeType="clickEffect">
+                                  <p:stCondLst>
+                                    <p:cond delay="0"/>
+                                  </p:stCondLst>
+                                  <p:childTnLst>
+                                    <p:set>
+                                      <p:cBhvr>
+                                        <p:cTn id="6" dur="1" fill="hold">
+                                          <p:stCondLst>
+                                            <p:cond delay="0"/>
+                                          </p:stCondLst>
+                                        </p:cTn>
+                                        <p:tgtEl>
+                                          <p:spTgt spid="2"/>
+                                        </p:tgtEl>
+                                        <p:attrNameLst>
+                                          <p:attrName>style.visibility</p:attrName>
+                                        </p:attrNameLst>
+                                      </p:cBhvr>
+                                      <p:to>
+                                        <p:strVal val="visible"/>
+                                      </p:to>
+                                    </p:set>
+                                  </p:childTnLst>
+                                </p:cTn>
+                              </p:par>
+                              <p:par>
+                                <p:cTn id="7" presetID="1" presetClass="entr" presetSubtype="0" fill="hold" grpId="0" nodeType="withEffect">
+                                  <p:stCondLst>
+                                    <p:cond delay="0"/>
+                                  </p:stCondLst>
+                                  <p:childTnLst>
+                                    <p:set>
+                                      <p:cBhvr>
+                                        <p:cTn id="8" dur="1" fill="hold">
+                                          <p:stCondLst>
+                                            <p:cond delay="0"/>
+                                          </p:stCondLst>
+                                        </p:cTn>
+                                        <p:tgtEl>
+                                          <p:spTgt spid="7">
+                                            <p:txEl>
+                                              <p:pRg st="0" end="0"/>
+                                            </p:txEl>
+                                          </p:spTgt>
+                                        </p:tgtEl>
+                                        <p:attrNameLst>
+                                          <p:attrName>style.visibility</p:attrName>
+                                        </p:attrNameLst>
+                                      </p:cBhvr>
+                                      <p:to>
+                                        <p:strVal val="visible"/>
+                                      </p:to>
+                                    </p:set>
+                                  </p:childTnLst>
+                                </p:cTn>
+                              </p:par>
+                            </p:childTnLst>
+                          </p:cTn>
+                        </p:par>
+                      </p:childTnLst>
+                    </p:cTn>
+                  </p:par>
+                  <p:par>
+                    <p:cTn id="9" fill="hold">
+                      <p:stCondLst>
+                        <p:cond delay="indefinite"/>
+                      </p:stCondLst>
+                      <p:childTnLst>
+                        <p:par>
+                          <p:cTn id="10" fill="hold">
+                            <p:stCondLst>
+                              <p:cond delay="0"/>
+                            </p:stCondLst>
+                            <p:childTnLst>
+                              <p:par>
+                                <p:cTn id="11" presetID="1" presetClass="entr" presetSubtype="0" fill="hold" grpId="0" nodeType="clickEffect">
+                                  <p:stCondLst>
+                                    <p:cond delay="0"/>
+                                  </p:stCondLst>
+                                  <p:childTnLst>
+                                    <p:set>
+                                      <p:cBhvr>
+                                        <p:cTn id="12" dur="1" fill="hold">
+                                          <p:stCondLst>
+                                            <p:cond delay="0"/>
+                                          </p:stCondLst>
+                                        </p:cTn>
+                                        <p:tgtEl>
+                                          <p:spTgt spid="7">
+                                            <p:txEl>
+                                              <p:pRg st="1" end="1"/>
+                                            </p:txEl>
+                                          </p:spTgt>
+                                        </p:tgtEl>
+                                        <p:attrNameLst>
+                                          <p:attrName>style.visibility</p:attrName>
+                                        </p:attrNameLst>
+                                      </p:cBhvr>
+                                      <p:to>
+                                        <p:strVal val="visible"/>
+                                      </p:to>
+                                    </p:set>
+                                  </p:childTnLst>
+                                </p:cTn>
+                              </p:par>
+                            </p:childTnLst>
+                          </p:cTn>
+                        </p:par>
+                      </p:childTnLst>
+                    </p:cTn>
+                  </p:par>
+                  <p:par>
+                    <p:cTn id="13" fill="hold">
+                      <p:stCondLst>
+                        <p:cond delay="indefinite"/>
+                      </p:stCondLst>
+                      <p:childTnLst>
+                        <p:par>
+                          <p:cTn id="14" fill="hold">
+                            <p:stCondLst>
+                              <p:cond delay="0"/>
+                            </p:stCondLst>
+                            <p:childTnLst>
+                              <p:par>
+                                <p:cTn id="15" presetID="1" presetClass="entr" presetSubtype="0" fill="hold" grpId="0" nodeType="clickEffect">
+                                  <p:stCondLst>
+                                    <p:cond delay="0"/>
+                                  </p:stCondLst>
+                                  <p:childTnLst>
+                                    <p:set>
+                                      <p:cBhvr>
+                                        <p:cTn id="16" dur="1" fill="hold">
+                                          <p:stCondLst>
+                                            <p:cond delay="0"/>
+                                          </p:stCondLst>
+                                        </p:cTn>
+                                        <p:tgtEl>
+                                          <p:spTgt spid="7">
+                                            <p:txEl>
+                                              <p:pRg st="2" end="2"/>
+                                            </p:txEl>
+                                          </p:spTgt>
+                                        </p:tgtEl>
+                                        <p:attrNameLst>
+                                          <p:attrName>style.visibility</p:attrName>
+                                        </p:attrNameLst>
+                                      </p:cBhvr>
+                                      <p:to>
+                                        <p:strVal val="visible"/>
+                                      </p:to>
+                                    </p:set>
+                                  </p:childTnLst>
+                                </p:cTn>
+                              </p:par>
+                            </p:childTnLst>
+                          </p:cTn>
+                        </p:par>
+                      </p:childTnLst>
+                    </p:cTn>
+                  </p:par>
+                  <p:par>
+                    <p:cTn id="17" fill="hold">
+                      <p:stCondLst>
+                        <p:cond delay="indefinite"/>
+                      </p:stCondLst>
+                      <p:childTnLst>
+                        <p:par>
+                          <p:cTn id="18" fill="hold">
+                            <p:stCondLst>
+                              <p:cond delay="0"/>
+                            </p:stCondLst>
+                            <p:childTnLst>
+                              <p:par>
+                                <p:cTn id="19" presetID="1" presetClass="entr" presetSubtype="0" fill="hold" grpId="0" nodeType="clickEffect">
+                                  <p:stCondLst>
+                                    <p:cond delay="0"/>
+                                  </p:stCondLst>
+                                  <p:childTnLst>
+                                    <p:set>
+                                      <p:cBhvr>
+                                        <p:cTn id="20" dur="1" fill="hold">
+                                          <p:stCondLst>
+                                            <p:cond delay="0"/>
+                                          </p:stCondLst>
+                                        </p:cTn>
+                                        <p:tgtEl>
+                                          <p:spTgt spid="7">
+                                            <p:txEl>
+                                              <p:pRg st="3" end="3"/>
+                                            </p:txEl>
+                                          </p:spTgt>
+                                        </p:tgtEl>
+                                        <p:attrNameLst>
+                                          <p:attrName>style.visibility</p:attrName>
+                                        </p:attrNameLst>
+                                      </p:cBhvr>
+                                      <p:to>
+                                        <p:strVal val="visible"/>
+                                      </p:to>
+                                    </p:set>
+                                  </p:childTnLst>
+                                </p:cTn>
+                              </p:par>
+                            </p:childTnLst>
+                          </p:cTn>
+                        </p:par>
+                      </p:childTnLst>
+                    </p:cTn>
+                  </p:par>
+                </p:childTnLst>
+              </p:cTn>
+              <p:prevCondLst>
+                <p:cond evt="onPrev" delay="0">
+                  <p:tgtEl>
+                    <p:sldTgt/>
+                  </p:tgtEl>
+                </p:cond>
+              </p:prevCondLst>
+              <p:nextCondLst>
+                <p:cond evt="onNext" delay="0">
+                  <p:tgtEl>
+                    <p:sldTgt/>
+                  </p:tgtEl>
+                </p:cond>
+              </p:nextCondLst>
+            </p:seq>
+          </p:childTnLst>
+        </p:cTn>
+      </p:par>
+    </p:tnLst>
+    <p:bldLst>
+      <p:bldP spid="2" grpId="0"/>
+      <p:bldP spid="7" grpId="0" build="p"/>
+    </p:bldLst>
+  </p:timing>
 </p:sld>
 </file>
 
@@ -8826,49 +10334,326 @@
             <p:ph type="title"/>
           </p:nvPr>
         </p:nvSpPr>
-        <p:spPr/>
+        <p:spPr>
+          <a:xfrm>
+            <a:off x="1097280" y="286603"/>
+            <a:ext cx="10058400" cy="1450757"/>
+          </a:xfrm>
+        </p:spPr>
         <p:txBody>
           <a:bodyPr/>
           <a:lstStyle/>
           <a:p>
             <a:r>
-              <a:rPr lang="en-US" dirty="0" err="1"/>
-              <a:t>WebApi</a:t>
-            </a:r>
-            <a:r>
               <a:rPr lang="en-US" dirty="0"/>
-              <a:t> layer</a:t>
-            </a:r>
-          </a:p>
-        </p:txBody>
-      </p:sp>
-      <p:sp>
-        <p:nvSpPr>
-          <p:cNvPr id="7" name="Content Placeholder 6">
+              <a:t>CQRS hardcore</a:t>
+            </a:r>
+          </a:p>
+        </p:txBody>
+      </p:sp>
+      <p:pic>
+        <p:nvPicPr>
+          <p:cNvPr id="4" name="Picture 3">
             <a:extLst>
               <a:ext uri="{FF2B5EF4-FFF2-40B4-BE49-F238E27FC236}">
-                <a16:creationId xmlns:a16="http://schemas.microsoft.com/office/drawing/2014/main" id="{A101F740-C1A8-4E3F-96D8-B8C61571713A}"/>
+                <a16:creationId xmlns:a16="http://schemas.microsoft.com/office/drawing/2014/main" id="{BB6B1B6B-EF99-44DE-B8DA-2DB659BBF4B3}"/>
               </a:ext>
             </a:extLst>
           </p:cNvPr>
-          <p:cNvSpPr>
-            <a:spLocks noGrp="1"/>
-          </p:cNvSpPr>
-          <p:nvPr>
-            <p:ph idx="1"/>
-          </p:nvPr>
-        </p:nvSpPr>
+          <p:cNvPicPr>
+            <a:picLocks noChangeAspect="1"/>
+          </p:cNvPicPr>
+          <p:nvPr/>
+        </p:nvPicPr>
+        <p:blipFill>
+          <a:blip r:embed="rId2"/>
+          <a:stretch>
+            <a:fillRect/>
+          </a:stretch>
+        </p:blipFill>
         <p:spPr>
           <a:xfrm>
-            <a:off x="1097280" y="2030032"/>
-            <a:ext cx="10058400" cy="4023360"/>
+            <a:off x="30480" y="2067832"/>
+            <a:ext cx="12192000" cy="1261943"/>
           </a:xfrm>
+          <a:prstGeom prst="rect">
+            <a:avLst/>
+          </a:prstGeom>
         </p:spPr>
-        <p:txBody>
-          <a:bodyPr>
+      </p:pic>
+      <p:sp>
+        <p:nvSpPr>
+          <p:cNvPr id="6" name="Content Placeholder 6">
+            <a:extLst>
+              <a:ext uri="{FF2B5EF4-FFF2-40B4-BE49-F238E27FC236}">
+                <a16:creationId xmlns:a16="http://schemas.microsoft.com/office/drawing/2014/main" id="{D99D091F-1B17-4F1E-A7C5-4D2FFB5866F4}"/>
+              </a:ext>
+            </a:extLst>
+          </p:cNvPr>
+          <p:cNvSpPr txBox="1">
+            <a:spLocks/>
+          </p:cNvSpPr>
+          <p:nvPr/>
+        </p:nvSpPr>
+        <p:spPr>
+          <a:xfrm>
+            <a:off x="1249680" y="3660246"/>
+            <a:ext cx="10058400" cy="2668553"/>
+          </a:xfrm>
+          <a:prstGeom prst="rect">
+            <a:avLst/>
+          </a:prstGeom>
+        </p:spPr>
+        <p:txBody>
+          <a:bodyPr vert="horz" lIns="0" tIns="45720" rIns="0" bIns="45720" rtlCol="0">
             <a:normAutofit/>
           </a:bodyPr>
-          <a:lstStyle/>
+          <a:lstStyle>
+            <a:lvl1pPr marL="91440" indent="-91440" algn="l" defTabSz="914400" rtl="0" eaLnBrk="1" latinLnBrk="0" hangingPunct="1">
+              <a:lnSpc>
+                <a:spcPct val="90000"/>
+              </a:lnSpc>
+              <a:spcBef>
+                <a:spcPts val="1200"/>
+              </a:spcBef>
+              <a:spcAft>
+                <a:spcPts val="200"/>
+              </a:spcAft>
+              <a:buClr>
+                <a:schemeClr val="accent1"/>
+              </a:buClr>
+              <a:buSzPct val="100000"/>
+              <a:buFont typeface="Calibri" panose="020F0502020204030204" pitchFamily="34" charset="0"/>
+              <a:buChar char=" "/>
+              <a:defRPr sz="2000" kern="1200">
+                <a:solidFill>
+                  <a:schemeClr val="tx1">
+                    <a:lumMod val="75000"/>
+                    <a:lumOff val="25000"/>
+                  </a:schemeClr>
+                </a:solidFill>
+                <a:latin typeface="+mn-lt"/>
+                <a:ea typeface="+mn-ea"/>
+                <a:cs typeface="+mn-cs"/>
+              </a:defRPr>
+            </a:lvl1pPr>
+            <a:lvl2pPr marL="384048" indent="-182880" algn="l" defTabSz="914400" rtl="0" eaLnBrk="1" latinLnBrk="0" hangingPunct="1">
+              <a:lnSpc>
+                <a:spcPct val="90000"/>
+              </a:lnSpc>
+              <a:spcBef>
+                <a:spcPts val="200"/>
+              </a:spcBef>
+              <a:spcAft>
+                <a:spcPts val="400"/>
+              </a:spcAft>
+              <a:buClr>
+                <a:schemeClr val="accent1"/>
+              </a:buClr>
+              <a:buFont typeface="Calibri" pitchFamily="34" charset="0"/>
+              <a:buChar char="◦"/>
+              <a:defRPr sz="1800" kern="1200">
+                <a:solidFill>
+                  <a:schemeClr val="tx1">
+                    <a:lumMod val="75000"/>
+                    <a:lumOff val="25000"/>
+                  </a:schemeClr>
+                </a:solidFill>
+                <a:latin typeface="+mn-lt"/>
+                <a:ea typeface="+mn-ea"/>
+                <a:cs typeface="+mn-cs"/>
+              </a:defRPr>
+            </a:lvl2pPr>
+            <a:lvl3pPr marL="566928" indent="-182880" algn="l" defTabSz="914400" rtl="0" eaLnBrk="1" latinLnBrk="0" hangingPunct="1">
+              <a:lnSpc>
+                <a:spcPct val="90000"/>
+              </a:lnSpc>
+              <a:spcBef>
+                <a:spcPts val="200"/>
+              </a:spcBef>
+              <a:spcAft>
+                <a:spcPts val="400"/>
+              </a:spcAft>
+              <a:buClr>
+                <a:schemeClr val="accent1"/>
+              </a:buClr>
+              <a:buFont typeface="Calibri" pitchFamily="34" charset="0"/>
+              <a:buChar char="◦"/>
+              <a:defRPr sz="1400" kern="1200">
+                <a:solidFill>
+                  <a:schemeClr val="tx1">
+                    <a:lumMod val="75000"/>
+                    <a:lumOff val="25000"/>
+                  </a:schemeClr>
+                </a:solidFill>
+                <a:latin typeface="+mn-lt"/>
+                <a:ea typeface="+mn-ea"/>
+                <a:cs typeface="+mn-cs"/>
+              </a:defRPr>
+            </a:lvl3pPr>
+            <a:lvl4pPr marL="749808" indent="-182880" algn="l" defTabSz="914400" rtl="0" eaLnBrk="1" latinLnBrk="0" hangingPunct="1">
+              <a:lnSpc>
+                <a:spcPct val="90000"/>
+              </a:lnSpc>
+              <a:spcBef>
+                <a:spcPts val="200"/>
+              </a:spcBef>
+              <a:spcAft>
+                <a:spcPts val="400"/>
+              </a:spcAft>
+              <a:buClr>
+                <a:schemeClr val="accent1"/>
+              </a:buClr>
+              <a:buFont typeface="Calibri" pitchFamily="34" charset="0"/>
+              <a:buChar char="◦"/>
+              <a:defRPr sz="1400" kern="1200">
+                <a:solidFill>
+                  <a:schemeClr val="tx1">
+                    <a:lumMod val="75000"/>
+                    <a:lumOff val="25000"/>
+                  </a:schemeClr>
+                </a:solidFill>
+                <a:latin typeface="+mn-lt"/>
+                <a:ea typeface="+mn-ea"/>
+                <a:cs typeface="+mn-cs"/>
+              </a:defRPr>
+            </a:lvl4pPr>
+            <a:lvl5pPr marL="932688" indent="-182880" algn="l" defTabSz="914400" rtl="0" eaLnBrk="1" latinLnBrk="0" hangingPunct="1">
+              <a:lnSpc>
+                <a:spcPct val="90000"/>
+              </a:lnSpc>
+              <a:spcBef>
+                <a:spcPts val="200"/>
+              </a:spcBef>
+              <a:spcAft>
+                <a:spcPts val="400"/>
+              </a:spcAft>
+              <a:buClr>
+                <a:schemeClr val="accent1"/>
+              </a:buClr>
+              <a:buFont typeface="Calibri" pitchFamily="34" charset="0"/>
+              <a:buChar char="◦"/>
+              <a:defRPr sz="1400" kern="1200">
+                <a:solidFill>
+                  <a:schemeClr val="tx1">
+                    <a:lumMod val="75000"/>
+                    <a:lumOff val="25000"/>
+                  </a:schemeClr>
+                </a:solidFill>
+                <a:latin typeface="+mn-lt"/>
+                <a:ea typeface="+mn-ea"/>
+                <a:cs typeface="+mn-cs"/>
+              </a:defRPr>
+            </a:lvl5pPr>
+            <a:lvl6pPr marL="1100000" indent="-228600" algn="l" defTabSz="914400" rtl="0" eaLnBrk="1" latinLnBrk="0" hangingPunct="1">
+              <a:lnSpc>
+                <a:spcPct val="90000"/>
+              </a:lnSpc>
+              <a:spcBef>
+                <a:spcPts val="200"/>
+              </a:spcBef>
+              <a:spcAft>
+                <a:spcPts val="400"/>
+              </a:spcAft>
+              <a:buClr>
+                <a:schemeClr val="accent1"/>
+              </a:buClr>
+              <a:buFont typeface="Calibri" pitchFamily="34" charset="0"/>
+              <a:buChar char="◦"/>
+              <a:defRPr sz="1400" kern="1200">
+                <a:solidFill>
+                  <a:schemeClr val="tx1">
+                    <a:lumMod val="75000"/>
+                    <a:lumOff val="25000"/>
+                  </a:schemeClr>
+                </a:solidFill>
+                <a:latin typeface="+mn-lt"/>
+                <a:ea typeface="+mn-ea"/>
+                <a:cs typeface="+mn-cs"/>
+              </a:defRPr>
+            </a:lvl6pPr>
+            <a:lvl7pPr marL="1300000" indent="-228600" algn="l" defTabSz="914400" rtl="0" eaLnBrk="1" latinLnBrk="0" hangingPunct="1">
+              <a:lnSpc>
+                <a:spcPct val="90000"/>
+              </a:lnSpc>
+              <a:spcBef>
+                <a:spcPts val="200"/>
+              </a:spcBef>
+              <a:spcAft>
+                <a:spcPts val="400"/>
+              </a:spcAft>
+              <a:buClr>
+                <a:schemeClr val="accent1"/>
+              </a:buClr>
+              <a:buFont typeface="Calibri" pitchFamily="34" charset="0"/>
+              <a:buChar char="◦"/>
+              <a:defRPr sz="1400" kern="1200">
+                <a:solidFill>
+                  <a:schemeClr val="tx1">
+                    <a:lumMod val="75000"/>
+                    <a:lumOff val="25000"/>
+                  </a:schemeClr>
+                </a:solidFill>
+                <a:latin typeface="+mn-lt"/>
+                <a:ea typeface="+mn-ea"/>
+                <a:cs typeface="+mn-cs"/>
+              </a:defRPr>
+            </a:lvl7pPr>
+            <a:lvl8pPr marL="1500000" indent="-228600" algn="l" defTabSz="914400" rtl="0" eaLnBrk="1" latinLnBrk="0" hangingPunct="1">
+              <a:lnSpc>
+                <a:spcPct val="90000"/>
+              </a:lnSpc>
+              <a:spcBef>
+                <a:spcPts val="200"/>
+              </a:spcBef>
+              <a:spcAft>
+                <a:spcPts val="400"/>
+              </a:spcAft>
+              <a:buClr>
+                <a:schemeClr val="accent1"/>
+              </a:buClr>
+              <a:buFont typeface="Calibri" pitchFamily="34" charset="0"/>
+              <a:buChar char="◦"/>
+              <a:defRPr sz="1400" kern="1200">
+                <a:solidFill>
+                  <a:schemeClr val="tx1">
+                    <a:lumMod val="75000"/>
+                    <a:lumOff val="25000"/>
+                  </a:schemeClr>
+                </a:solidFill>
+                <a:latin typeface="+mn-lt"/>
+                <a:ea typeface="+mn-ea"/>
+                <a:cs typeface="+mn-cs"/>
+              </a:defRPr>
+            </a:lvl8pPr>
+            <a:lvl9pPr marL="1700000" indent="-228600" algn="l" defTabSz="914400" rtl="0" eaLnBrk="1" latinLnBrk="0" hangingPunct="1">
+              <a:lnSpc>
+                <a:spcPct val="90000"/>
+              </a:lnSpc>
+              <a:spcBef>
+                <a:spcPts val="200"/>
+              </a:spcBef>
+              <a:spcAft>
+                <a:spcPts val="400"/>
+              </a:spcAft>
+              <a:buClr>
+                <a:schemeClr val="accent1"/>
+              </a:buClr>
+              <a:buFont typeface="Calibri" pitchFamily="34" charset="0"/>
+              <a:buChar char="◦"/>
+              <a:defRPr sz="1400" kern="1200">
+                <a:solidFill>
+                  <a:schemeClr val="tx1">
+                    <a:lumMod val="75000"/>
+                    <a:lumOff val="25000"/>
+                  </a:schemeClr>
+                </a:solidFill>
+                <a:latin typeface="+mn-lt"/>
+                <a:ea typeface="+mn-ea"/>
+                <a:cs typeface="+mn-cs"/>
+              </a:defRPr>
+            </a:lvl9pPr>
+          </a:lstStyle>
           <a:p>
             <a:pPr>
               <a:buFont typeface="Wingdings" panose="05000000000000000000" pitchFamily="2" charset="2"/>
@@ -8876,7 +10661,7 @@
             </a:pPr>
             <a:r>
               <a:rPr lang="en-US" sz="2800" dirty="0"/>
-              <a:t> Controllers</a:t>
+              <a:t> Commands have side effect and do not return values</a:t>
             </a:r>
           </a:p>
           <a:p>
@@ -8886,27 +10671,7 @@
             </a:pPr>
             <a:r>
               <a:rPr lang="en-US" sz="2800" dirty="0"/>
-              <a:t> Dependency injection</a:t>
-            </a:r>
-          </a:p>
-          <a:p>
-            <a:pPr>
-              <a:buFont typeface="Wingdings" panose="05000000000000000000" pitchFamily="2" charset="2"/>
-              <a:buChar char="Ø"/>
-            </a:pPr>
-            <a:r>
-              <a:rPr lang="en-US" sz="2800" dirty="0"/>
-              <a:t> Exception middleware</a:t>
-            </a:r>
-          </a:p>
-          <a:p>
-            <a:pPr>
-              <a:buFont typeface="Wingdings" panose="05000000000000000000" pitchFamily="2" charset="2"/>
-              <a:buChar char="Ø"/>
-            </a:pPr>
-            <a:r>
-              <a:rPr lang="en-US" sz="2800" dirty="0"/>
-              <a:t> Presenters</a:t>
+              <a:t> Queries does not have side effect and return values</a:t>
             </a:r>
           </a:p>
           <a:p>
@@ -8921,6 +10686,24 @@
               <a:buFont typeface="Wingdings" panose="05000000000000000000" pitchFamily="2" charset="2"/>
               <a:buChar char="Ø"/>
             </a:pPr>
+            <a:r>
+              <a:rPr lang="en-US" sz="2800" dirty="0"/>
+              <a:t>Exception: var value = </a:t>
+            </a:r>
+            <a:r>
+              <a:rPr lang="en-US" sz="2800" dirty="0" err="1"/>
+              <a:t>stack.Pop</a:t>
+            </a:r>
+            <a:r>
+              <a:rPr lang="en-US" sz="2800" dirty="0"/>
+              <a:t>();</a:t>
+            </a:r>
+          </a:p>
+          <a:p>
+            <a:pPr marL="0" indent="0">
+              <a:buFont typeface="Calibri" panose="020F0502020204030204" pitchFamily="34" charset="0"/>
+              <a:buNone/>
+            </a:pPr>
             <a:endParaRPr lang="en-US" sz="2800" dirty="0"/>
           </a:p>
         </p:txBody>
@@ -8928,13 +10711,221 @@
     </p:spTree>
     <p:extLst>
       <p:ext uri="{BB962C8B-B14F-4D97-AF65-F5344CB8AC3E}">
-        <p14:creationId xmlns:p14="http://schemas.microsoft.com/office/powerpoint/2010/main" val="188268413"/>
+        <p14:creationId xmlns:p14="http://schemas.microsoft.com/office/powerpoint/2010/main" val="3510291838"/>
       </p:ext>
     </p:extLst>
   </p:cSld>
   <p:clrMapOvr>
     <a:masterClrMapping/>
   </p:clrMapOvr>
+  <p:timing>
+    <p:tnLst>
+      <p:par>
+        <p:cTn id="1" dur="indefinite" restart="never" nodeType="tmRoot">
+          <p:childTnLst>
+            <p:seq concurrent="1" nextAc="seek">
+              <p:cTn id="2" dur="indefinite" nodeType="mainSeq">
+                <p:childTnLst>
+                  <p:par>
+                    <p:cTn id="3" fill="hold">
+                      <p:stCondLst>
+                        <p:cond delay="indefinite"/>
+                      </p:stCondLst>
+                      <p:childTnLst>
+                        <p:par>
+                          <p:cTn id="4" fill="hold">
+                            <p:stCondLst>
+                              <p:cond delay="0"/>
+                            </p:stCondLst>
+                            <p:childTnLst>
+                              <p:par>
+                                <p:cTn id="5" presetID="1" presetClass="entr" presetSubtype="0" fill="hold" grpId="0" nodeType="clickEffect">
+                                  <p:stCondLst>
+                                    <p:cond delay="0"/>
+                                  </p:stCondLst>
+                                  <p:childTnLst>
+                                    <p:set>
+                                      <p:cBhvr>
+                                        <p:cTn id="6" dur="1" fill="hold">
+                                          <p:stCondLst>
+                                            <p:cond delay="0"/>
+                                          </p:stCondLst>
+                                        </p:cTn>
+                                        <p:tgtEl>
+                                          <p:spTgt spid="2"/>
+                                        </p:tgtEl>
+                                        <p:attrNameLst>
+                                          <p:attrName>style.visibility</p:attrName>
+                                        </p:attrNameLst>
+                                      </p:cBhvr>
+                                      <p:to>
+                                        <p:strVal val="visible"/>
+                                      </p:to>
+                                    </p:set>
+                                  </p:childTnLst>
+                                </p:cTn>
+                              </p:par>
+                              <p:par>
+                                <p:cTn id="7" presetID="1" presetClass="entr" presetSubtype="0" fill="hold" grpId="0" nodeType="withEffect">
+                                  <p:stCondLst>
+                                    <p:cond delay="0"/>
+                                  </p:stCondLst>
+                                  <p:childTnLst>
+                                    <p:set>
+                                      <p:cBhvr>
+                                        <p:cTn id="8" dur="1" fill="hold">
+                                          <p:stCondLst>
+                                            <p:cond delay="0"/>
+                                          </p:stCondLst>
+                                        </p:cTn>
+                                        <p:tgtEl>
+                                          <p:spTgt spid="6">
+                                            <p:txEl>
+                                              <p:pRg st="0" end="0"/>
+                                            </p:txEl>
+                                          </p:spTgt>
+                                        </p:tgtEl>
+                                        <p:attrNameLst>
+                                          <p:attrName>style.visibility</p:attrName>
+                                        </p:attrNameLst>
+                                      </p:cBhvr>
+                                      <p:to>
+                                        <p:strVal val="visible"/>
+                                      </p:to>
+                                    </p:set>
+                                  </p:childTnLst>
+                                </p:cTn>
+                              </p:par>
+                            </p:childTnLst>
+                          </p:cTn>
+                        </p:par>
+                      </p:childTnLst>
+                    </p:cTn>
+                  </p:par>
+                  <p:par>
+                    <p:cTn id="9" fill="hold">
+                      <p:stCondLst>
+                        <p:cond delay="indefinite"/>
+                      </p:stCondLst>
+                      <p:childTnLst>
+                        <p:par>
+                          <p:cTn id="10" fill="hold">
+                            <p:stCondLst>
+                              <p:cond delay="0"/>
+                            </p:stCondLst>
+                            <p:childTnLst>
+                              <p:par>
+                                <p:cTn id="11" presetID="1" presetClass="entr" presetSubtype="0" fill="hold" grpId="0" nodeType="clickEffect">
+                                  <p:stCondLst>
+                                    <p:cond delay="0"/>
+                                  </p:stCondLst>
+                                  <p:childTnLst>
+                                    <p:set>
+                                      <p:cBhvr>
+                                        <p:cTn id="12" dur="1" fill="hold">
+                                          <p:stCondLst>
+                                            <p:cond delay="0"/>
+                                          </p:stCondLst>
+                                        </p:cTn>
+                                        <p:tgtEl>
+                                          <p:spTgt spid="6">
+                                            <p:txEl>
+                                              <p:pRg st="1" end="1"/>
+                                            </p:txEl>
+                                          </p:spTgt>
+                                        </p:tgtEl>
+                                        <p:attrNameLst>
+                                          <p:attrName>style.visibility</p:attrName>
+                                        </p:attrNameLst>
+                                      </p:cBhvr>
+                                      <p:to>
+                                        <p:strVal val="visible"/>
+                                      </p:to>
+                                    </p:set>
+                                  </p:childTnLst>
+                                </p:cTn>
+                              </p:par>
+                            </p:childTnLst>
+                          </p:cTn>
+                        </p:par>
+                      </p:childTnLst>
+                    </p:cTn>
+                  </p:par>
+                  <p:par>
+                    <p:cTn id="13" fill="hold">
+                      <p:stCondLst>
+                        <p:cond delay="indefinite"/>
+                      </p:stCondLst>
+                      <p:childTnLst>
+                        <p:par>
+                          <p:cTn id="14" fill="hold">
+                            <p:stCondLst>
+                              <p:cond delay="0"/>
+                            </p:stCondLst>
+                            <p:childTnLst>
+                              <p:par>
+                                <p:cTn id="15" presetID="1" presetClass="entr" presetSubtype="0" fill="hold" grpId="0" nodeType="clickEffect">
+                                  <p:stCondLst>
+                                    <p:cond delay="0"/>
+                                  </p:stCondLst>
+                                  <p:childTnLst>
+                                    <p:set>
+                                      <p:cBhvr>
+                                        <p:cTn id="16" dur="1" fill="hold">
+                                          <p:stCondLst>
+                                            <p:cond delay="0"/>
+                                          </p:stCondLst>
+                                        </p:cTn>
+                                        <p:tgtEl>
+                                          <p:spTgt spid="6">
+                                            <p:txEl>
+                                              <p:pRg st="3" end="3"/>
+                                            </p:txEl>
+                                          </p:spTgt>
+                                        </p:tgtEl>
+                                        <p:attrNameLst>
+                                          <p:attrName>style.visibility</p:attrName>
+                                        </p:attrNameLst>
+                                      </p:cBhvr>
+                                      <p:to>
+                                        <p:strVal val="visible"/>
+                                      </p:to>
+                                    </p:set>
+                                  </p:childTnLst>
+                                </p:cTn>
+                              </p:par>
+                            </p:childTnLst>
+                          </p:cTn>
+                        </p:par>
+                      </p:childTnLst>
+                    </p:cTn>
+                  </p:par>
+                </p:childTnLst>
+              </p:cTn>
+              <p:prevCondLst>
+                <p:cond evt="onPrev" delay="0">
+                  <p:tgtEl>
+                    <p:sldTgt/>
+                  </p:tgtEl>
+                </p:cond>
+              </p:prevCondLst>
+              <p:nextCondLst>
+                <p:cond evt="onNext" delay="0">
+                  <p:tgtEl>
+                    <p:sldTgt/>
+                  </p:tgtEl>
+                </p:cond>
+              </p:nextCondLst>
+            </p:seq>
+          </p:childTnLst>
+        </p:cTn>
+      </p:par>
+    </p:tnLst>
+    <p:bldLst>
+      <p:bldP spid="2" grpId="0"/>
+      <p:bldP spid="6" grpId="0" build="p"/>
+    </p:bldLst>
+  </p:timing>
 </p:sld>
 </file>
 
@@ -8971,18 +10962,19 @@
             <p:ph type="title"/>
           </p:nvPr>
         </p:nvSpPr>
-        <p:spPr/>
+        <p:spPr>
+          <a:xfrm>
+            <a:off x="1097280" y="286603"/>
+            <a:ext cx="10058400" cy="1450757"/>
+          </a:xfrm>
+        </p:spPr>
         <p:txBody>
           <a:bodyPr/>
           <a:lstStyle/>
           <a:p>
             <a:r>
-              <a:rPr lang="en-US" dirty="0" err="1"/>
-              <a:t>WebApi</a:t>
-            </a:r>
-            <a:r>
               <a:rPr lang="en-US" dirty="0"/>
-              <a:t> layer</a:t>
+              <a:t>Validation</a:t>
             </a:r>
           </a:p>
         </p:txBody>
@@ -9021,7 +11013,15 @@
             </a:pPr>
             <a:r>
               <a:rPr lang="en-US" sz="2800" dirty="0"/>
-              <a:t> Controllers</a:t>
+              <a:t> What’s wrong with </a:t>
+            </a:r>
+            <a:r>
+              <a:rPr lang="en-US" sz="2800" dirty="0" err="1"/>
+              <a:t>ModelState</a:t>
+            </a:r>
+            <a:r>
+              <a:rPr lang="en-US" sz="2800" dirty="0"/>
+              <a:t> validation?</a:t>
             </a:r>
           </a:p>
           <a:p>
@@ -9031,7 +11031,7 @@
             </a:pPr>
             <a:r>
               <a:rPr lang="en-US" sz="2800" dirty="0"/>
-              <a:t> Dependency injection</a:t>
+              <a:t> Which layer should I do validation?</a:t>
             </a:r>
           </a:p>
           <a:p>
@@ -9041,55 +11041,339 @@
             </a:pPr>
             <a:r>
               <a:rPr lang="en-US" sz="2800" dirty="0"/>
-              <a:t> Exception middleware</a:t>
-            </a:r>
-          </a:p>
-          <a:p>
-            <a:pPr>
-              <a:buFont typeface="Wingdings" panose="05000000000000000000" pitchFamily="2" charset="2"/>
-              <a:buChar char="Ø"/>
-            </a:pPr>
-            <a:r>
-              <a:rPr lang="en-US" sz="2800" dirty="0"/>
-              <a:t> Hosted services</a:t>
-            </a:r>
-          </a:p>
-          <a:p>
-            <a:pPr>
-              <a:buFont typeface="Wingdings" panose="05000000000000000000" pitchFamily="2" charset="2"/>
-              <a:buChar char="Ø"/>
-            </a:pPr>
-            <a:r>
-              <a:rPr lang="en-US" sz="2800" dirty="0"/>
-              <a:t> Presenters</a:t>
-            </a:r>
-          </a:p>
-          <a:p>
-            <a:pPr>
-              <a:buFont typeface="Wingdings" panose="05000000000000000000" pitchFamily="2" charset="2"/>
-              <a:buChar char="Ø"/>
-            </a:pPr>
-            <a:endParaRPr lang="en-US" sz="2800" dirty="0"/>
-          </a:p>
-          <a:p>
-            <a:pPr>
-              <a:buFont typeface="Wingdings" panose="05000000000000000000" pitchFamily="2" charset="2"/>
-              <a:buChar char="Ø"/>
-            </a:pPr>
-            <a:endParaRPr lang="en-US" sz="2800" dirty="0"/>
-          </a:p>
-        </p:txBody>
-      </p:sp>
+              <a:t> Fluent validation to rescue</a:t>
+            </a:r>
+          </a:p>
+        </p:txBody>
+      </p:sp>
+      <p:pic>
+        <p:nvPicPr>
+          <p:cNvPr id="4" name="Picture 6" descr="Kết quả hình ảnh cho talk is cheap show me the code">
+            <a:extLst>
+              <a:ext uri="{FF2B5EF4-FFF2-40B4-BE49-F238E27FC236}">
+                <a16:creationId xmlns:a16="http://schemas.microsoft.com/office/drawing/2014/main" id="{A9309A62-4D19-49BB-B3F1-5C7EBDA67027}"/>
+              </a:ext>
+            </a:extLst>
+          </p:cNvPr>
+          <p:cNvPicPr>
+            <a:picLocks noChangeAspect="1" noChangeArrowheads="1"/>
+          </p:cNvPicPr>
+          <p:nvPr/>
+        </p:nvPicPr>
+        <p:blipFill>
+          <a:blip r:embed="rId2">
+            <a:extLst>
+              <a:ext uri="{28A0092B-C50C-407E-A947-70E740481C1C}">
+                <a14:useLocalDpi xmlns:a14="http://schemas.microsoft.com/office/drawing/2010/main" val="0"/>
+              </a:ext>
+            </a:extLst>
+          </a:blip>
+          <a:srcRect/>
+          <a:stretch>
+            <a:fillRect/>
+          </a:stretch>
+        </p:blipFill>
+        <p:spPr bwMode="auto">
+          <a:xfrm>
+            <a:off x="6286500" y="3031364"/>
+            <a:ext cx="5905500" cy="3314700"/>
+          </a:xfrm>
+          <a:prstGeom prst="rect">
+            <a:avLst/>
+          </a:prstGeom>
+          <a:noFill/>
+          <a:extLst>
+            <a:ext uri="{909E8E84-426E-40DD-AFC4-6F175D3DCCD1}">
+              <a14:hiddenFill xmlns:a14="http://schemas.microsoft.com/office/drawing/2010/main">
+                <a:solidFill>
+                  <a:srgbClr val="FFFFFF"/>
+                </a:solidFill>
+              </a14:hiddenFill>
+            </a:ext>
+          </a:extLst>
+        </p:spPr>
+      </p:pic>
     </p:spTree>
     <p:extLst>
       <p:ext uri="{BB962C8B-B14F-4D97-AF65-F5344CB8AC3E}">
-        <p14:creationId xmlns:p14="http://schemas.microsoft.com/office/powerpoint/2010/main" val="2507576383"/>
+        <p14:creationId xmlns:p14="http://schemas.microsoft.com/office/powerpoint/2010/main" val="291190896"/>
       </p:ext>
     </p:extLst>
   </p:cSld>
   <p:clrMapOvr>
     <a:masterClrMapping/>
   </p:clrMapOvr>
+  <p:timing>
+    <p:tnLst>
+      <p:par>
+        <p:cTn id="1" dur="indefinite" restart="never" nodeType="tmRoot">
+          <p:childTnLst>
+            <p:seq concurrent="1" nextAc="seek">
+              <p:cTn id="2" dur="indefinite" nodeType="mainSeq">
+                <p:childTnLst>
+                  <p:par>
+                    <p:cTn id="3" fill="hold">
+                      <p:stCondLst>
+                        <p:cond delay="indefinite"/>
+                      </p:stCondLst>
+                      <p:childTnLst>
+                        <p:par>
+                          <p:cTn id="4" fill="hold">
+                            <p:stCondLst>
+                              <p:cond delay="0"/>
+                            </p:stCondLst>
+                            <p:childTnLst>
+                              <p:par>
+                                <p:cTn id="5" presetID="1" presetClass="entr" presetSubtype="0" fill="hold" grpId="0" nodeType="clickEffect">
+                                  <p:stCondLst>
+                                    <p:cond delay="0"/>
+                                  </p:stCondLst>
+                                  <p:childTnLst>
+                                    <p:set>
+                                      <p:cBhvr>
+                                        <p:cTn id="6" dur="1" fill="hold">
+                                          <p:stCondLst>
+                                            <p:cond delay="0"/>
+                                          </p:stCondLst>
+                                        </p:cTn>
+                                        <p:tgtEl>
+                                          <p:spTgt spid="2"/>
+                                        </p:tgtEl>
+                                        <p:attrNameLst>
+                                          <p:attrName>style.visibility</p:attrName>
+                                        </p:attrNameLst>
+                                      </p:cBhvr>
+                                      <p:to>
+                                        <p:strVal val="visible"/>
+                                      </p:to>
+                                    </p:set>
+                                  </p:childTnLst>
+                                </p:cTn>
+                              </p:par>
+                            </p:childTnLst>
+                          </p:cTn>
+                        </p:par>
+                      </p:childTnLst>
+                    </p:cTn>
+                  </p:par>
+                  <p:par>
+                    <p:cTn id="7" fill="hold">
+                      <p:stCondLst>
+                        <p:cond delay="indefinite"/>
+                      </p:stCondLst>
+                      <p:childTnLst>
+                        <p:par>
+                          <p:cTn id="8" fill="hold">
+                            <p:stCondLst>
+                              <p:cond delay="0"/>
+                            </p:stCondLst>
+                            <p:childTnLst>
+                              <p:par>
+                                <p:cTn id="9" presetID="1" presetClass="entr" presetSubtype="0" fill="hold" grpId="0" nodeType="clickEffect">
+                                  <p:stCondLst>
+                                    <p:cond delay="0"/>
+                                  </p:stCondLst>
+                                  <p:childTnLst>
+                                    <p:set>
+                                      <p:cBhvr>
+                                        <p:cTn id="10" dur="1" fill="hold">
+                                          <p:stCondLst>
+                                            <p:cond delay="0"/>
+                                          </p:stCondLst>
+                                        </p:cTn>
+                                        <p:tgtEl>
+                                          <p:spTgt spid="7">
+                                            <p:txEl>
+                                              <p:pRg st="0" end="0"/>
+                                            </p:txEl>
+                                          </p:spTgt>
+                                        </p:tgtEl>
+                                        <p:attrNameLst>
+                                          <p:attrName>style.visibility</p:attrName>
+                                        </p:attrNameLst>
+                                      </p:cBhvr>
+                                      <p:to>
+                                        <p:strVal val="visible"/>
+                                      </p:to>
+                                    </p:set>
+                                  </p:childTnLst>
+                                </p:cTn>
+                              </p:par>
+                            </p:childTnLst>
+                          </p:cTn>
+                        </p:par>
+                      </p:childTnLst>
+                    </p:cTn>
+                  </p:par>
+                  <p:par>
+                    <p:cTn id="11" fill="hold">
+                      <p:stCondLst>
+                        <p:cond delay="indefinite"/>
+                      </p:stCondLst>
+                      <p:childTnLst>
+                        <p:par>
+                          <p:cTn id="12" fill="hold">
+                            <p:stCondLst>
+                              <p:cond delay="0"/>
+                            </p:stCondLst>
+                            <p:childTnLst>
+                              <p:par>
+                                <p:cTn id="13" presetID="1" presetClass="entr" presetSubtype="0" fill="hold" grpId="0" nodeType="clickEffect">
+                                  <p:stCondLst>
+                                    <p:cond delay="0"/>
+                                  </p:stCondLst>
+                                  <p:childTnLst>
+                                    <p:set>
+                                      <p:cBhvr>
+                                        <p:cTn id="14" dur="1" fill="hold">
+                                          <p:stCondLst>
+                                            <p:cond delay="0"/>
+                                          </p:stCondLst>
+                                        </p:cTn>
+                                        <p:tgtEl>
+                                          <p:spTgt spid="7">
+                                            <p:txEl>
+                                              <p:pRg st="1" end="1"/>
+                                            </p:txEl>
+                                          </p:spTgt>
+                                        </p:tgtEl>
+                                        <p:attrNameLst>
+                                          <p:attrName>style.visibility</p:attrName>
+                                        </p:attrNameLst>
+                                      </p:cBhvr>
+                                      <p:to>
+                                        <p:strVal val="visible"/>
+                                      </p:to>
+                                    </p:set>
+                                  </p:childTnLst>
+                                </p:cTn>
+                              </p:par>
+                            </p:childTnLst>
+                          </p:cTn>
+                        </p:par>
+                      </p:childTnLst>
+                    </p:cTn>
+                  </p:par>
+                  <p:par>
+                    <p:cTn id="15" fill="hold">
+                      <p:stCondLst>
+                        <p:cond delay="indefinite"/>
+                      </p:stCondLst>
+                      <p:childTnLst>
+                        <p:par>
+                          <p:cTn id="16" fill="hold">
+                            <p:stCondLst>
+                              <p:cond delay="0"/>
+                            </p:stCondLst>
+                            <p:childTnLst>
+                              <p:par>
+                                <p:cTn id="17" presetID="1" presetClass="entr" presetSubtype="0" fill="hold" grpId="0" nodeType="clickEffect">
+                                  <p:stCondLst>
+                                    <p:cond delay="0"/>
+                                  </p:stCondLst>
+                                  <p:childTnLst>
+                                    <p:set>
+                                      <p:cBhvr>
+                                        <p:cTn id="18" dur="1" fill="hold">
+                                          <p:stCondLst>
+                                            <p:cond delay="0"/>
+                                          </p:stCondLst>
+                                        </p:cTn>
+                                        <p:tgtEl>
+                                          <p:spTgt spid="7">
+                                            <p:txEl>
+                                              <p:pRg st="2" end="2"/>
+                                            </p:txEl>
+                                          </p:spTgt>
+                                        </p:tgtEl>
+                                        <p:attrNameLst>
+                                          <p:attrName>style.visibility</p:attrName>
+                                        </p:attrNameLst>
+                                      </p:cBhvr>
+                                      <p:to>
+                                        <p:strVal val="visible"/>
+                                      </p:to>
+                                    </p:set>
+                                  </p:childTnLst>
+                                </p:cTn>
+                              </p:par>
+                            </p:childTnLst>
+                          </p:cTn>
+                        </p:par>
+                      </p:childTnLst>
+                    </p:cTn>
+                  </p:par>
+                  <p:par>
+                    <p:cTn id="19" fill="hold">
+                      <p:stCondLst>
+                        <p:cond delay="indefinite"/>
+                      </p:stCondLst>
+                      <p:childTnLst>
+                        <p:par>
+                          <p:cTn id="20" fill="hold">
+                            <p:stCondLst>
+                              <p:cond delay="0"/>
+                            </p:stCondLst>
+                            <p:childTnLst>
+                              <p:par>
+                                <p:cTn id="21" presetID="1" presetClass="entr" presetSubtype="0" fill="hold" nodeType="clickEffect">
+                                  <p:stCondLst>
+                                    <p:cond delay="0"/>
+                                  </p:stCondLst>
+                                  <p:childTnLst>
+                                    <p:set>
+                                      <p:cBhvr>
+                                        <p:cTn id="22" dur="1" fill="hold">
+                                          <p:stCondLst>
+                                            <p:cond delay="0"/>
+                                          </p:stCondLst>
+                                        </p:cTn>
+                                        <p:tgtEl>
+                                          <p:spTgt spid="4"/>
+                                        </p:tgtEl>
+                                        <p:attrNameLst>
+                                          <p:attrName>style.visibility</p:attrName>
+                                        </p:attrNameLst>
+                                      </p:cBhvr>
+                                      <p:to>
+                                        <p:strVal val="visible"/>
+                                      </p:to>
+                                    </p:set>
+                                  </p:childTnLst>
+                                </p:cTn>
+                              </p:par>
+                            </p:childTnLst>
+                          </p:cTn>
+                        </p:par>
+                      </p:childTnLst>
+                    </p:cTn>
+                  </p:par>
+                </p:childTnLst>
+              </p:cTn>
+              <p:prevCondLst>
+                <p:cond evt="onPrev" delay="0">
+                  <p:tgtEl>
+                    <p:sldTgt/>
+                  </p:tgtEl>
+                </p:cond>
+              </p:prevCondLst>
+              <p:nextCondLst>
+                <p:cond evt="onNext" delay="0">
+                  <p:tgtEl>
+                    <p:sldTgt/>
+                  </p:tgtEl>
+                </p:cond>
+              </p:nextCondLst>
+            </p:seq>
+          </p:childTnLst>
+        </p:cTn>
+      </p:par>
+    </p:tnLst>
+    <p:bldLst>
+      <p:bldP spid="2" grpId="0"/>
+      <p:bldP spid="7" grpId="0" build="p"/>
+    </p:bldLst>
+  </p:timing>
 </p:sld>
 </file>
 
@@ -9126,18 +11410,19 @@
             <p:ph type="title"/>
           </p:nvPr>
         </p:nvSpPr>
-        <p:spPr/>
+        <p:spPr>
+          <a:xfrm>
+            <a:off x="1097280" y="286603"/>
+            <a:ext cx="10058400" cy="1450757"/>
+          </a:xfrm>
+        </p:spPr>
         <p:txBody>
           <a:bodyPr/>
           <a:lstStyle/>
           <a:p>
             <a:r>
-              <a:rPr lang="en-US" dirty="0" err="1"/>
-              <a:t>WebApi</a:t>
-            </a:r>
-            <a:r>
               <a:rPr lang="en-US" dirty="0"/>
-              <a:t> layer</a:t>
+              <a:t>Result vs Exception</a:t>
             </a:r>
           </a:p>
         </p:txBody>
@@ -9176,74 +11461,149 @@
             </a:pPr>
             <a:r>
               <a:rPr lang="en-US" sz="2800" dirty="0"/>
-              <a:t> Presenters</a:t>
-            </a:r>
-          </a:p>
-          <a:p>
-            <a:pPr>
-              <a:buFont typeface="Wingdings" panose="05000000000000000000" pitchFamily="2" charset="2"/>
-              <a:buChar char="Ø"/>
-            </a:pPr>
-            <a:r>
-              <a:rPr lang="en-US" sz="2800" dirty="0"/>
-              <a:t> Controllers</a:t>
-            </a:r>
-          </a:p>
-          <a:p>
-            <a:pPr>
-              <a:buFont typeface="Wingdings" panose="05000000000000000000" pitchFamily="2" charset="2"/>
-              <a:buChar char="Ø"/>
-            </a:pPr>
-            <a:r>
-              <a:rPr lang="en-US" sz="2800" dirty="0"/>
-              <a:t> Dependency injection</a:t>
-            </a:r>
-          </a:p>
-          <a:p>
-            <a:pPr>
-              <a:buFont typeface="Wingdings" panose="05000000000000000000" pitchFamily="2" charset="2"/>
-              <a:buChar char="Ø"/>
-            </a:pPr>
-            <a:r>
-              <a:rPr lang="en-US" sz="2800" dirty="0"/>
-              <a:t> Exception middleware</a:t>
-            </a:r>
-          </a:p>
-          <a:p>
-            <a:pPr>
-              <a:buFont typeface="Wingdings" panose="05000000000000000000" pitchFamily="2" charset="2"/>
-              <a:buChar char="Ø"/>
-            </a:pPr>
-            <a:r>
-              <a:rPr lang="en-US" sz="2800" dirty="0"/>
-              <a:t> Hosted services</a:t>
-            </a:r>
-          </a:p>
-          <a:p>
-            <a:pPr marL="0" indent="0">
-              <a:buNone/>
-            </a:pPr>
-            <a:endParaRPr lang="en-US" sz="2800" dirty="0"/>
-          </a:p>
-          <a:p>
-            <a:pPr>
-              <a:buFont typeface="Wingdings" panose="05000000000000000000" pitchFamily="2" charset="2"/>
-              <a:buChar char="Ø"/>
-            </a:pPr>
-            <a:endParaRPr lang="en-US" sz="2800" dirty="0"/>
+              <a:t> </a:t>
+            </a:r>
           </a:p>
         </p:txBody>
       </p:sp>
     </p:spTree>
     <p:extLst>
       <p:ext uri="{BB962C8B-B14F-4D97-AF65-F5344CB8AC3E}">
-        <p14:creationId xmlns:p14="http://schemas.microsoft.com/office/powerpoint/2010/main" val="820959914"/>
+        <p14:creationId xmlns:p14="http://schemas.microsoft.com/office/powerpoint/2010/main" val="489426538"/>
       </p:ext>
     </p:extLst>
   </p:cSld>
   <p:clrMapOvr>
     <a:masterClrMapping/>
   </p:clrMapOvr>
+  <p:timing>
+    <p:tnLst>
+      <p:par>
+        <p:cTn id="1" dur="indefinite" restart="never" nodeType="tmRoot">
+          <p:childTnLst>
+            <p:seq concurrent="1" nextAc="seek">
+              <p:cTn id="2" dur="indefinite" nodeType="mainSeq">
+                <p:childTnLst>
+                  <p:par>
+                    <p:cTn id="3" fill="hold">
+                      <p:stCondLst>
+                        <p:cond delay="indefinite"/>
+                      </p:stCondLst>
+                      <p:childTnLst>
+                        <p:par>
+                          <p:cTn id="4" fill="hold">
+                            <p:stCondLst>
+                              <p:cond delay="0"/>
+                            </p:stCondLst>
+                            <p:childTnLst>
+                              <p:par>
+                                <p:cTn id="5" presetID="1" presetClass="entr" presetSubtype="0" fill="hold" grpId="0" nodeType="clickEffect">
+                                  <p:stCondLst>
+                                    <p:cond delay="0"/>
+                                  </p:stCondLst>
+                                  <p:childTnLst>
+                                    <p:set>
+                                      <p:cBhvr>
+                                        <p:cTn id="6" dur="1" fill="hold">
+                                          <p:stCondLst>
+                                            <p:cond delay="0"/>
+                                          </p:stCondLst>
+                                        </p:cTn>
+                                        <p:tgtEl>
+                                          <p:spTgt spid="2"/>
+                                        </p:tgtEl>
+                                        <p:attrNameLst>
+                                          <p:attrName>style.visibility</p:attrName>
+                                        </p:attrNameLst>
+                                      </p:cBhvr>
+                                      <p:to>
+                                        <p:strVal val="visible"/>
+                                      </p:to>
+                                    </p:set>
+                                  </p:childTnLst>
+                                </p:cTn>
+                              </p:par>
+                            </p:childTnLst>
+                          </p:cTn>
+                        </p:par>
+                      </p:childTnLst>
+                    </p:cTn>
+                  </p:par>
+                  <p:par>
+                    <p:cTn id="7" fill="hold">
+                      <p:stCondLst>
+                        <p:cond delay="indefinite"/>
+                      </p:stCondLst>
+                      <p:childTnLst>
+                        <p:par>
+                          <p:cTn id="8" fill="hold">
+                            <p:stCondLst>
+                              <p:cond delay="0"/>
+                            </p:stCondLst>
+                            <p:childTnLst>
+                              <p:par>
+                                <p:cTn id="9" presetID="1" presetClass="entr" presetSubtype="0" fill="hold" grpId="0" nodeType="clickEffect">
+                                  <p:stCondLst>
+                                    <p:cond delay="0"/>
+                                  </p:stCondLst>
+                                  <p:childTnLst>
+                                    <p:set>
+                                      <p:cBhvr>
+                                        <p:cTn id="10" dur="1" fill="hold">
+                                          <p:stCondLst>
+                                            <p:cond delay="0"/>
+                                          </p:stCondLst>
+                                        </p:cTn>
+                                        <p:tgtEl>
+                                          <p:spTgt spid="7">
+                                            <p:txEl>
+                                              <p:pRg st="0" end="0"/>
+                                            </p:txEl>
+                                          </p:spTgt>
+                                        </p:tgtEl>
+                                        <p:attrNameLst>
+                                          <p:attrName>style.visibility</p:attrName>
+                                        </p:attrNameLst>
+                                      </p:cBhvr>
+                                      <p:to>
+                                        <p:strVal val="visible"/>
+                                      </p:to>
+                                    </p:set>
+                                  </p:childTnLst>
+                                </p:cTn>
+                              </p:par>
+                            </p:childTnLst>
+                          </p:cTn>
+                        </p:par>
+                      </p:childTnLst>
+                    </p:cTn>
+                  </p:par>
+                </p:childTnLst>
+              </p:cTn>
+              <p:prevCondLst>
+                <p:cond evt="onPrev" delay="0">
+                  <p:tgtEl>
+                    <p:sldTgt/>
+                  </p:tgtEl>
+                </p:cond>
+              </p:prevCondLst>
+              <p:nextCondLst>
+                <p:cond evt="onNext" delay="0">
+                  <p:tgtEl>
+                    <p:sldTgt/>
+                  </p:tgtEl>
+                </p:cond>
+              </p:nextCondLst>
+            </p:seq>
+          </p:childTnLst>
+        </p:cTn>
+      </p:par>
+    </p:tnLst>
+    <p:bldLst>
+      <p:bldP spid="2" grpId="0"/>
+      <p:bldP spid="7" grpId="0" build="p"/>
+    </p:bldLst>
+  </p:timing>
 </p:sld>
 </file>
 
@@ -9353,7 +11713,7 @@
             </a:pPr>
             <a:r>
               <a:rPr lang="en-US" sz="3200" dirty="0"/>
-              <a:t>Microservices.</a:t>
+              <a:t>Even sourcing.</a:t>
             </a:r>
           </a:p>
           <a:p>
@@ -9363,7 +11723,7 @@
             </a:pPr>
             <a:r>
               <a:rPr lang="en-US" sz="3200" dirty="0"/>
-              <a:t>Even sourcing.</a:t>
+              <a:t>Microservices.</a:t>
             </a:r>
           </a:p>
         </p:txBody>
@@ -9431,6 +11791,1490 @@
 <file path=ppt/slides/slide20.xml><?xml version="1.0" encoding="utf-8"?>
 <p:sld xmlns:a="http://schemas.openxmlformats.org/drawingml/2006/main" xmlns:r="http://schemas.openxmlformats.org/officeDocument/2006/relationships" xmlns:p="http://schemas.openxmlformats.org/presentationml/2006/main">
   <p:cSld>
+    <p:spTree>
+      <p:nvGrpSpPr>
+        <p:cNvPr id="1" name=""/>
+        <p:cNvGrpSpPr/>
+        <p:nvPr/>
+      </p:nvGrpSpPr>
+      <p:grpSpPr>
+        <a:xfrm>
+          <a:off x="0" y="0"/>
+          <a:ext cx="0" cy="0"/>
+          <a:chOff x="0" y="0"/>
+          <a:chExt cx="0" cy="0"/>
+        </a:xfrm>
+      </p:grpSpPr>
+      <p:sp>
+        <p:nvSpPr>
+          <p:cNvPr id="2" name="Title 1">
+            <a:extLst>
+              <a:ext uri="{FF2B5EF4-FFF2-40B4-BE49-F238E27FC236}">
+                <a16:creationId xmlns:a16="http://schemas.microsoft.com/office/drawing/2014/main" id="{4E9665C3-A39B-46CB-9476-38155755C811}"/>
+              </a:ext>
+            </a:extLst>
+          </p:cNvPr>
+          <p:cNvSpPr>
+            <a:spLocks noGrp="1"/>
+          </p:cNvSpPr>
+          <p:nvPr>
+            <p:ph type="title"/>
+          </p:nvPr>
+        </p:nvSpPr>
+        <p:spPr>
+          <a:xfrm>
+            <a:off x="1097280" y="286603"/>
+            <a:ext cx="10058400" cy="1450757"/>
+          </a:xfrm>
+        </p:spPr>
+        <p:txBody>
+          <a:bodyPr/>
+          <a:lstStyle/>
+          <a:p>
+            <a:r>
+              <a:rPr lang="en-US" dirty="0"/>
+              <a:t>Result vs Exception</a:t>
+            </a:r>
+          </a:p>
+        </p:txBody>
+      </p:sp>
+      <p:sp>
+        <p:nvSpPr>
+          <p:cNvPr id="7" name="Content Placeholder 6">
+            <a:extLst>
+              <a:ext uri="{FF2B5EF4-FFF2-40B4-BE49-F238E27FC236}">
+                <a16:creationId xmlns:a16="http://schemas.microsoft.com/office/drawing/2014/main" id="{A101F740-C1A8-4E3F-96D8-B8C61571713A}"/>
+              </a:ext>
+            </a:extLst>
+          </p:cNvPr>
+          <p:cNvSpPr>
+            <a:spLocks noGrp="1"/>
+          </p:cNvSpPr>
+          <p:nvPr>
+            <p:ph idx="1"/>
+          </p:nvPr>
+        </p:nvSpPr>
+        <p:spPr>
+          <a:xfrm>
+            <a:off x="1097280" y="2030032"/>
+            <a:ext cx="10058400" cy="4023360"/>
+          </a:xfrm>
+        </p:spPr>
+        <p:txBody>
+          <a:bodyPr>
+            <a:normAutofit/>
+          </a:bodyPr>
+          <a:lstStyle/>
+          <a:p>
+            <a:pPr>
+              <a:buFont typeface="Wingdings" panose="05000000000000000000" pitchFamily="2" charset="2"/>
+              <a:buChar char="Ø"/>
+            </a:pPr>
+            <a:r>
+              <a:rPr lang="en-US" sz="2800" dirty="0"/>
+              <a:t> </a:t>
+            </a:r>
+          </a:p>
+        </p:txBody>
+      </p:sp>
+      <p:pic>
+        <p:nvPicPr>
+          <p:cNvPr id="3" name="Picture 2">
+            <a:extLst>
+              <a:ext uri="{FF2B5EF4-FFF2-40B4-BE49-F238E27FC236}">
+                <a16:creationId xmlns:a16="http://schemas.microsoft.com/office/drawing/2014/main" id="{992D4330-165A-431A-B132-3BADEBF9358E}"/>
+              </a:ext>
+            </a:extLst>
+          </p:cNvPr>
+          <p:cNvPicPr>
+            <a:picLocks noChangeAspect="1"/>
+          </p:cNvPicPr>
+          <p:nvPr/>
+        </p:nvPicPr>
+        <p:blipFill>
+          <a:blip r:embed="rId3"/>
+          <a:stretch>
+            <a:fillRect/>
+          </a:stretch>
+        </p:blipFill>
+        <p:spPr>
+          <a:xfrm>
+            <a:off x="0" y="0"/>
+            <a:ext cx="9048577" cy="6858000"/>
+          </a:xfrm>
+          <a:prstGeom prst="rect">
+            <a:avLst/>
+          </a:prstGeom>
+        </p:spPr>
+      </p:pic>
+    </p:spTree>
+    <p:extLst>
+      <p:ext uri="{BB962C8B-B14F-4D97-AF65-F5344CB8AC3E}">
+        <p14:creationId xmlns:p14="http://schemas.microsoft.com/office/powerpoint/2010/main" val="3107997854"/>
+      </p:ext>
+    </p:extLst>
+  </p:cSld>
+  <p:clrMapOvr>
+    <a:masterClrMapping/>
+  </p:clrMapOvr>
+  <p:timing>
+    <p:tnLst>
+      <p:par>
+        <p:cTn id="1" dur="indefinite" restart="never" nodeType="tmRoot">
+          <p:childTnLst>
+            <p:seq concurrent="1" nextAc="seek">
+              <p:cTn id="2" dur="indefinite" nodeType="mainSeq">
+                <p:childTnLst>
+                  <p:par>
+                    <p:cTn id="3" fill="hold">
+                      <p:stCondLst>
+                        <p:cond delay="indefinite"/>
+                      </p:stCondLst>
+                      <p:childTnLst>
+                        <p:par>
+                          <p:cTn id="4" fill="hold">
+                            <p:stCondLst>
+                              <p:cond delay="0"/>
+                            </p:stCondLst>
+                            <p:childTnLst>
+                              <p:par>
+                                <p:cTn id="5" presetID="1" presetClass="entr" presetSubtype="0" fill="hold" grpId="0" nodeType="clickEffect">
+                                  <p:stCondLst>
+                                    <p:cond delay="0"/>
+                                  </p:stCondLst>
+                                  <p:childTnLst>
+                                    <p:set>
+                                      <p:cBhvr>
+                                        <p:cTn id="6" dur="1" fill="hold">
+                                          <p:stCondLst>
+                                            <p:cond delay="0"/>
+                                          </p:stCondLst>
+                                        </p:cTn>
+                                        <p:tgtEl>
+                                          <p:spTgt spid="2"/>
+                                        </p:tgtEl>
+                                        <p:attrNameLst>
+                                          <p:attrName>style.visibility</p:attrName>
+                                        </p:attrNameLst>
+                                      </p:cBhvr>
+                                      <p:to>
+                                        <p:strVal val="visible"/>
+                                      </p:to>
+                                    </p:set>
+                                  </p:childTnLst>
+                                </p:cTn>
+                              </p:par>
+                            </p:childTnLst>
+                          </p:cTn>
+                        </p:par>
+                      </p:childTnLst>
+                    </p:cTn>
+                  </p:par>
+                  <p:par>
+                    <p:cTn id="7" fill="hold">
+                      <p:stCondLst>
+                        <p:cond delay="indefinite"/>
+                      </p:stCondLst>
+                      <p:childTnLst>
+                        <p:par>
+                          <p:cTn id="8" fill="hold">
+                            <p:stCondLst>
+                              <p:cond delay="0"/>
+                            </p:stCondLst>
+                            <p:childTnLst>
+                              <p:par>
+                                <p:cTn id="9" presetID="1" presetClass="entr" presetSubtype="0" fill="hold" grpId="0" nodeType="clickEffect">
+                                  <p:stCondLst>
+                                    <p:cond delay="0"/>
+                                  </p:stCondLst>
+                                  <p:childTnLst>
+                                    <p:set>
+                                      <p:cBhvr>
+                                        <p:cTn id="10" dur="1" fill="hold">
+                                          <p:stCondLst>
+                                            <p:cond delay="0"/>
+                                          </p:stCondLst>
+                                        </p:cTn>
+                                        <p:tgtEl>
+                                          <p:spTgt spid="7">
+                                            <p:txEl>
+                                              <p:pRg st="0" end="0"/>
+                                            </p:txEl>
+                                          </p:spTgt>
+                                        </p:tgtEl>
+                                        <p:attrNameLst>
+                                          <p:attrName>style.visibility</p:attrName>
+                                        </p:attrNameLst>
+                                      </p:cBhvr>
+                                      <p:to>
+                                        <p:strVal val="visible"/>
+                                      </p:to>
+                                    </p:set>
+                                  </p:childTnLst>
+                                </p:cTn>
+                              </p:par>
+                            </p:childTnLst>
+                          </p:cTn>
+                        </p:par>
+                      </p:childTnLst>
+                    </p:cTn>
+                  </p:par>
+                </p:childTnLst>
+              </p:cTn>
+              <p:prevCondLst>
+                <p:cond evt="onPrev" delay="0">
+                  <p:tgtEl>
+                    <p:sldTgt/>
+                  </p:tgtEl>
+                </p:cond>
+              </p:prevCondLst>
+              <p:nextCondLst>
+                <p:cond evt="onNext" delay="0">
+                  <p:tgtEl>
+                    <p:sldTgt/>
+                  </p:tgtEl>
+                </p:cond>
+              </p:nextCondLst>
+            </p:seq>
+          </p:childTnLst>
+        </p:cTn>
+      </p:par>
+    </p:tnLst>
+    <p:bldLst>
+      <p:bldP spid="2" grpId="0"/>
+      <p:bldP spid="7" grpId="0" build="p"/>
+    </p:bldLst>
+  </p:timing>
+</p:sld>
+</file>
+
+<file path=ppt/slides/slide21.xml><?xml version="1.0" encoding="utf-8"?>
+<p:sld xmlns:a="http://schemas.openxmlformats.org/drawingml/2006/main" xmlns:r="http://schemas.openxmlformats.org/officeDocument/2006/relationships" xmlns:p="http://schemas.openxmlformats.org/presentationml/2006/main">
+  <p:cSld>
+    <p:spTree>
+      <p:nvGrpSpPr>
+        <p:cNvPr id="1" name=""/>
+        <p:cNvGrpSpPr/>
+        <p:nvPr/>
+      </p:nvGrpSpPr>
+      <p:grpSpPr>
+        <a:xfrm>
+          <a:off x="0" y="0"/>
+          <a:ext cx="0" cy="0"/>
+          <a:chOff x="0" y="0"/>
+          <a:chExt cx="0" cy="0"/>
+        </a:xfrm>
+      </p:grpSpPr>
+      <p:sp>
+        <p:nvSpPr>
+          <p:cNvPr id="2" name="Title 1">
+            <a:extLst>
+              <a:ext uri="{FF2B5EF4-FFF2-40B4-BE49-F238E27FC236}">
+                <a16:creationId xmlns:a16="http://schemas.microsoft.com/office/drawing/2014/main" id="{4E9665C3-A39B-46CB-9476-38155755C811}"/>
+              </a:ext>
+            </a:extLst>
+          </p:cNvPr>
+          <p:cNvSpPr>
+            <a:spLocks noGrp="1"/>
+          </p:cNvSpPr>
+          <p:nvPr>
+            <p:ph type="title"/>
+          </p:nvPr>
+        </p:nvSpPr>
+        <p:spPr>
+          <a:xfrm>
+            <a:off x="1097280" y="286603"/>
+            <a:ext cx="10058400" cy="1450757"/>
+          </a:xfrm>
+        </p:spPr>
+        <p:txBody>
+          <a:bodyPr/>
+          <a:lstStyle/>
+          <a:p>
+            <a:r>
+              <a:rPr lang="en-US" dirty="0"/>
+              <a:t>Exception drawbacks</a:t>
+            </a:r>
+          </a:p>
+        </p:txBody>
+      </p:sp>
+      <p:sp>
+        <p:nvSpPr>
+          <p:cNvPr id="7" name="Content Placeholder 6">
+            <a:extLst>
+              <a:ext uri="{FF2B5EF4-FFF2-40B4-BE49-F238E27FC236}">
+                <a16:creationId xmlns:a16="http://schemas.microsoft.com/office/drawing/2014/main" id="{A101F740-C1A8-4E3F-96D8-B8C61571713A}"/>
+              </a:ext>
+            </a:extLst>
+          </p:cNvPr>
+          <p:cNvSpPr>
+            <a:spLocks noGrp="1"/>
+          </p:cNvSpPr>
+          <p:nvPr>
+            <p:ph idx="1"/>
+          </p:nvPr>
+        </p:nvSpPr>
+        <p:spPr>
+          <a:xfrm>
+            <a:off x="1097280" y="2030032"/>
+            <a:ext cx="10058400" cy="4023360"/>
+          </a:xfrm>
+        </p:spPr>
+        <p:txBody>
+          <a:bodyPr>
+            <a:normAutofit lnSpcReduction="10000"/>
+          </a:bodyPr>
+          <a:lstStyle/>
+          <a:p>
+            <a:pPr>
+              <a:buFont typeface="Wingdings" panose="05000000000000000000" pitchFamily="2" charset="2"/>
+              <a:buChar char="Ø"/>
+            </a:pPr>
+            <a:r>
+              <a:rPr lang="en-US" sz="2800" dirty="0"/>
+              <a:t> Exceptions are harder to predict our application flow. Just like </a:t>
+            </a:r>
+            <a:r>
+              <a:rPr lang="en-US" sz="2800" dirty="0" err="1"/>
+              <a:t>goto</a:t>
+            </a:r>
+            <a:r>
+              <a:rPr lang="en-US" sz="2800" dirty="0"/>
+              <a:t> statements.</a:t>
+            </a:r>
+          </a:p>
+          <a:p>
+            <a:pPr>
+              <a:buFont typeface="Wingdings" panose="05000000000000000000" pitchFamily="2" charset="2"/>
+              <a:buChar char="Ø"/>
+            </a:pPr>
+            <a:r>
+              <a:rPr lang="en-US" sz="2800" dirty="0"/>
+              <a:t> Exceptions are slow! </a:t>
+            </a:r>
+          </a:p>
+          <a:p>
+            <a:pPr>
+              <a:buFont typeface="Wingdings" panose="05000000000000000000" pitchFamily="2" charset="2"/>
+              <a:buChar char="Ø"/>
+            </a:pPr>
+            <a:endParaRPr lang="en-US" sz="2800" dirty="0"/>
+          </a:p>
+          <a:p>
+            <a:pPr marL="0" indent="0">
+              <a:buNone/>
+            </a:pPr>
+            <a:r>
+              <a:rPr lang="en-US" sz="2800" dirty="0"/>
+              <a:t>for (int </a:t>
+            </a:r>
+            <a:r>
+              <a:rPr lang="en-US" sz="2800" dirty="0" err="1"/>
+              <a:t>i</a:t>
+            </a:r>
+            <a:r>
+              <a:rPr lang="en-US" sz="2800" dirty="0"/>
+              <a:t> = 0; </a:t>
+            </a:r>
+            <a:r>
+              <a:rPr lang="en-US" sz="2800" dirty="0" err="1"/>
+              <a:t>i</a:t>
+            </a:r>
+            <a:r>
+              <a:rPr lang="en-US" sz="2800" dirty="0"/>
+              <a:t>&lt;10000; </a:t>
+            </a:r>
+            <a:r>
+              <a:rPr lang="en-US" sz="2800" dirty="0" err="1"/>
+              <a:t>i</a:t>
+            </a:r>
+            <a:r>
+              <a:rPr lang="en-US" sz="2800" dirty="0"/>
+              <a:t>++) {</a:t>
+            </a:r>
+          </a:p>
+          <a:p>
+            <a:pPr marL="0" indent="0">
+              <a:buNone/>
+            </a:pPr>
+            <a:r>
+              <a:rPr lang="en-US" sz="2800" dirty="0"/>
+              <a:t>// </a:t>
+            </a:r>
+            <a:r>
+              <a:rPr lang="en-US" sz="2800" dirty="0" err="1"/>
+              <a:t>functA</a:t>
+            </a:r>
+            <a:r>
+              <a:rPr lang="en-US" sz="2800" dirty="0"/>
+              <a:t> call another </a:t>
+            </a:r>
+            <a:r>
+              <a:rPr lang="en-US" sz="2800" dirty="0" err="1"/>
+              <a:t>funcB</a:t>
+            </a:r>
+            <a:r>
+              <a:rPr lang="en-US" sz="2800" dirty="0"/>
+              <a:t> then swallow the exception!?</a:t>
+            </a:r>
+          </a:p>
+          <a:p>
+            <a:pPr marL="0" indent="0">
+              <a:buNone/>
+            </a:pPr>
+            <a:r>
+              <a:rPr lang="en-US" sz="2800" dirty="0"/>
+              <a:t>   </a:t>
+            </a:r>
+            <a:r>
+              <a:rPr lang="en-US" sz="2800" dirty="0" err="1"/>
+              <a:t>functA</a:t>
+            </a:r>
+            <a:r>
+              <a:rPr lang="en-US" sz="2800" dirty="0"/>
+              <a:t>();</a:t>
+            </a:r>
+          </a:p>
+          <a:p>
+            <a:pPr marL="0" indent="0">
+              <a:buNone/>
+            </a:pPr>
+            <a:r>
+              <a:rPr lang="en-US" sz="2800" dirty="0"/>
+              <a:t>}</a:t>
+            </a:r>
+          </a:p>
+        </p:txBody>
+      </p:sp>
+    </p:spTree>
+    <p:extLst>
+      <p:ext uri="{BB962C8B-B14F-4D97-AF65-F5344CB8AC3E}">
+        <p14:creationId xmlns:p14="http://schemas.microsoft.com/office/powerpoint/2010/main" val="3858771046"/>
+      </p:ext>
+    </p:extLst>
+  </p:cSld>
+  <p:clrMapOvr>
+    <a:masterClrMapping/>
+  </p:clrMapOvr>
+  <p:timing>
+    <p:tnLst>
+      <p:par>
+        <p:cTn id="1" dur="indefinite" restart="never" nodeType="tmRoot">
+          <p:childTnLst>
+            <p:seq concurrent="1" nextAc="seek">
+              <p:cTn id="2" dur="indefinite" nodeType="mainSeq">
+                <p:childTnLst>
+                  <p:par>
+                    <p:cTn id="3" fill="hold">
+                      <p:stCondLst>
+                        <p:cond delay="indefinite"/>
+                      </p:stCondLst>
+                      <p:childTnLst>
+                        <p:par>
+                          <p:cTn id="4" fill="hold">
+                            <p:stCondLst>
+                              <p:cond delay="0"/>
+                            </p:stCondLst>
+                            <p:childTnLst>
+                              <p:par>
+                                <p:cTn id="5" presetID="1" presetClass="entr" presetSubtype="0" fill="hold" grpId="0" nodeType="clickEffect">
+                                  <p:stCondLst>
+                                    <p:cond delay="0"/>
+                                  </p:stCondLst>
+                                  <p:childTnLst>
+                                    <p:set>
+                                      <p:cBhvr>
+                                        <p:cTn id="6" dur="1" fill="hold">
+                                          <p:stCondLst>
+                                            <p:cond delay="0"/>
+                                          </p:stCondLst>
+                                        </p:cTn>
+                                        <p:tgtEl>
+                                          <p:spTgt spid="2"/>
+                                        </p:tgtEl>
+                                        <p:attrNameLst>
+                                          <p:attrName>style.visibility</p:attrName>
+                                        </p:attrNameLst>
+                                      </p:cBhvr>
+                                      <p:to>
+                                        <p:strVal val="visible"/>
+                                      </p:to>
+                                    </p:set>
+                                  </p:childTnLst>
+                                </p:cTn>
+                              </p:par>
+                            </p:childTnLst>
+                          </p:cTn>
+                        </p:par>
+                      </p:childTnLst>
+                    </p:cTn>
+                  </p:par>
+                  <p:par>
+                    <p:cTn id="7" fill="hold">
+                      <p:stCondLst>
+                        <p:cond delay="indefinite"/>
+                      </p:stCondLst>
+                      <p:childTnLst>
+                        <p:par>
+                          <p:cTn id="8" fill="hold">
+                            <p:stCondLst>
+                              <p:cond delay="0"/>
+                            </p:stCondLst>
+                            <p:childTnLst>
+                              <p:par>
+                                <p:cTn id="9" presetID="1" presetClass="entr" presetSubtype="0" fill="hold" grpId="0" nodeType="clickEffect">
+                                  <p:stCondLst>
+                                    <p:cond delay="0"/>
+                                  </p:stCondLst>
+                                  <p:childTnLst>
+                                    <p:set>
+                                      <p:cBhvr>
+                                        <p:cTn id="10" dur="1" fill="hold">
+                                          <p:stCondLst>
+                                            <p:cond delay="0"/>
+                                          </p:stCondLst>
+                                        </p:cTn>
+                                        <p:tgtEl>
+                                          <p:spTgt spid="7">
+                                            <p:txEl>
+                                              <p:pRg st="0" end="0"/>
+                                            </p:txEl>
+                                          </p:spTgt>
+                                        </p:tgtEl>
+                                        <p:attrNameLst>
+                                          <p:attrName>style.visibility</p:attrName>
+                                        </p:attrNameLst>
+                                      </p:cBhvr>
+                                      <p:to>
+                                        <p:strVal val="visible"/>
+                                      </p:to>
+                                    </p:set>
+                                  </p:childTnLst>
+                                </p:cTn>
+                              </p:par>
+                            </p:childTnLst>
+                          </p:cTn>
+                        </p:par>
+                      </p:childTnLst>
+                    </p:cTn>
+                  </p:par>
+                  <p:par>
+                    <p:cTn id="11" fill="hold">
+                      <p:stCondLst>
+                        <p:cond delay="indefinite"/>
+                      </p:stCondLst>
+                      <p:childTnLst>
+                        <p:par>
+                          <p:cTn id="12" fill="hold">
+                            <p:stCondLst>
+                              <p:cond delay="0"/>
+                            </p:stCondLst>
+                            <p:childTnLst>
+                              <p:par>
+                                <p:cTn id="13" presetID="1" presetClass="entr" presetSubtype="0" fill="hold" grpId="0" nodeType="clickEffect">
+                                  <p:stCondLst>
+                                    <p:cond delay="0"/>
+                                  </p:stCondLst>
+                                  <p:childTnLst>
+                                    <p:set>
+                                      <p:cBhvr>
+                                        <p:cTn id="14" dur="1" fill="hold">
+                                          <p:stCondLst>
+                                            <p:cond delay="0"/>
+                                          </p:stCondLst>
+                                        </p:cTn>
+                                        <p:tgtEl>
+                                          <p:spTgt spid="7">
+                                            <p:txEl>
+                                              <p:pRg st="1" end="1"/>
+                                            </p:txEl>
+                                          </p:spTgt>
+                                        </p:tgtEl>
+                                        <p:attrNameLst>
+                                          <p:attrName>style.visibility</p:attrName>
+                                        </p:attrNameLst>
+                                      </p:cBhvr>
+                                      <p:to>
+                                        <p:strVal val="visible"/>
+                                      </p:to>
+                                    </p:set>
+                                  </p:childTnLst>
+                                </p:cTn>
+                              </p:par>
+                            </p:childTnLst>
+                          </p:cTn>
+                        </p:par>
+                      </p:childTnLst>
+                    </p:cTn>
+                  </p:par>
+                  <p:par>
+                    <p:cTn id="15" fill="hold">
+                      <p:stCondLst>
+                        <p:cond delay="indefinite"/>
+                      </p:stCondLst>
+                      <p:childTnLst>
+                        <p:par>
+                          <p:cTn id="16" fill="hold">
+                            <p:stCondLst>
+                              <p:cond delay="0"/>
+                            </p:stCondLst>
+                            <p:childTnLst>
+                              <p:par>
+                                <p:cTn id="17" presetID="1" presetClass="entr" presetSubtype="0" fill="hold" grpId="0" nodeType="clickEffect">
+                                  <p:stCondLst>
+                                    <p:cond delay="0"/>
+                                  </p:stCondLst>
+                                  <p:childTnLst>
+                                    <p:set>
+                                      <p:cBhvr>
+                                        <p:cTn id="18" dur="1" fill="hold">
+                                          <p:stCondLst>
+                                            <p:cond delay="0"/>
+                                          </p:stCondLst>
+                                        </p:cTn>
+                                        <p:tgtEl>
+                                          <p:spTgt spid="7">
+                                            <p:txEl>
+                                              <p:pRg st="3" end="3"/>
+                                            </p:txEl>
+                                          </p:spTgt>
+                                        </p:tgtEl>
+                                        <p:attrNameLst>
+                                          <p:attrName>style.visibility</p:attrName>
+                                        </p:attrNameLst>
+                                      </p:cBhvr>
+                                      <p:to>
+                                        <p:strVal val="visible"/>
+                                      </p:to>
+                                    </p:set>
+                                  </p:childTnLst>
+                                </p:cTn>
+                              </p:par>
+                              <p:par>
+                                <p:cTn id="19" presetID="1" presetClass="entr" presetSubtype="0" fill="hold" grpId="0" nodeType="withEffect">
+                                  <p:stCondLst>
+                                    <p:cond delay="0"/>
+                                  </p:stCondLst>
+                                  <p:childTnLst>
+                                    <p:set>
+                                      <p:cBhvr>
+                                        <p:cTn id="20" dur="1" fill="hold">
+                                          <p:stCondLst>
+                                            <p:cond delay="0"/>
+                                          </p:stCondLst>
+                                        </p:cTn>
+                                        <p:tgtEl>
+                                          <p:spTgt spid="7">
+                                            <p:txEl>
+                                              <p:pRg st="4" end="4"/>
+                                            </p:txEl>
+                                          </p:spTgt>
+                                        </p:tgtEl>
+                                        <p:attrNameLst>
+                                          <p:attrName>style.visibility</p:attrName>
+                                        </p:attrNameLst>
+                                      </p:cBhvr>
+                                      <p:to>
+                                        <p:strVal val="visible"/>
+                                      </p:to>
+                                    </p:set>
+                                  </p:childTnLst>
+                                </p:cTn>
+                              </p:par>
+                              <p:par>
+                                <p:cTn id="21" presetID="1" presetClass="entr" presetSubtype="0" fill="hold" grpId="0" nodeType="withEffect">
+                                  <p:stCondLst>
+                                    <p:cond delay="0"/>
+                                  </p:stCondLst>
+                                  <p:childTnLst>
+                                    <p:set>
+                                      <p:cBhvr>
+                                        <p:cTn id="22" dur="1" fill="hold">
+                                          <p:stCondLst>
+                                            <p:cond delay="0"/>
+                                          </p:stCondLst>
+                                        </p:cTn>
+                                        <p:tgtEl>
+                                          <p:spTgt spid="7">
+                                            <p:txEl>
+                                              <p:pRg st="5" end="5"/>
+                                            </p:txEl>
+                                          </p:spTgt>
+                                        </p:tgtEl>
+                                        <p:attrNameLst>
+                                          <p:attrName>style.visibility</p:attrName>
+                                        </p:attrNameLst>
+                                      </p:cBhvr>
+                                      <p:to>
+                                        <p:strVal val="visible"/>
+                                      </p:to>
+                                    </p:set>
+                                  </p:childTnLst>
+                                </p:cTn>
+                              </p:par>
+                              <p:par>
+                                <p:cTn id="23" presetID="1" presetClass="entr" presetSubtype="0" fill="hold" grpId="0" nodeType="withEffect">
+                                  <p:stCondLst>
+                                    <p:cond delay="0"/>
+                                  </p:stCondLst>
+                                  <p:childTnLst>
+                                    <p:set>
+                                      <p:cBhvr>
+                                        <p:cTn id="24" dur="1" fill="hold">
+                                          <p:stCondLst>
+                                            <p:cond delay="0"/>
+                                          </p:stCondLst>
+                                        </p:cTn>
+                                        <p:tgtEl>
+                                          <p:spTgt spid="7">
+                                            <p:txEl>
+                                              <p:pRg st="6" end="6"/>
+                                            </p:txEl>
+                                          </p:spTgt>
+                                        </p:tgtEl>
+                                        <p:attrNameLst>
+                                          <p:attrName>style.visibility</p:attrName>
+                                        </p:attrNameLst>
+                                      </p:cBhvr>
+                                      <p:to>
+                                        <p:strVal val="visible"/>
+                                      </p:to>
+                                    </p:set>
+                                  </p:childTnLst>
+                                </p:cTn>
+                              </p:par>
+                            </p:childTnLst>
+                          </p:cTn>
+                        </p:par>
+                      </p:childTnLst>
+                    </p:cTn>
+                  </p:par>
+                </p:childTnLst>
+              </p:cTn>
+              <p:prevCondLst>
+                <p:cond evt="onPrev" delay="0">
+                  <p:tgtEl>
+                    <p:sldTgt/>
+                  </p:tgtEl>
+                </p:cond>
+              </p:prevCondLst>
+              <p:nextCondLst>
+                <p:cond evt="onNext" delay="0">
+                  <p:tgtEl>
+                    <p:sldTgt/>
+                  </p:tgtEl>
+                </p:cond>
+              </p:nextCondLst>
+            </p:seq>
+          </p:childTnLst>
+        </p:cTn>
+      </p:par>
+    </p:tnLst>
+    <p:bldLst>
+      <p:bldP spid="2" grpId="0"/>
+      <p:bldP spid="7" grpId="0" uiExpand="1" build="p"/>
+    </p:bldLst>
+  </p:timing>
+</p:sld>
+</file>
+
+<file path=ppt/slides/slide22.xml><?xml version="1.0" encoding="utf-8"?>
+<p:sld xmlns:a="http://schemas.openxmlformats.org/drawingml/2006/main" xmlns:r="http://schemas.openxmlformats.org/officeDocument/2006/relationships" xmlns:p="http://schemas.openxmlformats.org/presentationml/2006/main">
+  <p:cSld>
+    <p:spTree>
+      <p:nvGrpSpPr>
+        <p:cNvPr id="1" name=""/>
+        <p:cNvGrpSpPr/>
+        <p:nvPr/>
+      </p:nvGrpSpPr>
+      <p:grpSpPr>
+        <a:xfrm>
+          <a:off x="0" y="0"/>
+          <a:ext cx="0" cy="0"/>
+          <a:chOff x="0" y="0"/>
+          <a:chExt cx="0" cy="0"/>
+        </a:xfrm>
+      </p:grpSpPr>
+      <p:sp>
+        <p:nvSpPr>
+          <p:cNvPr id="2" name="Title 1">
+            <a:extLst>
+              <a:ext uri="{FF2B5EF4-FFF2-40B4-BE49-F238E27FC236}">
+                <a16:creationId xmlns:a16="http://schemas.microsoft.com/office/drawing/2014/main" id="{4E9665C3-A39B-46CB-9476-38155755C811}"/>
+              </a:ext>
+            </a:extLst>
+          </p:cNvPr>
+          <p:cNvSpPr>
+            <a:spLocks noGrp="1"/>
+          </p:cNvSpPr>
+          <p:nvPr>
+            <p:ph type="title"/>
+          </p:nvPr>
+        </p:nvSpPr>
+        <p:spPr>
+          <a:xfrm>
+            <a:off x="1097280" y="286603"/>
+            <a:ext cx="10058400" cy="1450757"/>
+          </a:xfrm>
+        </p:spPr>
+        <p:txBody>
+          <a:bodyPr/>
+          <a:lstStyle/>
+          <a:p>
+            <a:r>
+              <a:rPr lang="en-US" dirty="0"/>
+              <a:t>Result drawbacks</a:t>
+            </a:r>
+          </a:p>
+        </p:txBody>
+      </p:sp>
+      <p:sp>
+        <p:nvSpPr>
+          <p:cNvPr id="7" name="Content Placeholder 6">
+            <a:extLst>
+              <a:ext uri="{FF2B5EF4-FFF2-40B4-BE49-F238E27FC236}">
+                <a16:creationId xmlns:a16="http://schemas.microsoft.com/office/drawing/2014/main" id="{A101F740-C1A8-4E3F-96D8-B8C61571713A}"/>
+              </a:ext>
+            </a:extLst>
+          </p:cNvPr>
+          <p:cNvSpPr>
+            <a:spLocks noGrp="1"/>
+          </p:cNvSpPr>
+          <p:nvPr>
+            <p:ph idx="1"/>
+          </p:nvPr>
+        </p:nvSpPr>
+        <p:spPr>
+          <a:xfrm>
+            <a:off x="1097280" y="2030032"/>
+            <a:ext cx="10058400" cy="4023360"/>
+          </a:xfrm>
+        </p:spPr>
+        <p:txBody>
+          <a:bodyPr>
+            <a:normAutofit/>
+          </a:bodyPr>
+          <a:lstStyle/>
+          <a:p>
+            <a:pPr>
+              <a:buFont typeface="Wingdings" panose="05000000000000000000" pitchFamily="2" charset="2"/>
+              <a:buChar char="Ø"/>
+            </a:pPr>
+            <a:r>
+              <a:rPr lang="en-US" sz="2800" dirty="0"/>
+              <a:t> Caller always need to check whether the result fail or succeed</a:t>
+            </a:r>
+          </a:p>
+          <a:p>
+            <a:pPr>
+              <a:buFont typeface="Wingdings" panose="05000000000000000000" pitchFamily="2" charset="2"/>
+              <a:buChar char="Ø"/>
+            </a:pPr>
+            <a:r>
+              <a:rPr lang="en-US" sz="2800" dirty="0"/>
+              <a:t> Result tends to be contagious just like await / async</a:t>
+            </a:r>
+          </a:p>
+        </p:txBody>
+      </p:sp>
+      <p:pic>
+        <p:nvPicPr>
+          <p:cNvPr id="3" name="Picture 2">
+            <a:extLst>
+              <a:ext uri="{FF2B5EF4-FFF2-40B4-BE49-F238E27FC236}">
+                <a16:creationId xmlns:a16="http://schemas.microsoft.com/office/drawing/2014/main" id="{8713D568-C814-4122-9A1A-0A1AC817A7CF}"/>
+              </a:ext>
+            </a:extLst>
+          </p:cNvPr>
+          <p:cNvPicPr>
+            <a:picLocks noChangeAspect="1"/>
+          </p:cNvPicPr>
+          <p:nvPr/>
+        </p:nvPicPr>
+        <p:blipFill>
+          <a:blip r:embed="rId3"/>
+          <a:stretch>
+            <a:fillRect/>
+          </a:stretch>
+        </p:blipFill>
+        <p:spPr>
+          <a:xfrm>
+            <a:off x="0" y="3542874"/>
+            <a:ext cx="12192000" cy="2234652"/>
+          </a:xfrm>
+          <a:prstGeom prst="rect">
+            <a:avLst/>
+          </a:prstGeom>
+        </p:spPr>
+      </p:pic>
+    </p:spTree>
+    <p:extLst>
+      <p:ext uri="{BB962C8B-B14F-4D97-AF65-F5344CB8AC3E}">
+        <p14:creationId xmlns:p14="http://schemas.microsoft.com/office/powerpoint/2010/main" val="2000660407"/>
+      </p:ext>
+    </p:extLst>
+  </p:cSld>
+  <p:clrMapOvr>
+    <a:masterClrMapping/>
+  </p:clrMapOvr>
+  <p:timing>
+    <p:tnLst>
+      <p:par>
+        <p:cTn id="1" dur="indefinite" restart="never" nodeType="tmRoot">
+          <p:childTnLst>
+            <p:seq concurrent="1" nextAc="seek">
+              <p:cTn id="2" dur="indefinite" nodeType="mainSeq">
+                <p:childTnLst>
+                  <p:par>
+                    <p:cTn id="3" fill="hold">
+                      <p:stCondLst>
+                        <p:cond delay="indefinite"/>
+                      </p:stCondLst>
+                      <p:childTnLst>
+                        <p:par>
+                          <p:cTn id="4" fill="hold">
+                            <p:stCondLst>
+                              <p:cond delay="0"/>
+                            </p:stCondLst>
+                            <p:childTnLst>
+                              <p:par>
+                                <p:cTn id="5" presetID="1" presetClass="entr" presetSubtype="0" fill="hold" grpId="0" nodeType="clickEffect">
+                                  <p:stCondLst>
+                                    <p:cond delay="0"/>
+                                  </p:stCondLst>
+                                  <p:childTnLst>
+                                    <p:set>
+                                      <p:cBhvr>
+                                        <p:cTn id="6" dur="1" fill="hold">
+                                          <p:stCondLst>
+                                            <p:cond delay="0"/>
+                                          </p:stCondLst>
+                                        </p:cTn>
+                                        <p:tgtEl>
+                                          <p:spTgt spid="2"/>
+                                        </p:tgtEl>
+                                        <p:attrNameLst>
+                                          <p:attrName>style.visibility</p:attrName>
+                                        </p:attrNameLst>
+                                      </p:cBhvr>
+                                      <p:to>
+                                        <p:strVal val="visible"/>
+                                      </p:to>
+                                    </p:set>
+                                  </p:childTnLst>
+                                </p:cTn>
+                              </p:par>
+                            </p:childTnLst>
+                          </p:cTn>
+                        </p:par>
+                      </p:childTnLst>
+                    </p:cTn>
+                  </p:par>
+                  <p:par>
+                    <p:cTn id="7" fill="hold">
+                      <p:stCondLst>
+                        <p:cond delay="indefinite"/>
+                      </p:stCondLst>
+                      <p:childTnLst>
+                        <p:par>
+                          <p:cTn id="8" fill="hold">
+                            <p:stCondLst>
+                              <p:cond delay="0"/>
+                            </p:stCondLst>
+                            <p:childTnLst>
+                              <p:par>
+                                <p:cTn id="9" presetID="1" presetClass="entr" presetSubtype="0" fill="hold" grpId="0" nodeType="clickEffect">
+                                  <p:stCondLst>
+                                    <p:cond delay="0"/>
+                                  </p:stCondLst>
+                                  <p:childTnLst>
+                                    <p:set>
+                                      <p:cBhvr>
+                                        <p:cTn id="10" dur="1" fill="hold">
+                                          <p:stCondLst>
+                                            <p:cond delay="0"/>
+                                          </p:stCondLst>
+                                        </p:cTn>
+                                        <p:tgtEl>
+                                          <p:spTgt spid="7">
+                                            <p:txEl>
+                                              <p:pRg st="0" end="0"/>
+                                            </p:txEl>
+                                          </p:spTgt>
+                                        </p:tgtEl>
+                                        <p:attrNameLst>
+                                          <p:attrName>style.visibility</p:attrName>
+                                        </p:attrNameLst>
+                                      </p:cBhvr>
+                                      <p:to>
+                                        <p:strVal val="visible"/>
+                                      </p:to>
+                                    </p:set>
+                                  </p:childTnLst>
+                                </p:cTn>
+                              </p:par>
+                            </p:childTnLst>
+                          </p:cTn>
+                        </p:par>
+                      </p:childTnLst>
+                    </p:cTn>
+                  </p:par>
+                  <p:par>
+                    <p:cTn id="11" fill="hold">
+                      <p:stCondLst>
+                        <p:cond delay="indefinite"/>
+                      </p:stCondLst>
+                      <p:childTnLst>
+                        <p:par>
+                          <p:cTn id="12" fill="hold">
+                            <p:stCondLst>
+                              <p:cond delay="0"/>
+                            </p:stCondLst>
+                            <p:childTnLst>
+                              <p:par>
+                                <p:cTn id="13" presetID="1" presetClass="entr" presetSubtype="0" fill="hold" grpId="0" nodeType="clickEffect">
+                                  <p:stCondLst>
+                                    <p:cond delay="0"/>
+                                  </p:stCondLst>
+                                  <p:childTnLst>
+                                    <p:set>
+                                      <p:cBhvr>
+                                        <p:cTn id="14" dur="1" fill="hold">
+                                          <p:stCondLst>
+                                            <p:cond delay="0"/>
+                                          </p:stCondLst>
+                                        </p:cTn>
+                                        <p:tgtEl>
+                                          <p:spTgt spid="7">
+                                            <p:txEl>
+                                              <p:pRg st="1" end="1"/>
+                                            </p:txEl>
+                                          </p:spTgt>
+                                        </p:tgtEl>
+                                        <p:attrNameLst>
+                                          <p:attrName>style.visibility</p:attrName>
+                                        </p:attrNameLst>
+                                      </p:cBhvr>
+                                      <p:to>
+                                        <p:strVal val="visible"/>
+                                      </p:to>
+                                    </p:set>
+                                  </p:childTnLst>
+                                </p:cTn>
+                              </p:par>
+                            </p:childTnLst>
+                          </p:cTn>
+                        </p:par>
+                      </p:childTnLst>
+                    </p:cTn>
+                  </p:par>
+                  <p:par>
+                    <p:cTn id="15" fill="hold">
+                      <p:stCondLst>
+                        <p:cond delay="indefinite"/>
+                      </p:stCondLst>
+                      <p:childTnLst>
+                        <p:par>
+                          <p:cTn id="16" fill="hold">
+                            <p:stCondLst>
+                              <p:cond delay="0"/>
+                            </p:stCondLst>
+                            <p:childTnLst>
+                              <p:par>
+                                <p:cTn id="17" presetID="1" presetClass="entr" presetSubtype="0" fill="hold" nodeType="clickEffect">
+                                  <p:stCondLst>
+                                    <p:cond delay="0"/>
+                                  </p:stCondLst>
+                                  <p:childTnLst>
+                                    <p:set>
+                                      <p:cBhvr>
+                                        <p:cTn id="18" dur="1" fill="hold">
+                                          <p:stCondLst>
+                                            <p:cond delay="0"/>
+                                          </p:stCondLst>
+                                        </p:cTn>
+                                        <p:tgtEl>
+                                          <p:spTgt spid="3"/>
+                                        </p:tgtEl>
+                                        <p:attrNameLst>
+                                          <p:attrName>style.visibility</p:attrName>
+                                        </p:attrNameLst>
+                                      </p:cBhvr>
+                                      <p:to>
+                                        <p:strVal val="visible"/>
+                                      </p:to>
+                                    </p:set>
+                                  </p:childTnLst>
+                                </p:cTn>
+                              </p:par>
+                            </p:childTnLst>
+                          </p:cTn>
+                        </p:par>
+                      </p:childTnLst>
+                    </p:cTn>
+                  </p:par>
+                </p:childTnLst>
+              </p:cTn>
+              <p:prevCondLst>
+                <p:cond evt="onPrev" delay="0">
+                  <p:tgtEl>
+                    <p:sldTgt/>
+                  </p:tgtEl>
+                </p:cond>
+              </p:prevCondLst>
+              <p:nextCondLst>
+                <p:cond evt="onNext" delay="0">
+                  <p:tgtEl>
+                    <p:sldTgt/>
+                  </p:tgtEl>
+                </p:cond>
+              </p:nextCondLst>
+            </p:seq>
+          </p:childTnLst>
+        </p:cTn>
+      </p:par>
+    </p:tnLst>
+    <p:bldLst>
+      <p:bldP spid="2" grpId="0"/>
+      <p:bldP spid="7" grpId="0" uiExpand="1" build="p"/>
+    </p:bldLst>
+  </p:timing>
+</p:sld>
+</file>
+
+<file path=ppt/slides/slide23.xml><?xml version="1.0" encoding="utf-8"?>
+<p:sld xmlns:a="http://schemas.openxmlformats.org/drawingml/2006/main" xmlns:r="http://schemas.openxmlformats.org/officeDocument/2006/relationships" xmlns:p="http://schemas.openxmlformats.org/presentationml/2006/main">
+  <p:cSld>
+    <p:spTree>
+      <p:nvGrpSpPr>
+        <p:cNvPr id="1" name=""/>
+        <p:cNvGrpSpPr/>
+        <p:nvPr/>
+      </p:nvGrpSpPr>
+      <p:grpSpPr>
+        <a:xfrm>
+          <a:off x="0" y="0"/>
+          <a:ext cx="0" cy="0"/>
+          <a:chOff x="0" y="0"/>
+          <a:chExt cx="0" cy="0"/>
+        </a:xfrm>
+      </p:grpSpPr>
+      <p:sp>
+        <p:nvSpPr>
+          <p:cNvPr id="2" name="Title 1">
+            <a:extLst>
+              <a:ext uri="{FF2B5EF4-FFF2-40B4-BE49-F238E27FC236}">
+                <a16:creationId xmlns:a16="http://schemas.microsoft.com/office/drawing/2014/main" id="{4E9665C3-A39B-46CB-9476-38155755C811}"/>
+              </a:ext>
+            </a:extLst>
+          </p:cNvPr>
+          <p:cNvSpPr>
+            <a:spLocks noGrp="1"/>
+          </p:cNvSpPr>
+          <p:nvPr>
+            <p:ph type="title"/>
+          </p:nvPr>
+        </p:nvSpPr>
+        <p:spPr>
+          <a:xfrm>
+            <a:off x="1097280" y="286603"/>
+            <a:ext cx="10058400" cy="1450757"/>
+          </a:xfrm>
+        </p:spPr>
+        <p:txBody>
+          <a:bodyPr/>
+          <a:lstStyle/>
+          <a:p>
+            <a:r>
+              <a:rPr lang="en-US" dirty="0"/>
+              <a:t>Which one wins?</a:t>
+            </a:r>
+          </a:p>
+        </p:txBody>
+      </p:sp>
+      <p:pic>
+        <p:nvPicPr>
+          <p:cNvPr id="6" name="Content Placeholder 5">
+            <a:extLst>
+              <a:ext uri="{FF2B5EF4-FFF2-40B4-BE49-F238E27FC236}">
+                <a16:creationId xmlns:a16="http://schemas.microsoft.com/office/drawing/2014/main" id="{91D17471-D13D-4617-88A2-A9F684AFAE76}"/>
+              </a:ext>
+            </a:extLst>
+          </p:cNvPr>
+          <p:cNvPicPr>
+            <a:picLocks noGrp="1" noChangeAspect="1"/>
+          </p:cNvPicPr>
+          <p:nvPr>
+            <p:ph idx="1"/>
+          </p:nvPr>
+        </p:nvPicPr>
+        <p:blipFill>
+          <a:blip r:embed="rId3"/>
+          <a:stretch>
+            <a:fillRect/>
+          </a:stretch>
+        </p:blipFill>
+        <p:spPr>
+          <a:xfrm>
+            <a:off x="1096963" y="2412164"/>
+            <a:ext cx="10058400" cy="2890923"/>
+          </a:xfrm>
+          <a:prstGeom prst="rect">
+            <a:avLst/>
+          </a:prstGeom>
+        </p:spPr>
+      </p:pic>
+    </p:spTree>
+    <p:extLst>
+      <p:ext uri="{BB962C8B-B14F-4D97-AF65-F5344CB8AC3E}">
+        <p14:creationId xmlns:p14="http://schemas.microsoft.com/office/powerpoint/2010/main" val="3179629077"/>
+      </p:ext>
+    </p:extLst>
+  </p:cSld>
+  <p:clrMapOvr>
+    <a:masterClrMapping/>
+  </p:clrMapOvr>
+  <p:timing>
+    <p:tnLst>
+      <p:par>
+        <p:cTn id="1" dur="indefinite" restart="never" nodeType="tmRoot">
+          <p:childTnLst>
+            <p:seq concurrent="1" nextAc="seek">
+              <p:cTn id="2" dur="indefinite" nodeType="mainSeq">
+                <p:childTnLst>
+                  <p:par>
+                    <p:cTn id="3" fill="hold">
+                      <p:stCondLst>
+                        <p:cond delay="indefinite"/>
+                      </p:stCondLst>
+                      <p:childTnLst>
+                        <p:par>
+                          <p:cTn id="4" fill="hold">
+                            <p:stCondLst>
+                              <p:cond delay="0"/>
+                            </p:stCondLst>
+                            <p:childTnLst>
+                              <p:par>
+                                <p:cTn id="5" presetID="1" presetClass="entr" presetSubtype="0" fill="hold" grpId="0" nodeType="clickEffect">
+                                  <p:stCondLst>
+                                    <p:cond delay="0"/>
+                                  </p:stCondLst>
+                                  <p:childTnLst>
+                                    <p:set>
+                                      <p:cBhvr>
+                                        <p:cTn id="6" dur="1" fill="hold">
+                                          <p:stCondLst>
+                                            <p:cond delay="0"/>
+                                          </p:stCondLst>
+                                        </p:cTn>
+                                        <p:tgtEl>
+                                          <p:spTgt spid="2"/>
+                                        </p:tgtEl>
+                                        <p:attrNameLst>
+                                          <p:attrName>style.visibility</p:attrName>
+                                        </p:attrNameLst>
+                                      </p:cBhvr>
+                                      <p:to>
+                                        <p:strVal val="visible"/>
+                                      </p:to>
+                                    </p:set>
+                                  </p:childTnLst>
+                                </p:cTn>
+                              </p:par>
+                            </p:childTnLst>
+                          </p:cTn>
+                        </p:par>
+                      </p:childTnLst>
+                    </p:cTn>
+                  </p:par>
+                </p:childTnLst>
+              </p:cTn>
+              <p:prevCondLst>
+                <p:cond evt="onPrev" delay="0">
+                  <p:tgtEl>
+                    <p:sldTgt/>
+                  </p:tgtEl>
+                </p:cond>
+              </p:prevCondLst>
+              <p:nextCondLst>
+                <p:cond evt="onNext" delay="0">
+                  <p:tgtEl>
+                    <p:sldTgt/>
+                  </p:tgtEl>
+                </p:cond>
+              </p:nextCondLst>
+            </p:seq>
+          </p:childTnLst>
+        </p:cTn>
+      </p:par>
+    </p:tnLst>
+    <p:bldLst>
+      <p:bldP spid="2" grpId="0"/>
+    </p:bldLst>
+  </p:timing>
+</p:sld>
+</file>
+
+<file path=ppt/slides/slide24.xml><?xml version="1.0" encoding="utf-8"?>
+<p:sld xmlns:a="http://schemas.openxmlformats.org/drawingml/2006/main" xmlns:r="http://schemas.openxmlformats.org/officeDocument/2006/relationships" xmlns:p="http://schemas.openxmlformats.org/presentationml/2006/main">
+  <p:cSld>
+    <p:spTree>
+      <p:nvGrpSpPr>
+        <p:cNvPr id="1" name=""/>
+        <p:cNvGrpSpPr/>
+        <p:nvPr/>
+      </p:nvGrpSpPr>
+      <p:grpSpPr>
+        <a:xfrm>
+          <a:off x="0" y="0"/>
+          <a:ext cx="0" cy="0"/>
+          <a:chOff x="0" y="0"/>
+          <a:chExt cx="0" cy="0"/>
+        </a:xfrm>
+      </p:grpSpPr>
+      <p:sp>
+        <p:nvSpPr>
+          <p:cNvPr id="2" name="Title 1">
+            <a:extLst>
+              <a:ext uri="{FF2B5EF4-FFF2-40B4-BE49-F238E27FC236}">
+                <a16:creationId xmlns:a16="http://schemas.microsoft.com/office/drawing/2014/main" id="{4E9665C3-A39B-46CB-9476-38155755C811}"/>
+              </a:ext>
+            </a:extLst>
+          </p:cNvPr>
+          <p:cNvSpPr>
+            <a:spLocks noGrp="1"/>
+          </p:cNvSpPr>
+          <p:nvPr>
+            <p:ph type="title"/>
+          </p:nvPr>
+        </p:nvSpPr>
+        <p:spPr/>
+        <p:txBody>
+          <a:bodyPr/>
+          <a:lstStyle/>
+          <a:p>
+            <a:r>
+              <a:rPr lang="en-US" dirty="0"/>
+              <a:t>Persistence layer</a:t>
+            </a:r>
+          </a:p>
+        </p:txBody>
+      </p:sp>
+      <p:sp>
+        <p:nvSpPr>
+          <p:cNvPr id="7" name="Content Placeholder 6">
+            <a:extLst>
+              <a:ext uri="{FF2B5EF4-FFF2-40B4-BE49-F238E27FC236}">
+                <a16:creationId xmlns:a16="http://schemas.microsoft.com/office/drawing/2014/main" id="{A101F740-C1A8-4E3F-96D8-B8C61571713A}"/>
+              </a:ext>
+            </a:extLst>
+          </p:cNvPr>
+          <p:cNvSpPr>
+            <a:spLocks noGrp="1"/>
+          </p:cNvSpPr>
+          <p:nvPr>
+            <p:ph idx="1"/>
+          </p:nvPr>
+        </p:nvSpPr>
+        <p:spPr>
+          <a:xfrm>
+            <a:off x="1097280" y="2030032"/>
+            <a:ext cx="10058400" cy="4023360"/>
+          </a:xfrm>
+        </p:spPr>
+        <p:txBody>
+          <a:bodyPr>
+            <a:normAutofit/>
+          </a:bodyPr>
+          <a:lstStyle/>
+          <a:p>
+            <a:pPr>
+              <a:buFont typeface="Wingdings" panose="05000000000000000000" pitchFamily="2" charset="2"/>
+              <a:buChar char="Ø"/>
+            </a:pPr>
+            <a:r>
+              <a:rPr lang="en-US" sz="2800" dirty="0"/>
+              <a:t> ORMs</a:t>
+            </a:r>
+          </a:p>
+          <a:p>
+            <a:pPr>
+              <a:buFont typeface="Wingdings" panose="05000000000000000000" pitchFamily="2" charset="2"/>
+              <a:buChar char="Ø"/>
+            </a:pPr>
+            <a:r>
+              <a:rPr lang="en-US" sz="2800" dirty="0"/>
+              <a:t> </a:t>
+            </a:r>
+            <a:r>
+              <a:rPr lang="en-US" sz="2800" dirty="0" err="1"/>
+              <a:t>Mongodb</a:t>
+            </a:r>
+            <a:r>
+              <a:rPr lang="en-US" sz="2800" dirty="0"/>
+              <a:t> generic repository</a:t>
+            </a:r>
+          </a:p>
+          <a:p>
+            <a:pPr>
+              <a:buFont typeface="Wingdings" panose="05000000000000000000" pitchFamily="2" charset="2"/>
+              <a:buChar char="Ø"/>
+            </a:pPr>
+            <a:r>
+              <a:rPr lang="en-US" sz="2800" dirty="0"/>
+              <a:t> Mongo configuration</a:t>
+            </a:r>
+          </a:p>
+          <a:p>
+            <a:pPr>
+              <a:buFont typeface="Wingdings" panose="05000000000000000000" pitchFamily="2" charset="2"/>
+              <a:buChar char="Ø"/>
+            </a:pPr>
+            <a:r>
+              <a:rPr lang="en-US" sz="2800" dirty="0"/>
+              <a:t> </a:t>
+            </a:r>
+            <a:r>
+              <a:rPr lang="en-US" sz="2800" dirty="0" err="1"/>
+              <a:t>Ef</a:t>
+            </a:r>
+            <a:r>
+              <a:rPr lang="en-US" sz="2800" dirty="0"/>
+              <a:t> core entity configuration</a:t>
+            </a:r>
+          </a:p>
+          <a:p>
+            <a:pPr>
+              <a:buFont typeface="Wingdings" panose="05000000000000000000" pitchFamily="2" charset="2"/>
+              <a:buChar char="Ø"/>
+            </a:pPr>
+            <a:endParaRPr lang="en-US" sz="2800" dirty="0"/>
+          </a:p>
+          <a:p>
+            <a:pPr>
+              <a:buFont typeface="Wingdings" panose="05000000000000000000" pitchFamily="2" charset="2"/>
+              <a:buChar char="Ø"/>
+            </a:pPr>
+            <a:endParaRPr lang="en-US" sz="2800" dirty="0"/>
+          </a:p>
+        </p:txBody>
+      </p:sp>
+    </p:spTree>
+    <p:extLst>
+      <p:ext uri="{BB962C8B-B14F-4D97-AF65-F5344CB8AC3E}">
+        <p14:creationId xmlns:p14="http://schemas.microsoft.com/office/powerpoint/2010/main" val="4161396999"/>
+      </p:ext>
+    </p:extLst>
+  </p:cSld>
+  <p:clrMapOvr>
+    <a:masterClrMapping/>
+  </p:clrMapOvr>
+</p:sld>
+</file>
+
+<file path=ppt/slides/slide25.xml><?xml version="1.0" encoding="utf-8"?>
+<p:sld xmlns:a="http://schemas.openxmlformats.org/drawingml/2006/main" xmlns:r="http://schemas.openxmlformats.org/officeDocument/2006/relationships" xmlns:p="http://schemas.openxmlformats.org/presentationml/2006/main">
+  <p:cSld>
     <p:bg>
       <p:bgPr>
         <a:solidFill>
@@ -9453,177 +13297,12 @@
           <a:chExt cx="0" cy="0"/>
         </a:xfrm>
       </p:grpSpPr>
-      <p:sp>
-        <p:nvSpPr>
-          <p:cNvPr id="22" name="Rectangle 7">
+      <p:sp useBgFill="1">
+        <p:nvSpPr>
+          <p:cNvPr id="10" name="Rectangle 9">
             <a:extLst>
               <a:ext uri="{FF2B5EF4-FFF2-40B4-BE49-F238E27FC236}">
-                <a16:creationId xmlns:a16="http://schemas.microsoft.com/office/drawing/2014/main" id="{4E4490D0-3672-446A-AC12-B4830333BDDD}"/>
-              </a:ext>
-              <a:ext uri="{C183D7F6-B498-43B3-948B-1728B52AA6E4}">
-                <adec:decorative xmlns:adec="http://schemas.microsoft.com/office/drawing/2017/decorative" val="1"/>
-              </a:ext>
-            </a:extLst>
-          </p:cNvPr>
-          <p:cNvSpPr>
-            <a:spLocks noGrp="1" noRot="1" noChangeAspect="1" noMove="1" noResize="1" noEditPoints="1" noAdjustHandles="1" noChangeArrowheads="1" noChangeShapeType="1" noTextEdit="1"/>
-          </p:cNvSpPr>
-          <p:nvPr>
-            <p:extLst>
-              <p:ext uri="{386F3935-93C4-4BCD-93E2-E3B085C9AB24}">
-                <p16:designElem xmlns:p16="http://schemas.microsoft.com/office/powerpoint/2015/main" val="1"/>
-              </p:ext>
-            </p:extLst>
-          </p:nvPr>
-        </p:nvSpPr>
-        <p:spPr>
-          <a:xfrm>
-            <a:off x="3175" y="6400800"/>
-            <a:ext cx="12188825" cy="457200"/>
-          </a:xfrm>
-          <a:prstGeom prst="rect">
-            <a:avLst/>
-          </a:prstGeom>
-          <a:solidFill>
-            <a:schemeClr val="accent2"/>
-          </a:solidFill>
-          <a:ln>
-            <a:noFill/>
-          </a:ln>
-        </p:spPr>
-        <p:style>
-          <a:lnRef idx="2">
-            <a:schemeClr val="accent1">
-              <a:shade val="50000"/>
-            </a:schemeClr>
-          </a:lnRef>
-          <a:fillRef idx="1">
-            <a:schemeClr val="accent1"/>
-          </a:fillRef>
-          <a:effectRef idx="0">
-            <a:schemeClr val="accent1"/>
-          </a:effectRef>
-          <a:fontRef idx="minor">
-            <a:schemeClr val="lt1"/>
-          </a:fontRef>
-        </p:style>
-      </p:sp>
-      <p:sp>
-        <p:nvSpPr>
-          <p:cNvPr id="23" name="Rectangle 9">
-            <a:extLst>
-              <a:ext uri="{FF2B5EF4-FFF2-40B4-BE49-F238E27FC236}">
-                <a16:creationId xmlns:a16="http://schemas.microsoft.com/office/drawing/2014/main" id="{39CB82C2-DF65-4EC1-8280-F201D50F570B}"/>
-              </a:ext>
-              <a:ext uri="{C183D7F6-B498-43B3-948B-1728B52AA6E4}">
-                <adec:decorative xmlns:adec="http://schemas.microsoft.com/office/drawing/2017/decorative" val="1"/>
-              </a:ext>
-            </a:extLst>
-          </p:cNvPr>
-          <p:cNvSpPr>
-            <a:spLocks noGrp="1" noRot="1" noChangeAspect="1" noMove="1" noResize="1" noEditPoints="1" noAdjustHandles="1" noChangeArrowheads="1" noChangeShapeType="1" noTextEdit="1"/>
-          </p:cNvSpPr>
-          <p:nvPr>
-            <p:extLst>
-              <p:ext uri="{386F3935-93C4-4BCD-93E2-E3B085C9AB24}">
-                <p16:designElem xmlns:p16="http://schemas.microsoft.com/office/powerpoint/2015/main" val="1"/>
-              </p:ext>
-            </p:extLst>
-          </p:nvPr>
-        </p:nvSpPr>
-        <p:spPr>
-          <a:xfrm>
-            <a:off x="15" y="6334316"/>
-            <a:ext cx="12188825" cy="64008"/>
-          </a:xfrm>
-          <a:prstGeom prst="rect">
-            <a:avLst/>
-          </a:prstGeom>
-          <a:solidFill>
-            <a:schemeClr val="accent1"/>
-          </a:solidFill>
-          <a:ln>
-            <a:noFill/>
-          </a:ln>
-        </p:spPr>
-        <p:style>
-          <a:lnRef idx="2">
-            <a:schemeClr val="accent1">
-              <a:shade val="50000"/>
-            </a:schemeClr>
-          </a:lnRef>
-          <a:fillRef idx="1">
-            <a:schemeClr val="accent1"/>
-          </a:fillRef>
-          <a:effectRef idx="0">
-            <a:schemeClr val="accent1"/>
-          </a:effectRef>
-          <a:fontRef idx="minor">
-            <a:schemeClr val="lt1"/>
-          </a:fontRef>
-        </p:style>
-      </p:sp>
-      <p:cxnSp>
-        <p:nvCxnSpPr>
-          <p:cNvPr id="24" name="Straight Connector 11">
-            <a:extLst>
-              <a:ext uri="{FF2B5EF4-FFF2-40B4-BE49-F238E27FC236}">
-                <a16:creationId xmlns:a16="http://schemas.microsoft.com/office/drawing/2014/main" id="{7E1D4427-852B-4B37-8E76-0E9F1810BA2A}"/>
-              </a:ext>
-              <a:ext uri="{C183D7F6-B498-43B3-948B-1728B52AA6E4}">
-                <adec:decorative xmlns:adec="http://schemas.microsoft.com/office/drawing/2017/decorative" val="1"/>
-              </a:ext>
-            </a:extLst>
-          </p:cNvPr>
-          <p:cNvCxnSpPr>
-            <a:cxnSpLocks noGrp="1" noRot="1" noChangeAspect="1" noMove="1" noResize="1" noEditPoints="1" noAdjustHandles="1" noChangeArrowheads="1" noChangeShapeType="1"/>
-          </p:cNvCxnSpPr>
-          <p:nvPr>
-            <p:extLst>
-              <p:ext uri="{386F3935-93C4-4BCD-93E2-E3B085C9AB24}">
-                <p16:designElem xmlns:p16="http://schemas.microsoft.com/office/powerpoint/2015/main" val="1"/>
-              </p:ext>
-            </p:extLst>
-          </p:nvPr>
-        </p:nvCxnSpPr>
-        <p:spPr>
-          <a:xfrm>
-            <a:off x="1207658" y="4343400"/>
-            <a:ext cx="9875520" cy="0"/>
-          </a:xfrm>
-          <a:prstGeom prst="line">
-            <a:avLst/>
-          </a:prstGeom>
-          <a:ln w="6350">
-            <a:solidFill>
-              <a:schemeClr val="tx1">
-                <a:lumMod val="50000"/>
-                <a:lumOff val="50000"/>
-              </a:schemeClr>
-            </a:solidFill>
-          </a:ln>
-        </p:spPr>
-        <p:style>
-          <a:lnRef idx="1">
-            <a:schemeClr val="accent1"/>
-          </a:lnRef>
-          <a:fillRef idx="0">
-            <a:schemeClr val="accent1"/>
-          </a:fillRef>
-          <a:effectRef idx="0">
-            <a:schemeClr val="accent1"/>
-          </a:effectRef>
-          <a:fontRef idx="minor">
-            <a:schemeClr val="tx1"/>
-          </a:fontRef>
-        </p:style>
-      </p:cxnSp>
-      <p:sp useBgFill="1">
-        <p:nvSpPr>
-          <p:cNvPr id="25" name="Rectangle 13">
-            <a:extLst>
-              <a:ext uri="{FF2B5EF4-FFF2-40B4-BE49-F238E27FC236}">
-                <a16:creationId xmlns:a16="http://schemas.microsoft.com/office/drawing/2014/main" id="{FA4CD5CB-D209-4D70-8CA4-629731C59219}"/>
+                <a16:creationId xmlns:a16="http://schemas.microsoft.com/office/drawing/2014/main" id="{52ABB703-2B0E-4C3B-B4A2-F3973548E561}"/>
               </a:ext>
               <a:ext uri="{C183D7F6-B498-43B3-948B-1728B52AA6E4}">
                 <adec:decorative xmlns:adec="http://schemas.microsoft.com/office/drawing/2017/decorative" val="1"/>
@@ -9680,109 +13359,92 @@
       </p:sp>
       <p:sp>
         <p:nvSpPr>
-          <p:cNvPr id="3" name="Title 1">
+          <p:cNvPr id="2" name="Title 1">
             <a:extLst>
               <a:ext uri="{FF2B5EF4-FFF2-40B4-BE49-F238E27FC236}">
-                <a16:creationId xmlns:a16="http://schemas.microsoft.com/office/drawing/2014/main" id="{B7064455-BD24-4D1B-8411-52C649007895}"/>
+                <a16:creationId xmlns:a16="http://schemas.microsoft.com/office/drawing/2014/main" id="{9AD4153B-E8F7-46FB-B337-996D860DC02C}"/>
               </a:ext>
             </a:extLst>
           </p:cNvPr>
-          <p:cNvSpPr txBox="1">
-            <a:spLocks/>
-          </p:cNvSpPr>
-          <p:nvPr/>
+          <p:cNvSpPr>
+            <a:spLocks noGrp="1"/>
+          </p:cNvSpPr>
+          <p:nvPr>
+            <p:ph type="title"/>
+          </p:nvPr>
         </p:nvSpPr>
         <p:spPr>
           <a:xfrm>
-            <a:off x="8141110" y="639097"/>
-            <a:ext cx="3401961" cy="3686015"/>
+            <a:off x="6411685" y="634946"/>
+            <a:ext cx="5127171" cy="1450757"/>
+          </a:xfrm>
+        </p:spPr>
+        <p:txBody>
+          <a:bodyPr>
+            <a:normAutofit/>
+          </a:bodyPr>
+          <a:lstStyle/>
+          <a:p>
+            <a:r>
+              <a:rPr lang="en-US"/>
+              <a:t>Why MongoDb + Sql Server</a:t>
+            </a:r>
+            <a:endParaRPr lang="en-US" dirty="0"/>
+          </a:p>
+        </p:txBody>
+      </p:sp>
+      <p:pic>
+        <p:nvPicPr>
+          <p:cNvPr id="5" name="Picture 2" descr="%D0%B7%D0%B0%D0%B2%D0%B0%D0%BD%D1%82%D0%B0%D0%B6%D0%B5%D0%BD%D0%BD%D1%8F%20(57)">
+            <a:extLst>
+              <a:ext uri="{FF2B5EF4-FFF2-40B4-BE49-F238E27FC236}">
+                <a16:creationId xmlns:a16="http://schemas.microsoft.com/office/drawing/2014/main" id="{B8DD0293-75FD-45D0-A947-7006D93FDA9B}"/>
+              </a:ext>
+            </a:extLst>
+          </p:cNvPr>
+          <p:cNvPicPr>
+            <a:picLocks noChangeAspect="1" noChangeArrowheads="1"/>
+          </p:cNvPicPr>
+          <p:nvPr/>
+        </p:nvPicPr>
+        <p:blipFill>
+          <a:blip r:embed="rId2">
+            <a:extLst>
+              <a:ext uri="{28A0092B-C50C-407E-A947-70E740481C1C}">
+                <a14:useLocalDpi xmlns:a14="http://schemas.microsoft.com/office/drawing/2010/main" val="0"/>
+              </a:ext>
+            </a:extLst>
+          </a:blip>
+          <a:stretch>
+            <a:fillRect/>
+          </a:stretch>
+        </p:blipFill>
+        <p:spPr bwMode="auto">
+          <a:xfrm>
+            <a:off x="-550413" y="846526"/>
+            <a:ext cx="7512509" cy="3925286"/>
           </a:xfrm>
           <a:prstGeom prst="rect">
             <a:avLst/>
           </a:prstGeom>
-        </p:spPr>
-        <p:txBody>
-          <a:bodyPr vert="horz" lIns="91440" tIns="45720" rIns="91440" bIns="45720" rtlCol="0" anchor="b">
-            <a:normAutofit/>
-          </a:bodyPr>
-          <a:lstStyle>
-            <a:lvl1pPr algn="l" defTabSz="914400" rtl="0" eaLnBrk="1" latinLnBrk="0" hangingPunct="1">
-              <a:lnSpc>
-                <a:spcPct val="85000"/>
-              </a:lnSpc>
-              <a:spcBef>
-                <a:spcPct val="0"/>
-              </a:spcBef>
-              <a:buNone/>
-              <a:defRPr sz="4800" kern="1200" spc="-50" baseline="0">
+          <a:noFill/>
+          <a:extLst>
+            <a:ext uri="{909E8E84-426E-40DD-AFC4-6F175D3DCCD1}">
+              <a14:hiddenFill xmlns:a14="http://schemas.microsoft.com/office/drawing/2010/main">
                 <a:solidFill>
-                  <a:schemeClr val="tx1">
-                    <a:lumMod val="75000"/>
-                    <a:lumOff val="25000"/>
-                  </a:schemeClr>
+                  <a:srgbClr val="FFFFFF"/>
                 </a:solidFill>
-                <a:latin typeface="+mj-lt"/>
-                <a:ea typeface="+mj-ea"/>
-                <a:cs typeface="+mj-cs"/>
-              </a:defRPr>
-            </a:lvl1pPr>
-          </a:lstStyle>
-          <a:p>
-            <a:pPr>
-              <a:spcAft>
-                <a:spcPts val="600"/>
-              </a:spcAft>
-            </a:pPr>
-            <a:r>
-              <a:rPr lang="en-US" sz="5100">
-                <a:solidFill>
-                  <a:schemeClr val="tx1">
-                    <a:lumMod val="85000"/>
-                    <a:lumOff val="15000"/>
-                  </a:schemeClr>
-                </a:solidFill>
-              </a:rPr>
-              <a:t>How many jobs do this controller have to do?</a:t>
-            </a:r>
-          </a:p>
-        </p:txBody>
-      </p:sp>
-      <p:pic>
-        <p:nvPicPr>
-          <p:cNvPr id="2" name="Picture 1">
-            <a:extLst>
-              <a:ext uri="{FF2B5EF4-FFF2-40B4-BE49-F238E27FC236}">
-                <a16:creationId xmlns:a16="http://schemas.microsoft.com/office/drawing/2014/main" id="{09FCF95A-58F1-41F5-98EC-DB5B479F6686}"/>
-              </a:ext>
-            </a:extLst>
-          </p:cNvPr>
-          <p:cNvPicPr>
-            <a:picLocks noChangeAspect="1"/>
-          </p:cNvPicPr>
-          <p:nvPr/>
-        </p:nvPicPr>
-        <p:blipFill>
-          <a:blip r:embed="rId2"/>
-          <a:stretch>
-            <a:fillRect/>
-          </a:stretch>
-        </p:blipFill>
-        <p:spPr>
-          <a:xfrm>
-            <a:off x="742984" y="640081"/>
-            <a:ext cx="6694247" cy="5054156"/>
-          </a:xfrm>
-          <a:prstGeom prst="rect">
-            <a:avLst/>
-          </a:prstGeom>
+              </a14:hiddenFill>
+            </a:ext>
+          </a:extLst>
         </p:spPr>
       </p:pic>
       <p:cxnSp>
         <p:nvCxnSpPr>
-          <p:cNvPr id="26" name="Straight Connector 15">
+          <p:cNvPr id="12" name="Straight Connector 11">
             <a:extLst>
               <a:ext uri="{FF2B5EF4-FFF2-40B4-BE49-F238E27FC236}">
-                <a16:creationId xmlns:a16="http://schemas.microsoft.com/office/drawing/2014/main" id="{5C6A2BAE-B461-4B55-8E1F-0722ABDD1393}"/>
+                <a16:creationId xmlns:a16="http://schemas.microsoft.com/office/drawing/2014/main" id="{9C21570E-E159-49A6-9891-FA397B7A92D3}"/>
               </a:ext>
               <a:ext uri="{C183D7F6-B498-43B3-948B-1728B52AA6E4}">
                 <adec:decorative xmlns:adec="http://schemas.microsoft.com/office/drawing/2017/decorative" val="1"/>
@@ -9802,15 +13464,17 @@
         </p:nvCxnSpPr>
         <p:spPr>
           <a:xfrm>
-            <a:off x="8209305" y="4343400"/>
-            <a:ext cx="3200400" cy="0"/>
+            <a:off x="6411684" y="2086188"/>
+            <a:ext cx="4748808" cy="0"/>
           </a:xfrm>
           <a:prstGeom prst="line">
             <a:avLst/>
           </a:prstGeom>
           <a:ln w="6350">
             <a:solidFill>
-              <a:schemeClr val="tx2">
+              <a:schemeClr val="tx1">
+                <a:lumMod val="50000"/>
+                <a:lumOff val="50000"/>
                 <a:alpha val="90000"/>
               </a:schemeClr>
             </a:solidFill>
@@ -9833,10 +13497,75 @@
       </p:cxnSp>
       <p:sp>
         <p:nvSpPr>
-          <p:cNvPr id="27" name="Rectangle 17">
+          <p:cNvPr id="3" name="Content Placeholder 2">
             <a:extLst>
               <a:ext uri="{FF2B5EF4-FFF2-40B4-BE49-F238E27FC236}">
-                <a16:creationId xmlns:a16="http://schemas.microsoft.com/office/drawing/2014/main" id="{B4C27B90-DF2B-4D00-BA07-18ED774CD2F1}"/>
+                <a16:creationId xmlns:a16="http://schemas.microsoft.com/office/drawing/2014/main" id="{5EBEFBAF-144A-45D4-964F-A4B9879A937F}"/>
+              </a:ext>
+            </a:extLst>
+          </p:cNvPr>
+          <p:cNvSpPr>
+            <a:spLocks noGrp="1"/>
+          </p:cNvSpPr>
+          <p:nvPr>
+            <p:ph idx="1"/>
+          </p:nvPr>
+        </p:nvSpPr>
+        <p:spPr>
+          <a:xfrm>
+            <a:off x="6411684" y="2198914"/>
+            <a:ext cx="5127172" cy="3670180"/>
+          </a:xfrm>
+        </p:spPr>
+        <p:txBody>
+          <a:bodyPr>
+            <a:normAutofit/>
+          </a:bodyPr>
+          <a:lstStyle/>
+          <a:p>
+            <a:pPr>
+              <a:buFont typeface="Wingdings" panose="05000000000000000000" pitchFamily="2" charset="2"/>
+              <a:buChar char="Ø"/>
+            </a:pPr>
+            <a:r>
+              <a:rPr lang="en-US" sz="2400" dirty="0"/>
+              <a:t> </a:t>
+            </a:r>
+            <a:r>
+              <a:rPr lang="en-US" sz="2400" dirty="0" err="1"/>
+              <a:t>Mongodb</a:t>
+            </a:r>
+            <a:r>
+              <a:rPr lang="en-US" sz="2400" dirty="0"/>
+              <a:t> is about speed.</a:t>
+            </a:r>
+          </a:p>
+          <a:p>
+            <a:pPr>
+              <a:buFont typeface="Wingdings" panose="05000000000000000000" pitchFamily="2" charset="2"/>
+              <a:buChar char="Ø"/>
+            </a:pPr>
+            <a:r>
+              <a:rPr lang="en-US" sz="2400" dirty="0"/>
+              <a:t> </a:t>
+            </a:r>
+            <a:r>
+              <a:rPr lang="en-US" sz="2400" dirty="0" err="1"/>
+              <a:t>Sql</a:t>
+            </a:r>
+            <a:r>
+              <a:rPr lang="en-US" sz="2400" dirty="0"/>
+              <a:t> Server is about ACID(atomicity, consistency, isolation, durability) + Analysis Services (SSAS)</a:t>
+            </a:r>
+          </a:p>
+        </p:txBody>
+      </p:sp>
+      <p:sp>
+        <p:nvSpPr>
+          <p:cNvPr id="14" name="Rectangle 13">
+            <a:extLst>
+              <a:ext uri="{FF2B5EF4-FFF2-40B4-BE49-F238E27FC236}">
+                <a16:creationId xmlns:a16="http://schemas.microsoft.com/office/drawing/2014/main" id="{E95DA498-D9A2-4DA9-B9DA-B3776E08CF7E}"/>
               </a:ext>
               <a:ext uri="{C183D7F6-B498-43B3-948B-1728B52AA6E4}">
                 <adec:decorative xmlns:adec="http://schemas.microsoft.com/office/drawing/2017/decorative" val="1"/>
@@ -9888,10 +13617,10 @@
       </p:sp>
       <p:sp>
         <p:nvSpPr>
-          <p:cNvPr id="28" name="Rectangle 19">
+          <p:cNvPr id="16" name="Rectangle 15">
             <a:extLst>
               <a:ext uri="{FF2B5EF4-FFF2-40B4-BE49-F238E27FC236}">
-                <a16:creationId xmlns:a16="http://schemas.microsoft.com/office/drawing/2014/main" id="{593ACC25-C262-417A-8AA9-0641C772BDB6}"/>
+                <a16:creationId xmlns:a16="http://schemas.microsoft.com/office/drawing/2014/main" id="{82A73093-4B9D-420D-B17E-52293703A1D4}"/>
               </a:ext>
               <a:ext uri="{C183D7F6-B498-43B3-948B-1728B52AA6E4}">
                 <adec:decorative xmlns:adec="http://schemas.microsoft.com/office/drawing/2017/decorative" val="1"/>
@@ -9944,7 +13673,7 @@
     </p:spTree>
     <p:extLst>
       <p:ext uri="{BB962C8B-B14F-4D97-AF65-F5344CB8AC3E}">
-        <p14:creationId xmlns:p14="http://schemas.microsoft.com/office/powerpoint/2010/main" val="3044017068"/>
+        <p14:creationId xmlns:p14="http://schemas.microsoft.com/office/powerpoint/2010/main" val="459460906"/>
       </p:ext>
     </p:extLst>
   </p:cSld>
@@ -9954,17 +13683,9 @@
 </p:sld>
 </file>
 
-<file path=ppt/slides/slide21.xml><?xml version="1.0" encoding="utf-8"?>
+<file path=ppt/slides/slide26.xml><?xml version="1.0" encoding="utf-8"?>
 <p:sld xmlns:a="http://schemas.openxmlformats.org/drawingml/2006/main" xmlns:r="http://schemas.openxmlformats.org/officeDocument/2006/relationships" xmlns:p="http://schemas.openxmlformats.org/presentationml/2006/main">
   <p:cSld>
-    <p:bg>
-      <p:bgPr>
-        <a:solidFill>
-          <a:schemeClr val="bg1"/>
-        </a:solidFill>
-        <a:effectLst/>
-      </p:bgPr>
-    </p:bg>
     <p:spTree>
       <p:nvGrpSpPr>
         <p:cNvPr id="1" name=""/>
@@ -9981,235 +13702,10 @@
       </p:grpSpPr>
       <p:sp>
         <p:nvSpPr>
-          <p:cNvPr id="71" name="Rectangle 70">
-            <a:extLst>
-              <a:ext uri="{FF2B5EF4-FFF2-40B4-BE49-F238E27FC236}">
-                <a16:creationId xmlns:a16="http://schemas.microsoft.com/office/drawing/2014/main" id="{4E4490D0-3672-446A-AC12-B4830333BDDD}"/>
-              </a:ext>
-              <a:ext uri="{C183D7F6-B498-43B3-948B-1728B52AA6E4}">
-                <adec:decorative xmlns:adec="http://schemas.microsoft.com/office/drawing/2017/decorative" val="1"/>
-              </a:ext>
-            </a:extLst>
-          </p:cNvPr>
-          <p:cNvSpPr>
-            <a:spLocks noGrp="1" noRot="1" noChangeAspect="1" noMove="1" noResize="1" noEditPoints="1" noAdjustHandles="1" noChangeArrowheads="1" noChangeShapeType="1" noTextEdit="1"/>
-          </p:cNvSpPr>
-          <p:nvPr>
-            <p:extLst>
-              <p:ext uri="{386F3935-93C4-4BCD-93E2-E3B085C9AB24}">
-                <p16:designElem xmlns:p16="http://schemas.microsoft.com/office/powerpoint/2015/main" val="1"/>
-              </p:ext>
-            </p:extLst>
-          </p:nvPr>
-        </p:nvSpPr>
-        <p:spPr>
-          <a:xfrm>
-            <a:off x="3175" y="6400800"/>
-            <a:ext cx="12188825" cy="457200"/>
-          </a:xfrm>
-          <a:prstGeom prst="rect">
-            <a:avLst/>
-          </a:prstGeom>
-          <a:solidFill>
-            <a:schemeClr val="accent2"/>
-          </a:solidFill>
-          <a:ln>
-            <a:noFill/>
-          </a:ln>
-        </p:spPr>
-        <p:style>
-          <a:lnRef idx="2">
-            <a:schemeClr val="accent1">
-              <a:shade val="50000"/>
-            </a:schemeClr>
-          </a:lnRef>
-          <a:fillRef idx="1">
-            <a:schemeClr val="accent1"/>
-          </a:fillRef>
-          <a:effectRef idx="0">
-            <a:schemeClr val="accent1"/>
-          </a:effectRef>
-          <a:fontRef idx="minor">
-            <a:schemeClr val="lt1"/>
-          </a:fontRef>
-        </p:style>
-      </p:sp>
-      <p:sp>
-        <p:nvSpPr>
-          <p:cNvPr id="73" name="Rectangle 72">
-            <a:extLst>
-              <a:ext uri="{FF2B5EF4-FFF2-40B4-BE49-F238E27FC236}">
-                <a16:creationId xmlns:a16="http://schemas.microsoft.com/office/drawing/2014/main" id="{39CB82C2-DF65-4EC1-8280-F201D50F570B}"/>
-              </a:ext>
-              <a:ext uri="{C183D7F6-B498-43B3-948B-1728B52AA6E4}">
-                <adec:decorative xmlns:adec="http://schemas.microsoft.com/office/drawing/2017/decorative" val="1"/>
-              </a:ext>
-            </a:extLst>
-          </p:cNvPr>
-          <p:cNvSpPr>
-            <a:spLocks noGrp="1" noRot="1" noChangeAspect="1" noMove="1" noResize="1" noEditPoints="1" noAdjustHandles="1" noChangeArrowheads="1" noChangeShapeType="1" noTextEdit="1"/>
-          </p:cNvSpPr>
-          <p:nvPr>
-            <p:extLst>
-              <p:ext uri="{386F3935-93C4-4BCD-93E2-E3B085C9AB24}">
-                <p16:designElem xmlns:p16="http://schemas.microsoft.com/office/powerpoint/2015/main" val="1"/>
-              </p:ext>
-            </p:extLst>
-          </p:nvPr>
-        </p:nvSpPr>
-        <p:spPr>
-          <a:xfrm>
-            <a:off x="15" y="6334316"/>
-            <a:ext cx="12188825" cy="64008"/>
-          </a:xfrm>
-          <a:prstGeom prst="rect">
-            <a:avLst/>
-          </a:prstGeom>
-          <a:solidFill>
-            <a:schemeClr val="accent1"/>
-          </a:solidFill>
-          <a:ln>
-            <a:noFill/>
-          </a:ln>
-        </p:spPr>
-        <p:style>
-          <a:lnRef idx="2">
-            <a:schemeClr val="accent1">
-              <a:shade val="50000"/>
-            </a:schemeClr>
-          </a:lnRef>
-          <a:fillRef idx="1">
-            <a:schemeClr val="accent1"/>
-          </a:fillRef>
-          <a:effectRef idx="0">
-            <a:schemeClr val="accent1"/>
-          </a:effectRef>
-          <a:fontRef idx="minor">
-            <a:schemeClr val="lt1"/>
-          </a:fontRef>
-        </p:style>
-      </p:sp>
-      <p:cxnSp>
-        <p:nvCxnSpPr>
-          <p:cNvPr id="75" name="Straight Connector 74">
-            <a:extLst>
-              <a:ext uri="{FF2B5EF4-FFF2-40B4-BE49-F238E27FC236}">
-                <a16:creationId xmlns:a16="http://schemas.microsoft.com/office/drawing/2014/main" id="{7E1D4427-852B-4B37-8E76-0E9F1810BA2A}"/>
-              </a:ext>
-              <a:ext uri="{C183D7F6-B498-43B3-948B-1728B52AA6E4}">
-                <adec:decorative xmlns:adec="http://schemas.microsoft.com/office/drawing/2017/decorative" val="1"/>
-              </a:ext>
-            </a:extLst>
-          </p:cNvPr>
-          <p:cNvCxnSpPr>
-            <a:cxnSpLocks noGrp="1" noRot="1" noChangeAspect="1" noMove="1" noResize="1" noEditPoints="1" noAdjustHandles="1" noChangeArrowheads="1" noChangeShapeType="1"/>
-          </p:cNvCxnSpPr>
-          <p:nvPr>
-            <p:extLst>
-              <p:ext uri="{386F3935-93C4-4BCD-93E2-E3B085C9AB24}">
-                <p16:designElem xmlns:p16="http://schemas.microsoft.com/office/powerpoint/2015/main" val="1"/>
-              </p:ext>
-            </p:extLst>
-          </p:nvPr>
-        </p:nvCxnSpPr>
-        <p:spPr>
-          <a:xfrm>
-            <a:off x="1207658" y="4343400"/>
-            <a:ext cx="9875520" cy="0"/>
-          </a:xfrm>
-          <a:prstGeom prst="line">
-            <a:avLst/>
-          </a:prstGeom>
-          <a:ln w="6350">
-            <a:solidFill>
-              <a:schemeClr val="tx1">
-                <a:lumMod val="50000"/>
-                <a:lumOff val="50000"/>
-              </a:schemeClr>
-            </a:solidFill>
-          </a:ln>
-        </p:spPr>
-        <p:style>
-          <a:lnRef idx="1">
-            <a:schemeClr val="accent1"/>
-          </a:lnRef>
-          <a:fillRef idx="0">
-            <a:schemeClr val="accent1"/>
-          </a:fillRef>
-          <a:effectRef idx="0">
-            <a:schemeClr val="accent1"/>
-          </a:effectRef>
-          <a:fontRef idx="minor">
-            <a:schemeClr val="tx1"/>
-          </a:fontRef>
-        </p:style>
-      </p:cxnSp>
-      <p:sp useBgFill="1">
-        <p:nvSpPr>
-          <p:cNvPr id="77" name="Rectangle 76">
-            <a:extLst>
-              <a:ext uri="{FF2B5EF4-FFF2-40B4-BE49-F238E27FC236}">
-                <a16:creationId xmlns:a16="http://schemas.microsoft.com/office/drawing/2014/main" id="{FA4CD5CB-D209-4D70-8CA4-629731C59219}"/>
-              </a:ext>
-              <a:ext uri="{C183D7F6-B498-43B3-948B-1728B52AA6E4}">
-                <adec:decorative xmlns:adec="http://schemas.microsoft.com/office/drawing/2017/decorative" val="1"/>
-              </a:ext>
-            </a:extLst>
-          </p:cNvPr>
-          <p:cNvSpPr>
-            <a:spLocks noGrp="1" noRot="1" noChangeAspect="1" noMove="1" noResize="1" noEditPoints="1" noAdjustHandles="1" noChangeArrowheads="1" noChangeShapeType="1" noTextEdit="1"/>
-          </p:cNvSpPr>
-          <p:nvPr>
-            <p:extLst>
-              <p:ext uri="{386F3935-93C4-4BCD-93E2-E3B085C9AB24}">
-                <p16:designElem xmlns:p16="http://schemas.microsoft.com/office/powerpoint/2015/main" val="1"/>
-              </p:ext>
-            </p:extLst>
-          </p:nvPr>
-        </p:nvSpPr>
-        <p:spPr>
-          <a:xfrm>
-            <a:off x="0" y="0"/>
-            <a:ext cx="12192001" cy="6334316"/>
-          </a:xfrm>
-          <a:prstGeom prst="rect">
-            <a:avLst/>
-          </a:prstGeom>
-          <a:ln>
-            <a:noFill/>
-          </a:ln>
-        </p:spPr>
-        <p:style>
-          <a:lnRef idx="2">
-            <a:schemeClr val="accent1">
-              <a:shade val="50000"/>
-            </a:schemeClr>
-          </a:lnRef>
-          <a:fillRef idx="1">
-            <a:schemeClr val="accent1"/>
-          </a:fillRef>
-          <a:effectRef idx="0">
-            <a:schemeClr val="accent1"/>
-          </a:effectRef>
-          <a:fontRef idx="minor">
-            <a:schemeClr val="lt1"/>
-          </a:fontRef>
-        </p:style>
-        <p:txBody>
-          <a:bodyPr rtlCol="0" anchor="ctr"/>
-          <a:lstStyle/>
-          <a:p>
-            <a:pPr algn="ctr"/>
-            <a:endParaRPr lang="en-US"/>
-          </a:p>
-        </p:txBody>
-      </p:sp>
-      <p:sp>
-        <p:nvSpPr>
           <p:cNvPr id="2" name="Title 1">
             <a:extLst>
               <a:ext uri="{FF2B5EF4-FFF2-40B4-BE49-F238E27FC236}">
-                <a16:creationId xmlns:a16="http://schemas.microsoft.com/office/drawing/2014/main" id="{B503C40D-F144-49C1-90C6-98EFDBFFFBE7}"/>
+                <a16:creationId xmlns:a16="http://schemas.microsoft.com/office/drawing/2014/main" id="{2268227A-CD5B-4F01-B846-C7AD08D6A63E}"/>
               </a:ext>
             </a:extLst>
           </p:cNvPr>
@@ -10220,248 +13716,550 @@
             <p:ph type="title"/>
           </p:nvPr>
         </p:nvSpPr>
-        <p:spPr>
-          <a:xfrm>
-            <a:off x="8141110" y="639097"/>
-            <a:ext cx="3401961" cy="3686015"/>
-          </a:xfrm>
-        </p:spPr>
-        <p:txBody>
-          <a:bodyPr vert="horz" lIns="91440" tIns="45720" rIns="91440" bIns="45720" rtlCol="0" anchor="b">
+        <p:spPr/>
+        <p:txBody>
+          <a:bodyPr/>
+          <a:lstStyle/>
+          <a:p>
+            <a:r>
+              <a:rPr lang="en-US" dirty="0"/>
+              <a:t>Do you need repository + UOW with EF core?</a:t>
+            </a:r>
+          </a:p>
+        </p:txBody>
+      </p:sp>
+      <p:sp>
+        <p:nvSpPr>
+          <p:cNvPr id="3" name="Content Placeholder 2">
+            <a:extLst>
+              <a:ext uri="{FF2B5EF4-FFF2-40B4-BE49-F238E27FC236}">
+                <a16:creationId xmlns:a16="http://schemas.microsoft.com/office/drawing/2014/main" id="{77FEBA99-FFB7-4F6A-86FE-6E12674F57D5}"/>
+              </a:ext>
+            </a:extLst>
+          </p:cNvPr>
+          <p:cNvSpPr>
+            <a:spLocks noGrp="1"/>
+          </p:cNvSpPr>
+          <p:nvPr>
+            <p:ph idx="1"/>
+          </p:nvPr>
+        </p:nvSpPr>
+        <p:spPr/>
+        <p:txBody>
+          <a:bodyPr>
             <a:normAutofit/>
           </a:bodyPr>
           <a:lstStyle/>
           <a:p>
-            <a:r>
-              <a:rPr lang="en-US" sz="5600" dirty="0">
-                <a:solidFill>
-                  <a:schemeClr val="tx1">
-                    <a:lumMod val="85000"/>
-                    <a:lumOff val="15000"/>
-                  </a:schemeClr>
-                </a:solidFill>
-              </a:rPr>
-              <a:t>Presenter and Output port pattern</a:t>
-            </a:r>
-          </a:p>
-        </p:txBody>
-      </p:sp>
-      <p:pic>
-        <p:nvPicPr>
-          <p:cNvPr id="9218" name="Picture 2" descr="Clean architecture">
-            <a:extLst>
-              <a:ext uri="{FF2B5EF4-FFF2-40B4-BE49-F238E27FC236}">
-                <a16:creationId xmlns:a16="http://schemas.microsoft.com/office/drawing/2014/main" id="{27D45AB6-76A6-4DD0-9277-8841297D2E53}"/>
-              </a:ext>
-            </a:extLst>
-          </p:cNvPr>
-          <p:cNvPicPr>
-            <a:picLocks noGrp="1" noChangeAspect="1" noChangeArrowheads="1"/>
-          </p:cNvPicPr>
-          <p:nvPr>
-            <p:ph idx="1"/>
-          </p:nvPr>
-        </p:nvPicPr>
-        <p:blipFill>
-          <a:blip r:embed="rId2">
-            <a:extLst>
-              <a:ext uri="{28A0092B-C50C-407E-A947-70E740481C1C}">
-                <a14:useLocalDpi xmlns:a14="http://schemas.microsoft.com/office/drawing/2010/main" val="0"/>
-              </a:ext>
-            </a:extLst>
-          </a:blip>
-          <a:stretch>
-            <a:fillRect/>
-          </a:stretch>
-        </p:blipFill>
-        <p:spPr bwMode="auto">
-          <a:xfrm>
-            <a:off x="633999" y="696042"/>
-            <a:ext cx="6912217" cy="4942234"/>
-          </a:xfrm>
-          <a:prstGeom prst="rect">
-            <a:avLst/>
-          </a:prstGeom>
-          <a:noFill/>
-          <a:extLst>
-            <a:ext uri="{909E8E84-426E-40DD-AFC4-6F175D3DCCD1}">
-              <a14:hiddenFill xmlns:a14="http://schemas.microsoft.com/office/drawing/2010/main">
-                <a:solidFill>
-                  <a:srgbClr val="FFFFFF"/>
-                </a:solidFill>
-              </a14:hiddenFill>
-            </a:ext>
-          </a:extLst>
-        </p:spPr>
-      </p:pic>
-      <p:cxnSp>
-        <p:nvCxnSpPr>
-          <p:cNvPr id="79" name="Straight Connector 78">
-            <a:extLst>
-              <a:ext uri="{FF2B5EF4-FFF2-40B4-BE49-F238E27FC236}">
-                <a16:creationId xmlns:a16="http://schemas.microsoft.com/office/drawing/2014/main" id="{5C6A2BAE-B461-4B55-8E1F-0722ABDD1393}"/>
-              </a:ext>
-              <a:ext uri="{C183D7F6-B498-43B3-948B-1728B52AA6E4}">
-                <adec:decorative xmlns:adec="http://schemas.microsoft.com/office/drawing/2017/decorative" val="1"/>
-              </a:ext>
-            </a:extLst>
-          </p:cNvPr>
-          <p:cNvCxnSpPr>
-            <a:cxnSpLocks noGrp="1" noRot="1" noChangeAspect="1" noMove="1" noResize="1" noEditPoints="1" noAdjustHandles="1" noChangeArrowheads="1" noChangeShapeType="1"/>
-          </p:cNvCxnSpPr>
-          <p:nvPr>
-            <p:extLst>
-              <p:ext uri="{386F3935-93C4-4BCD-93E2-E3B085C9AB24}">
-                <p16:designElem xmlns:p16="http://schemas.microsoft.com/office/powerpoint/2015/main" val="1"/>
-              </p:ext>
-            </p:extLst>
-          </p:nvPr>
-        </p:nvCxnSpPr>
-        <p:spPr>
-          <a:xfrm>
-            <a:off x="8209305" y="4343400"/>
-            <a:ext cx="3200400" cy="0"/>
-          </a:xfrm>
-          <a:prstGeom prst="line">
-            <a:avLst/>
-          </a:prstGeom>
-          <a:ln w="6350">
-            <a:solidFill>
-              <a:schemeClr val="tx2">
-                <a:alpha val="90000"/>
-              </a:schemeClr>
-            </a:solidFill>
-          </a:ln>
-        </p:spPr>
-        <p:style>
-          <a:lnRef idx="1">
-            <a:schemeClr val="accent1"/>
-          </a:lnRef>
-          <a:fillRef idx="0">
-            <a:schemeClr val="accent1"/>
-          </a:fillRef>
-          <a:effectRef idx="0">
-            <a:schemeClr val="accent1"/>
-          </a:effectRef>
-          <a:fontRef idx="minor">
-            <a:schemeClr val="tx1"/>
-          </a:fontRef>
-        </p:style>
-      </p:cxnSp>
-      <p:sp>
-        <p:nvSpPr>
-          <p:cNvPr id="81" name="Rectangle 80">
-            <a:extLst>
-              <a:ext uri="{FF2B5EF4-FFF2-40B4-BE49-F238E27FC236}">
-                <a16:creationId xmlns:a16="http://schemas.microsoft.com/office/drawing/2014/main" id="{B4C27B90-DF2B-4D00-BA07-18ED774CD2F1}"/>
-              </a:ext>
-              <a:ext uri="{C183D7F6-B498-43B3-948B-1728B52AA6E4}">
-                <adec:decorative xmlns:adec="http://schemas.microsoft.com/office/drawing/2017/decorative" val="1"/>
-              </a:ext>
-            </a:extLst>
-          </p:cNvPr>
-          <p:cNvSpPr>
-            <a:spLocks noGrp="1" noRot="1" noChangeAspect="1" noMove="1" noResize="1" noEditPoints="1" noAdjustHandles="1" noChangeArrowheads="1" noChangeShapeType="1" noTextEdit="1"/>
-          </p:cNvSpPr>
-          <p:nvPr>
-            <p:extLst>
-              <p:ext uri="{386F3935-93C4-4BCD-93E2-E3B085C9AB24}">
-                <p16:designElem xmlns:p16="http://schemas.microsoft.com/office/powerpoint/2015/main" val="1"/>
-              </p:ext>
-            </p:extLst>
-          </p:nvPr>
-        </p:nvSpPr>
-        <p:spPr>
-          <a:xfrm>
-            <a:off x="15" y="6334316"/>
-            <a:ext cx="12191985" cy="66484"/>
-          </a:xfrm>
-          <a:prstGeom prst="rect">
-            <a:avLst/>
-          </a:prstGeom>
-          <a:solidFill>
-            <a:schemeClr val="accent1"/>
-          </a:solidFill>
-          <a:ln>
-            <a:noFill/>
-          </a:ln>
-        </p:spPr>
-        <p:style>
-          <a:lnRef idx="2">
-            <a:schemeClr val="accent1">
-              <a:shade val="50000"/>
-            </a:schemeClr>
-          </a:lnRef>
-          <a:fillRef idx="1">
-            <a:schemeClr val="accent1"/>
-          </a:fillRef>
-          <a:effectRef idx="0">
-            <a:schemeClr val="accent1"/>
-          </a:effectRef>
-          <a:fontRef idx="minor">
-            <a:schemeClr val="lt1"/>
-          </a:fontRef>
-        </p:style>
-      </p:sp>
-      <p:sp>
-        <p:nvSpPr>
-          <p:cNvPr id="83" name="Rectangle 82">
-            <a:extLst>
-              <a:ext uri="{FF2B5EF4-FFF2-40B4-BE49-F238E27FC236}">
-                <a16:creationId xmlns:a16="http://schemas.microsoft.com/office/drawing/2014/main" id="{593ACC25-C262-417A-8AA9-0641C772BDB6}"/>
-              </a:ext>
-              <a:ext uri="{C183D7F6-B498-43B3-948B-1728B52AA6E4}">
-                <adec:decorative xmlns:adec="http://schemas.microsoft.com/office/drawing/2017/decorative" val="1"/>
-              </a:ext>
-            </a:extLst>
-          </p:cNvPr>
-          <p:cNvSpPr>
-            <a:spLocks noGrp="1" noRot="1" noChangeAspect="1" noMove="1" noResize="1" noEditPoints="1" noAdjustHandles="1" noChangeArrowheads="1" noChangeShapeType="1" noTextEdit="1"/>
-          </p:cNvSpPr>
-          <p:nvPr>
-            <p:extLst>
-              <p:ext uri="{386F3935-93C4-4BCD-93E2-E3B085C9AB24}">
-                <p16:designElem xmlns:p16="http://schemas.microsoft.com/office/powerpoint/2015/main" val="1"/>
-              </p:ext>
-            </p:extLst>
-          </p:nvPr>
-        </p:nvSpPr>
-        <p:spPr>
-          <a:xfrm>
-            <a:off x="1" y="6400800"/>
-            <a:ext cx="12192000" cy="457200"/>
-          </a:xfrm>
-          <a:prstGeom prst="rect">
-            <a:avLst/>
-          </a:prstGeom>
-          <a:solidFill>
-            <a:schemeClr val="accent2"/>
-          </a:solidFill>
-          <a:ln>
-            <a:noFill/>
-          </a:ln>
-        </p:spPr>
-        <p:style>
-          <a:lnRef idx="2">
-            <a:schemeClr val="accent1">
-              <a:shade val="50000"/>
-            </a:schemeClr>
-          </a:lnRef>
-          <a:fillRef idx="1">
-            <a:schemeClr val="accent1"/>
-          </a:fillRef>
-          <a:effectRef idx="0">
-            <a:schemeClr val="accent1"/>
-          </a:effectRef>
-          <a:fontRef idx="minor">
-            <a:schemeClr val="lt1"/>
-          </a:fontRef>
-        </p:style>
+            <a:pPr>
+              <a:buFont typeface="Wingdings" panose="05000000000000000000" pitchFamily="2" charset="2"/>
+              <a:buChar char="Ø"/>
+            </a:pPr>
+            <a:r>
+              <a:rPr lang="en-US" sz="2800" dirty="0"/>
+              <a:t> No. </a:t>
+            </a:r>
+            <a:r>
+              <a:rPr lang="en-US" sz="2800" dirty="0" err="1"/>
+              <a:t>Ef</a:t>
+            </a:r>
+            <a:r>
+              <a:rPr lang="en-US" sz="2800" dirty="0"/>
+              <a:t> core has </a:t>
+            </a:r>
+            <a:r>
+              <a:rPr lang="en-US" sz="2800" dirty="0" err="1"/>
+              <a:t>DbSet</a:t>
+            </a:r>
+            <a:r>
+              <a:rPr lang="en-US" sz="2800" dirty="0"/>
+              <a:t> and </a:t>
+            </a:r>
+            <a:r>
+              <a:rPr lang="en-US" sz="2800" dirty="0" err="1"/>
+              <a:t>context.SaveChanges</a:t>
+            </a:r>
+            <a:r>
+              <a:rPr lang="en-US" sz="2800" dirty="0"/>
+              <a:t>() is already repository + </a:t>
+            </a:r>
+            <a:r>
+              <a:rPr lang="en-US" sz="2800" dirty="0" err="1"/>
+              <a:t>uow</a:t>
+            </a:r>
+            <a:r>
+              <a:rPr lang="en-US" sz="2800" dirty="0"/>
+              <a:t> pattern.</a:t>
+            </a:r>
+          </a:p>
+          <a:p>
+            <a:pPr>
+              <a:buFont typeface="Wingdings" panose="05000000000000000000" pitchFamily="2" charset="2"/>
+              <a:buChar char="Ø"/>
+            </a:pPr>
+            <a:r>
+              <a:rPr lang="en-US" sz="2800" dirty="0" err="1"/>
+              <a:t>Ef</a:t>
+            </a:r>
+            <a:r>
+              <a:rPr lang="en-US" sz="2800" dirty="0"/>
+              <a:t> core has in memory provider so </a:t>
+            </a:r>
+            <a:r>
+              <a:rPr lang="en-US" sz="2800" dirty="0" err="1"/>
+              <a:t>DbContext</a:t>
+            </a:r>
+            <a:r>
+              <a:rPr lang="en-US" sz="2800" dirty="0"/>
+              <a:t> is fully testable.</a:t>
+            </a:r>
+          </a:p>
+          <a:p>
+            <a:pPr>
+              <a:buFont typeface="Wingdings" panose="05000000000000000000" pitchFamily="2" charset="2"/>
+              <a:buChar char="Ø"/>
+            </a:pPr>
+            <a:r>
+              <a:rPr lang="en-US" sz="2800" dirty="0"/>
+              <a:t>Unless, you have a very specific reason to do so…</a:t>
+            </a:r>
+          </a:p>
+        </p:txBody>
       </p:sp>
     </p:spTree>
     <p:extLst>
       <p:ext uri="{BB962C8B-B14F-4D97-AF65-F5344CB8AC3E}">
-        <p14:creationId xmlns:p14="http://schemas.microsoft.com/office/powerpoint/2010/main" val="2486986085"/>
+        <p14:creationId xmlns:p14="http://schemas.microsoft.com/office/powerpoint/2010/main" val="2318569957"/>
+      </p:ext>
+    </p:extLst>
+  </p:cSld>
+  <p:clrMapOvr>
+    <a:masterClrMapping/>
+  </p:clrMapOvr>
+</p:sld>
+</file>
+
+<file path=ppt/slides/slide27.xml><?xml version="1.0" encoding="utf-8"?>
+<p:sld xmlns:a="http://schemas.openxmlformats.org/drawingml/2006/main" xmlns:r="http://schemas.openxmlformats.org/officeDocument/2006/relationships" xmlns:p="http://schemas.openxmlformats.org/presentationml/2006/main">
+  <p:cSld>
+    <p:spTree>
+      <p:nvGrpSpPr>
+        <p:cNvPr id="1" name=""/>
+        <p:cNvGrpSpPr/>
+        <p:nvPr/>
+      </p:nvGrpSpPr>
+      <p:grpSpPr>
+        <a:xfrm>
+          <a:off x="0" y="0"/>
+          <a:ext cx="0" cy="0"/>
+          <a:chOff x="0" y="0"/>
+          <a:chExt cx="0" cy="0"/>
+        </a:xfrm>
+      </p:grpSpPr>
+      <p:sp>
+        <p:nvSpPr>
+          <p:cNvPr id="2" name="Title 1">
+            <a:extLst>
+              <a:ext uri="{FF2B5EF4-FFF2-40B4-BE49-F238E27FC236}">
+                <a16:creationId xmlns:a16="http://schemas.microsoft.com/office/drawing/2014/main" id="{4E9665C3-A39B-46CB-9476-38155755C811}"/>
+              </a:ext>
+            </a:extLst>
+          </p:cNvPr>
+          <p:cNvSpPr>
+            <a:spLocks noGrp="1"/>
+          </p:cNvSpPr>
+          <p:nvPr>
+            <p:ph type="title"/>
+          </p:nvPr>
+        </p:nvSpPr>
+        <p:spPr/>
+        <p:txBody>
+          <a:bodyPr/>
+          <a:lstStyle/>
+          <a:p>
+            <a:r>
+              <a:rPr lang="en-US" dirty="0"/>
+              <a:t>Infrastructure layer</a:t>
+            </a:r>
+          </a:p>
+        </p:txBody>
+      </p:sp>
+      <p:sp>
+        <p:nvSpPr>
+          <p:cNvPr id="7" name="Content Placeholder 6">
+            <a:extLst>
+              <a:ext uri="{FF2B5EF4-FFF2-40B4-BE49-F238E27FC236}">
+                <a16:creationId xmlns:a16="http://schemas.microsoft.com/office/drawing/2014/main" id="{A101F740-C1A8-4E3F-96D8-B8C61571713A}"/>
+              </a:ext>
+            </a:extLst>
+          </p:cNvPr>
+          <p:cNvSpPr>
+            <a:spLocks noGrp="1"/>
+          </p:cNvSpPr>
+          <p:nvPr>
+            <p:ph idx="1"/>
+          </p:nvPr>
+        </p:nvSpPr>
+        <p:spPr>
+          <a:xfrm>
+            <a:off x="1097280" y="2030032"/>
+            <a:ext cx="10058400" cy="4023360"/>
+          </a:xfrm>
+        </p:spPr>
+        <p:txBody>
+          <a:bodyPr>
+            <a:normAutofit/>
+          </a:bodyPr>
+          <a:lstStyle/>
+          <a:p>
+            <a:pPr>
+              <a:buFont typeface="Wingdings" panose="05000000000000000000" pitchFamily="2" charset="2"/>
+              <a:buChar char="Ø"/>
+            </a:pPr>
+            <a:r>
+              <a:rPr lang="en-US" sz="2800" dirty="0" err="1"/>
+              <a:t>IdentityDbContext</a:t>
+            </a:r>
+            <a:endParaRPr lang="en-US" sz="2800" dirty="0"/>
+          </a:p>
+          <a:p>
+            <a:pPr>
+              <a:buFont typeface="Wingdings" panose="05000000000000000000" pitchFamily="2" charset="2"/>
+              <a:buChar char="Ø"/>
+            </a:pPr>
+            <a:r>
+              <a:rPr lang="en-US" sz="2800" dirty="0"/>
+              <a:t>Any cross-cutting concerns (e.g. storing, uploading photo using </a:t>
+            </a:r>
+            <a:r>
+              <a:rPr lang="en-US" sz="2800" dirty="0" err="1"/>
+              <a:t>Cloudinary</a:t>
+            </a:r>
+            <a:r>
+              <a:rPr lang="en-US" sz="2800" dirty="0"/>
+              <a:t>)</a:t>
+            </a:r>
+          </a:p>
+          <a:p>
+            <a:pPr>
+              <a:buFont typeface="Wingdings" panose="05000000000000000000" pitchFamily="2" charset="2"/>
+              <a:buChar char="Ø"/>
+            </a:pPr>
+            <a:endParaRPr lang="en-US" sz="2800" dirty="0"/>
+          </a:p>
+          <a:p>
+            <a:pPr>
+              <a:buFont typeface="Wingdings" panose="05000000000000000000" pitchFamily="2" charset="2"/>
+              <a:buChar char="Ø"/>
+            </a:pPr>
+            <a:endParaRPr lang="en-US" sz="2800" dirty="0"/>
+          </a:p>
+        </p:txBody>
+      </p:sp>
+    </p:spTree>
+    <p:extLst>
+      <p:ext uri="{BB962C8B-B14F-4D97-AF65-F5344CB8AC3E}">
+        <p14:creationId xmlns:p14="http://schemas.microsoft.com/office/powerpoint/2010/main" val="4178838148"/>
+      </p:ext>
+    </p:extLst>
+  </p:cSld>
+  <p:clrMapOvr>
+    <a:masterClrMapping/>
+  </p:clrMapOvr>
+</p:sld>
+</file>
+
+<file path=ppt/slides/slide28.xml><?xml version="1.0" encoding="utf-8"?>
+<p:sld xmlns:a="http://schemas.openxmlformats.org/drawingml/2006/main" xmlns:r="http://schemas.openxmlformats.org/officeDocument/2006/relationships" xmlns:p="http://schemas.openxmlformats.org/presentationml/2006/main">
+  <p:cSld>
+    <p:spTree>
+      <p:nvGrpSpPr>
+        <p:cNvPr id="1" name=""/>
+        <p:cNvGrpSpPr/>
+        <p:nvPr/>
+      </p:nvGrpSpPr>
+      <p:grpSpPr>
+        <a:xfrm>
+          <a:off x="0" y="0"/>
+          <a:ext cx="0" cy="0"/>
+          <a:chOff x="0" y="0"/>
+          <a:chExt cx="0" cy="0"/>
+        </a:xfrm>
+      </p:grpSpPr>
+      <p:sp>
+        <p:nvSpPr>
+          <p:cNvPr id="2" name="Title 1">
+            <a:extLst>
+              <a:ext uri="{FF2B5EF4-FFF2-40B4-BE49-F238E27FC236}">
+                <a16:creationId xmlns:a16="http://schemas.microsoft.com/office/drawing/2014/main" id="{4E9665C3-A39B-46CB-9476-38155755C811}"/>
+              </a:ext>
+            </a:extLst>
+          </p:cNvPr>
+          <p:cNvSpPr>
+            <a:spLocks noGrp="1"/>
+          </p:cNvSpPr>
+          <p:nvPr>
+            <p:ph type="title"/>
+          </p:nvPr>
+        </p:nvSpPr>
+        <p:spPr/>
+        <p:txBody>
+          <a:bodyPr/>
+          <a:lstStyle/>
+          <a:p>
+            <a:r>
+              <a:rPr lang="en-US" dirty="0" err="1"/>
+              <a:t>WebApi</a:t>
+            </a:r>
+            <a:r>
+              <a:rPr lang="en-US" dirty="0"/>
+              <a:t> layer</a:t>
+            </a:r>
+          </a:p>
+        </p:txBody>
+      </p:sp>
+      <p:sp>
+        <p:nvSpPr>
+          <p:cNvPr id="7" name="Content Placeholder 6">
+            <a:extLst>
+              <a:ext uri="{FF2B5EF4-FFF2-40B4-BE49-F238E27FC236}">
+                <a16:creationId xmlns:a16="http://schemas.microsoft.com/office/drawing/2014/main" id="{A101F740-C1A8-4E3F-96D8-B8C61571713A}"/>
+              </a:ext>
+            </a:extLst>
+          </p:cNvPr>
+          <p:cNvSpPr>
+            <a:spLocks noGrp="1"/>
+          </p:cNvSpPr>
+          <p:nvPr>
+            <p:ph idx="1"/>
+          </p:nvPr>
+        </p:nvSpPr>
+        <p:spPr>
+          <a:xfrm>
+            <a:off x="1097280" y="2030032"/>
+            <a:ext cx="10058400" cy="4023360"/>
+          </a:xfrm>
+        </p:spPr>
+        <p:txBody>
+          <a:bodyPr>
+            <a:normAutofit/>
+          </a:bodyPr>
+          <a:lstStyle/>
+          <a:p>
+            <a:pPr>
+              <a:buFont typeface="Wingdings" panose="05000000000000000000" pitchFamily="2" charset="2"/>
+              <a:buChar char="Ø"/>
+            </a:pPr>
+            <a:r>
+              <a:rPr lang="en-US" sz="2800" dirty="0"/>
+              <a:t> Controllers</a:t>
+            </a:r>
+          </a:p>
+          <a:p>
+            <a:pPr>
+              <a:buFont typeface="Wingdings" panose="05000000000000000000" pitchFamily="2" charset="2"/>
+              <a:buChar char="Ø"/>
+            </a:pPr>
+            <a:r>
+              <a:rPr lang="en-US" sz="2800" dirty="0"/>
+              <a:t> Dependency injection</a:t>
+            </a:r>
+          </a:p>
+          <a:p>
+            <a:pPr>
+              <a:buFont typeface="Wingdings" panose="05000000000000000000" pitchFamily="2" charset="2"/>
+              <a:buChar char="Ø"/>
+            </a:pPr>
+            <a:r>
+              <a:rPr lang="en-US" sz="2800" dirty="0"/>
+              <a:t> Exception middleware</a:t>
+            </a:r>
+          </a:p>
+          <a:p>
+            <a:pPr>
+              <a:buFont typeface="Wingdings" panose="05000000000000000000" pitchFamily="2" charset="2"/>
+              <a:buChar char="Ø"/>
+            </a:pPr>
+            <a:r>
+              <a:rPr lang="en-US" sz="2800" dirty="0"/>
+              <a:t> Presenters</a:t>
+            </a:r>
+          </a:p>
+          <a:p>
+            <a:pPr>
+              <a:buFont typeface="Wingdings" panose="05000000000000000000" pitchFamily="2" charset="2"/>
+              <a:buChar char="Ø"/>
+            </a:pPr>
+            <a:endParaRPr lang="en-US" sz="2800" dirty="0"/>
+          </a:p>
+          <a:p>
+            <a:pPr>
+              <a:buFont typeface="Wingdings" panose="05000000000000000000" pitchFamily="2" charset="2"/>
+              <a:buChar char="Ø"/>
+            </a:pPr>
+            <a:endParaRPr lang="en-US" sz="2800" dirty="0"/>
+          </a:p>
+        </p:txBody>
+      </p:sp>
+    </p:spTree>
+    <p:extLst>
+      <p:ext uri="{BB962C8B-B14F-4D97-AF65-F5344CB8AC3E}">
+        <p14:creationId xmlns:p14="http://schemas.microsoft.com/office/powerpoint/2010/main" val="188268413"/>
+      </p:ext>
+    </p:extLst>
+  </p:cSld>
+  <p:clrMapOvr>
+    <a:masterClrMapping/>
+  </p:clrMapOvr>
+</p:sld>
+</file>
+
+<file path=ppt/slides/slide29.xml><?xml version="1.0" encoding="utf-8"?>
+<p:sld xmlns:a="http://schemas.openxmlformats.org/drawingml/2006/main" xmlns:r="http://schemas.openxmlformats.org/officeDocument/2006/relationships" xmlns:p="http://schemas.openxmlformats.org/presentationml/2006/main">
+  <p:cSld>
+    <p:spTree>
+      <p:nvGrpSpPr>
+        <p:cNvPr id="1" name=""/>
+        <p:cNvGrpSpPr/>
+        <p:nvPr/>
+      </p:nvGrpSpPr>
+      <p:grpSpPr>
+        <a:xfrm>
+          <a:off x="0" y="0"/>
+          <a:ext cx="0" cy="0"/>
+          <a:chOff x="0" y="0"/>
+          <a:chExt cx="0" cy="0"/>
+        </a:xfrm>
+      </p:grpSpPr>
+      <p:sp>
+        <p:nvSpPr>
+          <p:cNvPr id="2" name="Title 1">
+            <a:extLst>
+              <a:ext uri="{FF2B5EF4-FFF2-40B4-BE49-F238E27FC236}">
+                <a16:creationId xmlns:a16="http://schemas.microsoft.com/office/drawing/2014/main" id="{4E9665C3-A39B-46CB-9476-38155755C811}"/>
+              </a:ext>
+            </a:extLst>
+          </p:cNvPr>
+          <p:cNvSpPr>
+            <a:spLocks noGrp="1"/>
+          </p:cNvSpPr>
+          <p:nvPr>
+            <p:ph type="title"/>
+          </p:nvPr>
+        </p:nvSpPr>
+        <p:spPr/>
+        <p:txBody>
+          <a:bodyPr/>
+          <a:lstStyle/>
+          <a:p>
+            <a:r>
+              <a:rPr lang="en-US" dirty="0" err="1"/>
+              <a:t>WebApi</a:t>
+            </a:r>
+            <a:r>
+              <a:rPr lang="en-US" dirty="0"/>
+              <a:t> layer</a:t>
+            </a:r>
+          </a:p>
+        </p:txBody>
+      </p:sp>
+      <p:sp>
+        <p:nvSpPr>
+          <p:cNvPr id="7" name="Content Placeholder 6">
+            <a:extLst>
+              <a:ext uri="{FF2B5EF4-FFF2-40B4-BE49-F238E27FC236}">
+                <a16:creationId xmlns:a16="http://schemas.microsoft.com/office/drawing/2014/main" id="{A101F740-C1A8-4E3F-96D8-B8C61571713A}"/>
+              </a:ext>
+            </a:extLst>
+          </p:cNvPr>
+          <p:cNvSpPr>
+            <a:spLocks noGrp="1"/>
+          </p:cNvSpPr>
+          <p:nvPr>
+            <p:ph idx="1"/>
+          </p:nvPr>
+        </p:nvSpPr>
+        <p:spPr>
+          <a:xfrm>
+            <a:off x="1097280" y="2030032"/>
+            <a:ext cx="10058400" cy="4023360"/>
+          </a:xfrm>
+        </p:spPr>
+        <p:txBody>
+          <a:bodyPr>
+            <a:normAutofit/>
+          </a:bodyPr>
+          <a:lstStyle/>
+          <a:p>
+            <a:pPr>
+              <a:buFont typeface="Wingdings" panose="05000000000000000000" pitchFamily="2" charset="2"/>
+              <a:buChar char="Ø"/>
+            </a:pPr>
+            <a:r>
+              <a:rPr lang="en-US" sz="2800" dirty="0"/>
+              <a:t> Controllers</a:t>
+            </a:r>
+          </a:p>
+          <a:p>
+            <a:pPr>
+              <a:buFont typeface="Wingdings" panose="05000000000000000000" pitchFamily="2" charset="2"/>
+              <a:buChar char="Ø"/>
+            </a:pPr>
+            <a:r>
+              <a:rPr lang="en-US" sz="2800" dirty="0"/>
+              <a:t> Dependency injection</a:t>
+            </a:r>
+          </a:p>
+          <a:p>
+            <a:pPr>
+              <a:buFont typeface="Wingdings" panose="05000000000000000000" pitchFamily="2" charset="2"/>
+              <a:buChar char="Ø"/>
+            </a:pPr>
+            <a:r>
+              <a:rPr lang="en-US" sz="2800" dirty="0"/>
+              <a:t> Exception middleware</a:t>
+            </a:r>
+          </a:p>
+          <a:p>
+            <a:pPr>
+              <a:buFont typeface="Wingdings" panose="05000000000000000000" pitchFamily="2" charset="2"/>
+              <a:buChar char="Ø"/>
+            </a:pPr>
+            <a:r>
+              <a:rPr lang="en-US" sz="2800" dirty="0"/>
+              <a:t> Hosted services</a:t>
+            </a:r>
+          </a:p>
+          <a:p>
+            <a:pPr>
+              <a:buFont typeface="Wingdings" panose="05000000000000000000" pitchFamily="2" charset="2"/>
+              <a:buChar char="Ø"/>
+            </a:pPr>
+            <a:r>
+              <a:rPr lang="en-US" sz="2800" dirty="0"/>
+              <a:t> Presenters</a:t>
+            </a:r>
+          </a:p>
+          <a:p>
+            <a:pPr>
+              <a:buFont typeface="Wingdings" panose="05000000000000000000" pitchFamily="2" charset="2"/>
+              <a:buChar char="Ø"/>
+            </a:pPr>
+            <a:endParaRPr lang="en-US" sz="2800" dirty="0"/>
+          </a:p>
+          <a:p>
+            <a:pPr>
+              <a:buFont typeface="Wingdings" panose="05000000000000000000" pitchFamily="2" charset="2"/>
+              <a:buChar char="Ø"/>
+            </a:pPr>
+            <a:endParaRPr lang="en-US" sz="2800" dirty="0"/>
+          </a:p>
+        </p:txBody>
+      </p:sp>
+    </p:spTree>
+    <p:extLst>
+      <p:ext uri="{BB962C8B-B14F-4D97-AF65-F5344CB8AC3E}">
+        <p14:creationId xmlns:p14="http://schemas.microsoft.com/office/powerpoint/2010/main" val="2507576383"/>
       </p:ext>
     </p:extLst>
   </p:cSld>
@@ -10566,6 +14364,1203 @@
 </p:sld>
 </file>
 
+<file path=ppt/slides/slide30.xml><?xml version="1.0" encoding="utf-8"?>
+<p:sld xmlns:a="http://schemas.openxmlformats.org/drawingml/2006/main" xmlns:r="http://schemas.openxmlformats.org/officeDocument/2006/relationships" xmlns:p="http://schemas.openxmlformats.org/presentationml/2006/main">
+  <p:cSld>
+    <p:spTree>
+      <p:nvGrpSpPr>
+        <p:cNvPr id="1" name=""/>
+        <p:cNvGrpSpPr/>
+        <p:nvPr/>
+      </p:nvGrpSpPr>
+      <p:grpSpPr>
+        <a:xfrm>
+          <a:off x="0" y="0"/>
+          <a:ext cx="0" cy="0"/>
+          <a:chOff x="0" y="0"/>
+          <a:chExt cx="0" cy="0"/>
+        </a:xfrm>
+      </p:grpSpPr>
+      <p:sp>
+        <p:nvSpPr>
+          <p:cNvPr id="2" name="Title 1">
+            <a:extLst>
+              <a:ext uri="{FF2B5EF4-FFF2-40B4-BE49-F238E27FC236}">
+                <a16:creationId xmlns:a16="http://schemas.microsoft.com/office/drawing/2014/main" id="{4E9665C3-A39B-46CB-9476-38155755C811}"/>
+              </a:ext>
+            </a:extLst>
+          </p:cNvPr>
+          <p:cNvSpPr>
+            <a:spLocks noGrp="1"/>
+          </p:cNvSpPr>
+          <p:nvPr>
+            <p:ph type="title"/>
+          </p:nvPr>
+        </p:nvSpPr>
+        <p:spPr/>
+        <p:txBody>
+          <a:bodyPr/>
+          <a:lstStyle/>
+          <a:p>
+            <a:r>
+              <a:rPr lang="en-US" dirty="0" err="1"/>
+              <a:t>WebApi</a:t>
+            </a:r>
+            <a:r>
+              <a:rPr lang="en-US" dirty="0"/>
+              <a:t> layer</a:t>
+            </a:r>
+          </a:p>
+        </p:txBody>
+      </p:sp>
+      <p:sp>
+        <p:nvSpPr>
+          <p:cNvPr id="7" name="Content Placeholder 6">
+            <a:extLst>
+              <a:ext uri="{FF2B5EF4-FFF2-40B4-BE49-F238E27FC236}">
+                <a16:creationId xmlns:a16="http://schemas.microsoft.com/office/drawing/2014/main" id="{A101F740-C1A8-4E3F-96D8-B8C61571713A}"/>
+              </a:ext>
+            </a:extLst>
+          </p:cNvPr>
+          <p:cNvSpPr>
+            <a:spLocks noGrp="1"/>
+          </p:cNvSpPr>
+          <p:nvPr>
+            <p:ph idx="1"/>
+          </p:nvPr>
+        </p:nvSpPr>
+        <p:spPr>
+          <a:xfrm>
+            <a:off x="1097280" y="2030032"/>
+            <a:ext cx="10058400" cy="4023360"/>
+          </a:xfrm>
+        </p:spPr>
+        <p:txBody>
+          <a:bodyPr>
+            <a:normAutofit/>
+          </a:bodyPr>
+          <a:lstStyle/>
+          <a:p>
+            <a:pPr>
+              <a:buFont typeface="Wingdings" panose="05000000000000000000" pitchFamily="2" charset="2"/>
+              <a:buChar char="Ø"/>
+            </a:pPr>
+            <a:r>
+              <a:rPr lang="en-US" sz="2800" dirty="0"/>
+              <a:t> Presenters</a:t>
+            </a:r>
+          </a:p>
+          <a:p>
+            <a:pPr>
+              <a:buFont typeface="Wingdings" panose="05000000000000000000" pitchFamily="2" charset="2"/>
+              <a:buChar char="Ø"/>
+            </a:pPr>
+            <a:r>
+              <a:rPr lang="en-US" sz="2800" dirty="0"/>
+              <a:t> Controllers</a:t>
+            </a:r>
+          </a:p>
+          <a:p>
+            <a:pPr>
+              <a:buFont typeface="Wingdings" panose="05000000000000000000" pitchFamily="2" charset="2"/>
+              <a:buChar char="Ø"/>
+            </a:pPr>
+            <a:r>
+              <a:rPr lang="en-US" sz="2800" dirty="0"/>
+              <a:t> Dependency injection</a:t>
+            </a:r>
+          </a:p>
+          <a:p>
+            <a:pPr>
+              <a:buFont typeface="Wingdings" panose="05000000000000000000" pitchFamily="2" charset="2"/>
+              <a:buChar char="Ø"/>
+            </a:pPr>
+            <a:r>
+              <a:rPr lang="en-US" sz="2800" dirty="0"/>
+              <a:t> Exception middleware</a:t>
+            </a:r>
+          </a:p>
+          <a:p>
+            <a:pPr>
+              <a:buFont typeface="Wingdings" panose="05000000000000000000" pitchFamily="2" charset="2"/>
+              <a:buChar char="Ø"/>
+            </a:pPr>
+            <a:r>
+              <a:rPr lang="en-US" sz="2800" dirty="0"/>
+              <a:t> Hosted services</a:t>
+            </a:r>
+          </a:p>
+          <a:p>
+            <a:pPr marL="0" indent="0">
+              <a:buNone/>
+            </a:pPr>
+            <a:endParaRPr lang="en-US" sz="2800" dirty="0"/>
+          </a:p>
+          <a:p>
+            <a:pPr>
+              <a:buFont typeface="Wingdings" panose="05000000000000000000" pitchFamily="2" charset="2"/>
+              <a:buChar char="Ø"/>
+            </a:pPr>
+            <a:endParaRPr lang="en-US" sz="2800" dirty="0"/>
+          </a:p>
+        </p:txBody>
+      </p:sp>
+    </p:spTree>
+    <p:extLst>
+      <p:ext uri="{BB962C8B-B14F-4D97-AF65-F5344CB8AC3E}">
+        <p14:creationId xmlns:p14="http://schemas.microsoft.com/office/powerpoint/2010/main" val="820959914"/>
+      </p:ext>
+    </p:extLst>
+  </p:cSld>
+  <p:clrMapOvr>
+    <a:masterClrMapping/>
+  </p:clrMapOvr>
+</p:sld>
+</file>
+
+<file path=ppt/slides/slide31.xml><?xml version="1.0" encoding="utf-8"?>
+<p:sld xmlns:a="http://schemas.openxmlformats.org/drawingml/2006/main" xmlns:r="http://schemas.openxmlformats.org/officeDocument/2006/relationships" xmlns:p="http://schemas.openxmlformats.org/presentationml/2006/main">
+  <p:cSld>
+    <p:bg>
+      <p:bgPr>
+        <a:solidFill>
+          <a:schemeClr val="bg1"/>
+        </a:solidFill>
+        <a:effectLst/>
+      </p:bgPr>
+    </p:bg>
+    <p:spTree>
+      <p:nvGrpSpPr>
+        <p:cNvPr id="1" name=""/>
+        <p:cNvGrpSpPr/>
+        <p:nvPr/>
+      </p:nvGrpSpPr>
+      <p:grpSpPr>
+        <a:xfrm>
+          <a:off x="0" y="0"/>
+          <a:ext cx="0" cy="0"/>
+          <a:chOff x="0" y="0"/>
+          <a:chExt cx="0" cy="0"/>
+        </a:xfrm>
+      </p:grpSpPr>
+      <p:sp>
+        <p:nvSpPr>
+          <p:cNvPr id="22" name="Rectangle 7">
+            <a:extLst>
+              <a:ext uri="{FF2B5EF4-FFF2-40B4-BE49-F238E27FC236}">
+                <a16:creationId xmlns:a16="http://schemas.microsoft.com/office/drawing/2014/main" id="{4E4490D0-3672-446A-AC12-B4830333BDDD}"/>
+              </a:ext>
+              <a:ext uri="{C183D7F6-B498-43B3-948B-1728B52AA6E4}">
+                <adec:decorative xmlns:adec="http://schemas.microsoft.com/office/drawing/2017/decorative" val="1"/>
+              </a:ext>
+            </a:extLst>
+          </p:cNvPr>
+          <p:cNvSpPr>
+            <a:spLocks noGrp="1" noRot="1" noChangeAspect="1" noMove="1" noResize="1" noEditPoints="1" noAdjustHandles="1" noChangeArrowheads="1" noChangeShapeType="1" noTextEdit="1"/>
+          </p:cNvSpPr>
+          <p:nvPr>
+            <p:extLst>
+              <p:ext uri="{386F3935-93C4-4BCD-93E2-E3B085C9AB24}">
+                <p16:designElem xmlns:p16="http://schemas.microsoft.com/office/powerpoint/2015/main" val="1"/>
+              </p:ext>
+            </p:extLst>
+          </p:nvPr>
+        </p:nvSpPr>
+        <p:spPr>
+          <a:xfrm>
+            <a:off x="3175" y="6400800"/>
+            <a:ext cx="12188825" cy="457200"/>
+          </a:xfrm>
+          <a:prstGeom prst="rect">
+            <a:avLst/>
+          </a:prstGeom>
+          <a:solidFill>
+            <a:schemeClr val="accent2"/>
+          </a:solidFill>
+          <a:ln>
+            <a:noFill/>
+          </a:ln>
+        </p:spPr>
+        <p:style>
+          <a:lnRef idx="2">
+            <a:schemeClr val="accent1">
+              <a:shade val="50000"/>
+            </a:schemeClr>
+          </a:lnRef>
+          <a:fillRef idx="1">
+            <a:schemeClr val="accent1"/>
+          </a:fillRef>
+          <a:effectRef idx="0">
+            <a:schemeClr val="accent1"/>
+          </a:effectRef>
+          <a:fontRef idx="minor">
+            <a:schemeClr val="lt1"/>
+          </a:fontRef>
+        </p:style>
+      </p:sp>
+      <p:sp>
+        <p:nvSpPr>
+          <p:cNvPr id="23" name="Rectangle 9">
+            <a:extLst>
+              <a:ext uri="{FF2B5EF4-FFF2-40B4-BE49-F238E27FC236}">
+                <a16:creationId xmlns:a16="http://schemas.microsoft.com/office/drawing/2014/main" id="{39CB82C2-DF65-4EC1-8280-F201D50F570B}"/>
+              </a:ext>
+              <a:ext uri="{C183D7F6-B498-43B3-948B-1728B52AA6E4}">
+                <adec:decorative xmlns:adec="http://schemas.microsoft.com/office/drawing/2017/decorative" val="1"/>
+              </a:ext>
+            </a:extLst>
+          </p:cNvPr>
+          <p:cNvSpPr>
+            <a:spLocks noGrp="1" noRot="1" noChangeAspect="1" noMove="1" noResize="1" noEditPoints="1" noAdjustHandles="1" noChangeArrowheads="1" noChangeShapeType="1" noTextEdit="1"/>
+          </p:cNvSpPr>
+          <p:nvPr>
+            <p:extLst>
+              <p:ext uri="{386F3935-93C4-4BCD-93E2-E3B085C9AB24}">
+                <p16:designElem xmlns:p16="http://schemas.microsoft.com/office/powerpoint/2015/main" val="1"/>
+              </p:ext>
+            </p:extLst>
+          </p:nvPr>
+        </p:nvSpPr>
+        <p:spPr>
+          <a:xfrm>
+            <a:off x="15" y="6334316"/>
+            <a:ext cx="12188825" cy="64008"/>
+          </a:xfrm>
+          <a:prstGeom prst="rect">
+            <a:avLst/>
+          </a:prstGeom>
+          <a:solidFill>
+            <a:schemeClr val="accent1"/>
+          </a:solidFill>
+          <a:ln>
+            <a:noFill/>
+          </a:ln>
+        </p:spPr>
+        <p:style>
+          <a:lnRef idx="2">
+            <a:schemeClr val="accent1">
+              <a:shade val="50000"/>
+            </a:schemeClr>
+          </a:lnRef>
+          <a:fillRef idx="1">
+            <a:schemeClr val="accent1"/>
+          </a:fillRef>
+          <a:effectRef idx="0">
+            <a:schemeClr val="accent1"/>
+          </a:effectRef>
+          <a:fontRef idx="minor">
+            <a:schemeClr val="lt1"/>
+          </a:fontRef>
+        </p:style>
+      </p:sp>
+      <p:cxnSp>
+        <p:nvCxnSpPr>
+          <p:cNvPr id="24" name="Straight Connector 11">
+            <a:extLst>
+              <a:ext uri="{FF2B5EF4-FFF2-40B4-BE49-F238E27FC236}">
+                <a16:creationId xmlns:a16="http://schemas.microsoft.com/office/drawing/2014/main" id="{7E1D4427-852B-4B37-8E76-0E9F1810BA2A}"/>
+              </a:ext>
+              <a:ext uri="{C183D7F6-B498-43B3-948B-1728B52AA6E4}">
+                <adec:decorative xmlns:adec="http://schemas.microsoft.com/office/drawing/2017/decorative" val="1"/>
+              </a:ext>
+            </a:extLst>
+          </p:cNvPr>
+          <p:cNvCxnSpPr>
+            <a:cxnSpLocks noGrp="1" noRot="1" noChangeAspect="1" noMove="1" noResize="1" noEditPoints="1" noAdjustHandles="1" noChangeArrowheads="1" noChangeShapeType="1"/>
+          </p:cNvCxnSpPr>
+          <p:nvPr>
+            <p:extLst>
+              <p:ext uri="{386F3935-93C4-4BCD-93E2-E3B085C9AB24}">
+                <p16:designElem xmlns:p16="http://schemas.microsoft.com/office/powerpoint/2015/main" val="1"/>
+              </p:ext>
+            </p:extLst>
+          </p:nvPr>
+        </p:nvCxnSpPr>
+        <p:spPr>
+          <a:xfrm>
+            <a:off x="1207658" y="4343400"/>
+            <a:ext cx="9875520" cy="0"/>
+          </a:xfrm>
+          <a:prstGeom prst="line">
+            <a:avLst/>
+          </a:prstGeom>
+          <a:ln w="6350">
+            <a:solidFill>
+              <a:schemeClr val="tx1">
+                <a:lumMod val="50000"/>
+                <a:lumOff val="50000"/>
+              </a:schemeClr>
+            </a:solidFill>
+          </a:ln>
+        </p:spPr>
+        <p:style>
+          <a:lnRef idx="1">
+            <a:schemeClr val="accent1"/>
+          </a:lnRef>
+          <a:fillRef idx="0">
+            <a:schemeClr val="accent1"/>
+          </a:fillRef>
+          <a:effectRef idx="0">
+            <a:schemeClr val="accent1"/>
+          </a:effectRef>
+          <a:fontRef idx="minor">
+            <a:schemeClr val="tx1"/>
+          </a:fontRef>
+        </p:style>
+      </p:cxnSp>
+      <p:sp useBgFill="1">
+        <p:nvSpPr>
+          <p:cNvPr id="25" name="Rectangle 13">
+            <a:extLst>
+              <a:ext uri="{FF2B5EF4-FFF2-40B4-BE49-F238E27FC236}">
+                <a16:creationId xmlns:a16="http://schemas.microsoft.com/office/drawing/2014/main" id="{FA4CD5CB-D209-4D70-8CA4-629731C59219}"/>
+              </a:ext>
+              <a:ext uri="{C183D7F6-B498-43B3-948B-1728B52AA6E4}">
+                <adec:decorative xmlns:adec="http://schemas.microsoft.com/office/drawing/2017/decorative" val="1"/>
+              </a:ext>
+            </a:extLst>
+          </p:cNvPr>
+          <p:cNvSpPr>
+            <a:spLocks noGrp="1" noRot="1" noChangeAspect="1" noMove="1" noResize="1" noEditPoints="1" noAdjustHandles="1" noChangeArrowheads="1" noChangeShapeType="1" noTextEdit="1"/>
+          </p:cNvSpPr>
+          <p:nvPr>
+            <p:extLst>
+              <p:ext uri="{386F3935-93C4-4BCD-93E2-E3B085C9AB24}">
+                <p16:designElem xmlns:p16="http://schemas.microsoft.com/office/powerpoint/2015/main" val="1"/>
+              </p:ext>
+            </p:extLst>
+          </p:nvPr>
+        </p:nvSpPr>
+        <p:spPr>
+          <a:xfrm>
+            <a:off x="0" y="0"/>
+            <a:ext cx="12192001" cy="6334316"/>
+          </a:xfrm>
+          <a:prstGeom prst="rect">
+            <a:avLst/>
+          </a:prstGeom>
+          <a:ln>
+            <a:noFill/>
+          </a:ln>
+        </p:spPr>
+        <p:style>
+          <a:lnRef idx="2">
+            <a:schemeClr val="accent1">
+              <a:shade val="50000"/>
+            </a:schemeClr>
+          </a:lnRef>
+          <a:fillRef idx="1">
+            <a:schemeClr val="accent1"/>
+          </a:fillRef>
+          <a:effectRef idx="0">
+            <a:schemeClr val="accent1"/>
+          </a:effectRef>
+          <a:fontRef idx="minor">
+            <a:schemeClr val="lt1"/>
+          </a:fontRef>
+        </p:style>
+        <p:txBody>
+          <a:bodyPr rtlCol="0" anchor="ctr"/>
+          <a:lstStyle/>
+          <a:p>
+            <a:pPr algn="ctr"/>
+            <a:endParaRPr lang="en-US"/>
+          </a:p>
+        </p:txBody>
+      </p:sp>
+      <p:sp>
+        <p:nvSpPr>
+          <p:cNvPr id="3" name="Title 1">
+            <a:extLst>
+              <a:ext uri="{FF2B5EF4-FFF2-40B4-BE49-F238E27FC236}">
+                <a16:creationId xmlns:a16="http://schemas.microsoft.com/office/drawing/2014/main" id="{B7064455-BD24-4D1B-8411-52C649007895}"/>
+              </a:ext>
+            </a:extLst>
+          </p:cNvPr>
+          <p:cNvSpPr txBox="1">
+            <a:spLocks/>
+          </p:cNvSpPr>
+          <p:nvPr/>
+        </p:nvSpPr>
+        <p:spPr>
+          <a:xfrm>
+            <a:off x="8141110" y="639097"/>
+            <a:ext cx="3401961" cy="3686015"/>
+          </a:xfrm>
+          <a:prstGeom prst="rect">
+            <a:avLst/>
+          </a:prstGeom>
+        </p:spPr>
+        <p:txBody>
+          <a:bodyPr vert="horz" lIns="91440" tIns="45720" rIns="91440" bIns="45720" rtlCol="0" anchor="b">
+            <a:normAutofit/>
+          </a:bodyPr>
+          <a:lstStyle>
+            <a:lvl1pPr algn="l" defTabSz="914400" rtl="0" eaLnBrk="1" latinLnBrk="0" hangingPunct="1">
+              <a:lnSpc>
+                <a:spcPct val="85000"/>
+              </a:lnSpc>
+              <a:spcBef>
+                <a:spcPct val="0"/>
+              </a:spcBef>
+              <a:buNone/>
+              <a:defRPr sz="4800" kern="1200" spc="-50" baseline="0">
+                <a:solidFill>
+                  <a:schemeClr val="tx1">
+                    <a:lumMod val="75000"/>
+                    <a:lumOff val="25000"/>
+                  </a:schemeClr>
+                </a:solidFill>
+                <a:latin typeface="+mj-lt"/>
+                <a:ea typeface="+mj-ea"/>
+                <a:cs typeface="+mj-cs"/>
+              </a:defRPr>
+            </a:lvl1pPr>
+          </a:lstStyle>
+          <a:p>
+            <a:pPr>
+              <a:spcAft>
+                <a:spcPts val="600"/>
+              </a:spcAft>
+            </a:pPr>
+            <a:r>
+              <a:rPr lang="en-US" sz="5100">
+                <a:solidFill>
+                  <a:schemeClr val="tx1">
+                    <a:lumMod val="85000"/>
+                    <a:lumOff val="15000"/>
+                  </a:schemeClr>
+                </a:solidFill>
+              </a:rPr>
+              <a:t>How many jobs do this controller have to do?</a:t>
+            </a:r>
+          </a:p>
+        </p:txBody>
+      </p:sp>
+      <p:pic>
+        <p:nvPicPr>
+          <p:cNvPr id="2" name="Picture 1">
+            <a:extLst>
+              <a:ext uri="{FF2B5EF4-FFF2-40B4-BE49-F238E27FC236}">
+                <a16:creationId xmlns:a16="http://schemas.microsoft.com/office/drawing/2014/main" id="{09FCF95A-58F1-41F5-98EC-DB5B479F6686}"/>
+              </a:ext>
+            </a:extLst>
+          </p:cNvPr>
+          <p:cNvPicPr>
+            <a:picLocks noChangeAspect="1"/>
+          </p:cNvPicPr>
+          <p:nvPr/>
+        </p:nvPicPr>
+        <p:blipFill>
+          <a:blip r:embed="rId2"/>
+          <a:stretch>
+            <a:fillRect/>
+          </a:stretch>
+        </p:blipFill>
+        <p:spPr>
+          <a:xfrm>
+            <a:off x="742984" y="640081"/>
+            <a:ext cx="6694247" cy="5054156"/>
+          </a:xfrm>
+          <a:prstGeom prst="rect">
+            <a:avLst/>
+          </a:prstGeom>
+        </p:spPr>
+      </p:pic>
+      <p:cxnSp>
+        <p:nvCxnSpPr>
+          <p:cNvPr id="26" name="Straight Connector 15">
+            <a:extLst>
+              <a:ext uri="{FF2B5EF4-FFF2-40B4-BE49-F238E27FC236}">
+                <a16:creationId xmlns:a16="http://schemas.microsoft.com/office/drawing/2014/main" id="{5C6A2BAE-B461-4B55-8E1F-0722ABDD1393}"/>
+              </a:ext>
+              <a:ext uri="{C183D7F6-B498-43B3-948B-1728B52AA6E4}">
+                <adec:decorative xmlns:adec="http://schemas.microsoft.com/office/drawing/2017/decorative" val="1"/>
+              </a:ext>
+            </a:extLst>
+          </p:cNvPr>
+          <p:cNvCxnSpPr>
+            <a:cxnSpLocks noGrp="1" noRot="1" noChangeAspect="1" noMove="1" noResize="1" noEditPoints="1" noAdjustHandles="1" noChangeArrowheads="1" noChangeShapeType="1"/>
+          </p:cNvCxnSpPr>
+          <p:nvPr>
+            <p:extLst>
+              <p:ext uri="{386F3935-93C4-4BCD-93E2-E3B085C9AB24}">
+                <p16:designElem xmlns:p16="http://schemas.microsoft.com/office/powerpoint/2015/main" val="1"/>
+              </p:ext>
+            </p:extLst>
+          </p:nvPr>
+        </p:nvCxnSpPr>
+        <p:spPr>
+          <a:xfrm>
+            <a:off x="8209305" y="4343400"/>
+            <a:ext cx="3200400" cy="0"/>
+          </a:xfrm>
+          <a:prstGeom prst="line">
+            <a:avLst/>
+          </a:prstGeom>
+          <a:ln w="6350">
+            <a:solidFill>
+              <a:schemeClr val="tx2">
+                <a:alpha val="90000"/>
+              </a:schemeClr>
+            </a:solidFill>
+          </a:ln>
+        </p:spPr>
+        <p:style>
+          <a:lnRef idx="1">
+            <a:schemeClr val="accent1"/>
+          </a:lnRef>
+          <a:fillRef idx="0">
+            <a:schemeClr val="accent1"/>
+          </a:fillRef>
+          <a:effectRef idx="0">
+            <a:schemeClr val="accent1"/>
+          </a:effectRef>
+          <a:fontRef idx="minor">
+            <a:schemeClr val="tx1"/>
+          </a:fontRef>
+        </p:style>
+      </p:cxnSp>
+      <p:sp>
+        <p:nvSpPr>
+          <p:cNvPr id="27" name="Rectangle 17">
+            <a:extLst>
+              <a:ext uri="{FF2B5EF4-FFF2-40B4-BE49-F238E27FC236}">
+                <a16:creationId xmlns:a16="http://schemas.microsoft.com/office/drawing/2014/main" id="{B4C27B90-DF2B-4D00-BA07-18ED774CD2F1}"/>
+              </a:ext>
+              <a:ext uri="{C183D7F6-B498-43B3-948B-1728B52AA6E4}">
+                <adec:decorative xmlns:adec="http://schemas.microsoft.com/office/drawing/2017/decorative" val="1"/>
+              </a:ext>
+            </a:extLst>
+          </p:cNvPr>
+          <p:cNvSpPr>
+            <a:spLocks noGrp="1" noRot="1" noChangeAspect="1" noMove="1" noResize="1" noEditPoints="1" noAdjustHandles="1" noChangeArrowheads="1" noChangeShapeType="1" noTextEdit="1"/>
+          </p:cNvSpPr>
+          <p:nvPr>
+            <p:extLst>
+              <p:ext uri="{386F3935-93C4-4BCD-93E2-E3B085C9AB24}">
+                <p16:designElem xmlns:p16="http://schemas.microsoft.com/office/powerpoint/2015/main" val="1"/>
+              </p:ext>
+            </p:extLst>
+          </p:nvPr>
+        </p:nvSpPr>
+        <p:spPr>
+          <a:xfrm>
+            <a:off x="15" y="6334316"/>
+            <a:ext cx="12191985" cy="66484"/>
+          </a:xfrm>
+          <a:prstGeom prst="rect">
+            <a:avLst/>
+          </a:prstGeom>
+          <a:solidFill>
+            <a:schemeClr val="accent1"/>
+          </a:solidFill>
+          <a:ln>
+            <a:noFill/>
+          </a:ln>
+        </p:spPr>
+        <p:style>
+          <a:lnRef idx="2">
+            <a:schemeClr val="accent1">
+              <a:shade val="50000"/>
+            </a:schemeClr>
+          </a:lnRef>
+          <a:fillRef idx="1">
+            <a:schemeClr val="accent1"/>
+          </a:fillRef>
+          <a:effectRef idx="0">
+            <a:schemeClr val="accent1"/>
+          </a:effectRef>
+          <a:fontRef idx="minor">
+            <a:schemeClr val="lt1"/>
+          </a:fontRef>
+        </p:style>
+      </p:sp>
+      <p:sp>
+        <p:nvSpPr>
+          <p:cNvPr id="28" name="Rectangle 19">
+            <a:extLst>
+              <a:ext uri="{FF2B5EF4-FFF2-40B4-BE49-F238E27FC236}">
+                <a16:creationId xmlns:a16="http://schemas.microsoft.com/office/drawing/2014/main" id="{593ACC25-C262-417A-8AA9-0641C772BDB6}"/>
+              </a:ext>
+              <a:ext uri="{C183D7F6-B498-43B3-948B-1728B52AA6E4}">
+                <adec:decorative xmlns:adec="http://schemas.microsoft.com/office/drawing/2017/decorative" val="1"/>
+              </a:ext>
+            </a:extLst>
+          </p:cNvPr>
+          <p:cNvSpPr>
+            <a:spLocks noGrp="1" noRot="1" noChangeAspect="1" noMove="1" noResize="1" noEditPoints="1" noAdjustHandles="1" noChangeArrowheads="1" noChangeShapeType="1" noTextEdit="1"/>
+          </p:cNvSpPr>
+          <p:nvPr>
+            <p:extLst>
+              <p:ext uri="{386F3935-93C4-4BCD-93E2-E3B085C9AB24}">
+                <p16:designElem xmlns:p16="http://schemas.microsoft.com/office/powerpoint/2015/main" val="1"/>
+              </p:ext>
+            </p:extLst>
+          </p:nvPr>
+        </p:nvSpPr>
+        <p:spPr>
+          <a:xfrm>
+            <a:off x="1" y="6400800"/>
+            <a:ext cx="12192000" cy="457200"/>
+          </a:xfrm>
+          <a:prstGeom prst="rect">
+            <a:avLst/>
+          </a:prstGeom>
+          <a:solidFill>
+            <a:schemeClr val="accent2"/>
+          </a:solidFill>
+          <a:ln>
+            <a:noFill/>
+          </a:ln>
+        </p:spPr>
+        <p:style>
+          <a:lnRef idx="2">
+            <a:schemeClr val="accent1">
+              <a:shade val="50000"/>
+            </a:schemeClr>
+          </a:lnRef>
+          <a:fillRef idx="1">
+            <a:schemeClr val="accent1"/>
+          </a:fillRef>
+          <a:effectRef idx="0">
+            <a:schemeClr val="accent1"/>
+          </a:effectRef>
+          <a:fontRef idx="minor">
+            <a:schemeClr val="lt1"/>
+          </a:fontRef>
+        </p:style>
+      </p:sp>
+    </p:spTree>
+    <p:extLst>
+      <p:ext uri="{BB962C8B-B14F-4D97-AF65-F5344CB8AC3E}">
+        <p14:creationId xmlns:p14="http://schemas.microsoft.com/office/powerpoint/2010/main" val="3044017068"/>
+      </p:ext>
+    </p:extLst>
+  </p:cSld>
+  <p:clrMapOvr>
+    <a:masterClrMapping/>
+  </p:clrMapOvr>
+</p:sld>
+</file>
+
+<file path=ppt/slides/slide32.xml><?xml version="1.0" encoding="utf-8"?>
+<p:sld xmlns:a="http://schemas.openxmlformats.org/drawingml/2006/main" xmlns:r="http://schemas.openxmlformats.org/officeDocument/2006/relationships" xmlns:p="http://schemas.openxmlformats.org/presentationml/2006/main">
+  <p:cSld>
+    <p:bg>
+      <p:bgPr>
+        <a:solidFill>
+          <a:schemeClr val="bg1"/>
+        </a:solidFill>
+        <a:effectLst/>
+      </p:bgPr>
+    </p:bg>
+    <p:spTree>
+      <p:nvGrpSpPr>
+        <p:cNvPr id="1" name=""/>
+        <p:cNvGrpSpPr/>
+        <p:nvPr/>
+      </p:nvGrpSpPr>
+      <p:grpSpPr>
+        <a:xfrm>
+          <a:off x="0" y="0"/>
+          <a:ext cx="0" cy="0"/>
+          <a:chOff x="0" y="0"/>
+          <a:chExt cx="0" cy="0"/>
+        </a:xfrm>
+      </p:grpSpPr>
+      <p:sp>
+        <p:nvSpPr>
+          <p:cNvPr id="71" name="Rectangle 70">
+            <a:extLst>
+              <a:ext uri="{FF2B5EF4-FFF2-40B4-BE49-F238E27FC236}">
+                <a16:creationId xmlns:a16="http://schemas.microsoft.com/office/drawing/2014/main" id="{4E4490D0-3672-446A-AC12-B4830333BDDD}"/>
+              </a:ext>
+              <a:ext uri="{C183D7F6-B498-43B3-948B-1728B52AA6E4}">
+                <adec:decorative xmlns:adec="http://schemas.microsoft.com/office/drawing/2017/decorative" val="1"/>
+              </a:ext>
+            </a:extLst>
+          </p:cNvPr>
+          <p:cNvSpPr>
+            <a:spLocks noGrp="1" noRot="1" noChangeAspect="1" noMove="1" noResize="1" noEditPoints="1" noAdjustHandles="1" noChangeArrowheads="1" noChangeShapeType="1" noTextEdit="1"/>
+          </p:cNvSpPr>
+          <p:nvPr>
+            <p:extLst>
+              <p:ext uri="{386F3935-93C4-4BCD-93E2-E3B085C9AB24}">
+                <p16:designElem xmlns:p16="http://schemas.microsoft.com/office/powerpoint/2015/main" val="1"/>
+              </p:ext>
+            </p:extLst>
+          </p:nvPr>
+        </p:nvSpPr>
+        <p:spPr>
+          <a:xfrm>
+            <a:off x="3175" y="6400800"/>
+            <a:ext cx="12188825" cy="457200"/>
+          </a:xfrm>
+          <a:prstGeom prst="rect">
+            <a:avLst/>
+          </a:prstGeom>
+          <a:solidFill>
+            <a:schemeClr val="accent2"/>
+          </a:solidFill>
+          <a:ln>
+            <a:noFill/>
+          </a:ln>
+        </p:spPr>
+        <p:style>
+          <a:lnRef idx="2">
+            <a:schemeClr val="accent1">
+              <a:shade val="50000"/>
+            </a:schemeClr>
+          </a:lnRef>
+          <a:fillRef idx="1">
+            <a:schemeClr val="accent1"/>
+          </a:fillRef>
+          <a:effectRef idx="0">
+            <a:schemeClr val="accent1"/>
+          </a:effectRef>
+          <a:fontRef idx="minor">
+            <a:schemeClr val="lt1"/>
+          </a:fontRef>
+        </p:style>
+      </p:sp>
+      <p:sp>
+        <p:nvSpPr>
+          <p:cNvPr id="73" name="Rectangle 72">
+            <a:extLst>
+              <a:ext uri="{FF2B5EF4-FFF2-40B4-BE49-F238E27FC236}">
+                <a16:creationId xmlns:a16="http://schemas.microsoft.com/office/drawing/2014/main" id="{39CB82C2-DF65-4EC1-8280-F201D50F570B}"/>
+              </a:ext>
+              <a:ext uri="{C183D7F6-B498-43B3-948B-1728B52AA6E4}">
+                <adec:decorative xmlns:adec="http://schemas.microsoft.com/office/drawing/2017/decorative" val="1"/>
+              </a:ext>
+            </a:extLst>
+          </p:cNvPr>
+          <p:cNvSpPr>
+            <a:spLocks noGrp="1" noRot="1" noChangeAspect="1" noMove="1" noResize="1" noEditPoints="1" noAdjustHandles="1" noChangeArrowheads="1" noChangeShapeType="1" noTextEdit="1"/>
+          </p:cNvSpPr>
+          <p:nvPr>
+            <p:extLst>
+              <p:ext uri="{386F3935-93C4-4BCD-93E2-E3B085C9AB24}">
+                <p16:designElem xmlns:p16="http://schemas.microsoft.com/office/powerpoint/2015/main" val="1"/>
+              </p:ext>
+            </p:extLst>
+          </p:nvPr>
+        </p:nvSpPr>
+        <p:spPr>
+          <a:xfrm>
+            <a:off x="15" y="6334316"/>
+            <a:ext cx="12188825" cy="64008"/>
+          </a:xfrm>
+          <a:prstGeom prst="rect">
+            <a:avLst/>
+          </a:prstGeom>
+          <a:solidFill>
+            <a:schemeClr val="accent1"/>
+          </a:solidFill>
+          <a:ln>
+            <a:noFill/>
+          </a:ln>
+        </p:spPr>
+        <p:style>
+          <a:lnRef idx="2">
+            <a:schemeClr val="accent1">
+              <a:shade val="50000"/>
+            </a:schemeClr>
+          </a:lnRef>
+          <a:fillRef idx="1">
+            <a:schemeClr val="accent1"/>
+          </a:fillRef>
+          <a:effectRef idx="0">
+            <a:schemeClr val="accent1"/>
+          </a:effectRef>
+          <a:fontRef idx="minor">
+            <a:schemeClr val="lt1"/>
+          </a:fontRef>
+        </p:style>
+      </p:sp>
+      <p:cxnSp>
+        <p:nvCxnSpPr>
+          <p:cNvPr id="75" name="Straight Connector 74">
+            <a:extLst>
+              <a:ext uri="{FF2B5EF4-FFF2-40B4-BE49-F238E27FC236}">
+                <a16:creationId xmlns:a16="http://schemas.microsoft.com/office/drawing/2014/main" id="{7E1D4427-852B-4B37-8E76-0E9F1810BA2A}"/>
+              </a:ext>
+              <a:ext uri="{C183D7F6-B498-43B3-948B-1728B52AA6E4}">
+                <adec:decorative xmlns:adec="http://schemas.microsoft.com/office/drawing/2017/decorative" val="1"/>
+              </a:ext>
+            </a:extLst>
+          </p:cNvPr>
+          <p:cNvCxnSpPr>
+            <a:cxnSpLocks noGrp="1" noRot="1" noChangeAspect="1" noMove="1" noResize="1" noEditPoints="1" noAdjustHandles="1" noChangeArrowheads="1" noChangeShapeType="1"/>
+          </p:cNvCxnSpPr>
+          <p:nvPr>
+            <p:extLst>
+              <p:ext uri="{386F3935-93C4-4BCD-93E2-E3B085C9AB24}">
+                <p16:designElem xmlns:p16="http://schemas.microsoft.com/office/powerpoint/2015/main" val="1"/>
+              </p:ext>
+            </p:extLst>
+          </p:nvPr>
+        </p:nvCxnSpPr>
+        <p:spPr>
+          <a:xfrm>
+            <a:off x="1207658" y="4343400"/>
+            <a:ext cx="9875520" cy="0"/>
+          </a:xfrm>
+          <a:prstGeom prst="line">
+            <a:avLst/>
+          </a:prstGeom>
+          <a:ln w="6350">
+            <a:solidFill>
+              <a:schemeClr val="tx1">
+                <a:lumMod val="50000"/>
+                <a:lumOff val="50000"/>
+              </a:schemeClr>
+            </a:solidFill>
+          </a:ln>
+        </p:spPr>
+        <p:style>
+          <a:lnRef idx="1">
+            <a:schemeClr val="accent1"/>
+          </a:lnRef>
+          <a:fillRef idx="0">
+            <a:schemeClr val="accent1"/>
+          </a:fillRef>
+          <a:effectRef idx="0">
+            <a:schemeClr val="accent1"/>
+          </a:effectRef>
+          <a:fontRef idx="minor">
+            <a:schemeClr val="tx1"/>
+          </a:fontRef>
+        </p:style>
+      </p:cxnSp>
+      <p:sp useBgFill="1">
+        <p:nvSpPr>
+          <p:cNvPr id="77" name="Rectangle 76">
+            <a:extLst>
+              <a:ext uri="{FF2B5EF4-FFF2-40B4-BE49-F238E27FC236}">
+                <a16:creationId xmlns:a16="http://schemas.microsoft.com/office/drawing/2014/main" id="{FA4CD5CB-D209-4D70-8CA4-629731C59219}"/>
+              </a:ext>
+              <a:ext uri="{C183D7F6-B498-43B3-948B-1728B52AA6E4}">
+                <adec:decorative xmlns:adec="http://schemas.microsoft.com/office/drawing/2017/decorative" val="1"/>
+              </a:ext>
+            </a:extLst>
+          </p:cNvPr>
+          <p:cNvSpPr>
+            <a:spLocks noGrp="1" noRot="1" noChangeAspect="1" noMove="1" noResize="1" noEditPoints="1" noAdjustHandles="1" noChangeArrowheads="1" noChangeShapeType="1" noTextEdit="1"/>
+          </p:cNvSpPr>
+          <p:nvPr>
+            <p:extLst>
+              <p:ext uri="{386F3935-93C4-4BCD-93E2-E3B085C9AB24}">
+                <p16:designElem xmlns:p16="http://schemas.microsoft.com/office/powerpoint/2015/main" val="1"/>
+              </p:ext>
+            </p:extLst>
+          </p:nvPr>
+        </p:nvSpPr>
+        <p:spPr>
+          <a:xfrm>
+            <a:off x="0" y="0"/>
+            <a:ext cx="12192001" cy="6334316"/>
+          </a:xfrm>
+          <a:prstGeom prst="rect">
+            <a:avLst/>
+          </a:prstGeom>
+          <a:ln>
+            <a:noFill/>
+          </a:ln>
+        </p:spPr>
+        <p:style>
+          <a:lnRef idx="2">
+            <a:schemeClr val="accent1">
+              <a:shade val="50000"/>
+            </a:schemeClr>
+          </a:lnRef>
+          <a:fillRef idx="1">
+            <a:schemeClr val="accent1"/>
+          </a:fillRef>
+          <a:effectRef idx="0">
+            <a:schemeClr val="accent1"/>
+          </a:effectRef>
+          <a:fontRef idx="minor">
+            <a:schemeClr val="lt1"/>
+          </a:fontRef>
+        </p:style>
+        <p:txBody>
+          <a:bodyPr rtlCol="0" anchor="ctr"/>
+          <a:lstStyle/>
+          <a:p>
+            <a:pPr algn="ctr"/>
+            <a:endParaRPr lang="en-US"/>
+          </a:p>
+        </p:txBody>
+      </p:sp>
+      <p:sp>
+        <p:nvSpPr>
+          <p:cNvPr id="2" name="Title 1">
+            <a:extLst>
+              <a:ext uri="{FF2B5EF4-FFF2-40B4-BE49-F238E27FC236}">
+                <a16:creationId xmlns:a16="http://schemas.microsoft.com/office/drawing/2014/main" id="{B503C40D-F144-49C1-90C6-98EFDBFFFBE7}"/>
+              </a:ext>
+            </a:extLst>
+          </p:cNvPr>
+          <p:cNvSpPr>
+            <a:spLocks noGrp="1"/>
+          </p:cNvSpPr>
+          <p:nvPr>
+            <p:ph type="title"/>
+          </p:nvPr>
+        </p:nvSpPr>
+        <p:spPr>
+          <a:xfrm>
+            <a:off x="8141110" y="639097"/>
+            <a:ext cx="3401961" cy="3686015"/>
+          </a:xfrm>
+        </p:spPr>
+        <p:txBody>
+          <a:bodyPr vert="horz" lIns="91440" tIns="45720" rIns="91440" bIns="45720" rtlCol="0" anchor="b">
+            <a:normAutofit/>
+          </a:bodyPr>
+          <a:lstStyle/>
+          <a:p>
+            <a:r>
+              <a:rPr lang="en-US" sz="5600" dirty="0">
+                <a:solidFill>
+                  <a:schemeClr val="tx1">
+                    <a:lumMod val="85000"/>
+                    <a:lumOff val="15000"/>
+                  </a:schemeClr>
+                </a:solidFill>
+              </a:rPr>
+              <a:t>Presenter and Output port pattern</a:t>
+            </a:r>
+          </a:p>
+        </p:txBody>
+      </p:sp>
+      <p:pic>
+        <p:nvPicPr>
+          <p:cNvPr id="9218" name="Picture 2" descr="Clean architecture">
+            <a:extLst>
+              <a:ext uri="{FF2B5EF4-FFF2-40B4-BE49-F238E27FC236}">
+                <a16:creationId xmlns:a16="http://schemas.microsoft.com/office/drawing/2014/main" id="{27D45AB6-76A6-4DD0-9277-8841297D2E53}"/>
+              </a:ext>
+            </a:extLst>
+          </p:cNvPr>
+          <p:cNvPicPr>
+            <a:picLocks noGrp="1" noChangeAspect="1" noChangeArrowheads="1"/>
+          </p:cNvPicPr>
+          <p:nvPr>
+            <p:ph idx="1"/>
+          </p:nvPr>
+        </p:nvPicPr>
+        <p:blipFill>
+          <a:blip r:embed="rId2">
+            <a:extLst>
+              <a:ext uri="{28A0092B-C50C-407E-A947-70E740481C1C}">
+                <a14:useLocalDpi xmlns:a14="http://schemas.microsoft.com/office/drawing/2010/main" val="0"/>
+              </a:ext>
+            </a:extLst>
+          </a:blip>
+          <a:stretch>
+            <a:fillRect/>
+          </a:stretch>
+        </p:blipFill>
+        <p:spPr bwMode="auto">
+          <a:xfrm>
+            <a:off x="633999" y="696042"/>
+            <a:ext cx="6912217" cy="4942234"/>
+          </a:xfrm>
+          <a:prstGeom prst="rect">
+            <a:avLst/>
+          </a:prstGeom>
+          <a:noFill/>
+          <a:extLst>
+            <a:ext uri="{909E8E84-426E-40DD-AFC4-6F175D3DCCD1}">
+              <a14:hiddenFill xmlns:a14="http://schemas.microsoft.com/office/drawing/2010/main">
+                <a:solidFill>
+                  <a:srgbClr val="FFFFFF"/>
+                </a:solidFill>
+              </a14:hiddenFill>
+            </a:ext>
+          </a:extLst>
+        </p:spPr>
+      </p:pic>
+      <p:cxnSp>
+        <p:nvCxnSpPr>
+          <p:cNvPr id="79" name="Straight Connector 78">
+            <a:extLst>
+              <a:ext uri="{FF2B5EF4-FFF2-40B4-BE49-F238E27FC236}">
+                <a16:creationId xmlns:a16="http://schemas.microsoft.com/office/drawing/2014/main" id="{5C6A2BAE-B461-4B55-8E1F-0722ABDD1393}"/>
+              </a:ext>
+              <a:ext uri="{C183D7F6-B498-43B3-948B-1728B52AA6E4}">
+                <adec:decorative xmlns:adec="http://schemas.microsoft.com/office/drawing/2017/decorative" val="1"/>
+              </a:ext>
+            </a:extLst>
+          </p:cNvPr>
+          <p:cNvCxnSpPr>
+            <a:cxnSpLocks noGrp="1" noRot="1" noChangeAspect="1" noMove="1" noResize="1" noEditPoints="1" noAdjustHandles="1" noChangeArrowheads="1" noChangeShapeType="1"/>
+          </p:cNvCxnSpPr>
+          <p:nvPr>
+            <p:extLst>
+              <p:ext uri="{386F3935-93C4-4BCD-93E2-E3B085C9AB24}">
+                <p16:designElem xmlns:p16="http://schemas.microsoft.com/office/powerpoint/2015/main" val="1"/>
+              </p:ext>
+            </p:extLst>
+          </p:nvPr>
+        </p:nvCxnSpPr>
+        <p:spPr>
+          <a:xfrm>
+            <a:off x="8209305" y="4343400"/>
+            <a:ext cx="3200400" cy="0"/>
+          </a:xfrm>
+          <a:prstGeom prst="line">
+            <a:avLst/>
+          </a:prstGeom>
+          <a:ln w="6350">
+            <a:solidFill>
+              <a:schemeClr val="tx2">
+                <a:alpha val="90000"/>
+              </a:schemeClr>
+            </a:solidFill>
+          </a:ln>
+        </p:spPr>
+        <p:style>
+          <a:lnRef idx="1">
+            <a:schemeClr val="accent1"/>
+          </a:lnRef>
+          <a:fillRef idx="0">
+            <a:schemeClr val="accent1"/>
+          </a:fillRef>
+          <a:effectRef idx="0">
+            <a:schemeClr val="accent1"/>
+          </a:effectRef>
+          <a:fontRef idx="minor">
+            <a:schemeClr val="tx1"/>
+          </a:fontRef>
+        </p:style>
+      </p:cxnSp>
+      <p:sp>
+        <p:nvSpPr>
+          <p:cNvPr id="81" name="Rectangle 80">
+            <a:extLst>
+              <a:ext uri="{FF2B5EF4-FFF2-40B4-BE49-F238E27FC236}">
+                <a16:creationId xmlns:a16="http://schemas.microsoft.com/office/drawing/2014/main" id="{B4C27B90-DF2B-4D00-BA07-18ED774CD2F1}"/>
+              </a:ext>
+              <a:ext uri="{C183D7F6-B498-43B3-948B-1728B52AA6E4}">
+                <adec:decorative xmlns:adec="http://schemas.microsoft.com/office/drawing/2017/decorative" val="1"/>
+              </a:ext>
+            </a:extLst>
+          </p:cNvPr>
+          <p:cNvSpPr>
+            <a:spLocks noGrp="1" noRot="1" noChangeAspect="1" noMove="1" noResize="1" noEditPoints="1" noAdjustHandles="1" noChangeArrowheads="1" noChangeShapeType="1" noTextEdit="1"/>
+          </p:cNvSpPr>
+          <p:nvPr>
+            <p:extLst>
+              <p:ext uri="{386F3935-93C4-4BCD-93E2-E3B085C9AB24}">
+                <p16:designElem xmlns:p16="http://schemas.microsoft.com/office/powerpoint/2015/main" val="1"/>
+              </p:ext>
+            </p:extLst>
+          </p:nvPr>
+        </p:nvSpPr>
+        <p:spPr>
+          <a:xfrm>
+            <a:off x="15" y="6334316"/>
+            <a:ext cx="12191985" cy="66484"/>
+          </a:xfrm>
+          <a:prstGeom prst="rect">
+            <a:avLst/>
+          </a:prstGeom>
+          <a:solidFill>
+            <a:schemeClr val="accent1"/>
+          </a:solidFill>
+          <a:ln>
+            <a:noFill/>
+          </a:ln>
+        </p:spPr>
+        <p:style>
+          <a:lnRef idx="2">
+            <a:schemeClr val="accent1">
+              <a:shade val="50000"/>
+            </a:schemeClr>
+          </a:lnRef>
+          <a:fillRef idx="1">
+            <a:schemeClr val="accent1"/>
+          </a:fillRef>
+          <a:effectRef idx="0">
+            <a:schemeClr val="accent1"/>
+          </a:effectRef>
+          <a:fontRef idx="minor">
+            <a:schemeClr val="lt1"/>
+          </a:fontRef>
+        </p:style>
+      </p:sp>
+      <p:sp>
+        <p:nvSpPr>
+          <p:cNvPr id="83" name="Rectangle 82">
+            <a:extLst>
+              <a:ext uri="{FF2B5EF4-FFF2-40B4-BE49-F238E27FC236}">
+                <a16:creationId xmlns:a16="http://schemas.microsoft.com/office/drawing/2014/main" id="{593ACC25-C262-417A-8AA9-0641C772BDB6}"/>
+              </a:ext>
+              <a:ext uri="{C183D7F6-B498-43B3-948B-1728B52AA6E4}">
+                <adec:decorative xmlns:adec="http://schemas.microsoft.com/office/drawing/2017/decorative" val="1"/>
+              </a:ext>
+            </a:extLst>
+          </p:cNvPr>
+          <p:cNvSpPr>
+            <a:spLocks noGrp="1" noRot="1" noChangeAspect="1" noMove="1" noResize="1" noEditPoints="1" noAdjustHandles="1" noChangeArrowheads="1" noChangeShapeType="1" noTextEdit="1"/>
+          </p:cNvSpPr>
+          <p:nvPr>
+            <p:extLst>
+              <p:ext uri="{386F3935-93C4-4BCD-93E2-E3B085C9AB24}">
+                <p16:designElem xmlns:p16="http://schemas.microsoft.com/office/powerpoint/2015/main" val="1"/>
+              </p:ext>
+            </p:extLst>
+          </p:nvPr>
+        </p:nvSpPr>
+        <p:spPr>
+          <a:xfrm>
+            <a:off x="1" y="6400800"/>
+            <a:ext cx="12192000" cy="457200"/>
+          </a:xfrm>
+          <a:prstGeom prst="rect">
+            <a:avLst/>
+          </a:prstGeom>
+          <a:solidFill>
+            <a:schemeClr val="accent2"/>
+          </a:solidFill>
+          <a:ln>
+            <a:noFill/>
+          </a:ln>
+        </p:spPr>
+        <p:style>
+          <a:lnRef idx="2">
+            <a:schemeClr val="accent1">
+              <a:shade val="50000"/>
+            </a:schemeClr>
+          </a:lnRef>
+          <a:fillRef idx="1">
+            <a:schemeClr val="accent1"/>
+          </a:fillRef>
+          <a:effectRef idx="0">
+            <a:schemeClr val="accent1"/>
+          </a:effectRef>
+          <a:fontRef idx="minor">
+            <a:schemeClr val="lt1"/>
+          </a:fontRef>
+        </p:style>
+      </p:sp>
+    </p:spTree>
+    <p:extLst>
+      <p:ext uri="{BB962C8B-B14F-4D97-AF65-F5344CB8AC3E}">
+        <p14:creationId xmlns:p14="http://schemas.microsoft.com/office/powerpoint/2010/main" val="2486986085"/>
+      </p:ext>
+    </p:extLst>
+  </p:cSld>
+  <p:clrMapOvr>
+    <a:masterClrMapping/>
+  </p:clrMapOvr>
+</p:sld>
+</file>
+
 <file path=ppt/slides/slide4.xml><?xml version="1.0" encoding="utf-8"?>
 <p:sld xmlns:a="http://schemas.openxmlformats.org/drawingml/2006/main" xmlns:r="http://schemas.openxmlformats.org/officeDocument/2006/relationships" xmlns:p="http://schemas.openxmlformats.org/presentationml/2006/main">
   <p:cSld>
@@ -10731,6 +15726,174 @@
   <p:clrMapOvr>
     <a:masterClrMapping/>
   </p:clrMapOvr>
+  <p:timing>
+    <p:tnLst>
+      <p:par>
+        <p:cTn id="1" dur="indefinite" restart="never" nodeType="tmRoot">
+          <p:childTnLst>
+            <p:seq concurrent="1" nextAc="seek">
+              <p:cTn id="2" dur="indefinite" nodeType="mainSeq">
+                <p:childTnLst>
+                  <p:par>
+                    <p:cTn id="3" fill="hold">
+                      <p:stCondLst>
+                        <p:cond delay="indefinite"/>
+                      </p:stCondLst>
+                      <p:childTnLst>
+                        <p:par>
+                          <p:cTn id="4" fill="hold">
+                            <p:stCondLst>
+                              <p:cond delay="0"/>
+                            </p:stCondLst>
+                            <p:childTnLst>
+                              <p:par>
+                                <p:cTn id="5" presetID="1" presetClass="entr" presetSubtype="0" fill="hold" nodeType="clickEffect">
+                                  <p:stCondLst>
+                                    <p:cond delay="0"/>
+                                  </p:stCondLst>
+                                  <p:childTnLst>
+                                    <p:set>
+                                      <p:cBhvr>
+                                        <p:cTn id="6" dur="1" fill="hold">
+                                          <p:stCondLst>
+                                            <p:cond delay="0"/>
+                                          </p:stCondLst>
+                                        </p:cTn>
+                                        <p:tgtEl>
+                                          <p:spTgt spid="4"/>
+                                        </p:tgtEl>
+                                        <p:attrNameLst>
+                                          <p:attrName>style.visibility</p:attrName>
+                                        </p:attrNameLst>
+                                      </p:cBhvr>
+                                      <p:to>
+                                        <p:strVal val="visible"/>
+                                      </p:to>
+                                    </p:set>
+                                  </p:childTnLst>
+                                </p:cTn>
+                              </p:par>
+                            </p:childTnLst>
+                          </p:cTn>
+                        </p:par>
+                      </p:childTnLst>
+                    </p:cTn>
+                  </p:par>
+                  <p:par>
+                    <p:cTn id="7" fill="hold">
+                      <p:stCondLst>
+                        <p:cond delay="indefinite"/>
+                      </p:stCondLst>
+                      <p:childTnLst>
+                        <p:par>
+                          <p:cTn id="8" fill="hold">
+                            <p:stCondLst>
+                              <p:cond delay="0"/>
+                            </p:stCondLst>
+                            <p:childTnLst>
+                              <p:par>
+                                <p:cTn id="9" presetID="1" presetClass="entr" presetSubtype="0" fill="hold" grpId="0" nodeType="clickEffect">
+                                  <p:stCondLst>
+                                    <p:cond delay="0"/>
+                                  </p:stCondLst>
+                                  <p:childTnLst>
+                                    <p:set>
+                                      <p:cBhvr>
+                                        <p:cTn id="10" dur="1" fill="hold">
+                                          <p:stCondLst>
+                                            <p:cond delay="0"/>
+                                          </p:stCondLst>
+                                        </p:cTn>
+                                        <p:tgtEl>
+                                          <p:spTgt spid="3"/>
+                                        </p:tgtEl>
+                                        <p:attrNameLst>
+                                          <p:attrName>style.visibility</p:attrName>
+                                        </p:attrNameLst>
+                                      </p:cBhvr>
+                                      <p:to>
+                                        <p:strVal val="visible"/>
+                                      </p:to>
+                                    </p:set>
+                                  </p:childTnLst>
+                                </p:cTn>
+                              </p:par>
+                            </p:childTnLst>
+                          </p:cTn>
+                        </p:par>
+                      </p:childTnLst>
+                    </p:cTn>
+                  </p:par>
+                  <p:par>
+                    <p:cTn id="11" fill="hold">
+                      <p:stCondLst>
+                        <p:cond delay="indefinite"/>
+                      </p:stCondLst>
+                      <p:childTnLst>
+                        <p:par>
+                          <p:cTn id="12" fill="hold">
+                            <p:stCondLst>
+                              <p:cond delay="0"/>
+                            </p:stCondLst>
+                            <p:childTnLst>
+                              <p:par>
+                                <p:cTn id="13" presetID="1" presetClass="entr" presetSubtype="0" fill="hold" nodeType="clickEffect">
+                                  <p:stCondLst>
+                                    <p:cond delay="0"/>
+                                  </p:stCondLst>
+                                  <p:childTnLst>
+                                    <p:set>
+                                      <p:cBhvr>
+                                        <p:cTn id="14" dur="1" fill="hold">
+                                          <p:stCondLst>
+                                            <p:cond delay="0"/>
+                                          </p:stCondLst>
+                                        </p:cTn>
+                                        <p:tgtEl>
+                                          <p:spTgt spid="6"/>
+                                        </p:tgtEl>
+                                        <p:attrNameLst>
+                                          <p:attrName>style.visibility</p:attrName>
+                                        </p:attrNameLst>
+                                      </p:cBhvr>
+                                      <p:to>
+                                        <p:strVal val="visible"/>
+                                      </p:to>
+                                    </p:set>
+                                  </p:childTnLst>
+                                </p:cTn>
+                              </p:par>
+                            </p:childTnLst>
+                          </p:cTn>
+                        </p:par>
+                      </p:childTnLst>
+                    </p:cTn>
+                  </p:par>
+                </p:childTnLst>
+              </p:cTn>
+              <p:prevCondLst>
+                <p:cond evt="onPrev" delay="0">
+                  <p:tgtEl>
+                    <p:sldTgt/>
+                  </p:tgtEl>
+                </p:cond>
+              </p:prevCondLst>
+              <p:nextCondLst>
+                <p:cond evt="onNext" delay="0">
+                  <p:tgtEl>
+                    <p:sldTgt/>
+                  </p:tgtEl>
+                </p:cond>
+              </p:nextCondLst>
+            </p:seq>
+          </p:childTnLst>
+        </p:cTn>
+      </p:par>
+    </p:tnLst>
+    <p:bldLst>
+      <p:bldP spid="3" grpId="0"/>
+    </p:bldLst>
+  </p:timing>
 </p:sld>
 </file>
 
@@ -10949,10 +16112,9 @@
           </a:lstStyle>
           <a:p>
             <a:r>
-              <a:rPr lang="en-US" sz="4800"/>
-              <a:t>Junior developer often…</a:t>
-            </a:r>
-            <a:endParaRPr lang="en-US" sz="4800" dirty="0"/>
+              <a:rPr lang="en-US" sz="4800" dirty="0"/>
+              <a:t>Junior developer often do ‘service’…</a:t>
+            </a:r>
           </a:p>
         </p:txBody>
       </p:sp>
@@ -11067,10 +16229,9 @@
           </a:lstStyle>
           <a:p>
             <a:r>
-              <a:rPr lang="en-US" sz="4800"/>
+              <a:rPr lang="en-US" sz="4800" dirty="0"/>
               <a:t>GOD service</a:t>
             </a:r>
-            <a:endParaRPr lang="en-US" sz="4800" dirty="0"/>
           </a:p>
         </p:txBody>
       </p:sp>
@@ -11169,7 +16330,7 @@
           <p:nvPr/>
         </p:nvPicPr>
         <p:blipFill>
-          <a:blip r:embed="rId2">
+          <a:blip r:embed="rId3">
             <a:extLst>
               <a:ext uri="{28A0092B-C50C-407E-A947-70E740481C1C}">
                 <a14:useLocalDpi xmlns:a14="http://schemas.microsoft.com/office/drawing/2010/main" val="0"/>
@@ -11944,4 +17105,299 @@
     </a:ext>
   </a:extLst>
 </a:theme>
+</file>
+
+<file path=ppt/theme/theme3.xml><?xml version="1.0" encoding="utf-8"?>
+<a:theme xmlns:a="http://schemas.openxmlformats.org/drawingml/2006/main" name="Office Theme">
+  <a:themeElements>
+    <a:clrScheme name="Office">
+      <a:dk1>
+        <a:sysClr val="windowText" lastClr="000000"/>
+      </a:dk1>
+      <a:lt1>
+        <a:sysClr val="window" lastClr="FFFFFF"/>
+      </a:lt1>
+      <a:dk2>
+        <a:srgbClr val="44546A"/>
+      </a:dk2>
+      <a:lt2>
+        <a:srgbClr val="E7E6E6"/>
+      </a:lt2>
+      <a:accent1>
+        <a:srgbClr val="4472C4"/>
+      </a:accent1>
+      <a:accent2>
+        <a:srgbClr val="ED7D31"/>
+      </a:accent2>
+      <a:accent3>
+        <a:srgbClr val="A5A5A5"/>
+      </a:accent3>
+      <a:accent4>
+        <a:srgbClr val="FFC000"/>
+      </a:accent4>
+      <a:accent5>
+        <a:srgbClr val="5B9BD5"/>
+      </a:accent5>
+      <a:accent6>
+        <a:srgbClr val="70AD47"/>
+      </a:accent6>
+      <a:hlink>
+        <a:srgbClr val="0563C1"/>
+      </a:hlink>
+      <a:folHlink>
+        <a:srgbClr val="954F72"/>
+      </a:folHlink>
+    </a:clrScheme>
+    <a:fontScheme name="Office">
+      <a:majorFont>
+        <a:latin typeface="Calibri Light" panose="020F0302020204030204"/>
+        <a:ea typeface=""/>
+        <a:cs typeface=""/>
+        <a:font script="Jpan" typeface="游ゴシック Light"/>
+        <a:font script="Hang" typeface="맑은 고딕"/>
+        <a:font script="Hans" typeface="等线 Light"/>
+        <a:font script="Hant" typeface="新細明體"/>
+        <a:font script="Arab" typeface="Times New Roman"/>
+        <a:font script="Hebr" typeface="Times New Roman"/>
+        <a:font script="Thai" typeface="Angsana New"/>
+        <a:font script="Ethi" typeface="Nyala"/>
+        <a:font script="Beng" typeface="Vrinda"/>
+        <a:font script="Gujr" typeface="Shruti"/>
+        <a:font script="Khmr" typeface="MoolBoran"/>
+        <a:font script="Knda" typeface="Tunga"/>
+        <a:font script="Guru" typeface="Raavi"/>
+        <a:font script="Cans" typeface="Euphemia"/>
+        <a:font script="Cher" typeface="Plantagenet Cherokee"/>
+        <a:font script="Yiii" typeface="Microsoft Yi Baiti"/>
+        <a:font script="Tibt" typeface="Microsoft Himalaya"/>
+        <a:font script="Thaa" typeface="MV Boli"/>
+        <a:font script="Deva" typeface="Mangal"/>
+        <a:font script="Telu" typeface="Gautami"/>
+        <a:font script="Taml" typeface="Latha"/>
+        <a:font script="Syrc" typeface="Estrangelo Edessa"/>
+        <a:font script="Orya" typeface="Kalinga"/>
+        <a:font script="Mlym" typeface="Kartika"/>
+        <a:font script="Laoo" typeface="DokChampa"/>
+        <a:font script="Sinh" typeface="Iskoola Pota"/>
+        <a:font script="Mong" typeface="Mongolian Baiti"/>
+        <a:font script="Viet" typeface="Times New Roman"/>
+        <a:font script="Uigh" typeface="Microsoft Uighur"/>
+        <a:font script="Geor" typeface="Sylfaen"/>
+        <a:font script="Armn" typeface="Arial"/>
+        <a:font script="Bugi" typeface="Leelawadee UI"/>
+        <a:font script="Bopo" typeface="Microsoft JhengHei"/>
+        <a:font script="Java" typeface="Javanese Text"/>
+        <a:font script="Lisu" typeface="Segoe UI"/>
+        <a:font script="Mymr" typeface="Myanmar Text"/>
+        <a:font script="Nkoo" typeface="Ebrima"/>
+        <a:font script="Olck" typeface="Nirmala UI"/>
+        <a:font script="Osma" typeface="Ebrima"/>
+        <a:font script="Phag" typeface="Phagspa"/>
+        <a:font script="Syrn" typeface="Estrangelo Edessa"/>
+        <a:font script="Syrj" typeface="Estrangelo Edessa"/>
+        <a:font script="Syre" typeface="Estrangelo Edessa"/>
+        <a:font script="Sora" typeface="Nirmala UI"/>
+        <a:font script="Tale" typeface="Microsoft Tai Le"/>
+        <a:font script="Talu" typeface="Microsoft New Tai Lue"/>
+        <a:font script="Tfng" typeface="Ebrima"/>
+      </a:majorFont>
+      <a:minorFont>
+        <a:latin typeface="Calibri" panose="020F0502020204030204"/>
+        <a:ea typeface=""/>
+        <a:cs typeface=""/>
+        <a:font script="Jpan" typeface="游ゴシック"/>
+        <a:font script="Hang" typeface="맑은 고딕"/>
+        <a:font script="Hans" typeface="等线"/>
+        <a:font script="Hant" typeface="新細明體"/>
+        <a:font script="Arab" typeface="Arial"/>
+        <a:font script="Hebr" typeface="Arial"/>
+        <a:font script="Thai" typeface="Cordia New"/>
+        <a:font script="Ethi" typeface="Nyala"/>
+        <a:font script="Beng" typeface="Vrinda"/>
+        <a:font script="Gujr" typeface="Shruti"/>
+        <a:font script="Khmr" typeface="DaunPenh"/>
+        <a:font script="Knda" typeface="Tunga"/>
+        <a:font script="Guru" typeface="Raavi"/>
+        <a:font script="Cans" typeface="Euphemia"/>
+        <a:font script="Cher" typeface="Plantagenet Cherokee"/>
+        <a:font script="Yiii" typeface="Microsoft Yi Baiti"/>
+        <a:font script="Tibt" typeface="Microsoft Himalaya"/>
+        <a:font script="Thaa" typeface="MV Boli"/>
+        <a:font script="Deva" typeface="Mangal"/>
+        <a:font script="Telu" typeface="Gautami"/>
+        <a:font script="Taml" typeface="Latha"/>
+        <a:font script="Syrc" typeface="Estrangelo Edessa"/>
+        <a:font script="Orya" typeface="Kalinga"/>
+        <a:font script="Mlym" typeface="Kartika"/>
+        <a:font script="Laoo" typeface="DokChampa"/>
+        <a:font script="Sinh" typeface="Iskoola Pota"/>
+        <a:font script="Mong" typeface="Mongolian Baiti"/>
+        <a:font script="Viet" typeface="Arial"/>
+        <a:font script="Uigh" typeface="Microsoft Uighur"/>
+        <a:font script="Geor" typeface="Sylfaen"/>
+        <a:font script="Armn" typeface="Arial"/>
+        <a:font script="Bugi" typeface="Leelawadee UI"/>
+        <a:font script="Bopo" typeface="Microsoft JhengHei"/>
+        <a:font script="Java" typeface="Javanese Text"/>
+        <a:font script="Lisu" typeface="Segoe UI"/>
+        <a:font script="Mymr" typeface="Myanmar Text"/>
+        <a:font script="Nkoo" typeface="Ebrima"/>
+        <a:font script="Olck" typeface="Nirmala UI"/>
+        <a:font script="Osma" typeface="Ebrima"/>
+        <a:font script="Phag" typeface="Phagspa"/>
+        <a:font script="Syrn" typeface="Estrangelo Edessa"/>
+        <a:font script="Syrj" typeface="Estrangelo Edessa"/>
+        <a:font script="Syre" typeface="Estrangelo Edessa"/>
+        <a:font script="Sora" typeface="Nirmala UI"/>
+        <a:font script="Tale" typeface="Microsoft Tai Le"/>
+        <a:font script="Talu" typeface="Microsoft New Tai Lue"/>
+        <a:font script="Tfng" typeface="Ebrima"/>
+      </a:minorFont>
+    </a:fontScheme>
+    <a:fmtScheme name="Office">
+      <a:fillStyleLst>
+        <a:solidFill>
+          <a:schemeClr val="phClr"/>
+        </a:solidFill>
+        <a:gradFill rotWithShape="1">
+          <a:gsLst>
+            <a:gs pos="0">
+              <a:schemeClr val="phClr">
+                <a:lumMod val="110000"/>
+                <a:satMod val="105000"/>
+                <a:tint val="67000"/>
+              </a:schemeClr>
+            </a:gs>
+            <a:gs pos="50000">
+              <a:schemeClr val="phClr">
+                <a:lumMod val="105000"/>
+                <a:satMod val="103000"/>
+                <a:tint val="73000"/>
+              </a:schemeClr>
+            </a:gs>
+            <a:gs pos="100000">
+              <a:schemeClr val="phClr">
+                <a:lumMod val="105000"/>
+                <a:satMod val="109000"/>
+                <a:tint val="81000"/>
+              </a:schemeClr>
+            </a:gs>
+          </a:gsLst>
+          <a:lin ang="5400000" scaled="0"/>
+        </a:gradFill>
+        <a:gradFill rotWithShape="1">
+          <a:gsLst>
+            <a:gs pos="0">
+              <a:schemeClr val="phClr">
+                <a:satMod val="103000"/>
+                <a:lumMod val="102000"/>
+                <a:tint val="94000"/>
+              </a:schemeClr>
+            </a:gs>
+            <a:gs pos="50000">
+              <a:schemeClr val="phClr">
+                <a:satMod val="110000"/>
+                <a:lumMod val="100000"/>
+                <a:shade val="100000"/>
+              </a:schemeClr>
+            </a:gs>
+            <a:gs pos="100000">
+              <a:schemeClr val="phClr">
+                <a:lumMod val="99000"/>
+                <a:satMod val="120000"/>
+                <a:shade val="78000"/>
+              </a:schemeClr>
+            </a:gs>
+          </a:gsLst>
+          <a:lin ang="5400000" scaled="0"/>
+        </a:gradFill>
+      </a:fillStyleLst>
+      <a:lnStyleLst>
+        <a:ln w="6350" cap="flat" cmpd="sng" algn="ctr">
+          <a:solidFill>
+            <a:schemeClr val="phClr"/>
+          </a:solidFill>
+          <a:prstDash val="solid"/>
+          <a:miter lim="800000"/>
+        </a:ln>
+        <a:ln w="12700" cap="flat" cmpd="sng" algn="ctr">
+          <a:solidFill>
+            <a:schemeClr val="phClr"/>
+          </a:solidFill>
+          <a:prstDash val="solid"/>
+          <a:miter lim="800000"/>
+        </a:ln>
+        <a:ln w="19050" cap="flat" cmpd="sng" algn="ctr">
+          <a:solidFill>
+            <a:schemeClr val="phClr"/>
+          </a:solidFill>
+          <a:prstDash val="solid"/>
+          <a:miter lim="800000"/>
+        </a:ln>
+      </a:lnStyleLst>
+      <a:effectStyleLst>
+        <a:effectStyle>
+          <a:effectLst/>
+        </a:effectStyle>
+        <a:effectStyle>
+          <a:effectLst/>
+        </a:effectStyle>
+        <a:effectStyle>
+          <a:effectLst>
+            <a:outerShdw blurRad="57150" dist="19050" dir="5400000" algn="ctr" rotWithShape="0">
+              <a:srgbClr val="000000">
+                <a:alpha val="63000"/>
+              </a:srgbClr>
+            </a:outerShdw>
+          </a:effectLst>
+        </a:effectStyle>
+      </a:effectStyleLst>
+      <a:bgFillStyleLst>
+        <a:solidFill>
+          <a:schemeClr val="phClr"/>
+        </a:solidFill>
+        <a:solidFill>
+          <a:schemeClr val="phClr">
+            <a:tint val="95000"/>
+            <a:satMod val="170000"/>
+          </a:schemeClr>
+        </a:solidFill>
+        <a:gradFill rotWithShape="1">
+          <a:gsLst>
+            <a:gs pos="0">
+              <a:schemeClr val="phClr">
+                <a:tint val="93000"/>
+                <a:satMod val="150000"/>
+                <a:shade val="98000"/>
+                <a:lumMod val="102000"/>
+              </a:schemeClr>
+            </a:gs>
+            <a:gs pos="50000">
+              <a:schemeClr val="phClr">
+                <a:tint val="98000"/>
+                <a:satMod val="130000"/>
+                <a:shade val="90000"/>
+                <a:lumMod val="103000"/>
+              </a:schemeClr>
+            </a:gs>
+            <a:gs pos="100000">
+              <a:schemeClr val="phClr">
+                <a:shade val="63000"/>
+                <a:satMod val="120000"/>
+              </a:schemeClr>
+            </a:gs>
+          </a:gsLst>
+          <a:lin ang="5400000" scaled="0"/>
+        </a:gradFill>
+      </a:bgFillStyleLst>
+    </a:fmtScheme>
+  </a:themeElements>
+  <a:objectDefaults/>
+  <a:extraClrSchemeLst/>
+  <a:extLst>
+    <a:ext uri="{05A4C25C-085E-4340-85A3-A5531E510DB2}">
+      <thm15:themeFamily xmlns:thm15="http://schemas.microsoft.com/office/thememl/2012/main" name="Office Theme" id="{62F939B6-93AF-4DB8-9C6B-D6C7DFDC589F}" vid="{4A3C46E8-61CC-4603-A589-7422A47A8E4A}"/>
+    </a:ext>
+  </a:extLst>
+</a:theme>
 </file>
--- a/Introduction_to_clean_architecture.pptx
+++ b/Introduction_to_clean_architecture.pptx
@@ -6,7 +6,7 @@
     <p:sldMasterId id="2147483672" r:id="rId2"/>
   </p:sldMasterIdLst>
   <p:notesMasterIdLst>
-    <p:notesMasterId r:id="rId35"/>
+    <p:notesMasterId r:id="rId39"/>
   </p:notesMasterIdLst>
   <p:sldIdLst>
     <p:sldId id="260" r:id="rId3"/>
@@ -35,12 +35,16 @@
     <p:sldId id="279" r:id="rId26"/>
     <p:sldId id="271" r:id="rId27"/>
     <p:sldId id="272" r:id="rId28"/>
-    <p:sldId id="273" r:id="rId29"/>
-    <p:sldId id="274" r:id="rId30"/>
+    <p:sldId id="291" r:id="rId29"/>
+    <p:sldId id="273" r:id="rId30"/>
     <p:sldId id="275" r:id="rId31"/>
-    <p:sldId id="276" r:id="rId32"/>
-    <p:sldId id="278" r:id="rId33"/>
-    <p:sldId id="277" r:id="rId34"/>
+    <p:sldId id="278" r:id="rId32"/>
+    <p:sldId id="277" r:id="rId33"/>
+    <p:sldId id="292" r:id="rId34"/>
+    <p:sldId id="293" r:id="rId35"/>
+    <p:sldId id="295" r:id="rId36"/>
+    <p:sldId id="294" r:id="rId37"/>
+    <p:sldId id="296" r:id="rId38"/>
   </p:sldIdLst>
   <p:sldSz cx="12192000" cy="6858000"/>
   <p:notesSz cx="6858000" cy="9144000"/>
@@ -147,6 +151,10 @@
 </p:presentation>
 </file>
 
+<file path=ppt/revisionInfo.xml><?xml version="1.0" encoding="utf-8"?>
+<p1510:revInfo xmlns:a="http://schemas.openxmlformats.org/drawingml/2006/main" xmlns:r="http://schemas.openxmlformats.org/officeDocument/2006/relationships" xmlns:p1510="http://schemas.microsoft.com/office/powerpoint/2015/10/main"/>
+</file>
+
 <file path=ppt/notesMasters/notesMaster1.xml><?xml version="1.0" encoding="utf-8"?>
 <p:notesMaster xmlns:a="http://schemas.openxmlformats.org/drawingml/2006/main" xmlns:r="http://schemas.openxmlformats.org/officeDocument/2006/relationships" xmlns:p="http://schemas.openxmlformats.org/presentationml/2006/main">
   <p:cSld>
@@ -229,7 +237,7 @@
           <a:p>
             <a:fld id="{12890ADB-14A4-45B6-9E4B-2EBC906C01E0}" type="datetimeFigureOut">
               <a:rPr lang="en-US" smtClean="0"/>
-              <a:t>3/1/2020</a:t>
+              <a:t>3/3/2020</a:t>
             </a:fld>
             <a:endParaRPr lang="en-US"/>
           </a:p>
@@ -1142,7 +1150,7 @@
           <a:p>
             <a:fld id="{B36A80E0-6C7C-4E44-8FFB-72845EDF7FFF}" type="datetimeFigureOut">
               <a:rPr lang="en-US" smtClean="0"/>
-              <a:t>3/1/2020</a:t>
+              <a:t>3/3/2020</a:t>
             </a:fld>
             <a:endParaRPr lang="en-US"/>
           </a:p>
@@ -1350,7 +1358,7 @@
           <a:p>
             <a:fld id="{B36A80E0-6C7C-4E44-8FFB-72845EDF7FFF}" type="datetimeFigureOut">
               <a:rPr lang="en-US" smtClean="0"/>
-              <a:t>3/1/2020</a:t>
+              <a:t>3/3/2020</a:t>
             </a:fld>
             <a:endParaRPr lang="en-US"/>
           </a:p>
@@ -1606,7 +1614,7 @@
           <a:p>
             <a:fld id="{B36A80E0-6C7C-4E44-8FFB-72845EDF7FFF}" type="datetimeFigureOut">
               <a:rPr lang="en-US" smtClean="0"/>
-              <a:t>3/1/2020</a:t>
+              <a:t>3/3/2020</a:t>
             </a:fld>
             <a:endParaRPr lang="en-US"/>
           </a:p>
@@ -1814,7 +1822,7 @@
           <a:p>
             <a:fld id="{B36A80E0-6C7C-4E44-8FFB-72845EDF7FFF}" type="datetimeFigureOut">
               <a:rPr lang="en-US" smtClean="0"/>
-              <a:t>3/1/2020</a:t>
+              <a:t>3/3/2020</a:t>
             </a:fld>
             <a:endParaRPr lang="en-US"/>
           </a:p>
@@ -2012,7 +2020,7 @@
           <a:p>
             <a:fld id="{B36A80E0-6C7C-4E44-8FFB-72845EDF7FFF}" type="datetimeFigureOut">
               <a:rPr lang="en-US" smtClean="0"/>
-              <a:t>3/1/2020</a:t>
+              <a:t>3/3/2020</a:t>
             </a:fld>
             <a:endParaRPr lang="en-US"/>
           </a:p>
@@ -2287,7 +2295,7 @@
           <a:p>
             <a:fld id="{B36A80E0-6C7C-4E44-8FFB-72845EDF7FFF}" type="datetimeFigureOut">
               <a:rPr lang="en-US" smtClean="0"/>
-              <a:t>3/1/2020</a:t>
+              <a:t>3/3/2020</a:t>
             </a:fld>
             <a:endParaRPr lang="en-US"/>
           </a:p>
@@ -2552,7 +2560,7 @@
           <a:p>
             <a:fld id="{B36A80E0-6C7C-4E44-8FFB-72845EDF7FFF}" type="datetimeFigureOut">
               <a:rPr lang="en-US" smtClean="0"/>
-              <a:t>3/1/2020</a:t>
+              <a:t>3/3/2020</a:t>
             </a:fld>
             <a:endParaRPr lang="en-US"/>
           </a:p>
@@ -2964,7 +2972,7 @@
           <a:p>
             <a:fld id="{B36A80E0-6C7C-4E44-8FFB-72845EDF7FFF}" type="datetimeFigureOut">
               <a:rPr lang="en-US" smtClean="0"/>
-              <a:t>3/1/2020</a:t>
+              <a:t>3/3/2020</a:t>
             </a:fld>
             <a:endParaRPr lang="en-US"/>
           </a:p>
@@ -3105,7 +3113,7 @@
           <a:p>
             <a:fld id="{B36A80E0-6C7C-4E44-8FFB-72845EDF7FFF}" type="datetimeFigureOut">
               <a:rPr lang="en-US" smtClean="0"/>
-              <a:t>3/1/2020</a:t>
+              <a:t>3/3/2020</a:t>
             </a:fld>
             <a:endParaRPr lang="en-US"/>
           </a:p>
@@ -3218,7 +3226,7 @@
           <a:p>
             <a:fld id="{B36A80E0-6C7C-4E44-8FFB-72845EDF7FFF}" type="datetimeFigureOut">
               <a:rPr lang="en-US" smtClean="0"/>
-              <a:t>3/1/2020</a:t>
+              <a:t>3/3/2020</a:t>
             </a:fld>
             <a:endParaRPr lang="en-US"/>
           </a:p>
@@ -3529,7 +3537,7 @@
           <a:p>
             <a:fld id="{B36A80E0-6C7C-4E44-8FFB-72845EDF7FFF}" type="datetimeFigureOut">
               <a:rPr lang="en-US" smtClean="0"/>
-              <a:t>3/1/2020</a:t>
+              <a:t>3/3/2020</a:t>
             </a:fld>
             <a:endParaRPr lang="en-US"/>
           </a:p>
@@ -3715,7 +3723,7 @@
           <a:p>
             <a:fld id="{B36A80E0-6C7C-4E44-8FFB-72845EDF7FFF}" type="datetimeFigureOut">
               <a:rPr lang="en-US" smtClean="0"/>
-              <a:t>3/1/2020</a:t>
+              <a:t>3/3/2020</a:t>
             </a:fld>
             <a:endParaRPr lang="en-US"/>
           </a:p>
@@ -3991,7 +3999,7 @@
           <a:p>
             <a:fld id="{B36A80E0-6C7C-4E44-8FFB-72845EDF7FFF}" type="datetimeFigureOut">
               <a:rPr lang="en-US" smtClean="0"/>
-              <a:t>3/1/2020</a:t>
+              <a:t>3/3/2020</a:t>
             </a:fld>
             <a:endParaRPr lang="en-US"/>
           </a:p>
@@ -4189,7 +4197,7 @@
           <a:p>
             <a:fld id="{B36A80E0-6C7C-4E44-8FFB-72845EDF7FFF}" type="datetimeFigureOut">
               <a:rPr lang="en-US" smtClean="0"/>
-              <a:t>3/1/2020</a:t>
+              <a:t>3/3/2020</a:t>
             </a:fld>
             <a:endParaRPr lang="en-US"/>
           </a:p>
@@ -4397,7 +4405,7 @@
           <a:p>
             <a:fld id="{B36A80E0-6C7C-4E44-8FFB-72845EDF7FFF}" type="datetimeFigureOut">
               <a:rPr lang="en-US" smtClean="0"/>
-              <a:t>3/1/2020</a:t>
+              <a:t>3/3/2020</a:t>
             </a:fld>
             <a:endParaRPr lang="en-US"/>
           </a:p>
@@ -4752,7 +4760,7 @@
           <a:p>
             <a:fld id="{B36A80E0-6C7C-4E44-8FFB-72845EDF7FFF}" type="datetimeFigureOut">
               <a:rPr lang="en-US" smtClean="0"/>
-              <a:t>3/1/2020</a:t>
+              <a:t>3/3/2020</a:t>
             </a:fld>
             <a:endParaRPr lang="en-US"/>
           </a:p>
@@ -5027,7 +5035,7 @@
           <a:p>
             <a:fld id="{B36A80E0-6C7C-4E44-8FFB-72845EDF7FFF}" type="datetimeFigureOut">
               <a:rPr lang="en-US" smtClean="0"/>
-              <a:t>3/1/2020</a:t>
+              <a:t>3/3/2020</a:t>
             </a:fld>
             <a:endParaRPr lang="en-US"/>
           </a:p>
@@ -5406,7 +5414,7 @@
           <a:p>
             <a:fld id="{B36A80E0-6C7C-4E44-8FFB-72845EDF7FFF}" type="datetimeFigureOut">
               <a:rPr lang="en-US" smtClean="0"/>
-              <a:t>3/1/2020</a:t>
+              <a:t>3/3/2020</a:t>
             </a:fld>
             <a:endParaRPr lang="en-US"/>
           </a:p>
@@ -5524,7 +5532,7 @@
           <a:p>
             <a:fld id="{B36A80E0-6C7C-4E44-8FFB-72845EDF7FFF}" type="datetimeFigureOut">
               <a:rPr lang="en-US" smtClean="0"/>
-              <a:t>3/1/2020</a:t>
+              <a:t>3/3/2020</a:t>
             </a:fld>
             <a:endParaRPr lang="en-US"/>
           </a:p>
@@ -5695,7 +5703,7 @@
           <a:p>
             <a:fld id="{B36A80E0-6C7C-4E44-8FFB-72845EDF7FFF}" type="datetimeFigureOut">
               <a:rPr lang="en-US" smtClean="0"/>
-              <a:t>3/1/2020</a:t>
+              <a:t>3/3/2020</a:t>
             </a:fld>
             <a:endParaRPr lang="en-US"/>
           </a:p>
@@ -6049,7 +6057,7 @@
           <a:p>
             <a:fld id="{B36A80E0-6C7C-4E44-8FFB-72845EDF7FFF}" type="datetimeFigureOut">
               <a:rPr lang="en-US" smtClean="0"/>
-              <a:t>3/1/2020</a:t>
+              <a:t>3/3/2020</a:t>
             </a:fld>
             <a:endParaRPr lang="en-US"/>
           </a:p>
@@ -6431,7 +6439,7 @@
           <a:p>
             <a:fld id="{B36A80E0-6C7C-4E44-8FFB-72845EDF7FFF}" type="datetimeFigureOut">
               <a:rPr lang="en-US" smtClean="0"/>
-              <a:t>3/1/2020</a:t>
+              <a:t>3/3/2020</a:t>
             </a:fld>
             <a:endParaRPr lang="en-US"/>
           </a:p>
@@ -6718,7 +6726,7 @@
           <a:p>
             <a:fld id="{B36A80E0-6C7C-4E44-8FFB-72845EDF7FFF}" type="datetimeFigureOut">
               <a:rPr lang="en-US" smtClean="0"/>
-              <a:t>3/1/2020</a:t>
+              <a:t>3/3/2020</a:t>
             </a:fld>
             <a:endParaRPr lang="en-US"/>
           </a:p>
@@ -7393,7 +7401,7 @@
           <a:p>
             <a:fld id="{B36A80E0-6C7C-4E44-8FFB-72845EDF7FFF}" type="datetimeFigureOut">
               <a:rPr lang="en-US" smtClean="0"/>
-              <a:t>3/1/2020</a:t>
+              <a:t>3/3/2020</a:t>
             </a:fld>
             <a:endParaRPr lang="en-US"/>
           </a:p>
@@ -7907,7 +7915,7 @@
           <a:p>
             <a:r>
               <a:rPr lang="en-US" dirty="0"/>
-              <a:t>Clean architecture</a:t>
+              <a:t>Clean Architecture</a:t>
             </a:r>
             <a:br>
               <a:rPr lang="en-US" dirty="0"/>
@@ -8363,7 +8371,7 @@
             </a:pPr>
             <a:r>
               <a:rPr lang="en-US" sz="2800" dirty="0"/>
-              <a:t> Testable. </a:t>
+              <a:t> Independent of UI. </a:t>
             </a:r>
           </a:p>
           <a:p>
@@ -8373,7 +8381,7 @@
             </a:pPr>
             <a:r>
               <a:rPr lang="en-US" sz="2800" dirty="0"/>
-              <a:t> Independent of UI. </a:t>
+              <a:t> Independent of Database.</a:t>
             </a:r>
           </a:p>
           <a:p>
@@ -8383,7 +8391,7 @@
             </a:pPr>
             <a:r>
               <a:rPr lang="en-US" sz="2800" dirty="0"/>
-              <a:t> Independent of Database.</a:t>
+              <a:t> Independent of any external agencies.</a:t>
             </a:r>
           </a:p>
           <a:p>
@@ -8393,7 +8401,7 @@
             </a:pPr>
             <a:r>
               <a:rPr lang="en-US" sz="2800" dirty="0"/>
-              <a:t> Independent of any external agencies.</a:t>
+              <a:t> Testable. </a:t>
             </a:r>
           </a:p>
         </p:txBody>
@@ -13222,16 +13230,6 @@
             </a:pPr>
             <a:r>
               <a:rPr lang="en-US" sz="2800" dirty="0"/>
-              <a:t> Mongo configuration</a:t>
-            </a:r>
-          </a:p>
-          <a:p>
-            <a:pPr>
-              <a:buFont typeface="Wingdings" panose="05000000000000000000" pitchFamily="2" charset="2"/>
-              <a:buChar char="Ø"/>
-            </a:pPr>
-            <a:r>
-              <a:rPr lang="en-US" sz="2800" dirty="0"/>
               <a:t> </a:t>
             </a:r>
             <a:r>
@@ -13240,13 +13238,20 @@
             </a:r>
             <a:r>
               <a:rPr lang="en-US" sz="2800" dirty="0"/>
-              <a:t> core entity configuration</a:t>
-            </a:r>
-          </a:p>
-          <a:p>
-            <a:pPr>
-              <a:buFont typeface="Wingdings" panose="05000000000000000000" pitchFamily="2" charset="2"/>
-              <a:buChar char="Ø"/>
+              <a:t> core </a:t>
+            </a:r>
+            <a:r>
+              <a:rPr lang="en-US" sz="2800" dirty="0" err="1"/>
+              <a:t>AppDbContext</a:t>
+            </a:r>
+            <a:r>
+              <a:rPr lang="en-US" sz="2800" dirty="0"/>
+              <a:t>, migration and entity configuration</a:t>
+            </a:r>
+          </a:p>
+          <a:p>
+            <a:pPr marL="0" indent="0">
+              <a:buNone/>
             </a:pPr>
             <a:endParaRPr lang="en-US" sz="2800" dirty="0"/>
           </a:p>
@@ -13305,7 +13310,7 @@
                 <a16:creationId xmlns:a16="http://schemas.microsoft.com/office/drawing/2014/main" id="{52ABB703-2B0E-4C3B-B4A2-F3973548E561}"/>
               </a:ext>
               <a:ext uri="{C183D7F6-B498-43B3-948B-1728B52AA6E4}">
-                <adec:decorative xmlns:adec="http://schemas.microsoft.com/office/drawing/2017/decorative" val="1"/>
+                <adec:decorative xmlns:adec="http://schemas.microsoft.com/office/drawing/2017/decorative" xmlns="" val="1"/>
               </a:ext>
             </a:extLst>
           </p:cNvPr>
@@ -13447,7 +13452,7 @@
                 <a16:creationId xmlns:a16="http://schemas.microsoft.com/office/drawing/2014/main" id="{9C21570E-E159-49A6-9891-FA397B7A92D3}"/>
               </a:ext>
               <a:ext uri="{C183D7F6-B498-43B3-948B-1728B52AA6E4}">
-                <adec:decorative xmlns:adec="http://schemas.microsoft.com/office/drawing/2017/decorative" val="1"/>
+                <adec:decorative xmlns:adec="http://schemas.microsoft.com/office/drawing/2017/decorative" xmlns="" val="1"/>
               </a:ext>
             </a:extLst>
           </p:cNvPr>
@@ -13568,7 +13573,7 @@
                 <a16:creationId xmlns:a16="http://schemas.microsoft.com/office/drawing/2014/main" id="{E95DA498-D9A2-4DA9-B9DA-B3776E08CF7E}"/>
               </a:ext>
               <a:ext uri="{C183D7F6-B498-43B3-948B-1728B52AA6E4}">
-                <adec:decorative xmlns:adec="http://schemas.microsoft.com/office/drawing/2017/decorative" val="1"/>
+                <adec:decorative xmlns:adec="http://schemas.microsoft.com/office/drawing/2017/decorative" xmlns="" val="1"/>
               </a:ext>
             </a:extLst>
           </p:cNvPr>
@@ -13623,7 +13628,7 @@
                 <a16:creationId xmlns:a16="http://schemas.microsoft.com/office/drawing/2014/main" id="{82A73093-4B9D-420D-B17E-52293703A1D4}"/>
               </a:ext>
               <a:ext uri="{C183D7F6-B498-43B3-948B-1728B52AA6E4}">
-                <adec:decorative xmlns:adec="http://schemas.microsoft.com/office/drawing/2017/decorative" val="1"/>
+                <adec:decorative xmlns:adec="http://schemas.microsoft.com/office/drawing/2017/decorative" xmlns="" val="1"/>
               </a:ext>
             </a:extLst>
           </p:cNvPr>
@@ -13798,6 +13803,10 @@
               <a:buChar char="Ø"/>
             </a:pPr>
             <a:r>
+              <a:rPr lang="en-US" sz="2800" dirty="0"/>
+              <a:t> </a:t>
+            </a:r>
+            <a:r>
               <a:rPr lang="en-US" sz="2800" dirty="0" err="1"/>
               <a:t>Ef</a:t>
             </a:r>
@@ -13821,7 +13830,7 @@
             </a:pPr>
             <a:r>
               <a:rPr lang="en-US" sz="2800" dirty="0"/>
-              <a:t>Unless, you have a very specific reason to do so…</a:t>
+              <a:t> Unless, you have a very specific reason to do so…</a:t>
             </a:r>
           </a:p>
         </p:txBody>
@@ -13861,7 +13870,7 @@
           <p:cNvPr id="2" name="Title 1">
             <a:extLst>
               <a:ext uri="{FF2B5EF4-FFF2-40B4-BE49-F238E27FC236}">
-                <a16:creationId xmlns:a16="http://schemas.microsoft.com/office/drawing/2014/main" id="{4E9665C3-A39B-46CB-9476-38155755C811}"/>
+                <a16:creationId xmlns:a16="http://schemas.microsoft.com/office/drawing/2014/main" id="{2268227A-CD5B-4F01-B846-C7AD08D6A63E}"/>
               </a:ext>
             </a:extLst>
           </p:cNvPr>
@@ -13877,19 +13886,16 @@
           <a:bodyPr/>
           <a:lstStyle/>
           <a:p>
-            <a:r>
-              <a:rPr lang="en-US" dirty="0"/>
-              <a:t>Infrastructure layer</a:t>
-            </a:r>
-          </a:p>
-        </p:txBody>
-      </p:sp>
-      <p:sp>
-        <p:nvSpPr>
-          <p:cNvPr id="7" name="Content Placeholder 6">
+            <a:endParaRPr lang="en-US" dirty="0"/>
+          </a:p>
+        </p:txBody>
+      </p:sp>
+      <p:sp>
+        <p:nvSpPr>
+          <p:cNvPr id="3" name="Content Placeholder 2">
             <a:extLst>
               <a:ext uri="{FF2B5EF4-FFF2-40B4-BE49-F238E27FC236}">
-                <a16:creationId xmlns:a16="http://schemas.microsoft.com/office/drawing/2014/main" id="{A101F740-C1A8-4E3F-96D8-B8C61571713A}"/>
+                <a16:creationId xmlns:a16="http://schemas.microsoft.com/office/drawing/2014/main" id="{77FEBA99-FFB7-4F6A-86FE-6E12674F57D5}"/>
               </a:ext>
             </a:extLst>
           </p:cNvPr>
@@ -13900,46 +13906,12 @@
             <p:ph idx="1"/>
           </p:nvPr>
         </p:nvSpPr>
-        <p:spPr>
-          <a:xfrm>
-            <a:off x="1097280" y="2030032"/>
-            <a:ext cx="10058400" cy="4023360"/>
-          </a:xfrm>
-        </p:spPr>
+        <p:spPr/>
         <p:txBody>
           <a:bodyPr>
             <a:normAutofit/>
           </a:bodyPr>
           <a:lstStyle/>
-          <a:p>
-            <a:pPr>
-              <a:buFont typeface="Wingdings" panose="05000000000000000000" pitchFamily="2" charset="2"/>
-              <a:buChar char="Ø"/>
-            </a:pPr>
-            <a:r>
-              <a:rPr lang="en-US" sz="2800" dirty="0" err="1"/>
-              <a:t>IdentityDbContext</a:t>
-            </a:r>
-            <a:endParaRPr lang="en-US" sz="2800" dirty="0"/>
-          </a:p>
-          <a:p>
-            <a:pPr>
-              <a:buFont typeface="Wingdings" panose="05000000000000000000" pitchFamily="2" charset="2"/>
-              <a:buChar char="Ø"/>
-            </a:pPr>
-            <a:r>
-              <a:rPr lang="en-US" sz="2800" dirty="0"/>
-              <a:t>Any cross-cutting concerns (e.g. storing, uploading photo using </a:t>
-            </a:r>
-            <a:r>
-              <a:rPr lang="en-US" sz="2800" dirty="0" err="1"/>
-              <a:t>Cloudinary</a:t>
-            </a:r>
-            <a:r>
-              <a:rPr lang="en-US" sz="2800" dirty="0"/>
-              <a:t>)</a:t>
-            </a:r>
-          </a:p>
           <a:p>
             <a:pPr>
               <a:buFont typeface="Wingdings" panose="05000000000000000000" pitchFamily="2" charset="2"/>
@@ -13947,19 +13919,42 @@
             </a:pPr>
             <a:endParaRPr lang="en-US" sz="2800" dirty="0"/>
           </a:p>
-          <a:p>
-            <a:pPr>
-              <a:buFont typeface="Wingdings" panose="05000000000000000000" pitchFamily="2" charset="2"/>
-              <a:buChar char="Ø"/>
-            </a:pPr>
-            <a:endParaRPr lang="en-US" sz="2800" dirty="0"/>
-          </a:p>
-        </p:txBody>
-      </p:sp>
+        </p:txBody>
+      </p:sp>
+      <p:pic>
+        <p:nvPicPr>
+          <p:cNvPr id="4" name="Picture 3">
+            <a:extLst>
+              <a:ext uri="{FF2B5EF4-FFF2-40B4-BE49-F238E27FC236}">
+                <a16:creationId xmlns:a16="http://schemas.microsoft.com/office/drawing/2014/main" id="{915EF01D-A2E2-4E31-9DE9-FE6BDB20228E}"/>
+              </a:ext>
+            </a:extLst>
+          </p:cNvPr>
+          <p:cNvPicPr>
+            <a:picLocks noChangeAspect="1"/>
+          </p:cNvPicPr>
+          <p:nvPr/>
+        </p:nvPicPr>
+        <p:blipFill>
+          <a:blip r:embed="rId2"/>
+          <a:stretch>
+            <a:fillRect/>
+          </a:stretch>
+        </p:blipFill>
+        <p:spPr>
+          <a:xfrm>
+            <a:off x="0" y="286602"/>
+            <a:ext cx="12149222" cy="4793397"/>
+          </a:xfrm>
+          <a:prstGeom prst="rect">
+            <a:avLst/>
+          </a:prstGeom>
+        </p:spPr>
+      </p:pic>
     </p:spTree>
     <p:extLst>
       <p:ext uri="{BB962C8B-B14F-4D97-AF65-F5344CB8AC3E}">
-        <p14:creationId xmlns:p14="http://schemas.microsoft.com/office/powerpoint/2010/main" val="4178838148"/>
+        <p14:creationId xmlns:p14="http://schemas.microsoft.com/office/powerpoint/2010/main" val="1455998413"/>
       </p:ext>
     </p:extLst>
   </p:cSld>
@@ -14008,12 +14003,8 @@
           <a:lstStyle/>
           <a:p>
             <a:r>
-              <a:rPr lang="en-US" dirty="0" err="1"/>
-              <a:t>WebApi</a:t>
-            </a:r>
-            <a:r>
               <a:rPr lang="en-US" dirty="0"/>
-              <a:t> layer</a:t>
+              <a:t>Infrastructure layer</a:t>
             </a:r>
           </a:p>
         </p:txBody>
@@ -14051,8 +14042,12 @@
               <a:buChar char="Ø"/>
             </a:pPr>
             <a:r>
+              <a:rPr lang="en-US" sz="2800" dirty="0" err="1"/>
+              <a:t>IdentityDbContext</a:t>
+            </a:r>
+            <a:r>
               <a:rPr lang="en-US" sz="2800" dirty="0"/>
-              <a:t> Controllers</a:t>
+              <a:t>, migration, token handler, etc.</a:t>
             </a:r>
           </a:p>
           <a:p>
@@ -14062,27 +14057,15 @@
             </a:pPr>
             <a:r>
               <a:rPr lang="en-US" sz="2800" dirty="0"/>
-              <a:t> Dependency injection</a:t>
-            </a:r>
-          </a:p>
-          <a:p>
-            <a:pPr>
-              <a:buFont typeface="Wingdings" panose="05000000000000000000" pitchFamily="2" charset="2"/>
-              <a:buChar char="Ø"/>
-            </a:pPr>
+              <a:t>Any cross-cutting concerns (e.g. storing, uploading photo using </a:t>
+            </a:r>
+            <a:r>
+              <a:rPr lang="en-US" sz="2800" dirty="0" err="1"/>
+              <a:t>Cloudinary</a:t>
+            </a:r>
             <a:r>
               <a:rPr lang="en-US" sz="2800" dirty="0"/>
-              <a:t> Exception middleware</a:t>
-            </a:r>
-          </a:p>
-          <a:p>
-            <a:pPr>
-              <a:buFont typeface="Wingdings" panose="05000000000000000000" pitchFamily="2" charset="2"/>
-              <a:buChar char="Ø"/>
-            </a:pPr>
-            <a:r>
-              <a:rPr lang="en-US" sz="2800" dirty="0"/>
-              <a:t> Presenters</a:t>
+              <a:t>)</a:t>
             </a:r>
           </a:p>
           <a:p>
@@ -14104,7 +14087,7 @@
     </p:spTree>
     <p:extLst>
       <p:ext uri="{BB962C8B-B14F-4D97-AF65-F5344CB8AC3E}">
-        <p14:creationId xmlns:p14="http://schemas.microsoft.com/office/powerpoint/2010/main" val="188268413"/>
+        <p14:creationId xmlns:p14="http://schemas.microsoft.com/office/powerpoint/2010/main" val="4178838148"/>
       </p:ext>
     </p:extLst>
   </p:cSld>
@@ -14367,6 +14350,14 @@
 <file path=ppt/slides/slide30.xml><?xml version="1.0" encoding="utf-8"?>
 <p:sld xmlns:a="http://schemas.openxmlformats.org/drawingml/2006/main" xmlns:r="http://schemas.openxmlformats.org/officeDocument/2006/relationships" xmlns:p="http://schemas.openxmlformats.org/presentationml/2006/main">
   <p:cSld>
+    <p:bg>
+      <p:bgPr>
+        <a:solidFill>
+          <a:schemeClr val="bg1"/>
+        </a:solidFill>
+        <a:effectLst/>
+      </p:bgPr>
+    </p:bg>
     <p:spTree>
       <p:nvGrpSpPr>
         <p:cNvPr id="1" name=""/>
@@ -14383,132 +14374,496 @@
       </p:grpSpPr>
       <p:sp>
         <p:nvSpPr>
-          <p:cNvPr id="2" name="Title 1">
+          <p:cNvPr id="22" name="Rectangle 7">
             <a:extLst>
               <a:ext uri="{FF2B5EF4-FFF2-40B4-BE49-F238E27FC236}">
-                <a16:creationId xmlns:a16="http://schemas.microsoft.com/office/drawing/2014/main" id="{4E9665C3-A39B-46CB-9476-38155755C811}"/>
+                <a16:creationId xmlns:a16="http://schemas.microsoft.com/office/drawing/2014/main" id="{4E4490D0-3672-446A-AC12-B4830333BDDD}"/>
+              </a:ext>
+              <a:ext uri="{C183D7F6-B498-43B3-948B-1728B52AA6E4}">
+                <adec:decorative xmlns:adec="http://schemas.microsoft.com/office/drawing/2017/decorative" xmlns="" val="1"/>
               </a:ext>
             </a:extLst>
           </p:cNvPr>
           <p:cNvSpPr>
-            <a:spLocks noGrp="1"/>
-          </p:cNvSpPr>
-          <p:nvPr>
-            <p:ph type="title"/>
-          </p:nvPr>
-        </p:nvSpPr>
-        <p:spPr/>
-        <p:txBody>
-          <a:bodyPr/>
-          <a:lstStyle/>
-          <a:p>
-            <a:r>
-              <a:rPr lang="en-US" dirty="0" err="1"/>
-              <a:t>WebApi</a:t>
-            </a:r>
-            <a:r>
-              <a:rPr lang="en-US" dirty="0"/>
-              <a:t> layer</a:t>
-            </a:r>
-          </a:p>
-        </p:txBody>
-      </p:sp>
-      <p:sp>
-        <p:nvSpPr>
-          <p:cNvPr id="7" name="Content Placeholder 6">
-            <a:extLst>
-              <a:ext uri="{FF2B5EF4-FFF2-40B4-BE49-F238E27FC236}">
-                <a16:creationId xmlns:a16="http://schemas.microsoft.com/office/drawing/2014/main" id="{A101F740-C1A8-4E3F-96D8-B8C61571713A}"/>
-              </a:ext>
-            </a:extLst>
-          </p:cNvPr>
-          <p:cNvSpPr>
-            <a:spLocks noGrp="1"/>
-          </p:cNvSpPr>
-          <p:nvPr>
-            <p:ph idx="1"/>
+            <a:spLocks noGrp="1" noRot="1" noChangeAspect="1" noMove="1" noResize="1" noEditPoints="1" noAdjustHandles="1" noChangeArrowheads="1" noChangeShapeType="1" noTextEdit="1"/>
+          </p:cNvSpPr>
+          <p:nvPr>
+            <p:extLst>
+              <p:ext uri="{386F3935-93C4-4BCD-93E2-E3B085C9AB24}">
+                <p16:designElem xmlns:p16="http://schemas.microsoft.com/office/powerpoint/2015/main" val="1"/>
+              </p:ext>
+            </p:extLst>
           </p:nvPr>
         </p:nvSpPr>
         <p:spPr>
           <a:xfrm>
-            <a:off x="1097280" y="2030032"/>
-            <a:ext cx="10058400" cy="4023360"/>
+            <a:off x="3175" y="6400800"/>
+            <a:ext cx="12188825" cy="457200"/>
           </a:xfrm>
+          <a:prstGeom prst="rect">
+            <a:avLst/>
+          </a:prstGeom>
+          <a:solidFill>
+            <a:schemeClr val="accent2"/>
+          </a:solidFill>
+          <a:ln>
+            <a:noFill/>
+          </a:ln>
         </p:spPr>
-        <p:txBody>
-          <a:bodyPr>
+        <p:style>
+          <a:lnRef idx="2">
+            <a:schemeClr val="accent1">
+              <a:shade val="50000"/>
+            </a:schemeClr>
+          </a:lnRef>
+          <a:fillRef idx="1">
+            <a:schemeClr val="accent1"/>
+          </a:fillRef>
+          <a:effectRef idx="0">
+            <a:schemeClr val="accent1"/>
+          </a:effectRef>
+          <a:fontRef idx="minor">
+            <a:schemeClr val="lt1"/>
+          </a:fontRef>
+        </p:style>
+      </p:sp>
+      <p:sp>
+        <p:nvSpPr>
+          <p:cNvPr id="23" name="Rectangle 9">
+            <a:extLst>
+              <a:ext uri="{FF2B5EF4-FFF2-40B4-BE49-F238E27FC236}">
+                <a16:creationId xmlns:a16="http://schemas.microsoft.com/office/drawing/2014/main" id="{39CB82C2-DF65-4EC1-8280-F201D50F570B}"/>
+              </a:ext>
+              <a:ext uri="{C183D7F6-B498-43B3-948B-1728B52AA6E4}">
+                <adec:decorative xmlns:adec="http://schemas.microsoft.com/office/drawing/2017/decorative" xmlns="" val="1"/>
+              </a:ext>
+            </a:extLst>
+          </p:cNvPr>
+          <p:cNvSpPr>
+            <a:spLocks noGrp="1" noRot="1" noChangeAspect="1" noMove="1" noResize="1" noEditPoints="1" noAdjustHandles="1" noChangeArrowheads="1" noChangeShapeType="1" noTextEdit="1"/>
+          </p:cNvSpPr>
+          <p:nvPr>
+            <p:extLst>
+              <p:ext uri="{386F3935-93C4-4BCD-93E2-E3B085C9AB24}">
+                <p16:designElem xmlns:p16="http://schemas.microsoft.com/office/powerpoint/2015/main" val="1"/>
+              </p:ext>
+            </p:extLst>
+          </p:nvPr>
+        </p:nvSpPr>
+        <p:spPr>
+          <a:xfrm>
+            <a:off x="15" y="6334316"/>
+            <a:ext cx="12188825" cy="64008"/>
+          </a:xfrm>
+          <a:prstGeom prst="rect">
+            <a:avLst/>
+          </a:prstGeom>
+          <a:solidFill>
+            <a:schemeClr val="accent1"/>
+          </a:solidFill>
+          <a:ln>
+            <a:noFill/>
+          </a:ln>
+        </p:spPr>
+        <p:style>
+          <a:lnRef idx="2">
+            <a:schemeClr val="accent1">
+              <a:shade val="50000"/>
+            </a:schemeClr>
+          </a:lnRef>
+          <a:fillRef idx="1">
+            <a:schemeClr val="accent1"/>
+          </a:fillRef>
+          <a:effectRef idx="0">
+            <a:schemeClr val="accent1"/>
+          </a:effectRef>
+          <a:fontRef idx="minor">
+            <a:schemeClr val="lt1"/>
+          </a:fontRef>
+        </p:style>
+      </p:sp>
+      <p:cxnSp>
+        <p:nvCxnSpPr>
+          <p:cNvPr id="24" name="Straight Connector 11">
+            <a:extLst>
+              <a:ext uri="{FF2B5EF4-FFF2-40B4-BE49-F238E27FC236}">
+                <a16:creationId xmlns:a16="http://schemas.microsoft.com/office/drawing/2014/main" id="{7E1D4427-852B-4B37-8E76-0E9F1810BA2A}"/>
+              </a:ext>
+              <a:ext uri="{C183D7F6-B498-43B3-948B-1728B52AA6E4}">
+                <adec:decorative xmlns:adec="http://schemas.microsoft.com/office/drawing/2017/decorative" xmlns="" val="1"/>
+              </a:ext>
+            </a:extLst>
+          </p:cNvPr>
+          <p:cNvCxnSpPr>
+            <a:cxnSpLocks noGrp="1" noRot="1" noChangeAspect="1" noMove="1" noResize="1" noEditPoints="1" noAdjustHandles="1" noChangeArrowheads="1" noChangeShapeType="1"/>
+          </p:cNvCxnSpPr>
+          <p:nvPr>
+            <p:extLst>
+              <p:ext uri="{386F3935-93C4-4BCD-93E2-E3B085C9AB24}">
+                <p16:designElem xmlns:p16="http://schemas.microsoft.com/office/powerpoint/2015/main" val="1"/>
+              </p:ext>
+            </p:extLst>
+          </p:nvPr>
+        </p:nvCxnSpPr>
+        <p:spPr>
+          <a:xfrm>
+            <a:off x="1207658" y="4343400"/>
+            <a:ext cx="9875520" cy="0"/>
+          </a:xfrm>
+          <a:prstGeom prst="line">
+            <a:avLst/>
+          </a:prstGeom>
+          <a:ln w="6350">
+            <a:solidFill>
+              <a:schemeClr val="tx1">
+                <a:lumMod val="50000"/>
+                <a:lumOff val="50000"/>
+              </a:schemeClr>
+            </a:solidFill>
+          </a:ln>
+        </p:spPr>
+        <p:style>
+          <a:lnRef idx="1">
+            <a:schemeClr val="accent1"/>
+          </a:lnRef>
+          <a:fillRef idx="0">
+            <a:schemeClr val="accent1"/>
+          </a:fillRef>
+          <a:effectRef idx="0">
+            <a:schemeClr val="accent1"/>
+          </a:effectRef>
+          <a:fontRef idx="minor">
+            <a:schemeClr val="tx1"/>
+          </a:fontRef>
+        </p:style>
+      </p:cxnSp>
+      <p:sp useBgFill="1">
+        <p:nvSpPr>
+          <p:cNvPr id="25" name="Rectangle 13">
+            <a:extLst>
+              <a:ext uri="{FF2B5EF4-FFF2-40B4-BE49-F238E27FC236}">
+                <a16:creationId xmlns:a16="http://schemas.microsoft.com/office/drawing/2014/main" id="{FA4CD5CB-D209-4D70-8CA4-629731C59219}"/>
+              </a:ext>
+              <a:ext uri="{C183D7F6-B498-43B3-948B-1728B52AA6E4}">
+                <adec:decorative xmlns:adec="http://schemas.microsoft.com/office/drawing/2017/decorative" xmlns="" val="1"/>
+              </a:ext>
+            </a:extLst>
+          </p:cNvPr>
+          <p:cNvSpPr>
+            <a:spLocks noGrp="1" noRot="1" noChangeAspect="1" noMove="1" noResize="1" noEditPoints="1" noAdjustHandles="1" noChangeArrowheads="1" noChangeShapeType="1" noTextEdit="1"/>
+          </p:cNvSpPr>
+          <p:nvPr>
+            <p:extLst>
+              <p:ext uri="{386F3935-93C4-4BCD-93E2-E3B085C9AB24}">
+                <p16:designElem xmlns:p16="http://schemas.microsoft.com/office/powerpoint/2015/main" val="1"/>
+              </p:ext>
+            </p:extLst>
+          </p:nvPr>
+        </p:nvSpPr>
+        <p:spPr>
+          <a:xfrm>
+            <a:off x="0" y="0"/>
+            <a:ext cx="12192001" cy="6334316"/>
+          </a:xfrm>
+          <a:prstGeom prst="rect">
+            <a:avLst/>
+          </a:prstGeom>
+          <a:ln>
+            <a:noFill/>
+          </a:ln>
+        </p:spPr>
+        <p:style>
+          <a:lnRef idx="2">
+            <a:schemeClr val="accent1">
+              <a:shade val="50000"/>
+            </a:schemeClr>
+          </a:lnRef>
+          <a:fillRef idx="1">
+            <a:schemeClr val="accent1"/>
+          </a:fillRef>
+          <a:effectRef idx="0">
+            <a:schemeClr val="accent1"/>
+          </a:effectRef>
+          <a:fontRef idx="minor">
+            <a:schemeClr val="lt1"/>
+          </a:fontRef>
+        </p:style>
+        <p:txBody>
+          <a:bodyPr rtlCol="0" anchor="ctr"/>
+          <a:lstStyle/>
+          <a:p>
+            <a:pPr algn="ctr"/>
+            <a:endParaRPr lang="en-US"/>
+          </a:p>
+        </p:txBody>
+      </p:sp>
+      <p:sp>
+        <p:nvSpPr>
+          <p:cNvPr id="3" name="Title 1">
+            <a:extLst>
+              <a:ext uri="{FF2B5EF4-FFF2-40B4-BE49-F238E27FC236}">
+                <a16:creationId xmlns:a16="http://schemas.microsoft.com/office/drawing/2014/main" id="{B7064455-BD24-4D1B-8411-52C649007895}"/>
+              </a:ext>
+            </a:extLst>
+          </p:cNvPr>
+          <p:cNvSpPr txBox="1">
+            <a:spLocks/>
+          </p:cNvSpPr>
+          <p:nvPr/>
+        </p:nvSpPr>
+        <p:spPr>
+          <a:xfrm>
+            <a:off x="8141110" y="639097"/>
+            <a:ext cx="3401961" cy="3686015"/>
+          </a:xfrm>
+          <a:prstGeom prst="rect">
+            <a:avLst/>
+          </a:prstGeom>
+        </p:spPr>
+        <p:txBody>
+          <a:bodyPr vert="horz" lIns="91440" tIns="45720" rIns="91440" bIns="45720" rtlCol="0" anchor="b">
             <a:normAutofit/>
           </a:bodyPr>
-          <a:lstStyle/>
+          <a:lstStyle>
+            <a:lvl1pPr algn="l" defTabSz="914400" rtl="0" eaLnBrk="1" latinLnBrk="0" hangingPunct="1">
+              <a:lnSpc>
+                <a:spcPct val="85000"/>
+              </a:lnSpc>
+              <a:spcBef>
+                <a:spcPct val="0"/>
+              </a:spcBef>
+              <a:buNone/>
+              <a:defRPr sz="4800" kern="1200" spc="-50" baseline="0">
+                <a:solidFill>
+                  <a:schemeClr val="tx1">
+                    <a:lumMod val="75000"/>
+                    <a:lumOff val="25000"/>
+                  </a:schemeClr>
+                </a:solidFill>
+                <a:latin typeface="+mj-lt"/>
+                <a:ea typeface="+mj-ea"/>
+                <a:cs typeface="+mj-cs"/>
+              </a:defRPr>
+            </a:lvl1pPr>
+          </a:lstStyle>
           <a:p>
             <a:pPr>
-              <a:buFont typeface="Wingdings" panose="05000000000000000000" pitchFamily="2" charset="2"/>
-              <a:buChar char="Ø"/>
+              <a:spcAft>
+                <a:spcPts val="600"/>
+              </a:spcAft>
             </a:pPr>
             <a:r>
-              <a:rPr lang="en-US" sz="2800" dirty="0"/>
-              <a:t> Presenters</a:t>
-            </a:r>
-          </a:p>
-          <a:p>
-            <a:pPr>
-              <a:buFont typeface="Wingdings" panose="05000000000000000000" pitchFamily="2" charset="2"/>
-              <a:buChar char="Ø"/>
-            </a:pPr>
-            <a:r>
-              <a:rPr lang="en-US" sz="2800" dirty="0"/>
-              <a:t> Controllers</a:t>
-            </a:r>
-          </a:p>
-          <a:p>
-            <a:pPr>
-              <a:buFont typeface="Wingdings" panose="05000000000000000000" pitchFamily="2" charset="2"/>
-              <a:buChar char="Ø"/>
-            </a:pPr>
-            <a:r>
-              <a:rPr lang="en-US" sz="2800" dirty="0"/>
-              <a:t> Dependency injection</a:t>
-            </a:r>
-          </a:p>
-          <a:p>
-            <a:pPr>
-              <a:buFont typeface="Wingdings" panose="05000000000000000000" pitchFamily="2" charset="2"/>
-              <a:buChar char="Ø"/>
-            </a:pPr>
-            <a:r>
-              <a:rPr lang="en-US" sz="2800" dirty="0"/>
-              <a:t> Exception middleware</a:t>
-            </a:r>
-          </a:p>
-          <a:p>
-            <a:pPr>
-              <a:buFont typeface="Wingdings" panose="05000000000000000000" pitchFamily="2" charset="2"/>
-              <a:buChar char="Ø"/>
-            </a:pPr>
-            <a:r>
-              <a:rPr lang="en-US" sz="2800" dirty="0"/>
-              <a:t> Hosted services</a:t>
-            </a:r>
-          </a:p>
-          <a:p>
-            <a:pPr marL="0" indent="0">
-              <a:buNone/>
-            </a:pPr>
-            <a:endParaRPr lang="en-US" sz="2800" dirty="0"/>
-          </a:p>
-          <a:p>
-            <a:pPr>
-              <a:buFont typeface="Wingdings" panose="05000000000000000000" pitchFamily="2" charset="2"/>
-              <a:buChar char="Ø"/>
-            </a:pPr>
-            <a:endParaRPr lang="en-US" sz="2800" dirty="0"/>
-          </a:p>
-        </p:txBody>
+              <a:rPr lang="en-US" sz="5100">
+                <a:solidFill>
+                  <a:schemeClr val="tx1">
+                    <a:lumMod val="85000"/>
+                    <a:lumOff val="15000"/>
+                  </a:schemeClr>
+                </a:solidFill>
+              </a:rPr>
+              <a:t>How many jobs do this controller have to do?</a:t>
+            </a:r>
+          </a:p>
+        </p:txBody>
+      </p:sp>
+      <p:pic>
+        <p:nvPicPr>
+          <p:cNvPr id="2" name="Picture 1">
+            <a:extLst>
+              <a:ext uri="{FF2B5EF4-FFF2-40B4-BE49-F238E27FC236}">
+                <a16:creationId xmlns:a16="http://schemas.microsoft.com/office/drawing/2014/main" id="{09FCF95A-58F1-41F5-98EC-DB5B479F6686}"/>
+              </a:ext>
+            </a:extLst>
+          </p:cNvPr>
+          <p:cNvPicPr>
+            <a:picLocks noChangeAspect="1"/>
+          </p:cNvPicPr>
+          <p:nvPr/>
+        </p:nvPicPr>
+        <p:blipFill>
+          <a:blip r:embed="rId2"/>
+          <a:stretch>
+            <a:fillRect/>
+          </a:stretch>
+        </p:blipFill>
+        <p:spPr>
+          <a:xfrm>
+            <a:off x="742984" y="640081"/>
+            <a:ext cx="6694247" cy="5054156"/>
+          </a:xfrm>
+          <a:prstGeom prst="rect">
+            <a:avLst/>
+          </a:prstGeom>
+        </p:spPr>
+      </p:pic>
+      <p:cxnSp>
+        <p:nvCxnSpPr>
+          <p:cNvPr id="26" name="Straight Connector 15">
+            <a:extLst>
+              <a:ext uri="{FF2B5EF4-FFF2-40B4-BE49-F238E27FC236}">
+                <a16:creationId xmlns:a16="http://schemas.microsoft.com/office/drawing/2014/main" id="{5C6A2BAE-B461-4B55-8E1F-0722ABDD1393}"/>
+              </a:ext>
+              <a:ext uri="{C183D7F6-B498-43B3-948B-1728B52AA6E4}">
+                <adec:decorative xmlns:adec="http://schemas.microsoft.com/office/drawing/2017/decorative" xmlns="" val="1"/>
+              </a:ext>
+            </a:extLst>
+          </p:cNvPr>
+          <p:cNvCxnSpPr>
+            <a:cxnSpLocks noGrp="1" noRot="1" noChangeAspect="1" noMove="1" noResize="1" noEditPoints="1" noAdjustHandles="1" noChangeArrowheads="1" noChangeShapeType="1"/>
+          </p:cNvCxnSpPr>
+          <p:nvPr>
+            <p:extLst>
+              <p:ext uri="{386F3935-93C4-4BCD-93E2-E3B085C9AB24}">
+                <p16:designElem xmlns:p16="http://schemas.microsoft.com/office/powerpoint/2015/main" val="1"/>
+              </p:ext>
+            </p:extLst>
+          </p:nvPr>
+        </p:nvCxnSpPr>
+        <p:spPr>
+          <a:xfrm>
+            <a:off x="8209305" y="4343400"/>
+            <a:ext cx="3200400" cy="0"/>
+          </a:xfrm>
+          <a:prstGeom prst="line">
+            <a:avLst/>
+          </a:prstGeom>
+          <a:ln w="6350">
+            <a:solidFill>
+              <a:schemeClr val="tx2">
+                <a:alpha val="90000"/>
+              </a:schemeClr>
+            </a:solidFill>
+          </a:ln>
+        </p:spPr>
+        <p:style>
+          <a:lnRef idx="1">
+            <a:schemeClr val="accent1"/>
+          </a:lnRef>
+          <a:fillRef idx="0">
+            <a:schemeClr val="accent1"/>
+          </a:fillRef>
+          <a:effectRef idx="0">
+            <a:schemeClr val="accent1"/>
+          </a:effectRef>
+          <a:fontRef idx="minor">
+            <a:schemeClr val="tx1"/>
+          </a:fontRef>
+        </p:style>
+      </p:cxnSp>
+      <p:sp>
+        <p:nvSpPr>
+          <p:cNvPr id="27" name="Rectangle 17">
+            <a:extLst>
+              <a:ext uri="{FF2B5EF4-FFF2-40B4-BE49-F238E27FC236}">
+                <a16:creationId xmlns:a16="http://schemas.microsoft.com/office/drawing/2014/main" id="{B4C27B90-DF2B-4D00-BA07-18ED774CD2F1}"/>
+              </a:ext>
+              <a:ext uri="{C183D7F6-B498-43B3-948B-1728B52AA6E4}">
+                <adec:decorative xmlns:adec="http://schemas.microsoft.com/office/drawing/2017/decorative" xmlns="" val="1"/>
+              </a:ext>
+            </a:extLst>
+          </p:cNvPr>
+          <p:cNvSpPr>
+            <a:spLocks noGrp="1" noRot="1" noChangeAspect="1" noMove="1" noResize="1" noEditPoints="1" noAdjustHandles="1" noChangeArrowheads="1" noChangeShapeType="1" noTextEdit="1"/>
+          </p:cNvSpPr>
+          <p:nvPr>
+            <p:extLst>
+              <p:ext uri="{386F3935-93C4-4BCD-93E2-E3B085C9AB24}">
+                <p16:designElem xmlns:p16="http://schemas.microsoft.com/office/powerpoint/2015/main" val="1"/>
+              </p:ext>
+            </p:extLst>
+          </p:nvPr>
+        </p:nvSpPr>
+        <p:spPr>
+          <a:xfrm>
+            <a:off x="15" y="6334316"/>
+            <a:ext cx="12191985" cy="66484"/>
+          </a:xfrm>
+          <a:prstGeom prst="rect">
+            <a:avLst/>
+          </a:prstGeom>
+          <a:solidFill>
+            <a:schemeClr val="accent1"/>
+          </a:solidFill>
+          <a:ln>
+            <a:noFill/>
+          </a:ln>
+        </p:spPr>
+        <p:style>
+          <a:lnRef idx="2">
+            <a:schemeClr val="accent1">
+              <a:shade val="50000"/>
+            </a:schemeClr>
+          </a:lnRef>
+          <a:fillRef idx="1">
+            <a:schemeClr val="accent1"/>
+          </a:fillRef>
+          <a:effectRef idx="0">
+            <a:schemeClr val="accent1"/>
+          </a:effectRef>
+          <a:fontRef idx="minor">
+            <a:schemeClr val="lt1"/>
+          </a:fontRef>
+        </p:style>
+      </p:sp>
+      <p:sp>
+        <p:nvSpPr>
+          <p:cNvPr id="28" name="Rectangle 19">
+            <a:extLst>
+              <a:ext uri="{FF2B5EF4-FFF2-40B4-BE49-F238E27FC236}">
+                <a16:creationId xmlns:a16="http://schemas.microsoft.com/office/drawing/2014/main" id="{593ACC25-C262-417A-8AA9-0641C772BDB6}"/>
+              </a:ext>
+              <a:ext uri="{C183D7F6-B498-43B3-948B-1728B52AA6E4}">
+                <adec:decorative xmlns:adec="http://schemas.microsoft.com/office/drawing/2017/decorative" xmlns="" val="1"/>
+              </a:ext>
+            </a:extLst>
+          </p:cNvPr>
+          <p:cNvSpPr>
+            <a:spLocks noGrp="1" noRot="1" noChangeAspect="1" noMove="1" noResize="1" noEditPoints="1" noAdjustHandles="1" noChangeArrowheads="1" noChangeShapeType="1" noTextEdit="1"/>
+          </p:cNvSpPr>
+          <p:nvPr>
+            <p:extLst>
+              <p:ext uri="{386F3935-93C4-4BCD-93E2-E3B085C9AB24}">
+                <p16:designElem xmlns:p16="http://schemas.microsoft.com/office/powerpoint/2015/main" val="1"/>
+              </p:ext>
+            </p:extLst>
+          </p:nvPr>
+        </p:nvSpPr>
+        <p:spPr>
+          <a:xfrm>
+            <a:off x="1" y="6400800"/>
+            <a:ext cx="12192000" cy="457200"/>
+          </a:xfrm>
+          <a:prstGeom prst="rect">
+            <a:avLst/>
+          </a:prstGeom>
+          <a:solidFill>
+            <a:schemeClr val="accent2"/>
+          </a:solidFill>
+          <a:ln>
+            <a:noFill/>
+          </a:ln>
+        </p:spPr>
+        <p:style>
+          <a:lnRef idx="2">
+            <a:schemeClr val="accent1">
+              <a:shade val="50000"/>
+            </a:schemeClr>
+          </a:lnRef>
+          <a:fillRef idx="1">
+            <a:schemeClr val="accent1"/>
+          </a:fillRef>
+          <a:effectRef idx="0">
+            <a:schemeClr val="accent1"/>
+          </a:effectRef>
+          <a:fontRef idx="minor">
+            <a:schemeClr val="lt1"/>
+          </a:fontRef>
+        </p:style>
       </p:sp>
     </p:spTree>
     <p:extLst>
       <p:ext uri="{BB962C8B-B14F-4D97-AF65-F5344CB8AC3E}">
-        <p14:creationId xmlns:p14="http://schemas.microsoft.com/office/powerpoint/2010/main" val="820959914"/>
+        <p14:creationId xmlns:p14="http://schemas.microsoft.com/office/powerpoint/2010/main" val="3044017068"/>
       </p:ext>
     </p:extLst>
   </p:cSld>
@@ -14545,13 +14900,13 @@
       </p:grpSpPr>
       <p:sp>
         <p:nvSpPr>
-          <p:cNvPr id="22" name="Rectangle 7">
+          <p:cNvPr id="71" name="Rectangle 70">
             <a:extLst>
               <a:ext uri="{FF2B5EF4-FFF2-40B4-BE49-F238E27FC236}">
                 <a16:creationId xmlns:a16="http://schemas.microsoft.com/office/drawing/2014/main" id="{4E4490D0-3672-446A-AC12-B4830333BDDD}"/>
               </a:ext>
               <a:ext uri="{C183D7F6-B498-43B3-948B-1728B52AA6E4}">
-                <adec:decorative xmlns:adec="http://schemas.microsoft.com/office/drawing/2017/decorative" val="1"/>
+                <adec:decorative xmlns:adec="http://schemas.microsoft.com/office/drawing/2017/decorative" xmlns="" val="1"/>
               </a:ext>
             </a:extLst>
           </p:cNvPr>
@@ -14600,13 +14955,13 @@
       </p:sp>
       <p:sp>
         <p:nvSpPr>
-          <p:cNvPr id="23" name="Rectangle 9">
+          <p:cNvPr id="73" name="Rectangle 72">
             <a:extLst>
               <a:ext uri="{FF2B5EF4-FFF2-40B4-BE49-F238E27FC236}">
                 <a16:creationId xmlns:a16="http://schemas.microsoft.com/office/drawing/2014/main" id="{39CB82C2-DF65-4EC1-8280-F201D50F570B}"/>
               </a:ext>
               <a:ext uri="{C183D7F6-B498-43B3-948B-1728B52AA6E4}">
-                <adec:decorative xmlns:adec="http://schemas.microsoft.com/office/drawing/2017/decorative" val="1"/>
+                <adec:decorative xmlns:adec="http://schemas.microsoft.com/office/drawing/2017/decorative" xmlns="" val="1"/>
               </a:ext>
             </a:extLst>
           </p:cNvPr>
@@ -14655,13 +15010,13 @@
       </p:sp>
       <p:cxnSp>
         <p:nvCxnSpPr>
-          <p:cNvPr id="24" name="Straight Connector 11">
+          <p:cNvPr id="75" name="Straight Connector 74">
             <a:extLst>
               <a:ext uri="{FF2B5EF4-FFF2-40B4-BE49-F238E27FC236}">
                 <a16:creationId xmlns:a16="http://schemas.microsoft.com/office/drawing/2014/main" id="{7E1D4427-852B-4B37-8E76-0E9F1810BA2A}"/>
               </a:ext>
               <a:ext uri="{C183D7F6-B498-43B3-948B-1728B52AA6E4}">
-                <adec:decorative xmlns:adec="http://schemas.microsoft.com/office/drawing/2017/decorative" val="1"/>
+                <adec:decorative xmlns:adec="http://schemas.microsoft.com/office/drawing/2017/decorative" xmlns="" val="1"/>
               </a:ext>
             </a:extLst>
           </p:cNvPr>
@@ -14710,13 +15065,13 @@
       </p:cxnSp>
       <p:sp useBgFill="1">
         <p:nvSpPr>
-          <p:cNvPr id="25" name="Rectangle 13">
+          <p:cNvPr id="77" name="Rectangle 76">
             <a:extLst>
               <a:ext uri="{FF2B5EF4-FFF2-40B4-BE49-F238E27FC236}">
                 <a16:creationId xmlns:a16="http://schemas.microsoft.com/office/drawing/2014/main" id="{FA4CD5CB-D209-4D70-8CA4-629731C59219}"/>
               </a:ext>
               <a:ext uri="{C183D7F6-B498-43B3-948B-1728B52AA6E4}">
-                <adec:decorative xmlns:adec="http://schemas.microsoft.com/office/drawing/2017/decorative" val="1"/>
+                <adec:decorative xmlns:adec="http://schemas.microsoft.com/office/drawing/2017/decorative" xmlns="" val="1"/>
               </a:ext>
             </a:extLst>
           </p:cNvPr>
@@ -14770,61 +15125,34 @@
       </p:sp>
       <p:sp>
         <p:nvSpPr>
-          <p:cNvPr id="3" name="Title 1">
+          <p:cNvPr id="2" name="Title 1">
             <a:extLst>
               <a:ext uri="{FF2B5EF4-FFF2-40B4-BE49-F238E27FC236}">
-                <a16:creationId xmlns:a16="http://schemas.microsoft.com/office/drawing/2014/main" id="{B7064455-BD24-4D1B-8411-52C649007895}"/>
+                <a16:creationId xmlns:a16="http://schemas.microsoft.com/office/drawing/2014/main" id="{B503C40D-F144-49C1-90C6-98EFDBFFFBE7}"/>
               </a:ext>
             </a:extLst>
           </p:cNvPr>
-          <p:cNvSpPr txBox="1">
-            <a:spLocks/>
-          </p:cNvSpPr>
-          <p:nvPr/>
+          <p:cNvSpPr>
+            <a:spLocks noGrp="1"/>
+          </p:cNvSpPr>
+          <p:nvPr>
+            <p:ph type="title"/>
+          </p:nvPr>
         </p:nvSpPr>
         <p:spPr>
           <a:xfrm>
             <a:off x="8141110" y="639097"/>
             <a:ext cx="3401961" cy="3686015"/>
           </a:xfrm>
-          <a:prstGeom prst="rect">
-            <a:avLst/>
-          </a:prstGeom>
         </p:spPr>
         <p:txBody>
           <a:bodyPr vert="horz" lIns="91440" tIns="45720" rIns="91440" bIns="45720" rtlCol="0" anchor="b">
             <a:normAutofit/>
           </a:bodyPr>
-          <a:lstStyle>
-            <a:lvl1pPr algn="l" defTabSz="914400" rtl="0" eaLnBrk="1" latinLnBrk="0" hangingPunct="1">
-              <a:lnSpc>
-                <a:spcPct val="85000"/>
-              </a:lnSpc>
-              <a:spcBef>
-                <a:spcPct val="0"/>
-              </a:spcBef>
-              <a:buNone/>
-              <a:defRPr sz="4800" kern="1200" spc="-50" baseline="0">
-                <a:solidFill>
-                  <a:schemeClr val="tx1">
-                    <a:lumMod val="75000"/>
-                    <a:lumOff val="25000"/>
-                  </a:schemeClr>
-                </a:solidFill>
-                <a:latin typeface="+mj-lt"/>
-                <a:ea typeface="+mj-ea"/>
-                <a:cs typeface="+mj-cs"/>
-              </a:defRPr>
-            </a:lvl1pPr>
-          </a:lstStyle>
-          <a:p>
-            <a:pPr>
-              <a:spcAft>
-                <a:spcPts val="600"/>
-              </a:spcAft>
-            </a:pPr>
-            <a:r>
-              <a:rPr lang="en-US" sz="5100">
+          <a:lstStyle/>
+          <a:p>
+            <a:r>
+              <a:rPr lang="en-US" sz="5600" dirty="0">
                 <a:solidFill>
                   <a:schemeClr val="tx1">
                     <a:lumMod val="85000"/>
@@ -14832,50 +15160,68 @@
                   </a:schemeClr>
                 </a:solidFill>
               </a:rPr>
-              <a:t>How many jobs do this controller have to do?</a:t>
+              <a:t>Presenter and Output port pattern</a:t>
             </a:r>
           </a:p>
         </p:txBody>
       </p:sp>
       <p:pic>
         <p:nvPicPr>
-          <p:cNvPr id="2" name="Picture 1">
+          <p:cNvPr id="9218" name="Picture 2" descr="Clean architecture">
             <a:extLst>
               <a:ext uri="{FF2B5EF4-FFF2-40B4-BE49-F238E27FC236}">
-                <a16:creationId xmlns:a16="http://schemas.microsoft.com/office/drawing/2014/main" id="{09FCF95A-58F1-41F5-98EC-DB5B479F6686}"/>
+                <a16:creationId xmlns:a16="http://schemas.microsoft.com/office/drawing/2014/main" id="{27D45AB6-76A6-4DD0-9277-8841297D2E53}"/>
               </a:ext>
             </a:extLst>
           </p:cNvPr>
           <p:cNvPicPr>
-            <a:picLocks noChangeAspect="1"/>
+            <a:picLocks noGrp="1" noChangeAspect="1" noChangeArrowheads="1"/>
           </p:cNvPicPr>
-          <p:nvPr/>
+          <p:nvPr>
+            <p:ph idx="1"/>
+          </p:nvPr>
         </p:nvPicPr>
         <p:blipFill>
-          <a:blip r:embed="rId2"/>
+          <a:blip r:embed="rId2">
+            <a:extLst>
+              <a:ext uri="{28A0092B-C50C-407E-A947-70E740481C1C}">
+                <a14:useLocalDpi xmlns:a14="http://schemas.microsoft.com/office/drawing/2010/main" val="0"/>
+              </a:ext>
+            </a:extLst>
+          </a:blip>
           <a:stretch>
             <a:fillRect/>
           </a:stretch>
         </p:blipFill>
-        <p:spPr>
+        <p:spPr bwMode="auto">
           <a:xfrm>
-            <a:off x="742984" y="640081"/>
-            <a:ext cx="6694247" cy="5054156"/>
+            <a:off x="633999" y="696042"/>
+            <a:ext cx="6912217" cy="4942234"/>
           </a:xfrm>
           <a:prstGeom prst="rect">
             <a:avLst/>
           </a:prstGeom>
+          <a:noFill/>
+          <a:extLst>
+            <a:ext uri="{909E8E84-426E-40DD-AFC4-6F175D3DCCD1}">
+              <a14:hiddenFill xmlns:a14="http://schemas.microsoft.com/office/drawing/2010/main">
+                <a:solidFill>
+                  <a:srgbClr val="FFFFFF"/>
+                </a:solidFill>
+              </a14:hiddenFill>
+            </a:ext>
+          </a:extLst>
         </p:spPr>
       </p:pic>
       <p:cxnSp>
         <p:nvCxnSpPr>
-          <p:cNvPr id="26" name="Straight Connector 15">
+          <p:cNvPr id="79" name="Straight Connector 78">
             <a:extLst>
               <a:ext uri="{FF2B5EF4-FFF2-40B4-BE49-F238E27FC236}">
                 <a16:creationId xmlns:a16="http://schemas.microsoft.com/office/drawing/2014/main" id="{5C6A2BAE-B461-4B55-8E1F-0722ABDD1393}"/>
               </a:ext>
               <a:ext uri="{C183D7F6-B498-43B3-948B-1728B52AA6E4}">
-                <adec:decorative xmlns:adec="http://schemas.microsoft.com/office/drawing/2017/decorative" val="1"/>
+                <adec:decorative xmlns:adec="http://schemas.microsoft.com/office/drawing/2017/decorative" xmlns="" val="1"/>
               </a:ext>
             </a:extLst>
           </p:cNvPr>
@@ -14923,13 +15269,13 @@
       </p:cxnSp>
       <p:sp>
         <p:nvSpPr>
-          <p:cNvPr id="27" name="Rectangle 17">
+          <p:cNvPr id="81" name="Rectangle 80">
             <a:extLst>
               <a:ext uri="{FF2B5EF4-FFF2-40B4-BE49-F238E27FC236}">
                 <a16:creationId xmlns:a16="http://schemas.microsoft.com/office/drawing/2014/main" id="{B4C27B90-DF2B-4D00-BA07-18ED774CD2F1}"/>
               </a:ext>
               <a:ext uri="{C183D7F6-B498-43B3-948B-1728B52AA6E4}">
-                <adec:decorative xmlns:adec="http://schemas.microsoft.com/office/drawing/2017/decorative" val="1"/>
+                <adec:decorative xmlns:adec="http://schemas.microsoft.com/office/drawing/2017/decorative" xmlns="" val="1"/>
               </a:ext>
             </a:extLst>
           </p:cNvPr>
@@ -14978,13 +15324,13 @@
       </p:sp>
       <p:sp>
         <p:nvSpPr>
-          <p:cNvPr id="28" name="Rectangle 19">
+          <p:cNvPr id="83" name="Rectangle 82">
             <a:extLst>
               <a:ext uri="{FF2B5EF4-FFF2-40B4-BE49-F238E27FC236}">
                 <a16:creationId xmlns:a16="http://schemas.microsoft.com/office/drawing/2014/main" id="{593ACC25-C262-417A-8AA9-0641C772BDB6}"/>
               </a:ext>
               <a:ext uri="{C183D7F6-B498-43B3-948B-1728B52AA6E4}">
-                <adec:decorative xmlns:adec="http://schemas.microsoft.com/office/drawing/2017/decorative" val="1"/>
+                <adec:decorative xmlns:adec="http://schemas.microsoft.com/office/drawing/2017/decorative" xmlns="" val="1"/>
               </a:ext>
             </a:extLst>
           </p:cNvPr>
@@ -15034,7 +15380,7 @@
     </p:spTree>
     <p:extLst>
       <p:ext uri="{BB962C8B-B14F-4D97-AF65-F5344CB8AC3E}">
-        <p14:creationId xmlns:p14="http://schemas.microsoft.com/office/powerpoint/2010/main" val="3044017068"/>
+        <p14:creationId xmlns:p14="http://schemas.microsoft.com/office/powerpoint/2010/main" val="2486986085"/>
       </p:ext>
     </p:extLst>
   </p:cSld>
@@ -15047,14 +15393,6 @@
 <file path=ppt/slides/slide32.xml><?xml version="1.0" encoding="utf-8"?>
 <p:sld xmlns:a="http://schemas.openxmlformats.org/drawingml/2006/main" xmlns:r="http://schemas.openxmlformats.org/officeDocument/2006/relationships" xmlns:p="http://schemas.openxmlformats.org/presentationml/2006/main">
   <p:cSld>
-    <p:bg>
-      <p:bgPr>
-        <a:solidFill>
-          <a:schemeClr val="bg1"/>
-        </a:solidFill>
-        <a:effectLst/>
-      </p:bgPr>
-    </p:bg>
     <p:spTree>
       <p:nvGrpSpPr>
         <p:cNvPr id="1" name=""/>
@@ -15069,288 +15407,19 @@
           <a:chExt cx="0" cy="0"/>
         </a:xfrm>
       </p:grpSpPr>
-      <p:sp>
-        <p:nvSpPr>
-          <p:cNvPr id="71" name="Rectangle 70">
-            <a:extLst>
-              <a:ext uri="{FF2B5EF4-FFF2-40B4-BE49-F238E27FC236}">
-                <a16:creationId xmlns:a16="http://schemas.microsoft.com/office/drawing/2014/main" id="{4E4490D0-3672-446A-AC12-B4830333BDDD}"/>
-              </a:ext>
-              <a:ext uri="{C183D7F6-B498-43B3-948B-1728B52AA6E4}">
-                <adec:decorative xmlns:adec="http://schemas.microsoft.com/office/drawing/2017/decorative" val="1"/>
-              </a:ext>
-            </a:extLst>
-          </p:cNvPr>
-          <p:cNvSpPr>
-            <a:spLocks noGrp="1" noRot="1" noChangeAspect="1" noMove="1" noResize="1" noEditPoints="1" noAdjustHandles="1" noChangeArrowheads="1" noChangeShapeType="1" noTextEdit="1"/>
-          </p:cNvSpPr>
-          <p:nvPr>
-            <p:extLst>
-              <p:ext uri="{386F3935-93C4-4BCD-93E2-E3B085C9AB24}">
-                <p16:designElem xmlns:p16="http://schemas.microsoft.com/office/powerpoint/2015/main" val="1"/>
-              </p:ext>
-            </p:extLst>
-          </p:nvPr>
-        </p:nvSpPr>
-        <p:spPr>
-          <a:xfrm>
-            <a:off x="3175" y="6400800"/>
-            <a:ext cx="12188825" cy="457200"/>
-          </a:xfrm>
-          <a:prstGeom prst="rect">
-            <a:avLst/>
-          </a:prstGeom>
-          <a:solidFill>
-            <a:schemeClr val="accent2"/>
-          </a:solidFill>
-          <a:ln>
-            <a:noFill/>
-          </a:ln>
-        </p:spPr>
-        <p:style>
-          <a:lnRef idx="2">
-            <a:schemeClr val="accent1">
-              <a:shade val="50000"/>
-            </a:schemeClr>
-          </a:lnRef>
-          <a:fillRef idx="1">
-            <a:schemeClr val="accent1"/>
-          </a:fillRef>
-          <a:effectRef idx="0">
-            <a:schemeClr val="accent1"/>
-          </a:effectRef>
-          <a:fontRef idx="minor">
-            <a:schemeClr val="lt1"/>
-          </a:fontRef>
-        </p:style>
-      </p:sp>
-      <p:sp>
-        <p:nvSpPr>
-          <p:cNvPr id="73" name="Rectangle 72">
-            <a:extLst>
-              <a:ext uri="{FF2B5EF4-FFF2-40B4-BE49-F238E27FC236}">
-                <a16:creationId xmlns:a16="http://schemas.microsoft.com/office/drawing/2014/main" id="{39CB82C2-DF65-4EC1-8280-F201D50F570B}"/>
-              </a:ext>
-              <a:ext uri="{C183D7F6-B498-43B3-948B-1728B52AA6E4}">
-                <adec:decorative xmlns:adec="http://schemas.microsoft.com/office/drawing/2017/decorative" val="1"/>
-              </a:ext>
-            </a:extLst>
-          </p:cNvPr>
-          <p:cNvSpPr>
-            <a:spLocks noGrp="1" noRot="1" noChangeAspect="1" noMove="1" noResize="1" noEditPoints="1" noAdjustHandles="1" noChangeArrowheads="1" noChangeShapeType="1" noTextEdit="1"/>
-          </p:cNvSpPr>
-          <p:nvPr>
-            <p:extLst>
-              <p:ext uri="{386F3935-93C4-4BCD-93E2-E3B085C9AB24}">
-                <p16:designElem xmlns:p16="http://schemas.microsoft.com/office/powerpoint/2015/main" val="1"/>
-              </p:ext>
-            </p:extLst>
-          </p:nvPr>
-        </p:nvSpPr>
-        <p:spPr>
-          <a:xfrm>
-            <a:off x="15" y="6334316"/>
-            <a:ext cx="12188825" cy="64008"/>
-          </a:xfrm>
-          <a:prstGeom prst="rect">
-            <a:avLst/>
-          </a:prstGeom>
-          <a:solidFill>
-            <a:schemeClr val="accent1"/>
-          </a:solidFill>
-          <a:ln>
-            <a:noFill/>
-          </a:ln>
-        </p:spPr>
-        <p:style>
-          <a:lnRef idx="2">
-            <a:schemeClr val="accent1">
-              <a:shade val="50000"/>
-            </a:schemeClr>
-          </a:lnRef>
-          <a:fillRef idx="1">
-            <a:schemeClr val="accent1"/>
-          </a:fillRef>
-          <a:effectRef idx="0">
-            <a:schemeClr val="accent1"/>
-          </a:effectRef>
-          <a:fontRef idx="minor">
-            <a:schemeClr val="lt1"/>
-          </a:fontRef>
-        </p:style>
-      </p:sp>
-      <p:cxnSp>
-        <p:nvCxnSpPr>
-          <p:cNvPr id="75" name="Straight Connector 74">
-            <a:extLst>
-              <a:ext uri="{FF2B5EF4-FFF2-40B4-BE49-F238E27FC236}">
-                <a16:creationId xmlns:a16="http://schemas.microsoft.com/office/drawing/2014/main" id="{7E1D4427-852B-4B37-8E76-0E9F1810BA2A}"/>
-              </a:ext>
-              <a:ext uri="{C183D7F6-B498-43B3-948B-1728B52AA6E4}">
-                <adec:decorative xmlns:adec="http://schemas.microsoft.com/office/drawing/2017/decorative" val="1"/>
-              </a:ext>
-            </a:extLst>
-          </p:cNvPr>
-          <p:cNvCxnSpPr>
-            <a:cxnSpLocks noGrp="1" noRot="1" noChangeAspect="1" noMove="1" noResize="1" noEditPoints="1" noAdjustHandles="1" noChangeArrowheads="1" noChangeShapeType="1"/>
-          </p:cNvCxnSpPr>
-          <p:nvPr>
-            <p:extLst>
-              <p:ext uri="{386F3935-93C4-4BCD-93E2-E3B085C9AB24}">
-                <p16:designElem xmlns:p16="http://schemas.microsoft.com/office/powerpoint/2015/main" val="1"/>
-              </p:ext>
-            </p:extLst>
-          </p:nvPr>
-        </p:nvCxnSpPr>
-        <p:spPr>
-          <a:xfrm>
-            <a:off x="1207658" y="4343400"/>
-            <a:ext cx="9875520" cy="0"/>
-          </a:xfrm>
-          <a:prstGeom prst="line">
-            <a:avLst/>
-          </a:prstGeom>
-          <a:ln w="6350">
-            <a:solidFill>
-              <a:schemeClr val="tx1">
-                <a:lumMod val="50000"/>
-                <a:lumOff val="50000"/>
-              </a:schemeClr>
-            </a:solidFill>
-          </a:ln>
-        </p:spPr>
-        <p:style>
-          <a:lnRef idx="1">
-            <a:schemeClr val="accent1"/>
-          </a:lnRef>
-          <a:fillRef idx="0">
-            <a:schemeClr val="accent1"/>
-          </a:fillRef>
-          <a:effectRef idx="0">
-            <a:schemeClr val="accent1"/>
-          </a:effectRef>
-          <a:fontRef idx="minor">
-            <a:schemeClr val="tx1"/>
-          </a:fontRef>
-        </p:style>
-      </p:cxnSp>
-      <p:sp useBgFill="1">
-        <p:nvSpPr>
-          <p:cNvPr id="77" name="Rectangle 76">
-            <a:extLst>
-              <a:ext uri="{FF2B5EF4-FFF2-40B4-BE49-F238E27FC236}">
-                <a16:creationId xmlns:a16="http://schemas.microsoft.com/office/drawing/2014/main" id="{FA4CD5CB-D209-4D70-8CA4-629731C59219}"/>
-              </a:ext>
-              <a:ext uri="{C183D7F6-B498-43B3-948B-1728B52AA6E4}">
-                <adec:decorative xmlns:adec="http://schemas.microsoft.com/office/drawing/2017/decorative" val="1"/>
-              </a:ext>
-            </a:extLst>
-          </p:cNvPr>
-          <p:cNvSpPr>
-            <a:spLocks noGrp="1" noRot="1" noChangeAspect="1" noMove="1" noResize="1" noEditPoints="1" noAdjustHandles="1" noChangeArrowheads="1" noChangeShapeType="1" noTextEdit="1"/>
-          </p:cNvSpPr>
-          <p:nvPr>
-            <p:extLst>
-              <p:ext uri="{386F3935-93C4-4BCD-93E2-E3B085C9AB24}">
-                <p16:designElem xmlns:p16="http://schemas.microsoft.com/office/powerpoint/2015/main" val="1"/>
-              </p:ext>
-            </p:extLst>
-          </p:nvPr>
-        </p:nvSpPr>
-        <p:spPr>
-          <a:xfrm>
-            <a:off x="0" y="0"/>
-            <a:ext cx="12192001" cy="6334316"/>
-          </a:xfrm>
-          <a:prstGeom prst="rect">
-            <a:avLst/>
-          </a:prstGeom>
-          <a:ln>
-            <a:noFill/>
-          </a:ln>
-        </p:spPr>
-        <p:style>
-          <a:lnRef idx="2">
-            <a:schemeClr val="accent1">
-              <a:shade val="50000"/>
-            </a:schemeClr>
-          </a:lnRef>
-          <a:fillRef idx="1">
-            <a:schemeClr val="accent1"/>
-          </a:fillRef>
-          <a:effectRef idx="0">
-            <a:schemeClr val="accent1"/>
-          </a:effectRef>
-          <a:fontRef idx="minor">
-            <a:schemeClr val="lt1"/>
-          </a:fontRef>
-        </p:style>
-        <p:txBody>
-          <a:bodyPr rtlCol="0" anchor="ctr"/>
-          <a:lstStyle/>
-          <a:p>
-            <a:pPr algn="ctr"/>
-            <a:endParaRPr lang="en-US"/>
-          </a:p>
-        </p:txBody>
-      </p:sp>
-      <p:sp>
-        <p:nvSpPr>
-          <p:cNvPr id="2" name="Title 1">
-            <a:extLst>
-              <a:ext uri="{FF2B5EF4-FFF2-40B4-BE49-F238E27FC236}">
-                <a16:creationId xmlns:a16="http://schemas.microsoft.com/office/drawing/2014/main" id="{B503C40D-F144-49C1-90C6-98EFDBFFFBE7}"/>
-              </a:ext>
-            </a:extLst>
-          </p:cNvPr>
-          <p:cNvSpPr>
-            <a:spLocks noGrp="1"/>
-          </p:cNvSpPr>
-          <p:nvPr>
-            <p:ph type="title"/>
-          </p:nvPr>
-        </p:nvSpPr>
-        <p:spPr>
-          <a:xfrm>
-            <a:off x="8141110" y="639097"/>
-            <a:ext cx="3401961" cy="3686015"/>
-          </a:xfrm>
-        </p:spPr>
-        <p:txBody>
-          <a:bodyPr vert="horz" lIns="91440" tIns="45720" rIns="91440" bIns="45720" rtlCol="0" anchor="b">
-            <a:normAutofit/>
-          </a:bodyPr>
-          <a:lstStyle/>
-          <a:p>
-            <a:r>
-              <a:rPr lang="en-US" sz="5600" dirty="0">
-                <a:solidFill>
-                  <a:schemeClr val="tx1">
-                    <a:lumMod val="85000"/>
-                    <a:lumOff val="15000"/>
-                  </a:schemeClr>
-                </a:solidFill>
-              </a:rPr>
-              <a:t>Presenter and Output port pattern</a:t>
-            </a:r>
-          </a:p>
-        </p:txBody>
-      </p:sp>
       <p:pic>
         <p:nvPicPr>
-          <p:cNvPr id="9218" name="Picture 2" descr="Clean architecture">
+          <p:cNvPr id="1026" name="Picture 2" descr="Kết quả hình ảnh cho uncle bob meme">
             <a:extLst>
               <a:ext uri="{FF2B5EF4-FFF2-40B4-BE49-F238E27FC236}">
-                <a16:creationId xmlns:a16="http://schemas.microsoft.com/office/drawing/2014/main" id="{27D45AB6-76A6-4DD0-9277-8841297D2E53}"/>
+                <a16:creationId xmlns:a16="http://schemas.microsoft.com/office/drawing/2014/main" id="{FEF06392-9D32-4368-99AC-20F149B209EF}"/>
               </a:ext>
             </a:extLst>
           </p:cNvPr>
           <p:cNvPicPr>
-            <a:picLocks noGrp="1" noChangeAspect="1" noChangeArrowheads="1"/>
+            <a:picLocks noChangeAspect="1" noChangeArrowheads="1"/>
           </p:cNvPicPr>
-          <p:nvPr>
-            <p:ph idx="1"/>
-          </p:nvPr>
+          <p:nvPr/>
         </p:nvPicPr>
         <p:blipFill>
           <a:blip r:embed="rId2">
@@ -15360,14 +15429,15 @@
               </a:ext>
             </a:extLst>
           </a:blip>
+          <a:srcRect/>
           <a:stretch>
             <a:fillRect/>
           </a:stretch>
         </p:blipFill>
         <p:spPr bwMode="auto">
           <a:xfrm>
-            <a:off x="633999" y="696042"/>
-            <a:ext cx="6912217" cy="4942234"/>
+            <a:off x="0" y="0"/>
+            <a:ext cx="12192000" cy="5715000"/>
           </a:xfrm>
           <a:prstGeom prst="rect">
             <a:avLst/>
@@ -15384,174 +15454,746 @@
           </a:extLst>
         </p:spPr>
       </p:pic>
-      <p:cxnSp>
-        <p:nvCxnSpPr>
-          <p:cNvPr id="79" name="Straight Connector 78">
+    </p:spTree>
+    <p:extLst>
+      <p:ext uri="{BB962C8B-B14F-4D97-AF65-F5344CB8AC3E}">
+        <p14:creationId xmlns:p14="http://schemas.microsoft.com/office/powerpoint/2010/main" val="4019089162"/>
+      </p:ext>
+    </p:extLst>
+  </p:cSld>
+  <p:clrMapOvr>
+    <a:masterClrMapping/>
+  </p:clrMapOvr>
+</p:sld>
+</file>
+
+<file path=ppt/slides/slide33.xml><?xml version="1.0" encoding="utf-8"?>
+<p:sld xmlns:a="http://schemas.openxmlformats.org/drawingml/2006/main" xmlns:r="http://schemas.openxmlformats.org/officeDocument/2006/relationships" xmlns:p="http://schemas.openxmlformats.org/presentationml/2006/main">
+  <p:cSld>
+    <p:spTree>
+      <p:nvGrpSpPr>
+        <p:cNvPr id="1" name=""/>
+        <p:cNvGrpSpPr/>
+        <p:nvPr/>
+      </p:nvGrpSpPr>
+      <p:grpSpPr>
+        <a:xfrm>
+          <a:off x="0" y="0"/>
+          <a:ext cx="0" cy="0"/>
+          <a:chOff x="0" y="0"/>
+          <a:chExt cx="0" cy="0"/>
+        </a:xfrm>
+      </p:grpSpPr>
+      <p:sp>
+        <p:nvSpPr>
+          <p:cNvPr id="2" name="Title 1">
             <a:extLst>
               <a:ext uri="{FF2B5EF4-FFF2-40B4-BE49-F238E27FC236}">
-                <a16:creationId xmlns:a16="http://schemas.microsoft.com/office/drawing/2014/main" id="{5C6A2BAE-B461-4B55-8E1F-0722ABDD1393}"/>
-              </a:ext>
-              <a:ext uri="{C183D7F6-B498-43B3-948B-1728B52AA6E4}">
-                <adec:decorative xmlns:adec="http://schemas.microsoft.com/office/drawing/2017/decorative" val="1"/>
+                <a16:creationId xmlns:a16="http://schemas.microsoft.com/office/drawing/2014/main" id="{4E9665C3-A39B-46CB-9476-38155755C811}"/>
               </a:ext>
             </a:extLst>
           </p:cNvPr>
-          <p:cNvCxnSpPr>
-            <a:cxnSpLocks noGrp="1" noRot="1" noChangeAspect="1" noMove="1" noResize="1" noEditPoints="1" noAdjustHandles="1" noChangeArrowheads="1" noChangeShapeType="1"/>
-          </p:cNvCxnSpPr>
-          <p:nvPr>
-            <p:extLst>
-              <p:ext uri="{386F3935-93C4-4BCD-93E2-E3B085C9AB24}">
-                <p16:designElem xmlns:p16="http://schemas.microsoft.com/office/powerpoint/2015/main" val="1"/>
-              </p:ext>
-            </p:extLst>
-          </p:nvPr>
-        </p:nvCxnSpPr>
+          <p:cNvSpPr>
+            <a:spLocks noGrp="1"/>
+          </p:cNvSpPr>
+          <p:nvPr>
+            <p:ph type="title"/>
+          </p:nvPr>
+        </p:nvSpPr>
+        <p:spPr/>
+        <p:txBody>
+          <a:bodyPr/>
+          <a:lstStyle/>
+          <a:p>
+            <a:r>
+              <a:rPr lang="en-US" dirty="0"/>
+              <a:t>TESTING TIME!</a:t>
+            </a:r>
+          </a:p>
+        </p:txBody>
+      </p:sp>
+      <p:sp>
+        <p:nvSpPr>
+          <p:cNvPr id="7" name="Content Placeholder 6">
+            <a:extLst>
+              <a:ext uri="{FF2B5EF4-FFF2-40B4-BE49-F238E27FC236}">
+                <a16:creationId xmlns:a16="http://schemas.microsoft.com/office/drawing/2014/main" id="{A101F740-C1A8-4E3F-96D8-B8C61571713A}"/>
+              </a:ext>
+            </a:extLst>
+          </p:cNvPr>
+          <p:cNvSpPr>
+            <a:spLocks noGrp="1"/>
+          </p:cNvSpPr>
+          <p:nvPr>
+            <p:ph idx="1"/>
+          </p:nvPr>
+        </p:nvSpPr>
         <p:spPr>
           <a:xfrm>
-            <a:off x="8209305" y="4343400"/>
-            <a:ext cx="3200400" cy="0"/>
+            <a:off x="1097280" y="2030032"/>
+            <a:ext cx="10058400" cy="814768"/>
           </a:xfrm>
-          <a:prstGeom prst="line">
-            <a:avLst/>
-          </a:prstGeom>
-          <a:ln w="6350">
-            <a:solidFill>
-              <a:schemeClr val="tx2">
-                <a:alpha val="90000"/>
-              </a:schemeClr>
-            </a:solidFill>
-          </a:ln>
         </p:spPr>
-        <p:style>
-          <a:lnRef idx="1">
-            <a:schemeClr val="accent1"/>
-          </a:lnRef>
-          <a:fillRef idx="0">
-            <a:schemeClr val="accent1"/>
-          </a:fillRef>
-          <a:effectRef idx="0">
-            <a:schemeClr val="accent1"/>
-          </a:effectRef>
-          <a:fontRef idx="minor">
-            <a:schemeClr val="tx1"/>
-          </a:fontRef>
-        </p:style>
-      </p:cxnSp>
-      <p:sp>
-        <p:nvSpPr>
-          <p:cNvPr id="81" name="Rectangle 80">
+        <p:txBody>
+          <a:bodyPr>
+            <a:normAutofit/>
+          </a:bodyPr>
+          <a:lstStyle/>
+          <a:p>
+            <a:pPr>
+              <a:buFont typeface="Wingdings" panose="05000000000000000000" pitchFamily="2" charset="2"/>
+              <a:buChar char="Ø"/>
+            </a:pPr>
+            <a:r>
+              <a:rPr lang="en-US" sz="2800" dirty="0"/>
+              <a:t> Which parts of application should I test?</a:t>
+            </a:r>
+          </a:p>
+          <a:p>
+            <a:pPr marL="0" indent="0">
+              <a:buNone/>
+            </a:pPr>
+            <a:endParaRPr lang="en-US" sz="2800" dirty="0"/>
+          </a:p>
+        </p:txBody>
+      </p:sp>
+      <p:pic>
+        <p:nvPicPr>
+          <p:cNvPr id="3" name="Picture 2">
             <a:extLst>
               <a:ext uri="{FF2B5EF4-FFF2-40B4-BE49-F238E27FC236}">
-                <a16:creationId xmlns:a16="http://schemas.microsoft.com/office/drawing/2014/main" id="{B4C27B90-DF2B-4D00-BA07-18ED774CD2F1}"/>
-              </a:ext>
-              <a:ext uri="{C183D7F6-B498-43B3-948B-1728B52AA6E4}">
-                <adec:decorative xmlns:adec="http://schemas.microsoft.com/office/drawing/2017/decorative" val="1"/>
+                <a16:creationId xmlns:a16="http://schemas.microsoft.com/office/drawing/2014/main" id="{17F6DA82-D3FA-4051-99A9-9D869EBBB06F}"/>
               </a:ext>
             </a:extLst>
           </p:cNvPr>
-          <p:cNvSpPr>
-            <a:spLocks noGrp="1" noRot="1" noChangeAspect="1" noMove="1" noResize="1" noEditPoints="1" noAdjustHandles="1" noChangeArrowheads="1" noChangeShapeType="1" noTextEdit="1"/>
-          </p:cNvSpPr>
-          <p:nvPr>
-            <p:extLst>
-              <p:ext uri="{386F3935-93C4-4BCD-93E2-E3B085C9AB24}">
-                <p16:designElem xmlns:p16="http://schemas.microsoft.com/office/powerpoint/2015/main" val="1"/>
-              </p:ext>
-            </p:extLst>
-          </p:nvPr>
-        </p:nvSpPr>
+          <p:cNvPicPr>
+            <a:picLocks noChangeAspect="1"/>
+          </p:cNvPicPr>
+          <p:nvPr/>
+        </p:nvPicPr>
+        <p:blipFill>
+          <a:blip r:embed="rId2"/>
+          <a:stretch>
+            <a:fillRect/>
+          </a:stretch>
+        </p:blipFill>
         <p:spPr>
           <a:xfrm>
-            <a:off x="15" y="6334316"/>
-            <a:ext cx="12191985" cy="66484"/>
+            <a:off x="30480" y="3040808"/>
+            <a:ext cx="12192000" cy="293783"/>
           </a:xfrm>
           <a:prstGeom prst="rect">
             <a:avLst/>
           </a:prstGeom>
-          <a:solidFill>
-            <a:schemeClr val="accent1"/>
-          </a:solidFill>
-          <a:ln>
-            <a:noFill/>
-          </a:ln>
         </p:spPr>
-        <p:style>
-          <a:lnRef idx="2">
-            <a:schemeClr val="accent1">
-              <a:shade val="50000"/>
-            </a:schemeClr>
-          </a:lnRef>
-          <a:fillRef idx="1">
-            <a:schemeClr val="accent1"/>
-          </a:fillRef>
-          <a:effectRef idx="0">
-            <a:schemeClr val="accent1"/>
-          </a:effectRef>
-          <a:fontRef idx="minor">
-            <a:schemeClr val="lt1"/>
-          </a:fontRef>
-        </p:style>
-      </p:sp>
-      <p:sp>
-        <p:nvSpPr>
-          <p:cNvPr id="83" name="Rectangle 82">
+      </p:pic>
+      <p:pic>
+        <p:nvPicPr>
+          <p:cNvPr id="4" name="Picture 3">
             <a:extLst>
               <a:ext uri="{FF2B5EF4-FFF2-40B4-BE49-F238E27FC236}">
-                <a16:creationId xmlns:a16="http://schemas.microsoft.com/office/drawing/2014/main" id="{593ACC25-C262-417A-8AA9-0641C772BDB6}"/>
-              </a:ext>
-              <a:ext uri="{C183D7F6-B498-43B3-948B-1728B52AA6E4}">
-                <adec:decorative xmlns:adec="http://schemas.microsoft.com/office/drawing/2017/decorative" val="1"/>
+                <a16:creationId xmlns:a16="http://schemas.microsoft.com/office/drawing/2014/main" id="{35B5520C-D8CA-442A-AA86-A7AE21383D1C}"/>
               </a:ext>
             </a:extLst>
           </p:cNvPr>
-          <p:cNvSpPr>
-            <a:spLocks noGrp="1" noRot="1" noChangeAspect="1" noMove="1" noResize="1" noEditPoints="1" noAdjustHandles="1" noChangeArrowheads="1" noChangeShapeType="1" noTextEdit="1"/>
-          </p:cNvSpPr>
-          <p:nvPr>
-            <p:extLst>
-              <p:ext uri="{386F3935-93C4-4BCD-93E2-E3B085C9AB24}">
-                <p16:designElem xmlns:p16="http://schemas.microsoft.com/office/powerpoint/2015/main" val="1"/>
-              </p:ext>
-            </p:extLst>
-          </p:nvPr>
-        </p:nvSpPr>
+          <p:cNvPicPr>
+            <a:picLocks noChangeAspect="1"/>
+          </p:cNvPicPr>
+          <p:nvPr/>
+        </p:nvPicPr>
+        <p:blipFill>
+          <a:blip r:embed="rId3"/>
+          <a:stretch>
+            <a:fillRect/>
+          </a:stretch>
+        </p:blipFill>
         <p:spPr>
           <a:xfrm>
-            <a:off x="1" y="6400800"/>
-            <a:ext cx="12192000" cy="457200"/>
+            <a:off x="903287" y="3887787"/>
+            <a:ext cx="9801225" cy="1266825"/>
           </a:xfrm>
           <a:prstGeom prst="rect">
             <a:avLst/>
           </a:prstGeom>
-          <a:solidFill>
-            <a:schemeClr val="accent2"/>
-          </a:solidFill>
-          <a:ln>
-            <a:noFill/>
-          </a:ln>
         </p:spPr>
-        <p:style>
-          <a:lnRef idx="2">
-            <a:schemeClr val="accent1">
-              <a:shade val="50000"/>
-            </a:schemeClr>
-          </a:lnRef>
-          <a:fillRef idx="1">
-            <a:schemeClr val="accent1"/>
-          </a:fillRef>
-          <a:effectRef idx="0">
-            <a:schemeClr val="accent1"/>
-          </a:effectRef>
-          <a:fontRef idx="minor">
-            <a:schemeClr val="lt1"/>
-          </a:fontRef>
-        </p:style>
-      </p:sp>
+      </p:pic>
     </p:spTree>
     <p:extLst>
       <p:ext uri="{BB962C8B-B14F-4D97-AF65-F5344CB8AC3E}">
-        <p14:creationId xmlns:p14="http://schemas.microsoft.com/office/powerpoint/2010/main" val="2486986085"/>
+        <p14:creationId xmlns:p14="http://schemas.microsoft.com/office/powerpoint/2010/main" val="3827911451"/>
+      </p:ext>
+    </p:extLst>
+  </p:cSld>
+  <p:clrMapOvr>
+    <a:masterClrMapping/>
+  </p:clrMapOvr>
+  <p:timing>
+    <p:tnLst>
+      <p:par>
+        <p:cTn id="1" dur="indefinite" restart="never" nodeType="tmRoot">
+          <p:childTnLst>
+            <p:seq concurrent="1" nextAc="seek">
+              <p:cTn id="2" dur="indefinite" nodeType="mainSeq">
+                <p:childTnLst>
+                  <p:par>
+                    <p:cTn id="3" fill="hold">
+                      <p:stCondLst>
+                        <p:cond delay="indefinite"/>
+                      </p:stCondLst>
+                      <p:childTnLst>
+                        <p:par>
+                          <p:cTn id="4" fill="hold">
+                            <p:stCondLst>
+                              <p:cond delay="0"/>
+                            </p:stCondLst>
+                            <p:childTnLst>
+                              <p:par>
+                                <p:cTn id="5" presetID="1" presetClass="entr" presetSubtype="0" fill="hold" grpId="0" nodeType="clickEffect">
+                                  <p:stCondLst>
+                                    <p:cond delay="0"/>
+                                  </p:stCondLst>
+                                  <p:childTnLst>
+                                    <p:set>
+                                      <p:cBhvr>
+                                        <p:cTn id="6" dur="1" fill="hold">
+                                          <p:stCondLst>
+                                            <p:cond delay="0"/>
+                                          </p:stCondLst>
+                                        </p:cTn>
+                                        <p:tgtEl>
+                                          <p:spTgt spid="7">
+                                            <p:txEl>
+                                              <p:pRg st="0" end="0"/>
+                                            </p:txEl>
+                                          </p:spTgt>
+                                        </p:tgtEl>
+                                        <p:attrNameLst>
+                                          <p:attrName>style.visibility</p:attrName>
+                                        </p:attrNameLst>
+                                      </p:cBhvr>
+                                      <p:to>
+                                        <p:strVal val="visible"/>
+                                      </p:to>
+                                    </p:set>
+                                  </p:childTnLst>
+                                </p:cTn>
+                              </p:par>
+                            </p:childTnLst>
+                          </p:cTn>
+                        </p:par>
+                      </p:childTnLst>
+                    </p:cTn>
+                  </p:par>
+                  <p:par>
+                    <p:cTn id="7" fill="hold">
+                      <p:stCondLst>
+                        <p:cond delay="indefinite"/>
+                      </p:stCondLst>
+                      <p:childTnLst>
+                        <p:par>
+                          <p:cTn id="8" fill="hold">
+                            <p:stCondLst>
+                              <p:cond delay="0"/>
+                            </p:stCondLst>
+                            <p:childTnLst>
+                              <p:par>
+                                <p:cTn id="9" presetID="1" presetClass="entr" presetSubtype="0" fill="hold" nodeType="clickEffect">
+                                  <p:stCondLst>
+                                    <p:cond delay="0"/>
+                                  </p:stCondLst>
+                                  <p:childTnLst>
+                                    <p:set>
+                                      <p:cBhvr>
+                                        <p:cTn id="10" dur="1" fill="hold">
+                                          <p:stCondLst>
+                                            <p:cond delay="0"/>
+                                          </p:stCondLst>
+                                        </p:cTn>
+                                        <p:tgtEl>
+                                          <p:spTgt spid="3"/>
+                                        </p:tgtEl>
+                                        <p:attrNameLst>
+                                          <p:attrName>style.visibility</p:attrName>
+                                        </p:attrNameLst>
+                                      </p:cBhvr>
+                                      <p:to>
+                                        <p:strVal val="visible"/>
+                                      </p:to>
+                                    </p:set>
+                                  </p:childTnLst>
+                                </p:cTn>
+                              </p:par>
+                            </p:childTnLst>
+                          </p:cTn>
+                        </p:par>
+                      </p:childTnLst>
+                    </p:cTn>
+                  </p:par>
+                  <p:par>
+                    <p:cTn id="11" fill="hold">
+                      <p:stCondLst>
+                        <p:cond delay="indefinite"/>
+                      </p:stCondLst>
+                      <p:childTnLst>
+                        <p:par>
+                          <p:cTn id="12" fill="hold">
+                            <p:stCondLst>
+                              <p:cond delay="0"/>
+                            </p:stCondLst>
+                            <p:childTnLst>
+                              <p:par>
+                                <p:cTn id="13" presetID="1" presetClass="entr" presetSubtype="0" fill="hold" nodeType="clickEffect">
+                                  <p:stCondLst>
+                                    <p:cond delay="0"/>
+                                  </p:stCondLst>
+                                  <p:childTnLst>
+                                    <p:set>
+                                      <p:cBhvr>
+                                        <p:cTn id="14" dur="1" fill="hold">
+                                          <p:stCondLst>
+                                            <p:cond delay="0"/>
+                                          </p:stCondLst>
+                                        </p:cTn>
+                                        <p:tgtEl>
+                                          <p:spTgt spid="4"/>
+                                        </p:tgtEl>
+                                        <p:attrNameLst>
+                                          <p:attrName>style.visibility</p:attrName>
+                                        </p:attrNameLst>
+                                      </p:cBhvr>
+                                      <p:to>
+                                        <p:strVal val="visible"/>
+                                      </p:to>
+                                    </p:set>
+                                  </p:childTnLst>
+                                </p:cTn>
+                              </p:par>
+                            </p:childTnLst>
+                          </p:cTn>
+                        </p:par>
+                      </p:childTnLst>
+                    </p:cTn>
+                  </p:par>
+                </p:childTnLst>
+              </p:cTn>
+              <p:prevCondLst>
+                <p:cond evt="onPrev" delay="0">
+                  <p:tgtEl>
+                    <p:sldTgt/>
+                  </p:tgtEl>
+                </p:cond>
+              </p:prevCondLst>
+              <p:nextCondLst>
+                <p:cond evt="onNext" delay="0">
+                  <p:tgtEl>
+                    <p:sldTgt/>
+                  </p:tgtEl>
+                </p:cond>
+              </p:nextCondLst>
+            </p:seq>
+          </p:childTnLst>
+        </p:cTn>
+      </p:par>
+    </p:tnLst>
+    <p:bldLst>
+      <p:bldP spid="7" grpId="0" build="p"/>
+    </p:bldLst>
+  </p:timing>
+</p:sld>
+</file>
+
+<file path=ppt/slides/slide34.xml><?xml version="1.0" encoding="utf-8"?>
+<p:sld xmlns:a="http://schemas.openxmlformats.org/drawingml/2006/main" xmlns:r="http://schemas.openxmlformats.org/officeDocument/2006/relationships" xmlns:p="http://schemas.openxmlformats.org/presentationml/2006/main">
+  <p:cSld>
+    <p:spTree>
+      <p:nvGrpSpPr>
+        <p:cNvPr id="1" name=""/>
+        <p:cNvGrpSpPr/>
+        <p:nvPr/>
+      </p:nvGrpSpPr>
+      <p:grpSpPr>
+        <a:xfrm>
+          <a:off x="0" y="0"/>
+          <a:ext cx="0" cy="0"/>
+          <a:chOff x="0" y="0"/>
+          <a:chExt cx="0" cy="0"/>
+        </a:xfrm>
+      </p:grpSpPr>
+      <p:sp>
+        <p:nvSpPr>
+          <p:cNvPr id="2" name="Title 1">
+            <a:extLst>
+              <a:ext uri="{FF2B5EF4-FFF2-40B4-BE49-F238E27FC236}">
+                <a16:creationId xmlns:a16="http://schemas.microsoft.com/office/drawing/2014/main" id="{3BD05AB8-2DB3-4182-A4F3-09AA90732A0F}"/>
+              </a:ext>
+            </a:extLst>
+          </p:cNvPr>
+          <p:cNvSpPr>
+            <a:spLocks noGrp="1"/>
+          </p:cNvSpPr>
+          <p:nvPr>
+            <p:ph type="title"/>
+          </p:nvPr>
+        </p:nvSpPr>
+        <p:spPr/>
+        <p:txBody>
+          <a:bodyPr/>
+          <a:lstStyle/>
+          <a:p>
+            <a:endParaRPr lang="en-US"/>
+          </a:p>
+        </p:txBody>
+      </p:sp>
+      <p:sp>
+        <p:nvSpPr>
+          <p:cNvPr id="3" name="Content Placeholder 2">
+            <a:extLst>
+              <a:ext uri="{FF2B5EF4-FFF2-40B4-BE49-F238E27FC236}">
+                <a16:creationId xmlns:a16="http://schemas.microsoft.com/office/drawing/2014/main" id="{EF91CC53-F26C-45AF-AFCC-0B06D7536FF5}"/>
+              </a:ext>
+            </a:extLst>
+          </p:cNvPr>
+          <p:cNvSpPr>
+            <a:spLocks noGrp="1"/>
+          </p:cNvSpPr>
+          <p:nvPr>
+            <p:ph idx="1"/>
+          </p:nvPr>
+        </p:nvSpPr>
+        <p:spPr/>
+        <p:txBody>
+          <a:bodyPr/>
+          <a:lstStyle/>
+          <a:p>
+            <a:endParaRPr lang="en-US" dirty="0"/>
+          </a:p>
+        </p:txBody>
+      </p:sp>
+      <p:pic>
+        <p:nvPicPr>
+          <p:cNvPr id="3074" name="Picture 2" descr="Kết quả hình ảnh cho questions meme">
+            <a:extLst>
+              <a:ext uri="{FF2B5EF4-FFF2-40B4-BE49-F238E27FC236}">
+                <a16:creationId xmlns:a16="http://schemas.microsoft.com/office/drawing/2014/main" id="{1CF9EBEB-88B7-490D-A4F0-FABE86EBEC59}"/>
+              </a:ext>
+            </a:extLst>
+          </p:cNvPr>
+          <p:cNvPicPr>
+            <a:picLocks noChangeAspect="1" noChangeArrowheads="1"/>
+          </p:cNvPicPr>
+          <p:nvPr/>
+        </p:nvPicPr>
+        <p:blipFill>
+          <a:blip r:embed="rId2">
+            <a:extLst>
+              <a:ext uri="{28A0092B-C50C-407E-A947-70E740481C1C}">
+                <a14:useLocalDpi xmlns:a14="http://schemas.microsoft.com/office/drawing/2010/main" val="0"/>
+              </a:ext>
+            </a:extLst>
+          </a:blip>
+          <a:srcRect/>
+          <a:stretch>
+            <a:fillRect/>
+          </a:stretch>
+        </p:blipFill>
+        <p:spPr bwMode="auto">
+          <a:xfrm>
+            <a:off x="3441700" y="0"/>
+            <a:ext cx="5778500" cy="6863493"/>
+          </a:xfrm>
+          <a:prstGeom prst="rect">
+            <a:avLst/>
+          </a:prstGeom>
+          <a:noFill/>
+          <a:extLst>
+            <a:ext uri="{909E8E84-426E-40DD-AFC4-6F175D3DCCD1}">
+              <a14:hiddenFill xmlns:a14="http://schemas.microsoft.com/office/drawing/2010/main">
+                <a:solidFill>
+                  <a:srgbClr val="FFFFFF"/>
+                </a:solidFill>
+              </a14:hiddenFill>
+            </a:ext>
+          </a:extLst>
+        </p:spPr>
+      </p:pic>
+    </p:spTree>
+    <p:extLst>
+      <p:ext uri="{BB962C8B-B14F-4D97-AF65-F5344CB8AC3E}">
+        <p14:creationId xmlns:p14="http://schemas.microsoft.com/office/powerpoint/2010/main" val="3482530981"/>
+      </p:ext>
+    </p:extLst>
+  </p:cSld>
+  <p:clrMapOvr>
+    <a:masterClrMapping/>
+  </p:clrMapOvr>
+</p:sld>
+</file>
+
+<file path=ppt/slides/slide35.xml><?xml version="1.0" encoding="utf-8"?>
+<p:sld xmlns:a="http://schemas.openxmlformats.org/drawingml/2006/main" xmlns:r="http://schemas.openxmlformats.org/officeDocument/2006/relationships" xmlns:p="http://schemas.openxmlformats.org/presentationml/2006/main">
+  <p:cSld>
+    <p:spTree>
+      <p:nvGrpSpPr>
+        <p:cNvPr id="1" name=""/>
+        <p:cNvGrpSpPr/>
+        <p:nvPr/>
+      </p:nvGrpSpPr>
+      <p:grpSpPr>
+        <a:xfrm>
+          <a:off x="0" y="0"/>
+          <a:ext cx="0" cy="0"/>
+          <a:chOff x="0" y="0"/>
+          <a:chExt cx="0" cy="0"/>
+        </a:xfrm>
+      </p:grpSpPr>
+      <p:sp>
+        <p:nvSpPr>
+          <p:cNvPr id="2" name="Title 1">
+            <a:extLst>
+              <a:ext uri="{FF2B5EF4-FFF2-40B4-BE49-F238E27FC236}">
+                <a16:creationId xmlns:a16="http://schemas.microsoft.com/office/drawing/2014/main" id="{4E9665C3-A39B-46CB-9476-38155755C811}"/>
+              </a:ext>
+            </a:extLst>
+          </p:cNvPr>
+          <p:cNvSpPr>
+            <a:spLocks noGrp="1"/>
+          </p:cNvSpPr>
+          <p:nvPr>
+            <p:ph type="title"/>
+          </p:nvPr>
+        </p:nvSpPr>
+        <p:spPr/>
+        <p:txBody>
+          <a:bodyPr/>
+          <a:lstStyle/>
+          <a:p>
+            <a:r>
+              <a:rPr lang="en-US" dirty="0"/>
+              <a:t>Credit</a:t>
+            </a:r>
+          </a:p>
+        </p:txBody>
+      </p:sp>
+      <p:pic>
+        <p:nvPicPr>
+          <p:cNvPr id="2050" name="Picture 2" descr="Kết quả hình ảnh cho clean architecture book">
+            <a:extLst>
+              <a:ext uri="{FF2B5EF4-FFF2-40B4-BE49-F238E27FC236}">
+                <a16:creationId xmlns:a16="http://schemas.microsoft.com/office/drawing/2014/main" id="{CA95184D-3F13-4602-8B7D-06D9B863B3D4}"/>
+              </a:ext>
+            </a:extLst>
+          </p:cNvPr>
+          <p:cNvPicPr>
+            <a:picLocks noGrp="1" noChangeAspect="1" noChangeArrowheads="1"/>
+          </p:cNvPicPr>
+          <p:nvPr>
+            <p:ph idx="1"/>
+          </p:nvPr>
+        </p:nvPicPr>
+        <p:blipFill>
+          <a:blip r:embed="rId2">
+            <a:extLst>
+              <a:ext uri="{28A0092B-C50C-407E-A947-70E740481C1C}">
+                <a14:useLocalDpi xmlns:a14="http://schemas.microsoft.com/office/drawing/2010/main" val="0"/>
+              </a:ext>
+            </a:extLst>
+          </a:blip>
+          <a:srcRect/>
+          <a:stretch>
+            <a:fillRect/>
+          </a:stretch>
+        </p:blipFill>
+        <p:spPr bwMode="auto">
+          <a:xfrm>
+            <a:off x="1978660" y="1871663"/>
+            <a:ext cx="3385820" cy="4407955"/>
+          </a:xfrm>
+          <a:prstGeom prst="rect">
+            <a:avLst/>
+          </a:prstGeom>
+          <a:noFill/>
+          <a:extLst>
+            <a:ext uri="{909E8E84-426E-40DD-AFC4-6F175D3DCCD1}">
+              <a14:hiddenFill xmlns:a14="http://schemas.microsoft.com/office/drawing/2010/main">
+                <a:solidFill>
+                  <a:srgbClr val="FFFFFF"/>
+                </a:solidFill>
+              </a14:hiddenFill>
+            </a:ext>
+          </a:extLst>
+        </p:spPr>
+      </p:pic>
+      <p:sp>
+        <p:nvSpPr>
+          <p:cNvPr id="8" name="Rectangle 7">
+            <a:extLst>
+              <a:ext uri="{FF2B5EF4-FFF2-40B4-BE49-F238E27FC236}">
+                <a16:creationId xmlns:a16="http://schemas.microsoft.com/office/drawing/2014/main" id="{0863839E-319E-447C-AC29-6535FD880784}"/>
+              </a:ext>
+            </a:extLst>
+          </p:cNvPr>
+          <p:cNvSpPr/>
+          <p:nvPr/>
+        </p:nvSpPr>
+        <p:spPr>
+          <a:xfrm>
+            <a:off x="6113655" y="5301734"/>
+            <a:ext cx="5217197" cy="369332"/>
+          </a:xfrm>
+          <a:prstGeom prst="rect">
+            <a:avLst/>
+          </a:prstGeom>
+        </p:spPr>
+        <p:txBody>
+          <a:bodyPr wrap="none">
+            <a:spAutoFit/>
+          </a:bodyPr>
+          <a:lstStyle/>
+          <a:p>
+            <a:r>
+              <a:rPr lang="en-US" dirty="0">
+                <a:hlinkClick r:id="rId3"/>
+              </a:rPr>
+              <a:t>https://github.com/jasontaylordev/NorthwindTraders</a:t>
+            </a:r>
+            <a:endParaRPr lang="en-US" dirty="0"/>
+          </a:p>
+        </p:txBody>
+      </p:sp>
+      <p:pic>
+        <p:nvPicPr>
+          <p:cNvPr id="2052" name="Picture 4" descr="https://avatars1.githubusercontent.com/u/1988321?s=460&amp;v=4">
+            <a:extLst>
+              <a:ext uri="{FF2B5EF4-FFF2-40B4-BE49-F238E27FC236}">
+                <a16:creationId xmlns:a16="http://schemas.microsoft.com/office/drawing/2014/main" id="{FE816745-D36A-49A8-91AC-9DE0F4C87F30}"/>
+              </a:ext>
+            </a:extLst>
+          </p:cNvPr>
+          <p:cNvPicPr>
+            <a:picLocks noChangeAspect="1" noChangeArrowheads="1"/>
+          </p:cNvPicPr>
+          <p:nvPr/>
+        </p:nvPicPr>
+        <p:blipFill>
+          <a:blip r:embed="rId4">
+            <a:extLst>
+              <a:ext uri="{28A0092B-C50C-407E-A947-70E740481C1C}">
+                <a14:useLocalDpi xmlns:a14="http://schemas.microsoft.com/office/drawing/2010/main" val="0"/>
+              </a:ext>
+            </a:extLst>
+          </a:blip>
+          <a:srcRect/>
+          <a:stretch>
+            <a:fillRect/>
+          </a:stretch>
+        </p:blipFill>
+        <p:spPr bwMode="auto">
+          <a:xfrm>
+            <a:off x="7059612" y="1871662"/>
+            <a:ext cx="3119437" cy="3119437"/>
+          </a:xfrm>
+          <a:prstGeom prst="rect">
+            <a:avLst/>
+          </a:prstGeom>
+          <a:noFill/>
+          <a:extLst>
+            <a:ext uri="{909E8E84-426E-40DD-AFC4-6F175D3DCCD1}">
+              <a14:hiddenFill xmlns:a14="http://schemas.microsoft.com/office/drawing/2010/main">
+                <a:solidFill>
+                  <a:srgbClr val="FFFFFF"/>
+                </a:solidFill>
+              </a14:hiddenFill>
+            </a:ext>
+          </a:extLst>
+        </p:spPr>
+      </p:pic>
+    </p:spTree>
+    <p:extLst>
+      <p:ext uri="{BB962C8B-B14F-4D97-AF65-F5344CB8AC3E}">
+        <p14:creationId xmlns:p14="http://schemas.microsoft.com/office/powerpoint/2010/main" val="1745212149"/>
+      </p:ext>
+    </p:extLst>
+  </p:cSld>
+  <p:clrMapOvr>
+    <a:masterClrMapping/>
+  </p:clrMapOvr>
+</p:sld>
+</file>
+
+<file path=ppt/slides/slide36.xml><?xml version="1.0" encoding="utf-8"?>
+<p:sld xmlns:a="http://schemas.openxmlformats.org/drawingml/2006/main" xmlns:r="http://schemas.openxmlformats.org/officeDocument/2006/relationships" xmlns:p="http://schemas.openxmlformats.org/presentationml/2006/main">
+  <p:cSld>
+    <p:spTree>
+      <p:nvGrpSpPr>
+        <p:cNvPr id="1" name=""/>
+        <p:cNvGrpSpPr/>
+        <p:nvPr/>
+      </p:nvGrpSpPr>
+      <p:grpSpPr>
+        <a:xfrm>
+          <a:off x="0" y="0"/>
+          <a:ext cx="0" cy="0"/>
+          <a:chOff x="0" y="0"/>
+          <a:chExt cx="0" cy="0"/>
+        </a:xfrm>
+      </p:grpSpPr>
+      <p:sp>
+        <p:nvSpPr>
+          <p:cNvPr id="2" name="Title 1">
+            <a:extLst>
+              <a:ext uri="{FF2B5EF4-FFF2-40B4-BE49-F238E27FC236}">
+                <a16:creationId xmlns:a16="http://schemas.microsoft.com/office/drawing/2014/main" id="{3BD05AB8-2DB3-4182-A4F3-09AA90732A0F}"/>
+              </a:ext>
+            </a:extLst>
+          </p:cNvPr>
+          <p:cNvSpPr>
+            <a:spLocks noGrp="1"/>
+          </p:cNvSpPr>
+          <p:nvPr>
+            <p:ph type="title"/>
+          </p:nvPr>
+        </p:nvSpPr>
+        <p:spPr/>
+        <p:txBody>
+          <a:bodyPr/>
+          <a:lstStyle/>
+          <a:p>
+            <a:r>
+              <a:rPr lang="en-US" dirty="0"/>
+              <a:t>Thank you!</a:t>
+            </a:r>
+          </a:p>
+        </p:txBody>
+      </p:sp>
+      <p:sp>
+        <p:nvSpPr>
+          <p:cNvPr id="3" name="Content Placeholder 2">
+            <a:extLst>
+              <a:ext uri="{FF2B5EF4-FFF2-40B4-BE49-F238E27FC236}">
+                <a16:creationId xmlns:a16="http://schemas.microsoft.com/office/drawing/2014/main" id="{EF91CC53-F26C-45AF-AFCC-0B06D7536FF5}"/>
+              </a:ext>
+            </a:extLst>
+          </p:cNvPr>
+          <p:cNvSpPr>
+            <a:spLocks noGrp="1"/>
+          </p:cNvSpPr>
+          <p:nvPr>
+            <p:ph idx="1"/>
+          </p:nvPr>
+        </p:nvSpPr>
+        <p:spPr/>
+        <p:txBody>
+          <a:bodyPr/>
+          <a:lstStyle/>
+          <a:p>
+            <a:endParaRPr lang="en-US" dirty="0"/>
+          </a:p>
+        </p:txBody>
+      </p:sp>
+    </p:spTree>
+    <p:extLst>
+      <p:ext uri="{BB962C8B-B14F-4D97-AF65-F5344CB8AC3E}">
+        <p14:creationId xmlns:p14="http://schemas.microsoft.com/office/powerpoint/2010/main" val="2080480067"/>
       </p:ext>
     </p:extLst>
   </p:cSld>

--- a/Introduction_to_clean_architecture.pptx
+++ b/Introduction_to_clean_architecture.pptx
@@ -149,10 +149,6 @@
     </p:ext>
   </p:extLst>
 </p:presentation>
-</file>
-
-<file path=ppt/revisionInfo.xml><?xml version="1.0" encoding="utf-8"?>
-<p1510:revInfo xmlns:a="http://schemas.openxmlformats.org/drawingml/2006/main" xmlns:r="http://schemas.openxmlformats.org/officeDocument/2006/relationships" xmlns:p1510="http://schemas.microsoft.com/office/powerpoint/2015/10/main"/>
 </file>
 
 <file path=ppt/notesMasters/notesMaster1.xml><?xml version="1.0" encoding="utf-8"?>
@@ -13310,7 +13306,7 @@
                 <a16:creationId xmlns:a16="http://schemas.microsoft.com/office/drawing/2014/main" id="{52ABB703-2B0E-4C3B-B4A2-F3973548E561}"/>
               </a:ext>
               <a:ext uri="{C183D7F6-B498-43B3-948B-1728B52AA6E4}">
-                <adec:decorative xmlns:adec="http://schemas.microsoft.com/office/drawing/2017/decorative" xmlns="" val="1"/>
+                <adec:decorative xmlns:adec="http://schemas.microsoft.com/office/drawing/2017/decorative" val="1"/>
               </a:ext>
             </a:extLst>
           </p:cNvPr>
@@ -13452,7 +13448,7 @@
                 <a16:creationId xmlns:a16="http://schemas.microsoft.com/office/drawing/2014/main" id="{9C21570E-E159-49A6-9891-FA397B7A92D3}"/>
               </a:ext>
               <a:ext uri="{C183D7F6-B498-43B3-948B-1728B52AA6E4}">
-                <adec:decorative xmlns:adec="http://schemas.microsoft.com/office/drawing/2017/decorative" xmlns="" val="1"/>
+                <adec:decorative xmlns:adec="http://schemas.microsoft.com/office/drawing/2017/decorative" val="1"/>
               </a:ext>
             </a:extLst>
           </p:cNvPr>
@@ -13573,7 +13569,7 @@
                 <a16:creationId xmlns:a16="http://schemas.microsoft.com/office/drawing/2014/main" id="{E95DA498-D9A2-4DA9-B9DA-B3776E08CF7E}"/>
               </a:ext>
               <a:ext uri="{C183D7F6-B498-43B3-948B-1728B52AA6E4}">
-                <adec:decorative xmlns:adec="http://schemas.microsoft.com/office/drawing/2017/decorative" xmlns="" val="1"/>
+                <adec:decorative xmlns:adec="http://schemas.microsoft.com/office/drawing/2017/decorative" val="1"/>
               </a:ext>
             </a:extLst>
           </p:cNvPr>
@@ -13628,7 +13624,7 @@
                 <a16:creationId xmlns:a16="http://schemas.microsoft.com/office/drawing/2014/main" id="{82A73093-4B9D-420D-B17E-52293703A1D4}"/>
               </a:ext>
               <a:ext uri="{C183D7F6-B498-43B3-948B-1728B52AA6E4}">
-                <adec:decorative xmlns:adec="http://schemas.microsoft.com/office/drawing/2017/decorative" xmlns="" val="1"/>
+                <adec:decorative xmlns:adec="http://schemas.microsoft.com/office/drawing/2017/decorative" val="1"/>
               </a:ext>
             </a:extLst>
           </p:cNvPr>
@@ -14299,7 +14295,15 @@
           <a:p>
             <a:r>
               <a:rPr lang="en-US" dirty="0"/>
-              <a:t>Why do n-tier architecture often fail?</a:t>
+              <a:t>Why </a:t>
+            </a:r>
+            <a:r>
+              <a:rPr lang="en-US"/>
+              <a:t>do n-layer </a:t>
+            </a:r>
+            <a:r>
+              <a:rPr lang="en-US" dirty="0"/>
+              <a:t>architecture often fail?</a:t>
             </a:r>
           </a:p>
         </p:txBody>
@@ -14380,7 +14384,7 @@
                 <a16:creationId xmlns:a16="http://schemas.microsoft.com/office/drawing/2014/main" id="{4E4490D0-3672-446A-AC12-B4830333BDDD}"/>
               </a:ext>
               <a:ext uri="{C183D7F6-B498-43B3-948B-1728B52AA6E4}">
-                <adec:decorative xmlns:adec="http://schemas.microsoft.com/office/drawing/2017/decorative" xmlns="" val="1"/>
+                <adec:decorative xmlns:adec="http://schemas.microsoft.com/office/drawing/2017/decorative" val="1"/>
               </a:ext>
             </a:extLst>
           </p:cNvPr>
@@ -14435,7 +14439,7 @@
                 <a16:creationId xmlns:a16="http://schemas.microsoft.com/office/drawing/2014/main" id="{39CB82C2-DF65-4EC1-8280-F201D50F570B}"/>
               </a:ext>
               <a:ext uri="{C183D7F6-B498-43B3-948B-1728B52AA6E4}">
-                <adec:decorative xmlns:adec="http://schemas.microsoft.com/office/drawing/2017/decorative" xmlns="" val="1"/>
+                <adec:decorative xmlns:adec="http://schemas.microsoft.com/office/drawing/2017/decorative" val="1"/>
               </a:ext>
             </a:extLst>
           </p:cNvPr>
@@ -14490,7 +14494,7 @@
                 <a16:creationId xmlns:a16="http://schemas.microsoft.com/office/drawing/2014/main" id="{7E1D4427-852B-4B37-8E76-0E9F1810BA2A}"/>
               </a:ext>
               <a:ext uri="{C183D7F6-B498-43B3-948B-1728B52AA6E4}">
-                <adec:decorative xmlns:adec="http://schemas.microsoft.com/office/drawing/2017/decorative" xmlns="" val="1"/>
+                <adec:decorative xmlns:adec="http://schemas.microsoft.com/office/drawing/2017/decorative" val="1"/>
               </a:ext>
             </a:extLst>
           </p:cNvPr>
@@ -14545,7 +14549,7 @@
                 <a16:creationId xmlns:a16="http://schemas.microsoft.com/office/drawing/2014/main" id="{FA4CD5CB-D209-4D70-8CA4-629731C59219}"/>
               </a:ext>
               <a:ext uri="{C183D7F6-B498-43B3-948B-1728B52AA6E4}">
-                <adec:decorative xmlns:adec="http://schemas.microsoft.com/office/drawing/2017/decorative" xmlns="" val="1"/>
+                <adec:decorative xmlns:adec="http://schemas.microsoft.com/office/drawing/2017/decorative" val="1"/>
               </a:ext>
             </a:extLst>
           </p:cNvPr>
@@ -14704,7 +14708,7 @@
                 <a16:creationId xmlns:a16="http://schemas.microsoft.com/office/drawing/2014/main" id="{5C6A2BAE-B461-4B55-8E1F-0722ABDD1393}"/>
               </a:ext>
               <a:ext uri="{C183D7F6-B498-43B3-948B-1728B52AA6E4}">
-                <adec:decorative xmlns:adec="http://schemas.microsoft.com/office/drawing/2017/decorative" xmlns="" val="1"/>
+                <adec:decorative xmlns:adec="http://schemas.microsoft.com/office/drawing/2017/decorative" val="1"/>
               </a:ext>
             </a:extLst>
           </p:cNvPr>
@@ -14758,7 +14762,7 @@
                 <a16:creationId xmlns:a16="http://schemas.microsoft.com/office/drawing/2014/main" id="{B4C27B90-DF2B-4D00-BA07-18ED774CD2F1}"/>
               </a:ext>
               <a:ext uri="{C183D7F6-B498-43B3-948B-1728B52AA6E4}">
-                <adec:decorative xmlns:adec="http://schemas.microsoft.com/office/drawing/2017/decorative" xmlns="" val="1"/>
+                <adec:decorative xmlns:adec="http://schemas.microsoft.com/office/drawing/2017/decorative" val="1"/>
               </a:ext>
             </a:extLst>
           </p:cNvPr>
@@ -14813,7 +14817,7 @@
                 <a16:creationId xmlns:a16="http://schemas.microsoft.com/office/drawing/2014/main" id="{593ACC25-C262-417A-8AA9-0641C772BDB6}"/>
               </a:ext>
               <a:ext uri="{C183D7F6-B498-43B3-948B-1728B52AA6E4}">
-                <adec:decorative xmlns:adec="http://schemas.microsoft.com/office/drawing/2017/decorative" xmlns="" val="1"/>
+                <adec:decorative xmlns:adec="http://schemas.microsoft.com/office/drawing/2017/decorative" val="1"/>
               </a:ext>
             </a:extLst>
           </p:cNvPr>
@@ -14906,7 +14910,7 @@
                 <a16:creationId xmlns:a16="http://schemas.microsoft.com/office/drawing/2014/main" id="{4E4490D0-3672-446A-AC12-B4830333BDDD}"/>
               </a:ext>
               <a:ext uri="{C183D7F6-B498-43B3-948B-1728B52AA6E4}">
-                <adec:decorative xmlns:adec="http://schemas.microsoft.com/office/drawing/2017/decorative" xmlns="" val="1"/>
+                <adec:decorative xmlns:adec="http://schemas.microsoft.com/office/drawing/2017/decorative" val="1"/>
               </a:ext>
             </a:extLst>
           </p:cNvPr>
@@ -14961,7 +14965,7 @@
                 <a16:creationId xmlns:a16="http://schemas.microsoft.com/office/drawing/2014/main" id="{39CB82C2-DF65-4EC1-8280-F201D50F570B}"/>
               </a:ext>
               <a:ext uri="{C183D7F6-B498-43B3-948B-1728B52AA6E4}">
-                <adec:decorative xmlns:adec="http://schemas.microsoft.com/office/drawing/2017/decorative" xmlns="" val="1"/>
+                <adec:decorative xmlns:adec="http://schemas.microsoft.com/office/drawing/2017/decorative" val="1"/>
               </a:ext>
             </a:extLst>
           </p:cNvPr>
@@ -15016,7 +15020,7 @@
                 <a16:creationId xmlns:a16="http://schemas.microsoft.com/office/drawing/2014/main" id="{7E1D4427-852B-4B37-8E76-0E9F1810BA2A}"/>
               </a:ext>
               <a:ext uri="{C183D7F6-B498-43B3-948B-1728B52AA6E4}">
-                <adec:decorative xmlns:adec="http://schemas.microsoft.com/office/drawing/2017/decorative" xmlns="" val="1"/>
+                <adec:decorative xmlns:adec="http://schemas.microsoft.com/office/drawing/2017/decorative" val="1"/>
               </a:ext>
             </a:extLst>
           </p:cNvPr>
@@ -15071,7 +15075,7 @@
                 <a16:creationId xmlns:a16="http://schemas.microsoft.com/office/drawing/2014/main" id="{FA4CD5CB-D209-4D70-8CA4-629731C59219}"/>
               </a:ext>
               <a:ext uri="{C183D7F6-B498-43B3-948B-1728B52AA6E4}">
-                <adec:decorative xmlns:adec="http://schemas.microsoft.com/office/drawing/2017/decorative" xmlns="" val="1"/>
+                <adec:decorative xmlns:adec="http://schemas.microsoft.com/office/drawing/2017/decorative" val="1"/>
               </a:ext>
             </a:extLst>
           </p:cNvPr>
@@ -15221,7 +15225,7 @@
                 <a16:creationId xmlns:a16="http://schemas.microsoft.com/office/drawing/2014/main" id="{5C6A2BAE-B461-4B55-8E1F-0722ABDD1393}"/>
               </a:ext>
               <a:ext uri="{C183D7F6-B498-43B3-948B-1728B52AA6E4}">
-                <adec:decorative xmlns:adec="http://schemas.microsoft.com/office/drawing/2017/decorative" xmlns="" val="1"/>
+                <adec:decorative xmlns:adec="http://schemas.microsoft.com/office/drawing/2017/decorative" val="1"/>
               </a:ext>
             </a:extLst>
           </p:cNvPr>
@@ -15275,7 +15279,7 @@
                 <a16:creationId xmlns:a16="http://schemas.microsoft.com/office/drawing/2014/main" id="{B4C27B90-DF2B-4D00-BA07-18ED774CD2F1}"/>
               </a:ext>
               <a:ext uri="{C183D7F6-B498-43B3-948B-1728B52AA6E4}">
-                <adec:decorative xmlns:adec="http://schemas.microsoft.com/office/drawing/2017/decorative" xmlns="" val="1"/>
+                <adec:decorative xmlns:adec="http://schemas.microsoft.com/office/drawing/2017/decorative" val="1"/>
               </a:ext>
             </a:extLst>
           </p:cNvPr>
@@ -15330,7 +15334,7 @@
                 <a16:creationId xmlns:a16="http://schemas.microsoft.com/office/drawing/2014/main" id="{593ACC25-C262-417A-8AA9-0641C772BDB6}"/>
               </a:ext>
               <a:ext uri="{C183D7F6-B498-43B3-948B-1728B52AA6E4}">
-                <adec:decorative xmlns:adec="http://schemas.microsoft.com/office/drawing/2017/decorative" xmlns="" val="1"/>
+                <adec:decorative xmlns:adec="http://schemas.microsoft.com/office/drawing/2017/decorative" val="1"/>
               </a:ext>
             </a:extLst>
           </p:cNvPr>

--- a/Introduction_to_clean_architecture.pptx
+++ b/Introduction_to_clean_architecture.pptx
@@ -544,7 +544,28 @@
           <a:bodyPr/>
           <a:lstStyle/>
           <a:p>
-            <a:endParaRPr lang="en-US" dirty="0"/>
+            <a:r>
+              <a:rPr lang="en-US" dirty="0"/>
+              <a:t>Any know the term?</a:t>
+            </a:r>
+          </a:p>
+          <a:p>
+            <a:r>
+              <a:rPr lang="en-US" dirty="0" err="1"/>
+              <a:t>Wanna</a:t>
+            </a:r>
+            <a:r>
+              <a:rPr lang="en-US" dirty="0"/>
+              <a:t> be an discussion, </a:t>
+            </a:r>
+            <a:r>
+              <a:rPr lang="en-US" dirty="0" err="1"/>
+              <a:t>discrupt</a:t>
+            </a:r>
+            <a:r>
+              <a:rPr lang="en-US" dirty="0"/>
+              <a:t> me at anytime</a:t>
+            </a:r>
           </a:p>
         </p:txBody>
       </p:sp>
@@ -565,7 +586,7 @@
           <a:p>
             <a:fld id="{FF656A1E-9917-4BCA-B0CA-FDE01DC71FA6}" type="slidenum">
               <a:rPr lang="en-US" smtClean="0"/>
-              <a:t>8</a:t>
+              <a:t>1</a:t>
             </a:fld>
             <a:endParaRPr lang="en-US"/>
           </a:p>
@@ -574,7 +595,7 @@
     </p:spTree>
     <p:extLst>
       <p:ext uri="{BB962C8B-B14F-4D97-AF65-F5344CB8AC3E}">
-        <p14:creationId xmlns:p14="http://schemas.microsoft.com/office/powerpoint/2010/main" val="2694271634"/>
+        <p14:creationId xmlns:p14="http://schemas.microsoft.com/office/powerpoint/2010/main" val="4136716832"/>
       </p:ext>
     </p:extLst>
   </p:cSld>
@@ -628,7 +649,10 @@
           <a:bodyPr/>
           <a:lstStyle/>
           <a:p>
-            <a:endParaRPr lang="en-US" dirty="0"/>
+            <a:r>
+              <a:rPr lang="en-US" dirty="0"/>
+              <a:t>What is a similarity between a web, a console, a desktop app</a:t>
+            </a:r>
           </a:p>
         </p:txBody>
       </p:sp>
@@ -649,7 +673,7 @@
           <a:p>
             <a:fld id="{FF656A1E-9917-4BCA-B0CA-FDE01DC71FA6}" type="slidenum">
               <a:rPr lang="en-US" smtClean="0"/>
-              <a:t>20</a:t>
+              <a:t>8</a:t>
             </a:fld>
             <a:endParaRPr lang="en-US"/>
           </a:p>
@@ -658,7 +682,7 @@
     </p:spTree>
     <p:extLst>
       <p:ext uri="{BB962C8B-B14F-4D97-AF65-F5344CB8AC3E}">
-        <p14:creationId xmlns:p14="http://schemas.microsoft.com/office/powerpoint/2010/main" val="3603050071"/>
+        <p14:creationId xmlns:p14="http://schemas.microsoft.com/office/powerpoint/2010/main" val="2694271634"/>
       </p:ext>
     </p:extLst>
   </p:cSld>
@@ -733,7 +757,7 @@
           <a:p>
             <a:fld id="{FF656A1E-9917-4BCA-B0CA-FDE01DC71FA6}" type="slidenum">
               <a:rPr lang="en-US" smtClean="0"/>
-              <a:t>21</a:t>
+              <a:t>20</a:t>
             </a:fld>
             <a:endParaRPr lang="en-US"/>
           </a:p>
@@ -742,7 +766,7 @@
     </p:spTree>
     <p:extLst>
       <p:ext uri="{BB962C8B-B14F-4D97-AF65-F5344CB8AC3E}">
-        <p14:creationId xmlns:p14="http://schemas.microsoft.com/office/powerpoint/2010/main" val="3963071330"/>
+        <p14:creationId xmlns:p14="http://schemas.microsoft.com/office/powerpoint/2010/main" val="3603050071"/>
       </p:ext>
     </p:extLst>
   </p:cSld>
@@ -817,6 +841,90 @@
           <a:p>
             <a:fld id="{FF656A1E-9917-4BCA-B0CA-FDE01DC71FA6}" type="slidenum">
               <a:rPr lang="en-US" smtClean="0"/>
+              <a:t>21</a:t>
+            </a:fld>
+            <a:endParaRPr lang="en-US"/>
+          </a:p>
+        </p:txBody>
+      </p:sp>
+    </p:spTree>
+    <p:extLst>
+      <p:ext uri="{BB962C8B-B14F-4D97-AF65-F5344CB8AC3E}">
+        <p14:creationId xmlns:p14="http://schemas.microsoft.com/office/powerpoint/2010/main" val="3963071330"/>
+      </p:ext>
+    </p:extLst>
+  </p:cSld>
+  <p:clrMapOvr>
+    <a:masterClrMapping/>
+  </p:clrMapOvr>
+</p:notes>
+</file>
+
+<file path=ppt/notesSlides/notesSlide5.xml><?xml version="1.0" encoding="utf-8"?>
+<p:notes xmlns:a="http://schemas.openxmlformats.org/drawingml/2006/main" xmlns:r="http://schemas.openxmlformats.org/officeDocument/2006/relationships" xmlns:p="http://schemas.openxmlformats.org/presentationml/2006/main">
+  <p:cSld>
+    <p:spTree>
+      <p:nvGrpSpPr>
+        <p:cNvPr id="1" name=""/>
+        <p:cNvGrpSpPr/>
+        <p:nvPr/>
+      </p:nvGrpSpPr>
+      <p:grpSpPr>
+        <a:xfrm>
+          <a:off x="0" y="0"/>
+          <a:ext cx="0" cy="0"/>
+          <a:chOff x="0" y="0"/>
+          <a:chExt cx="0" cy="0"/>
+        </a:xfrm>
+      </p:grpSpPr>
+      <p:sp>
+        <p:nvSpPr>
+          <p:cNvPr id="2" name="Slide Image Placeholder 1"/>
+          <p:cNvSpPr>
+            <a:spLocks noGrp="1" noRot="1" noChangeAspect="1"/>
+          </p:cNvSpPr>
+          <p:nvPr>
+            <p:ph type="sldImg"/>
+          </p:nvPr>
+        </p:nvSpPr>
+        <p:spPr/>
+      </p:sp>
+      <p:sp>
+        <p:nvSpPr>
+          <p:cNvPr id="3" name="Notes Placeholder 2"/>
+          <p:cNvSpPr>
+            <a:spLocks noGrp="1"/>
+          </p:cNvSpPr>
+          <p:nvPr>
+            <p:ph type="body" idx="1"/>
+          </p:nvPr>
+        </p:nvSpPr>
+        <p:spPr/>
+        <p:txBody>
+          <a:bodyPr/>
+          <a:lstStyle/>
+          <a:p>
+            <a:endParaRPr lang="en-US" dirty="0"/>
+          </a:p>
+        </p:txBody>
+      </p:sp>
+      <p:sp>
+        <p:nvSpPr>
+          <p:cNvPr id="4" name="Slide Number Placeholder 3"/>
+          <p:cNvSpPr>
+            <a:spLocks noGrp="1"/>
+          </p:cNvSpPr>
+          <p:nvPr>
+            <p:ph type="sldNum" sz="quarter" idx="5"/>
+          </p:nvPr>
+        </p:nvSpPr>
+        <p:spPr/>
+        <p:txBody>
+          <a:bodyPr/>
+          <a:lstStyle/>
+          <a:p>
+            <a:fld id="{FF656A1E-9917-4BCA-B0CA-FDE01DC71FA6}" type="slidenum">
+              <a:rPr lang="en-US" smtClean="0"/>
               <a:t>22</a:t>
             </a:fld>
             <a:endParaRPr lang="en-US"/>
@@ -836,7 +944,7 @@
 </p:notes>
 </file>
 
-<file path=ppt/notesSlides/notesSlide5.xml><?xml version="1.0" encoding="utf-8"?>
+<file path=ppt/notesSlides/notesSlide6.xml><?xml version="1.0" encoding="utf-8"?>
 <p:notes xmlns:a="http://schemas.openxmlformats.org/drawingml/2006/main" xmlns:r="http://schemas.openxmlformats.org/officeDocument/2006/relationships" xmlns:p="http://schemas.openxmlformats.org/presentationml/2006/main">
   <p:cSld>
     <p:spTree>
@@ -7829,7 +7937,7 @@
           <p:nvPr/>
         </p:nvPicPr>
         <p:blipFill>
-          <a:blip r:embed="rId2">
+          <a:blip r:embed="rId3">
             <a:extLst>
               <a:ext uri="{28A0092B-C50C-407E-A947-70E740481C1C}">
                 <a14:useLocalDpi xmlns:a14="http://schemas.microsoft.com/office/drawing/2010/main" val="0"/>
@@ -10722,214 +10830,6 @@
   <p:clrMapOvr>
     <a:masterClrMapping/>
   </p:clrMapOvr>
-  <p:timing>
-    <p:tnLst>
-      <p:par>
-        <p:cTn id="1" dur="indefinite" restart="never" nodeType="tmRoot">
-          <p:childTnLst>
-            <p:seq concurrent="1" nextAc="seek">
-              <p:cTn id="2" dur="indefinite" nodeType="mainSeq">
-                <p:childTnLst>
-                  <p:par>
-                    <p:cTn id="3" fill="hold">
-                      <p:stCondLst>
-                        <p:cond delay="indefinite"/>
-                      </p:stCondLst>
-                      <p:childTnLst>
-                        <p:par>
-                          <p:cTn id="4" fill="hold">
-                            <p:stCondLst>
-                              <p:cond delay="0"/>
-                            </p:stCondLst>
-                            <p:childTnLst>
-                              <p:par>
-                                <p:cTn id="5" presetID="1" presetClass="entr" presetSubtype="0" fill="hold" grpId="0" nodeType="clickEffect">
-                                  <p:stCondLst>
-                                    <p:cond delay="0"/>
-                                  </p:stCondLst>
-                                  <p:childTnLst>
-                                    <p:set>
-                                      <p:cBhvr>
-                                        <p:cTn id="6" dur="1" fill="hold">
-                                          <p:stCondLst>
-                                            <p:cond delay="0"/>
-                                          </p:stCondLst>
-                                        </p:cTn>
-                                        <p:tgtEl>
-                                          <p:spTgt spid="2"/>
-                                        </p:tgtEl>
-                                        <p:attrNameLst>
-                                          <p:attrName>style.visibility</p:attrName>
-                                        </p:attrNameLst>
-                                      </p:cBhvr>
-                                      <p:to>
-                                        <p:strVal val="visible"/>
-                                      </p:to>
-                                    </p:set>
-                                  </p:childTnLst>
-                                </p:cTn>
-                              </p:par>
-                              <p:par>
-                                <p:cTn id="7" presetID="1" presetClass="entr" presetSubtype="0" fill="hold" grpId="0" nodeType="withEffect">
-                                  <p:stCondLst>
-                                    <p:cond delay="0"/>
-                                  </p:stCondLst>
-                                  <p:childTnLst>
-                                    <p:set>
-                                      <p:cBhvr>
-                                        <p:cTn id="8" dur="1" fill="hold">
-                                          <p:stCondLst>
-                                            <p:cond delay="0"/>
-                                          </p:stCondLst>
-                                        </p:cTn>
-                                        <p:tgtEl>
-                                          <p:spTgt spid="6">
-                                            <p:txEl>
-                                              <p:pRg st="0" end="0"/>
-                                            </p:txEl>
-                                          </p:spTgt>
-                                        </p:tgtEl>
-                                        <p:attrNameLst>
-                                          <p:attrName>style.visibility</p:attrName>
-                                        </p:attrNameLst>
-                                      </p:cBhvr>
-                                      <p:to>
-                                        <p:strVal val="visible"/>
-                                      </p:to>
-                                    </p:set>
-                                  </p:childTnLst>
-                                </p:cTn>
-                              </p:par>
-                            </p:childTnLst>
-                          </p:cTn>
-                        </p:par>
-                      </p:childTnLst>
-                    </p:cTn>
-                  </p:par>
-                  <p:par>
-                    <p:cTn id="9" fill="hold">
-                      <p:stCondLst>
-                        <p:cond delay="indefinite"/>
-                      </p:stCondLst>
-                      <p:childTnLst>
-                        <p:par>
-                          <p:cTn id="10" fill="hold">
-                            <p:stCondLst>
-                              <p:cond delay="0"/>
-                            </p:stCondLst>
-                            <p:childTnLst>
-                              <p:par>
-                                <p:cTn id="11" presetID="1" presetClass="entr" presetSubtype="0" fill="hold" grpId="0" nodeType="clickEffect">
-                                  <p:stCondLst>
-                                    <p:cond delay="0"/>
-                                  </p:stCondLst>
-                                  <p:childTnLst>
-                                    <p:set>
-                                      <p:cBhvr>
-                                        <p:cTn id="12" dur="1" fill="hold">
-                                          <p:stCondLst>
-                                            <p:cond delay="0"/>
-                                          </p:stCondLst>
-                                        </p:cTn>
-                                        <p:tgtEl>
-                                          <p:spTgt spid="6">
-                                            <p:txEl>
-                                              <p:pRg st="1" end="1"/>
-                                            </p:txEl>
-                                          </p:spTgt>
-                                        </p:tgtEl>
-                                        <p:attrNameLst>
-                                          <p:attrName>style.visibility</p:attrName>
-                                        </p:attrNameLst>
-                                      </p:cBhvr>
-                                      <p:to>
-                                        <p:strVal val="visible"/>
-                                      </p:to>
-                                    </p:set>
-                                  </p:childTnLst>
-                                </p:cTn>
-                              </p:par>
-                            </p:childTnLst>
-                          </p:cTn>
-                        </p:par>
-                      </p:childTnLst>
-                    </p:cTn>
-                  </p:par>
-                  <p:par>
-                    <p:cTn id="13" fill="hold">
-                      <p:stCondLst>
-                        <p:cond delay="indefinite"/>
-                      </p:stCondLst>
-                      <p:childTnLst>
-                        <p:par>
-                          <p:cTn id="14" fill="hold">
-                            <p:stCondLst>
-                              <p:cond delay="0"/>
-                            </p:stCondLst>
-                            <p:childTnLst>
-                              <p:par>
-                                <p:cTn id="15" presetID="1" presetClass="entr" presetSubtype="0" fill="hold" grpId="0" nodeType="clickEffect">
-                                  <p:stCondLst>
-                                    <p:cond delay="0"/>
-                                  </p:stCondLst>
-                                  <p:childTnLst>
-                                    <p:set>
-                                      <p:cBhvr>
-                                        <p:cTn id="16" dur="1" fill="hold">
-                                          <p:stCondLst>
-                                            <p:cond delay="0"/>
-                                          </p:stCondLst>
-                                        </p:cTn>
-                                        <p:tgtEl>
-                                          <p:spTgt spid="6">
-                                            <p:txEl>
-                                              <p:pRg st="3" end="3"/>
-                                            </p:txEl>
-                                          </p:spTgt>
-                                        </p:tgtEl>
-                                        <p:attrNameLst>
-                                          <p:attrName>style.visibility</p:attrName>
-                                        </p:attrNameLst>
-                                      </p:cBhvr>
-                                      <p:to>
-                                        <p:strVal val="visible"/>
-                                      </p:to>
-                                    </p:set>
-                                  </p:childTnLst>
-                                </p:cTn>
-                              </p:par>
-                            </p:childTnLst>
-                          </p:cTn>
-                        </p:par>
-                      </p:childTnLst>
-                    </p:cTn>
-                  </p:par>
-                </p:childTnLst>
-              </p:cTn>
-              <p:prevCondLst>
-                <p:cond evt="onPrev" delay="0">
-                  <p:tgtEl>
-                    <p:sldTgt/>
-                  </p:tgtEl>
-                </p:cond>
-              </p:prevCondLst>
-              <p:nextCondLst>
-                <p:cond evt="onNext" delay="0">
-                  <p:tgtEl>
-                    <p:sldTgt/>
-                  </p:tgtEl>
-                </p:cond>
-              </p:nextCondLst>
-            </p:seq>
-          </p:childTnLst>
-        </p:cTn>
-      </p:par>
-    </p:tnLst>
-    <p:bldLst>
-      <p:bldP spid="2" grpId="0"/>
-      <p:bldP spid="6" grpId="0" build="p"/>
-    </p:bldLst>
-  </p:timing>
 </p:sld>
 </file>
 
@@ -12991,7 +12891,7 @@
           <a:p>
             <a:r>
               <a:rPr lang="en-US" dirty="0"/>
-              <a:t>Which one wins?</a:t>
+              <a:t>Which one should we consider?</a:t>
             </a:r>
           </a:p>
         </p:txBody>
@@ -13091,6 +12991,51 @@
                       </p:childTnLst>
                     </p:cTn>
                   </p:par>
+                  <p:par>
+                    <p:cTn id="7" fill="hold">
+                      <p:stCondLst>
+                        <p:cond delay="indefinite"/>
+                      </p:stCondLst>
+                      <p:childTnLst>
+                        <p:par>
+                          <p:cTn id="8" fill="hold">
+                            <p:stCondLst>
+                              <p:cond delay="0"/>
+                            </p:stCondLst>
+                            <p:childTnLst>
+                              <p:par>
+                                <p:cTn id="9" presetID="1" presetClass="entr" presetSubtype="0" fill="hold" nodeType="clickEffect">
+                                  <p:stCondLst>
+                                    <p:cond delay="0"/>
+                                  </p:stCondLst>
+                                  <p:childTnLst>
+                                    <p:set>
+                                      <p:cBhvr>
+                                        <p:cTn id="10" dur="1" fill="hold">
+                                          <p:stCondLst>
+                                            <p:cond delay="0"/>
+                                          </p:stCondLst>
+                                        </p:cTn>
+                                        <p:tgtEl>
+                                          <p:spTgt spid="6"/>
+                                        </p:tgtEl>
+                                        <p:attrNameLst>
+                                          <p:attrName>style.visibility</p:attrName>
+                                        </p:attrNameLst>
+                                      </p:cBhvr>
+                                      <p:to>
+                                        <p:strVal val="visible"/>
+                                      </p:to>
+                                    </p:set>
+                                  </p:childTnLst>
+                                </p:cTn>
+                              </p:par>
+                            </p:childTnLst>
+                          </p:cTn>
+                        </p:par>
+                      </p:childTnLst>
+                    </p:cTn>
+                  </p:par>
                 </p:childTnLst>
               </p:cTn>
               <p:prevCondLst>
@@ -13841,6 +13786,186 @@
   <p:clrMapOvr>
     <a:masterClrMapping/>
   </p:clrMapOvr>
+  <p:timing>
+    <p:tnLst>
+      <p:par>
+        <p:cTn id="1" dur="indefinite" restart="never" nodeType="tmRoot">
+          <p:childTnLst>
+            <p:seq concurrent="1" nextAc="seek">
+              <p:cTn id="2" dur="indefinite" nodeType="mainSeq">
+                <p:childTnLst>
+                  <p:par>
+                    <p:cTn id="3" fill="hold">
+                      <p:stCondLst>
+                        <p:cond delay="indefinite"/>
+                      </p:stCondLst>
+                      <p:childTnLst>
+                        <p:par>
+                          <p:cTn id="4" fill="hold">
+                            <p:stCondLst>
+                              <p:cond delay="0"/>
+                            </p:stCondLst>
+                            <p:childTnLst>
+                              <p:par>
+                                <p:cTn id="5" presetID="1" presetClass="entr" presetSubtype="0" fill="hold" grpId="0" nodeType="clickEffect">
+                                  <p:stCondLst>
+                                    <p:cond delay="0"/>
+                                  </p:stCondLst>
+                                  <p:childTnLst>
+                                    <p:set>
+                                      <p:cBhvr>
+                                        <p:cTn id="6" dur="1" fill="hold">
+                                          <p:stCondLst>
+                                            <p:cond delay="0"/>
+                                          </p:stCondLst>
+                                        </p:cTn>
+                                        <p:tgtEl>
+                                          <p:spTgt spid="3">
+                                            <p:txEl>
+                                              <p:pRg st="0" end="0"/>
+                                            </p:txEl>
+                                          </p:spTgt>
+                                        </p:tgtEl>
+                                        <p:attrNameLst>
+                                          <p:attrName>style.visibility</p:attrName>
+                                        </p:attrNameLst>
+                                      </p:cBhvr>
+                                      <p:to>
+                                        <p:strVal val="visible"/>
+                                      </p:to>
+                                    </p:set>
+                                  </p:childTnLst>
+                                </p:cTn>
+                              </p:par>
+                            </p:childTnLst>
+                          </p:cTn>
+                        </p:par>
+                      </p:childTnLst>
+                    </p:cTn>
+                  </p:par>
+                  <p:par>
+                    <p:cTn id="7" fill="hold">
+                      <p:stCondLst>
+                        <p:cond delay="indefinite"/>
+                      </p:stCondLst>
+                      <p:childTnLst>
+                        <p:par>
+                          <p:cTn id="8" fill="hold">
+                            <p:stCondLst>
+                              <p:cond delay="0"/>
+                            </p:stCondLst>
+                            <p:childTnLst>
+                              <p:par>
+                                <p:cTn id="9" presetID="1" presetClass="entr" presetSubtype="0" fill="hold" grpId="0" nodeType="clickEffect">
+                                  <p:stCondLst>
+                                    <p:cond delay="0"/>
+                                  </p:stCondLst>
+                                  <p:childTnLst>
+                                    <p:set>
+                                      <p:cBhvr>
+                                        <p:cTn id="10" dur="1" fill="hold">
+                                          <p:stCondLst>
+                                            <p:cond delay="0"/>
+                                          </p:stCondLst>
+                                        </p:cTn>
+                                        <p:tgtEl>
+                                          <p:spTgt spid="3">
+                                            <p:txEl>
+                                              <p:pRg st="1" end="1"/>
+                                            </p:txEl>
+                                          </p:spTgt>
+                                        </p:tgtEl>
+                                        <p:attrNameLst>
+                                          <p:attrName>style.visibility</p:attrName>
+                                        </p:attrNameLst>
+                                      </p:cBhvr>
+                                      <p:to>
+                                        <p:strVal val="visible"/>
+                                      </p:to>
+                                    </p:set>
+                                  </p:childTnLst>
+                                </p:cTn>
+                              </p:par>
+                            </p:childTnLst>
+                          </p:cTn>
+                        </p:par>
+                      </p:childTnLst>
+                    </p:cTn>
+                  </p:par>
+                  <p:par>
+                    <p:cTn id="11" fill="hold">
+                      <p:stCondLst>
+                        <p:cond delay="indefinite"/>
+                      </p:stCondLst>
+                      <p:childTnLst>
+                        <p:par>
+                          <p:cTn id="12" fill="hold">
+                            <p:stCondLst>
+                              <p:cond delay="0"/>
+                            </p:stCondLst>
+                            <p:childTnLst>
+                              <p:par>
+                                <p:cTn id="13" presetID="1" presetClass="entr" presetSubtype="0" fill="hold" grpId="0" nodeType="clickEffect">
+                                  <p:stCondLst>
+                                    <p:cond delay="0"/>
+                                  </p:stCondLst>
+                                  <p:childTnLst>
+                                    <p:set>
+                                      <p:cBhvr>
+                                        <p:cTn id="14" dur="1" fill="hold">
+                                          <p:stCondLst>
+                                            <p:cond delay="0"/>
+                                          </p:stCondLst>
+                                        </p:cTn>
+                                        <p:tgtEl>
+                                          <p:spTgt spid="3">
+                                            <p:txEl>
+                                              <p:pRg st="2" end="2"/>
+                                            </p:txEl>
+                                          </p:spTgt>
+                                        </p:tgtEl>
+                                        <p:attrNameLst>
+                                          <p:attrName>style.visibility</p:attrName>
+                                        </p:attrNameLst>
+                                      </p:cBhvr>
+                                      <p:to>
+                                        <p:strVal val="visible"/>
+                                      </p:to>
+                                    </p:set>
+                                  </p:childTnLst>
+                                </p:cTn>
+                              </p:par>
+                            </p:childTnLst>
+                          </p:cTn>
+                        </p:par>
+                      </p:childTnLst>
+                    </p:cTn>
+                  </p:par>
+                </p:childTnLst>
+              </p:cTn>
+              <p:prevCondLst>
+                <p:cond evt="onPrev" delay="0">
+                  <p:tgtEl>
+                    <p:sldTgt/>
+                  </p:tgtEl>
+                </p:cond>
+              </p:prevCondLst>
+              <p:nextCondLst>
+                <p:cond evt="onNext" delay="0">
+                  <p:tgtEl>
+                    <p:sldTgt/>
+                  </p:tgtEl>
+                </p:cond>
+              </p:nextCondLst>
+            </p:seq>
+          </p:childTnLst>
+        </p:cTn>
+      </p:par>
+    </p:tnLst>
+    <p:bldLst>
+      <p:bldP spid="3" grpId="0" build="p"/>
+    </p:bldLst>
+  </p:timing>
 </p:sld>
 </file>
 
@@ -14295,15 +14420,7 @@
           <a:p>
             <a:r>
               <a:rPr lang="en-US" dirty="0"/>
-              <a:t>Why </a:t>
-            </a:r>
-            <a:r>
-              <a:rPr lang="en-US"/>
-              <a:t>do n-layer </a:t>
-            </a:r>
-            <a:r>
-              <a:rPr lang="en-US" dirty="0"/>
-              <a:t>architecture often fail?</a:t>
+              <a:t>Why do n-layer architecture often fail?</a:t>
             </a:r>
           </a:p>
         </p:txBody>
